--- a/generated/generated_presentation.pptx
+++ b/generated/generated_presentation.pptx
@@ -1,8 +1,8 @@
 
 <file path=ppt/presentation.xml><?xml version="1.0" encoding="utf-8"?>
-<p:presentation xmlns:a="http://schemas.openxmlformats.org/drawingml/2006/main" xmlns:r="http://schemas.openxmlformats.org/officeDocument/2006/relationships" xmlns:p="http://schemas.openxmlformats.org/presentationml/2006/main">
+<p:presentation xmlns:a="http://schemas.openxmlformats.org/drawingml/2006/main" xmlns:r="http://schemas.openxmlformats.org/officeDocument/2006/relationships" xmlns:p="http://schemas.openxmlformats.org/presentationml/2006/main" firstSlideNum="2" autoCompressPictures="0">
   <p:sldMasterIdLst>
-    <p:sldMasterId id="2147483648" r:id="rId1"/>
+    <p:sldMasterId id="2147483852" r:id="rId1"/>
   </p:sldMasterIdLst>
   <p:sldIdLst>
     <p:sldId id="258" r:id="rId8"/>
@@ -10,17 +10,14 @@
     <p:sldId id="260" r:id="rId10"/>
     <p:sldId id="261" r:id="rId11"/>
     <p:sldId id="262" r:id="rId12"/>
-    <p:sldId id="263" r:id="rId13"/>
-    <p:sldId id="264" r:id="rId14"/>
-    <p:sldId id="265" r:id="rId15"/>
   </p:sldIdLst>
-  <p:sldSz cx="18288000" cy="10288270"/>
+  <p:sldSz cx="18288000" cy="10287000"/>
   <p:notesSz cx="6858000" cy="9144000"/>
   <p:defaultTextStyle>
     <a:defPPr>
       <a:defRPr lang="en-US"/>
     </a:defPPr>
-    <a:lvl1pPr marL="0" algn="l" defTabSz="914400" rtl="0" eaLnBrk="1" latinLnBrk="0" hangingPunct="1">
+    <a:lvl1pPr marL="0" algn="l" defTabSz="457200" rtl="0" eaLnBrk="1" latinLnBrk="0" hangingPunct="1">
       <a:defRPr sz="1800" kern="1200">
         <a:solidFill>
           <a:schemeClr val="tx1"/>
@@ -30,7 +27,7 @@
         <a:cs typeface="+mn-cs"/>
       </a:defRPr>
     </a:lvl1pPr>
-    <a:lvl2pPr marL="457200" algn="l" defTabSz="914400" rtl="0" eaLnBrk="1" latinLnBrk="0" hangingPunct="1">
+    <a:lvl2pPr marL="457200" algn="l" defTabSz="457200" rtl="0" eaLnBrk="1" latinLnBrk="0" hangingPunct="1">
       <a:defRPr sz="1800" kern="1200">
         <a:solidFill>
           <a:schemeClr val="tx1"/>
@@ -40,7 +37,7 @@
         <a:cs typeface="+mn-cs"/>
       </a:defRPr>
     </a:lvl2pPr>
-    <a:lvl3pPr marL="914400" algn="l" defTabSz="914400" rtl="0" eaLnBrk="1" latinLnBrk="0" hangingPunct="1">
+    <a:lvl3pPr marL="914400" algn="l" defTabSz="457200" rtl="0" eaLnBrk="1" latinLnBrk="0" hangingPunct="1">
       <a:defRPr sz="1800" kern="1200">
         <a:solidFill>
           <a:schemeClr val="tx1"/>
@@ -50,7 +47,7 @@
         <a:cs typeface="+mn-cs"/>
       </a:defRPr>
     </a:lvl3pPr>
-    <a:lvl4pPr marL="1371600" algn="l" defTabSz="914400" rtl="0" eaLnBrk="1" latinLnBrk="0" hangingPunct="1">
+    <a:lvl4pPr marL="1371600" algn="l" defTabSz="457200" rtl="0" eaLnBrk="1" latinLnBrk="0" hangingPunct="1">
       <a:defRPr sz="1800" kern="1200">
         <a:solidFill>
           <a:schemeClr val="tx1"/>
@@ -60,7 +57,7 @@
         <a:cs typeface="+mn-cs"/>
       </a:defRPr>
     </a:lvl4pPr>
-    <a:lvl5pPr marL="1828800" algn="l" defTabSz="914400" rtl="0" eaLnBrk="1" latinLnBrk="0" hangingPunct="1">
+    <a:lvl5pPr marL="1828800" algn="l" defTabSz="457200" rtl="0" eaLnBrk="1" latinLnBrk="0" hangingPunct="1">
       <a:defRPr sz="1800" kern="1200">
         <a:solidFill>
           <a:schemeClr val="tx1"/>
@@ -70,7 +67,7 @@
         <a:cs typeface="+mn-cs"/>
       </a:defRPr>
     </a:lvl5pPr>
-    <a:lvl6pPr marL="2286000" algn="l" defTabSz="914400" rtl="0" eaLnBrk="1" latinLnBrk="0" hangingPunct="1">
+    <a:lvl6pPr marL="2286000" algn="l" defTabSz="457200" rtl="0" eaLnBrk="1" latinLnBrk="0" hangingPunct="1">
       <a:defRPr sz="1800" kern="1200">
         <a:solidFill>
           <a:schemeClr val="tx1"/>
@@ -80,7 +77,7 @@
         <a:cs typeface="+mn-cs"/>
       </a:defRPr>
     </a:lvl6pPr>
-    <a:lvl7pPr marL="2743200" algn="l" defTabSz="914400" rtl="0" eaLnBrk="1" latinLnBrk="0" hangingPunct="1">
+    <a:lvl7pPr marL="2743200" algn="l" defTabSz="457200" rtl="0" eaLnBrk="1" latinLnBrk="0" hangingPunct="1">
       <a:defRPr sz="1800" kern="1200">
         <a:solidFill>
           <a:schemeClr val="tx1"/>
@@ -90,7 +87,7 @@
         <a:cs typeface="+mn-cs"/>
       </a:defRPr>
     </a:lvl7pPr>
-    <a:lvl8pPr marL="3200400" algn="l" defTabSz="914400" rtl="0" eaLnBrk="1" latinLnBrk="0" hangingPunct="1">
+    <a:lvl8pPr marL="3200400" algn="l" defTabSz="457200" rtl="0" eaLnBrk="1" latinLnBrk="0" hangingPunct="1">
       <a:defRPr sz="1800" kern="1200">
         <a:solidFill>
           <a:schemeClr val="tx1"/>
@@ -100,7 +97,7 @@
         <a:cs typeface="+mn-cs"/>
       </a:defRPr>
     </a:lvl8pPr>
-    <a:lvl9pPr marL="3657600" algn="l" defTabSz="914400" rtl="0" eaLnBrk="1" latinLnBrk="0" hangingPunct="1">
+    <a:lvl9pPr marL="3657600" algn="l" defTabSz="457200" rtl="0" eaLnBrk="1" latinLnBrk="0" hangingPunct="1">
       <a:defRPr sz="1800" kern="1200">
         <a:solidFill>
           <a:schemeClr val="tx1"/>
@@ -111,11 +108,16 @@
       </a:defRPr>
     </a:lvl9pPr>
   </p:defaultTextStyle>
+  <p:extLst>
+    <p:ext uri="{EFAFB233-063F-42B5-8137-9DF3F51BA10A}">
+      <p15:sldGuideLst xmlns:p15="http://schemas.microsoft.com/office/powerpoint/2012/main"/>
+    </p:ext>
+  </p:extLst>
 </p:presentation>
 </file>
 
 <file path=ppt/slideLayouts/slideLayout1.xml><?xml version="1.0" encoding="utf-8"?>
-<p:sldLayout xmlns:a="http://schemas.openxmlformats.org/drawingml/2006/main" xmlns:r="http://schemas.openxmlformats.org/officeDocument/2006/relationships" xmlns:p="http://schemas.openxmlformats.org/presentationml/2006/main" type="title" preserve="1">
+<p:sldLayout xmlns:a="http://schemas.openxmlformats.org/drawingml/2006/main" xmlns:r="http://schemas.openxmlformats.org/officeDocument/2006/relationships" xmlns:p="http://schemas.openxmlformats.org/presentationml/2006/main" showMasterSp="0" type="title" preserve="1">
   <p:cSld name="Title Slide">
     <p:spTree>
       <p:nvGrpSpPr>
@@ -133,25 +135,111 @@
       </p:grpSpPr>
       <p:sp>
         <p:nvSpPr>
-          <p:cNvPr id="2" name="Title 1"/>
-          <p:cNvSpPr>
-            <a:spLocks noGrp="1"/>
-          </p:cNvSpPr>
-          <p:nvPr>
-            <p:ph type="ctrTitle"/>
-          </p:nvPr>
+          <p:cNvPr id="7" name="Rectangle 6"/>
+          <p:cNvSpPr/>
+          <p:nvPr/>
         </p:nvSpPr>
         <p:spPr>
           <a:xfrm>
-            <a:off x="2286000" y="1683839"/>
-            <a:ext cx="13716000" cy="3582027"/>
+            <a:off x="1" y="1142999"/>
+            <a:ext cx="13712429" cy="8001002"/>
+          </a:xfrm>
+          <a:prstGeom prst="rect">
+            <a:avLst/>
+          </a:prstGeom>
+          <a:solidFill>
+            <a:schemeClr val="accent1">
+              <a:alpha val="95000"/>
+            </a:schemeClr>
+          </a:solidFill>
+          <a:ln>
+            <a:noFill/>
+          </a:ln>
+        </p:spPr>
+        <p:style>
+          <a:lnRef idx="2">
+            <a:schemeClr val="accent1">
+              <a:shade val="50000"/>
+            </a:schemeClr>
+          </a:lnRef>
+          <a:fillRef idx="1">
+            <a:schemeClr val="accent1"/>
+          </a:fillRef>
+          <a:effectRef idx="0">
+            <a:schemeClr val="accent1"/>
+          </a:effectRef>
+          <a:fontRef idx="minor">
+            <a:schemeClr val="lt1"/>
+          </a:fontRef>
+        </p:style>
+      </p:sp>
+      <p:sp>
+        <p:nvSpPr>
+          <p:cNvPr id="8" name="Rectangle 7"/>
+          <p:cNvSpPr/>
+          <p:nvPr/>
+        </p:nvSpPr>
+        <p:spPr>
+          <a:xfrm>
+            <a:off x="13905395" y="1142999"/>
+            <a:ext cx="4387977" cy="8001002"/>
+          </a:xfrm>
+          <a:prstGeom prst="rect">
+            <a:avLst/>
+          </a:prstGeom>
+          <a:solidFill>
+            <a:schemeClr val="accent1">
+              <a:alpha val="40000"/>
+            </a:schemeClr>
+          </a:solidFill>
+          <a:ln>
+            <a:noFill/>
+          </a:ln>
+        </p:spPr>
+        <p:style>
+          <a:lnRef idx="2">
+            <a:schemeClr val="accent1">
+              <a:shade val="50000"/>
+            </a:schemeClr>
+          </a:lnRef>
+          <a:fillRef idx="1">
+            <a:schemeClr val="accent1"/>
+          </a:fillRef>
+          <a:effectRef idx="0">
+            <a:schemeClr val="accent1"/>
+          </a:effectRef>
+          <a:fontRef idx="minor">
+            <a:schemeClr val="lt1"/>
+          </a:fontRef>
+        </p:style>
+      </p:sp>
+      <p:sp>
+        <p:nvSpPr>
+          <p:cNvPr id="2" name="Title 1"/>
+          <p:cNvSpPr>
+            <a:spLocks noGrp="1"/>
+          </p:cNvSpPr>
+          <p:nvPr>
+            <p:ph type="ctrTitle"/>
+          </p:nvPr>
+        </p:nvSpPr>
+        <p:spPr>
+          <a:xfrm>
+            <a:off x="1604772" y="1947672"/>
+            <a:ext cx="10972800" cy="4882896"/>
           </a:xfrm>
         </p:spPr>
         <p:txBody>
-          <a:bodyPr anchor="b"/>
+          <a:bodyPr anchor="b">
+            <a:normAutofit/>
+          </a:bodyPr>
           <a:lstStyle>
-            <a:lvl1pPr algn="ctr">
-              <a:defRPr sz="8100"/>
+            <a:lvl1pPr algn="l">
+              <a:defRPr sz="8850" spc="-150" baseline="0">
+                <a:solidFill>
+                  <a:srgbClr val="FFFFFF"/>
+                </a:solidFill>
+              </a:defRPr>
             </a:lvl1pPr>
           </a:lstStyle>
           <a:p>
@@ -175,48 +263,57 @@
         </p:nvSpPr>
         <p:spPr>
           <a:xfrm>
-            <a:off x="2286000" y="5404002"/>
-            <a:ext cx="13716000" cy="2484077"/>
+            <a:off x="1650023" y="7005369"/>
+            <a:ext cx="10972800" cy="1371600"/>
           </a:xfrm>
         </p:spPr>
         <p:txBody>
-          <a:bodyPr/>
+          <a:bodyPr anchor="t">
+            <a:normAutofit/>
+          </a:bodyPr>
           <a:lstStyle>
-            <a:lvl1pPr marL="0" indent="0" algn="ctr">
-              <a:buNone/>
-              <a:defRPr sz="3600"/>
+            <a:lvl1pPr marL="0" indent="0" algn="l">
+              <a:buNone/>
+              <a:defRPr sz="3300" cap="none" spc="0" baseline="0">
+                <a:solidFill>
+                  <a:schemeClr val="accent1">
+                    <a:lumMod val="20000"/>
+                    <a:lumOff val="80000"/>
+                  </a:schemeClr>
+                </a:solidFill>
+              </a:defRPr>
             </a:lvl1pPr>
             <a:lvl2pPr marL="685800" indent="0" algn="ctr">
               <a:buNone/>
-              <a:defRPr sz="3000"/>
+              <a:defRPr sz="3300"/>
             </a:lvl2pPr>
             <a:lvl3pPr marL="1371600" indent="0" algn="ctr">
               <a:buNone/>
-              <a:defRPr sz="2700"/>
+              <a:defRPr sz="3300"/>
             </a:lvl3pPr>
-            <a:lvl4pPr marL="2058035" indent="0" algn="ctr">
-              <a:buNone/>
-              <a:defRPr sz="2400"/>
+            <a:lvl4pPr marL="2057400" indent="0" algn="ctr">
+              <a:buNone/>
+              <a:defRPr sz="3000"/>
             </a:lvl4pPr>
-            <a:lvl5pPr marL="2743835" indent="0" algn="ctr">
-              <a:buNone/>
-              <a:defRPr sz="2400"/>
+            <a:lvl5pPr marL="2743200" indent="0" algn="ctr">
+              <a:buNone/>
+              <a:defRPr sz="3000"/>
             </a:lvl5pPr>
-            <a:lvl6pPr marL="3429635" indent="0" algn="ctr">
-              <a:buNone/>
-              <a:defRPr sz="2400"/>
+            <a:lvl6pPr marL="3429000" indent="0" algn="ctr">
+              <a:buNone/>
+              <a:defRPr sz="3000"/>
             </a:lvl6pPr>
-            <a:lvl7pPr marL="4115435" indent="0" algn="ctr">
-              <a:buNone/>
-              <a:defRPr sz="2400"/>
+            <a:lvl7pPr marL="4114800" indent="0" algn="ctr">
+              <a:buNone/>
+              <a:defRPr sz="3000"/>
             </a:lvl7pPr>
-            <a:lvl8pPr marL="4801235" indent="0" algn="ctr">
-              <a:buNone/>
-              <a:defRPr sz="2400"/>
+            <a:lvl8pPr marL="4800600" indent="0" algn="ctr">
+              <a:buNone/>
+              <a:defRPr sz="3000"/>
             </a:lvl8pPr>
-            <a:lvl9pPr marL="5487670" indent="0" algn="ctr">
-              <a:buNone/>
-              <a:defRPr sz="2400"/>
+            <a:lvl9pPr marL="5486400" indent="0" algn="ctr">
+              <a:buNone/>
+              <a:defRPr sz="3000"/>
             </a:lvl9pPr>
           </a:lstStyle>
           <a:p>
@@ -224,7 +321,7 @@
               <a:rPr lang="en-US"/>
               <a:t>Click to edit Master subtitle style</a:t>
             </a:r>
-            <a:endParaRPr lang="en-US"/>
+            <a:endParaRPr lang="en-US" dirty="0"/>
           </a:p>
         </p:txBody>
       </p:sp>
@@ -243,10 +340,12 @@
           <a:bodyPr/>
           <a:lstStyle/>
           <a:p>
-            <a:fld id="{AA70F276-1833-4A75-9C1D-A56E2295A68D}" type="datetimeFigureOut">
+            <a:fld id="{5586B75A-687E-405C-8A0B-8D00578BA2C3}" type="datetimeFigureOut">
               <a:rPr lang="en-US" smtClean="0"/>
+              <a:pPr/>
+              <a:t>12/5/2023</a:t>
             </a:fld>
-            <a:endParaRPr lang="en-US"/>
+            <a:endParaRPr lang="en-US" dirty="0"/>
           </a:p>
         </p:txBody>
       </p:sp>
@@ -265,7 +364,7 @@
           <a:bodyPr/>
           <a:lstStyle/>
           <a:p>
-            <a:endParaRPr lang="en-US"/>
+            <a:endParaRPr lang="en-US" dirty="0"/>
           </a:p>
         </p:txBody>
       </p:sp>
@@ -284,14 +383,21 @@
           <a:bodyPr/>
           <a:lstStyle/>
           <a:p>
-            <a:fld id="{28844951-7827-47D4-8276-7DDE1FA7D85A}" type="slidenum">
+            <a:fld id="{4FAB73BC-B049-4115-A692-8D63A059BFB8}" type="slidenum">
               <a:rPr lang="en-US" smtClean="0"/>
+              <a:pPr/>
+              <a:t>‹#›</a:t>
             </a:fld>
-            <a:endParaRPr lang="en-US"/>
+            <a:endParaRPr lang="en-US" dirty="0"/>
           </a:p>
         </p:txBody>
       </p:sp>
     </p:spTree>
+    <p:extLst>
+      <p:ext uri="{BB962C8B-B14F-4D97-AF65-F5344CB8AC3E}">
+        <p14:creationId xmlns:p14="http://schemas.microsoft.com/office/powerpoint/2010/main" val="927298059"/>
+      </p:ext>
+    </p:extLst>
   </p:cSld>
   <p:clrMapOvr>
     <a:masterClrMapping/>
@@ -335,7 +441,7 @@
               <a:rPr lang="en-US"/>
               <a:t>Click to edit Master title style</a:t>
             </a:r>
-            <a:endParaRPr lang="en-US"/>
+            <a:endParaRPr lang="en-US" dirty="0"/>
           </a:p>
         </p:txBody>
       </p:sp>
@@ -351,7 +457,7 @@
         </p:nvSpPr>
         <p:spPr/>
         <p:txBody>
-          <a:bodyPr vert="eaVert"/>
+          <a:bodyPr vert="eaVert" anchor="t"/>
           <a:lstStyle/>
           <a:p>
             <a:pPr lvl="0"/>
@@ -359,7 +465,6 @@
               <a:rPr lang="en-US"/>
               <a:t>Click to edit Master text styles</a:t>
             </a:r>
-            <a:endParaRPr lang="en-US"/>
           </a:p>
           <a:p>
             <a:pPr lvl="1"/>
@@ -367,7 +472,6 @@
               <a:rPr lang="en-US"/>
               <a:t>Second level</a:t>
             </a:r>
-            <a:endParaRPr lang="en-US"/>
           </a:p>
           <a:p>
             <a:pPr lvl="2"/>
@@ -375,7 +479,6 @@
               <a:rPr lang="en-US"/>
               <a:t>Third level</a:t>
             </a:r>
-            <a:endParaRPr lang="en-US"/>
           </a:p>
           <a:p>
             <a:pPr lvl="3"/>
@@ -383,7 +486,6 @@
               <a:rPr lang="en-US"/>
               <a:t>Fourth level</a:t>
             </a:r>
-            <a:endParaRPr lang="en-US"/>
           </a:p>
           <a:p>
             <a:pPr lvl="4"/>
@@ -391,13 +493,13 @@
               <a:rPr lang="en-US"/>
               <a:t>Fifth level</a:t>
             </a:r>
-            <a:endParaRPr lang="en-US"/>
-          </a:p>
-        </p:txBody>
-      </p:sp>
-      <p:sp>
-        <p:nvSpPr>
-          <p:cNvPr id="4" name="Date Placeholder 3"/>
+            <a:endParaRPr lang="en-US" dirty="0"/>
+          </a:p>
+        </p:txBody>
+      </p:sp>
+      <p:sp>
+        <p:nvSpPr>
+          <p:cNvPr id="7" name="Date Placeholder 6"/>
           <p:cNvSpPr>
             <a:spLocks noGrp="1"/>
           </p:cNvSpPr>
@@ -410,16 +512,18 @@
           <a:bodyPr/>
           <a:lstStyle/>
           <a:p>
-            <a:fld id="{AA70F276-1833-4A75-9C1D-A56E2295A68D}" type="datetimeFigureOut">
+            <a:fld id="{5586B75A-687E-405C-8A0B-8D00578BA2C3}" type="datetimeFigureOut">
               <a:rPr lang="en-US" smtClean="0"/>
+              <a:pPr/>
+              <a:t>12/5/2023</a:t>
             </a:fld>
-            <a:endParaRPr lang="en-US"/>
-          </a:p>
-        </p:txBody>
-      </p:sp>
-      <p:sp>
-        <p:nvSpPr>
-          <p:cNvPr id="5" name="Footer Placeholder 4"/>
+            <a:endParaRPr lang="en-US" dirty="0"/>
+          </a:p>
+        </p:txBody>
+      </p:sp>
+      <p:sp>
+        <p:nvSpPr>
+          <p:cNvPr id="8" name="Footer Placeholder 7"/>
           <p:cNvSpPr>
             <a:spLocks noGrp="1"/>
           </p:cNvSpPr>
@@ -432,13 +536,13 @@
           <a:bodyPr/>
           <a:lstStyle/>
           <a:p>
-            <a:endParaRPr lang="en-US"/>
-          </a:p>
-        </p:txBody>
-      </p:sp>
-      <p:sp>
-        <p:nvSpPr>
-          <p:cNvPr id="6" name="Slide Number Placeholder 5"/>
+            <a:endParaRPr lang="en-US" dirty="0"/>
+          </a:p>
+        </p:txBody>
+      </p:sp>
+      <p:sp>
+        <p:nvSpPr>
+          <p:cNvPr id="9" name="Slide Number Placeholder 8"/>
           <p:cNvSpPr>
             <a:spLocks noGrp="1"/>
           </p:cNvSpPr>
@@ -451,14 +555,21 @@
           <a:bodyPr/>
           <a:lstStyle/>
           <a:p>
-            <a:fld id="{28844951-7827-47D4-8276-7DDE1FA7D85A}" type="slidenum">
+            <a:fld id="{4FAB73BC-B049-4115-A692-8D63A059BFB8}" type="slidenum">
               <a:rPr lang="en-US" smtClean="0"/>
+              <a:pPr/>
+              <a:t>‹#›</a:t>
             </a:fld>
-            <a:endParaRPr lang="en-US"/>
+            <a:endParaRPr lang="en-US" dirty="0"/>
           </a:p>
         </p:txBody>
       </p:sp>
     </p:spTree>
+    <p:extLst>
+      <p:ext uri="{BB962C8B-B14F-4D97-AF65-F5344CB8AC3E}">
+        <p14:creationId xmlns:p14="http://schemas.microsoft.com/office/powerpoint/2010/main" val="732516596"/>
+      </p:ext>
+    </p:extLst>
   </p:cSld>
   <p:clrMapOvr>
     <a:masterClrMapping/>
@@ -495,8 +606,8 @@
         </p:nvSpPr>
         <p:spPr>
           <a:xfrm>
-            <a:off x="13087350" y="1143198"/>
-            <a:ext cx="3943350" cy="8123865"/>
+            <a:off x="571500" y="1485900"/>
+            <a:ext cx="4229100" cy="7429500"/>
           </a:xfrm>
         </p:spPr>
         <p:txBody>
@@ -507,7 +618,7 @@
               <a:rPr lang="en-US"/>
               <a:t>Click to edit Master title style</a:t>
             </a:r>
-            <a:endParaRPr lang="en-US"/>
+            <a:endParaRPr lang="en-US" dirty="0"/>
           </a:p>
         </p:txBody>
       </p:sp>
@@ -523,49 +634,45 @@
         </p:nvSpPr>
         <p:spPr>
           <a:xfrm>
-            <a:off x="1257300" y="1143198"/>
-            <a:ext cx="11601450" cy="8123865"/>
+            <a:off x="5801868" y="1303020"/>
+            <a:ext cx="10972800" cy="7680960"/>
           </a:xfrm>
         </p:spPr>
         <p:txBody>
-          <a:bodyPr vert="eaVert"/>
+          <a:bodyPr vert="eaVert" anchor="t"/>
           <a:lstStyle/>
           <a:p>
             <a:pPr lvl="0"/>
             <a:r>
-              <a:rPr lang="en-US" dirty="0"/>
+              <a:rPr lang="en-US"/>
               <a:t>Click to edit Master text styles</a:t>
             </a:r>
-            <a:endParaRPr lang="en-US" dirty="0"/>
           </a:p>
           <a:p>
             <a:pPr lvl="1"/>
             <a:r>
-              <a:rPr lang="en-US" dirty="0"/>
+              <a:rPr lang="en-US"/>
               <a:t>Second level</a:t>
             </a:r>
-            <a:endParaRPr lang="en-US" dirty="0"/>
           </a:p>
           <a:p>
             <a:pPr lvl="2"/>
             <a:r>
-              <a:rPr lang="en-US" dirty="0"/>
+              <a:rPr lang="en-US"/>
               <a:t>Third level</a:t>
             </a:r>
-            <a:endParaRPr lang="en-US" dirty="0"/>
           </a:p>
           <a:p>
             <a:pPr lvl="3"/>
             <a:r>
-              <a:rPr lang="en-US" dirty="0"/>
+              <a:rPr lang="en-US"/>
               <a:t>Fourth level</a:t>
             </a:r>
-            <a:endParaRPr lang="en-US" dirty="0"/>
           </a:p>
           <a:p>
             <a:pPr lvl="4"/>
             <a:r>
-              <a:rPr lang="en-US" dirty="0"/>
+              <a:rPr lang="en-US"/>
               <a:t>Fifth level</a:t>
             </a:r>
             <a:endParaRPr lang="en-US" dirty="0"/>
@@ -574,7 +681,7 @@
       </p:sp>
       <p:sp>
         <p:nvSpPr>
-          <p:cNvPr id="4" name="Date Placeholder 3"/>
+          <p:cNvPr id="7" name="Date Placeholder 6"/>
           <p:cNvSpPr>
             <a:spLocks noGrp="1"/>
           </p:cNvSpPr>
@@ -587,16 +694,18 @@
           <a:bodyPr/>
           <a:lstStyle/>
           <a:p>
-            <a:fld id="{AA70F276-1833-4A75-9C1D-A56E2295A68D}" type="datetimeFigureOut">
+            <a:fld id="{5586B75A-687E-405C-8A0B-8D00578BA2C3}" type="datetimeFigureOut">
               <a:rPr lang="en-US" smtClean="0"/>
+              <a:pPr/>
+              <a:t>12/5/2023</a:t>
             </a:fld>
-            <a:endParaRPr lang="en-US"/>
-          </a:p>
-        </p:txBody>
-      </p:sp>
-      <p:sp>
-        <p:nvSpPr>
-          <p:cNvPr id="5" name="Footer Placeholder 4"/>
+            <a:endParaRPr lang="en-US" dirty="0"/>
+          </a:p>
+        </p:txBody>
+      </p:sp>
+      <p:sp>
+        <p:nvSpPr>
+          <p:cNvPr id="8" name="Footer Placeholder 7"/>
           <p:cNvSpPr>
             <a:spLocks noGrp="1"/>
           </p:cNvSpPr>
@@ -609,13 +718,13 @@
           <a:bodyPr/>
           <a:lstStyle/>
           <a:p>
-            <a:endParaRPr lang="en-US"/>
-          </a:p>
-        </p:txBody>
-      </p:sp>
-      <p:sp>
-        <p:nvSpPr>
-          <p:cNvPr id="6" name="Slide Number Placeholder 5"/>
+            <a:endParaRPr lang="en-US" dirty="0"/>
+          </a:p>
+        </p:txBody>
+      </p:sp>
+      <p:sp>
+        <p:nvSpPr>
+          <p:cNvPr id="9" name="Slide Number Placeholder 8"/>
           <p:cNvSpPr>
             <a:spLocks noGrp="1"/>
           </p:cNvSpPr>
@@ -628,14 +737,21 @@
           <a:bodyPr/>
           <a:lstStyle/>
           <a:p>
-            <a:fld id="{28844951-7827-47D4-8276-7DDE1FA7D85A}" type="slidenum">
+            <a:fld id="{4FAB73BC-B049-4115-A692-8D63A059BFB8}" type="slidenum">
               <a:rPr lang="en-US" smtClean="0"/>
+              <a:pPr/>
+              <a:t>‹#›</a:t>
             </a:fld>
-            <a:endParaRPr lang="en-US"/>
+            <a:endParaRPr lang="en-US" dirty="0"/>
           </a:p>
         </p:txBody>
       </p:sp>
     </p:spTree>
+    <p:extLst>
+      <p:ext uri="{BB962C8B-B14F-4D97-AF65-F5344CB8AC3E}">
+        <p14:creationId xmlns:p14="http://schemas.microsoft.com/office/powerpoint/2010/main" val="2564063524"/>
+      </p:ext>
+    </p:extLst>
   </p:cSld>
   <p:clrMapOvr>
     <a:masterClrMapping/>
@@ -696,69 +812,39 @@
         <p:spPr/>
         <p:txBody>
           <a:bodyPr/>
-          <a:lstStyle>
-            <a:lvl1pPr>
-              <a:buFont typeface="Wingdings" panose="05000000000000000000" pitchFamily="2" charset="2"/>
-              <a:buChar char="§"/>
-              <a:defRPr/>
-            </a:lvl1pPr>
-            <a:lvl2pPr marL="1028700" indent="-342900">
-              <a:buFont typeface="Wingdings" panose="05000000000000000000" pitchFamily="2" charset="2"/>
-              <a:buChar char="§"/>
-              <a:defRPr/>
-            </a:lvl2pPr>
-            <a:lvl3pPr>
-              <a:buFont typeface="Wingdings" panose="05000000000000000000" pitchFamily="2" charset="2"/>
-              <a:buChar char="§"/>
-              <a:defRPr/>
-            </a:lvl3pPr>
-            <a:lvl4pPr marL="2400935" indent="-342900">
-              <a:buFont typeface="Wingdings" panose="05000000000000000000" pitchFamily="2" charset="2"/>
-              <a:buChar char="§"/>
-              <a:defRPr/>
-            </a:lvl4pPr>
-            <a:lvl5pPr>
-              <a:buFont typeface="Wingdings" panose="05000000000000000000" pitchFamily="2" charset="2"/>
-              <a:buChar char="§"/>
-              <a:defRPr/>
-            </a:lvl5pPr>
-          </a:lstStyle>
+          <a:lstStyle/>
           <a:p>
             <a:pPr lvl="0"/>
             <a:r>
-              <a:rPr lang="en-US" dirty="0"/>
+              <a:rPr lang="en-US"/>
               <a:t>Click to edit Master text styles</a:t>
             </a:r>
-            <a:endParaRPr lang="en-US" dirty="0"/>
           </a:p>
           <a:p>
             <a:pPr lvl="1"/>
             <a:r>
-              <a:rPr lang="en-US" dirty="0"/>
+              <a:rPr lang="en-US"/>
               <a:t>Second level</a:t>
             </a:r>
-            <a:endParaRPr lang="en-US" dirty="0"/>
           </a:p>
           <a:p>
             <a:pPr lvl="2"/>
             <a:r>
-              <a:rPr lang="en-US" dirty="0"/>
+              <a:rPr lang="en-US"/>
               <a:t>Third level</a:t>
             </a:r>
-            <a:endParaRPr lang="en-US" dirty="0"/>
           </a:p>
           <a:p>
             <a:pPr lvl="3"/>
             <a:r>
-              <a:rPr lang="en-US" dirty="0"/>
+              <a:rPr lang="en-US"/>
               <a:t>Fourth level</a:t>
             </a:r>
-            <a:endParaRPr lang="en-US" dirty="0"/>
           </a:p>
           <a:p>
             <a:pPr lvl="4"/>
             <a:r>
-              <a:rPr lang="en-US" dirty="0"/>
+              <a:rPr lang="en-US"/>
               <a:t>Fifth level</a:t>
             </a:r>
             <a:endParaRPr lang="en-US" dirty="0"/>
@@ -780,10 +866,12 @@
           <a:bodyPr/>
           <a:lstStyle/>
           <a:p>
-            <a:fld id="{AA70F276-1833-4A75-9C1D-A56E2295A68D}" type="datetimeFigureOut">
+            <a:fld id="{5586B75A-687E-405C-8A0B-8D00578BA2C3}" type="datetimeFigureOut">
               <a:rPr lang="en-US" smtClean="0"/>
+              <a:pPr/>
+              <a:t>12/5/2023</a:t>
             </a:fld>
-            <a:endParaRPr lang="en-US"/>
+            <a:endParaRPr lang="en-US" dirty="0"/>
           </a:p>
         </p:txBody>
       </p:sp>
@@ -802,7 +890,7 @@
           <a:bodyPr/>
           <a:lstStyle/>
           <a:p>
-            <a:endParaRPr lang="en-US"/>
+            <a:endParaRPr lang="en-US" dirty="0"/>
           </a:p>
         </p:txBody>
       </p:sp>
@@ -821,14 +909,21 @@
           <a:bodyPr/>
           <a:lstStyle/>
           <a:p>
-            <a:fld id="{28844951-7827-47D4-8276-7DDE1FA7D85A}" type="slidenum">
+            <a:fld id="{4FAB73BC-B049-4115-A692-8D63A059BFB8}" type="slidenum">
               <a:rPr lang="en-US" smtClean="0"/>
+              <a:pPr/>
+              <a:t>‹#›</a:t>
             </a:fld>
-            <a:endParaRPr lang="en-US"/>
+            <a:endParaRPr lang="en-US" dirty="0"/>
           </a:p>
         </p:txBody>
       </p:sp>
     </p:spTree>
+    <p:extLst>
+      <p:ext uri="{BB962C8B-B14F-4D97-AF65-F5344CB8AC3E}">
+        <p14:creationId xmlns:p14="http://schemas.microsoft.com/office/powerpoint/2010/main" val="584302243"/>
+      </p:ext>
+    </p:extLst>
   </p:cSld>
   <p:clrMapOvr>
     <a:masterClrMapping/>
@@ -865,15 +960,24 @@
         </p:nvSpPr>
         <p:spPr>
           <a:xfrm>
-            <a:off x="1247775" y="2565056"/>
-            <a:ext cx="15773400" cy="4279854"/>
+            <a:off x="5801868" y="1947672"/>
+            <a:ext cx="10972800" cy="4882896"/>
           </a:xfrm>
         </p:spPr>
         <p:txBody>
-          <a:bodyPr anchor="b"/>
+          <a:bodyPr anchor="b">
+            <a:normAutofit/>
+          </a:bodyPr>
           <a:lstStyle>
             <a:lvl1pPr>
-              <a:defRPr sz="8100"/>
+              <a:defRPr sz="8850" b="0" spc="-150" baseline="0">
+                <a:solidFill>
+                  <a:schemeClr val="tx1">
+                    <a:lumMod val="65000"/>
+                    <a:lumOff val="35000"/>
+                  </a:schemeClr>
+                </a:solidFill>
+              </a:defRPr>
             </a:lvl1pPr>
           </a:lstStyle>
           <a:p>
@@ -897,26 +1001,29 @@
         </p:nvSpPr>
         <p:spPr>
           <a:xfrm>
-            <a:off x="1247775" y="6885399"/>
-            <a:ext cx="15773400" cy="2250674"/>
+            <a:off x="5829300" y="7008876"/>
+            <a:ext cx="10972800" cy="1371600"/>
           </a:xfrm>
         </p:spPr>
         <p:txBody>
-          <a:bodyPr/>
+          <a:bodyPr anchor="t">
+            <a:normAutofit/>
+          </a:bodyPr>
           <a:lstStyle>
             <a:lvl1pPr marL="0" indent="0">
               <a:buNone/>
-              <a:defRPr sz="3600">
+              <a:defRPr sz="3300" cap="none" spc="0" baseline="0">
                 <a:solidFill>
-                  <a:schemeClr val="tx1">
-                    <a:tint val="75000"/>
+                  <a:schemeClr val="bg2">
+                    <a:lumMod val="40000"/>
+                    <a:lumOff val="60000"/>
                   </a:schemeClr>
                 </a:solidFill>
               </a:defRPr>
             </a:lvl1pPr>
             <a:lvl2pPr marL="685800" indent="0">
               <a:buNone/>
-              <a:defRPr sz="3000">
+              <a:defRPr sz="2700">
                 <a:solidFill>
                   <a:schemeClr val="tx1">
                     <a:tint val="75000"/>
@@ -926,7 +1033,7 @@
             </a:lvl2pPr>
             <a:lvl3pPr marL="1371600" indent="0">
               <a:buNone/>
-              <a:defRPr sz="2700">
+              <a:defRPr sz="2400">
                 <a:solidFill>
                   <a:schemeClr val="tx1">
                     <a:tint val="75000"/>
@@ -934,9 +1041,9 @@
                 </a:solidFill>
               </a:defRPr>
             </a:lvl3pPr>
-            <a:lvl4pPr marL="2058035" indent="0">
-              <a:buNone/>
-              <a:defRPr sz="2400">
+            <a:lvl4pPr marL="2057400" indent="0">
+              <a:buNone/>
+              <a:defRPr sz="2100">
                 <a:solidFill>
                   <a:schemeClr val="tx1">
                     <a:tint val="75000"/>
@@ -944,9 +1051,9 @@
                 </a:solidFill>
               </a:defRPr>
             </a:lvl4pPr>
-            <a:lvl5pPr marL="2743835" indent="0">
-              <a:buNone/>
-              <a:defRPr sz="2400">
+            <a:lvl5pPr marL="2743200" indent="0">
+              <a:buNone/>
+              <a:defRPr sz="2100">
                 <a:solidFill>
                   <a:schemeClr val="tx1">
                     <a:tint val="75000"/>
@@ -954,9 +1061,9 @@
                 </a:solidFill>
               </a:defRPr>
             </a:lvl5pPr>
-            <a:lvl6pPr marL="3429635" indent="0">
-              <a:buNone/>
-              <a:defRPr sz="2400">
+            <a:lvl6pPr marL="3429000" indent="0">
+              <a:buNone/>
+              <a:defRPr sz="2100">
                 <a:solidFill>
                   <a:schemeClr val="tx1">
                     <a:tint val="75000"/>
@@ -964,9 +1071,9 @@
                 </a:solidFill>
               </a:defRPr>
             </a:lvl6pPr>
-            <a:lvl7pPr marL="4115435" indent="0">
-              <a:buNone/>
-              <a:defRPr sz="2400">
+            <a:lvl7pPr marL="4114800" indent="0">
+              <a:buNone/>
+              <a:defRPr sz="2100">
                 <a:solidFill>
                   <a:schemeClr val="tx1">
                     <a:tint val="75000"/>
@@ -974,9 +1081,9 @@
                 </a:solidFill>
               </a:defRPr>
             </a:lvl7pPr>
-            <a:lvl8pPr marL="4801235" indent="0">
-              <a:buNone/>
-              <a:defRPr sz="2400">
+            <a:lvl8pPr marL="4800600" indent="0">
+              <a:buNone/>
+              <a:defRPr sz="2100">
                 <a:solidFill>
                   <a:schemeClr val="tx1">
                     <a:tint val="75000"/>
@@ -984,9 +1091,9 @@
                 </a:solidFill>
               </a:defRPr>
             </a:lvl8pPr>
-            <a:lvl9pPr marL="5487670" indent="0">
-              <a:buNone/>
-              <a:defRPr sz="2400">
+            <a:lvl9pPr marL="5486400" indent="0">
+              <a:buNone/>
+              <a:defRPr sz="2100">
                 <a:solidFill>
                   <a:schemeClr val="tx1">
                     <a:tint val="75000"/>
@@ -1001,7 +1108,6 @@
               <a:rPr lang="en-US"/>
               <a:t>Click to edit Master text styles</a:t>
             </a:r>
-            <a:endParaRPr lang="en-US"/>
           </a:p>
         </p:txBody>
       </p:sp>
@@ -1020,10 +1126,12 @@
           <a:bodyPr/>
           <a:lstStyle/>
           <a:p>
-            <a:fld id="{AA70F276-1833-4A75-9C1D-A56E2295A68D}" type="datetimeFigureOut">
+            <a:fld id="{5586B75A-687E-405C-8A0B-8D00578BA2C3}" type="datetimeFigureOut">
               <a:rPr lang="en-US" smtClean="0"/>
+              <a:pPr/>
+              <a:t>12/5/2023</a:t>
             </a:fld>
-            <a:endParaRPr lang="en-US"/>
+            <a:endParaRPr lang="en-US" dirty="0"/>
           </a:p>
         </p:txBody>
       </p:sp>
@@ -1042,7 +1150,7 @@
           <a:bodyPr/>
           <a:lstStyle/>
           <a:p>
-            <a:endParaRPr lang="en-US"/>
+            <a:endParaRPr lang="en-US" dirty="0"/>
           </a:p>
         </p:txBody>
       </p:sp>
@@ -1061,14 +1169,21 @@
           <a:bodyPr/>
           <a:lstStyle/>
           <a:p>
-            <a:fld id="{28844951-7827-47D4-8276-7DDE1FA7D85A}" type="slidenum">
+            <a:fld id="{4FAB73BC-B049-4115-A692-8D63A059BFB8}" type="slidenum">
               <a:rPr lang="en-US" smtClean="0"/>
+              <a:pPr/>
+              <a:t>‹#›</a:t>
             </a:fld>
-            <a:endParaRPr lang="en-US"/>
+            <a:endParaRPr lang="en-US" dirty="0"/>
           </a:p>
         </p:txBody>
       </p:sp>
     </p:spTree>
+    <p:extLst>
+      <p:ext uri="{BB962C8B-B14F-4D97-AF65-F5344CB8AC3E}">
+        <p14:creationId xmlns:p14="http://schemas.microsoft.com/office/powerpoint/2010/main" val="3091562304"/>
+      </p:ext>
+    </p:extLst>
   </p:cSld>
   <p:clrMapOvr>
     <a:masterClrMapping/>
@@ -1106,75 +1221,180 @@
         <p:spPr/>
         <p:txBody>
           <a:bodyPr/>
+          <a:lstStyle/>
+          <a:p>
+            <a:r>
+              <a:rPr lang="en-US"/>
+              <a:t>Click to edit Master title style</a:t>
+            </a:r>
+            <a:endParaRPr lang="en-US" dirty="0"/>
+          </a:p>
+        </p:txBody>
+      </p:sp>
+      <p:sp>
+        <p:nvSpPr>
+          <p:cNvPr id="3" name="Content Placeholder 2"/>
+          <p:cNvSpPr>
+            <a:spLocks noGrp="1"/>
+          </p:cNvSpPr>
+          <p:nvPr>
+            <p:ph sz="half" idx="1"/>
+          </p:nvPr>
+        </p:nvSpPr>
+        <p:spPr>
+          <a:xfrm>
+            <a:off x="5801868" y="1303020"/>
+            <a:ext cx="5212080" cy="7680960"/>
+          </a:xfrm>
+        </p:spPr>
+        <p:txBody>
+          <a:bodyPr/>
           <a:lstStyle>
             <a:lvl1pPr>
-              <a:defRPr sz="7200"/>
+              <a:defRPr sz="3000"/>
             </a:lvl1pPr>
+            <a:lvl2pPr>
+              <a:defRPr sz="2700"/>
+            </a:lvl2pPr>
+            <a:lvl3pPr>
+              <a:defRPr sz="2400"/>
+            </a:lvl3pPr>
+            <a:lvl4pPr>
+              <a:defRPr sz="2100"/>
+            </a:lvl4pPr>
+            <a:lvl5pPr>
+              <a:defRPr sz="2100"/>
+            </a:lvl5pPr>
+            <a:lvl6pPr>
+              <a:defRPr sz="2100"/>
+            </a:lvl6pPr>
+            <a:lvl7pPr>
+              <a:defRPr sz="2100"/>
+            </a:lvl7pPr>
+            <a:lvl8pPr>
+              <a:defRPr sz="2100"/>
+            </a:lvl8pPr>
+            <a:lvl9pPr>
+              <a:defRPr sz="2100"/>
+            </a:lvl9pPr>
           </a:lstStyle>
           <a:p>
-            <a:r>
-              <a:rPr lang="en-US"/>
-              <a:t>Click to edit Master title style</a:t>
-            </a:r>
-            <a:endParaRPr lang="en-US" dirty="0"/>
-          </a:p>
-        </p:txBody>
-      </p:sp>
-      <p:sp>
-        <p:nvSpPr>
-          <p:cNvPr id="3" name="Content Placeholder 2"/>
-          <p:cNvSpPr>
-            <a:spLocks noGrp="1"/>
-          </p:cNvSpPr>
-          <p:nvPr>
-            <p:ph sz="half" idx="1"/>
+            <a:pPr lvl="0"/>
+            <a:r>
+              <a:rPr lang="en-US"/>
+              <a:t>Click to edit Master text styles</a:t>
+            </a:r>
+          </a:p>
+          <a:p>
+            <a:pPr lvl="1"/>
+            <a:r>
+              <a:rPr lang="en-US"/>
+              <a:t>Second level</a:t>
+            </a:r>
+          </a:p>
+          <a:p>
+            <a:pPr lvl="2"/>
+            <a:r>
+              <a:rPr lang="en-US"/>
+              <a:t>Third level</a:t>
+            </a:r>
+          </a:p>
+          <a:p>
+            <a:pPr lvl="3"/>
+            <a:r>
+              <a:rPr lang="en-US"/>
+              <a:t>Fourth level</a:t>
+            </a:r>
+          </a:p>
+          <a:p>
+            <a:pPr lvl="4"/>
+            <a:r>
+              <a:rPr lang="en-US"/>
+              <a:t>Fifth level</a:t>
+            </a:r>
+            <a:endParaRPr lang="en-US" dirty="0"/>
+          </a:p>
+        </p:txBody>
+      </p:sp>
+      <p:sp>
+        <p:nvSpPr>
+          <p:cNvPr id="4" name="Content Placeholder 3"/>
+          <p:cNvSpPr>
+            <a:spLocks noGrp="1"/>
+          </p:cNvSpPr>
+          <p:nvPr>
+            <p:ph sz="half" idx="2"/>
           </p:nvPr>
         </p:nvSpPr>
         <p:spPr>
           <a:xfrm>
-            <a:off x="1257300" y="3086638"/>
-            <a:ext cx="7772400" cy="6180425"/>
+            <a:off x="11727180" y="1303020"/>
+            <a:ext cx="5212080" cy="7680960"/>
           </a:xfrm>
         </p:spPr>
         <p:txBody>
           <a:bodyPr/>
-          <a:lstStyle/>
+          <a:lstStyle>
+            <a:lvl1pPr>
+              <a:defRPr sz="3000"/>
+            </a:lvl1pPr>
+            <a:lvl2pPr>
+              <a:defRPr sz="2700"/>
+            </a:lvl2pPr>
+            <a:lvl3pPr>
+              <a:defRPr sz="2400"/>
+            </a:lvl3pPr>
+            <a:lvl4pPr>
+              <a:defRPr sz="2100"/>
+            </a:lvl4pPr>
+            <a:lvl5pPr>
+              <a:defRPr sz="2100"/>
+            </a:lvl5pPr>
+            <a:lvl6pPr>
+              <a:defRPr sz="2100"/>
+            </a:lvl6pPr>
+            <a:lvl7pPr>
+              <a:defRPr sz="2100"/>
+            </a:lvl7pPr>
+            <a:lvl8pPr>
+              <a:defRPr sz="2100"/>
+            </a:lvl8pPr>
+            <a:lvl9pPr>
+              <a:defRPr sz="2100"/>
+            </a:lvl9pPr>
+          </a:lstStyle>
           <a:p>
             <a:pPr lvl="0"/>
             <a:r>
-              <a:rPr lang="en-US" dirty="0"/>
+              <a:rPr lang="en-US"/>
               <a:t>Click to edit Master text styles</a:t>
             </a:r>
-            <a:endParaRPr lang="en-US" dirty="0"/>
           </a:p>
           <a:p>
             <a:pPr lvl="1"/>
             <a:r>
-              <a:rPr lang="en-US" dirty="0"/>
+              <a:rPr lang="en-US"/>
               <a:t>Second level</a:t>
             </a:r>
-            <a:endParaRPr lang="en-US" dirty="0"/>
           </a:p>
           <a:p>
             <a:pPr lvl="2"/>
             <a:r>
-              <a:rPr lang="en-US" dirty="0"/>
+              <a:rPr lang="en-US"/>
               <a:t>Third level</a:t>
             </a:r>
-            <a:endParaRPr lang="en-US" dirty="0"/>
           </a:p>
           <a:p>
             <a:pPr lvl="3"/>
             <a:r>
-              <a:rPr lang="en-US" dirty="0"/>
+              <a:rPr lang="en-US"/>
               <a:t>Fourth level</a:t>
             </a:r>
-            <a:endParaRPr lang="en-US" dirty="0"/>
           </a:p>
           <a:p>
             <a:pPr lvl="4"/>
             <a:r>
-              <a:rPr lang="en-US" dirty="0"/>
+              <a:rPr lang="en-US"/>
               <a:t>Fifth level</a:t>
             </a:r>
             <a:endParaRPr lang="en-US" dirty="0"/>
@@ -1183,68 +1403,7 @@
       </p:sp>
       <p:sp>
         <p:nvSpPr>
-          <p:cNvPr id="4" name="Content Placeholder 3"/>
-          <p:cNvSpPr>
-            <a:spLocks noGrp="1"/>
-          </p:cNvSpPr>
-          <p:nvPr>
-            <p:ph sz="half" idx="2"/>
-          </p:nvPr>
-        </p:nvSpPr>
-        <p:spPr>
-          <a:xfrm>
-            <a:off x="9258300" y="3086638"/>
-            <a:ext cx="7772400" cy="6180425"/>
-          </a:xfrm>
-        </p:spPr>
-        <p:txBody>
-          <a:bodyPr/>
-          <a:lstStyle/>
-          <a:p>
-            <a:pPr lvl="0"/>
-            <a:r>
-              <a:rPr lang="en-US"/>
-              <a:t>Click to edit Master text styles</a:t>
-            </a:r>
-            <a:endParaRPr lang="en-US"/>
-          </a:p>
-          <a:p>
-            <a:pPr lvl="1"/>
-            <a:r>
-              <a:rPr lang="en-US"/>
-              <a:t>Second level</a:t>
-            </a:r>
-            <a:endParaRPr lang="en-US"/>
-          </a:p>
-          <a:p>
-            <a:pPr lvl="2"/>
-            <a:r>
-              <a:rPr lang="en-US"/>
-              <a:t>Third level</a:t>
-            </a:r>
-            <a:endParaRPr lang="en-US"/>
-          </a:p>
-          <a:p>
-            <a:pPr lvl="3"/>
-            <a:r>
-              <a:rPr lang="en-US"/>
-              <a:t>Fourth level</a:t>
-            </a:r>
-            <a:endParaRPr lang="en-US"/>
-          </a:p>
-          <a:p>
-            <a:pPr lvl="4"/>
-            <a:r>
-              <a:rPr lang="en-US"/>
-              <a:t>Fifth level</a:t>
-            </a:r>
-            <a:endParaRPr lang="en-US"/>
-          </a:p>
-        </p:txBody>
-      </p:sp>
-      <p:sp>
-        <p:nvSpPr>
-          <p:cNvPr id="5" name="Date Placeholder 4"/>
+          <p:cNvPr id="8" name="Date Placeholder 7"/>
           <p:cNvSpPr>
             <a:spLocks noGrp="1"/>
           </p:cNvSpPr>
@@ -1257,16 +1416,18 @@
           <a:bodyPr/>
           <a:lstStyle/>
           <a:p>
-            <a:fld id="{AA70F276-1833-4A75-9C1D-A56E2295A68D}" type="datetimeFigureOut">
+            <a:fld id="{5586B75A-687E-405C-8A0B-8D00578BA2C3}" type="datetimeFigureOut">
               <a:rPr lang="en-US" smtClean="0"/>
+              <a:pPr/>
+              <a:t>12/5/2023</a:t>
             </a:fld>
-            <a:endParaRPr lang="en-US"/>
-          </a:p>
-        </p:txBody>
-      </p:sp>
-      <p:sp>
-        <p:nvSpPr>
-          <p:cNvPr id="6" name="Footer Placeholder 5"/>
+            <a:endParaRPr lang="en-US" dirty="0"/>
+          </a:p>
+        </p:txBody>
+      </p:sp>
+      <p:sp>
+        <p:nvSpPr>
+          <p:cNvPr id="9" name="Footer Placeholder 8"/>
           <p:cNvSpPr>
             <a:spLocks noGrp="1"/>
           </p:cNvSpPr>
@@ -1279,13 +1440,13 @@
           <a:bodyPr/>
           <a:lstStyle/>
           <a:p>
-            <a:endParaRPr lang="en-US"/>
-          </a:p>
-        </p:txBody>
-      </p:sp>
-      <p:sp>
-        <p:nvSpPr>
-          <p:cNvPr id="7" name="Slide Number Placeholder 6"/>
+            <a:endParaRPr lang="en-US" dirty="0"/>
+          </a:p>
+        </p:txBody>
+      </p:sp>
+      <p:sp>
+        <p:nvSpPr>
+          <p:cNvPr id="10" name="Slide Number Placeholder 9"/>
           <p:cNvSpPr>
             <a:spLocks noGrp="1"/>
           </p:cNvSpPr>
@@ -1298,14 +1459,21 @@
           <a:bodyPr/>
           <a:lstStyle/>
           <a:p>
-            <a:fld id="{28844951-7827-47D4-8276-7DDE1FA7D85A}" type="slidenum">
+            <a:fld id="{4FAB73BC-B049-4115-A692-8D63A059BFB8}" type="slidenum">
               <a:rPr lang="en-US" smtClean="0"/>
+              <a:pPr/>
+              <a:t>‹#›</a:t>
             </a:fld>
-            <a:endParaRPr lang="en-US"/>
+            <a:endParaRPr lang="en-US" dirty="0"/>
           </a:p>
         </p:txBody>
       </p:sp>
     </p:spTree>
+    <p:extLst>
+      <p:ext uri="{BB962C8B-B14F-4D97-AF65-F5344CB8AC3E}">
+        <p14:creationId xmlns:p14="http://schemas.microsoft.com/office/powerpoint/2010/main" val="3037233424"/>
+      </p:ext>
+    </p:extLst>
   </p:cSld>
   <p:clrMapOvr>
     <a:masterClrMapping/>
@@ -1332,54 +1500,61 @@
       </p:grpSpPr>
       <p:sp>
         <p:nvSpPr>
-          <p:cNvPr id="2" name="Title 1"/>
+          <p:cNvPr id="10" name="Title 9"/>
           <p:cNvSpPr>
             <a:spLocks noGrp="1"/>
           </p:cNvSpPr>
           <p:nvPr>
             <p:ph type="title"/>
+          </p:nvPr>
+        </p:nvSpPr>
+        <p:spPr/>
+        <p:txBody>
+          <a:bodyPr/>
+          <a:lstStyle/>
+          <a:p>
+            <a:r>
+              <a:rPr lang="en-US"/>
+              <a:t>Click to edit Master title style</a:t>
+            </a:r>
+            <a:endParaRPr lang="en-US" dirty="0"/>
+          </a:p>
+        </p:txBody>
+      </p:sp>
+      <p:sp>
+        <p:nvSpPr>
+          <p:cNvPr id="3" name="Text Placeholder 2"/>
+          <p:cNvSpPr>
+            <a:spLocks noGrp="1"/>
+          </p:cNvSpPr>
+          <p:nvPr>
+            <p:ph type="body" idx="1"/>
           </p:nvPr>
         </p:nvSpPr>
         <p:spPr>
           <a:xfrm>
-            <a:off x="1259682" y="1002682"/>
-            <a:ext cx="15773400" cy="1626678"/>
+            <a:off x="5801868" y="1535379"/>
+            <a:ext cx="5212080" cy="1211580"/>
           </a:xfrm>
         </p:spPr>
         <p:txBody>
-          <a:bodyPr/>
-          <a:lstStyle/>
-          <a:p>
-            <a:r>
-              <a:rPr lang="en-US" dirty="0"/>
-              <a:t>Click to edit Master title style</a:t>
-            </a:r>
-            <a:endParaRPr lang="en-US" dirty="0"/>
-          </a:p>
-        </p:txBody>
-      </p:sp>
-      <p:sp>
-        <p:nvSpPr>
-          <p:cNvPr id="3" name="Text Placeholder 2"/>
-          <p:cNvSpPr>
-            <a:spLocks noGrp="1"/>
-          </p:cNvSpPr>
-          <p:nvPr>
-            <p:ph type="body" idx="1"/>
-          </p:nvPr>
-        </p:nvSpPr>
-        <p:spPr>
-          <a:xfrm>
-            <a:off x="1259682" y="2743680"/>
-            <a:ext cx="7736681" cy="1236084"/>
-          </a:xfrm>
-        </p:spPr>
-        <p:txBody>
-          <a:bodyPr anchor="b"/>
+          <a:bodyPr anchor="b">
+            <a:normAutofit/>
+          </a:bodyPr>
           <a:lstStyle>
             <a:lvl1pPr marL="0" indent="0">
-              <a:buNone/>
-              <a:defRPr sz="3600" b="0"/>
+              <a:spcBef>
+                <a:spcPts val="0"/>
+              </a:spcBef>
+              <a:buNone/>
+              <a:defRPr sz="3000" b="1">
+                <a:solidFill>
+                  <a:schemeClr val="bg2">
+                    <a:lumMod val="40000"/>
+                    <a:lumOff val="60000"/>
+                  </a:schemeClr>
+                </a:solidFill>
+              </a:defRPr>
             </a:lvl1pPr>
             <a:lvl2pPr marL="685800" indent="0">
               <a:buNone/>
@@ -1389,27 +1564,27 @@
               <a:buNone/>
               <a:defRPr sz="2700" b="1"/>
             </a:lvl3pPr>
-            <a:lvl4pPr marL="2058035" indent="0">
+            <a:lvl4pPr marL="2057400" indent="0">
               <a:buNone/>
               <a:defRPr sz="2400" b="1"/>
             </a:lvl4pPr>
-            <a:lvl5pPr marL="2743835" indent="0">
+            <a:lvl5pPr marL="2743200" indent="0">
               <a:buNone/>
               <a:defRPr sz="2400" b="1"/>
             </a:lvl5pPr>
-            <a:lvl6pPr marL="3429635" indent="0">
+            <a:lvl6pPr marL="3429000" indent="0">
               <a:buNone/>
               <a:defRPr sz="2400" b="1"/>
             </a:lvl6pPr>
-            <a:lvl7pPr marL="4115435" indent="0">
+            <a:lvl7pPr marL="4114800" indent="0">
               <a:buNone/>
               <a:defRPr sz="2400" b="1"/>
             </a:lvl7pPr>
-            <a:lvl8pPr marL="4801235" indent="0">
+            <a:lvl8pPr marL="4800600" indent="0">
               <a:buNone/>
               <a:defRPr sz="2400" b="1"/>
             </a:lvl8pPr>
-            <a:lvl9pPr marL="5487670" indent="0">
+            <a:lvl9pPr marL="5486400" indent="0">
               <a:buNone/>
               <a:defRPr sz="2400" b="1"/>
             </a:lvl9pPr>
@@ -1417,10 +1592,9 @@
           <a:p>
             <a:pPr lvl="0"/>
             <a:r>
-              <a:rPr lang="en-US" dirty="0"/>
+              <a:rPr lang="en-US"/>
               <a:t>Click to edit Master text styles</a:t>
             </a:r>
-            <a:endParaRPr lang="en-US" dirty="0"/>
           </a:p>
         </p:txBody>
       </p:sp>
@@ -1436,49 +1610,73 @@
         </p:nvSpPr>
         <p:spPr>
           <a:xfrm>
-            <a:off x="1259682" y="4115518"/>
-            <a:ext cx="7736681" cy="5170599"/>
+            <a:off x="5801868" y="2896404"/>
+            <a:ext cx="5212080" cy="6035040"/>
           </a:xfrm>
         </p:spPr>
         <p:txBody>
           <a:bodyPr/>
-          <a:lstStyle/>
+          <a:lstStyle>
+            <a:lvl1pPr>
+              <a:defRPr sz="3000"/>
+            </a:lvl1pPr>
+            <a:lvl2pPr>
+              <a:defRPr sz="2700"/>
+            </a:lvl2pPr>
+            <a:lvl3pPr>
+              <a:defRPr sz="2400"/>
+            </a:lvl3pPr>
+            <a:lvl4pPr>
+              <a:defRPr sz="2100"/>
+            </a:lvl4pPr>
+            <a:lvl5pPr>
+              <a:defRPr sz="2100"/>
+            </a:lvl5pPr>
+            <a:lvl6pPr>
+              <a:defRPr sz="2100"/>
+            </a:lvl6pPr>
+            <a:lvl7pPr>
+              <a:defRPr sz="2100"/>
+            </a:lvl7pPr>
+            <a:lvl8pPr>
+              <a:defRPr sz="2100"/>
+            </a:lvl8pPr>
+            <a:lvl9pPr>
+              <a:defRPr sz="2100"/>
+            </a:lvl9pPr>
+          </a:lstStyle>
           <a:p>
             <a:pPr lvl="0"/>
             <a:r>
-              <a:rPr lang="en-US" dirty="0"/>
+              <a:rPr lang="en-US"/>
               <a:t>Click to edit Master text styles</a:t>
             </a:r>
-            <a:endParaRPr lang="en-US" dirty="0"/>
           </a:p>
           <a:p>
             <a:pPr lvl="1"/>
             <a:r>
-              <a:rPr lang="en-US" dirty="0"/>
+              <a:rPr lang="en-US"/>
               <a:t>Second level</a:t>
             </a:r>
-            <a:endParaRPr lang="en-US" dirty="0"/>
           </a:p>
           <a:p>
             <a:pPr lvl="2"/>
             <a:r>
-              <a:rPr lang="en-US" dirty="0"/>
+              <a:rPr lang="en-US"/>
               <a:t>Third level</a:t>
             </a:r>
-            <a:endParaRPr lang="en-US" dirty="0"/>
           </a:p>
           <a:p>
             <a:pPr lvl="3"/>
             <a:r>
-              <a:rPr lang="en-US" dirty="0"/>
+              <a:rPr lang="en-US"/>
               <a:t>Fourth level</a:t>
             </a:r>
-            <a:endParaRPr lang="en-US" dirty="0"/>
           </a:p>
           <a:p>
             <a:pPr lvl="4"/>
             <a:r>
-              <a:rPr lang="en-US" dirty="0"/>
+              <a:rPr lang="en-US"/>
               <a:t>Fifth level</a:t>
             </a:r>
             <a:endParaRPr lang="en-US" dirty="0"/>
@@ -1497,16 +1695,28 @@
         </p:nvSpPr>
         <p:spPr>
           <a:xfrm>
-            <a:off x="9258300" y="2743680"/>
-            <a:ext cx="7774782" cy="1236084"/>
+            <a:off x="11727695" y="1535380"/>
+            <a:ext cx="5212080" cy="1219757"/>
           </a:xfrm>
         </p:spPr>
         <p:txBody>
-          <a:bodyPr anchor="b"/>
+          <a:bodyPr anchor="b">
+            <a:normAutofit/>
+          </a:bodyPr>
           <a:lstStyle>
             <a:lvl1pPr marL="0" indent="0">
-              <a:buNone/>
-              <a:defRPr sz="3600" b="0"/>
+              <a:spcBef>
+                <a:spcPts val="0"/>
+              </a:spcBef>
+              <a:buNone/>
+              <a:defRPr sz="3000" b="1">
+                <a:solidFill>
+                  <a:schemeClr val="bg2">
+                    <a:lumMod val="40000"/>
+                    <a:lumOff val="60000"/>
+                  </a:schemeClr>
+                </a:solidFill>
+              </a:defRPr>
             </a:lvl1pPr>
             <a:lvl2pPr marL="685800" indent="0">
               <a:buNone/>
@@ -1516,27 +1726,27 @@
               <a:buNone/>
               <a:defRPr sz="2700" b="1"/>
             </a:lvl3pPr>
-            <a:lvl4pPr marL="2058035" indent="0">
+            <a:lvl4pPr marL="2057400" indent="0">
               <a:buNone/>
               <a:defRPr sz="2400" b="1"/>
             </a:lvl4pPr>
-            <a:lvl5pPr marL="2743835" indent="0">
+            <a:lvl5pPr marL="2743200" indent="0">
               <a:buNone/>
               <a:defRPr sz="2400" b="1"/>
             </a:lvl5pPr>
-            <a:lvl6pPr marL="3429635" indent="0">
+            <a:lvl6pPr marL="3429000" indent="0">
               <a:buNone/>
               <a:defRPr sz="2400" b="1"/>
             </a:lvl6pPr>
-            <a:lvl7pPr marL="4115435" indent="0">
+            <a:lvl7pPr marL="4114800" indent="0">
               <a:buNone/>
               <a:defRPr sz="2400" b="1"/>
             </a:lvl7pPr>
-            <a:lvl8pPr marL="4801235" indent="0">
+            <a:lvl8pPr marL="4800600" indent="0">
               <a:buNone/>
               <a:defRPr sz="2400" b="1"/>
             </a:lvl8pPr>
-            <a:lvl9pPr marL="5487670" indent="0">
+            <a:lvl9pPr marL="5486400" indent="0">
               <a:buNone/>
               <a:defRPr sz="2400" b="1"/>
             </a:lvl9pPr>
@@ -1544,10 +1754,9 @@
           <a:p>
             <a:pPr lvl="0"/>
             <a:r>
-              <a:rPr lang="en-US" dirty="0"/>
+              <a:rPr lang="en-US"/>
               <a:t>Click to edit Master text styles</a:t>
             </a:r>
-            <a:endParaRPr lang="en-US" dirty="0"/>
           </a:p>
         </p:txBody>
       </p:sp>
@@ -1563,20 +1772,47 @@
         </p:nvSpPr>
         <p:spPr>
           <a:xfrm>
-            <a:off x="9258300" y="4115518"/>
-            <a:ext cx="7774782" cy="5170599"/>
+            <a:off x="11727695" y="2896404"/>
+            <a:ext cx="5212080" cy="6035040"/>
           </a:xfrm>
         </p:spPr>
         <p:txBody>
           <a:bodyPr/>
-          <a:lstStyle/>
+          <a:lstStyle>
+            <a:lvl1pPr>
+              <a:defRPr sz="3000"/>
+            </a:lvl1pPr>
+            <a:lvl2pPr>
+              <a:defRPr sz="2700"/>
+            </a:lvl2pPr>
+            <a:lvl3pPr>
+              <a:defRPr sz="2400"/>
+            </a:lvl3pPr>
+            <a:lvl4pPr>
+              <a:defRPr sz="2100"/>
+            </a:lvl4pPr>
+            <a:lvl5pPr>
+              <a:defRPr sz="2100"/>
+            </a:lvl5pPr>
+            <a:lvl6pPr>
+              <a:defRPr sz="2100"/>
+            </a:lvl6pPr>
+            <a:lvl7pPr>
+              <a:defRPr sz="2100"/>
+            </a:lvl7pPr>
+            <a:lvl8pPr>
+              <a:defRPr sz="2100"/>
+            </a:lvl8pPr>
+            <a:lvl9pPr>
+              <a:defRPr sz="2100"/>
+            </a:lvl9pPr>
+          </a:lstStyle>
           <a:p>
             <a:pPr lvl="0"/>
             <a:r>
               <a:rPr lang="en-US"/>
               <a:t>Click to edit Master text styles</a:t>
             </a:r>
-            <a:endParaRPr lang="en-US"/>
           </a:p>
           <a:p>
             <a:pPr lvl="1"/>
@@ -1584,7 +1820,6 @@
               <a:rPr lang="en-US"/>
               <a:t>Second level</a:t>
             </a:r>
-            <a:endParaRPr lang="en-US"/>
           </a:p>
           <a:p>
             <a:pPr lvl="2"/>
@@ -1592,7 +1827,6 @@
               <a:rPr lang="en-US"/>
               <a:t>Third level</a:t>
             </a:r>
-            <a:endParaRPr lang="en-US"/>
           </a:p>
           <a:p>
             <a:pPr lvl="3"/>
@@ -1600,7 +1834,6 @@
               <a:rPr lang="en-US"/>
               <a:t>Fourth level</a:t>
             </a:r>
-            <a:endParaRPr lang="en-US"/>
           </a:p>
           <a:p>
             <a:pPr lvl="4"/>
@@ -1608,13 +1841,13 @@
               <a:rPr lang="en-US"/>
               <a:t>Fifth level</a:t>
             </a:r>
-            <a:endParaRPr lang="en-US"/>
-          </a:p>
-        </p:txBody>
-      </p:sp>
-      <p:sp>
-        <p:nvSpPr>
-          <p:cNvPr id="7" name="Date Placeholder 6"/>
+            <a:endParaRPr lang="en-US" dirty="0"/>
+          </a:p>
+        </p:txBody>
+      </p:sp>
+      <p:sp>
+        <p:nvSpPr>
+          <p:cNvPr id="2" name="Date Placeholder 1"/>
           <p:cNvSpPr>
             <a:spLocks noGrp="1"/>
           </p:cNvSpPr>
@@ -1627,16 +1860,18 @@
           <a:bodyPr/>
           <a:lstStyle/>
           <a:p>
-            <a:fld id="{AA70F276-1833-4A75-9C1D-A56E2295A68D}" type="datetimeFigureOut">
+            <a:fld id="{5586B75A-687E-405C-8A0B-8D00578BA2C3}" type="datetimeFigureOut">
               <a:rPr lang="en-US" smtClean="0"/>
+              <a:pPr/>
+              <a:t>12/5/2023</a:t>
             </a:fld>
-            <a:endParaRPr lang="en-US"/>
-          </a:p>
-        </p:txBody>
-      </p:sp>
-      <p:sp>
-        <p:nvSpPr>
-          <p:cNvPr id="8" name="Footer Placeholder 7"/>
+            <a:endParaRPr lang="en-US" dirty="0"/>
+          </a:p>
+        </p:txBody>
+      </p:sp>
+      <p:sp>
+        <p:nvSpPr>
+          <p:cNvPr id="11" name="Footer Placeholder 10"/>
           <p:cNvSpPr>
             <a:spLocks noGrp="1"/>
           </p:cNvSpPr>
@@ -1649,13 +1884,13 @@
           <a:bodyPr/>
           <a:lstStyle/>
           <a:p>
-            <a:endParaRPr lang="en-US"/>
-          </a:p>
-        </p:txBody>
-      </p:sp>
-      <p:sp>
-        <p:nvSpPr>
-          <p:cNvPr id="9" name="Slide Number Placeholder 8"/>
+            <a:endParaRPr lang="en-US" dirty="0"/>
+          </a:p>
+        </p:txBody>
+      </p:sp>
+      <p:sp>
+        <p:nvSpPr>
+          <p:cNvPr id="12" name="Slide Number Placeholder 11"/>
           <p:cNvSpPr>
             <a:spLocks noGrp="1"/>
           </p:cNvSpPr>
@@ -1668,14 +1903,21 @@
           <a:bodyPr/>
           <a:lstStyle/>
           <a:p>
-            <a:fld id="{28844951-7827-47D4-8276-7DDE1FA7D85A}" type="slidenum">
+            <a:fld id="{4FAB73BC-B049-4115-A692-8D63A059BFB8}" type="slidenum">
               <a:rPr lang="en-US" smtClean="0"/>
+              <a:pPr/>
+              <a:t>‹#›</a:t>
             </a:fld>
-            <a:endParaRPr lang="en-US"/>
+            <a:endParaRPr lang="en-US" dirty="0"/>
           </a:p>
         </p:txBody>
       </p:sp>
     </p:spTree>
+    <p:extLst>
+      <p:ext uri="{BB962C8B-B14F-4D97-AF65-F5344CB8AC3E}">
+        <p14:creationId xmlns:p14="http://schemas.microsoft.com/office/powerpoint/2010/main" val="958706550"/>
+      </p:ext>
+    </p:extLst>
   </p:cSld>
   <p:clrMapOvr>
     <a:masterClrMapping/>
@@ -1702,7 +1944,7 @@
       </p:grpSpPr>
       <p:sp>
         <p:nvSpPr>
-          <p:cNvPr id="2" name="Title 1"/>
+          <p:cNvPr id="6" name="Title 5"/>
           <p:cNvSpPr>
             <a:spLocks noGrp="1"/>
           </p:cNvSpPr>
@@ -1719,13 +1961,13 @@
               <a:rPr lang="en-US"/>
               <a:t>Click to edit Master title style</a:t>
             </a:r>
-            <a:endParaRPr lang="en-US"/>
-          </a:p>
-        </p:txBody>
-      </p:sp>
-      <p:sp>
-        <p:nvSpPr>
-          <p:cNvPr id="3" name="Date Placeholder 2"/>
+            <a:endParaRPr lang="en-US" dirty="0"/>
+          </a:p>
+        </p:txBody>
+      </p:sp>
+      <p:sp>
+        <p:nvSpPr>
+          <p:cNvPr id="2" name="Date Placeholder 1"/>
           <p:cNvSpPr>
             <a:spLocks noGrp="1"/>
           </p:cNvSpPr>
@@ -1738,16 +1980,18 @@
           <a:bodyPr/>
           <a:lstStyle/>
           <a:p>
-            <a:fld id="{AA70F276-1833-4A75-9C1D-A56E2295A68D}" type="datetimeFigureOut">
+            <a:fld id="{5586B75A-687E-405C-8A0B-8D00578BA2C3}" type="datetimeFigureOut">
               <a:rPr lang="en-US" smtClean="0"/>
+              <a:pPr/>
+              <a:t>12/5/2023</a:t>
             </a:fld>
-            <a:endParaRPr lang="en-US"/>
-          </a:p>
-        </p:txBody>
-      </p:sp>
-      <p:sp>
-        <p:nvSpPr>
-          <p:cNvPr id="4" name="Footer Placeholder 3"/>
+            <a:endParaRPr lang="en-US" dirty="0"/>
+          </a:p>
+        </p:txBody>
+      </p:sp>
+      <p:sp>
+        <p:nvSpPr>
+          <p:cNvPr id="7" name="Footer Placeholder 6"/>
           <p:cNvSpPr>
             <a:spLocks noGrp="1"/>
           </p:cNvSpPr>
@@ -1760,13 +2004,13 @@
           <a:bodyPr/>
           <a:lstStyle/>
           <a:p>
-            <a:endParaRPr lang="en-US"/>
-          </a:p>
-        </p:txBody>
-      </p:sp>
-      <p:sp>
-        <p:nvSpPr>
-          <p:cNvPr id="5" name="Slide Number Placeholder 4"/>
+            <a:endParaRPr lang="en-US" dirty="0"/>
+          </a:p>
+        </p:txBody>
+      </p:sp>
+      <p:sp>
+        <p:nvSpPr>
+          <p:cNvPr id="8" name="Slide Number Placeholder 7"/>
           <p:cNvSpPr>
             <a:spLocks noGrp="1"/>
           </p:cNvSpPr>
@@ -1779,14 +2023,21 @@
           <a:bodyPr/>
           <a:lstStyle/>
           <a:p>
-            <a:fld id="{28844951-7827-47D4-8276-7DDE1FA7D85A}" type="slidenum">
+            <a:fld id="{4FAB73BC-B049-4115-A692-8D63A059BFB8}" type="slidenum">
               <a:rPr lang="en-US" smtClean="0"/>
+              <a:pPr/>
+              <a:t>‹#›</a:t>
             </a:fld>
-            <a:endParaRPr lang="en-US"/>
+            <a:endParaRPr lang="en-US" dirty="0"/>
           </a:p>
         </p:txBody>
       </p:sp>
     </p:spTree>
+    <p:extLst>
+      <p:ext uri="{BB962C8B-B14F-4D97-AF65-F5344CB8AC3E}">
+        <p14:creationId xmlns:p14="http://schemas.microsoft.com/office/powerpoint/2010/main" val="1264524055"/>
+      </p:ext>
+    </p:extLst>
   </p:cSld>
   <p:clrMapOvr>
     <a:masterClrMapping/>
@@ -1795,7 +2046,7 @@
 </file>
 
 <file path=ppt/slideLayouts/slideLayout7.xml><?xml version="1.0" encoding="utf-8"?>
-<p:sldLayout xmlns:a="http://schemas.openxmlformats.org/drawingml/2006/main" xmlns:r="http://schemas.openxmlformats.org/officeDocument/2006/relationships" xmlns:p="http://schemas.openxmlformats.org/presentationml/2006/main" type="blank" preserve="1">
+<p:sldLayout xmlns:a="http://schemas.openxmlformats.org/drawingml/2006/main" xmlns:r="http://schemas.openxmlformats.org/officeDocument/2006/relationships" xmlns:p="http://schemas.openxmlformats.org/presentationml/2006/main" showMasterSp="0" type="blank" preserve="1">
   <p:cSld name="Blank">
     <p:spTree>
       <p:nvGrpSpPr>
@@ -1813,7 +2064,7 @@
       </p:grpSpPr>
       <p:sp>
         <p:nvSpPr>
-          <p:cNvPr id="2" name="Date Placeholder 1"/>
+          <p:cNvPr id="5" name="Date Placeholder 4"/>
           <p:cNvSpPr>
             <a:spLocks noGrp="1"/>
           </p:cNvSpPr>
@@ -1826,16 +2077,18 @@
           <a:bodyPr/>
           <a:lstStyle/>
           <a:p>
-            <a:fld id="{AA70F276-1833-4A75-9C1D-A56E2295A68D}" type="datetimeFigureOut">
+            <a:fld id="{5586B75A-687E-405C-8A0B-8D00578BA2C3}" type="datetimeFigureOut">
               <a:rPr lang="en-US" smtClean="0"/>
+              <a:pPr/>
+              <a:t>12/5/2023</a:t>
             </a:fld>
-            <a:endParaRPr lang="en-US"/>
-          </a:p>
-        </p:txBody>
-      </p:sp>
-      <p:sp>
-        <p:nvSpPr>
-          <p:cNvPr id="3" name="Footer Placeholder 2"/>
+            <a:endParaRPr lang="en-US" dirty="0"/>
+          </a:p>
+        </p:txBody>
+      </p:sp>
+      <p:sp>
+        <p:nvSpPr>
+          <p:cNvPr id="6" name="Footer Placeholder 5"/>
           <p:cNvSpPr>
             <a:spLocks noGrp="1"/>
           </p:cNvSpPr>
@@ -1848,13 +2101,13 @@
           <a:bodyPr/>
           <a:lstStyle/>
           <a:p>
-            <a:endParaRPr lang="en-US"/>
-          </a:p>
-        </p:txBody>
-      </p:sp>
-      <p:sp>
-        <p:nvSpPr>
-          <p:cNvPr id="4" name="Slide Number Placeholder 3"/>
+            <a:endParaRPr lang="en-US" dirty="0"/>
+          </a:p>
+        </p:txBody>
+      </p:sp>
+      <p:sp>
+        <p:nvSpPr>
+          <p:cNvPr id="7" name="Slide Number Placeholder 6"/>
           <p:cNvSpPr>
             <a:spLocks noGrp="1"/>
           </p:cNvSpPr>
@@ -1867,14 +2120,21 @@
           <a:bodyPr/>
           <a:lstStyle/>
           <a:p>
-            <a:fld id="{28844951-7827-47D4-8276-7DDE1FA7D85A}" type="slidenum">
+            <a:fld id="{4FAB73BC-B049-4115-A692-8D63A059BFB8}" type="slidenum">
               <a:rPr lang="en-US" smtClean="0"/>
+              <a:pPr/>
+              <a:t>‹#›</a:t>
             </a:fld>
-            <a:endParaRPr lang="en-US"/>
+            <a:endParaRPr lang="en-US" dirty="0"/>
           </a:p>
         </p:txBody>
       </p:sp>
     </p:spTree>
+    <p:extLst>
+      <p:ext uri="{BB962C8B-B14F-4D97-AF65-F5344CB8AC3E}">
+        <p14:creationId xmlns:p14="http://schemas.microsoft.com/office/powerpoint/2010/main" val="2160265717"/>
+      </p:ext>
+    </p:extLst>
   </p:cSld>
   <p:clrMapOvr>
     <a:masterClrMapping/>
@@ -1911,20 +2171,22 @@
         </p:nvSpPr>
         <p:spPr>
           <a:xfrm>
-            <a:off x="1259682" y="1028880"/>
-            <a:ext cx="5898356" cy="2057760"/>
+            <a:off x="384048" y="1714500"/>
+            <a:ext cx="4251960" cy="3566160"/>
           </a:xfrm>
         </p:spPr>
         <p:txBody>
-          <a:bodyPr anchor="b"/>
+          <a:bodyPr anchor="b">
+            <a:normAutofit/>
+          </a:bodyPr>
           <a:lstStyle>
             <a:lvl1pPr>
-              <a:defRPr sz="4800"/>
+              <a:defRPr sz="4800" b="0" baseline="0"/>
             </a:lvl1pPr>
           </a:lstStyle>
           <a:p>
             <a:r>
-              <a:rPr lang="en-US" dirty="0"/>
+              <a:rPr lang="en-US"/>
               <a:t>Click to edit Master title style</a:t>
             </a:r>
             <a:endParaRPr lang="en-US" dirty="0"/>
@@ -1943,77 +2205,73 @@
         </p:nvSpPr>
         <p:spPr>
           <a:xfrm>
-            <a:off x="7774782" y="1028881"/>
-            <a:ext cx="9258300" cy="7764233"/>
+            <a:off x="5801868" y="1303020"/>
+            <a:ext cx="10972800" cy="7680960"/>
           </a:xfrm>
         </p:spPr>
         <p:txBody>
           <a:bodyPr/>
           <a:lstStyle>
             <a:lvl1pPr>
-              <a:defRPr sz="4800"/>
+              <a:defRPr sz="3000"/>
             </a:lvl1pPr>
             <a:lvl2pPr>
-              <a:defRPr sz="4200"/>
+              <a:defRPr sz="2700"/>
             </a:lvl2pPr>
             <a:lvl3pPr>
-              <a:defRPr sz="3600"/>
+              <a:defRPr sz="2400"/>
             </a:lvl3pPr>
             <a:lvl4pPr>
-              <a:defRPr sz="3000"/>
+              <a:defRPr sz="2100"/>
             </a:lvl4pPr>
             <a:lvl5pPr>
-              <a:defRPr sz="3000"/>
+              <a:defRPr sz="2100"/>
             </a:lvl5pPr>
             <a:lvl6pPr>
-              <a:defRPr sz="3000"/>
+              <a:defRPr sz="2100"/>
             </a:lvl6pPr>
             <a:lvl7pPr>
-              <a:defRPr sz="3000"/>
+              <a:defRPr sz="2100"/>
             </a:lvl7pPr>
             <a:lvl8pPr>
-              <a:defRPr sz="3000"/>
+              <a:defRPr sz="2100"/>
             </a:lvl8pPr>
             <a:lvl9pPr>
-              <a:defRPr sz="3000"/>
+              <a:defRPr sz="2100"/>
             </a:lvl9pPr>
           </a:lstStyle>
           <a:p>
             <a:pPr lvl="0"/>
             <a:r>
-              <a:rPr lang="en-US" dirty="0"/>
+              <a:rPr lang="en-US"/>
               <a:t>Click to edit Master text styles</a:t>
             </a:r>
-            <a:endParaRPr lang="en-US" dirty="0"/>
           </a:p>
           <a:p>
             <a:pPr lvl="1"/>
             <a:r>
-              <a:rPr lang="en-US" dirty="0"/>
+              <a:rPr lang="en-US"/>
               <a:t>Second level</a:t>
             </a:r>
-            <a:endParaRPr lang="en-US" dirty="0"/>
           </a:p>
           <a:p>
             <a:pPr lvl="2"/>
             <a:r>
-              <a:rPr lang="en-US" dirty="0"/>
+              <a:rPr lang="en-US"/>
               <a:t>Third level</a:t>
             </a:r>
-            <a:endParaRPr lang="en-US" dirty="0"/>
           </a:p>
           <a:p>
             <a:pPr lvl="3"/>
             <a:r>
-              <a:rPr lang="en-US" dirty="0"/>
+              <a:rPr lang="en-US"/>
               <a:t>Fourth level</a:t>
             </a:r>
-            <a:endParaRPr lang="en-US" dirty="0"/>
           </a:p>
           <a:p>
             <a:pPr lvl="4"/>
             <a:r>
-              <a:rPr lang="en-US" dirty="0"/>
+              <a:rPr lang="en-US"/>
               <a:t>Fifth level</a:t>
             </a:r>
             <a:endParaRPr lang="en-US" dirty="0"/>
@@ -2032,63 +2290,71 @@
         </p:nvSpPr>
         <p:spPr>
           <a:xfrm>
-            <a:off x="1259682" y="3315280"/>
-            <a:ext cx="5898356" cy="5489742"/>
+            <a:off x="384048" y="5241264"/>
+            <a:ext cx="4251960" cy="3482985"/>
           </a:xfrm>
         </p:spPr>
         <p:txBody>
-          <a:bodyPr/>
+          <a:bodyPr anchor="t">
+            <a:normAutofit/>
+          </a:bodyPr>
           <a:lstStyle>
             <a:lvl1pPr marL="0" indent="0">
-              <a:buNone/>
-              <a:defRPr sz="2400"/>
+              <a:lnSpc>
+                <a:spcPct val="100000"/>
+              </a:lnSpc>
+              <a:buNone/>
+              <a:defRPr sz="2100">
+                <a:solidFill>
+                  <a:srgbClr val="FFFFFF"/>
+                </a:solidFill>
+              </a:defRPr>
             </a:lvl1pPr>
             <a:lvl2pPr marL="685800" indent="0">
               <a:buNone/>
-              <a:defRPr sz="2100"/>
+              <a:defRPr sz="1800"/>
             </a:lvl2pPr>
             <a:lvl3pPr marL="1371600" indent="0">
               <a:buNone/>
-              <a:defRPr sz="1800"/>
+              <a:defRPr sz="1500"/>
             </a:lvl3pPr>
-            <a:lvl4pPr marL="2058035" indent="0">
-              <a:buNone/>
-              <a:defRPr sz="1500"/>
+            <a:lvl4pPr marL="2057400" indent="0">
+              <a:buNone/>
+              <a:defRPr sz="1350"/>
             </a:lvl4pPr>
-            <a:lvl5pPr marL="2743835" indent="0">
-              <a:buNone/>
-              <a:defRPr sz="1500"/>
+            <a:lvl5pPr marL="2743200" indent="0">
+              <a:buNone/>
+              <a:defRPr sz="1350"/>
             </a:lvl5pPr>
-            <a:lvl6pPr marL="3429635" indent="0">
-              <a:buNone/>
-              <a:defRPr sz="1500"/>
+            <a:lvl6pPr marL="3429000" indent="0">
+              <a:buNone/>
+              <a:defRPr sz="1350"/>
             </a:lvl6pPr>
-            <a:lvl7pPr marL="4115435" indent="0">
-              <a:buNone/>
-              <a:defRPr sz="1500"/>
+            <a:lvl7pPr marL="4114800" indent="0">
+              <a:buNone/>
+              <a:defRPr sz="1350"/>
             </a:lvl7pPr>
-            <a:lvl8pPr marL="4801235" indent="0">
-              <a:buNone/>
-              <a:defRPr sz="1500"/>
+            <a:lvl8pPr marL="4800600" indent="0">
+              <a:buNone/>
+              <a:defRPr sz="1350"/>
             </a:lvl8pPr>
-            <a:lvl9pPr marL="5487670" indent="0">
-              <a:buNone/>
-              <a:defRPr sz="1500"/>
+            <a:lvl9pPr marL="5486400" indent="0">
+              <a:buNone/>
+              <a:defRPr sz="1350"/>
             </a:lvl9pPr>
           </a:lstStyle>
           <a:p>
             <a:pPr lvl="0"/>
             <a:r>
-              <a:rPr lang="en-US" dirty="0"/>
+              <a:rPr lang="en-US"/>
               <a:t>Click to edit Master text styles</a:t>
             </a:r>
-            <a:endParaRPr lang="en-US" dirty="0"/>
-          </a:p>
-        </p:txBody>
-      </p:sp>
-      <p:sp>
-        <p:nvSpPr>
-          <p:cNvPr id="5" name="Date Placeholder 4"/>
+          </a:p>
+        </p:txBody>
+      </p:sp>
+      <p:sp>
+        <p:nvSpPr>
+          <p:cNvPr id="8" name="Date Placeholder 7"/>
           <p:cNvSpPr>
             <a:spLocks noGrp="1"/>
           </p:cNvSpPr>
@@ -2101,16 +2367,18 @@
           <a:bodyPr/>
           <a:lstStyle/>
           <a:p>
-            <a:fld id="{AA70F276-1833-4A75-9C1D-A56E2295A68D}" type="datetimeFigureOut">
+            <a:fld id="{5586B75A-687E-405C-8A0B-8D00578BA2C3}" type="datetimeFigureOut">
               <a:rPr lang="en-US" smtClean="0"/>
+              <a:pPr/>
+              <a:t>12/5/2023</a:t>
             </a:fld>
-            <a:endParaRPr lang="en-US"/>
-          </a:p>
-        </p:txBody>
-      </p:sp>
-      <p:sp>
-        <p:nvSpPr>
-          <p:cNvPr id="6" name="Footer Placeholder 5"/>
+            <a:endParaRPr lang="en-US" dirty="0"/>
+          </a:p>
+        </p:txBody>
+      </p:sp>
+      <p:sp>
+        <p:nvSpPr>
+          <p:cNvPr id="9" name="Footer Placeholder 8"/>
           <p:cNvSpPr>
             <a:spLocks noGrp="1"/>
           </p:cNvSpPr>
@@ -2123,13 +2391,13 @@
           <a:bodyPr/>
           <a:lstStyle/>
           <a:p>
-            <a:endParaRPr lang="en-US"/>
-          </a:p>
-        </p:txBody>
-      </p:sp>
-      <p:sp>
-        <p:nvSpPr>
-          <p:cNvPr id="7" name="Slide Number Placeholder 6"/>
+            <a:endParaRPr lang="en-US" dirty="0"/>
+          </a:p>
+        </p:txBody>
+      </p:sp>
+      <p:sp>
+        <p:nvSpPr>
+          <p:cNvPr id="10" name="Slide Number Placeholder 9"/>
           <p:cNvSpPr>
             <a:spLocks noGrp="1"/>
           </p:cNvSpPr>
@@ -2142,14 +2410,21 @@
           <a:bodyPr/>
           <a:lstStyle/>
           <a:p>
-            <a:fld id="{28844951-7827-47D4-8276-7DDE1FA7D85A}" type="slidenum">
+            <a:fld id="{4FAB73BC-B049-4115-A692-8D63A059BFB8}" type="slidenum">
               <a:rPr lang="en-US" smtClean="0"/>
+              <a:pPr/>
+              <a:t>‹#›</a:t>
             </a:fld>
-            <a:endParaRPr lang="en-US"/>
+            <a:endParaRPr lang="en-US" dirty="0"/>
           </a:p>
         </p:txBody>
       </p:sp>
     </p:spTree>
+    <p:extLst>
+      <p:ext uri="{BB962C8B-B14F-4D97-AF65-F5344CB8AC3E}">
+        <p14:creationId xmlns:p14="http://schemas.microsoft.com/office/powerpoint/2010/main" val="860261779"/>
+      </p:ext>
+    </p:extLst>
   </p:cSld>
   <p:clrMapOvr>
     <a:masterClrMapping/>
@@ -2186,20 +2461,22 @@
         </p:nvSpPr>
         <p:spPr>
           <a:xfrm>
-            <a:off x="1259682" y="1028880"/>
-            <a:ext cx="5898356" cy="2057760"/>
+            <a:off x="384048" y="1714500"/>
+            <a:ext cx="4251960" cy="3566160"/>
           </a:xfrm>
         </p:spPr>
         <p:txBody>
-          <a:bodyPr anchor="b"/>
+          <a:bodyPr anchor="b">
+            <a:normAutofit/>
+          </a:bodyPr>
           <a:lstStyle>
             <a:lvl1pPr>
-              <a:defRPr sz="4800"/>
+              <a:defRPr sz="4800" b="0"/>
             </a:lvl1pPr>
           </a:lstStyle>
           <a:p>
             <a:r>
-              <a:rPr lang="en-US" dirty="0"/>
+              <a:rPr lang="en-US"/>
               <a:t>Click to edit Master title style</a:t>
             </a:r>
             <a:endParaRPr lang="en-US" dirty="0"/>
@@ -2210,7 +2487,7 @@
         <p:nvSpPr>
           <p:cNvPr id="3" name="Picture Placeholder 2"/>
           <p:cNvSpPr>
-            <a:spLocks noGrp="1"/>
+            <a:spLocks noGrp="1" noChangeAspect="1"/>
           </p:cNvSpPr>
           <p:nvPr>
             <p:ph type="pic" idx="1"/>
@@ -2218,12 +2495,18 @@
         </p:nvSpPr>
         <p:spPr>
           <a:xfrm>
-            <a:off x="7774782" y="1028881"/>
-            <a:ext cx="9258300" cy="7764233"/>
+            <a:off x="5355966" y="1151129"/>
+            <a:ext cx="12172845" cy="7996428"/>
           </a:xfrm>
+          <a:solidFill>
+            <a:schemeClr val="bg1">
+              <a:lumMod val="50000"/>
+              <a:lumOff val="50000"/>
+            </a:schemeClr>
+          </a:solidFill>
         </p:spPr>
         <p:txBody>
-          <a:bodyPr/>
+          <a:bodyPr anchor="t"/>
           <a:lstStyle>
             <a:lvl1pPr marL="0" indent="0">
               <a:buNone/>
@@ -2237,27 +2520,27 @@
               <a:buNone/>
               <a:defRPr sz="3600"/>
             </a:lvl3pPr>
-            <a:lvl4pPr marL="2058035" indent="0">
+            <a:lvl4pPr marL="2057400" indent="0">
               <a:buNone/>
               <a:defRPr sz="3000"/>
             </a:lvl4pPr>
-            <a:lvl5pPr marL="2743835" indent="0">
+            <a:lvl5pPr marL="2743200" indent="0">
               <a:buNone/>
               <a:defRPr sz="3000"/>
             </a:lvl5pPr>
-            <a:lvl6pPr marL="3429635" indent="0">
+            <a:lvl6pPr marL="3429000" indent="0">
               <a:buNone/>
               <a:defRPr sz="3000"/>
             </a:lvl6pPr>
-            <a:lvl7pPr marL="4115435" indent="0">
+            <a:lvl7pPr marL="4114800" indent="0">
               <a:buNone/>
               <a:defRPr sz="3000"/>
             </a:lvl7pPr>
-            <a:lvl8pPr marL="4801235" indent="0">
+            <a:lvl8pPr marL="4800600" indent="0">
               <a:buNone/>
               <a:defRPr sz="3000"/>
             </a:lvl8pPr>
-            <a:lvl9pPr marL="5487670" indent="0">
+            <a:lvl9pPr marL="5486400" indent="0">
               <a:buNone/>
               <a:defRPr sz="3000"/>
             </a:lvl9pPr>
@@ -2267,7 +2550,7 @@
               <a:rPr lang="en-US"/>
               <a:t>Click icon to add picture</a:t>
             </a:r>
-            <a:endParaRPr lang="en-US"/>
+            <a:endParaRPr lang="en-US" dirty="0"/>
           </a:p>
         </p:txBody>
       </p:sp>
@@ -2283,63 +2566,71 @@
         </p:nvSpPr>
         <p:spPr>
           <a:xfrm>
-            <a:off x="1259682" y="3315280"/>
-            <a:ext cx="5898356" cy="5489742"/>
+            <a:off x="384048" y="5239512"/>
+            <a:ext cx="4251960" cy="3483864"/>
           </a:xfrm>
         </p:spPr>
         <p:txBody>
-          <a:bodyPr/>
+          <a:bodyPr anchor="t">
+            <a:normAutofit/>
+          </a:bodyPr>
           <a:lstStyle>
             <a:lvl1pPr marL="0" indent="0">
-              <a:buNone/>
-              <a:defRPr sz="2400"/>
+              <a:lnSpc>
+                <a:spcPct val="100000"/>
+              </a:lnSpc>
+              <a:buNone/>
+              <a:defRPr sz="2100">
+                <a:solidFill>
+                  <a:srgbClr val="FFFFFF"/>
+                </a:solidFill>
+              </a:defRPr>
             </a:lvl1pPr>
             <a:lvl2pPr marL="685800" indent="0">
               <a:buNone/>
-              <a:defRPr sz="2100"/>
+              <a:defRPr sz="1800"/>
             </a:lvl2pPr>
             <a:lvl3pPr marL="1371600" indent="0">
               <a:buNone/>
-              <a:defRPr sz="1800"/>
+              <a:defRPr sz="1500"/>
             </a:lvl3pPr>
-            <a:lvl4pPr marL="2058035" indent="0">
-              <a:buNone/>
-              <a:defRPr sz="1500"/>
+            <a:lvl4pPr marL="2057400" indent="0">
+              <a:buNone/>
+              <a:defRPr sz="1350"/>
             </a:lvl4pPr>
-            <a:lvl5pPr marL="2743835" indent="0">
-              <a:buNone/>
-              <a:defRPr sz="1500"/>
+            <a:lvl5pPr marL="2743200" indent="0">
+              <a:buNone/>
+              <a:defRPr sz="1350"/>
             </a:lvl5pPr>
-            <a:lvl6pPr marL="3429635" indent="0">
-              <a:buNone/>
-              <a:defRPr sz="1500"/>
+            <a:lvl6pPr marL="3429000" indent="0">
+              <a:buNone/>
+              <a:defRPr sz="1350"/>
             </a:lvl6pPr>
-            <a:lvl7pPr marL="4115435" indent="0">
-              <a:buNone/>
-              <a:defRPr sz="1500"/>
+            <a:lvl7pPr marL="4114800" indent="0">
+              <a:buNone/>
+              <a:defRPr sz="1350"/>
             </a:lvl7pPr>
-            <a:lvl8pPr marL="4801235" indent="0">
-              <a:buNone/>
-              <a:defRPr sz="1500"/>
+            <a:lvl8pPr marL="4800600" indent="0">
+              <a:buNone/>
+              <a:defRPr sz="1350"/>
             </a:lvl8pPr>
-            <a:lvl9pPr marL="5487670" indent="0">
-              <a:buNone/>
-              <a:defRPr sz="1500"/>
+            <a:lvl9pPr marL="5486400" indent="0">
+              <a:buNone/>
+              <a:defRPr sz="1350"/>
             </a:lvl9pPr>
           </a:lstStyle>
           <a:p>
             <a:pPr lvl="0"/>
             <a:r>
-              <a:rPr lang="en-US" dirty="0"/>
+              <a:rPr lang="en-US"/>
               <a:t>Click to edit Master text styles</a:t>
             </a:r>
-            <a:endParaRPr lang="en-US" dirty="0"/>
-          </a:p>
-        </p:txBody>
-      </p:sp>
-      <p:sp>
-        <p:nvSpPr>
-          <p:cNvPr id="5" name="Date Placeholder 4"/>
+          </a:p>
+        </p:txBody>
+      </p:sp>
+      <p:sp>
+        <p:nvSpPr>
+          <p:cNvPr id="8" name="Date Placeholder 7"/>
           <p:cNvSpPr>
             <a:spLocks noGrp="1"/>
           </p:cNvSpPr>
@@ -2352,16 +2643,18 @@
           <a:bodyPr/>
           <a:lstStyle/>
           <a:p>
-            <a:fld id="{AA70F276-1833-4A75-9C1D-A56E2295A68D}" type="datetimeFigureOut">
+            <a:fld id="{5586B75A-687E-405C-8A0B-8D00578BA2C3}" type="datetimeFigureOut">
               <a:rPr lang="en-US" smtClean="0"/>
+              <a:pPr/>
+              <a:t>12/5/2023</a:t>
             </a:fld>
-            <a:endParaRPr lang="en-US"/>
-          </a:p>
-        </p:txBody>
-      </p:sp>
-      <p:sp>
-        <p:nvSpPr>
-          <p:cNvPr id="6" name="Footer Placeholder 5"/>
+            <a:endParaRPr lang="en-US" dirty="0"/>
+          </a:p>
+        </p:txBody>
+      </p:sp>
+      <p:sp>
+        <p:nvSpPr>
+          <p:cNvPr id="9" name="Footer Placeholder 8"/>
           <p:cNvSpPr>
             <a:spLocks noGrp="1"/>
           </p:cNvSpPr>
@@ -2369,38 +2662,50 @@
             <p:ph type="ftr" sz="quarter" idx="11"/>
           </p:nvPr>
         </p:nvSpPr>
+        <p:spPr>
+          <a:xfrm>
+            <a:off x="5248652" y="9534526"/>
+            <a:ext cx="8867276" cy="547688"/>
+          </a:xfrm>
+        </p:spPr>
+        <p:txBody>
+          <a:bodyPr/>
+          <a:lstStyle/>
+          <a:p>
+            <a:endParaRPr lang="en-US" dirty="0"/>
+          </a:p>
+        </p:txBody>
+      </p:sp>
+      <p:sp>
+        <p:nvSpPr>
+          <p:cNvPr id="10" name="Slide Number Placeholder 9"/>
+          <p:cNvSpPr>
+            <a:spLocks noGrp="1"/>
+          </p:cNvSpPr>
+          <p:nvPr>
+            <p:ph type="sldNum" sz="quarter" idx="12"/>
+          </p:nvPr>
+        </p:nvSpPr>
         <p:spPr/>
         <p:txBody>
           <a:bodyPr/>
           <a:lstStyle/>
           <a:p>
-            <a:endParaRPr lang="en-US"/>
-          </a:p>
-        </p:txBody>
-      </p:sp>
-      <p:sp>
-        <p:nvSpPr>
-          <p:cNvPr id="7" name="Slide Number Placeholder 6"/>
-          <p:cNvSpPr>
-            <a:spLocks noGrp="1"/>
-          </p:cNvSpPr>
-          <p:nvPr>
-            <p:ph type="sldNum" sz="quarter" idx="12"/>
-          </p:nvPr>
-        </p:nvSpPr>
-        <p:spPr/>
-        <p:txBody>
-          <a:bodyPr/>
-          <a:lstStyle/>
-          <a:p>
-            <a:fld id="{28844951-7827-47D4-8276-7DDE1FA7D85A}" type="slidenum">
+            <a:fld id="{4FAB73BC-B049-4115-A692-8D63A059BFB8}" type="slidenum">
               <a:rPr lang="en-US" smtClean="0"/>
+              <a:pPr/>
+              <a:t>‹#›</a:t>
             </a:fld>
-            <a:endParaRPr lang="en-US"/>
+            <a:endParaRPr lang="en-US" dirty="0"/>
           </a:p>
         </p:txBody>
       </p:sp>
     </p:spTree>
+    <p:extLst>
+      <p:ext uri="{BB962C8B-B14F-4D97-AF65-F5344CB8AC3E}">
+        <p14:creationId xmlns:p14="http://schemas.microsoft.com/office/powerpoint/2010/main" val="1591098524"/>
+      </p:ext>
+    </p:extLst>
   </p:cSld>
   <p:clrMapOvr>
     <a:masterClrMapping/>
@@ -2413,7 +2718,7 @@
   <p:cSld>
     <p:bg>
       <p:bgRef idx="1001">
-        <a:schemeClr val="bg1"/>
+        <a:schemeClr val="bg2"/>
       </p:bgRef>
     </p:bg>
     <p:spTree>
@@ -2432,36 +2737,23 @@
       </p:grpSpPr>
       <p:sp>
         <p:nvSpPr>
-          <p:cNvPr id="8" name="Frame 7"/>
+          <p:cNvPr id="7" name="Rectangle 6"/>
           <p:cNvSpPr/>
           <p:nvPr/>
         </p:nvSpPr>
         <p:spPr>
           <a:xfrm>
-            <a:off x="0" y="0"/>
-            <a:ext cx="18283428" cy="10288800"/>
+            <a:off x="2" y="1138428"/>
+            <a:ext cx="5165385" cy="7996428"/>
           </a:xfrm>
-          <a:prstGeom prst="frame">
-            <a:avLst>
-              <a:gd name="adj1" fmla="val 7164"/>
-            </a:avLst>
+          <a:prstGeom prst="rect">
+            <a:avLst/>
           </a:prstGeom>
-          <a:gradFill flip="none" rotWithShape="1">
-            <a:gsLst>
-              <a:gs pos="0">
-                <a:schemeClr val="accent2">
-                  <a:alpha val="40000"/>
-                </a:schemeClr>
-              </a:gs>
-              <a:gs pos="100000">
-                <a:schemeClr val="accent1">
-                  <a:alpha val="40000"/>
-                </a:schemeClr>
-              </a:gs>
-            </a:gsLst>
-            <a:lin ang="2700000" scaled="1"/>
-            <a:tileRect/>
-          </a:gradFill>
+          <a:solidFill>
+            <a:schemeClr val="accent1">
+              <a:alpha val="95000"/>
+            </a:schemeClr>
+          </a:solidFill>
           <a:ln>
             <a:noFill/>
           </a:ln>
@@ -2482,14 +2774,6 @@
             <a:schemeClr val="lt1"/>
           </a:fontRef>
         </p:style>
-        <p:txBody>
-          <a:bodyPr rtlCol="0" anchor="ctr"/>
-          <a:lstStyle/>
-          <a:p>
-            <a:pPr algn="ctr"/>
-            <a:endParaRPr lang="en-US" sz="2700"/>
-          </a:p>
-        </p:txBody>
       </p:sp>
       <p:sp>
         <p:nvSpPr>
@@ -2503,15 +2787,17 @@
         </p:nvSpPr>
         <p:spPr>
           <a:xfrm>
-            <a:off x="1257300" y="1021734"/>
-            <a:ext cx="15773400" cy="1988692"/>
+            <a:off x="379379" y="1685756"/>
+            <a:ext cx="4421223" cy="6901775"/>
           </a:xfrm>
           <a:prstGeom prst="rect">
             <a:avLst/>
           </a:prstGeom>
         </p:spPr>
         <p:txBody>
-          <a:bodyPr lIns="91440" tIns="45720" rIns="91440" bIns="45720" anchor="ctr"/>
+          <a:bodyPr vert="horz" lIns="91440" tIns="45720" rIns="91440" bIns="45720" rtlCol="0" anchor="ctr">
+            <a:normAutofit/>
+          </a:bodyPr>
           <a:lstStyle/>
           <a:p>
             <a:r>
@@ -2524,62 +2810,100 @@
       </p:sp>
       <p:sp>
         <p:nvSpPr>
-          <p:cNvPr id="3" name="Text Placeholder 2"/>
-          <p:cNvSpPr>
-            <a:spLocks noGrp="1"/>
-          </p:cNvSpPr>
-          <p:nvPr>
-            <p:ph type="body" idx="1"/>
-          </p:nvPr>
+          <p:cNvPr id="38" name="Rectangle 37"/>
+          <p:cNvSpPr/>
+          <p:nvPr/>
         </p:nvSpPr>
         <p:spPr>
           <a:xfrm>
-            <a:off x="1257300" y="3268557"/>
-            <a:ext cx="15773400" cy="5998508"/>
+            <a:off x="17723796" y="1138428"/>
+            <a:ext cx="576072" cy="7996428"/>
+          </a:xfrm>
+          <a:prstGeom prst="rect">
+            <a:avLst/>
+          </a:prstGeom>
+          <a:solidFill>
+            <a:schemeClr val="accent1">
+              <a:alpha val="40000"/>
+            </a:schemeClr>
+          </a:solidFill>
+          <a:ln>
+            <a:noFill/>
+          </a:ln>
+        </p:spPr>
+        <p:style>
+          <a:lnRef idx="2">
+            <a:schemeClr val="accent1">
+              <a:shade val="50000"/>
+            </a:schemeClr>
+          </a:lnRef>
+          <a:fillRef idx="1">
+            <a:schemeClr val="accent1"/>
+          </a:fillRef>
+          <a:effectRef idx="0">
+            <a:schemeClr val="accent1"/>
+          </a:effectRef>
+          <a:fontRef idx="minor">
+            <a:schemeClr val="lt1"/>
+          </a:fontRef>
+        </p:style>
+      </p:sp>
+      <p:sp>
+        <p:nvSpPr>
+          <p:cNvPr id="3" name="Text Placeholder 2"/>
+          <p:cNvSpPr>
+            <a:spLocks noGrp="1"/>
+          </p:cNvSpPr>
+          <p:nvPr>
+            <p:ph type="body" idx="1"/>
+          </p:nvPr>
+        </p:nvSpPr>
+        <p:spPr>
+          <a:xfrm>
+            <a:off x="5803902" y="1296162"/>
+            <a:ext cx="10972800" cy="7680960"/>
           </a:xfrm>
           <a:prstGeom prst="rect">
             <a:avLst/>
           </a:prstGeom>
         </p:spPr>
         <p:txBody>
-          <a:bodyPr lIns="91440" tIns="45720" rIns="91440" bIns="45720"/>
+          <a:bodyPr vert="horz" lIns="91440" tIns="45720" rIns="91440" bIns="45720" rtlCol="0" anchor="ctr">
+            <a:normAutofit/>
+          </a:bodyPr>
           <a:lstStyle/>
           <a:p>
             <a:pPr lvl="0"/>
             <a:r>
-              <a:rPr lang="en-US" dirty="0"/>
+              <a:rPr lang="en-US"/>
               <a:t>Click to edit Master text styles</a:t>
             </a:r>
-            <a:endParaRPr lang="en-US" dirty="0"/>
           </a:p>
           <a:p>
             <a:pPr lvl="1"/>
             <a:r>
-              <a:rPr lang="en-US" dirty="0"/>
+              <a:rPr lang="en-US"/>
               <a:t>Second level</a:t>
             </a:r>
-            <a:endParaRPr lang="en-US" dirty="0"/>
           </a:p>
           <a:p>
             <a:pPr lvl="2"/>
             <a:r>
-              <a:rPr lang="en-US" dirty="0"/>
+              <a:rPr lang="en-US"/>
               <a:t>Third level</a:t>
             </a:r>
-            <a:endParaRPr lang="en-US" dirty="0"/>
           </a:p>
           <a:p>
             <a:pPr lvl="3"/>
             <a:r>
-              <a:rPr lang="en-US" dirty="0"/>
+              <a:rPr lang="en-US"/>
               <a:t>Fourth level</a:t>
             </a:r>
-            <a:endParaRPr lang="en-US" dirty="0"/>
           </a:p>
           <a:p>
             <a:pPr lvl="4"/>
             <a:r>
-              <a:rPr lang="en-US" dirty="0"/>
+              <a:rPr lang="en-US"/>
               <a:t>Fifth level</a:t>
             </a:r>
             <a:endParaRPr lang="en-US" dirty="0"/>
@@ -2598,27 +2922,32 @@
         </p:nvSpPr>
         <p:spPr>
           <a:xfrm>
-            <a:off x="1257300" y="9645750"/>
-            <a:ext cx="4114800" cy="547783"/>
+            <a:off x="393698" y="9534526"/>
+            <a:ext cx="4114800" cy="547688"/>
           </a:xfrm>
           <a:prstGeom prst="rect">
             <a:avLst/>
           </a:prstGeom>
         </p:spPr>
         <p:txBody>
-          <a:bodyPr lIns="91440" tIns="45720" rIns="91440" bIns="45720" anchor="ctr"/>
+          <a:bodyPr vert="horz" lIns="91440" tIns="45720" rIns="91440" bIns="45720" rtlCol="0" anchor="ctr"/>
           <a:lstStyle>
             <a:lvl1pPr algn="l">
-              <a:defRPr sz="1350" cap="none" spc="0" baseline="0">
+              <a:defRPr sz="1650">
                 <a:solidFill>
-                  <a:srgbClr val="FFFFFF"/>
+                  <a:schemeClr val="bg2">
+                    <a:lumMod val="40000"/>
+                    <a:lumOff val="60000"/>
+                  </a:schemeClr>
                 </a:solidFill>
               </a:defRPr>
             </a:lvl1pPr>
           </a:lstStyle>
           <a:p>
-            <a:fld id="{AA70F276-1833-4A75-9C1D-A56E2295A68D}" type="datetimeFigureOut">
+            <a:fld id="{5586B75A-687E-405C-8A0B-8D00578BA2C3}" type="datetimeFigureOut">
               <a:rPr lang="en-US" smtClean="0"/>
+              <a:pPr/>
+              <a:t>12/5/2023</a:t>
             </a:fld>
             <a:endParaRPr lang="en-US" dirty="0"/>
           </a:p>
@@ -2636,30 +2965,29 @@
         </p:nvSpPr>
         <p:spPr>
           <a:xfrm>
-            <a:off x="6057900" y="9645750"/>
-            <a:ext cx="6172200" cy="547783"/>
+            <a:off x="5803903" y="9534526"/>
+            <a:ext cx="8867276" cy="547688"/>
           </a:xfrm>
           <a:prstGeom prst="rect">
             <a:avLst/>
           </a:prstGeom>
         </p:spPr>
         <p:txBody>
-          <a:bodyPr lIns="91440" tIns="45720" rIns="91440" bIns="45720" anchor="ctr"/>
+          <a:bodyPr vert="horz" lIns="91440" tIns="45720" rIns="91440" bIns="45720" rtlCol="0" anchor="ctr"/>
           <a:lstStyle>
-            <a:lvl1pPr algn="ctr">
-              <a:defRPr sz="1350" cap="none" spc="0" baseline="0">
+            <a:lvl1pPr algn="l">
+              <a:defRPr sz="1650">
                 <a:solidFill>
-                  <a:srgbClr val="FFFFFF"/>
+                  <a:schemeClr val="bg2">
+                    <a:lumMod val="40000"/>
+                    <a:lumOff val="60000"/>
+                  </a:schemeClr>
                 </a:solidFill>
               </a:defRPr>
             </a:lvl1pPr>
           </a:lstStyle>
           <a:p>
-            <a:endParaRPr lang="en-US">
-              <a:solidFill>
-                <a:srgbClr val="FFFFFF"/>
-              </a:solidFill>
-            </a:endParaRPr>
+            <a:endParaRPr lang="en-US" dirty="0"/>
           </a:p>
         </p:txBody>
       </p:sp>
@@ -2675,100 +3003,97 @@
         </p:nvSpPr>
         <p:spPr>
           <a:xfrm>
-            <a:off x="12915900" y="9645750"/>
-            <a:ext cx="4114800" cy="547783"/>
+            <a:off x="15951203" y="9534526"/>
+            <a:ext cx="2296391" cy="547688"/>
           </a:xfrm>
           <a:prstGeom prst="rect">
             <a:avLst/>
           </a:prstGeom>
         </p:spPr>
         <p:txBody>
-          <a:bodyPr lIns="91440" tIns="45720" rIns="91440" bIns="45720" anchor="ctr"/>
+          <a:bodyPr vert="horz" lIns="91440" tIns="45720" rIns="91440" bIns="45720" rtlCol="0" anchor="ctr"/>
           <a:lstStyle>
             <a:lvl1pPr algn="r">
-              <a:defRPr sz="1350" cap="none" spc="0" baseline="0">
+              <a:defRPr sz="1800" b="1">
                 <a:solidFill>
-                  <a:srgbClr val="FFFFFF"/>
+                  <a:schemeClr val="accent1"/>
                 </a:solidFill>
               </a:defRPr>
             </a:lvl1pPr>
           </a:lstStyle>
           <a:p>
-            <a:fld id="{28844951-7827-47D4-8276-7DDE1FA7D85A}" type="slidenum">
+            <a:fld id="{4FAB73BC-B049-4115-A692-8D63A059BFB8}" type="slidenum">
               <a:rPr lang="en-US" smtClean="0"/>
+              <a:pPr/>
+              <a:t>‹#›</a:t>
             </a:fld>
-            <a:endParaRPr lang="en-US"/>
+            <a:endParaRPr lang="en-US" dirty="0"/>
           </a:p>
         </p:txBody>
       </p:sp>
     </p:spTree>
+    <p:extLst>
+      <p:ext uri="{BB962C8B-B14F-4D97-AF65-F5344CB8AC3E}">
+        <p14:creationId xmlns:p14="http://schemas.microsoft.com/office/powerpoint/2010/main" val="2300821102"/>
+      </p:ext>
+    </p:extLst>
   </p:cSld>
-  <p:clrMap bg1="lt1" tx1="dk1" bg2="lt2" tx2="dk2" accent1="accent1" accent2="accent2" accent3="accent3" accent4="accent4" accent5="accent5" accent6="accent6" hlink="hlink" folHlink="folHlink"/>
+  <p:clrMap bg1="dk1" tx1="lt1" bg2="dk2" tx2="lt2" accent1="accent1" accent2="accent2" accent3="accent3" accent4="accent4" accent5="accent5" accent6="accent6" hlink="hlink" folHlink="folHlink"/>
   <p:sldLayoutIdLst>
-    <p:sldLayoutId id="2147483649" r:id="rId1"/>
-    <p:sldLayoutId id="2147483650" r:id="rId2"/>
-    <p:sldLayoutId id="2147483651" r:id="rId3"/>
-    <p:sldLayoutId id="2147483652" r:id="rId4"/>
-    <p:sldLayoutId id="2147483653" r:id="rId5"/>
-    <p:sldLayoutId id="2147483654" r:id="rId6"/>
-    <p:sldLayoutId id="2147483655" r:id="rId7"/>
-    <p:sldLayoutId id="2147483656" r:id="rId8"/>
-    <p:sldLayoutId id="2147483657" r:id="rId9"/>
-    <p:sldLayoutId id="2147483658" r:id="rId10"/>
-    <p:sldLayoutId id="2147483659" r:id="rId11"/>
+    <p:sldLayoutId id="2147483853" r:id="rId1"/>
+    <p:sldLayoutId id="2147483854" r:id="rId2"/>
+    <p:sldLayoutId id="2147483855" r:id="rId3"/>
+    <p:sldLayoutId id="2147483856" r:id="rId4"/>
+    <p:sldLayoutId id="2147483857" r:id="rId5"/>
+    <p:sldLayoutId id="2147483858" r:id="rId6"/>
+    <p:sldLayoutId id="2147483859" r:id="rId7"/>
+    <p:sldLayoutId id="2147483860" r:id="rId8"/>
+    <p:sldLayoutId id="2147483861" r:id="rId9"/>
+    <p:sldLayoutId id="2147483862" r:id="rId10"/>
+    <p:sldLayoutId id="2147483863" r:id="rId11"/>
   </p:sldLayoutIdLst>
+  <p:hf sldNum="0" hdr="0" ftr="0" dt="0"/>
   <p:txStyles>
     <p:titleStyle>
-      <a:lvl1pPr marL="0" algn="l" defTabSz="1371600" rtl="0" eaLnBrk="1" latinLnBrk="0" hangingPunct="1">
+      <a:lvl1pPr algn="l" defTabSz="1371600" rtl="0" eaLnBrk="1" latinLnBrk="0" hangingPunct="1">
         <a:lnSpc>
-          <a:spcPct val="110000"/>
+          <a:spcPct val="90000"/>
         </a:lnSpc>
         <a:spcBef>
           <a:spcPct val="0"/>
         </a:spcBef>
         <a:buNone/>
-        <a:defRPr lang="en-US" sz="7800" kern="1200" dirty="0">
-          <a:gradFill flip="none" rotWithShape="1">
-            <a:gsLst>
-              <a:gs pos="0">
-                <a:schemeClr val="accent5"/>
-              </a:gs>
-              <a:gs pos="100000">
-                <a:schemeClr val="accent1">
-                  <a:alpha val="70000"/>
-                </a:schemeClr>
-              </a:gs>
-            </a:gsLst>
-            <a:lin ang="0" scaled="1"/>
-            <a:tileRect/>
-          </a:gradFill>
+        <a:defRPr sz="5400" kern="1200" spc="-90" baseline="0">
+          <a:solidFill>
+            <a:srgbClr val="FFFFFF"/>
+          </a:solidFill>
           <a:latin typeface="+mj-lt"/>
-          <a:ea typeface="+mn-ea"/>
-          <a:cs typeface="Angsana New" panose="02020603050405020304" pitchFamily="18" charset="-34"/>
+          <a:ea typeface="+mj-ea"/>
+          <a:cs typeface="+mj-cs"/>
         </a:defRPr>
       </a:lvl1pPr>
     </p:titleStyle>
     <p:bodyStyle>
-      <a:lvl1pPr marL="685800" indent="-342900" algn="l" defTabSz="1371600" rtl="0" eaLnBrk="1" latinLnBrk="0" hangingPunct="1">
+      <a:lvl1pPr marL="274320" indent="-274320" algn="l" defTabSz="1371600" rtl="0" eaLnBrk="1" latinLnBrk="0" hangingPunct="1">
         <a:lnSpc>
-          <a:spcPct val="117000"/>
+          <a:spcPct val="90000"/>
         </a:lnSpc>
         <a:spcBef>
-          <a:spcPts val="1500"/>
+          <a:spcPts val="1800"/>
         </a:spcBef>
         <a:buClr>
-          <a:schemeClr val="tx2">
-            <a:lumMod val="10000"/>
-            <a:lumOff val="90000"/>
-          </a:schemeClr>
+          <a:schemeClr val="accent1"/>
         </a:buClr>
-        <a:buSzPct val="80000"/>
-        <a:buFont typeface="Wingdings" panose="05000000000000000000" pitchFamily="2" charset="2"/>
-        <a:buChar char="§"/>
-        <a:defRPr sz="4200" kern="1200">
+        <a:buFont typeface="Wingdings 2" pitchFamily="18" charset="2"/>
+        <a:buChar char=""/>
+        <a:tabLst>
+          <a:tab pos="1714500" algn="l"/>
+        </a:tabLst>
+        <a:defRPr sz="3000" kern="1200">
           <a:solidFill>
-            <a:schemeClr val="tx2">
-              <a:alpha val="70000"/>
+            <a:schemeClr val="bg2">
+              <a:lumMod val="20000"/>
+              <a:lumOff val="80000"/>
             </a:schemeClr>
           </a:solidFill>
           <a:latin typeface="+mn-lt"/>
@@ -2776,26 +3101,29 @@
           <a:cs typeface="+mn-cs"/>
         </a:defRPr>
       </a:lvl1pPr>
-      <a:lvl2pPr marL="1200150" indent="-342900" algn="l" defTabSz="1371600" rtl="0" eaLnBrk="1" latinLnBrk="0" hangingPunct="1">
+      <a:lvl2pPr marL="1028700" indent="-274320" algn="l" defTabSz="1371600" rtl="0" eaLnBrk="1" latinLnBrk="0" hangingPunct="1">
         <a:lnSpc>
-          <a:spcPct val="117000"/>
+          <a:spcPct val="90000"/>
         </a:lnSpc>
         <a:spcBef>
-          <a:spcPts val="750"/>
+          <a:spcPts val="375"/>
         </a:spcBef>
+        <a:spcAft>
+          <a:spcPts val="375"/>
+        </a:spcAft>
         <a:buClr>
-          <a:schemeClr val="tx2">
-            <a:lumMod val="10000"/>
-            <a:lumOff val="90000"/>
-          </a:schemeClr>
+          <a:schemeClr val="accent1"/>
         </a:buClr>
-        <a:buSzPct val="80000"/>
-        <a:buFont typeface="Wingdings" panose="05000000000000000000" pitchFamily="2" charset="2"/>
-        <a:buChar char="§"/>
-        <a:defRPr sz="3600" kern="1200">
+        <a:buFont typeface="Wingdings 2" pitchFamily="18" charset="2"/>
+        <a:buChar char=""/>
+        <a:tabLst>
+          <a:tab pos="1714500" algn="l"/>
+        </a:tabLst>
+        <a:defRPr sz="2700" kern="1200">
           <a:solidFill>
-            <a:schemeClr val="tx2">
-              <a:alpha val="70000"/>
+            <a:schemeClr val="bg2">
+              <a:lumMod val="20000"/>
+              <a:lumOff val="80000"/>
             </a:schemeClr>
           </a:solidFill>
           <a:latin typeface="+mn-lt"/>
@@ -2803,26 +3131,29 @@
           <a:cs typeface="+mn-cs"/>
         </a:defRPr>
       </a:lvl2pPr>
-      <a:lvl3pPr marL="1886585" indent="-342900" algn="l" defTabSz="1371600" rtl="0" eaLnBrk="1" latinLnBrk="0" hangingPunct="1">
+      <a:lvl3pPr marL="1714500" indent="-274320" algn="l" defTabSz="1371600" rtl="0" eaLnBrk="1" latinLnBrk="0" hangingPunct="1">
         <a:lnSpc>
-          <a:spcPct val="117000"/>
+          <a:spcPct val="90000"/>
         </a:lnSpc>
         <a:spcBef>
-          <a:spcPts val="750"/>
+          <a:spcPts val="375"/>
         </a:spcBef>
+        <a:spcAft>
+          <a:spcPts val="375"/>
+        </a:spcAft>
         <a:buClr>
-          <a:schemeClr val="tx2">
-            <a:lumMod val="10000"/>
-            <a:lumOff val="90000"/>
-          </a:schemeClr>
+          <a:schemeClr val="accent1"/>
         </a:buClr>
-        <a:buSzPct val="80000"/>
-        <a:buFont typeface="Wingdings" panose="05000000000000000000" pitchFamily="2" charset="2"/>
-        <a:buChar char="§"/>
-        <a:defRPr sz="3000" kern="1200">
+        <a:buFont typeface="Wingdings 2" pitchFamily="18" charset="2"/>
+        <a:buChar char=""/>
+        <a:tabLst>
+          <a:tab pos="1714500" algn="l"/>
+        </a:tabLst>
+        <a:defRPr sz="2400" kern="1200">
           <a:solidFill>
-            <a:schemeClr val="tx2">
-              <a:alpha val="70000"/>
+            <a:schemeClr val="bg2">
+              <a:lumMod val="20000"/>
+              <a:lumOff val="80000"/>
             </a:schemeClr>
           </a:solidFill>
           <a:latin typeface="+mn-lt"/>
@@ -2830,26 +3161,29 @@
           <a:cs typeface="+mn-cs"/>
         </a:defRPr>
       </a:lvl3pPr>
-      <a:lvl4pPr marL="2486660" indent="-342900" algn="l" defTabSz="1371600" rtl="0" eaLnBrk="1" latinLnBrk="0" hangingPunct="1">
+      <a:lvl4pPr marL="2400300" indent="-274320" algn="l" defTabSz="1371600" rtl="0" eaLnBrk="1" latinLnBrk="0" hangingPunct="1">
         <a:lnSpc>
-          <a:spcPct val="117000"/>
+          <a:spcPct val="90000"/>
         </a:lnSpc>
         <a:spcBef>
-          <a:spcPts val="750"/>
+          <a:spcPts val="375"/>
         </a:spcBef>
+        <a:spcAft>
+          <a:spcPts val="375"/>
+        </a:spcAft>
         <a:buClr>
-          <a:schemeClr val="tx2">
-            <a:lumMod val="10000"/>
-            <a:lumOff val="90000"/>
-          </a:schemeClr>
+          <a:schemeClr val="accent1"/>
         </a:buClr>
-        <a:buSzPct val="80000"/>
-        <a:buFont typeface="Wingdings" panose="05000000000000000000" pitchFamily="2" charset="2"/>
-        <a:buChar char="§"/>
-        <a:defRPr sz="2700" kern="1200">
+        <a:buFont typeface="Wingdings 2" pitchFamily="18" charset="2"/>
+        <a:buChar char=""/>
+        <a:tabLst>
+          <a:tab pos="1714500" algn="l"/>
+        </a:tabLst>
+        <a:defRPr sz="2100" kern="1200">
           <a:solidFill>
-            <a:schemeClr val="tx2">
-              <a:alpha val="70000"/>
+            <a:schemeClr val="bg2">
+              <a:lumMod val="20000"/>
+              <a:lumOff val="80000"/>
             </a:schemeClr>
           </a:solidFill>
           <a:latin typeface="+mn-lt"/>
@@ -2857,26 +3191,29 @@
           <a:cs typeface="+mn-cs"/>
         </a:defRPr>
       </a:lvl4pPr>
-      <a:lvl5pPr marL="3172460" indent="-342900" algn="l" defTabSz="1371600" rtl="0" eaLnBrk="1" latinLnBrk="0" hangingPunct="1">
+      <a:lvl5pPr marL="3086100" indent="-274320" algn="l" defTabSz="1371600" rtl="0" eaLnBrk="1" latinLnBrk="0" hangingPunct="1">
         <a:lnSpc>
-          <a:spcPct val="117000"/>
+          <a:spcPct val="90000"/>
         </a:lnSpc>
         <a:spcBef>
-          <a:spcPts val="750"/>
+          <a:spcPts val="375"/>
         </a:spcBef>
+        <a:spcAft>
+          <a:spcPts val="375"/>
+        </a:spcAft>
         <a:buClr>
-          <a:schemeClr val="tx2">
-            <a:lumMod val="10000"/>
-            <a:lumOff val="90000"/>
-          </a:schemeClr>
+          <a:schemeClr val="accent1"/>
         </a:buClr>
-        <a:buSzPct val="80000"/>
-        <a:buFont typeface="Wingdings" panose="05000000000000000000" pitchFamily="2" charset="2"/>
-        <a:buChar char="§"/>
-        <a:defRPr sz="2700" kern="1200">
+        <a:buFont typeface="Wingdings 2" pitchFamily="18" charset="2"/>
+        <a:buChar char=""/>
+        <a:tabLst>
+          <a:tab pos="1714500" algn="l"/>
+        </a:tabLst>
+        <a:defRPr sz="2100" kern="1200">
           <a:solidFill>
-            <a:schemeClr val="tx2">
-              <a:alpha val="70000"/>
+            <a:schemeClr val="bg2">
+              <a:lumMod val="20000"/>
+              <a:lumOff val="80000"/>
             </a:schemeClr>
           </a:solidFill>
           <a:latin typeface="+mn-lt"/>
@@ -2884,72 +3221,120 @@
           <a:cs typeface="+mn-cs"/>
         </a:defRPr>
       </a:lvl5pPr>
-      <a:lvl6pPr marL="3772535" indent="-342900" algn="l" defTabSz="1371600" rtl="0" eaLnBrk="1" latinLnBrk="0" hangingPunct="1">
+      <a:lvl6pPr marL="3771900" indent="-342900" algn="l" defTabSz="1371600" rtl="0" eaLnBrk="1" latinLnBrk="0" hangingPunct="1">
         <a:lnSpc>
           <a:spcPct val="90000"/>
         </a:lnSpc>
         <a:spcBef>
-          <a:spcPts val="750"/>
+          <a:spcPts val="375"/>
         </a:spcBef>
-        <a:buFont typeface="Arial" panose="020B0604020202020204" pitchFamily="34" charset="0"/>
-        <a:buChar char="•"/>
-        <a:defRPr sz="2700" kern="1200">
+        <a:spcAft>
+          <a:spcPts val="375"/>
+        </a:spcAft>
+        <a:buClr>
+          <a:schemeClr val="accent1"/>
+        </a:buClr>
+        <a:buFont typeface="Wingdings 2" pitchFamily="18" charset="2"/>
+        <a:buChar char=""/>
+        <a:tabLst>
+          <a:tab pos="1714500" algn="l"/>
+        </a:tabLst>
+        <a:defRPr sz="2100" kern="1200">
           <a:solidFill>
-            <a:schemeClr val="tx1"/>
+            <a:schemeClr val="bg2">
+              <a:lumMod val="20000"/>
+              <a:lumOff val="80000"/>
+            </a:schemeClr>
           </a:solidFill>
           <a:latin typeface="+mn-lt"/>
           <a:ea typeface="+mn-ea"/>
           <a:cs typeface="+mn-cs"/>
         </a:defRPr>
       </a:lvl6pPr>
-      <a:lvl7pPr marL="4458335" indent="-342900" algn="l" defTabSz="1371600" rtl="0" eaLnBrk="1" latinLnBrk="0" hangingPunct="1">
+      <a:lvl7pPr marL="4457700" indent="-342900" algn="l" defTabSz="1371600" rtl="0" eaLnBrk="1" latinLnBrk="0" hangingPunct="1">
         <a:lnSpc>
           <a:spcPct val="90000"/>
         </a:lnSpc>
         <a:spcBef>
-          <a:spcPts val="750"/>
+          <a:spcPts val="375"/>
         </a:spcBef>
-        <a:buFont typeface="Arial" panose="020B0604020202020204" pitchFamily="34" charset="0"/>
-        <a:buChar char="•"/>
-        <a:defRPr sz="2700" kern="1200">
+        <a:spcAft>
+          <a:spcPts val="375"/>
+        </a:spcAft>
+        <a:buClr>
+          <a:schemeClr val="accent1"/>
+        </a:buClr>
+        <a:buFont typeface="Wingdings 2" pitchFamily="18" charset="2"/>
+        <a:buChar char=""/>
+        <a:tabLst>
+          <a:tab pos="1714500" algn="l"/>
+        </a:tabLst>
+        <a:defRPr sz="2100" kern="1200">
           <a:solidFill>
-            <a:schemeClr val="tx1"/>
+            <a:schemeClr val="bg2">
+              <a:lumMod val="20000"/>
+              <a:lumOff val="80000"/>
+            </a:schemeClr>
           </a:solidFill>
           <a:latin typeface="+mn-lt"/>
           <a:ea typeface="+mn-ea"/>
           <a:cs typeface="+mn-cs"/>
         </a:defRPr>
       </a:lvl7pPr>
-      <a:lvl8pPr marL="5144135" indent="-342900" algn="l" defTabSz="1371600" rtl="0" eaLnBrk="1" latinLnBrk="0" hangingPunct="1">
+      <a:lvl8pPr marL="5143500" indent="-342900" algn="l" defTabSz="1371600" rtl="0" eaLnBrk="1" latinLnBrk="0" hangingPunct="1">
         <a:lnSpc>
           <a:spcPct val="90000"/>
         </a:lnSpc>
         <a:spcBef>
-          <a:spcPts val="750"/>
+          <a:spcPts val="375"/>
         </a:spcBef>
-        <a:buFont typeface="Arial" panose="020B0604020202020204" pitchFamily="34" charset="0"/>
-        <a:buChar char="•"/>
-        <a:defRPr sz="2700" kern="1200">
+        <a:spcAft>
+          <a:spcPts val="375"/>
+        </a:spcAft>
+        <a:buClr>
+          <a:schemeClr val="accent1"/>
+        </a:buClr>
+        <a:buFont typeface="Wingdings 2" pitchFamily="18" charset="2"/>
+        <a:buChar char=""/>
+        <a:tabLst>
+          <a:tab pos="1714500" algn="l"/>
+        </a:tabLst>
+        <a:defRPr sz="2100" kern="1200">
           <a:solidFill>
-            <a:schemeClr val="tx1"/>
+            <a:schemeClr val="bg2">
+              <a:lumMod val="20000"/>
+              <a:lumOff val="80000"/>
+            </a:schemeClr>
           </a:solidFill>
           <a:latin typeface="+mn-lt"/>
           <a:ea typeface="+mn-ea"/>
           <a:cs typeface="+mn-cs"/>
         </a:defRPr>
       </a:lvl8pPr>
-      <a:lvl9pPr marL="5830570" indent="-342900" algn="l" defTabSz="1371600" rtl="0" eaLnBrk="1" latinLnBrk="0" hangingPunct="1">
+      <a:lvl9pPr marL="5829300" indent="-342900" algn="l" defTabSz="1371600" rtl="0" eaLnBrk="1" latinLnBrk="0" hangingPunct="1">
         <a:lnSpc>
           <a:spcPct val="90000"/>
         </a:lnSpc>
         <a:spcBef>
-          <a:spcPts val="750"/>
+          <a:spcPts val="375"/>
         </a:spcBef>
-        <a:buFont typeface="Arial" panose="020B0604020202020204" pitchFamily="34" charset="0"/>
-        <a:buChar char="•"/>
-        <a:defRPr sz="2700" kern="1200">
+        <a:spcAft>
+          <a:spcPts val="375"/>
+        </a:spcAft>
+        <a:buClr>
+          <a:schemeClr val="accent1"/>
+        </a:buClr>
+        <a:buFont typeface="Wingdings 2" pitchFamily="18" charset="2"/>
+        <a:buChar char=""/>
+        <a:tabLst>
+          <a:tab pos="1714500" algn="l"/>
+        </a:tabLst>
+        <a:defRPr sz="2100" kern="1200">
           <a:solidFill>
-            <a:schemeClr val="tx1"/>
+            <a:schemeClr val="bg2">
+              <a:lumMod val="20000"/>
+              <a:lumOff val="80000"/>
+            </a:schemeClr>
           </a:solidFill>
           <a:latin typeface="+mn-lt"/>
           <a:ea typeface="+mn-ea"/>
@@ -2991,7 +3376,7 @@
           <a:cs typeface="+mn-cs"/>
         </a:defRPr>
       </a:lvl3pPr>
-      <a:lvl4pPr marL="2058035" algn="l" defTabSz="1371600" rtl="0" eaLnBrk="1" latinLnBrk="0" hangingPunct="1">
+      <a:lvl4pPr marL="2057400" algn="l" defTabSz="1371600" rtl="0" eaLnBrk="1" latinLnBrk="0" hangingPunct="1">
         <a:defRPr sz="2700" kern="1200">
           <a:solidFill>
             <a:schemeClr val="tx1"/>
@@ -3001,7 +3386,7 @@
           <a:cs typeface="+mn-cs"/>
         </a:defRPr>
       </a:lvl4pPr>
-      <a:lvl5pPr marL="2743835" algn="l" defTabSz="1371600" rtl="0" eaLnBrk="1" latinLnBrk="0" hangingPunct="1">
+      <a:lvl5pPr marL="2743200" algn="l" defTabSz="1371600" rtl="0" eaLnBrk="1" latinLnBrk="0" hangingPunct="1">
         <a:defRPr sz="2700" kern="1200">
           <a:solidFill>
             <a:schemeClr val="tx1"/>
@@ -3011,7 +3396,7 @@
           <a:cs typeface="+mn-cs"/>
         </a:defRPr>
       </a:lvl5pPr>
-      <a:lvl6pPr marL="3429635" algn="l" defTabSz="1371600" rtl="0" eaLnBrk="1" latinLnBrk="0" hangingPunct="1">
+      <a:lvl6pPr marL="3429000" algn="l" defTabSz="1371600" rtl="0" eaLnBrk="1" latinLnBrk="0" hangingPunct="1">
         <a:defRPr sz="2700" kern="1200">
           <a:solidFill>
             <a:schemeClr val="tx1"/>
@@ -3021,7 +3406,7 @@
           <a:cs typeface="+mn-cs"/>
         </a:defRPr>
       </a:lvl6pPr>
-      <a:lvl7pPr marL="4115435" algn="l" defTabSz="1371600" rtl="0" eaLnBrk="1" latinLnBrk="0" hangingPunct="1">
+      <a:lvl7pPr marL="4114800" algn="l" defTabSz="1371600" rtl="0" eaLnBrk="1" latinLnBrk="0" hangingPunct="1">
         <a:defRPr sz="2700" kern="1200">
           <a:solidFill>
             <a:schemeClr val="tx1"/>
@@ -3031,7 +3416,7 @@
           <a:cs typeface="+mn-cs"/>
         </a:defRPr>
       </a:lvl7pPr>
-      <a:lvl8pPr marL="4801235" algn="l" defTabSz="1371600" rtl="0" eaLnBrk="1" latinLnBrk="0" hangingPunct="1">
+      <a:lvl8pPr marL="4800600" algn="l" defTabSz="1371600" rtl="0" eaLnBrk="1" latinLnBrk="0" hangingPunct="1">
         <a:defRPr sz="2700" kern="1200">
           <a:solidFill>
             <a:schemeClr val="tx1"/>
@@ -3041,7 +3426,7 @@
           <a:cs typeface="+mn-cs"/>
         </a:defRPr>
       </a:lvl8pPr>
-      <a:lvl9pPr marL="5487670" algn="l" defTabSz="1371600" rtl="0" eaLnBrk="1" latinLnBrk="0" hangingPunct="1">
+      <a:lvl9pPr marL="5486400" algn="l" defTabSz="1371600" rtl="0" eaLnBrk="1" latinLnBrk="0" hangingPunct="1">
         <a:defRPr sz="2700" kern="1200">
           <a:solidFill>
             <a:schemeClr val="tx1"/>
@@ -3059,14 +3444,6 @@
 <file path=ppt/slides/slide1.xml><?xml version="1.0" encoding="utf-8"?>
 <p:sld xmlns:a="http://schemas.openxmlformats.org/drawingml/2006/main" xmlns:r="http://schemas.openxmlformats.org/officeDocument/2006/relationships" xmlns:p="http://schemas.openxmlformats.org/presentationml/2006/main">
   <p:cSld>
-    <p:bg>
-      <p:bgPr>
-        <a:solidFill>
-          <a:schemeClr val="bg1"/>
-        </a:solidFill>
-        <a:effectLst/>
-      </p:bgPr>
-    </p:bg>
     <p:spTree>
       <p:nvGrpSpPr>
         <p:cNvPr id="1" name=""/>
@@ -3081,412 +3458,37 @@
           <a:chExt cx="0" cy="0"/>
         </a:xfrm>
       </p:grpSpPr>
-      <p:sp useBgFill="1">
-        <p:nvSpPr>
-          <p:cNvPr id="9" name="Rectangle 8"/>
-          <p:cNvSpPr>
-            <a:spLocks noGrp="1" noRot="1" noChangeAspect="1" noMove="1" noResize="1" noEditPoints="1" noAdjustHandles="1" noChangeArrowheads="1" noChangeShapeType="1" noTextEdit="1"/>
-          </p:cNvSpPr>
-          <p:nvPr/>
-        </p:nvSpPr>
-        <p:spPr>
-          <a:xfrm>
-            <a:off x="0" y="900"/>
-            <a:ext cx="18283428" cy="10287000"/>
-          </a:xfrm>
-          <a:prstGeom prst="rect">
-            <a:avLst/>
-          </a:prstGeom>
-          <a:ln>
-            <a:noFill/>
-          </a:ln>
-        </p:spPr>
-        <p:style>
-          <a:lnRef idx="2">
-            <a:schemeClr val="accent1">
-              <a:shade val="50000"/>
-            </a:schemeClr>
-          </a:lnRef>
-          <a:fillRef idx="1">
-            <a:schemeClr val="accent1"/>
-          </a:fillRef>
-          <a:effectRef idx="0">
-            <a:schemeClr val="accent1"/>
-          </a:effectRef>
-          <a:fontRef idx="minor">
-            <a:schemeClr val="lt1"/>
-          </a:fontRef>
-        </p:style>
-        <p:txBody>
-          <a:bodyPr rtlCol="0" anchor="ctr"/>
-          <a:lstStyle/>
-          <a:p>
-            <a:pPr algn="ctr"/>
-            <a:endParaRPr lang="en-US" sz="2700"/>
-          </a:p>
-        </p:txBody>
-      </p:sp>
-      <p:sp>
-        <p:nvSpPr>
-          <p:cNvPr id="2" name="Title 1"/>
-          <p:cNvSpPr>
-            <a:spLocks noGrp="1"/>
-          </p:cNvSpPr>
-          <p:nvPr>
-            <p:ph type="ctrTitle"/>
-          </p:nvPr>
-        </p:nvSpPr>
-        <p:spPr>
-          <a:xfrm>
-            <a:off x="1257300" y="3201301"/>
-            <a:ext cx="7200900" cy="5649402"/>
-          </a:xfrm>
-        </p:spPr>
-        <p:txBody>
-          <a:bodyPr anchor="t">
-            <a:normAutofit/>
-          </a:bodyPr>
-          <a:lstStyle/>
-          <a:p>
-            <a:pPr algn="l"/>
-            <a:endParaRPr lang="en-US" dirty="0">
-              <a:gradFill flip="none" rotWithShape="1">
-                <a:gsLst>
-                  <a:gs pos="0">
-                    <a:schemeClr val="accent5">
-                      <a:alpha val="70000"/>
-                    </a:schemeClr>
-                  </a:gs>
-                  <a:gs pos="100000">
-                    <a:schemeClr val="accent1">
-                      <a:alpha val="70000"/>
-                    </a:schemeClr>
-                  </a:gs>
-                </a:gsLst>
-                <a:lin ang="0" scaled="1"/>
-                <a:tileRect/>
-              </a:gradFill>
-            </a:endParaRPr>
-          </a:p>
-        </p:txBody>
-      </p:sp>
-      <p:sp>
-        <p:nvSpPr>
-          <p:cNvPr id="3" name="Subtitle 2"/>
-          <p:cNvSpPr>
-            <a:spLocks noGrp="1"/>
-          </p:cNvSpPr>
-          <p:nvPr>
-            <p:ph type="subTitle" idx="1"/>
-          </p:nvPr>
-        </p:nvSpPr>
-        <p:spPr>
-          <a:xfrm>
-            <a:off x="1257300" y="1143900"/>
-            <a:ext cx="7200900" cy="1600200"/>
-          </a:xfrm>
-        </p:spPr>
-        <p:txBody>
-          <a:bodyPr>
-            <a:normAutofit/>
-          </a:bodyPr>
-          <a:lstStyle/>
-          <a:p>
-            <a:pPr algn="l"/>
-            <a:endParaRPr lang="en-US" sz="3300" dirty="0">
-              <a:solidFill>
-                <a:schemeClr val="tx2">
-                  <a:alpha val="60000"/>
-                </a:schemeClr>
-              </a:solidFill>
-            </a:endParaRPr>
-          </a:p>
-        </p:txBody>
-      </p:sp>
-      <p:sp>
-        <p:nvSpPr>
-          <p:cNvPr id="11" name="Rectangle 10"/>
-          <p:cNvSpPr>
-            <a:spLocks noGrp="1" noRot="1" noChangeAspect="1" noMove="1" noResize="1" noEditPoints="1" noAdjustHandles="1" noChangeArrowheads="1" noChangeShapeType="1" noTextEdit="1"/>
-          </p:cNvSpPr>
-          <p:nvPr/>
-        </p:nvSpPr>
-        <p:spPr>
-          <a:xfrm>
-            <a:off x="9140694" y="900"/>
-            <a:ext cx="9147306" cy="10324091"/>
-          </a:xfrm>
-          <a:prstGeom prst="rect">
-            <a:avLst/>
-          </a:prstGeom>
-          <a:solidFill>
-            <a:srgbClr val="FFFFFF">
-              <a:alpha val="60000"/>
-            </a:srgbClr>
-          </a:solidFill>
-          <a:ln>
-            <a:noFill/>
-          </a:ln>
-        </p:spPr>
-        <p:style>
-          <a:lnRef idx="2">
-            <a:schemeClr val="accent1">
-              <a:shade val="50000"/>
-            </a:schemeClr>
-          </a:lnRef>
-          <a:fillRef idx="1">
-            <a:schemeClr val="accent1"/>
-          </a:fillRef>
-          <a:effectRef idx="0">
-            <a:schemeClr val="accent1"/>
-          </a:effectRef>
-          <a:fontRef idx="minor">
-            <a:schemeClr val="lt1"/>
-          </a:fontRef>
-        </p:style>
-        <p:txBody>
-          <a:bodyPr rtlCol="0" anchor="ctr"/>
-          <a:lstStyle/>
-          <a:p>
-            <a:pPr algn="ctr"/>
-            <a:endParaRPr lang="en-US" sz="2700"/>
-          </a:p>
-        </p:txBody>
-      </p:sp>
-      <p:sp>
-        <p:nvSpPr>
-          <p:cNvPr id="13" name="Rectangle 12"/>
-          <p:cNvSpPr>
-            <a:spLocks noGrp="1" noRot="1" noChangeAspect="1" noMove="1" noResize="1" noEditPoints="1" noAdjustHandles="1" noChangeArrowheads="1" noChangeShapeType="1" noTextEdit="1"/>
-          </p:cNvSpPr>
-          <p:nvPr/>
-        </p:nvSpPr>
-        <p:spPr>
-          <a:xfrm>
-            <a:off x="9144000" y="900"/>
-            <a:ext cx="9137142" cy="10287000"/>
-          </a:xfrm>
-          <a:prstGeom prst="rect">
-            <a:avLst/>
-          </a:prstGeom>
-          <a:gradFill flip="none" rotWithShape="1">
-            <a:gsLst>
-              <a:gs pos="0">
-                <a:schemeClr val="accent2"/>
-              </a:gs>
-              <a:gs pos="100000">
-                <a:schemeClr val="accent1"/>
-              </a:gs>
-            </a:gsLst>
-            <a:lin ang="2700000" scaled="1"/>
-            <a:tileRect/>
-          </a:gradFill>
-          <a:ln>
-            <a:noFill/>
-          </a:ln>
-        </p:spPr>
-        <p:style>
-          <a:lnRef idx="2">
-            <a:schemeClr val="accent1">
-              <a:shade val="50000"/>
-            </a:schemeClr>
-          </a:lnRef>
-          <a:fillRef idx="1">
-            <a:schemeClr val="accent1"/>
-          </a:fillRef>
-          <a:effectRef idx="0">
-            <a:schemeClr val="accent1"/>
-          </a:effectRef>
-          <a:fontRef idx="minor">
-            <a:schemeClr val="lt1"/>
-          </a:fontRef>
-        </p:style>
-        <p:txBody>
-          <a:bodyPr rtlCol="0" anchor="ctr"/>
-          <a:lstStyle/>
-          <a:p>
-            <a:pPr algn="ctr"/>
-            <a:endParaRPr lang="en-US" sz="2700"/>
-          </a:p>
-        </p:txBody>
-      </p:sp>
-      <p:pic>
-        <p:nvPicPr>
-          <p:cNvPr id="4" name="Picture 3" descr="Colorful wavy concept"/>
-          <p:cNvPicPr>
-            <a:picLocks noChangeAspect="1"/>
-          </p:cNvPicPr>
-          <p:nvPr/>
-        </p:nvPicPr>
-        <p:blipFill rotWithShape="1">
-          <a:blip r:embed="rId1">
-            <a:alphaModFix amt="60000"/>
-          </a:blip>
-          <a:srcRect l="19473" r="21311" b="-1"/>
-          <a:stretch>
-            <a:fillRect/>
-          </a:stretch>
-        </p:blipFill>
-        <p:spPr>
-          <a:xfrm>
-            <a:off x="9144000" y="915"/>
-            <a:ext cx="9125711" cy="10286984"/>
-          </a:xfrm>
-          <a:prstGeom prst="rect">
-            <a:avLst/>
-          </a:prstGeom>
-        </p:spPr>
-      </p:pic>
+      <p:sp>
+        <p:nvSpPr>
+          <p:cNvPr id="11" name="Title 10">
+            <a:extLst>
+              <a:ext uri="{FF2B5EF4-FFF2-40B4-BE49-F238E27FC236}">
+                <a16:creationId xmlns:a16="http://schemas.microsoft.com/office/drawing/2014/main" id="{5926AE7A-0456-EFA0-8099-2A9B2B841EFC}"/>
+              </a:ext>
+            </a:extLst>
+          </p:cNvPr>
+          <p:cNvSpPr>
+            <a:spLocks noGrp="1"/>
+          </p:cNvSpPr>
+          <p:nvPr>
+            <p:ph type="title"/>
+          </p:nvPr>
+        </p:nvSpPr>
+        <p:spPr/>
+        <p:txBody>
+          <a:bodyPr/>
+          <a:lstStyle/>
+          <a:p>
+            <a:endParaRPr lang="en-GB"/>
+          </a:p>
+        </p:txBody>
+      </p:sp>
     </p:spTree>
-  </p:cSld>
-  <p:clrMapOvr>
-    <a:masterClrMapping/>
-  </p:clrMapOvr>
-</p:sld>
-</file>
-
-<file path=ppt/slides/slide10.xml><?xml version="1.0" encoding="utf-8"?>
-<p:sld xmlns:a="http://schemas.openxmlformats.org/drawingml/2006/main" xmlns:p="http://schemas.openxmlformats.org/presentationml/2006/main" xmlns:r="http://schemas.openxmlformats.org/officeDocument/2006/relationships">
-  <p:cSld>
-    <p:spTree>
-      <p:nvGrpSpPr>
-        <p:cNvPr id="1" name=""/>
-        <p:cNvGrpSpPr/>
-        <p:nvPr/>
-      </p:nvGrpSpPr>
-      <p:grpSpPr/>
-      <p:pic>
-        <p:nvPicPr>
-          <p:cNvPr id="2" name="Picture 1" descr="4.png"/>
-          <p:cNvPicPr>
-            <a:picLocks noChangeAspect="1"/>
-          </p:cNvPicPr>
-          <p:nvPr/>
-        </p:nvPicPr>
-        <p:blipFill>
-          <a:blip r:embed="rId2"/>
-          <a:stretch>
-            <a:fillRect/>
-          </a:stretch>
-        </p:blipFill>
-        <p:spPr>
-          <a:xfrm>
-            <a:off x="10058400" y="731520"/>
-            <a:ext cx="7534656" cy="8823960"/>
-          </a:xfrm>
-          <a:prstGeom prst="rect">
-            <a:avLst/>
-          </a:prstGeom>
-        </p:spPr>
-      </p:pic>
-      <p:sp>
-        <p:nvSpPr>
-          <p:cNvPr id="3" name="TextBox 2"/>
-          <p:cNvSpPr txBox="1"/>
-          <p:nvPr/>
-        </p:nvSpPr>
-        <p:spPr>
-          <a:xfrm>
-            <a:off x="822960" y="822960"/>
-            <a:ext cx="8878824" cy="1938528"/>
-          </a:xfrm>
-          <a:prstGeom prst="rect">
-            <a:avLst/>
-          </a:prstGeom>
-          <a:noFill/>
-        </p:spPr>
-        <p:txBody>
-          <a:bodyPr wrap="square">
-            <a:spAutoFit/>
-          </a:bodyPr>
-          <a:lstStyle/>
-          <a:p>
-            <a:pPr algn="l">
-              <a:defRPr sz="6600">
-                <a:solidFill>
-                  <a:srgbClr val="050E38"/>
-                </a:solidFill>
-                <a:latin typeface="Gill Sans MT"/>
-              </a:defRPr>
-            </a:pPr>
-            <a:r>
-              <a:t>Object-Oriented Programming in C</a:t>
-            </a:r>
-          </a:p>
-        </p:txBody>
-      </p:sp>
-      <p:sp>
-        <p:nvSpPr>
-          <p:cNvPr id="4" name="TextBox 3"/>
-          <p:cNvSpPr txBox="1"/>
-          <p:nvPr/>
-        </p:nvSpPr>
-        <p:spPr>
-          <a:xfrm>
-            <a:off x="822960" y="3090672"/>
-            <a:ext cx="8878824" cy="6400800"/>
-          </a:xfrm>
-          <a:prstGeom prst="rect">
-            <a:avLst/>
-          </a:prstGeom>
-          <a:noFill/>
-        </p:spPr>
-        <p:txBody>
-          <a:bodyPr wrap="square">
-            <a:spAutoFit/>
-          </a:bodyPr>
-          <a:lstStyle/>
-          <a:p>
-            <a:pPr algn="l">
-              <a:spcAft>
-                <a:spcPts val="1600"/>
-              </a:spcAft>
-              <a:defRPr sz="3200">
-                <a:solidFill>
-                  <a:srgbClr val="050E38"/>
-                </a:solidFill>
-                <a:latin typeface="Segoe UI Semibold"/>
-              </a:defRPr>
-            </a:pPr>
-            <a:r>
-              <a:t>C is a procedural language, but it can be used to implement some object-oriented programming (OOP) concepts.</a:t>
-            </a:r>
-          </a:p>
-          <a:p>
-            <a:pPr algn="l">
-              <a:spcAft>
-                <a:spcPts val="1600"/>
-              </a:spcAft>
-              <a:defRPr sz="3200">
-                <a:solidFill>
-                  <a:srgbClr val="050E38"/>
-                </a:solidFill>
-                <a:latin typeface="Segoe UI Semibold"/>
-              </a:defRPr>
-            </a:pPr>
-            <a:r>
-              <a:t>OOP principles like encapsulation, inheritance, and polymorphism can be achieved using C's struct and function pointers.</a:t>
-            </a:r>
-          </a:p>
-          <a:p>
-            <a:pPr algn="l">
-              <a:spcAft>
-                <a:spcPts val="1600"/>
-              </a:spcAft>
-              <a:defRPr sz="3200">
-                <a:solidFill>
-                  <a:srgbClr val="050E38"/>
-                </a:solidFill>
-                <a:latin typeface="Segoe UI Semibold"/>
-              </a:defRPr>
-            </a:pPr>
-            <a:r>
-              <a:t>Although C is not a purely OOP language, understanding these concepts can be useful for advanced programming tasks.</a:t>
-            </a:r>
-          </a:p>
-        </p:txBody>
-      </p:sp>
-    </p:spTree>
+    <p:extLst>
+      <p:ext uri="{BB962C8B-B14F-4D97-AF65-F5344CB8AC3E}">
+        <p14:creationId xmlns:p14="http://schemas.microsoft.com/office/powerpoint/2010/main" val="3860509726"/>
+      </p:ext>
+    </p:extLst>
   </p:cSld>
   <p:clrMapOvr>
     <a:masterClrMapping/>
@@ -3513,7 +3515,13 @@
       </p:grpSpPr>
       <p:sp>
         <p:nvSpPr>
-          <p:cNvPr id="2" name="Title 1"/>
+          <p:cNvPr id="2" name="Title 1">
+            <a:extLst>
+              <a:ext uri="{FF2B5EF4-FFF2-40B4-BE49-F238E27FC236}">
+                <a16:creationId xmlns:a16="http://schemas.microsoft.com/office/drawing/2014/main" id="{B0ADA14F-6E12-1144-BEF4-8DBEACE30C05}"/>
+              </a:ext>
+            </a:extLst>
+          </p:cNvPr>
           <p:cNvSpPr>
             <a:spLocks noGrp="1"/>
           </p:cNvSpPr>
@@ -3526,35 +3534,16 @@
           <a:bodyPr/>
           <a:lstStyle/>
           <a:p>
-            <a:endParaRPr lang="en-US"/>
-          </a:p>
-        </p:txBody>
-      </p:sp>
-      <p:sp>
-        <p:nvSpPr>
-          <p:cNvPr id="3" name="Content Placeholder 2"/>
-          <p:cNvSpPr>
-            <a:spLocks noGrp="1"/>
-          </p:cNvSpPr>
-          <p:nvPr>
-            <p:ph idx="1"/>
-          </p:nvPr>
-        </p:nvSpPr>
-        <p:spPr>
-          <a:xfrm>
-            <a:off x="1257300" y="3268927"/>
-            <a:ext cx="7835265" cy="5997893"/>
-          </a:xfrm>
-        </p:spPr>
-        <p:txBody>
-          <a:bodyPr/>
-          <a:lstStyle/>
-          <a:p>
-            <a:endParaRPr lang="en-US"/>
+            <a:endParaRPr lang="en-GB"/>
           </a:p>
         </p:txBody>
       </p:sp>
     </p:spTree>
+    <p:extLst>
+      <p:ext uri="{BB962C8B-B14F-4D97-AF65-F5344CB8AC3E}">
+        <p14:creationId xmlns:p14="http://schemas.microsoft.com/office/powerpoint/2010/main" val="3038631696"/>
+      </p:ext>
+    </p:extLst>
   </p:cSld>
   <p:clrMapOvr>
     <a:masterClrMapping/>
@@ -3588,13 +3577,13 @@
           <a:lstStyle/>
           <a:p>
             <a:r>
-              <a:rPr sz="16600">
+              <a:rPr sz="11500">
                 <a:solidFill>
-                  <a:srgbClr val="050E38"/>
+                  <a:srgbClr val="FFFFFF"/>
                 </a:solidFill>
-                <a:latin typeface="Gill Sans MT"/>
+                <a:latin typeface="Corbel(Headings)"/>
               </a:rPr>
-              <a:t>C programming</a:t>
+              <a:t>Japan</a:t>
             </a:r>
           </a:p>
         </p:txBody>
@@ -3684,19 +3673,19 @@
           </a:bodyPr>
           <a:lstStyle/>
           <a:p>
-            <a:pPr algn="l">
+            <a:pPr algn="r">
               <a:spcAft>
                 <a:spcPts val="0"/>
               </a:spcAft>
-              <a:defRPr sz="5000">
+              <a:defRPr sz="8000">
                 <a:solidFill>
-                  <a:srgbClr val="050E38"/>
+                  <a:srgbClr val="FF1493"/>
                 </a:solidFill>
-                <a:latin typeface="Gill Sans MT"/>
+                <a:latin typeface="Arial"/>
               </a:defRPr>
             </a:pPr>
             <a:r>
-              <a:t>Introduction to C Programming</a:t>
+              <a:t>Slide 1:</a:t>
             </a:r>
           </a:p>
         </p:txBody>
@@ -3725,49 +3714,65 @@
           <a:p>
             <a:pPr algn="l">
               <a:spcAft>
-                <a:spcPts val="1600"/>
+                <a:spcPts val="2000"/>
               </a:spcAft>
               <a:defRPr sz="3200">
                 <a:solidFill>
-                  <a:srgbClr val="050E38"/>
+                  <a:srgbClr val="FFFFFF"/>
                 </a:solidFill>
-                <a:latin typeface="Segoe UI Semibold"/>
+                <a:latin typeface="Arial"/>
               </a:defRPr>
             </a:pPr>
             <a:r>
-              <a:t>C language is a widely used programming language originally developed for system programming.</a:t>
+              <a:t>1. Java is a popular object-oriented programming language used for developing a variety of applications.</a:t>
             </a:r>
           </a:p>
           <a:p>
             <a:pPr algn="l">
               <a:spcAft>
-                <a:spcPts val="1600"/>
+                <a:spcPts val="2000"/>
               </a:spcAft>
               <a:defRPr sz="3200">
                 <a:solidFill>
-                  <a:srgbClr val="050E38"/>
+                  <a:srgbClr val="FFFFFF"/>
                 </a:solidFill>
-                <a:latin typeface="Segoe UI Semibold"/>
+                <a:latin typeface="Arial"/>
               </a:defRPr>
             </a:pPr>
             <a:r>
-              <a:t>C allows low-level access to memory, making it highly efficient and flexible.</a:t>
+              <a:t>2. It was created by James Gosling and his team at Sun Microsystems in the mid-1990s.</a:t>
             </a:r>
           </a:p>
           <a:p>
             <a:pPr algn="l">
               <a:spcAft>
-                <a:spcPts val="1600"/>
+                <a:spcPts val="2000"/>
               </a:spcAft>
               <a:defRPr sz="3200">
                 <a:solidFill>
-                  <a:srgbClr val="050E38"/>
+                  <a:srgbClr val="FFFFFF"/>
                 </a:solidFill>
-                <a:latin typeface="Segoe UI Semibold"/>
+                <a:latin typeface="Arial"/>
               </a:defRPr>
             </a:pPr>
             <a:r>
-              <a:t>It has a simple syntax and a rich set of built-in functions, making it suitable for various applications.</a:t>
+              <a:t>3. Java's key principles include platform independence, portability, and strong memory management.</a:t>
+            </a:r>
+          </a:p>
+          <a:p>
+            <a:pPr algn="l">
+              <a:spcAft>
+                <a:spcPts val="2000"/>
+              </a:spcAft>
+              <a:defRPr sz="3200">
+                <a:solidFill>
+                  <a:srgbClr val="FFFFFF"/>
+                </a:solidFill>
+                <a:latin typeface="Arial"/>
+              </a:defRPr>
+            </a:pPr>
+            <a:r>
+              <a:t>4. It is widely used for developing web-based applications, Android apps, and enterprise systems.</a:t>
             </a:r>
           </a:p>
         </p:txBody>
@@ -3806,8 +3811,8 @@
         </p:blipFill>
         <p:spPr>
           <a:xfrm>
-            <a:off x="1170432" y="1216152"/>
-            <a:ext cx="7223760" cy="4133087"/>
+            <a:off x="1280160" y="2743200"/>
+            <a:ext cx="7754112" cy="6537960"/>
           </a:xfrm>
           <a:prstGeom prst="rect">
             <a:avLst/>
@@ -3822,8 +3827,8 @@
         </p:nvSpPr>
         <p:spPr>
           <a:xfrm>
-            <a:off x="1170432" y="5440680"/>
-            <a:ext cx="7141464" cy="3749039"/>
+            <a:off x="1261872" y="1051560"/>
+            <a:ext cx="15745967" cy="1197864"/>
           </a:xfrm>
           <a:prstGeom prst="rect">
             <a:avLst/>
@@ -3840,15 +3845,15 @@
               <a:spcAft>
                 <a:spcPts val="0"/>
               </a:spcAft>
-              <a:defRPr sz="5000">
+              <a:defRPr sz="8000">
                 <a:solidFill>
-                  <a:srgbClr val="050E38"/>
+                  <a:srgbClr val="FF1493"/>
                 </a:solidFill>
-                <a:latin typeface="Gill Sans MT"/>
+                <a:latin typeface="Arial"/>
               </a:defRPr>
             </a:pPr>
             <a:r>
-              <a:t>Data Types and Variables in C</a:t>
+              <a:t>Slide 2:</a:t>
             </a:r>
           </a:p>
         </p:txBody>
@@ -3861,8 +3866,8 @@
         </p:nvSpPr>
         <p:spPr>
           <a:xfrm>
-            <a:off x="8924544" y="1216152"/>
-            <a:ext cx="8156448" cy="7955279"/>
+            <a:off x="9262872" y="2743200"/>
+            <a:ext cx="7772400" cy="6492240"/>
           </a:xfrm>
           <a:prstGeom prst="rect">
             <a:avLst/>
@@ -3877,49 +3882,65 @@
           <a:p>
             <a:pPr algn="l">
               <a:spcAft>
-                <a:spcPts val="1600"/>
+                <a:spcPts val="2000"/>
               </a:spcAft>
               <a:defRPr sz="3200">
                 <a:solidFill>
-                  <a:srgbClr val="050E38"/>
+                  <a:srgbClr val="FFFFFF"/>
                 </a:solidFill>
-                <a:latin typeface="Segoe UI Semibold"/>
+                <a:latin typeface="Arial"/>
               </a:defRPr>
             </a:pPr>
             <a:r>
-              <a:t>C supports different data types like int, float, char, etc., allowing programmers to work with different types of data.</a:t>
+              <a:t>1. Java applications run on the Java Virtual Machine (JVM), which allows them to be platform-independent.</a:t>
             </a:r>
           </a:p>
           <a:p>
             <a:pPr algn="l">
               <a:spcAft>
-                <a:spcPts val="1600"/>
+                <a:spcPts val="2000"/>
               </a:spcAft>
               <a:defRPr sz="3200">
                 <a:solidFill>
-                  <a:srgbClr val="050E38"/>
+                  <a:srgbClr val="FFFFFF"/>
                 </a:solidFill>
-                <a:latin typeface="Segoe UI Semibold"/>
+                <a:latin typeface="Arial"/>
               </a:defRPr>
             </a:pPr>
             <a:r>
-              <a:t>Variables are used to store values of these data types, helping in data manipulation and calculations.</a:t>
+              <a:t>2. Java's syntax is similar to C++, making it relatively easy for C++ developers to learn and use.</a:t>
             </a:r>
           </a:p>
           <a:p>
             <a:pPr algn="l">
               <a:spcAft>
-                <a:spcPts val="1600"/>
+                <a:spcPts val="2000"/>
               </a:spcAft>
               <a:defRPr sz="3200">
                 <a:solidFill>
-                  <a:srgbClr val="050E38"/>
+                  <a:srgbClr val="FFFFFF"/>
                 </a:solidFill>
-                <a:latin typeface="Segoe UI Semibold"/>
+                <a:latin typeface="Arial"/>
               </a:defRPr>
             </a:pPr>
             <a:r>
-              <a:t>Variables are declared with a specific data type, and memory is allocated accordingly.</a:t>
+              <a:t>3. Java uses a strong type system, which helps catch errors at compile time and enhances code reliability.</a:t>
+            </a:r>
+          </a:p>
+          <a:p>
+            <a:pPr algn="l">
+              <a:spcAft>
+                <a:spcPts val="2000"/>
+              </a:spcAft>
+              <a:defRPr sz="3200">
+                <a:solidFill>
+                  <a:srgbClr val="FFFFFF"/>
+                </a:solidFill>
+                <a:latin typeface="Arial"/>
+              </a:defRPr>
+            </a:pPr>
+            <a:r>
+              <a:t>4. Java follows the Write Once, Run Anywhere (WORA) approach, meaning code written in Java can run on various operating systems without any modifications.</a:t>
             </a:r>
           </a:p>
         </p:txBody>
@@ -3942,40 +3963,16 @@
         <p:nvPr/>
       </p:nvGrpSpPr>
       <p:grpSpPr/>
-      <p:pic>
-        <p:nvPicPr>
-          <p:cNvPr id="2" name="Picture 1" descr="4.png"/>
-          <p:cNvPicPr>
-            <a:picLocks noChangeAspect="1"/>
-          </p:cNvPicPr>
+      <p:sp>
+        <p:nvSpPr>
+          <p:cNvPr id="2" name="TextBox 1"/>
+          <p:cNvSpPr txBox="1"/>
           <p:nvPr/>
-        </p:nvPicPr>
-        <p:blipFill>
-          <a:blip r:embed="rId2"/>
-          <a:stretch>
-            <a:fillRect/>
-          </a:stretch>
-        </p:blipFill>
+        </p:nvSpPr>
         <p:spPr>
           <a:xfrm>
-            <a:off x="1280160" y="2743200"/>
-            <a:ext cx="7754112" cy="6537960"/>
-          </a:xfrm>
-          <a:prstGeom prst="rect">
-            <a:avLst/>
-          </a:prstGeom>
-        </p:spPr>
-      </p:pic>
-      <p:sp>
-        <p:nvSpPr>
-          <p:cNvPr id="3" name="TextBox 2"/>
-          <p:cNvSpPr txBox="1"/>
-          <p:nvPr/>
-        </p:nvSpPr>
-        <p:spPr>
-          <a:xfrm>
-            <a:off x="1261872" y="1051560"/>
-            <a:ext cx="15745967" cy="1197864"/>
+            <a:off x="1051560" y="914400"/>
+            <a:ext cx="16047720" cy="1645920"/>
           </a:xfrm>
           <a:prstGeom prst="rect">
             <a:avLst/>
@@ -3989,29 +3986,32 @@
           <a:lstStyle/>
           <a:p>
             <a:pPr algn="l">
-              <a:defRPr sz="7200">
+              <a:spcAft>
+                <a:spcPts val="0"/>
+              </a:spcAft>
+              <a:defRPr sz="8000">
                 <a:solidFill>
-                  <a:srgbClr val="050E38"/>
+                  <a:srgbClr val="FF1493"/>
                 </a:solidFill>
-                <a:latin typeface="Gill Sans MT"/>
+                <a:latin typeface="Arial"/>
               </a:defRPr>
             </a:pPr>
             <a:r>
-              <a:t>Control Structures in C</a:t>
-            </a:r>
-          </a:p>
-        </p:txBody>
-      </p:sp>
-      <p:sp>
-        <p:nvSpPr>
-          <p:cNvPr id="4" name="TextBox 3"/>
+              <a:t>Slide 3:</a:t>
+            </a:r>
+          </a:p>
+        </p:txBody>
+      </p:sp>
+      <p:sp>
+        <p:nvSpPr>
+          <p:cNvPr id="3" name="TextBox 2"/>
           <p:cNvSpPr txBox="1"/>
           <p:nvPr/>
         </p:nvSpPr>
         <p:spPr>
           <a:xfrm>
-            <a:off x="9262872" y="2743200"/>
-            <a:ext cx="7772400" cy="6492240"/>
+            <a:off x="1051560" y="2743200"/>
+            <a:ext cx="16047720" cy="6492240"/>
           </a:xfrm>
           <a:prstGeom prst="rect">
             <a:avLst/>
@@ -4026,81 +4026,65 @@
           <a:p>
             <a:pPr algn="l">
               <a:spcAft>
-                <a:spcPts val="2000"/>
+                <a:spcPts val="2500"/>
               </a:spcAft>
               <a:defRPr sz="3200">
                 <a:solidFill>
-                  <a:srgbClr val="050E38"/>
+                  <a:srgbClr val="FFFFFF"/>
                 </a:solidFill>
-                <a:latin typeface="Segoe UI Semibold"/>
+                <a:latin typeface="Arial"/>
               </a:defRPr>
             </a:pPr>
             <a:r>
-              <a:t>Control structures like if-else, for loop, while loop, and switch are used to control the flow of execution in C programs.</a:t>
+              <a:t>1. Java provides extensive libraries and frameworks, such as Java Standard Edition (SE) and Java Enterprise Edition (EE), for building a wide range of applications.</a:t>
             </a:r>
           </a:p>
           <a:p>
             <a:pPr algn="l">
               <a:spcAft>
-                <a:spcPts val="2000"/>
+                <a:spcPts val="2500"/>
               </a:spcAft>
               <a:defRPr sz="3200">
                 <a:solidFill>
-                  <a:srgbClr val="050E38"/>
+                  <a:srgbClr val="FFFFFF"/>
                 </a:solidFill>
-                <a:latin typeface="Segoe UI Semibold"/>
+                <a:latin typeface="Arial"/>
               </a:defRPr>
             </a:pPr>
             <a:r>
-              <a:t>The if-else statement allows conditional execution based on a condition.</a:t>
+              <a:t>2. One of the most popular frameworks for Java development is Spring, which simplifies the development of enterprise applications.</a:t>
             </a:r>
           </a:p>
           <a:p>
             <a:pPr algn="l">
               <a:spcAft>
-                <a:spcPts val="2000"/>
+                <a:spcPts val="2500"/>
               </a:spcAft>
               <a:defRPr sz="3200">
                 <a:solidFill>
-                  <a:srgbClr val="050E38"/>
+                  <a:srgbClr val="FFFFFF"/>
                 </a:solidFill>
-                <a:latin typeface="Segoe UI Semibold"/>
+                <a:latin typeface="Arial"/>
               </a:defRPr>
             </a:pPr>
             <a:r>
-              <a:t>The for loop is used for repetitive execution, specifying the initialization, condition, and increment parts.</a:t>
+              <a:t>3. Java supports multithreading, allowing multiple threads to run concurrently and improving the efficiency of applications.</a:t>
             </a:r>
           </a:p>
           <a:p>
             <a:pPr algn="l">
               <a:spcAft>
-                <a:spcPts val="2000"/>
+                <a:spcPts val="2500"/>
               </a:spcAft>
               <a:defRPr sz="3200">
                 <a:solidFill>
-                  <a:srgbClr val="050E38"/>
+                  <a:srgbClr val="FFFFFF"/>
                 </a:solidFill>
-                <a:latin typeface="Segoe UI Semibold"/>
+                <a:latin typeface="Arial"/>
               </a:defRPr>
             </a:pPr>
             <a:r>
-              <a:t>The while loop executes a block of code repeatedly as long as the condition is true.</a:t>
-            </a:r>
-          </a:p>
-          <a:p>
-            <a:pPr algn="l">
-              <a:spcAft>
-                <a:spcPts val="2000"/>
-              </a:spcAft>
-              <a:defRPr sz="3200">
-                <a:solidFill>
-                  <a:srgbClr val="050E38"/>
-                </a:solidFill>
-                <a:latin typeface="Segoe UI Semibold"/>
-              </a:defRPr>
-            </a:pPr>
-            <a:r>
-              <a:t>The switch statement allows multiple conditional branches based on a variable's value.</a:t>
+              <a:t>4. Java's garbage collection feature automatically manages memory, freeing developers from manual memory management tasks.</a:t>
             </a:r>
           </a:p>
         </p:txBody>
@@ -4139,8 +4123,8 @@
         </p:blipFill>
         <p:spPr>
           <a:xfrm>
-            <a:off x="1280160" y="2743200"/>
-            <a:ext cx="7754112" cy="6537960"/>
+            <a:off x="10058400" y="731520"/>
+            <a:ext cx="7534656" cy="8823960"/>
           </a:xfrm>
           <a:prstGeom prst="rect">
             <a:avLst/>
@@ -4155,8 +4139,8 @@
         </p:nvSpPr>
         <p:spPr>
           <a:xfrm>
-            <a:off x="1261872" y="1051560"/>
-            <a:ext cx="15745967" cy="1197864"/>
+            <a:off x="822960" y="822960"/>
+            <a:ext cx="8878824" cy="1938528"/>
           </a:xfrm>
           <a:prstGeom prst="rect">
             <a:avLst/>
@@ -4170,15 +4154,18 @@
           <a:lstStyle/>
           <a:p>
             <a:pPr algn="l">
-              <a:defRPr sz="7200">
+              <a:spcAft>
+                <a:spcPts val="0"/>
+              </a:spcAft>
+              <a:defRPr sz="8000">
                 <a:solidFill>
-                  <a:srgbClr val="050E38"/>
+                  <a:srgbClr val="FF1493"/>
                 </a:solidFill>
-                <a:latin typeface="Gill Sans MT"/>
+                <a:latin typeface="Arial"/>
               </a:defRPr>
             </a:pPr>
             <a:r>
-              <a:t>Functions in C</a:t>
+              <a:t>Slide 4:</a:t>
             </a:r>
           </a:p>
         </p:txBody>
@@ -4191,8 +4178,8 @@
         </p:nvSpPr>
         <p:spPr>
           <a:xfrm>
-            <a:off x="9262872" y="2743200"/>
-            <a:ext cx="7772400" cy="6492240"/>
+            <a:off x="822960" y="3090672"/>
+            <a:ext cx="8878824" cy="6400800"/>
           </a:xfrm>
           <a:prstGeom prst="rect">
             <a:avLst/>
@@ -4207,331 +4194,65 @@
           <a:p>
             <a:pPr algn="l">
               <a:spcAft>
-                <a:spcPts val="2000"/>
+                <a:spcPts val="1600"/>
               </a:spcAft>
               <a:defRPr sz="3200">
                 <a:solidFill>
-                  <a:srgbClr val="050E38"/>
+                  <a:srgbClr val="FFFFFF"/>
                 </a:solidFill>
-                <a:latin typeface="Segoe UI Semibold"/>
+                <a:latin typeface="Arial"/>
               </a:defRPr>
             </a:pPr>
             <a:r>
-              <a:t>Functions are reusable code blocks that perform specific tasks, aiding modular programming.</a:t>
+              <a:t>1. Java's big advantage is its massive developer community, which provides support through forums, online communities, and numerous resources.</a:t>
             </a:r>
           </a:p>
           <a:p>
             <a:pPr algn="l">
               <a:spcAft>
-                <a:spcPts val="2000"/>
+                <a:spcPts val="1600"/>
               </a:spcAft>
               <a:defRPr sz="3200">
                 <a:solidFill>
-                  <a:srgbClr val="050E38"/>
+                  <a:srgbClr val="FFFFFF"/>
                 </a:solidFill>
-                <a:latin typeface="Segoe UI Semibold"/>
+                <a:latin typeface="Arial"/>
               </a:defRPr>
             </a:pPr>
             <a:r>
-              <a:t>C programs have a main() function as the entry point, from which other functions can be called.</a:t>
+              <a:t>2. The Java Community Process (JCP) ensures that Java evolves through open collaboration and standardization.</a:t>
             </a:r>
           </a:p>
           <a:p>
             <a:pPr algn="l">
               <a:spcAft>
-                <a:spcPts val="2000"/>
+                <a:spcPts val="1600"/>
               </a:spcAft>
               <a:defRPr sz="3200">
                 <a:solidFill>
-                  <a:srgbClr val="050E38"/>
+                  <a:srgbClr val="FFFFFF"/>
                 </a:solidFill>
-                <a:latin typeface="Segoe UI Semibold"/>
+                <a:latin typeface="Arial"/>
               </a:defRPr>
             </a:pPr>
             <a:r>
-              <a:t>Functions can have parameters and a return type, enabling passing values and receiving results.</a:t>
+              <a:t>3. Java has a strong emphasis on security with features like bytecode verification and a security manager to prevent unauthorized access.</a:t>
             </a:r>
           </a:p>
           <a:p>
             <a:pPr algn="l">
               <a:spcAft>
-                <a:spcPts val="2000"/>
+                <a:spcPts val="1600"/>
               </a:spcAft>
               <a:defRPr sz="3200">
                 <a:solidFill>
-                  <a:srgbClr val="050E38"/>
+                  <a:srgbClr val="FFFFFF"/>
                 </a:solidFill>
-                <a:latin typeface="Segoe UI Semibold"/>
+                <a:latin typeface="Arial"/>
               </a:defRPr>
             </a:pPr>
             <a:r>
-              <a:t>Functions can be defined before or after the main() function, but they need a prototype declaration if defined afterwards.</a:t>
-            </a:r>
-          </a:p>
-        </p:txBody>
-      </p:sp>
-    </p:spTree>
-  </p:cSld>
-  <p:clrMapOvr>
-    <a:masterClrMapping/>
-  </p:clrMapOvr>
-</p:sld>
-</file>
-
-<file path=ppt/slides/slide8.xml><?xml version="1.0" encoding="utf-8"?>
-<p:sld xmlns:a="http://schemas.openxmlformats.org/drawingml/2006/main" xmlns:p="http://schemas.openxmlformats.org/presentationml/2006/main" xmlns:r="http://schemas.openxmlformats.org/officeDocument/2006/relationships">
-  <p:cSld>
-    <p:spTree>
-      <p:nvGrpSpPr>
-        <p:cNvPr id="1" name=""/>
-        <p:cNvGrpSpPr/>
-        <p:nvPr/>
-      </p:nvGrpSpPr>
-      <p:grpSpPr/>
-      <p:sp>
-        <p:nvSpPr>
-          <p:cNvPr id="2" name="TextBox 1"/>
-          <p:cNvSpPr txBox="1"/>
-          <p:nvPr/>
-        </p:nvSpPr>
-        <p:spPr>
-          <a:xfrm>
-            <a:off x="1051560" y="914400"/>
-            <a:ext cx="16047720" cy="1645920"/>
-          </a:xfrm>
-          <a:prstGeom prst="rect">
-            <a:avLst/>
-          </a:prstGeom>
-          <a:noFill/>
-        </p:spPr>
-        <p:txBody>
-          <a:bodyPr wrap="square">
-            <a:spAutoFit/>
-          </a:bodyPr>
-          <a:lstStyle/>
-          <a:p>
-            <a:pPr algn="l">
-              <a:defRPr sz="5000">
-                <a:solidFill>
-                  <a:srgbClr val="050E38"/>
-                </a:solidFill>
-                <a:latin typeface="Gill Sans MT"/>
-              </a:defRPr>
-            </a:pPr>
-            <a:r>
-              <a:t>Arrays and Pointers in C</a:t>
-            </a:r>
-          </a:p>
-        </p:txBody>
-      </p:sp>
-      <p:sp>
-        <p:nvSpPr>
-          <p:cNvPr id="3" name="TextBox 2"/>
-          <p:cNvSpPr txBox="1"/>
-          <p:nvPr/>
-        </p:nvSpPr>
-        <p:spPr>
-          <a:xfrm>
-            <a:off x="1051560" y="2743200"/>
-            <a:ext cx="16047720" cy="6492240"/>
-          </a:xfrm>
-          <a:prstGeom prst="rect">
-            <a:avLst/>
-          </a:prstGeom>
-          <a:noFill/>
-        </p:spPr>
-        <p:txBody>
-          <a:bodyPr wrap="square">
-            <a:spAutoFit/>
-          </a:bodyPr>
-          <a:lstStyle/>
-          <a:p>
-            <a:pPr algn="l">
-              <a:spcAft>
-                <a:spcPts val="2500"/>
-              </a:spcAft>
-              <a:defRPr sz="3200">
-                <a:solidFill>
-                  <a:srgbClr val="050E38"/>
-                </a:solidFill>
-                <a:latin typeface="Segoe UI Semibold"/>
-              </a:defRPr>
-            </a:pPr>
-            <a:r>
-              <a:t>Arrays are used to store multiple values of the same data type in a contiguous memory block.</a:t>
-            </a:r>
-          </a:p>
-          <a:p>
-            <a:pPr algn="l">
-              <a:spcAft>
-                <a:spcPts val="2500"/>
-              </a:spcAft>
-              <a:defRPr sz="3200">
-                <a:solidFill>
-                  <a:srgbClr val="050E38"/>
-                </a:solidFill>
-                <a:latin typeface="Segoe UI Semibold"/>
-              </a:defRPr>
-            </a:pPr>
-            <a:r>
-              <a:t>Arrays can be one-dimensional or multi-dimensional (e.g., matrices).</a:t>
-            </a:r>
-          </a:p>
-          <a:p>
-            <a:pPr algn="l">
-              <a:spcAft>
-                <a:spcPts val="2500"/>
-              </a:spcAft>
-              <a:defRPr sz="3200">
-                <a:solidFill>
-                  <a:srgbClr val="050E38"/>
-                </a:solidFill>
-                <a:latin typeface="Segoe UI Semibold"/>
-              </a:defRPr>
-            </a:pPr>
-            <a:r>
-              <a:t>Pointers are variables that store memory addresses, enabling access to data and efficient manipulation.</a:t>
-            </a:r>
-          </a:p>
-          <a:p>
-            <a:pPr algn="l">
-              <a:spcAft>
-                <a:spcPts val="2500"/>
-              </a:spcAft>
-              <a:defRPr sz="3200">
-                <a:solidFill>
-                  <a:srgbClr val="050E38"/>
-                </a:solidFill>
-                <a:latin typeface="Segoe UI Semibold"/>
-              </a:defRPr>
-            </a:pPr>
-            <a:r>
-              <a:t>Pointers can be used to work with arrays, pass values by reference, and dynamically allocate memory.</a:t>
-            </a:r>
-          </a:p>
-        </p:txBody>
-      </p:sp>
-    </p:spTree>
-  </p:cSld>
-  <p:clrMapOvr>
-    <a:masterClrMapping/>
-  </p:clrMapOvr>
-</p:sld>
-</file>
-
-<file path=ppt/slides/slide9.xml><?xml version="1.0" encoding="utf-8"?>
-<p:sld xmlns:a="http://schemas.openxmlformats.org/drawingml/2006/main" xmlns:p="http://schemas.openxmlformats.org/presentationml/2006/main" xmlns:r="http://schemas.openxmlformats.org/officeDocument/2006/relationships">
-  <p:cSld>
-    <p:spTree>
-      <p:nvGrpSpPr>
-        <p:cNvPr id="1" name=""/>
-        <p:cNvGrpSpPr/>
-        <p:nvPr/>
-      </p:nvGrpSpPr>
-      <p:grpSpPr/>
-      <p:sp>
-        <p:nvSpPr>
-          <p:cNvPr id="2" name="TextBox 1"/>
-          <p:cNvSpPr txBox="1"/>
-          <p:nvPr/>
-        </p:nvSpPr>
-        <p:spPr>
-          <a:xfrm>
-            <a:off x="1051560" y="914400"/>
-            <a:ext cx="16047720" cy="1645920"/>
-          </a:xfrm>
-          <a:prstGeom prst="rect">
-            <a:avLst/>
-          </a:prstGeom>
-          <a:noFill/>
-        </p:spPr>
-        <p:txBody>
-          <a:bodyPr wrap="square">
-            <a:spAutoFit/>
-          </a:bodyPr>
-          <a:lstStyle/>
-          <a:p>
-            <a:pPr algn="l">
-              <a:defRPr sz="5000">
-                <a:solidFill>
-                  <a:srgbClr val="050E38"/>
-                </a:solidFill>
-                <a:latin typeface="Gill Sans MT"/>
-              </a:defRPr>
-            </a:pPr>
-            <a:r>
-              <a:t>File Handling in C</a:t>
-            </a:r>
-          </a:p>
-        </p:txBody>
-      </p:sp>
-      <p:sp>
-        <p:nvSpPr>
-          <p:cNvPr id="3" name="TextBox 2"/>
-          <p:cNvSpPr txBox="1"/>
-          <p:nvPr/>
-        </p:nvSpPr>
-        <p:spPr>
-          <a:xfrm>
-            <a:off x="1051560" y="2743200"/>
-            <a:ext cx="16047720" cy="6492240"/>
-          </a:xfrm>
-          <a:prstGeom prst="rect">
-            <a:avLst/>
-          </a:prstGeom>
-          <a:noFill/>
-        </p:spPr>
-        <p:txBody>
-          <a:bodyPr wrap="square">
-            <a:spAutoFit/>
-          </a:bodyPr>
-          <a:lstStyle/>
-          <a:p>
-            <a:pPr algn="l">
-              <a:spcAft>
-                <a:spcPts val="2500"/>
-              </a:spcAft>
-              <a:defRPr sz="3200">
-                <a:solidFill>
-                  <a:srgbClr val="050E38"/>
-                </a:solidFill>
-                <a:latin typeface="Segoe UI Semibold"/>
-              </a:defRPr>
-            </a:pPr>
-            <a:r>
-              <a:t>C provides functions and libraries for file handling, allowing reading from and writing to files.</a:t>
-            </a:r>
-          </a:p>
-          <a:p>
-            <a:pPr algn="l">
-              <a:spcAft>
-                <a:spcPts val="2500"/>
-              </a:spcAft>
-              <a:defRPr sz="3200">
-                <a:solidFill>
-                  <a:srgbClr val="050E38"/>
-                </a:solidFill>
-                <a:latin typeface="Segoe UI Semibold"/>
-              </a:defRPr>
-            </a:pPr>
-            <a:r>
-              <a:t>File handling involves opening, closing, reading, and writing data to files.</a:t>
-            </a:r>
-          </a:p>
-          <a:p>
-            <a:pPr algn="l">
-              <a:spcAft>
-                <a:spcPts val="2500"/>
-              </a:spcAft>
-              <a:defRPr sz="3200">
-                <a:solidFill>
-                  <a:srgbClr val="050E38"/>
-                </a:solidFill>
-                <a:latin typeface="Segoe UI Semibold"/>
-              </a:defRPr>
-            </a:pPr>
-            <a:r>
-              <a:t>File streams (FILE*) are used to handle files, and standard functions like fopen(), fclose(), fprintf(), and fscanf() are used.</a:t>
+              <a:t>4. Java is versatile and can be used for various tasks including web development, mobile app development, data analysis, and more.</a:t>
             </a:r>
           </a:p>
         </p:txBody>
@@ -4545,137 +4266,157 @@
 </file>
 
 <file path=ppt/theme/theme1.xml><?xml version="1.0" encoding="utf-8"?>
-<a:theme xmlns:a="http://schemas.openxmlformats.org/drawingml/2006/main" name="LuminousVTI">
+<a:theme xmlns:a="http://schemas.openxmlformats.org/drawingml/2006/main" name="Frame">
   <a:themeElements>
-    <a:clrScheme name="AnalogousFromLightSeed_2SEEDS">
+    <a:clrScheme name="Frame">
       <a:dk1>
-        <a:srgbClr val="000000"/>
+        <a:sysClr val="windowText" lastClr="000000"/>
       </a:dk1>
       <a:lt1>
-        <a:srgbClr val="FFFFFF"/>
+        <a:sysClr val="window" lastClr="FFFFFF"/>
       </a:lt1>
       <a:dk2>
-        <a:srgbClr val="243841"/>
+        <a:srgbClr val="4A3F38"/>
       </a:dk2>
       <a:lt2>
-        <a:srgbClr val="E8E3E2"/>
+        <a:srgbClr val="EEEDCB"/>
       </a:lt2>
       <a:accent1>
-        <a:srgbClr val="7AA9B7"/>
+        <a:srgbClr val="818E9F"/>
       </a:accent1>
       <a:accent2>
-        <a:srgbClr val="80A9A1"/>
+        <a:srgbClr val="D26400"/>
       </a:accent2>
       <a:accent3>
-        <a:srgbClr val="8FA2C3"/>
+        <a:srgbClr val="C3BA45"/>
       </a:accent3>
       <a:accent4>
-        <a:srgbClr val="BA7F80"/>
+        <a:srgbClr val="8A8552"/>
       </a:accent4>
       <a:accent5>
-        <a:srgbClr val="BC9B84"/>
+        <a:srgbClr val="F3B843"/>
       </a:accent5>
       <a:accent6>
-        <a:srgbClr val="ABA175"/>
+        <a:srgbClr val="786C71"/>
       </a:accent6>
       <a:hlink>
-        <a:srgbClr val="AC7465"/>
+        <a:srgbClr val="46A7CA"/>
       </a:hlink>
       <a:folHlink>
-        <a:srgbClr val="7F7F7F"/>
+        <a:srgbClr val="B2B2B2"/>
       </a:folHlink>
     </a:clrScheme>
-    <a:fontScheme name="Custom 51">
+    <a:fontScheme name="Frame">
       <a:majorFont>
-        <a:latin typeface="FrankRuehl"/>
+        <a:latin typeface="Corbel" panose="020B0503020204020204"/>
         <a:ea typeface=""/>
         <a:cs typeface=""/>
+        <a:font script="Jpan" typeface="ＭＳ ゴシック"/>
+        <a:font script="Hang" typeface="HY중고딕"/>
+        <a:font script="Hans" typeface="幼圆"/>
+        <a:font script="Hant" typeface="微軟正黑體"/>
+        <a:font script="Arab" typeface="Tahoma"/>
+        <a:font script="Hebr" typeface="Gisha"/>
+        <a:font script="Thai" typeface="DilleniaUPC"/>
+        <a:font script="Ethi" typeface="Nyala"/>
+        <a:font script="Beng" typeface="Vrinda"/>
+        <a:font script="Gujr" typeface="Shruti"/>
+        <a:font script="Khmr" typeface="DaunPenh"/>
+        <a:font script="Knda" typeface="Tunga"/>
+        <a:font script="Guru" typeface="Raavi"/>
+        <a:font script="Cans" typeface="Euphemia"/>
+        <a:font script="Cher" typeface="Plantagenet Cherokee"/>
+        <a:font script="Yiii" typeface="Microsoft Yi Baiti"/>
+        <a:font script="Tibt" typeface="Microsoft Himalaya"/>
+        <a:font script="Thaa" typeface="MV Boli"/>
+        <a:font script="Deva" typeface="Mangal"/>
+        <a:font script="Telu" typeface="Gautami"/>
+        <a:font script="Taml" typeface="Latha"/>
+        <a:font script="Syrc" typeface="Estrangelo Edessa"/>
+        <a:font script="Orya" typeface="Kalinga"/>
+        <a:font script="Mlym" typeface="Kartika"/>
+        <a:font script="Laoo" typeface="DokChampa"/>
+        <a:font script="Sinh" typeface="Iskoola Pota"/>
+        <a:font script="Mong" typeface="Mongolian Baiti"/>
+        <a:font script="Viet" typeface="Tahoma"/>
+        <a:font script="Uigh" typeface="Microsoft Uighur"/>
+        <a:font script="Geor" typeface="Sylfaen"/>
       </a:majorFont>
       <a:minorFont>
-        <a:latin typeface="Calibri"/>
+        <a:latin typeface="Corbel" panose="020B0503020204020204"/>
         <a:ea typeface=""/>
         <a:cs typeface=""/>
+        <a:font script="Jpan" typeface="ＭＳ ゴシック"/>
+        <a:font script="Hang" typeface="HY중고딕"/>
+        <a:font script="Hans" typeface="幼圆"/>
+        <a:font script="Hant" typeface="微軟正黑體"/>
+        <a:font script="Arab" typeface="Tahoma"/>
+        <a:font script="Hebr" typeface="Gisha"/>
+        <a:font script="Thai" typeface="DilleniaUPC"/>
+        <a:font script="Ethi" typeface="Nyala"/>
+        <a:font script="Beng" typeface="Vrinda"/>
+        <a:font script="Gujr" typeface="Shruti"/>
+        <a:font script="Khmr" typeface="DaunPenh"/>
+        <a:font script="Knda" typeface="Tunga"/>
+        <a:font script="Guru" typeface="Raavi"/>
+        <a:font script="Cans" typeface="Euphemia"/>
+        <a:font script="Cher" typeface="Plantagenet Cherokee"/>
+        <a:font script="Yiii" typeface="Microsoft Yi Baiti"/>
+        <a:font script="Tibt" typeface="Microsoft Himalaya"/>
+        <a:font script="Thaa" typeface="MV Boli"/>
+        <a:font script="Deva" typeface="Mangal"/>
+        <a:font script="Telu" typeface="Gautami"/>
+        <a:font script="Taml" typeface="Latha"/>
+        <a:font script="Syrc" typeface="Estrangelo Edessa"/>
+        <a:font script="Orya" typeface="Kalinga"/>
+        <a:font script="Mlym" typeface="Kartika"/>
+        <a:font script="Laoo" typeface="DokChampa"/>
+        <a:font script="Sinh" typeface="Iskoola Pota"/>
+        <a:font script="Mong" typeface="Mongolian Baiti"/>
+        <a:font script="Viet" typeface="Verdana"/>
+        <a:font script="Uigh" typeface="Microsoft Uighur"/>
+        <a:font script="Geor" typeface="Sylfaen"/>
       </a:minorFont>
     </a:fontScheme>
-    <a:fmtScheme name="Office">
+    <a:fmtScheme name="Frame">
       <a:fillStyleLst>
         <a:solidFill>
           <a:schemeClr val="phClr"/>
         </a:solidFill>
-        <a:gradFill rotWithShape="1">
-          <a:gsLst>
-            <a:gs pos="0">
-              <a:schemeClr val="phClr">
-                <a:lumMod val="110000"/>
-                <a:satMod val="105000"/>
-                <a:tint val="67000"/>
-              </a:schemeClr>
-            </a:gs>
-            <a:gs pos="50000">
-              <a:schemeClr val="phClr">
-                <a:lumMod val="105000"/>
-                <a:satMod val="103000"/>
-                <a:tint val="73000"/>
-              </a:schemeClr>
-            </a:gs>
-            <a:gs pos="100000">
-              <a:schemeClr val="phClr">
-                <a:lumMod val="105000"/>
-                <a:satMod val="109000"/>
-                <a:tint val="81000"/>
-              </a:schemeClr>
-            </a:gs>
-          </a:gsLst>
-          <a:lin ang="5400000" scaled="0"/>
-        </a:gradFill>
-        <a:gradFill rotWithShape="1">
-          <a:gsLst>
-            <a:gs pos="0">
-              <a:schemeClr val="phClr">
-                <a:satMod val="103000"/>
-                <a:lumMod val="102000"/>
-                <a:tint val="94000"/>
-              </a:schemeClr>
-            </a:gs>
-            <a:gs pos="50000">
-              <a:schemeClr val="phClr">
-                <a:satMod val="110000"/>
-                <a:lumMod val="100000"/>
-                <a:shade val="100000"/>
-              </a:schemeClr>
-            </a:gs>
-            <a:gs pos="100000">
-              <a:schemeClr val="phClr">
-                <a:lumMod val="99000"/>
-                <a:satMod val="120000"/>
-                <a:shade val="78000"/>
-              </a:schemeClr>
-            </a:gs>
-          </a:gsLst>
-          <a:lin ang="5400000" scaled="0"/>
-        </a:gradFill>
+        <a:solidFill>
+          <a:schemeClr val="phClr">
+            <a:tint val="65000"/>
+          </a:schemeClr>
+        </a:solidFill>
+        <a:solidFill>
+          <a:schemeClr val="phClr">
+            <a:shade val="80000"/>
+            <a:satMod val="150000"/>
+          </a:schemeClr>
+        </a:solidFill>
       </a:fillStyleLst>
       <a:lnStyleLst>
-        <a:ln w="6350" cap="flat" cmpd="sng" algn="ctr">
+        <a:ln w="9525" cap="flat" cmpd="sng" algn="ctr">
           <a:solidFill>
             <a:schemeClr val="phClr"/>
           </a:solidFill>
           <a:prstDash val="solid"/>
-          <a:miter lim="800000"/>
         </a:ln>
-        <a:ln w="12700" cap="flat" cmpd="sng" algn="ctr">
+        <a:ln w="10795" cap="flat" cmpd="sng" algn="ctr">
           <a:solidFill>
             <a:schemeClr val="phClr"/>
           </a:solidFill>
           <a:prstDash val="solid"/>
-          <a:miter lim="800000"/>
         </a:ln>
-        <a:ln w="19050" cap="flat" cmpd="sng" algn="ctr">
+        <a:ln w="17145" cap="flat" cmpd="sng" algn="ctr">
           <a:solidFill>
-            <a:schemeClr val="phClr"/>
+            <a:schemeClr val="phClr">
+              <a:shade val="95000"/>
+              <a:alpha val="50000"/>
+              <a:satMod val="150000"/>
+            </a:schemeClr>
           </a:solidFill>
           <a:prstDash val="solid"/>
-          <a:miter lim="800000"/>
         </a:ln>
       </a:lnStyleLst>
       <a:effectStyleLst>
@@ -4687,12 +4428,21 @@
         </a:effectStyle>
         <a:effectStyle>
           <a:effectLst>
-            <a:outerShdw blurRad="57150" dist="19050" dir="5400000" algn="ctr" rotWithShape="0">
+            <a:outerShdw blurRad="44450" dist="13970" dir="5400000" algn="ctr" rotWithShape="0">
               <a:srgbClr val="000000">
-                <a:alpha val="63000"/>
+                <a:alpha val="45000"/>
               </a:srgbClr>
             </a:outerShdw>
           </a:effectLst>
+          <a:scene3d>
+            <a:camera prst="orthographicFront">
+              <a:rot lat="0" lon="0" rev="0"/>
+            </a:camera>
+            <a:lightRig rig="twoPt" dir="tl"/>
+          </a:scene3d>
+          <a:sp3d prstMaterial="flat">
+            <a:bevelT w="12700" h="25400" prst="coolSlant"/>
+          </a:sp3d>
         </a:effectStyle>
       </a:effectStyleLst>
       <a:bgFillStyleLst>
@@ -4710,23 +4460,24 @@
             <a:gs pos="0">
               <a:schemeClr val="phClr">
                 <a:tint val="93000"/>
-                <a:satMod val="150000"/>
                 <a:shade val="98000"/>
+                <a:satMod val="120000"/>
                 <a:lumMod val="102000"/>
               </a:schemeClr>
             </a:gs>
-            <a:gs pos="50000">
+            <a:gs pos="48000">
               <a:schemeClr val="phClr">
                 <a:tint val="98000"/>
-                <a:satMod val="130000"/>
                 <a:shade val="90000"/>
+                <a:satMod val="110000"/>
                 <a:lumMod val="103000"/>
               </a:schemeClr>
             </a:gs>
             <a:gs pos="100000">
               <a:schemeClr val="phClr">
-                <a:shade val="63000"/>
-                <a:satMod val="120000"/>
+                <a:tint val="98000"/>
+                <a:shade val="80000"/>
+                <a:satMod val="100000"/>
               </a:schemeClr>
             </a:gs>
           </a:gsLst>
@@ -4735,9 +4486,11 @@
       </a:bgFillStyleLst>
     </a:fmtScheme>
   </a:themeElements>
+  <a:objectDefaults/>
+  <a:extraClrSchemeLst/>
   <a:extLst>
     <a:ext uri="{05A4C25C-085E-4340-85A3-A5531E510DB2}">
-      <thm15:themeFamily xmlns:thm15="http://schemas.microsoft.com/office/thememl/2012/main" name="Office Theme" id="{62F939B6-93AF-4DB8-9C6B-D6C7DFDC589F}" vid="{4A3C46E8-61CC-4603-A589-7422A47A8E4A}"/>
+      <thm15:themeFamily xmlns:thm15="http://schemas.microsoft.com/office/thememl/2012/main" name="Frame" id="{F226E7A2-7162-461C-9490-D27D9DC04E43}" vid="{9935E573-C197-41A8-BCA1-5D5F62C560B7}"/>
     </a:ext>
   </a:extLst>
 </a:theme>

--- a/generated/generated_presentation.pptx
+++ b/generated/generated_presentation.pptx
@@ -1,18 +1,28 @@
 
 <file path=ppt/presentation.xml><?xml version="1.0" encoding="utf-8"?>
-<p:presentation xmlns:a="http://schemas.openxmlformats.org/drawingml/2006/main" xmlns:r="http://schemas.openxmlformats.org/officeDocument/2006/relationships" xmlns:p="http://schemas.openxmlformats.org/presentationml/2006/main" firstSlideNum="2" autoCompressPictures="0">
+<p:presentation xmlns:a="http://schemas.openxmlformats.org/drawingml/2006/main" xmlns:r="http://schemas.openxmlformats.org/officeDocument/2006/relationships" xmlns:p="http://schemas.openxmlformats.org/presentationml/2006/main" embedTrueTypeFonts="1" saveSubsetFonts="1">
   <p:sldMasterIdLst>
-    <p:sldMasterId id="2147483852" r:id="rId1"/>
+    <p:sldMasterId id="2147483648" r:id="rId1"/>
   </p:sldMasterIdLst>
   <p:sldIdLst>
-    <p:sldId id="258" r:id="rId8"/>
-    <p:sldId id="259" r:id="rId9"/>
-    <p:sldId id="260" r:id="rId10"/>
-    <p:sldId id="261" r:id="rId11"/>
-    <p:sldId id="262" r:id="rId12"/>
+    <p:sldId id="258" r:id="rId12"/>
+    <p:sldId id="259" r:id="rId13"/>
+    <p:sldId id="260" r:id="rId14"/>
+    <p:sldId id="261" r:id="rId15"/>
+    <p:sldId id="262" r:id="rId16"/>
+    <p:sldId id="263" r:id="rId17"/>
   </p:sldIdLst>
   <p:sldSz cx="18288000" cy="10287000"/>
   <p:notesSz cx="6858000" cy="9144000"/>
+  <p:embeddedFontLst>
+    <p:embeddedFont>
+      <p:font typeface="Tw Cen MT" panose="020B0602020104020603" charset="0"/>
+      <p:regular r:id="rId8"/>
+      <p:bold r:id="rId9"/>
+      <p:italic r:id="rId10"/>
+      <p:boldItalic r:id="rId11"/>
+    </p:embeddedFont>
+  </p:embeddedFontLst>
   <p:defaultTextStyle>
     <a:defPPr>
       <a:defRPr lang="en-US"/>
@@ -108,16 +118,427 @@
       </a:defRPr>
     </a:lvl9pPr>
   </p:defaultTextStyle>
-  <p:extLst>
-    <p:ext uri="{EFAFB233-063F-42B5-8137-9DF3F51BA10A}">
-      <p15:sldGuideLst xmlns:p15="http://schemas.microsoft.com/office/powerpoint/2012/main"/>
-    </p:ext>
-  </p:extLst>
 </p:presentation>
 </file>
 
+<file path=ppt/notesMasters/notesMaster1.xml><?xml version="1.0" encoding="utf-8"?>
+<p:notesMaster xmlns:a="http://schemas.openxmlformats.org/drawingml/2006/main" xmlns:p="http://schemas.openxmlformats.org/presentationml/2006/main" xmlns:r="http://schemas.openxmlformats.org/officeDocument/2006/relationships">
+  <p:cSld>
+    <p:bg>
+      <p:bgRef idx="1001">
+        <a:schemeClr val="bg1"/>
+      </p:bgRef>
+    </p:bg>
+    <p:spTree>
+      <p:nvGrpSpPr>
+        <p:cNvPr id="1" name=""/>
+        <p:cNvGrpSpPr/>
+        <p:nvPr/>
+      </p:nvGrpSpPr>
+      <p:grpSpPr>
+        <a:xfrm>
+          <a:off x="0" y="0"/>
+          <a:ext cx="0" cy="0"/>
+          <a:chOff x="0" y="0"/>
+          <a:chExt cx="0" cy="0"/>
+        </a:xfrm>
+      </p:grpSpPr>
+      <p:sp>
+        <p:nvSpPr>
+          <p:cNvPr id="2" name="Header Placeholder 1"/>
+          <p:cNvSpPr>
+            <a:spLocks noGrp="1"/>
+          </p:cNvSpPr>
+          <p:nvPr>
+            <p:ph type="hdr" sz="quarter"/>
+          </p:nvPr>
+        </p:nvSpPr>
+        <p:spPr>
+          <a:xfrm>
+            <a:off x="0" y="0"/>
+            <a:ext cx="2971800" cy="457200"/>
+          </a:xfrm>
+          <a:prstGeom prst="rect">
+            <a:avLst/>
+          </a:prstGeom>
+        </p:spPr>
+        <p:txBody>
+          <a:bodyPr vert="horz" lIns="91440" tIns="45720" rIns="91440" bIns="45720" rtlCol="0"/>
+          <a:lstStyle>
+            <a:lvl1pPr algn="l">
+              <a:defRPr sz="1200"/>
+            </a:lvl1pPr>
+          </a:lstStyle>
+          <a:p>
+            <a:endParaRPr lang="en-US"/>
+          </a:p>
+        </p:txBody>
+      </p:sp>
+      <p:sp>
+        <p:nvSpPr>
+          <p:cNvPr id="3" name="Date Placeholder 2"/>
+          <p:cNvSpPr>
+            <a:spLocks noGrp="1"/>
+          </p:cNvSpPr>
+          <p:nvPr>
+            <p:ph type="dt" idx="1"/>
+          </p:nvPr>
+        </p:nvSpPr>
+        <p:spPr>
+          <a:xfrm>
+            <a:off x="3884613" y="0"/>
+            <a:ext cx="2971800" cy="457200"/>
+          </a:xfrm>
+          <a:prstGeom prst="rect">
+            <a:avLst/>
+          </a:prstGeom>
+        </p:spPr>
+        <p:txBody>
+          <a:bodyPr vert="horz" lIns="91440" tIns="45720" rIns="91440" bIns="45720" rtlCol="0"/>
+          <a:lstStyle>
+            <a:lvl1pPr algn="r">
+              <a:defRPr sz="1200"/>
+            </a:lvl1pPr>
+          </a:lstStyle>
+          <a:p>
+            <a:fld id="{0F89C1C7-3DCD-1040-A9CF-14679D8B5DDD}" type="datetimeFigureOut">
+              <a:rPr lang="en-US" smtClean="0"/>
+              <a:t>10/17/16</a:t>
+            </a:fld>
+            <a:endParaRPr lang="en-US"/>
+          </a:p>
+        </p:txBody>
+      </p:sp>
+      <p:sp>
+        <p:nvSpPr>
+          <p:cNvPr id="4" name="Slide Image Placeholder 3"/>
+          <p:cNvSpPr>
+            <a:spLocks noGrp="1" noRot="1" noChangeAspect="1"/>
+          </p:cNvSpPr>
+          <p:nvPr>
+            <p:ph type="sldImg" idx="2"/>
+          </p:nvPr>
+        </p:nvSpPr>
+        <p:spPr>
+          <a:xfrm>
+            <a:off x="1143000" y="685800"/>
+            <a:ext cx="4572000" cy="3429000"/>
+          </a:xfrm>
+          <a:prstGeom prst="rect">
+            <a:avLst/>
+          </a:prstGeom>
+          <a:noFill/>
+          <a:ln w="12700">
+            <a:solidFill>
+              <a:prstClr val="black"/>
+            </a:solidFill>
+          </a:ln>
+        </p:spPr>
+        <p:txBody>
+          <a:bodyPr vert="horz" lIns="91440" tIns="45720" rIns="91440" bIns="45720" rtlCol="0" anchor="ctr"/>
+          <a:lstStyle/>
+          <a:p>
+            <a:endParaRPr lang="en-US"/>
+          </a:p>
+        </p:txBody>
+      </p:sp>
+      <p:sp>
+        <p:nvSpPr>
+          <p:cNvPr id="5" name="Notes Placeholder 4"/>
+          <p:cNvSpPr>
+            <a:spLocks noGrp="1"/>
+          </p:cNvSpPr>
+          <p:nvPr>
+            <p:ph type="body" sz="quarter" idx="3"/>
+          </p:nvPr>
+        </p:nvSpPr>
+        <p:spPr>
+          <a:xfrm>
+            <a:off x="685800" y="4343400"/>
+            <a:ext cx="5486400" cy="4114800"/>
+          </a:xfrm>
+          <a:prstGeom prst="rect">
+            <a:avLst/>
+          </a:prstGeom>
+        </p:spPr>
+        <p:txBody>
+          <a:bodyPr vert="horz" lIns="91440" tIns="45720" rIns="91440" bIns="45720" rtlCol="0"/>
+          <a:lstStyle/>
+          <a:p>
+            <a:pPr lvl="0"/>
+            <a:r>
+              <a:rPr lang="en-US" smtClean="0"/>
+              <a:t>Click to edit Master text styles</a:t>
+            </a:r>
+          </a:p>
+          <a:p>
+            <a:pPr lvl="1"/>
+            <a:r>
+              <a:rPr lang="en-US" smtClean="0"/>
+              <a:t>Second level</a:t>
+            </a:r>
+          </a:p>
+          <a:p>
+            <a:pPr lvl="2"/>
+            <a:r>
+              <a:rPr lang="en-US" smtClean="0"/>
+              <a:t>Third level</a:t>
+            </a:r>
+          </a:p>
+          <a:p>
+            <a:pPr lvl="3"/>
+            <a:r>
+              <a:rPr lang="en-US" smtClean="0"/>
+              <a:t>Fourth level</a:t>
+            </a:r>
+          </a:p>
+          <a:p>
+            <a:pPr lvl="4"/>
+            <a:r>
+              <a:rPr lang="en-US" smtClean="0"/>
+              <a:t>Fifth level</a:t>
+            </a:r>
+            <a:endParaRPr lang="en-US"/>
+          </a:p>
+        </p:txBody>
+      </p:sp>
+      <p:sp>
+        <p:nvSpPr>
+          <p:cNvPr id="6" name="Footer Placeholder 5"/>
+          <p:cNvSpPr>
+            <a:spLocks noGrp="1"/>
+          </p:cNvSpPr>
+          <p:nvPr>
+            <p:ph type="ftr" sz="quarter" idx="4"/>
+          </p:nvPr>
+        </p:nvSpPr>
+        <p:spPr>
+          <a:xfrm>
+            <a:off x="0" y="8685213"/>
+            <a:ext cx="2971800" cy="457200"/>
+          </a:xfrm>
+          <a:prstGeom prst="rect">
+            <a:avLst/>
+          </a:prstGeom>
+        </p:spPr>
+        <p:txBody>
+          <a:bodyPr vert="horz" lIns="91440" tIns="45720" rIns="91440" bIns="45720" rtlCol="0" anchor="b"/>
+          <a:lstStyle>
+            <a:lvl1pPr algn="l">
+              <a:defRPr sz="1200"/>
+            </a:lvl1pPr>
+          </a:lstStyle>
+          <a:p>
+            <a:endParaRPr lang="en-US"/>
+          </a:p>
+        </p:txBody>
+      </p:sp>
+      <p:sp>
+        <p:nvSpPr>
+          <p:cNvPr id="7" name="Slide Number Placeholder 6"/>
+          <p:cNvSpPr>
+            <a:spLocks noGrp="1"/>
+          </p:cNvSpPr>
+          <p:nvPr>
+            <p:ph type="sldNum" sz="quarter" idx="5"/>
+          </p:nvPr>
+        </p:nvSpPr>
+        <p:spPr>
+          <a:xfrm>
+            <a:off x="3884613" y="8685213"/>
+            <a:ext cx="2971800" cy="457200"/>
+          </a:xfrm>
+          <a:prstGeom prst="rect">
+            <a:avLst/>
+          </a:prstGeom>
+        </p:spPr>
+        <p:txBody>
+          <a:bodyPr vert="horz" lIns="91440" tIns="45720" rIns="91440" bIns="45720" rtlCol="0" anchor="b"/>
+          <a:lstStyle>
+            <a:lvl1pPr algn="r">
+              <a:defRPr sz="1200"/>
+            </a:lvl1pPr>
+          </a:lstStyle>
+          <a:p>
+            <a:fld id="{BB5E49A5-4136-284D-997B-48E1D791AD67}" type="slidenum">
+              <a:rPr lang="en-US" smtClean="0"/>
+              <a:t>‹#›</a:t>
+            </a:fld>
+            <a:endParaRPr lang="en-US"/>
+          </a:p>
+        </p:txBody>
+      </p:sp>
+    </p:spTree>
+    <p:extLst>
+      <p:ext uri="{BB962C8B-B14F-4D97-AF65-F5344CB8AC3E}">
+        <p14:creationId xmlns:p14="http://schemas.microsoft.com/office/powerpoint/2010/main" val="2623252185"/>
+      </p:ext>
+    </p:extLst>
+  </p:cSld>
+  <p:clrMap bg1="lt1" tx1="dk1" bg2="lt2" tx2="dk2" accent1="accent1" accent2="accent2" accent3="accent3" accent4="accent4" accent5="accent5" accent6="accent6" hlink="hlink" folHlink="folHlink"/>
+  <p:notesStyle>
+    <a:lvl1pPr marL="0" algn="l" defTabSz="457200" rtl="0" eaLnBrk="1" latinLnBrk="0" hangingPunct="1">
+      <a:defRPr sz="1200" kern="1200">
+        <a:solidFill>
+          <a:schemeClr val="tx1"/>
+        </a:solidFill>
+        <a:latin typeface="+mn-lt"/>
+        <a:ea typeface="+mn-ea"/>
+        <a:cs typeface="+mn-cs"/>
+      </a:defRPr>
+    </a:lvl1pPr>
+    <a:lvl2pPr marL="457200" algn="l" defTabSz="457200" rtl="0" eaLnBrk="1" latinLnBrk="0" hangingPunct="1">
+      <a:defRPr sz="1200" kern="1200">
+        <a:solidFill>
+          <a:schemeClr val="tx1"/>
+        </a:solidFill>
+        <a:latin typeface="+mn-lt"/>
+        <a:ea typeface="+mn-ea"/>
+        <a:cs typeface="+mn-cs"/>
+      </a:defRPr>
+    </a:lvl2pPr>
+    <a:lvl3pPr marL="914400" algn="l" defTabSz="457200" rtl="0" eaLnBrk="1" latinLnBrk="0" hangingPunct="1">
+      <a:defRPr sz="1200" kern="1200">
+        <a:solidFill>
+          <a:schemeClr val="tx1"/>
+        </a:solidFill>
+        <a:latin typeface="+mn-lt"/>
+        <a:ea typeface="+mn-ea"/>
+        <a:cs typeface="+mn-cs"/>
+      </a:defRPr>
+    </a:lvl3pPr>
+    <a:lvl4pPr marL="1371600" algn="l" defTabSz="457200" rtl="0" eaLnBrk="1" latinLnBrk="0" hangingPunct="1">
+      <a:defRPr sz="1200" kern="1200">
+        <a:solidFill>
+          <a:schemeClr val="tx1"/>
+        </a:solidFill>
+        <a:latin typeface="+mn-lt"/>
+        <a:ea typeface="+mn-ea"/>
+        <a:cs typeface="+mn-cs"/>
+      </a:defRPr>
+    </a:lvl4pPr>
+    <a:lvl5pPr marL="1828800" algn="l" defTabSz="457200" rtl="0" eaLnBrk="1" latinLnBrk="0" hangingPunct="1">
+      <a:defRPr sz="1200" kern="1200">
+        <a:solidFill>
+          <a:schemeClr val="tx1"/>
+        </a:solidFill>
+        <a:latin typeface="+mn-lt"/>
+        <a:ea typeface="+mn-ea"/>
+        <a:cs typeface="+mn-cs"/>
+      </a:defRPr>
+    </a:lvl5pPr>
+    <a:lvl6pPr marL="2286000" algn="l" defTabSz="457200" rtl="0" eaLnBrk="1" latinLnBrk="0" hangingPunct="1">
+      <a:defRPr sz="1200" kern="1200">
+        <a:solidFill>
+          <a:schemeClr val="tx1"/>
+        </a:solidFill>
+        <a:latin typeface="+mn-lt"/>
+        <a:ea typeface="+mn-ea"/>
+        <a:cs typeface="+mn-cs"/>
+      </a:defRPr>
+    </a:lvl6pPr>
+    <a:lvl7pPr marL="2743200" algn="l" defTabSz="457200" rtl="0" eaLnBrk="1" latinLnBrk="0" hangingPunct="1">
+      <a:defRPr sz="1200" kern="1200">
+        <a:solidFill>
+          <a:schemeClr val="tx1"/>
+        </a:solidFill>
+        <a:latin typeface="+mn-lt"/>
+        <a:ea typeface="+mn-ea"/>
+        <a:cs typeface="+mn-cs"/>
+      </a:defRPr>
+    </a:lvl7pPr>
+    <a:lvl8pPr marL="3200400" algn="l" defTabSz="457200" rtl="0" eaLnBrk="1" latinLnBrk="0" hangingPunct="1">
+      <a:defRPr sz="1200" kern="1200">
+        <a:solidFill>
+          <a:schemeClr val="tx1"/>
+        </a:solidFill>
+        <a:latin typeface="+mn-lt"/>
+        <a:ea typeface="+mn-ea"/>
+        <a:cs typeface="+mn-cs"/>
+      </a:defRPr>
+    </a:lvl8pPr>
+    <a:lvl9pPr marL="3657600" algn="l" defTabSz="457200" rtl="0" eaLnBrk="1" latinLnBrk="0" hangingPunct="1">
+      <a:defRPr sz="1200" kern="1200">
+        <a:solidFill>
+          <a:schemeClr val="tx1"/>
+        </a:solidFill>
+        <a:latin typeface="+mn-lt"/>
+        <a:ea typeface="+mn-ea"/>
+        <a:cs typeface="+mn-cs"/>
+      </a:defRPr>
+    </a:lvl9pPr>
+  </p:notesStyle>
+</p:notesMaster>
+</file>
+
+<file path=ppt/notesSlides/notesSlide1.xml><?xml version="1.0" encoding="utf-8"?>
+<p:notes xmlns:a="http://schemas.openxmlformats.org/drawingml/2006/main" xmlns:p="http://schemas.openxmlformats.org/presentationml/2006/main" xmlns:r="http://schemas.openxmlformats.org/officeDocument/2006/relationships">
+  <p:cSld>
+    <p:spTree>
+      <p:nvGrpSpPr>
+        <p:cNvPr id="1" name=""/>
+        <p:cNvGrpSpPr/>
+        <p:nvPr/>
+      </p:nvGrpSpPr>
+      <p:grpSpPr>
+        <a:xfrm>
+          <a:off x="0" y="0"/>
+          <a:ext cx="0" cy="0"/>
+          <a:chOff x="0" y="0"/>
+          <a:chExt cx="0" cy="0"/>
+        </a:xfrm>
+      </p:grpSpPr>
+      <p:sp>
+        <p:nvSpPr>
+          <p:cNvPr id="2" name="Slide Image Placeholder 1"/>
+          <p:cNvSpPr>
+            <a:spLocks noGrp="1"/>
+          </p:cNvSpPr>
+          <p:nvPr>
+            <p:ph type="sldImg" idx="2"/>
+          </p:nvPr>
+        </p:nvSpPr>
+        <p:spPr/>
+      </p:sp>
+      <p:sp>
+        <p:nvSpPr>
+          <p:cNvPr id="3" name="Notes Placeholder 2"/>
+          <p:cNvSpPr>
+            <a:spLocks noGrp="1"/>
+          </p:cNvSpPr>
+          <p:nvPr>
+            <p:ph type="body" idx="3" sz="quarter"/>
+          </p:nvPr>
+        </p:nvSpPr>
+        <p:spPr/>
+        <p:txBody>
+          <a:bodyPr/>
+          <a:lstStyle/>
+          <a:p/>
+        </p:txBody>
+      </p:sp>
+      <p:sp>
+        <p:nvSpPr>
+          <p:cNvPr id="4" name="Slide Number Placeholder 3"/>
+          <p:cNvSpPr>
+            <a:spLocks noGrp="1"/>
+          </p:cNvSpPr>
+          <p:nvPr>
+            <p:ph type="sldNum" idx="5" sz="quarter"/>
+          </p:nvPr>
+        </p:nvSpPr>
+        <p:spPr/>
+      </p:sp>
+    </p:spTree>
+  </p:cSld>
+  <p:clrMapOvr>
+    <a:masterClrMapping/>
+  </p:clrMapOvr>
+</p:notes>
+</file>
+
 <file path=ppt/slideLayouts/slideLayout1.xml><?xml version="1.0" encoding="utf-8"?>
-<p:sldLayout xmlns:a="http://schemas.openxmlformats.org/drawingml/2006/main" xmlns:r="http://schemas.openxmlformats.org/officeDocument/2006/relationships" xmlns:p="http://schemas.openxmlformats.org/presentationml/2006/main" showMasterSp="0" type="title" preserve="1">
+<p:sldLayout xmlns:a="http://schemas.openxmlformats.org/drawingml/2006/main" xmlns:r="http://schemas.openxmlformats.org/officeDocument/2006/relationships" xmlns:p="http://schemas.openxmlformats.org/presentationml/2006/main" type="title" preserve="1">
   <p:cSld name="Title Slide">
     <p:spTree>
       <p:nvGrpSpPr>
@@ -133,86 +554,36 @@
           <a:chExt cx="0" cy="0"/>
         </a:xfrm>
       </p:grpSpPr>
-      <p:sp>
-        <p:nvSpPr>
-          <p:cNvPr id="7" name="Rectangle 6"/>
-          <p:cNvSpPr/>
+      <p:pic>
+        <p:nvPicPr>
+          <p:cNvPr id="7" name="Picture 6" descr="Droplets-HD-Title-R1d.png"/>
+          <p:cNvPicPr>
+            <a:picLocks noChangeAspect="1"/>
+          </p:cNvPicPr>
           <p:nvPr/>
-        </p:nvSpPr>
-        <p:spPr>
-          <a:xfrm>
-            <a:off x="1" y="1142999"/>
-            <a:ext cx="13712429" cy="8001002"/>
+        </p:nvPicPr>
+        <p:blipFill>
+          <a:blip r:embed="rId2">
+            <a:extLst>
+              <a:ext uri="{28A0092B-C50C-407E-A947-70E740481C1C}">
+                <a14:useLocalDpi xmlns:a14="http://schemas.microsoft.com/office/drawing/2010/main" val="0"/>
+              </a:ext>
+            </a:extLst>
+          </a:blip>
+          <a:stretch>
+            <a:fillRect/>
+          </a:stretch>
+        </p:blipFill>
+        <p:spPr>
+          <a:xfrm>
+            <a:off x="0" y="0"/>
+            <a:ext cx="18288000" cy="10287000"/>
           </a:xfrm>
           <a:prstGeom prst="rect">
             <a:avLst/>
           </a:prstGeom>
-          <a:solidFill>
-            <a:schemeClr val="accent1">
-              <a:alpha val="95000"/>
-            </a:schemeClr>
-          </a:solidFill>
-          <a:ln>
-            <a:noFill/>
-          </a:ln>
-        </p:spPr>
-        <p:style>
-          <a:lnRef idx="2">
-            <a:schemeClr val="accent1">
-              <a:shade val="50000"/>
-            </a:schemeClr>
-          </a:lnRef>
-          <a:fillRef idx="1">
-            <a:schemeClr val="accent1"/>
-          </a:fillRef>
-          <a:effectRef idx="0">
-            <a:schemeClr val="accent1"/>
-          </a:effectRef>
-          <a:fontRef idx="minor">
-            <a:schemeClr val="lt1"/>
-          </a:fontRef>
-        </p:style>
-      </p:sp>
-      <p:sp>
-        <p:nvSpPr>
-          <p:cNvPr id="8" name="Rectangle 7"/>
-          <p:cNvSpPr/>
-          <p:nvPr/>
-        </p:nvSpPr>
-        <p:spPr>
-          <a:xfrm>
-            <a:off x="13905395" y="1142999"/>
-            <a:ext cx="4387977" cy="8001002"/>
-          </a:xfrm>
-          <a:prstGeom prst="rect">
-            <a:avLst/>
-          </a:prstGeom>
-          <a:solidFill>
-            <a:schemeClr val="accent1">
-              <a:alpha val="40000"/>
-            </a:schemeClr>
-          </a:solidFill>
-          <a:ln>
-            <a:noFill/>
-          </a:ln>
-        </p:spPr>
-        <p:style>
-          <a:lnRef idx="2">
-            <a:schemeClr val="accent1">
-              <a:shade val="50000"/>
-            </a:schemeClr>
-          </a:lnRef>
-          <a:fillRef idx="1">
-            <a:schemeClr val="accent1"/>
-          </a:fillRef>
-          <a:effectRef idx="0">
-            <a:schemeClr val="accent1"/>
-          </a:effectRef>
-          <a:fontRef idx="minor">
-            <a:schemeClr val="lt1"/>
-          </a:fontRef>
-        </p:style>
-      </p:sp>
+        </p:spPr>
+      </p:pic>
       <p:sp>
         <p:nvSpPr>
           <p:cNvPr id="2" name="Title 1"/>
@@ -225,8 +596,8 @@
         </p:nvSpPr>
         <p:spPr>
           <a:xfrm>
-            <a:off x="1604772" y="1947672"/>
-            <a:ext cx="10972800" cy="4882896"/>
+            <a:off x="2626518" y="1951178"/>
+            <a:ext cx="13034964" cy="3763820"/>
           </a:xfrm>
         </p:spPr>
         <p:txBody>
@@ -234,12 +605,8 @@
             <a:normAutofit/>
           </a:bodyPr>
           <a:lstStyle>
-            <a:lvl1pPr algn="l">
-              <a:defRPr sz="8850" spc="-150" baseline="0">
-                <a:solidFill>
-                  <a:srgbClr val="FFFFFF"/>
-                </a:solidFill>
-              </a:defRPr>
+            <a:lvl1pPr algn="ctr">
+              <a:defRPr sz="7200"/>
             </a:lvl1pPr>
           </a:lstStyle>
           <a:p>
@@ -263,57 +630,56 @@
         </p:nvSpPr>
         <p:spPr>
           <a:xfrm>
-            <a:off x="1650023" y="7005369"/>
-            <a:ext cx="10972800" cy="1371600"/>
-          </a:xfrm>
-        </p:spPr>
-        <p:txBody>
-          <a:bodyPr anchor="t">
+            <a:off x="2626518" y="5829301"/>
+            <a:ext cx="13034964" cy="2057399"/>
+          </a:xfrm>
+        </p:spPr>
+        <p:txBody>
+          <a:bodyPr>
             <a:normAutofit/>
           </a:bodyPr>
           <a:lstStyle>
-            <a:lvl1pPr marL="0" indent="0" algn="l">
-              <a:buNone/>
-              <a:defRPr sz="3300" cap="none" spc="0" baseline="0">
+            <a:lvl1pPr marL="0" indent="0" algn="ctr">
+              <a:buNone/>
+              <a:defRPr sz="3300">
                 <a:solidFill>
-                  <a:schemeClr val="accent1">
-                    <a:lumMod val="20000"/>
-                    <a:lumOff val="80000"/>
+                  <a:schemeClr val="bg1">
+                    <a:lumMod val="50000"/>
                   </a:schemeClr>
                 </a:solidFill>
               </a:defRPr>
             </a:lvl1pPr>
             <a:lvl2pPr marL="685800" indent="0" algn="ctr">
               <a:buNone/>
-              <a:defRPr sz="3300"/>
+              <a:defRPr sz="3000"/>
             </a:lvl2pPr>
             <a:lvl3pPr marL="1371600" indent="0" algn="ctr">
               <a:buNone/>
-              <a:defRPr sz="3300"/>
+              <a:defRPr sz="2700"/>
             </a:lvl3pPr>
             <a:lvl4pPr marL="2057400" indent="0" algn="ctr">
               <a:buNone/>
-              <a:defRPr sz="3000"/>
+              <a:defRPr sz="2400"/>
             </a:lvl4pPr>
             <a:lvl5pPr marL="2743200" indent="0" algn="ctr">
               <a:buNone/>
-              <a:defRPr sz="3000"/>
+              <a:defRPr sz="2400"/>
             </a:lvl5pPr>
             <a:lvl6pPr marL="3429000" indent="0" algn="ctr">
               <a:buNone/>
-              <a:defRPr sz="3000"/>
+              <a:defRPr sz="2400"/>
             </a:lvl6pPr>
             <a:lvl7pPr marL="4114800" indent="0" algn="ctr">
               <a:buNone/>
-              <a:defRPr sz="3000"/>
+              <a:defRPr sz="2400"/>
             </a:lvl7pPr>
             <a:lvl8pPr marL="4800600" indent="0" algn="ctr">
               <a:buNone/>
-              <a:defRPr sz="3000"/>
+              <a:defRPr sz="2400"/>
             </a:lvl8pPr>
             <a:lvl9pPr marL="5486400" indent="0" algn="ctr">
               <a:buNone/>
-              <a:defRPr sz="3000"/>
+              <a:defRPr sz="2400"/>
             </a:lvl9pPr>
           </a:lstStyle>
           <a:p>
@@ -340,12 +706,10 @@
           <a:bodyPr/>
           <a:lstStyle/>
           <a:p>
-            <a:fld id="{5586B75A-687E-405C-8A0B-8D00578BA2C3}" type="datetimeFigureOut">
+            <a:fld id="{1D8BD707-D9CF-40AE-B4C6-C98DA3205C09}" type="datetimeFigureOut">
               <a:rPr lang="en-US" smtClean="0"/>
-              <a:pPr/>
-              <a:t>12/5/2023</a:t>
             </a:fld>
-            <a:endParaRPr lang="en-US" dirty="0"/>
+            <a:endParaRPr lang="en-US"/>
           </a:p>
         </p:txBody>
       </p:sp>
@@ -364,7 +728,7 @@
           <a:bodyPr/>
           <a:lstStyle/>
           <a:p>
-            <a:endParaRPr lang="en-US" dirty="0"/>
+            <a:endParaRPr lang="en-US"/>
           </a:p>
         </p:txBody>
       </p:sp>
@@ -383,21 +747,14 @@
           <a:bodyPr/>
           <a:lstStyle/>
           <a:p>
-            <a:fld id="{4FAB73BC-B049-4115-A692-8D63A059BFB8}" type="slidenum">
+            <a:fld id="{B6F15528-21DE-4FAA-801E-634DDDAF4B2B}" type="slidenum">
               <a:rPr lang="en-US" smtClean="0"/>
-              <a:pPr/>
-              <a:t>‹#›</a:t>
             </a:fld>
-            <a:endParaRPr lang="en-US" dirty="0"/>
+            <a:endParaRPr lang="en-US"/>
           </a:p>
         </p:txBody>
       </p:sp>
     </p:spTree>
-    <p:extLst>
-      <p:ext uri="{BB962C8B-B14F-4D97-AF65-F5344CB8AC3E}">
-        <p14:creationId xmlns:p14="http://schemas.microsoft.com/office/powerpoint/2010/main" val="927298059"/>
-      </p:ext>
-    </p:extLst>
   </p:cSld>
   <p:clrMapOvr>
     <a:masterClrMapping/>
@@ -406,6 +763,2712 @@
 </file>
 
 <file path=ppt/slideLayouts/slideLayout10.xml><?xml version="1.0" encoding="utf-8"?>
+<p:sldLayout xmlns:a="http://schemas.openxmlformats.org/drawingml/2006/main" xmlns:r="http://schemas.openxmlformats.org/officeDocument/2006/relationships" xmlns:p="http://schemas.openxmlformats.org/presentationml/2006/main" preserve="1">
+  <p:cSld name="Panoramic Picture with Caption">
+    <p:spTree>
+      <p:nvGrpSpPr>
+        <p:cNvPr id="1" name=""/>
+        <p:cNvGrpSpPr/>
+        <p:nvPr/>
+      </p:nvGrpSpPr>
+      <p:grpSpPr>
+        <a:xfrm>
+          <a:off x="0" y="0"/>
+          <a:ext cx="0" cy="0"/>
+          <a:chOff x="0" y="0"/>
+          <a:chExt cx="0" cy="0"/>
+        </a:xfrm>
+      </p:grpSpPr>
+      <p:pic>
+        <p:nvPicPr>
+          <p:cNvPr id="10" name="Picture 9" descr="Droplets-HD-Content-R1d.png"/>
+          <p:cNvPicPr>
+            <a:picLocks noChangeAspect="1"/>
+          </p:cNvPicPr>
+          <p:nvPr/>
+        </p:nvPicPr>
+        <p:blipFill>
+          <a:blip r:embed="rId2">
+            <a:extLst>
+              <a:ext uri="{28A0092B-C50C-407E-A947-70E740481C1C}">
+                <a14:useLocalDpi xmlns:a14="http://schemas.microsoft.com/office/drawing/2010/main" val="0"/>
+              </a:ext>
+            </a:extLst>
+          </a:blip>
+          <a:stretch>
+            <a:fillRect/>
+          </a:stretch>
+        </p:blipFill>
+        <p:spPr>
+          <a:xfrm>
+            <a:off x="0" y="0"/>
+            <a:ext cx="18288000" cy="10287000"/>
+          </a:xfrm>
+          <a:prstGeom prst="rect">
+            <a:avLst/>
+          </a:prstGeom>
+        </p:spPr>
+      </p:pic>
+      <p:sp>
+        <p:nvSpPr>
+          <p:cNvPr id="2" name="Title 1"/>
+          <p:cNvSpPr>
+            <a:spLocks noGrp="1"/>
+          </p:cNvSpPr>
+          <p:nvPr>
+            <p:ph type="title"/>
+          </p:nvPr>
+        </p:nvSpPr>
+        <p:spPr>
+          <a:xfrm>
+            <a:off x="1370691" y="6434061"/>
+            <a:ext cx="15546648" cy="1217415"/>
+          </a:xfrm>
+        </p:spPr>
+        <p:txBody>
+          <a:bodyPr anchor="b"/>
+          <a:lstStyle>
+            <a:lvl1pPr>
+              <a:defRPr sz="4800"/>
+            </a:lvl1pPr>
+          </a:lstStyle>
+          <a:p>
+            <a:r>
+              <a:rPr lang="en-US"/>
+              <a:t>Click to edit Master title style</a:t>
+            </a:r>
+            <a:endParaRPr lang="en-US" dirty="0"/>
+          </a:p>
+        </p:txBody>
+      </p:sp>
+      <p:sp>
+        <p:nvSpPr>
+          <p:cNvPr id="3" name="Picture Placeholder 2"/>
+          <p:cNvSpPr>
+            <a:spLocks noGrp="1" noChangeAspect="1"/>
+          </p:cNvSpPr>
+          <p:nvPr>
+            <p:ph type="pic" idx="1"/>
+          </p:nvPr>
+        </p:nvSpPr>
+        <p:spPr>
+          <a:xfrm>
+            <a:off x="1777116" y="1047391"/>
+            <a:ext cx="14733798" cy="4821204"/>
+          </a:xfrm>
+          <a:prstGeom prst="roundRect">
+            <a:avLst>
+              <a:gd name="adj" fmla="val 4944"/>
+            </a:avLst>
+          </a:prstGeom>
+          <a:noFill/>
+          <a:ln w="82550" cap="sq">
+            <a:solidFill>
+              <a:schemeClr val="bg2">
+                <a:lumMod val="60000"/>
+                <a:lumOff val="40000"/>
+              </a:schemeClr>
+            </a:solidFill>
+            <a:miter lim="800000"/>
+          </a:ln>
+          <a:effectLst/>
+          <a:scene3d>
+            <a:camera prst="orthographicFront"/>
+            <a:lightRig rig="threePt" dir="t">
+              <a:rot lat="0" lon="0" rev="2700000"/>
+            </a:lightRig>
+          </a:scene3d>
+          <a:sp3d contourW="6350">
+            <a:bevelT h="38100"/>
+            <a:contourClr>
+              <a:srgbClr val="C0C0C0"/>
+            </a:contourClr>
+          </a:sp3d>
+        </p:spPr>
+        <p:txBody>
+          <a:bodyPr anchor="t"/>
+          <a:lstStyle>
+            <a:lvl1pPr marL="0" indent="0" algn="ctr">
+              <a:buNone/>
+              <a:defRPr sz="4800"/>
+            </a:lvl1pPr>
+            <a:lvl2pPr marL="685800" indent="0">
+              <a:buNone/>
+              <a:defRPr sz="4200"/>
+            </a:lvl2pPr>
+            <a:lvl3pPr marL="1371600" indent="0">
+              <a:buNone/>
+              <a:defRPr sz="3600"/>
+            </a:lvl3pPr>
+            <a:lvl4pPr marL="2057400" indent="0">
+              <a:buNone/>
+              <a:defRPr sz="3000"/>
+            </a:lvl4pPr>
+            <a:lvl5pPr marL="2743200" indent="0">
+              <a:buNone/>
+              <a:defRPr sz="3000"/>
+            </a:lvl5pPr>
+            <a:lvl6pPr marL="3429000" indent="0">
+              <a:buNone/>
+              <a:defRPr sz="3000"/>
+            </a:lvl6pPr>
+            <a:lvl7pPr marL="4114800" indent="0">
+              <a:buNone/>
+              <a:defRPr sz="3000"/>
+            </a:lvl7pPr>
+            <a:lvl8pPr marL="4800600" indent="0">
+              <a:buNone/>
+              <a:defRPr sz="3000"/>
+            </a:lvl8pPr>
+            <a:lvl9pPr marL="5486400" indent="0">
+              <a:buNone/>
+              <a:defRPr sz="3000"/>
+            </a:lvl9pPr>
+          </a:lstStyle>
+          <a:p>
+            <a:r>
+              <a:rPr lang="en-US"/>
+              <a:t>Click icon to add picture</a:t>
+            </a:r>
+            <a:endParaRPr lang="en-US" dirty="0"/>
+          </a:p>
+        </p:txBody>
+      </p:sp>
+      <p:sp>
+        <p:nvSpPr>
+          <p:cNvPr id="4" name="Text Placeholder 3"/>
+          <p:cNvSpPr>
+            <a:spLocks noGrp="1"/>
+          </p:cNvSpPr>
+          <p:nvPr>
+            <p:ph type="body" sz="half" idx="2"/>
+          </p:nvPr>
+        </p:nvSpPr>
+        <p:spPr>
+          <a:xfrm>
+            <a:off x="1370661" y="7663092"/>
+            <a:ext cx="15546678" cy="1023708"/>
+          </a:xfrm>
+        </p:spPr>
+        <p:txBody>
+          <a:bodyPr/>
+          <a:lstStyle>
+            <a:lvl1pPr marL="0" indent="0" algn="ctr">
+              <a:buNone/>
+              <a:defRPr sz="2400"/>
+            </a:lvl1pPr>
+            <a:lvl2pPr marL="685800" indent="0">
+              <a:buNone/>
+              <a:defRPr sz="2100"/>
+            </a:lvl2pPr>
+            <a:lvl3pPr marL="1371600" indent="0">
+              <a:buNone/>
+              <a:defRPr sz="1800"/>
+            </a:lvl3pPr>
+            <a:lvl4pPr marL="2057400" indent="0">
+              <a:buNone/>
+              <a:defRPr sz="1500"/>
+            </a:lvl4pPr>
+            <a:lvl5pPr marL="2743200" indent="0">
+              <a:buNone/>
+              <a:defRPr sz="1500"/>
+            </a:lvl5pPr>
+            <a:lvl6pPr marL="3429000" indent="0">
+              <a:buNone/>
+              <a:defRPr sz="1500"/>
+            </a:lvl6pPr>
+            <a:lvl7pPr marL="4114800" indent="0">
+              <a:buNone/>
+              <a:defRPr sz="1500"/>
+            </a:lvl7pPr>
+            <a:lvl8pPr marL="4800600" indent="0">
+              <a:buNone/>
+              <a:defRPr sz="1500"/>
+            </a:lvl8pPr>
+            <a:lvl9pPr marL="5486400" indent="0">
+              <a:buNone/>
+              <a:defRPr sz="1500"/>
+            </a:lvl9pPr>
+          </a:lstStyle>
+          <a:p>
+            <a:pPr lvl="0"/>
+            <a:r>
+              <a:rPr lang="en-US"/>
+              <a:t>Click to edit Master text styles</a:t>
+            </a:r>
+            <a:endParaRPr lang="en-US"/>
+          </a:p>
+        </p:txBody>
+      </p:sp>
+      <p:sp>
+        <p:nvSpPr>
+          <p:cNvPr id="5" name="Date Placeholder 4"/>
+          <p:cNvSpPr>
+            <a:spLocks noGrp="1"/>
+          </p:cNvSpPr>
+          <p:nvPr>
+            <p:ph type="dt" sz="half" idx="10"/>
+          </p:nvPr>
+        </p:nvSpPr>
+        <p:spPr/>
+        <p:txBody>
+          <a:bodyPr/>
+          <a:lstStyle/>
+          <a:p>
+            <a:fld id="{1D8BD707-D9CF-40AE-B4C6-C98DA3205C09}" type="datetimeFigureOut">
+              <a:rPr lang="en-US" smtClean="0"/>
+            </a:fld>
+            <a:endParaRPr lang="en-US"/>
+          </a:p>
+        </p:txBody>
+      </p:sp>
+      <p:sp>
+        <p:nvSpPr>
+          <p:cNvPr id="6" name="Footer Placeholder 5"/>
+          <p:cNvSpPr>
+            <a:spLocks noGrp="1"/>
+          </p:cNvSpPr>
+          <p:nvPr>
+            <p:ph type="ftr" sz="quarter" idx="11"/>
+          </p:nvPr>
+        </p:nvSpPr>
+        <p:spPr/>
+        <p:txBody>
+          <a:bodyPr/>
+          <a:lstStyle/>
+          <a:p>
+            <a:endParaRPr lang="en-US"/>
+          </a:p>
+        </p:txBody>
+      </p:sp>
+      <p:sp>
+        <p:nvSpPr>
+          <p:cNvPr id="7" name="Slide Number Placeholder 6"/>
+          <p:cNvSpPr>
+            <a:spLocks noGrp="1"/>
+          </p:cNvSpPr>
+          <p:nvPr>
+            <p:ph type="sldNum" sz="quarter" idx="12"/>
+          </p:nvPr>
+        </p:nvSpPr>
+        <p:spPr/>
+        <p:txBody>
+          <a:bodyPr/>
+          <a:lstStyle/>
+          <a:p>
+            <a:fld id="{B6F15528-21DE-4FAA-801E-634DDDAF4B2B}" type="slidenum">
+              <a:rPr lang="en-US" smtClean="0"/>
+            </a:fld>
+            <a:endParaRPr lang="en-US"/>
+          </a:p>
+        </p:txBody>
+      </p:sp>
+    </p:spTree>
+  </p:cSld>
+  <p:clrMapOvr>
+    <a:masterClrMapping/>
+  </p:clrMapOvr>
+</p:sldLayout>
+</file>
+
+<file path=ppt/slideLayouts/slideLayout11.xml><?xml version="1.0" encoding="utf-8"?>
+<p:sldLayout xmlns:a="http://schemas.openxmlformats.org/drawingml/2006/main" xmlns:r="http://schemas.openxmlformats.org/officeDocument/2006/relationships" xmlns:p="http://schemas.openxmlformats.org/presentationml/2006/main" preserve="1">
+  <p:cSld name="Title and Caption">
+    <p:spTree>
+      <p:nvGrpSpPr>
+        <p:cNvPr id="1" name=""/>
+        <p:cNvGrpSpPr/>
+        <p:nvPr/>
+      </p:nvGrpSpPr>
+      <p:grpSpPr>
+        <a:xfrm>
+          <a:off x="0" y="0"/>
+          <a:ext cx="0" cy="0"/>
+          <a:chOff x="0" y="0"/>
+          <a:chExt cx="0" cy="0"/>
+        </a:xfrm>
+      </p:grpSpPr>
+      <p:pic>
+        <p:nvPicPr>
+          <p:cNvPr id="8" name="Picture 7" descr="Droplets-HD-Content-R1d.png"/>
+          <p:cNvPicPr>
+            <a:picLocks noChangeAspect="1"/>
+          </p:cNvPicPr>
+          <p:nvPr/>
+        </p:nvPicPr>
+        <p:blipFill>
+          <a:blip r:embed="rId2">
+            <a:extLst>
+              <a:ext uri="{28A0092B-C50C-407E-A947-70E740481C1C}">
+                <a14:useLocalDpi xmlns:a14="http://schemas.microsoft.com/office/drawing/2010/main" val="0"/>
+              </a:ext>
+            </a:extLst>
+          </a:blip>
+          <a:stretch>
+            <a:fillRect/>
+          </a:stretch>
+        </p:blipFill>
+        <p:spPr>
+          <a:xfrm>
+            <a:off x="0" y="0"/>
+            <a:ext cx="18288000" cy="10287000"/>
+          </a:xfrm>
+          <a:prstGeom prst="rect">
+            <a:avLst/>
+          </a:prstGeom>
+        </p:spPr>
+      </p:pic>
+      <p:sp>
+        <p:nvSpPr>
+          <p:cNvPr id="2" name="Title 1"/>
+          <p:cNvSpPr>
+            <a:spLocks noGrp="1"/>
+          </p:cNvSpPr>
+          <p:nvPr>
+            <p:ph type="title"/>
+          </p:nvPr>
+        </p:nvSpPr>
+        <p:spPr>
+          <a:xfrm>
+            <a:off x="1370661" y="914399"/>
+            <a:ext cx="15546678" cy="5140868"/>
+          </a:xfrm>
+        </p:spPr>
+        <p:txBody>
+          <a:bodyPr anchor="ctr"/>
+          <a:lstStyle>
+            <a:lvl1pPr algn="ctr">
+              <a:defRPr sz="4800"/>
+            </a:lvl1pPr>
+          </a:lstStyle>
+          <a:p>
+            <a:r>
+              <a:rPr lang="en-US"/>
+              <a:t>Click to edit Master title style</a:t>
+            </a:r>
+            <a:endParaRPr lang="en-US" dirty="0"/>
+          </a:p>
+        </p:txBody>
+      </p:sp>
+      <p:sp>
+        <p:nvSpPr>
+          <p:cNvPr id="4" name="Text Placeholder 3"/>
+          <p:cNvSpPr>
+            <a:spLocks noGrp="1"/>
+          </p:cNvSpPr>
+          <p:nvPr>
+            <p:ph type="body" sz="half" idx="2"/>
+          </p:nvPr>
+        </p:nvSpPr>
+        <p:spPr>
+          <a:xfrm>
+            <a:off x="1370662" y="6307232"/>
+            <a:ext cx="15546678" cy="2379570"/>
+          </a:xfrm>
+        </p:spPr>
+        <p:txBody>
+          <a:bodyPr anchor="ctr"/>
+          <a:lstStyle>
+            <a:lvl1pPr marL="0" indent="0" algn="ctr">
+              <a:buNone/>
+              <a:defRPr sz="2400"/>
+            </a:lvl1pPr>
+            <a:lvl2pPr marL="685800" indent="0">
+              <a:buNone/>
+              <a:defRPr sz="2100"/>
+            </a:lvl2pPr>
+            <a:lvl3pPr marL="1371600" indent="0">
+              <a:buNone/>
+              <a:defRPr sz="1800"/>
+            </a:lvl3pPr>
+            <a:lvl4pPr marL="2057400" indent="0">
+              <a:buNone/>
+              <a:defRPr sz="1500"/>
+            </a:lvl4pPr>
+            <a:lvl5pPr marL="2743200" indent="0">
+              <a:buNone/>
+              <a:defRPr sz="1500"/>
+            </a:lvl5pPr>
+            <a:lvl6pPr marL="3429000" indent="0">
+              <a:buNone/>
+              <a:defRPr sz="1500"/>
+            </a:lvl6pPr>
+            <a:lvl7pPr marL="4114800" indent="0">
+              <a:buNone/>
+              <a:defRPr sz="1500"/>
+            </a:lvl7pPr>
+            <a:lvl8pPr marL="4800600" indent="0">
+              <a:buNone/>
+              <a:defRPr sz="1500"/>
+            </a:lvl8pPr>
+            <a:lvl9pPr marL="5486400" indent="0">
+              <a:buNone/>
+              <a:defRPr sz="1500"/>
+            </a:lvl9pPr>
+          </a:lstStyle>
+          <a:p>
+            <a:pPr lvl="0"/>
+            <a:r>
+              <a:rPr lang="en-US"/>
+              <a:t>Click to edit Master text styles</a:t>
+            </a:r>
+            <a:endParaRPr lang="en-US"/>
+          </a:p>
+        </p:txBody>
+      </p:sp>
+      <p:sp>
+        <p:nvSpPr>
+          <p:cNvPr id="5" name="Date Placeholder 4"/>
+          <p:cNvSpPr>
+            <a:spLocks noGrp="1"/>
+          </p:cNvSpPr>
+          <p:nvPr>
+            <p:ph type="dt" sz="half" idx="10"/>
+          </p:nvPr>
+        </p:nvSpPr>
+        <p:spPr/>
+        <p:txBody>
+          <a:bodyPr/>
+          <a:lstStyle/>
+          <a:p>
+            <a:fld id="{1D8BD707-D9CF-40AE-B4C6-C98DA3205C09}" type="datetimeFigureOut">
+              <a:rPr lang="en-US" smtClean="0"/>
+            </a:fld>
+            <a:endParaRPr lang="en-US"/>
+          </a:p>
+        </p:txBody>
+      </p:sp>
+      <p:sp>
+        <p:nvSpPr>
+          <p:cNvPr id="6" name="Footer Placeholder 5"/>
+          <p:cNvSpPr>
+            <a:spLocks noGrp="1"/>
+          </p:cNvSpPr>
+          <p:nvPr>
+            <p:ph type="ftr" sz="quarter" idx="11"/>
+          </p:nvPr>
+        </p:nvSpPr>
+        <p:spPr/>
+        <p:txBody>
+          <a:bodyPr/>
+          <a:lstStyle/>
+          <a:p>
+            <a:endParaRPr lang="en-US"/>
+          </a:p>
+        </p:txBody>
+      </p:sp>
+      <p:sp>
+        <p:nvSpPr>
+          <p:cNvPr id="7" name="Slide Number Placeholder 6"/>
+          <p:cNvSpPr>
+            <a:spLocks noGrp="1"/>
+          </p:cNvSpPr>
+          <p:nvPr>
+            <p:ph type="sldNum" sz="quarter" idx="12"/>
+          </p:nvPr>
+        </p:nvSpPr>
+        <p:spPr/>
+        <p:txBody>
+          <a:bodyPr/>
+          <a:lstStyle/>
+          <a:p>
+            <a:fld id="{B6F15528-21DE-4FAA-801E-634DDDAF4B2B}" type="slidenum">
+              <a:rPr lang="en-US" smtClean="0"/>
+            </a:fld>
+            <a:endParaRPr lang="en-US"/>
+          </a:p>
+        </p:txBody>
+      </p:sp>
+    </p:spTree>
+  </p:cSld>
+  <p:clrMapOvr>
+    <a:masterClrMapping/>
+  </p:clrMapOvr>
+</p:sldLayout>
+</file>
+
+<file path=ppt/slideLayouts/slideLayout12.xml><?xml version="1.0" encoding="utf-8"?>
+<p:sldLayout xmlns:a="http://schemas.openxmlformats.org/drawingml/2006/main" xmlns:r="http://schemas.openxmlformats.org/officeDocument/2006/relationships" xmlns:p="http://schemas.openxmlformats.org/presentationml/2006/main" preserve="1">
+  <p:cSld name="Quote with Caption">
+    <p:spTree>
+      <p:nvGrpSpPr>
+        <p:cNvPr id="1" name=""/>
+        <p:cNvGrpSpPr/>
+        <p:nvPr/>
+      </p:nvGrpSpPr>
+      <p:grpSpPr>
+        <a:xfrm>
+          <a:off x="0" y="0"/>
+          <a:ext cx="0" cy="0"/>
+          <a:chOff x="0" y="0"/>
+          <a:chExt cx="0" cy="0"/>
+        </a:xfrm>
+      </p:grpSpPr>
+      <p:pic>
+        <p:nvPicPr>
+          <p:cNvPr id="11" name="Picture 10" descr="Droplets-HD-Content-R1d.png"/>
+          <p:cNvPicPr>
+            <a:picLocks noChangeAspect="1"/>
+          </p:cNvPicPr>
+          <p:nvPr/>
+        </p:nvPicPr>
+        <p:blipFill>
+          <a:blip r:embed="rId2">
+            <a:extLst>
+              <a:ext uri="{28A0092B-C50C-407E-A947-70E740481C1C}">
+                <a14:useLocalDpi xmlns:a14="http://schemas.microsoft.com/office/drawing/2010/main" val="0"/>
+              </a:ext>
+            </a:extLst>
+          </a:blip>
+          <a:stretch>
+            <a:fillRect/>
+          </a:stretch>
+        </p:blipFill>
+        <p:spPr>
+          <a:xfrm>
+            <a:off x="0" y="0"/>
+            <a:ext cx="18288000" cy="10287000"/>
+          </a:xfrm>
+          <a:prstGeom prst="rect">
+            <a:avLst/>
+          </a:prstGeom>
+        </p:spPr>
+      </p:pic>
+      <p:sp>
+        <p:nvSpPr>
+          <p:cNvPr id="2" name="Title 1"/>
+          <p:cNvSpPr>
+            <a:spLocks noGrp="1"/>
+          </p:cNvSpPr>
+          <p:nvPr>
+            <p:ph type="title"/>
+          </p:nvPr>
+        </p:nvSpPr>
+        <p:spPr>
+          <a:xfrm>
+            <a:off x="2169318" y="914400"/>
+            <a:ext cx="13954128" cy="4489356"/>
+          </a:xfrm>
+        </p:spPr>
+        <p:txBody>
+          <a:bodyPr anchor="ctr"/>
+          <a:lstStyle>
+            <a:lvl1pPr>
+              <a:defRPr sz="4800"/>
+            </a:lvl1pPr>
+          </a:lstStyle>
+          <a:p>
+            <a:r>
+              <a:rPr lang="en-US"/>
+              <a:t>Click to edit Master title style</a:t>
+            </a:r>
+            <a:endParaRPr lang="en-US" dirty="0"/>
+          </a:p>
+        </p:txBody>
+      </p:sp>
+      <p:sp>
+        <p:nvSpPr>
+          <p:cNvPr id="12" name="Text Placeholder 3"/>
+          <p:cNvSpPr>
+            <a:spLocks noGrp="1"/>
+          </p:cNvSpPr>
+          <p:nvPr>
+            <p:ph type="body" sz="half" idx="13"/>
+          </p:nvPr>
+        </p:nvSpPr>
+        <p:spPr>
+          <a:xfrm>
+            <a:off x="2580966" y="5415048"/>
+            <a:ext cx="13128449" cy="892182"/>
+          </a:xfrm>
+        </p:spPr>
+        <p:txBody>
+          <a:bodyPr anchor="t">
+            <a:normAutofit/>
+          </a:bodyPr>
+          <a:lstStyle>
+            <a:lvl1pPr marL="0" indent="0">
+              <a:buNone/>
+              <a:defRPr sz="2100"/>
+            </a:lvl1pPr>
+            <a:lvl2pPr marL="685800" indent="0">
+              <a:buNone/>
+              <a:defRPr sz="2100"/>
+            </a:lvl2pPr>
+            <a:lvl3pPr marL="1371600" indent="0">
+              <a:buNone/>
+              <a:defRPr sz="1800"/>
+            </a:lvl3pPr>
+            <a:lvl4pPr marL="2057400" indent="0">
+              <a:buNone/>
+              <a:defRPr sz="1500"/>
+            </a:lvl4pPr>
+            <a:lvl5pPr marL="2743200" indent="0">
+              <a:buNone/>
+              <a:defRPr sz="1500"/>
+            </a:lvl5pPr>
+            <a:lvl6pPr marL="3429000" indent="0">
+              <a:buNone/>
+              <a:defRPr sz="1500"/>
+            </a:lvl6pPr>
+            <a:lvl7pPr marL="4114800" indent="0">
+              <a:buNone/>
+              <a:defRPr sz="1500"/>
+            </a:lvl7pPr>
+            <a:lvl8pPr marL="4800600" indent="0">
+              <a:buNone/>
+              <a:defRPr sz="1500"/>
+            </a:lvl8pPr>
+            <a:lvl9pPr marL="5486400" indent="0">
+              <a:buNone/>
+              <a:defRPr sz="1500"/>
+            </a:lvl9pPr>
+          </a:lstStyle>
+          <a:p>
+            <a:pPr lvl="0"/>
+            <a:r>
+              <a:rPr lang="en-US"/>
+              <a:t>Click to edit Master text styles</a:t>
+            </a:r>
+            <a:endParaRPr lang="en-US"/>
+          </a:p>
+        </p:txBody>
+      </p:sp>
+      <p:sp>
+        <p:nvSpPr>
+          <p:cNvPr id="4" name="Text Placeholder 3"/>
+          <p:cNvSpPr>
+            <a:spLocks noGrp="1"/>
+          </p:cNvSpPr>
+          <p:nvPr>
+            <p:ph type="body" sz="half" idx="2"/>
+          </p:nvPr>
+        </p:nvSpPr>
+        <p:spPr>
+          <a:xfrm>
+            <a:off x="1370661" y="6559195"/>
+            <a:ext cx="15546678" cy="2131580"/>
+          </a:xfrm>
+        </p:spPr>
+        <p:txBody>
+          <a:bodyPr anchor="ctr">
+            <a:normAutofit/>
+          </a:bodyPr>
+          <a:lstStyle>
+            <a:lvl1pPr marL="0" indent="0" algn="ctr">
+              <a:buNone/>
+              <a:defRPr sz="2400"/>
+            </a:lvl1pPr>
+            <a:lvl2pPr marL="685800" indent="0">
+              <a:buNone/>
+              <a:defRPr sz="2100"/>
+            </a:lvl2pPr>
+            <a:lvl3pPr marL="1371600" indent="0">
+              <a:buNone/>
+              <a:defRPr sz="1800"/>
+            </a:lvl3pPr>
+            <a:lvl4pPr marL="2057400" indent="0">
+              <a:buNone/>
+              <a:defRPr sz="1500"/>
+            </a:lvl4pPr>
+            <a:lvl5pPr marL="2743200" indent="0">
+              <a:buNone/>
+              <a:defRPr sz="1500"/>
+            </a:lvl5pPr>
+            <a:lvl6pPr marL="3429000" indent="0">
+              <a:buNone/>
+              <a:defRPr sz="1500"/>
+            </a:lvl6pPr>
+            <a:lvl7pPr marL="4114800" indent="0">
+              <a:buNone/>
+              <a:defRPr sz="1500"/>
+            </a:lvl7pPr>
+            <a:lvl8pPr marL="4800600" indent="0">
+              <a:buNone/>
+              <a:defRPr sz="1500"/>
+            </a:lvl8pPr>
+            <a:lvl9pPr marL="5486400" indent="0">
+              <a:buNone/>
+              <a:defRPr sz="1500"/>
+            </a:lvl9pPr>
+          </a:lstStyle>
+          <a:p>
+            <a:pPr lvl="0"/>
+            <a:r>
+              <a:rPr lang="en-US"/>
+              <a:t>Click to edit Master text styles</a:t>
+            </a:r>
+            <a:endParaRPr lang="en-US"/>
+          </a:p>
+        </p:txBody>
+      </p:sp>
+      <p:sp>
+        <p:nvSpPr>
+          <p:cNvPr id="5" name="Date Placeholder 4"/>
+          <p:cNvSpPr>
+            <a:spLocks noGrp="1"/>
+          </p:cNvSpPr>
+          <p:nvPr>
+            <p:ph type="dt" sz="half" idx="10"/>
+          </p:nvPr>
+        </p:nvSpPr>
+        <p:spPr/>
+        <p:txBody>
+          <a:bodyPr/>
+          <a:lstStyle/>
+          <a:p>
+            <a:fld id="{1D8BD707-D9CF-40AE-B4C6-C98DA3205C09}" type="datetimeFigureOut">
+              <a:rPr lang="en-US" smtClean="0"/>
+            </a:fld>
+            <a:endParaRPr lang="en-US"/>
+          </a:p>
+        </p:txBody>
+      </p:sp>
+      <p:sp>
+        <p:nvSpPr>
+          <p:cNvPr id="6" name="Footer Placeholder 5"/>
+          <p:cNvSpPr>
+            <a:spLocks noGrp="1"/>
+          </p:cNvSpPr>
+          <p:nvPr>
+            <p:ph type="ftr" sz="quarter" idx="11"/>
+          </p:nvPr>
+        </p:nvSpPr>
+        <p:spPr/>
+        <p:txBody>
+          <a:bodyPr/>
+          <a:lstStyle/>
+          <a:p>
+            <a:endParaRPr lang="en-US"/>
+          </a:p>
+        </p:txBody>
+      </p:sp>
+      <p:sp>
+        <p:nvSpPr>
+          <p:cNvPr id="7" name="Slide Number Placeholder 6"/>
+          <p:cNvSpPr>
+            <a:spLocks noGrp="1"/>
+          </p:cNvSpPr>
+          <p:nvPr>
+            <p:ph type="sldNum" sz="quarter" idx="12"/>
+          </p:nvPr>
+        </p:nvSpPr>
+        <p:spPr/>
+        <p:txBody>
+          <a:bodyPr/>
+          <a:lstStyle/>
+          <a:p>
+            <a:fld id="{B6F15528-21DE-4FAA-801E-634DDDAF4B2B}" type="slidenum">
+              <a:rPr lang="en-US" smtClean="0"/>
+            </a:fld>
+            <a:endParaRPr lang="en-US"/>
+          </a:p>
+        </p:txBody>
+      </p:sp>
+      <p:sp>
+        <p:nvSpPr>
+          <p:cNvPr id="13" name="TextBox 12"/>
+          <p:cNvSpPr txBox="1"/>
+          <p:nvPr/>
+        </p:nvSpPr>
+        <p:spPr>
+          <a:xfrm>
+            <a:off x="1502232" y="1131249"/>
+            <a:ext cx="914400" cy="877164"/>
+          </a:xfrm>
+          <a:prstGeom prst="rect">
+            <a:avLst/>
+          </a:prstGeom>
+        </p:spPr>
+        <p:txBody>
+          <a:bodyPr vert="horz" lIns="137160" tIns="68580" rIns="137160" bIns="68580" rtlCol="0" anchor="ctr">
+            <a:noAutofit/>
+          </a:bodyPr>
+          <a:lstStyle>
+            <a:lvl1pPr>
+              <a:spcBef>
+                <a:spcPct val="0"/>
+              </a:spcBef>
+              <a:buNone/>
+              <a:defRPr sz="3200" b="0" cap="all">
+                <a:ln w="3175" cmpd="sng">
+                  <a:noFill/>
+                </a:ln>
+                <a:effectLst>
+                  <a:glow rad="38100">
+                    <a:schemeClr val="bg1">
+                      <a:lumMod val="65000"/>
+                      <a:lumOff val="35000"/>
+                      <a:alpha val="40000"/>
+                    </a:schemeClr>
+                  </a:glow>
+                  <a:outerShdw blurRad="28575" dist="38100" dir="14040000" algn="tl" rotWithShape="0">
+                    <a:srgbClr val="000000">
+                      <a:alpha val="25000"/>
+                    </a:srgbClr>
+                  </a:outerShdw>
+                </a:effectLst>
+              </a:defRPr>
+            </a:lvl1pPr>
+            <a:lvl2pPr>
+              <a:defRPr>
+                <a:solidFill>
+                  <a:schemeClr val="tx2"/>
+                </a:solidFill>
+              </a:defRPr>
+            </a:lvl2pPr>
+            <a:lvl3pPr>
+              <a:defRPr>
+                <a:solidFill>
+                  <a:schemeClr val="tx2"/>
+                </a:solidFill>
+              </a:defRPr>
+            </a:lvl3pPr>
+            <a:lvl4pPr>
+              <a:defRPr>
+                <a:solidFill>
+                  <a:schemeClr val="tx2"/>
+                </a:solidFill>
+              </a:defRPr>
+            </a:lvl4pPr>
+            <a:lvl5pPr>
+              <a:defRPr>
+                <a:solidFill>
+                  <a:schemeClr val="tx2"/>
+                </a:solidFill>
+              </a:defRPr>
+            </a:lvl5pPr>
+            <a:lvl6pPr>
+              <a:defRPr>
+                <a:solidFill>
+                  <a:schemeClr val="tx2"/>
+                </a:solidFill>
+              </a:defRPr>
+            </a:lvl6pPr>
+            <a:lvl7pPr>
+              <a:defRPr>
+                <a:solidFill>
+                  <a:schemeClr val="tx2"/>
+                </a:solidFill>
+              </a:defRPr>
+            </a:lvl7pPr>
+            <a:lvl8pPr>
+              <a:defRPr>
+                <a:solidFill>
+                  <a:schemeClr val="tx2"/>
+                </a:solidFill>
+              </a:defRPr>
+            </a:lvl8pPr>
+            <a:lvl9pPr>
+              <a:defRPr>
+                <a:solidFill>
+                  <a:schemeClr val="tx2"/>
+                </a:solidFill>
+              </a:defRPr>
+            </a:lvl9pPr>
+          </a:lstStyle>
+          <a:p>
+            <a:pPr lvl="0"/>
+            <a:r>
+              <a:rPr lang="en-US" sz="12000" dirty="0">
+                <a:solidFill>
+                  <a:schemeClr val="tx1"/>
+                </a:solidFill>
+                <a:effectLst/>
+              </a:rPr>
+              <a:t>“</a:t>
+            </a:r>
+            <a:endParaRPr lang="en-US" sz="12000" dirty="0">
+              <a:solidFill>
+                <a:schemeClr val="tx1"/>
+              </a:solidFill>
+              <a:effectLst/>
+            </a:endParaRPr>
+          </a:p>
+        </p:txBody>
+      </p:sp>
+      <p:sp>
+        <p:nvSpPr>
+          <p:cNvPr id="14" name="TextBox 13"/>
+          <p:cNvSpPr txBox="1"/>
+          <p:nvPr/>
+        </p:nvSpPr>
+        <p:spPr>
+          <a:xfrm>
+            <a:off x="15836337" y="4490367"/>
+            <a:ext cx="914400" cy="877164"/>
+          </a:xfrm>
+          <a:prstGeom prst="rect">
+            <a:avLst/>
+          </a:prstGeom>
+        </p:spPr>
+        <p:txBody>
+          <a:bodyPr vert="horz" lIns="137160" tIns="68580" rIns="137160" bIns="68580" rtlCol="0" anchor="ctr">
+            <a:noAutofit/>
+          </a:bodyPr>
+          <a:lstStyle>
+            <a:lvl1pPr>
+              <a:spcBef>
+                <a:spcPct val="0"/>
+              </a:spcBef>
+              <a:buNone/>
+              <a:defRPr sz="3200" b="0" cap="all">
+                <a:ln w="3175" cmpd="sng">
+                  <a:noFill/>
+                </a:ln>
+                <a:effectLst>
+                  <a:glow rad="38100">
+                    <a:schemeClr val="bg1">
+                      <a:lumMod val="65000"/>
+                      <a:lumOff val="35000"/>
+                      <a:alpha val="40000"/>
+                    </a:schemeClr>
+                  </a:glow>
+                  <a:outerShdw blurRad="28575" dist="38100" dir="14040000" algn="tl" rotWithShape="0">
+                    <a:srgbClr val="000000">
+                      <a:alpha val="25000"/>
+                    </a:srgbClr>
+                  </a:outerShdw>
+                </a:effectLst>
+              </a:defRPr>
+            </a:lvl1pPr>
+            <a:lvl2pPr>
+              <a:defRPr>
+                <a:solidFill>
+                  <a:schemeClr val="tx2"/>
+                </a:solidFill>
+              </a:defRPr>
+            </a:lvl2pPr>
+            <a:lvl3pPr>
+              <a:defRPr>
+                <a:solidFill>
+                  <a:schemeClr val="tx2"/>
+                </a:solidFill>
+              </a:defRPr>
+            </a:lvl3pPr>
+            <a:lvl4pPr>
+              <a:defRPr>
+                <a:solidFill>
+                  <a:schemeClr val="tx2"/>
+                </a:solidFill>
+              </a:defRPr>
+            </a:lvl4pPr>
+            <a:lvl5pPr>
+              <a:defRPr>
+                <a:solidFill>
+                  <a:schemeClr val="tx2"/>
+                </a:solidFill>
+              </a:defRPr>
+            </a:lvl5pPr>
+            <a:lvl6pPr>
+              <a:defRPr>
+                <a:solidFill>
+                  <a:schemeClr val="tx2"/>
+                </a:solidFill>
+              </a:defRPr>
+            </a:lvl6pPr>
+            <a:lvl7pPr>
+              <a:defRPr>
+                <a:solidFill>
+                  <a:schemeClr val="tx2"/>
+                </a:solidFill>
+              </a:defRPr>
+            </a:lvl7pPr>
+            <a:lvl8pPr>
+              <a:defRPr>
+                <a:solidFill>
+                  <a:schemeClr val="tx2"/>
+                </a:solidFill>
+              </a:defRPr>
+            </a:lvl8pPr>
+            <a:lvl9pPr>
+              <a:defRPr>
+                <a:solidFill>
+                  <a:schemeClr val="tx2"/>
+                </a:solidFill>
+              </a:defRPr>
+            </a:lvl9pPr>
+          </a:lstStyle>
+          <a:p>
+            <a:pPr lvl="0" algn="r"/>
+            <a:r>
+              <a:rPr lang="en-US" sz="12000" dirty="0">
+                <a:solidFill>
+                  <a:schemeClr val="tx1"/>
+                </a:solidFill>
+                <a:effectLst/>
+              </a:rPr>
+              <a:t>”</a:t>
+            </a:r>
+            <a:endParaRPr lang="en-US" sz="12000" dirty="0">
+              <a:solidFill>
+                <a:schemeClr val="tx1"/>
+              </a:solidFill>
+              <a:effectLst/>
+            </a:endParaRPr>
+          </a:p>
+        </p:txBody>
+      </p:sp>
+    </p:spTree>
+  </p:cSld>
+  <p:clrMapOvr>
+    <a:masterClrMapping/>
+  </p:clrMapOvr>
+</p:sldLayout>
+</file>
+
+<file path=ppt/slideLayouts/slideLayout13.xml><?xml version="1.0" encoding="utf-8"?>
+<p:sldLayout xmlns:a="http://schemas.openxmlformats.org/drawingml/2006/main" xmlns:r="http://schemas.openxmlformats.org/officeDocument/2006/relationships" xmlns:p="http://schemas.openxmlformats.org/presentationml/2006/main" preserve="1">
+  <p:cSld name="Name Card">
+    <p:spTree>
+      <p:nvGrpSpPr>
+        <p:cNvPr id="1" name=""/>
+        <p:cNvGrpSpPr/>
+        <p:nvPr/>
+      </p:nvGrpSpPr>
+      <p:grpSpPr>
+        <a:xfrm>
+          <a:off x="0" y="0"/>
+          <a:ext cx="0" cy="0"/>
+          <a:chOff x="0" y="0"/>
+          <a:chExt cx="0" cy="0"/>
+        </a:xfrm>
+      </p:grpSpPr>
+      <p:pic>
+        <p:nvPicPr>
+          <p:cNvPr id="8" name="Picture 7" descr="Droplets-HD-Content-R1d.png"/>
+          <p:cNvPicPr>
+            <a:picLocks noChangeAspect="1"/>
+          </p:cNvPicPr>
+          <p:nvPr/>
+        </p:nvPicPr>
+        <p:blipFill>
+          <a:blip r:embed="rId2">
+            <a:extLst>
+              <a:ext uri="{28A0092B-C50C-407E-A947-70E740481C1C}">
+                <a14:useLocalDpi xmlns:a14="http://schemas.microsoft.com/office/drawing/2010/main" val="0"/>
+              </a:ext>
+            </a:extLst>
+          </a:blip>
+          <a:stretch>
+            <a:fillRect/>
+          </a:stretch>
+        </p:blipFill>
+        <p:spPr>
+          <a:xfrm>
+            <a:off x="0" y="0"/>
+            <a:ext cx="18288000" cy="10287000"/>
+          </a:xfrm>
+          <a:prstGeom prst="rect">
+            <a:avLst/>
+          </a:prstGeom>
+        </p:spPr>
+      </p:pic>
+      <p:sp>
+        <p:nvSpPr>
+          <p:cNvPr id="2" name="Title 1"/>
+          <p:cNvSpPr>
+            <a:spLocks noGrp="1"/>
+          </p:cNvSpPr>
+          <p:nvPr>
+            <p:ph type="title"/>
+          </p:nvPr>
+        </p:nvSpPr>
+        <p:spPr>
+          <a:xfrm>
+            <a:off x="1370662" y="3208082"/>
+            <a:ext cx="15546678" cy="3767753"/>
+          </a:xfrm>
+        </p:spPr>
+        <p:txBody>
+          <a:bodyPr anchor="b"/>
+          <a:lstStyle>
+            <a:lvl1pPr algn="ctr">
+              <a:defRPr sz="4800"/>
+            </a:lvl1pPr>
+          </a:lstStyle>
+          <a:p>
+            <a:r>
+              <a:rPr lang="en-US"/>
+              <a:t>Click to edit Master title style</a:t>
+            </a:r>
+            <a:endParaRPr lang="en-US" dirty="0"/>
+          </a:p>
+        </p:txBody>
+      </p:sp>
+      <p:sp>
+        <p:nvSpPr>
+          <p:cNvPr id="4" name="Text Placeholder 3"/>
+          <p:cNvSpPr>
+            <a:spLocks noGrp="1"/>
+          </p:cNvSpPr>
+          <p:nvPr>
+            <p:ph type="body" sz="half" idx="2"/>
+          </p:nvPr>
+        </p:nvSpPr>
+        <p:spPr>
+          <a:xfrm>
+            <a:off x="1370662" y="6993503"/>
+            <a:ext cx="15546678" cy="1710966"/>
+          </a:xfrm>
+        </p:spPr>
+        <p:txBody>
+          <a:bodyPr anchor="t"/>
+          <a:lstStyle>
+            <a:lvl1pPr marL="0" indent="0" algn="ctr">
+              <a:buNone/>
+              <a:defRPr sz="2400"/>
+            </a:lvl1pPr>
+            <a:lvl2pPr marL="685800" indent="0">
+              <a:buNone/>
+              <a:defRPr sz="2100"/>
+            </a:lvl2pPr>
+            <a:lvl3pPr marL="1371600" indent="0">
+              <a:buNone/>
+              <a:defRPr sz="1800"/>
+            </a:lvl3pPr>
+            <a:lvl4pPr marL="2057400" indent="0">
+              <a:buNone/>
+              <a:defRPr sz="1500"/>
+            </a:lvl4pPr>
+            <a:lvl5pPr marL="2743200" indent="0">
+              <a:buNone/>
+              <a:defRPr sz="1500"/>
+            </a:lvl5pPr>
+            <a:lvl6pPr marL="3429000" indent="0">
+              <a:buNone/>
+              <a:defRPr sz="1500"/>
+            </a:lvl6pPr>
+            <a:lvl7pPr marL="4114800" indent="0">
+              <a:buNone/>
+              <a:defRPr sz="1500"/>
+            </a:lvl7pPr>
+            <a:lvl8pPr marL="4800600" indent="0">
+              <a:buNone/>
+              <a:defRPr sz="1500"/>
+            </a:lvl8pPr>
+            <a:lvl9pPr marL="5486400" indent="0">
+              <a:buNone/>
+              <a:defRPr sz="1500"/>
+            </a:lvl9pPr>
+          </a:lstStyle>
+          <a:p>
+            <a:pPr lvl="0"/>
+            <a:r>
+              <a:rPr lang="en-US"/>
+              <a:t>Click to edit Master text styles</a:t>
+            </a:r>
+            <a:endParaRPr lang="en-US"/>
+          </a:p>
+        </p:txBody>
+      </p:sp>
+      <p:sp>
+        <p:nvSpPr>
+          <p:cNvPr id="5" name="Date Placeholder 4"/>
+          <p:cNvSpPr>
+            <a:spLocks noGrp="1"/>
+          </p:cNvSpPr>
+          <p:nvPr>
+            <p:ph type="dt" sz="half" idx="10"/>
+          </p:nvPr>
+        </p:nvSpPr>
+        <p:spPr/>
+        <p:txBody>
+          <a:bodyPr/>
+          <a:lstStyle/>
+          <a:p>
+            <a:fld id="{1D8BD707-D9CF-40AE-B4C6-C98DA3205C09}" type="datetimeFigureOut">
+              <a:rPr lang="en-US" smtClean="0"/>
+            </a:fld>
+            <a:endParaRPr lang="en-US"/>
+          </a:p>
+        </p:txBody>
+      </p:sp>
+      <p:sp>
+        <p:nvSpPr>
+          <p:cNvPr id="6" name="Footer Placeholder 5"/>
+          <p:cNvSpPr>
+            <a:spLocks noGrp="1"/>
+          </p:cNvSpPr>
+          <p:nvPr>
+            <p:ph type="ftr" sz="quarter" idx="11"/>
+          </p:nvPr>
+        </p:nvSpPr>
+        <p:spPr/>
+        <p:txBody>
+          <a:bodyPr/>
+          <a:lstStyle/>
+          <a:p>
+            <a:endParaRPr lang="en-US"/>
+          </a:p>
+        </p:txBody>
+      </p:sp>
+      <p:sp>
+        <p:nvSpPr>
+          <p:cNvPr id="7" name="Slide Number Placeholder 6"/>
+          <p:cNvSpPr>
+            <a:spLocks noGrp="1"/>
+          </p:cNvSpPr>
+          <p:nvPr>
+            <p:ph type="sldNum" sz="quarter" idx="12"/>
+          </p:nvPr>
+        </p:nvSpPr>
+        <p:spPr/>
+        <p:txBody>
+          <a:bodyPr/>
+          <a:lstStyle/>
+          <a:p>
+            <a:fld id="{B6F15528-21DE-4FAA-801E-634DDDAF4B2B}" type="slidenum">
+              <a:rPr lang="en-US" smtClean="0"/>
+            </a:fld>
+            <a:endParaRPr lang="en-US"/>
+          </a:p>
+        </p:txBody>
+      </p:sp>
+    </p:spTree>
+  </p:cSld>
+  <p:clrMapOvr>
+    <a:masterClrMapping/>
+  </p:clrMapOvr>
+</p:sldLayout>
+</file>
+
+<file path=ppt/slideLayouts/slideLayout14.xml><?xml version="1.0" encoding="utf-8"?>
+<p:sldLayout xmlns:a="http://schemas.openxmlformats.org/drawingml/2006/main" xmlns:r="http://schemas.openxmlformats.org/officeDocument/2006/relationships" xmlns:p="http://schemas.openxmlformats.org/presentationml/2006/main" preserve="1">
+  <p:cSld name="3 Column">
+    <p:spTree>
+      <p:nvGrpSpPr>
+        <p:cNvPr id="1" name=""/>
+        <p:cNvGrpSpPr/>
+        <p:nvPr/>
+      </p:nvGrpSpPr>
+      <p:grpSpPr>
+        <a:xfrm>
+          <a:off x="0" y="0"/>
+          <a:ext cx="0" cy="0"/>
+          <a:chOff x="0" y="0"/>
+          <a:chExt cx="0" cy="0"/>
+        </a:xfrm>
+      </p:grpSpPr>
+      <p:pic>
+        <p:nvPicPr>
+          <p:cNvPr id="13" name="Picture 12" descr="Droplets-HD-Content-R1d.png"/>
+          <p:cNvPicPr>
+            <a:picLocks noChangeAspect="1"/>
+          </p:cNvPicPr>
+          <p:nvPr/>
+        </p:nvPicPr>
+        <p:blipFill>
+          <a:blip r:embed="rId2">
+            <a:extLst>
+              <a:ext uri="{28A0092B-C50C-407E-A947-70E740481C1C}">
+                <a14:useLocalDpi xmlns:a14="http://schemas.microsoft.com/office/drawing/2010/main" val="0"/>
+              </a:ext>
+            </a:extLst>
+          </a:blip>
+          <a:stretch>
+            <a:fillRect/>
+          </a:stretch>
+        </p:blipFill>
+        <p:spPr>
+          <a:xfrm>
+            <a:off x="0" y="0"/>
+            <a:ext cx="18288000" cy="10287000"/>
+          </a:xfrm>
+          <a:prstGeom prst="rect">
+            <a:avLst/>
+          </a:prstGeom>
+        </p:spPr>
+      </p:pic>
+      <p:sp>
+        <p:nvSpPr>
+          <p:cNvPr id="15" name="Title 1"/>
+          <p:cNvSpPr>
+            <a:spLocks noGrp="1"/>
+          </p:cNvSpPr>
+          <p:nvPr>
+            <p:ph type="title"/>
+          </p:nvPr>
+        </p:nvSpPr>
+        <p:spPr>
+          <a:xfrm>
+            <a:off x="1370661" y="914400"/>
+            <a:ext cx="15546678" cy="2407641"/>
+          </a:xfrm>
+        </p:spPr>
+        <p:txBody>
+          <a:bodyPr/>
+          <a:lstStyle/>
+          <a:p>
+            <a:r>
+              <a:rPr lang="en-US"/>
+              <a:t>Click to edit Master title style</a:t>
+            </a:r>
+            <a:endParaRPr lang="en-US" dirty="0"/>
+          </a:p>
+        </p:txBody>
+      </p:sp>
+      <p:sp>
+        <p:nvSpPr>
+          <p:cNvPr id="7" name="Text Placeholder 2"/>
+          <p:cNvSpPr>
+            <a:spLocks noGrp="1"/>
+          </p:cNvSpPr>
+          <p:nvPr>
+            <p:ph type="body" idx="1"/>
+          </p:nvPr>
+        </p:nvSpPr>
+        <p:spPr>
+          <a:xfrm>
+            <a:off x="1370661" y="3550640"/>
+            <a:ext cx="4948464" cy="864393"/>
+          </a:xfrm>
+        </p:spPr>
+        <p:txBody>
+          <a:bodyPr anchor="b">
+            <a:noAutofit/>
+          </a:bodyPr>
+          <a:lstStyle>
+            <a:lvl1pPr marL="0" indent="0" algn="ctr">
+              <a:lnSpc>
+                <a:spcPct val="85000"/>
+              </a:lnSpc>
+              <a:buNone/>
+              <a:defRPr sz="3600" b="0">
+                <a:solidFill>
+                  <a:schemeClr val="tx1"/>
+                </a:solidFill>
+              </a:defRPr>
+            </a:lvl1pPr>
+            <a:lvl2pPr marL="685800" indent="0">
+              <a:buNone/>
+              <a:defRPr sz="3000" b="1"/>
+            </a:lvl2pPr>
+            <a:lvl3pPr marL="1371600" indent="0">
+              <a:buNone/>
+              <a:defRPr sz="2700" b="1"/>
+            </a:lvl3pPr>
+            <a:lvl4pPr marL="2057400" indent="0">
+              <a:buNone/>
+              <a:defRPr sz="2400" b="1"/>
+            </a:lvl4pPr>
+            <a:lvl5pPr marL="2743200" indent="0">
+              <a:buNone/>
+              <a:defRPr sz="2400" b="1"/>
+            </a:lvl5pPr>
+            <a:lvl6pPr marL="3429000" indent="0">
+              <a:buNone/>
+              <a:defRPr sz="2400" b="1"/>
+            </a:lvl6pPr>
+            <a:lvl7pPr marL="4114800" indent="0">
+              <a:buNone/>
+              <a:defRPr sz="2400" b="1"/>
+            </a:lvl7pPr>
+            <a:lvl8pPr marL="4800600" indent="0">
+              <a:buNone/>
+              <a:defRPr sz="2400" b="1"/>
+            </a:lvl8pPr>
+            <a:lvl9pPr marL="5486400" indent="0">
+              <a:buNone/>
+              <a:defRPr sz="2400" b="1"/>
+            </a:lvl9pPr>
+          </a:lstStyle>
+          <a:p>
+            <a:pPr lvl="0"/>
+            <a:r>
+              <a:rPr lang="en-US"/>
+              <a:t>Click to edit Master text styles</a:t>
+            </a:r>
+            <a:endParaRPr lang="en-US"/>
+          </a:p>
+        </p:txBody>
+      </p:sp>
+      <p:sp>
+        <p:nvSpPr>
+          <p:cNvPr id="8" name="Text Placeholder 3"/>
+          <p:cNvSpPr>
+            <a:spLocks noGrp="1"/>
+          </p:cNvSpPr>
+          <p:nvPr>
+            <p:ph type="body" sz="half" idx="15"/>
+          </p:nvPr>
+        </p:nvSpPr>
+        <p:spPr>
+          <a:xfrm>
+            <a:off x="1370661" y="4415033"/>
+            <a:ext cx="4948464" cy="4271768"/>
+          </a:xfrm>
+        </p:spPr>
+        <p:txBody>
+          <a:bodyPr anchor="t">
+            <a:normAutofit/>
+          </a:bodyPr>
+          <a:lstStyle>
+            <a:lvl1pPr marL="0" indent="0" algn="ctr">
+              <a:buNone/>
+              <a:defRPr sz="2100"/>
+            </a:lvl1pPr>
+            <a:lvl2pPr marL="685800" indent="0">
+              <a:buNone/>
+              <a:defRPr sz="1800"/>
+            </a:lvl2pPr>
+            <a:lvl3pPr marL="1371600" indent="0">
+              <a:buNone/>
+              <a:defRPr sz="1500"/>
+            </a:lvl3pPr>
+            <a:lvl4pPr marL="2057400" indent="0">
+              <a:buNone/>
+              <a:defRPr sz="1350"/>
+            </a:lvl4pPr>
+            <a:lvl5pPr marL="2743200" indent="0">
+              <a:buNone/>
+              <a:defRPr sz="1350"/>
+            </a:lvl5pPr>
+            <a:lvl6pPr marL="3429000" indent="0">
+              <a:buNone/>
+              <a:defRPr sz="1350"/>
+            </a:lvl6pPr>
+            <a:lvl7pPr marL="4114800" indent="0">
+              <a:buNone/>
+              <a:defRPr sz="1350"/>
+            </a:lvl7pPr>
+            <a:lvl8pPr marL="4800600" indent="0">
+              <a:buNone/>
+              <a:defRPr sz="1350"/>
+            </a:lvl8pPr>
+            <a:lvl9pPr marL="5486400" indent="0">
+              <a:buNone/>
+              <a:defRPr sz="1350"/>
+            </a:lvl9pPr>
+          </a:lstStyle>
+          <a:p>
+            <a:pPr lvl="0"/>
+            <a:r>
+              <a:rPr lang="en-US"/>
+              <a:t>Click to edit Master text styles</a:t>
+            </a:r>
+            <a:endParaRPr lang="en-US"/>
+          </a:p>
+        </p:txBody>
+      </p:sp>
+      <p:sp>
+        <p:nvSpPr>
+          <p:cNvPr id="9" name="Text Placeholder 4"/>
+          <p:cNvSpPr>
+            <a:spLocks noGrp="1"/>
+          </p:cNvSpPr>
+          <p:nvPr>
+            <p:ph type="body" sz="quarter" idx="3"/>
+          </p:nvPr>
+        </p:nvSpPr>
+        <p:spPr>
+          <a:xfrm>
+            <a:off x="6678584" y="3550640"/>
+            <a:ext cx="4937282" cy="864393"/>
+          </a:xfrm>
+        </p:spPr>
+        <p:txBody>
+          <a:bodyPr anchor="b">
+            <a:noAutofit/>
+          </a:bodyPr>
+          <a:lstStyle>
+            <a:lvl1pPr marL="0" indent="0" algn="ctr">
+              <a:lnSpc>
+                <a:spcPct val="85000"/>
+              </a:lnSpc>
+              <a:buNone/>
+              <a:defRPr sz="3600" b="0">
+                <a:solidFill>
+                  <a:schemeClr val="tx1"/>
+                </a:solidFill>
+              </a:defRPr>
+            </a:lvl1pPr>
+            <a:lvl2pPr marL="685800" indent="0">
+              <a:buNone/>
+              <a:defRPr sz="3000" b="1"/>
+            </a:lvl2pPr>
+            <a:lvl3pPr marL="1371600" indent="0">
+              <a:buNone/>
+              <a:defRPr sz="2700" b="1"/>
+            </a:lvl3pPr>
+            <a:lvl4pPr marL="2057400" indent="0">
+              <a:buNone/>
+              <a:defRPr sz="2400" b="1"/>
+            </a:lvl4pPr>
+            <a:lvl5pPr marL="2743200" indent="0">
+              <a:buNone/>
+              <a:defRPr sz="2400" b="1"/>
+            </a:lvl5pPr>
+            <a:lvl6pPr marL="3429000" indent="0">
+              <a:buNone/>
+              <a:defRPr sz="2400" b="1"/>
+            </a:lvl6pPr>
+            <a:lvl7pPr marL="4114800" indent="0">
+              <a:buNone/>
+              <a:defRPr sz="2400" b="1"/>
+            </a:lvl7pPr>
+            <a:lvl8pPr marL="4800600" indent="0">
+              <a:buNone/>
+              <a:defRPr sz="2400" b="1"/>
+            </a:lvl8pPr>
+            <a:lvl9pPr marL="5486400" indent="0">
+              <a:buNone/>
+              <a:defRPr sz="2400" b="1"/>
+            </a:lvl9pPr>
+          </a:lstStyle>
+          <a:p>
+            <a:pPr lvl="0"/>
+            <a:r>
+              <a:rPr lang="en-US"/>
+              <a:t>Click to edit Master text styles</a:t>
+            </a:r>
+            <a:endParaRPr lang="en-US"/>
+          </a:p>
+        </p:txBody>
+      </p:sp>
+      <p:sp>
+        <p:nvSpPr>
+          <p:cNvPr id="10" name="Text Placeholder 3"/>
+          <p:cNvSpPr>
+            <a:spLocks noGrp="1"/>
+          </p:cNvSpPr>
+          <p:nvPr>
+            <p:ph type="body" sz="half" idx="16"/>
+          </p:nvPr>
+        </p:nvSpPr>
+        <p:spPr>
+          <a:xfrm>
+            <a:off x="6662023" y="4415033"/>
+            <a:ext cx="4955027" cy="4271768"/>
+          </a:xfrm>
+        </p:spPr>
+        <p:txBody>
+          <a:bodyPr anchor="t">
+            <a:normAutofit/>
+          </a:bodyPr>
+          <a:lstStyle>
+            <a:lvl1pPr marL="0" indent="0" algn="ctr">
+              <a:buNone/>
+              <a:defRPr sz="2100"/>
+            </a:lvl1pPr>
+            <a:lvl2pPr marL="685800" indent="0">
+              <a:buNone/>
+              <a:defRPr sz="1800"/>
+            </a:lvl2pPr>
+            <a:lvl3pPr marL="1371600" indent="0">
+              <a:buNone/>
+              <a:defRPr sz="1500"/>
+            </a:lvl3pPr>
+            <a:lvl4pPr marL="2057400" indent="0">
+              <a:buNone/>
+              <a:defRPr sz="1350"/>
+            </a:lvl4pPr>
+            <a:lvl5pPr marL="2743200" indent="0">
+              <a:buNone/>
+              <a:defRPr sz="1350"/>
+            </a:lvl5pPr>
+            <a:lvl6pPr marL="3429000" indent="0">
+              <a:buNone/>
+              <a:defRPr sz="1350"/>
+            </a:lvl6pPr>
+            <a:lvl7pPr marL="4114800" indent="0">
+              <a:buNone/>
+              <a:defRPr sz="1350"/>
+            </a:lvl7pPr>
+            <a:lvl8pPr marL="4800600" indent="0">
+              <a:buNone/>
+              <a:defRPr sz="1350"/>
+            </a:lvl8pPr>
+            <a:lvl9pPr marL="5486400" indent="0">
+              <a:buNone/>
+              <a:defRPr sz="1350"/>
+            </a:lvl9pPr>
+          </a:lstStyle>
+          <a:p>
+            <a:pPr lvl="0"/>
+            <a:r>
+              <a:rPr lang="en-US"/>
+              <a:t>Click to edit Master text styles</a:t>
+            </a:r>
+            <a:endParaRPr lang="en-US"/>
+          </a:p>
+        </p:txBody>
+      </p:sp>
+      <p:sp>
+        <p:nvSpPr>
+          <p:cNvPr id="11" name="Text Placeholder 4"/>
+          <p:cNvSpPr>
+            <a:spLocks noGrp="1"/>
+          </p:cNvSpPr>
+          <p:nvPr>
+            <p:ph type="body" sz="quarter" idx="13"/>
+          </p:nvPr>
+        </p:nvSpPr>
+        <p:spPr>
+          <a:xfrm>
+            <a:off x="11959947" y="3550640"/>
+            <a:ext cx="4957392" cy="864393"/>
+          </a:xfrm>
+        </p:spPr>
+        <p:txBody>
+          <a:bodyPr anchor="b">
+            <a:noAutofit/>
+          </a:bodyPr>
+          <a:lstStyle>
+            <a:lvl1pPr marL="0" indent="0" algn="ctr">
+              <a:lnSpc>
+                <a:spcPct val="85000"/>
+              </a:lnSpc>
+              <a:buNone/>
+              <a:defRPr sz="3600" b="0">
+                <a:solidFill>
+                  <a:schemeClr val="tx1"/>
+                </a:solidFill>
+              </a:defRPr>
+            </a:lvl1pPr>
+            <a:lvl2pPr marL="685800" indent="0">
+              <a:buNone/>
+              <a:defRPr sz="3000" b="1"/>
+            </a:lvl2pPr>
+            <a:lvl3pPr marL="1371600" indent="0">
+              <a:buNone/>
+              <a:defRPr sz="2700" b="1"/>
+            </a:lvl3pPr>
+            <a:lvl4pPr marL="2057400" indent="0">
+              <a:buNone/>
+              <a:defRPr sz="2400" b="1"/>
+            </a:lvl4pPr>
+            <a:lvl5pPr marL="2743200" indent="0">
+              <a:buNone/>
+              <a:defRPr sz="2400" b="1"/>
+            </a:lvl5pPr>
+            <a:lvl6pPr marL="3429000" indent="0">
+              <a:buNone/>
+              <a:defRPr sz="2400" b="1"/>
+            </a:lvl6pPr>
+            <a:lvl7pPr marL="4114800" indent="0">
+              <a:buNone/>
+              <a:defRPr sz="2400" b="1"/>
+            </a:lvl7pPr>
+            <a:lvl8pPr marL="4800600" indent="0">
+              <a:buNone/>
+              <a:defRPr sz="2400" b="1"/>
+            </a:lvl8pPr>
+            <a:lvl9pPr marL="5486400" indent="0">
+              <a:buNone/>
+              <a:defRPr sz="2400" b="1"/>
+            </a:lvl9pPr>
+          </a:lstStyle>
+          <a:p>
+            <a:pPr lvl="0"/>
+            <a:r>
+              <a:rPr lang="en-US"/>
+              <a:t>Click to edit Master text styles</a:t>
+            </a:r>
+            <a:endParaRPr lang="en-US"/>
+          </a:p>
+        </p:txBody>
+      </p:sp>
+      <p:sp>
+        <p:nvSpPr>
+          <p:cNvPr id="12" name="Text Placeholder 3"/>
+          <p:cNvSpPr>
+            <a:spLocks noGrp="1"/>
+          </p:cNvSpPr>
+          <p:nvPr>
+            <p:ph type="body" sz="half" idx="17"/>
+          </p:nvPr>
+        </p:nvSpPr>
+        <p:spPr>
+          <a:xfrm>
+            <a:off x="11959947" y="4415033"/>
+            <a:ext cx="4957392" cy="4271768"/>
+          </a:xfrm>
+        </p:spPr>
+        <p:txBody>
+          <a:bodyPr anchor="t">
+            <a:normAutofit/>
+          </a:bodyPr>
+          <a:lstStyle>
+            <a:lvl1pPr marL="0" indent="0" algn="ctr">
+              <a:buNone/>
+              <a:defRPr sz="2100"/>
+            </a:lvl1pPr>
+            <a:lvl2pPr marL="685800" indent="0">
+              <a:buNone/>
+              <a:defRPr sz="1800"/>
+            </a:lvl2pPr>
+            <a:lvl3pPr marL="1371600" indent="0">
+              <a:buNone/>
+              <a:defRPr sz="1500"/>
+            </a:lvl3pPr>
+            <a:lvl4pPr marL="2057400" indent="0">
+              <a:buNone/>
+              <a:defRPr sz="1350"/>
+            </a:lvl4pPr>
+            <a:lvl5pPr marL="2743200" indent="0">
+              <a:buNone/>
+              <a:defRPr sz="1350"/>
+            </a:lvl5pPr>
+            <a:lvl6pPr marL="3429000" indent="0">
+              <a:buNone/>
+              <a:defRPr sz="1350"/>
+            </a:lvl6pPr>
+            <a:lvl7pPr marL="4114800" indent="0">
+              <a:buNone/>
+              <a:defRPr sz="1350"/>
+            </a:lvl7pPr>
+            <a:lvl8pPr marL="4800600" indent="0">
+              <a:buNone/>
+              <a:defRPr sz="1350"/>
+            </a:lvl8pPr>
+            <a:lvl9pPr marL="5486400" indent="0">
+              <a:buNone/>
+              <a:defRPr sz="1350"/>
+            </a:lvl9pPr>
+          </a:lstStyle>
+          <a:p>
+            <a:pPr lvl="0"/>
+            <a:r>
+              <a:rPr lang="en-US"/>
+              <a:t>Click to edit Master text styles</a:t>
+            </a:r>
+            <a:endParaRPr lang="en-US"/>
+          </a:p>
+        </p:txBody>
+      </p:sp>
+      <p:sp>
+        <p:nvSpPr>
+          <p:cNvPr id="3" name="Date Placeholder 2"/>
+          <p:cNvSpPr>
+            <a:spLocks noGrp="1"/>
+          </p:cNvSpPr>
+          <p:nvPr>
+            <p:ph type="dt" sz="half" idx="10"/>
+          </p:nvPr>
+        </p:nvSpPr>
+        <p:spPr/>
+        <p:txBody>
+          <a:bodyPr/>
+          <a:lstStyle/>
+          <a:p>
+            <a:fld id="{1D8BD707-D9CF-40AE-B4C6-C98DA3205C09}" type="datetimeFigureOut">
+              <a:rPr lang="en-US" smtClean="0"/>
+            </a:fld>
+            <a:endParaRPr lang="en-US"/>
+          </a:p>
+        </p:txBody>
+      </p:sp>
+      <p:sp>
+        <p:nvSpPr>
+          <p:cNvPr id="4" name="Footer Placeholder 3"/>
+          <p:cNvSpPr>
+            <a:spLocks noGrp="1"/>
+          </p:cNvSpPr>
+          <p:nvPr>
+            <p:ph type="ftr" sz="quarter" idx="11"/>
+          </p:nvPr>
+        </p:nvSpPr>
+        <p:spPr/>
+        <p:txBody>
+          <a:bodyPr/>
+          <a:lstStyle/>
+          <a:p>
+            <a:endParaRPr lang="en-US"/>
+          </a:p>
+        </p:txBody>
+      </p:sp>
+      <p:sp>
+        <p:nvSpPr>
+          <p:cNvPr id="5" name="Slide Number Placeholder 4"/>
+          <p:cNvSpPr>
+            <a:spLocks noGrp="1"/>
+          </p:cNvSpPr>
+          <p:nvPr>
+            <p:ph type="sldNum" sz="quarter" idx="12"/>
+          </p:nvPr>
+        </p:nvSpPr>
+        <p:spPr/>
+        <p:txBody>
+          <a:bodyPr/>
+          <a:lstStyle/>
+          <a:p>
+            <a:fld id="{B6F15528-21DE-4FAA-801E-634DDDAF4B2B}" type="slidenum">
+              <a:rPr lang="en-US" smtClean="0"/>
+            </a:fld>
+            <a:endParaRPr lang="en-US"/>
+          </a:p>
+        </p:txBody>
+      </p:sp>
+    </p:spTree>
+  </p:cSld>
+  <p:clrMapOvr>
+    <a:masterClrMapping/>
+  </p:clrMapOvr>
+</p:sldLayout>
+</file>
+
+<file path=ppt/slideLayouts/slideLayout15.xml><?xml version="1.0" encoding="utf-8"?>
+<p:sldLayout xmlns:a="http://schemas.openxmlformats.org/drawingml/2006/main" xmlns:r="http://schemas.openxmlformats.org/officeDocument/2006/relationships" xmlns:p="http://schemas.openxmlformats.org/presentationml/2006/main" preserve="1">
+  <p:cSld name="3 Picture Column">
+    <p:spTree>
+      <p:nvGrpSpPr>
+        <p:cNvPr id="1" name=""/>
+        <p:cNvGrpSpPr/>
+        <p:nvPr/>
+      </p:nvGrpSpPr>
+      <p:grpSpPr>
+        <a:xfrm>
+          <a:off x="0" y="0"/>
+          <a:ext cx="0" cy="0"/>
+          <a:chOff x="0" y="0"/>
+          <a:chExt cx="0" cy="0"/>
+        </a:xfrm>
+      </p:grpSpPr>
+      <p:pic>
+        <p:nvPicPr>
+          <p:cNvPr id="16" name="Picture 15" descr="Droplets-HD-Content-R1d.png"/>
+          <p:cNvPicPr>
+            <a:picLocks noChangeAspect="1"/>
+          </p:cNvPicPr>
+          <p:nvPr/>
+        </p:nvPicPr>
+        <p:blipFill>
+          <a:blip r:embed="rId2">
+            <a:extLst>
+              <a:ext uri="{28A0092B-C50C-407E-A947-70E740481C1C}">
+                <a14:useLocalDpi xmlns:a14="http://schemas.microsoft.com/office/drawing/2010/main" val="0"/>
+              </a:ext>
+            </a:extLst>
+          </a:blip>
+          <a:stretch>
+            <a:fillRect/>
+          </a:stretch>
+        </p:blipFill>
+        <p:spPr>
+          <a:xfrm>
+            <a:off x="0" y="0"/>
+            <a:ext cx="18288000" cy="10287000"/>
+          </a:xfrm>
+          <a:prstGeom prst="rect">
+            <a:avLst/>
+          </a:prstGeom>
+        </p:spPr>
+      </p:pic>
+      <p:sp>
+        <p:nvSpPr>
+          <p:cNvPr id="30" name="Title 1"/>
+          <p:cNvSpPr>
+            <a:spLocks noGrp="1"/>
+          </p:cNvSpPr>
+          <p:nvPr>
+            <p:ph type="title"/>
+          </p:nvPr>
+        </p:nvSpPr>
+        <p:spPr>
+          <a:xfrm>
+            <a:off x="1370661" y="916158"/>
+            <a:ext cx="15546678" cy="2405883"/>
+          </a:xfrm>
+        </p:spPr>
+        <p:txBody>
+          <a:bodyPr/>
+          <a:lstStyle/>
+          <a:p>
+            <a:r>
+              <a:rPr lang="en-US"/>
+              <a:t>Click to edit Master title style</a:t>
+            </a:r>
+            <a:endParaRPr lang="en-US" dirty="0"/>
+          </a:p>
+        </p:txBody>
+      </p:sp>
+      <p:sp>
+        <p:nvSpPr>
+          <p:cNvPr id="19" name="Text Placeholder 2"/>
+          <p:cNvSpPr>
+            <a:spLocks noGrp="1"/>
+          </p:cNvSpPr>
+          <p:nvPr>
+            <p:ph type="body" idx="1"/>
+          </p:nvPr>
+        </p:nvSpPr>
+        <p:spPr>
+          <a:xfrm>
+            <a:off x="1370662" y="6307230"/>
+            <a:ext cx="4944614" cy="864393"/>
+          </a:xfrm>
+        </p:spPr>
+        <p:txBody>
+          <a:bodyPr anchor="b">
+            <a:noAutofit/>
+          </a:bodyPr>
+          <a:lstStyle>
+            <a:lvl1pPr marL="0" indent="0" algn="ctr">
+              <a:lnSpc>
+                <a:spcPct val="85000"/>
+              </a:lnSpc>
+              <a:buNone/>
+              <a:defRPr sz="3300" b="0">
+                <a:solidFill>
+                  <a:schemeClr val="tx1"/>
+                </a:solidFill>
+              </a:defRPr>
+            </a:lvl1pPr>
+            <a:lvl2pPr marL="685800" indent="0">
+              <a:buNone/>
+              <a:defRPr sz="3000" b="1"/>
+            </a:lvl2pPr>
+            <a:lvl3pPr marL="1371600" indent="0">
+              <a:buNone/>
+              <a:defRPr sz="2700" b="1"/>
+            </a:lvl3pPr>
+            <a:lvl4pPr marL="2057400" indent="0">
+              <a:buNone/>
+              <a:defRPr sz="2400" b="1"/>
+            </a:lvl4pPr>
+            <a:lvl5pPr marL="2743200" indent="0">
+              <a:buNone/>
+              <a:defRPr sz="2400" b="1"/>
+            </a:lvl5pPr>
+            <a:lvl6pPr marL="3429000" indent="0">
+              <a:buNone/>
+              <a:defRPr sz="2400" b="1"/>
+            </a:lvl6pPr>
+            <a:lvl7pPr marL="4114800" indent="0">
+              <a:buNone/>
+              <a:defRPr sz="2400" b="1"/>
+            </a:lvl7pPr>
+            <a:lvl8pPr marL="4800600" indent="0">
+              <a:buNone/>
+              <a:defRPr sz="2400" b="1"/>
+            </a:lvl8pPr>
+            <a:lvl9pPr marL="5486400" indent="0">
+              <a:buNone/>
+              <a:defRPr sz="2400" b="1"/>
+            </a:lvl9pPr>
+          </a:lstStyle>
+          <a:p>
+            <a:pPr lvl="0"/>
+            <a:r>
+              <a:rPr lang="en-US"/>
+              <a:t>Click to edit Master text styles</a:t>
+            </a:r>
+            <a:endParaRPr lang="en-US"/>
+          </a:p>
+        </p:txBody>
+      </p:sp>
+      <p:sp>
+        <p:nvSpPr>
+          <p:cNvPr id="20" name="Picture Placeholder 2"/>
+          <p:cNvSpPr>
+            <a:spLocks noGrp="1" noChangeAspect="1"/>
+          </p:cNvSpPr>
+          <p:nvPr>
+            <p:ph type="pic" idx="15"/>
+          </p:nvPr>
+        </p:nvSpPr>
+        <p:spPr>
+          <a:xfrm>
+            <a:off x="1370662" y="3550640"/>
+            <a:ext cx="4944614" cy="2286000"/>
+          </a:xfrm>
+          <a:prstGeom prst="roundRect">
+            <a:avLst>
+              <a:gd name="adj" fmla="val 9363"/>
+            </a:avLst>
+          </a:prstGeom>
+          <a:noFill/>
+          <a:ln w="82550" cap="sq">
+            <a:solidFill>
+              <a:schemeClr val="bg2">
+                <a:lumMod val="60000"/>
+                <a:lumOff val="40000"/>
+              </a:schemeClr>
+            </a:solidFill>
+            <a:miter lim="800000"/>
+          </a:ln>
+          <a:effectLst/>
+          <a:scene3d>
+            <a:camera prst="orthographicFront"/>
+            <a:lightRig rig="threePt" dir="t">
+              <a:rot lat="0" lon="0" rev="2700000"/>
+            </a:lightRig>
+          </a:scene3d>
+          <a:sp3d contourW="6350">
+            <a:bevelT h="38100"/>
+            <a:contourClr>
+              <a:srgbClr val="C0C0C0"/>
+            </a:contourClr>
+          </a:sp3d>
+        </p:spPr>
+        <p:txBody>
+          <a:bodyPr anchor="t">
+            <a:normAutofit/>
+          </a:bodyPr>
+          <a:lstStyle>
+            <a:lvl1pPr marL="0" indent="0" algn="ctr">
+              <a:buNone/>
+              <a:defRPr sz="2400"/>
+            </a:lvl1pPr>
+            <a:lvl2pPr marL="685800" indent="0">
+              <a:buNone/>
+              <a:defRPr sz="2400"/>
+            </a:lvl2pPr>
+            <a:lvl3pPr marL="1371600" indent="0">
+              <a:buNone/>
+              <a:defRPr sz="2400"/>
+            </a:lvl3pPr>
+            <a:lvl4pPr marL="2057400" indent="0">
+              <a:buNone/>
+              <a:defRPr sz="2400"/>
+            </a:lvl4pPr>
+            <a:lvl5pPr marL="2743200" indent="0">
+              <a:buNone/>
+              <a:defRPr sz="2400"/>
+            </a:lvl5pPr>
+            <a:lvl6pPr marL="3429000" indent="0">
+              <a:buNone/>
+              <a:defRPr sz="2400"/>
+            </a:lvl6pPr>
+            <a:lvl7pPr marL="4114800" indent="0">
+              <a:buNone/>
+              <a:defRPr sz="2400"/>
+            </a:lvl7pPr>
+            <a:lvl8pPr marL="4800600" indent="0">
+              <a:buNone/>
+              <a:defRPr sz="2400"/>
+            </a:lvl8pPr>
+            <a:lvl9pPr marL="5486400" indent="0">
+              <a:buNone/>
+              <a:defRPr sz="2400"/>
+            </a:lvl9pPr>
+          </a:lstStyle>
+          <a:p>
+            <a:r>
+              <a:rPr lang="en-US"/>
+              <a:t>Click icon to add picture</a:t>
+            </a:r>
+            <a:endParaRPr lang="en-US" dirty="0"/>
+          </a:p>
+        </p:txBody>
+      </p:sp>
+      <p:sp>
+        <p:nvSpPr>
+          <p:cNvPr id="21" name="Text Placeholder 3"/>
+          <p:cNvSpPr>
+            <a:spLocks noGrp="1"/>
+          </p:cNvSpPr>
+          <p:nvPr>
+            <p:ph type="body" sz="half" idx="18"/>
+          </p:nvPr>
+        </p:nvSpPr>
+        <p:spPr>
+          <a:xfrm>
+            <a:off x="1370662" y="7171623"/>
+            <a:ext cx="4944614" cy="1515177"/>
+          </a:xfrm>
+        </p:spPr>
+        <p:txBody>
+          <a:bodyPr anchor="t">
+            <a:normAutofit/>
+          </a:bodyPr>
+          <a:lstStyle>
+            <a:lvl1pPr marL="0" indent="0" algn="ctr">
+              <a:buNone/>
+              <a:defRPr sz="2100"/>
+            </a:lvl1pPr>
+            <a:lvl2pPr marL="685800" indent="0">
+              <a:buNone/>
+              <a:defRPr sz="1800"/>
+            </a:lvl2pPr>
+            <a:lvl3pPr marL="1371600" indent="0">
+              <a:buNone/>
+              <a:defRPr sz="1500"/>
+            </a:lvl3pPr>
+            <a:lvl4pPr marL="2057400" indent="0">
+              <a:buNone/>
+              <a:defRPr sz="1350"/>
+            </a:lvl4pPr>
+            <a:lvl5pPr marL="2743200" indent="0">
+              <a:buNone/>
+              <a:defRPr sz="1350"/>
+            </a:lvl5pPr>
+            <a:lvl6pPr marL="3429000" indent="0">
+              <a:buNone/>
+              <a:defRPr sz="1350"/>
+            </a:lvl6pPr>
+            <a:lvl7pPr marL="4114800" indent="0">
+              <a:buNone/>
+              <a:defRPr sz="1350"/>
+            </a:lvl7pPr>
+            <a:lvl8pPr marL="4800600" indent="0">
+              <a:buNone/>
+              <a:defRPr sz="1350"/>
+            </a:lvl8pPr>
+            <a:lvl9pPr marL="5486400" indent="0">
+              <a:buNone/>
+              <a:defRPr sz="1350"/>
+            </a:lvl9pPr>
+          </a:lstStyle>
+          <a:p>
+            <a:pPr lvl="0"/>
+            <a:r>
+              <a:rPr lang="en-US"/>
+              <a:t>Click to edit Master text styles</a:t>
+            </a:r>
+            <a:endParaRPr lang="en-US"/>
+          </a:p>
+        </p:txBody>
+      </p:sp>
+      <p:sp>
+        <p:nvSpPr>
+          <p:cNvPr id="22" name="Text Placeholder 4"/>
+          <p:cNvSpPr>
+            <a:spLocks noGrp="1"/>
+          </p:cNvSpPr>
+          <p:nvPr>
+            <p:ph type="body" sz="quarter" idx="3"/>
+          </p:nvPr>
+        </p:nvSpPr>
+        <p:spPr>
+          <a:xfrm>
+            <a:off x="6664139" y="6307230"/>
+            <a:ext cx="4952742" cy="864393"/>
+          </a:xfrm>
+        </p:spPr>
+        <p:txBody>
+          <a:bodyPr anchor="b">
+            <a:noAutofit/>
+          </a:bodyPr>
+          <a:lstStyle>
+            <a:lvl1pPr marL="0" indent="0" algn="ctr">
+              <a:lnSpc>
+                <a:spcPct val="85000"/>
+              </a:lnSpc>
+              <a:buNone/>
+              <a:defRPr sz="3300" b="0">
+                <a:solidFill>
+                  <a:schemeClr val="tx1"/>
+                </a:solidFill>
+              </a:defRPr>
+            </a:lvl1pPr>
+            <a:lvl2pPr marL="685800" indent="0">
+              <a:buNone/>
+              <a:defRPr sz="3000" b="1"/>
+            </a:lvl2pPr>
+            <a:lvl3pPr marL="1371600" indent="0">
+              <a:buNone/>
+              <a:defRPr sz="2700" b="1"/>
+            </a:lvl3pPr>
+            <a:lvl4pPr marL="2057400" indent="0">
+              <a:buNone/>
+              <a:defRPr sz="2400" b="1"/>
+            </a:lvl4pPr>
+            <a:lvl5pPr marL="2743200" indent="0">
+              <a:buNone/>
+              <a:defRPr sz="2400" b="1"/>
+            </a:lvl5pPr>
+            <a:lvl6pPr marL="3429000" indent="0">
+              <a:buNone/>
+              <a:defRPr sz="2400" b="1"/>
+            </a:lvl6pPr>
+            <a:lvl7pPr marL="4114800" indent="0">
+              <a:buNone/>
+              <a:defRPr sz="2400" b="1"/>
+            </a:lvl7pPr>
+            <a:lvl8pPr marL="4800600" indent="0">
+              <a:buNone/>
+              <a:defRPr sz="2400" b="1"/>
+            </a:lvl8pPr>
+            <a:lvl9pPr marL="5486400" indent="0">
+              <a:buNone/>
+              <a:defRPr sz="2400" b="1"/>
+            </a:lvl9pPr>
+          </a:lstStyle>
+          <a:p>
+            <a:pPr lvl="0"/>
+            <a:r>
+              <a:rPr lang="en-US"/>
+              <a:t>Click to edit Master text styles</a:t>
+            </a:r>
+            <a:endParaRPr lang="en-US"/>
+          </a:p>
+        </p:txBody>
+      </p:sp>
+      <p:sp>
+        <p:nvSpPr>
+          <p:cNvPr id="23" name="Picture Placeholder 2"/>
+          <p:cNvSpPr>
+            <a:spLocks noGrp="1" noChangeAspect="1"/>
+          </p:cNvSpPr>
+          <p:nvPr>
+            <p:ph type="pic" idx="21"/>
+          </p:nvPr>
+        </p:nvSpPr>
+        <p:spPr>
+          <a:xfrm>
+            <a:off x="6662022" y="3550640"/>
+            <a:ext cx="4955028" cy="2286000"/>
+          </a:xfrm>
+          <a:prstGeom prst="roundRect">
+            <a:avLst>
+              <a:gd name="adj" fmla="val 8841"/>
+            </a:avLst>
+          </a:prstGeom>
+          <a:noFill/>
+          <a:ln w="82550" cap="sq">
+            <a:solidFill>
+              <a:schemeClr val="bg2">
+                <a:lumMod val="60000"/>
+                <a:lumOff val="40000"/>
+              </a:schemeClr>
+            </a:solidFill>
+            <a:miter lim="800000"/>
+          </a:ln>
+          <a:effectLst/>
+          <a:scene3d>
+            <a:camera prst="orthographicFront"/>
+            <a:lightRig rig="threePt" dir="t">
+              <a:rot lat="0" lon="0" rev="2700000"/>
+            </a:lightRig>
+          </a:scene3d>
+          <a:sp3d contourW="6350">
+            <a:bevelT h="38100"/>
+            <a:contourClr>
+              <a:srgbClr val="C0C0C0"/>
+            </a:contourClr>
+          </a:sp3d>
+        </p:spPr>
+        <p:txBody>
+          <a:bodyPr anchor="t">
+            <a:normAutofit/>
+          </a:bodyPr>
+          <a:lstStyle>
+            <a:lvl1pPr marL="0" indent="0" algn="ctr">
+              <a:buNone/>
+              <a:defRPr sz="2400"/>
+            </a:lvl1pPr>
+            <a:lvl2pPr marL="685800" indent="0">
+              <a:buNone/>
+              <a:defRPr sz="2400"/>
+            </a:lvl2pPr>
+            <a:lvl3pPr marL="1371600" indent="0">
+              <a:buNone/>
+              <a:defRPr sz="2400"/>
+            </a:lvl3pPr>
+            <a:lvl4pPr marL="2057400" indent="0">
+              <a:buNone/>
+              <a:defRPr sz="2400"/>
+            </a:lvl4pPr>
+            <a:lvl5pPr marL="2743200" indent="0">
+              <a:buNone/>
+              <a:defRPr sz="2400"/>
+            </a:lvl5pPr>
+            <a:lvl6pPr marL="3429000" indent="0">
+              <a:buNone/>
+              <a:defRPr sz="2400"/>
+            </a:lvl6pPr>
+            <a:lvl7pPr marL="4114800" indent="0">
+              <a:buNone/>
+              <a:defRPr sz="2400"/>
+            </a:lvl7pPr>
+            <a:lvl8pPr marL="4800600" indent="0">
+              <a:buNone/>
+              <a:defRPr sz="2400"/>
+            </a:lvl8pPr>
+            <a:lvl9pPr marL="5486400" indent="0">
+              <a:buNone/>
+              <a:defRPr sz="2400"/>
+            </a:lvl9pPr>
+          </a:lstStyle>
+          <a:p>
+            <a:r>
+              <a:rPr lang="en-US"/>
+              <a:t>Click icon to add picture</a:t>
+            </a:r>
+            <a:endParaRPr lang="en-US" dirty="0"/>
+          </a:p>
+        </p:txBody>
+      </p:sp>
+      <p:sp>
+        <p:nvSpPr>
+          <p:cNvPr id="24" name="Text Placeholder 3"/>
+          <p:cNvSpPr>
+            <a:spLocks noGrp="1"/>
+          </p:cNvSpPr>
+          <p:nvPr>
+            <p:ph type="body" sz="half" idx="19"/>
+          </p:nvPr>
+        </p:nvSpPr>
+        <p:spPr>
+          <a:xfrm>
+            <a:off x="6662022" y="7171621"/>
+            <a:ext cx="4955028" cy="1515179"/>
+          </a:xfrm>
+        </p:spPr>
+        <p:txBody>
+          <a:bodyPr anchor="t">
+            <a:normAutofit/>
+          </a:bodyPr>
+          <a:lstStyle>
+            <a:lvl1pPr marL="0" indent="0" algn="ctr">
+              <a:buNone/>
+              <a:defRPr sz="2100"/>
+            </a:lvl1pPr>
+            <a:lvl2pPr marL="685800" indent="0">
+              <a:buNone/>
+              <a:defRPr sz="1800"/>
+            </a:lvl2pPr>
+            <a:lvl3pPr marL="1371600" indent="0">
+              <a:buNone/>
+              <a:defRPr sz="1500"/>
+            </a:lvl3pPr>
+            <a:lvl4pPr marL="2057400" indent="0">
+              <a:buNone/>
+              <a:defRPr sz="1350"/>
+            </a:lvl4pPr>
+            <a:lvl5pPr marL="2743200" indent="0">
+              <a:buNone/>
+              <a:defRPr sz="1350"/>
+            </a:lvl5pPr>
+            <a:lvl6pPr marL="3429000" indent="0">
+              <a:buNone/>
+              <a:defRPr sz="1350"/>
+            </a:lvl6pPr>
+            <a:lvl7pPr marL="4114800" indent="0">
+              <a:buNone/>
+              <a:defRPr sz="1350"/>
+            </a:lvl7pPr>
+            <a:lvl8pPr marL="4800600" indent="0">
+              <a:buNone/>
+              <a:defRPr sz="1350"/>
+            </a:lvl8pPr>
+            <a:lvl9pPr marL="5486400" indent="0">
+              <a:buNone/>
+              <a:defRPr sz="1350"/>
+            </a:lvl9pPr>
+          </a:lstStyle>
+          <a:p>
+            <a:pPr lvl="0"/>
+            <a:r>
+              <a:rPr lang="en-US"/>
+              <a:t>Click to edit Master text styles</a:t>
+            </a:r>
+            <a:endParaRPr lang="en-US"/>
+          </a:p>
+        </p:txBody>
+      </p:sp>
+      <p:sp>
+        <p:nvSpPr>
+          <p:cNvPr id="25" name="Text Placeholder 4"/>
+          <p:cNvSpPr>
+            <a:spLocks noGrp="1"/>
+          </p:cNvSpPr>
+          <p:nvPr>
+            <p:ph type="body" sz="quarter" idx="13"/>
+          </p:nvPr>
+        </p:nvSpPr>
+        <p:spPr>
+          <a:xfrm>
+            <a:off x="11959948" y="6307230"/>
+            <a:ext cx="4951022" cy="864393"/>
+          </a:xfrm>
+        </p:spPr>
+        <p:txBody>
+          <a:bodyPr anchor="b">
+            <a:noAutofit/>
+          </a:bodyPr>
+          <a:lstStyle>
+            <a:lvl1pPr marL="0" indent="0" algn="ctr">
+              <a:lnSpc>
+                <a:spcPct val="85000"/>
+              </a:lnSpc>
+              <a:buNone/>
+              <a:defRPr sz="3300" b="0">
+                <a:solidFill>
+                  <a:schemeClr val="tx1"/>
+                </a:solidFill>
+              </a:defRPr>
+            </a:lvl1pPr>
+            <a:lvl2pPr marL="685800" indent="0">
+              <a:buNone/>
+              <a:defRPr sz="3000" b="1"/>
+            </a:lvl2pPr>
+            <a:lvl3pPr marL="1371600" indent="0">
+              <a:buNone/>
+              <a:defRPr sz="2700" b="1"/>
+            </a:lvl3pPr>
+            <a:lvl4pPr marL="2057400" indent="0">
+              <a:buNone/>
+              <a:defRPr sz="2400" b="1"/>
+            </a:lvl4pPr>
+            <a:lvl5pPr marL="2743200" indent="0">
+              <a:buNone/>
+              <a:defRPr sz="2400" b="1"/>
+            </a:lvl5pPr>
+            <a:lvl6pPr marL="3429000" indent="0">
+              <a:buNone/>
+              <a:defRPr sz="2400" b="1"/>
+            </a:lvl6pPr>
+            <a:lvl7pPr marL="4114800" indent="0">
+              <a:buNone/>
+              <a:defRPr sz="2400" b="1"/>
+            </a:lvl7pPr>
+            <a:lvl8pPr marL="4800600" indent="0">
+              <a:buNone/>
+              <a:defRPr sz="2400" b="1"/>
+            </a:lvl8pPr>
+            <a:lvl9pPr marL="5486400" indent="0">
+              <a:buNone/>
+              <a:defRPr sz="2400" b="1"/>
+            </a:lvl9pPr>
+          </a:lstStyle>
+          <a:p>
+            <a:pPr lvl="0"/>
+            <a:r>
+              <a:rPr lang="en-US"/>
+              <a:t>Click to edit Master text styles</a:t>
+            </a:r>
+            <a:endParaRPr lang="en-US"/>
+          </a:p>
+        </p:txBody>
+      </p:sp>
+      <p:sp>
+        <p:nvSpPr>
+          <p:cNvPr id="26" name="Picture Placeholder 2"/>
+          <p:cNvSpPr>
+            <a:spLocks noGrp="1" noChangeAspect="1"/>
+          </p:cNvSpPr>
+          <p:nvPr>
+            <p:ph type="pic" idx="22"/>
+          </p:nvPr>
+        </p:nvSpPr>
+        <p:spPr>
+          <a:xfrm>
+            <a:off x="11959947" y="3550640"/>
+            <a:ext cx="4957392" cy="2286000"/>
+          </a:xfrm>
+          <a:prstGeom prst="roundRect">
+            <a:avLst>
+              <a:gd name="adj" fmla="val 8841"/>
+            </a:avLst>
+          </a:prstGeom>
+          <a:noFill/>
+          <a:ln w="82550" cap="sq">
+            <a:solidFill>
+              <a:schemeClr val="bg2">
+                <a:lumMod val="60000"/>
+                <a:lumOff val="40000"/>
+              </a:schemeClr>
+            </a:solidFill>
+            <a:miter lim="800000"/>
+          </a:ln>
+          <a:effectLst/>
+          <a:scene3d>
+            <a:camera prst="orthographicFront"/>
+            <a:lightRig rig="threePt" dir="t">
+              <a:rot lat="0" lon="0" rev="2700000"/>
+            </a:lightRig>
+          </a:scene3d>
+          <a:sp3d contourW="6350">
+            <a:bevelT h="38100"/>
+            <a:contourClr>
+              <a:srgbClr val="C0C0C0"/>
+            </a:contourClr>
+          </a:sp3d>
+        </p:spPr>
+        <p:txBody>
+          <a:bodyPr anchor="t">
+            <a:normAutofit/>
+          </a:bodyPr>
+          <a:lstStyle>
+            <a:lvl1pPr marL="0" indent="0" algn="ctr">
+              <a:buNone/>
+              <a:defRPr sz="2400"/>
+            </a:lvl1pPr>
+            <a:lvl2pPr marL="685800" indent="0">
+              <a:buNone/>
+              <a:defRPr sz="2400"/>
+            </a:lvl2pPr>
+            <a:lvl3pPr marL="1371600" indent="0">
+              <a:buNone/>
+              <a:defRPr sz="2400"/>
+            </a:lvl3pPr>
+            <a:lvl4pPr marL="2057400" indent="0">
+              <a:buNone/>
+              <a:defRPr sz="2400"/>
+            </a:lvl4pPr>
+            <a:lvl5pPr marL="2743200" indent="0">
+              <a:buNone/>
+              <a:defRPr sz="2400"/>
+            </a:lvl5pPr>
+            <a:lvl6pPr marL="3429000" indent="0">
+              <a:buNone/>
+              <a:defRPr sz="2400"/>
+            </a:lvl6pPr>
+            <a:lvl7pPr marL="4114800" indent="0">
+              <a:buNone/>
+              <a:defRPr sz="2400"/>
+            </a:lvl7pPr>
+            <a:lvl8pPr marL="4800600" indent="0">
+              <a:buNone/>
+              <a:defRPr sz="2400"/>
+            </a:lvl8pPr>
+            <a:lvl9pPr marL="5486400" indent="0">
+              <a:buNone/>
+              <a:defRPr sz="2400"/>
+            </a:lvl9pPr>
+          </a:lstStyle>
+          <a:p>
+            <a:r>
+              <a:rPr lang="en-US"/>
+              <a:t>Click icon to add picture</a:t>
+            </a:r>
+            <a:endParaRPr lang="en-US" dirty="0"/>
+          </a:p>
+        </p:txBody>
+      </p:sp>
+      <p:sp>
+        <p:nvSpPr>
+          <p:cNvPr id="27" name="Text Placeholder 3"/>
+          <p:cNvSpPr>
+            <a:spLocks noGrp="1"/>
+          </p:cNvSpPr>
+          <p:nvPr>
+            <p:ph type="body" sz="half" idx="20"/>
+          </p:nvPr>
+        </p:nvSpPr>
+        <p:spPr>
+          <a:xfrm>
+            <a:off x="11959760" y="7171618"/>
+            <a:ext cx="4957580" cy="1515182"/>
+          </a:xfrm>
+        </p:spPr>
+        <p:txBody>
+          <a:bodyPr anchor="t">
+            <a:normAutofit/>
+          </a:bodyPr>
+          <a:lstStyle>
+            <a:lvl1pPr marL="0" indent="0" algn="ctr">
+              <a:buNone/>
+              <a:defRPr sz="2100"/>
+            </a:lvl1pPr>
+            <a:lvl2pPr marL="685800" indent="0">
+              <a:buNone/>
+              <a:defRPr sz="1800"/>
+            </a:lvl2pPr>
+            <a:lvl3pPr marL="1371600" indent="0">
+              <a:buNone/>
+              <a:defRPr sz="1500"/>
+            </a:lvl3pPr>
+            <a:lvl4pPr marL="2057400" indent="0">
+              <a:buNone/>
+              <a:defRPr sz="1350"/>
+            </a:lvl4pPr>
+            <a:lvl5pPr marL="2743200" indent="0">
+              <a:buNone/>
+              <a:defRPr sz="1350"/>
+            </a:lvl5pPr>
+            <a:lvl6pPr marL="3429000" indent="0">
+              <a:buNone/>
+              <a:defRPr sz="1350"/>
+            </a:lvl6pPr>
+            <a:lvl7pPr marL="4114800" indent="0">
+              <a:buNone/>
+              <a:defRPr sz="1350"/>
+            </a:lvl7pPr>
+            <a:lvl8pPr marL="4800600" indent="0">
+              <a:buNone/>
+              <a:defRPr sz="1350"/>
+            </a:lvl8pPr>
+            <a:lvl9pPr marL="5486400" indent="0">
+              <a:buNone/>
+              <a:defRPr sz="1350"/>
+            </a:lvl9pPr>
+          </a:lstStyle>
+          <a:p>
+            <a:pPr lvl="0"/>
+            <a:r>
+              <a:rPr lang="en-US"/>
+              <a:t>Click to edit Master text styles</a:t>
+            </a:r>
+            <a:endParaRPr lang="en-US"/>
+          </a:p>
+        </p:txBody>
+      </p:sp>
+      <p:sp>
+        <p:nvSpPr>
+          <p:cNvPr id="3" name="Date Placeholder 2"/>
+          <p:cNvSpPr>
+            <a:spLocks noGrp="1"/>
+          </p:cNvSpPr>
+          <p:nvPr>
+            <p:ph type="dt" sz="half" idx="10"/>
+          </p:nvPr>
+        </p:nvSpPr>
+        <p:spPr/>
+        <p:txBody>
+          <a:bodyPr/>
+          <a:lstStyle/>
+          <a:p>
+            <a:fld id="{1D8BD707-D9CF-40AE-B4C6-C98DA3205C09}" type="datetimeFigureOut">
+              <a:rPr lang="en-US" smtClean="0"/>
+            </a:fld>
+            <a:endParaRPr lang="en-US"/>
+          </a:p>
+        </p:txBody>
+      </p:sp>
+      <p:sp>
+        <p:nvSpPr>
+          <p:cNvPr id="4" name="Footer Placeholder 3"/>
+          <p:cNvSpPr>
+            <a:spLocks noGrp="1"/>
+          </p:cNvSpPr>
+          <p:nvPr>
+            <p:ph type="ftr" sz="quarter" idx="11"/>
+          </p:nvPr>
+        </p:nvSpPr>
+        <p:spPr/>
+        <p:txBody>
+          <a:bodyPr/>
+          <a:lstStyle/>
+          <a:p>
+            <a:endParaRPr lang="en-US"/>
+          </a:p>
+        </p:txBody>
+      </p:sp>
+      <p:sp>
+        <p:nvSpPr>
+          <p:cNvPr id="5" name="Slide Number Placeholder 4"/>
+          <p:cNvSpPr>
+            <a:spLocks noGrp="1"/>
+          </p:cNvSpPr>
+          <p:nvPr>
+            <p:ph type="sldNum" sz="quarter" idx="12"/>
+          </p:nvPr>
+        </p:nvSpPr>
+        <p:spPr/>
+        <p:txBody>
+          <a:bodyPr/>
+          <a:lstStyle/>
+          <a:p>
+            <a:fld id="{B6F15528-21DE-4FAA-801E-634DDDAF4B2B}" type="slidenum">
+              <a:rPr lang="en-US" smtClean="0"/>
+            </a:fld>
+            <a:endParaRPr lang="en-US"/>
+          </a:p>
+        </p:txBody>
+      </p:sp>
+    </p:spTree>
+  </p:cSld>
+  <p:clrMapOvr>
+    <a:masterClrMapping/>
+  </p:clrMapOvr>
+</p:sldLayout>
+</file>
+
+<file path=ppt/slideLayouts/slideLayout16.xml><?xml version="1.0" encoding="utf-8"?>
 <p:sldLayout xmlns:a="http://schemas.openxmlformats.org/drawingml/2006/main" xmlns:r="http://schemas.openxmlformats.org/officeDocument/2006/relationships" xmlns:p="http://schemas.openxmlformats.org/presentationml/2006/main" type="vertTx" preserve="1">
   <p:cSld name="Title and Vertical Text">
     <p:spTree>
@@ -422,6 +3485,36 @@
           <a:chExt cx="0" cy="0"/>
         </a:xfrm>
       </p:grpSpPr>
+      <p:pic>
+        <p:nvPicPr>
+          <p:cNvPr id="8" name="Picture 7" descr="Droplets-HD-Content-R1d.png"/>
+          <p:cNvPicPr>
+            <a:picLocks noChangeAspect="1"/>
+          </p:cNvPicPr>
+          <p:nvPr/>
+        </p:nvPicPr>
+        <p:blipFill>
+          <a:blip r:embed="rId2">
+            <a:extLst>
+              <a:ext uri="{28A0092B-C50C-407E-A947-70E740481C1C}">
+                <a14:useLocalDpi xmlns:a14="http://schemas.microsoft.com/office/drawing/2010/main" val="0"/>
+              </a:ext>
+            </a:extLst>
+          </a:blip>
+          <a:stretch>
+            <a:fillRect/>
+          </a:stretch>
+        </p:blipFill>
+        <p:spPr>
+          <a:xfrm>
+            <a:off x="0" y="0"/>
+            <a:ext cx="18288000" cy="10287000"/>
+          </a:xfrm>
+          <a:prstGeom prst="rect">
+            <a:avLst/>
+          </a:prstGeom>
+        </p:spPr>
+      </p:pic>
       <p:sp>
         <p:nvSpPr>
           <p:cNvPr id="2" name="Title 1"/>
@@ -447,64 +3540,95 @@
       </p:sp>
       <p:sp>
         <p:nvSpPr>
-          <p:cNvPr id="3" name="Vertical Text Placeholder 2"/>
-          <p:cNvSpPr>
-            <a:spLocks noGrp="1"/>
-          </p:cNvSpPr>
-          <p:nvPr>
-            <p:ph type="body" orient="vert" idx="1"/>
+          <p:cNvPr id="11" name="Vertical Text Placeholder 2"/>
+          <p:cNvSpPr>
+            <a:spLocks noGrp="1"/>
+          </p:cNvSpPr>
+          <p:nvPr>
+            <p:ph type="body" orient="vert" sz="quarter" idx="13"/>
+          </p:nvPr>
+        </p:nvSpPr>
+        <p:spPr>
+          <a:xfrm>
+            <a:off x="1370662" y="3550640"/>
+            <a:ext cx="15546678" cy="5136161"/>
+          </a:xfrm>
+        </p:spPr>
+        <p:txBody>
+          <a:bodyPr vert="eaVert"/>
+          <a:lstStyle/>
+          <a:p>
+            <a:pPr lvl="0"/>
+            <a:r>
+              <a:rPr lang="en-US"/>
+              <a:t>Click to edit Master text styles</a:t>
+            </a:r>
+            <a:endParaRPr lang="en-US"/>
+          </a:p>
+          <a:p>
+            <a:pPr lvl="1"/>
+            <a:r>
+              <a:rPr lang="en-US"/>
+              <a:t>Second level</a:t>
+            </a:r>
+            <a:endParaRPr lang="en-US"/>
+          </a:p>
+          <a:p>
+            <a:pPr lvl="2"/>
+            <a:r>
+              <a:rPr lang="en-US"/>
+              <a:t>Third level</a:t>
+            </a:r>
+            <a:endParaRPr lang="en-US"/>
+          </a:p>
+          <a:p>
+            <a:pPr lvl="3"/>
+            <a:r>
+              <a:rPr lang="en-US"/>
+              <a:t>Fourth level</a:t>
+            </a:r>
+            <a:endParaRPr lang="en-US"/>
+          </a:p>
+          <a:p>
+            <a:pPr lvl="4"/>
+            <a:r>
+              <a:rPr lang="en-US"/>
+              <a:t>Fifth level</a:t>
+            </a:r>
+            <a:endParaRPr lang="en-US" dirty="0"/>
+          </a:p>
+        </p:txBody>
+      </p:sp>
+      <p:sp>
+        <p:nvSpPr>
+          <p:cNvPr id="4" name="Date Placeholder 3"/>
+          <p:cNvSpPr>
+            <a:spLocks noGrp="1"/>
+          </p:cNvSpPr>
+          <p:nvPr>
+            <p:ph type="dt" sz="half" idx="10"/>
           </p:nvPr>
         </p:nvSpPr>
         <p:spPr/>
         <p:txBody>
-          <a:bodyPr vert="eaVert" anchor="t"/>
-          <a:lstStyle/>
-          <a:p>
-            <a:pPr lvl="0"/>
-            <a:r>
-              <a:rPr lang="en-US"/>
-              <a:t>Click to edit Master text styles</a:t>
-            </a:r>
-          </a:p>
-          <a:p>
-            <a:pPr lvl="1"/>
-            <a:r>
-              <a:rPr lang="en-US"/>
-              <a:t>Second level</a:t>
-            </a:r>
-          </a:p>
-          <a:p>
-            <a:pPr lvl="2"/>
-            <a:r>
-              <a:rPr lang="en-US"/>
-              <a:t>Third level</a:t>
-            </a:r>
-          </a:p>
-          <a:p>
-            <a:pPr lvl="3"/>
-            <a:r>
-              <a:rPr lang="en-US"/>
-              <a:t>Fourth level</a:t>
-            </a:r>
-          </a:p>
-          <a:p>
-            <a:pPr lvl="4"/>
-            <a:r>
-              <a:rPr lang="en-US"/>
-              <a:t>Fifth level</a:t>
-            </a:r>
-            <a:endParaRPr lang="en-US" dirty="0"/>
-          </a:p>
-        </p:txBody>
-      </p:sp>
-      <p:sp>
-        <p:nvSpPr>
-          <p:cNvPr id="7" name="Date Placeholder 6"/>
-          <p:cNvSpPr>
-            <a:spLocks noGrp="1"/>
-          </p:cNvSpPr>
-          <p:nvPr>
-            <p:ph type="dt" sz="half" idx="10"/>
+          <a:bodyPr/>
+          <a:lstStyle/>
+          <a:p>
+            <a:fld id="{1D8BD707-D9CF-40AE-B4C6-C98DA3205C09}" type="datetimeFigureOut">
+              <a:rPr lang="en-US" smtClean="0"/>
+            </a:fld>
+            <a:endParaRPr lang="en-US"/>
+          </a:p>
+        </p:txBody>
+      </p:sp>
+      <p:sp>
+        <p:nvSpPr>
+          <p:cNvPr id="5" name="Footer Placeholder 4"/>
+          <p:cNvSpPr>
+            <a:spLocks noGrp="1"/>
+          </p:cNvSpPr>
+          <p:nvPr>
+            <p:ph type="ftr" sz="quarter" idx="11"/>
           </p:nvPr>
         </p:nvSpPr>
         <p:spPr/>
@@ -512,64 +3636,33 @@
           <a:bodyPr/>
           <a:lstStyle/>
           <a:p>
-            <a:fld id="{5586B75A-687E-405C-8A0B-8D00578BA2C3}" type="datetimeFigureOut">
+            <a:endParaRPr lang="en-US"/>
+          </a:p>
+        </p:txBody>
+      </p:sp>
+      <p:sp>
+        <p:nvSpPr>
+          <p:cNvPr id="6" name="Slide Number Placeholder 5"/>
+          <p:cNvSpPr>
+            <a:spLocks noGrp="1"/>
+          </p:cNvSpPr>
+          <p:nvPr>
+            <p:ph type="sldNum" sz="quarter" idx="12"/>
+          </p:nvPr>
+        </p:nvSpPr>
+        <p:spPr/>
+        <p:txBody>
+          <a:bodyPr/>
+          <a:lstStyle/>
+          <a:p>
+            <a:fld id="{B6F15528-21DE-4FAA-801E-634DDDAF4B2B}" type="slidenum">
               <a:rPr lang="en-US" smtClean="0"/>
-              <a:pPr/>
-              <a:t>12/5/2023</a:t>
             </a:fld>
-            <a:endParaRPr lang="en-US" dirty="0"/>
-          </a:p>
-        </p:txBody>
-      </p:sp>
-      <p:sp>
-        <p:nvSpPr>
-          <p:cNvPr id="8" name="Footer Placeholder 7"/>
-          <p:cNvSpPr>
-            <a:spLocks noGrp="1"/>
-          </p:cNvSpPr>
-          <p:nvPr>
-            <p:ph type="ftr" sz="quarter" idx="11"/>
-          </p:nvPr>
-        </p:nvSpPr>
-        <p:spPr/>
-        <p:txBody>
-          <a:bodyPr/>
-          <a:lstStyle/>
-          <a:p>
-            <a:endParaRPr lang="en-US" dirty="0"/>
-          </a:p>
-        </p:txBody>
-      </p:sp>
-      <p:sp>
-        <p:nvSpPr>
-          <p:cNvPr id="9" name="Slide Number Placeholder 8"/>
-          <p:cNvSpPr>
-            <a:spLocks noGrp="1"/>
-          </p:cNvSpPr>
-          <p:nvPr>
-            <p:ph type="sldNum" sz="quarter" idx="12"/>
-          </p:nvPr>
-        </p:nvSpPr>
-        <p:spPr/>
-        <p:txBody>
-          <a:bodyPr/>
-          <a:lstStyle/>
-          <a:p>
-            <a:fld id="{4FAB73BC-B049-4115-A692-8D63A059BFB8}" type="slidenum">
-              <a:rPr lang="en-US" smtClean="0"/>
-              <a:pPr/>
-              <a:t>‹#›</a:t>
-            </a:fld>
-            <a:endParaRPr lang="en-US" dirty="0"/>
+            <a:endParaRPr lang="en-US"/>
           </a:p>
         </p:txBody>
       </p:sp>
     </p:spTree>
-    <p:extLst>
-      <p:ext uri="{BB962C8B-B14F-4D97-AF65-F5344CB8AC3E}">
-        <p14:creationId xmlns:p14="http://schemas.microsoft.com/office/powerpoint/2010/main" val="732516596"/>
-      </p:ext>
-    </p:extLst>
   </p:cSld>
   <p:clrMapOvr>
     <a:masterClrMapping/>
@@ -577,7 +3670,7 @@
 </p:sldLayout>
 </file>
 
-<file path=ppt/slideLayouts/slideLayout11.xml><?xml version="1.0" encoding="utf-8"?>
+<file path=ppt/slideLayouts/slideLayout17.xml><?xml version="1.0" encoding="utf-8"?>
 <p:sldLayout xmlns:a="http://schemas.openxmlformats.org/drawingml/2006/main" xmlns:r="http://schemas.openxmlformats.org/officeDocument/2006/relationships" xmlns:p="http://schemas.openxmlformats.org/presentationml/2006/main" type="vertTitleAndTx" preserve="1">
   <p:cSld name="Vertical Title and Text">
     <p:spTree>
@@ -594,6 +3687,36 @@
           <a:chExt cx="0" cy="0"/>
         </a:xfrm>
       </p:grpSpPr>
+      <p:pic>
+        <p:nvPicPr>
+          <p:cNvPr id="9" name="Picture 8" descr="Droplets-HD-Content-R1d.png"/>
+          <p:cNvPicPr>
+            <a:picLocks noChangeAspect="1"/>
+          </p:cNvPicPr>
+          <p:nvPr/>
+        </p:nvPicPr>
+        <p:blipFill>
+          <a:blip r:embed="rId2">
+            <a:extLst>
+              <a:ext uri="{28A0092B-C50C-407E-A947-70E740481C1C}">
+                <a14:useLocalDpi xmlns:a14="http://schemas.microsoft.com/office/drawing/2010/main" val="0"/>
+              </a:ext>
+            </a:extLst>
+          </a:blip>
+          <a:stretch>
+            <a:fillRect/>
+          </a:stretch>
+        </p:blipFill>
+        <p:spPr>
+          <a:xfrm>
+            <a:off x="0" y="0"/>
+            <a:ext cx="18288000" cy="10287000"/>
+          </a:xfrm>
+          <a:prstGeom prst="rect">
+            <a:avLst/>
+          </a:prstGeom>
+        </p:spPr>
+      </p:pic>
       <p:sp>
         <p:nvSpPr>
           <p:cNvPr id="2" name="Vertical Title 1"/>
@@ -606,13 +3729,17 @@
         </p:nvSpPr>
         <p:spPr>
           <a:xfrm>
-            <a:off x="571500" y="1485900"/>
-            <a:ext cx="4229100" cy="7429500"/>
+            <a:off x="13087350" y="914402"/>
+            <a:ext cx="3829989" cy="7772399"/>
           </a:xfrm>
         </p:spPr>
         <p:txBody>
           <a:bodyPr vert="eaVert"/>
-          <a:lstStyle/>
+          <a:lstStyle>
+            <a:lvl1pPr algn="l">
+              <a:defRPr/>
+            </a:lvl1pPr>
+          </a:lstStyle>
           <a:p>
             <a:r>
               <a:rPr lang="en-US"/>
@@ -624,22 +3751,22 @@
       </p:sp>
       <p:sp>
         <p:nvSpPr>
-          <p:cNvPr id="3" name="Vertical Text Placeholder 2"/>
-          <p:cNvSpPr>
-            <a:spLocks noGrp="1"/>
-          </p:cNvSpPr>
-          <p:nvPr>
-            <p:ph type="body" orient="vert" idx="1"/>
-          </p:nvPr>
-        </p:nvSpPr>
-        <p:spPr>
-          <a:xfrm>
-            <a:off x="5801868" y="1303020"/>
-            <a:ext cx="10972800" cy="7680960"/>
-          </a:xfrm>
-        </p:spPr>
-        <p:txBody>
-          <a:bodyPr vert="eaVert" anchor="t"/>
+          <p:cNvPr id="8" name="Vertical Text Placeholder 2"/>
+          <p:cNvSpPr>
+            <a:spLocks noGrp="1"/>
+          </p:cNvSpPr>
+          <p:nvPr>
+            <p:ph type="body" orient="vert" sz="quarter" idx="13"/>
+          </p:nvPr>
+        </p:nvSpPr>
+        <p:spPr>
+          <a:xfrm>
+            <a:off x="1370663" y="914402"/>
+            <a:ext cx="11488086" cy="7772399"/>
+          </a:xfrm>
+        </p:spPr>
+        <p:txBody>
+          <a:bodyPr vert="eaVert"/>
           <a:lstStyle/>
           <a:p>
             <a:pPr lvl="0"/>
@@ -647,6 +3774,7 @@
               <a:rPr lang="en-US"/>
               <a:t>Click to edit Master text styles</a:t>
             </a:r>
+            <a:endParaRPr lang="en-US"/>
           </a:p>
           <a:p>
             <a:pPr lvl="1"/>
@@ -654,6 +3782,7 @@
               <a:rPr lang="en-US"/>
               <a:t>Second level</a:t>
             </a:r>
+            <a:endParaRPr lang="en-US"/>
           </a:p>
           <a:p>
             <a:pPr lvl="2"/>
@@ -661,6 +3790,7 @@
               <a:rPr lang="en-US"/>
               <a:t>Third level</a:t>
             </a:r>
+            <a:endParaRPr lang="en-US"/>
           </a:p>
           <a:p>
             <a:pPr lvl="3"/>
@@ -668,6 +3798,7 @@
               <a:rPr lang="en-US"/>
               <a:t>Fourth level</a:t>
             </a:r>
+            <a:endParaRPr lang="en-US"/>
           </a:p>
           <a:p>
             <a:pPr lvl="4"/>
@@ -681,7 +3812,7 @@
       </p:sp>
       <p:sp>
         <p:nvSpPr>
-          <p:cNvPr id="7" name="Date Placeholder 6"/>
+          <p:cNvPr id="4" name="Date Placeholder 3"/>
           <p:cNvSpPr>
             <a:spLocks noGrp="1"/>
           </p:cNvSpPr>
@@ -694,18 +3825,183 @@
           <a:bodyPr/>
           <a:lstStyle/>
           <a:p>
-            <a:fld id="{5586B75A-687E-405C-8A0B-8D00578BA2C3}" type="datetimeFigureOut">
+            <a:fld id="{1D8BD707-D9CF-40AE-B4C6-C98DA3205C09}" type="datetimeFigureOut">
               <a:rPr lang="en-US" smtClean="0"/>
-              <a:pPr/>
-              <a:t>12/5/2023</a:t>
             </a:fld>
+            <a:endParaRPr lang="en-US"/>
+          </a:p>
+        </p:txBody>
+      </p:sp>
+      <p:sp>
+        <p:nvSpPr>
+          <p:cNvPr id="5" name="Footer Placeholder 4"/>
+          <p:cNvSpPr>
+            <a:spLocks noGrp="1"/>
+          </p:cNvSpPr>
+          <p:nvPr>
+            <p:ph type="ftr" sz="quarter" idx="11"/>
+          </p:nvPr>
+        </p:nvSpPr>
+        <p:spPr/>
+        <p:txBody>
+          <a:bodyPr/>
+          <a:lstStyle/>
+          <a:p>
+            <a:endParaRPr lang="en-US"/>
+          </a:p>
+        </p:txBody>
+      </p:sp>
+      <p:sp>
+        <p:nvSpPr>
+          <p:cNvPr id="6" name="Slide Number Placeholder 5"/>
+          <p:cNvSpPr>
+            <a:spLocks noGrp="1"/>
+          </p:cNvSpPr>
+          <p:nvPr>
+            <p:ph type="sldNum" sz="quarter" idx="12"/>
+          </p:nvPr>
+        </p:nvSpPr>
+        <p:spPr/>
+        <p:txBody>
+          <a:bodyPr/>
+          <a:lstStyle/>
+          <a:p>
+            <a:fld id="{B6F15528-21DE-4FAA-801E-634DDDAF4B2B}" type="slidenum">
+              <a:rPr lang="en-US" smtClean="0"/>
+            </a:fld>
+            <a:endParaRPr lang="en-US"/>
+          </a:p>
+        </p:txBody>
+      </p:sp>
+    </p:spTree>
+  </p:cSld>
+  <p:clrMapOvr>
+    <a:masterClrMapping/>
+  </p:clrMapOvr>
+</p:sldLayout>
+</file>
+
+<file path=ppt/slideLayouts/slideLayout18.xml><?xml version="1.0" encoding="utf-8"?>
+<p:sldLayout xmlns:a="http://schemas.openxmlformats.org/drawingml/2006/main" xmlns:r="http://schemas.openxmlformats.org/officeDocument/2006/relationships" xmlns:p="http://schemas.openxmlformats.org/presentationml/2006/main" type="obj">
+  <p:cSld name="1_Title and Content">
+    <p:spTree>
+      <p:nvGrpSpPr>
+        <p:cNvPr id="1" name=""/>
+        <p:cNvGrpSpPr/>
+        <p:nvPr/>
+      </p:nvGrpSpPr>
+      <p:grpSpPr>
+        <a:xfrm>
+          <a:off x="0" y="0"/>
+          <a:ext cx="0" cy="0"/>
+          <a:chOff x="0" y="0"/>
+          <a:chExt cx="0" cy="0"/>
+        </a:xfrm>
+      </p:grpSpPr>
+      <p:sp>
+        <p:nvSpPr>
+          <p:cNvPr id="2" name="Title 1"/>
+          <p:cNvSpPr>
+            <a:spLocks noGrp="1"/>
+          </p:cNvSpPr>
+          <p:nvPr>
+            <p:ph type="title"/>
+          </p:nvPr>
+        </p:nvSpPr>
+        <p:spPr/>
+        <p:txBody>
+          <a:bodyPr/>
+          <a:lstStyle/>
+          <a:p>
+            <a:r>
+              <a:rPr lang="en-US"/>
+              <a:t>Click to edit Master title style</a:t>
+            </a:r>
             <a:endParaRPr lang="en-US" dirty="0"/>
           </a:p>
         </p:txBody>
       </p:sp>
       <p:sp>
         <p:nvSpPr>
-          <p:cNvPr id="8" name="Footer Placeholder 7"/>
+          <p:cNvPr id="3" name="Content Placeholder 2"/>
+          <p:cNvSpPr>
+            <a:spLocks noGrp="1"/>
+          </p:cNvSpPr>
+          <p:nvPr>
+            <p:ph idx="1"/>
+          </p:nvPr>
+        </p:nvSpPr>
+        <p:spPr/>
+        <p:txBody>
+          <a:bodyPr/>
+          <a:lstStyle/>
+          <a:p>
+            <a:pPr lvl="0"/>
+            <a:r>
+              <a:rPr lang="en-US"/>
+              <a:t>Click to edit Master text styles</a:t>
+            </a:r>
+            <a:endParaRPr lang="en-US"/>
+          </a:p>
+          <a:p>
+            <a:pPr lvl="1"/>
+            <a:r>
+              <a:rPr lang="en-US"/>
+              <a:t>Second level</a:t>
+            </a:r>
+            <a:endParaRPr lang="en-US"/>
+          </a:p>
+          <a:p>
+            <a:pPr lvl="2"/>
+            <a:r>
+              <a:rPr lang="en-US"/>
+              <a:t>Third level</a:t>
+            </a:r>
+            <a:endParaRPr lang="en-US"/>
+          </a:p>
+          <a:p>
+            <a:pPr lvl="3"/>
+            <a:r>
+              <a:rPr lang="en-US"/>
+              <a:t>Fourth level</a:t>
+            </a:r>
+            <a:endParaRPr lang="en-US"/>
+          </a:p>
+          <a:p>
+            <a:pPr lvl="4"/>
+            <a:r>
+              <a:rPr lang="en-US"/>
+              <a:t>Fifth level</a:t>
+            </a:r>
+            <a:endParaRPr lang="en-US" dirty="0"/>
+          </a:p>
+        </p:txBody>
+      </p:sp>
+      <p:sp>
+        <p:nvSpPr>
+          <p:cNvPr id="4" name="Date Placeholder 3"/>
+          <p:cNvSpPr>
+            <a:spLocks noGrp="1"/>
+          </p:cNvSpPr>
+          <p:nvPr>
+            <p:ph type="dt" sz="half" idx="10"/>
+          </p:nvPr>
+        </p:nvSpPr>
+        <p:spPr/>
+        <p:txBody>
+          <a:bodyPr/>
+          <a:lstStyle/>
+          <a:p>
+            <a:fld id="{1D8BD707-D9CF-40AE-B4C6-C98DA3205C09}" type="datetimeFigureOut">
+              <a:rPr lang="en-US" smtClean="0"/>
+            </a:fld>
+            <a:endParaRPr lang="en-US"/>
+          </a:p>
+        </p:txBody>
+      </p:sp>
+      <p:sp>
+        <p:nvSpPr>
+          <p:cNvPr id="5" name="Footer Placeholder 4"/>
           <p:cNvSpPr>
             <a:spLocks noGrp="1"/>
           </p:cNvSpPr>
@@ -718,13 +4014,13 @@
           <a:bodyPr/>
           <a:lstStyle/>
           <a:p>
-            <a:endParaRPr lang="en-US" dirty="0"/>
-          </a:p>
-        </p:txBody>
-      </p:sp>
-      <p:sp>
-        <p:nvSpPr>
-          <p:cNvPr id="9" name="Slide Number Placeholder 8"/>
+            <a:endParaRPr lang="en-US"/>
+          </a:p>
+        </p:txBody>
+      </p:sp>
+      <p:sp>
+        <p:nvSpPr>
+          <p:cNvPr id="6" name="Slide Number Placeholder 5"/>
           <p:cNvSpPr>
             <a:spLocks noGrp="1"/>
           </p:cNvSpPr>
@@ -737,21 +4033,14 @@
           <a:bodyPr/>
           <a:lstStyle/>
           <a:p>
-            <a:fld id="{4FAB73BC-B049-4115-A692-8D63A059BFB8}" type="slidenum">
+            <a:fld id="{B6F15528-21DE-4FAA-801E-634DDDAF4B2B}" type="slidenum">
               <a:rPr lang="en-US" smtClean="0"/>
-              <a:pPr/>
-              <a:t>‹#›</a:t>
             </a:fld>
-            <a:endParaRPr lang="en-US" dirty="0"/>
+            <a:endParaRPr lang="en-US"/>
           </a:p>
         </p:txBody>
       </p:sp>
     </p:spTree>
-    <p:extLst>
-      <p:ext uri="{BB962C8B-B14F-4D97-AF65-F5344CB8AC3E}">
-        <p14:creationId xmlns:p14="http://schemas.microsoft.com/office/powerpoint/2010/main" val="2564063524"/>
-      </p:ext>
-    </p:extLst>
   </p:cSld>
   <p:clrMapOvr>
     <a:masterClrMapping/>
@@ -776,6 +4065,36 @@
           <a:chExt cx="0" cy="0"/>
         </a:xfrm>
       </p:grpSpPr>
+      <p:pic>
+        <p:nvPicPr>
+          <p:cNvPr id="3" name="Picture 2" descr="Droplets-HD-Content-R1d.png"/>
+          <p:cNvPicPr>
+            <a:picLocks noChangeAspect="1"/>
+          </p:cNvPicPr>
+          <p:nvPr/>
+        </p:nvPicPr>
+        <p:blipFill>
+          <a:blip r:embed="rId2">
+            <a:extLst>
+              <a:ext uri="{28A0092B-C50C-407E-A947-70E740481C1C}">
+                <a14:useLocalDpi xmlns:a14="http://schemas.microsoft.com/office/drawing/2010/main" val="0"/>
+              </a:ext>
+            </a:extLst>
+          </a:blip>
+          <a:stretch>
+            <a:fillRect/>
+          </a:stretch>
+        </p:blipFill>
+        <p:spPr>
+          <a:xfrm>
+            <a:off x="0" y="0"/>
+            <a:ext cx="18288000" cy="10287000"/>
+          </a:xfrm>
+          <a:prstGeom prst="rect">
+            <a:avLst/>
+          </a:prstGeom>
+        </p:spPr>
+      </p:pic>
       <p:sp>
         <p:nvSpPr>
           <p:cNvPr id="2" name="Title 1"/>
@@ -801,12 +4120,73 @@
       </p:sp>
       <p:sp>
         <p:nvSpPr>
-          <p:cNvPr id="3" name="Content Placeholder 2"/>
-          <p:cNvSpPr>
-            <a:spLocks noGrp="1"/>
-          </p:cNvSpPr>
-          <p:nvPr>
-            <p:ph idx="1"/>
+          <p:cNvPr id="12" name="Content Placeholder 2"/>
+          <p:cNvSpPr>
+            <a:spLocks noGrp="1"/>
+          </p:cNvSpPr>
+          <p:nvPr>
+            <p:ph sz="quarter" idx="13"/>
+          </p:nvPr>
+        </p:nvSpPr>
+        <p:spPr>
+          <a:xfrm>
+            <a:off x="1370661" y="3550639"/>
+            <a:ext cx="15545739" cy="5136161"/>
+          </a:xfrm>
+        </p:spPr>
+        <p:txBody>
+          <a:bodyPr/>
+          <a:lstStyle/>
+          <a:p>
+            <a:pPr lvl="0"/>
+            <a:r>
+              <a:rPr lang="en-US"/>
+              <a:t>Click to edit Master text styles</a:t>
+            </a:r>
+            <a:endParaRPr lang="en-US"/>
+          </a:p>
+          <a:p>
+            <a:pPr lvl="1"/>
+            <a:r>
+              <a:rPr lang="en-US"/>
+              <a:t>Second level</a:t>
+            </a:r>
+            <a:endParaRPr lang="en-US"/>
+          </a:p>
+          <a:p>
+            <a:pPr lvl="2"/>
+            <a:r>
+              <a:rPr lang="en-US"/>
+              <a:t>Third level</a:t>
+            </a:r>
+            <a:endParaRPr lang="en-US"/>
+          </a:p>
+          <a:p>
+            <a:pPr lvl="3"/>
+            <a:r>
+              <a:rPr lang="en-US"/>
+              <a:t>Fourth level</a:t>
+            </a:r>
+            <a:endParaRPr lang="en-US"/>
+          </a:p>
+          <a:p>
+            <a:pPr lvl="4"/>
+            <a:r>
+              <a:rPr lang="en-US"/>
+              <a:t>Fifth level</a:t>
+            </a:r>
+            <a:endParaRPr lang="en-US" dirty="0"/>
+          </a:p>
+        </p:txBody>
+      </p:sp>
+      <p:sp>
+        <p:nvSpPr>
+          <p:cNvPr id="4" name="Date Placeholder 3"/>
+          <p:cNvSpPr>
+            <a:spLocks noGrp="1"/>
+          </p:cNvSpPr>
+          <p:nvPr>
+            <p:ph type="dt" sz="half" idx="10"/>
           </p:nvPr>
         </p:nvSpPr>
         <p:spPr/>
@@ -814,51 +4194,21 @@
           <a:bodyPr/>
           <a:lstStyle/>
           <a:p>
-            <a:pPr lvl="0"/>
-            <a:r>
-              <a:rPr lang="en-US"/>
-              <a:t>Click to edit Master text styles</a:t>
-            </a:r>
-          </a:p>
-          <a:p>
-            <a:pPr lvl="1"/>
-            <a:r>
-              <a:rPr lang="en-US"/>
-              <a:t>Second level</a:t>
-            </a:r>
-          </a:p>
-          <a:p>
-            <a:pPr lvl="2"/>
-            <a:r>
-              <a:rPr lang="en-US"/>
-              <a:t>Third level</a:t>
-            </a:r>
-          </a:p>
-          <a:p>
-            <a:pPr lvl="3"/>
-            <a:r>
-              <a:rPr lang="en-US"/>
-              <a:t>Fourth level</a:t>
-            </a:r>
-          </a:p>
-          <a:p>
-            <a:pPr lvl="4"/>
-            <a:r>
-              <a:rPr lang="en-US"/>
-              <a:t>Fifth level</a:t>
-            </a:r>
-            <a:endParaRPr lang="en-US" dirty="0"/>
-          </a:p>
-        </p:txBody>
-      </p:sp>
-      <p:sp>
-        <p:nvSpPr>
-          <p:cNvPr id="4" name="Date Placeholder 3"/>
-          <p:cNvSpPr>
-            <a:spLocks noGrp="1"/>
-          </p:cNvSpPr>
-          <p:nvPr>
-            <p:ph type="dt" sz="half" idx="10"/>
+            <a:fld id="{1D8BD707-D9CF-40AE-B4C6-C98DA3205C09}" type="datetimeFigureOut">
+              <a:rPr lang="en-US" smtClean="0"/>
+            </a:fld>
+            <a:endParaRPr lang="en-US"/>
+          </a:p>
+        </p:txBody>
+      </p:sp>
+      <p:sp>
+        <p:nvSpPr>
+          <p:cNvPr id="5" name="Footer Placeholder 4"/>
+          <p:cNvSpPr>
+            <a:spLocks noGrp="1"/>
+          </p:cNvSpPr>
+          <p:nvPr>
+            <p:ph type="ftr" sz="quarter" idx="11"/>
           </p:nvPr>
         </p:nvSpPr>
         <p:spPr/>
@@ -866,64 +4216,33 @@
           <a:bodyPr/>
           <a:lstStyle/>
           <a:p>
-            <a:fld id="{5586B75A-687E-405C-8A0B-8D00578BA2C3}" type="datetimeFigureOut">
+            <a:endParaRPr lang="en-US"/>
+          </a:p>
+        </p:txBody>
+      </p:sp>
+      <p:sp>
+        <p:nvSpPr>
+          <p:cNvPr id="6" name="Slide Number Placeholder 5"/>
+          <p:cNvSpPr>
+            <a:spLocks noGrp="1"/>
+          </p:cNvSpPr>
+          <p:nvPr>
+            <p:ph type="sldNum" sz="quarter" idx="12"/>
+          </p:nvPr>
+        </p:nvSpPr>
+        <p:spPr/>
+        <p:txBody>
+          <a:bodyPr/>
+          <a:lstStyle/>
+          <a:p>
+            <a:fld id="{B6F15528-21DE-4FAA-801E-634DDDAF4B2B}" type="slidenum">
               <a:rPr lang="en-US" smtClean="0"/>
-              <a:pPr/>
-              <a:t>12/5/2023</a:t>
             </a:fld>
-            <a:endParaRPr lang="en-US" dirty="0"/>
-          </a:p>
-        </p:txBody>
-      </p:sp>
-      <p:sp>
-        <p:nvSpPr>
-          <p:cNvPr id="5" name="Footer Placeholder 4"/>
-          <p:cNvSpPr>
-            <a:spLocks noGrp="1"/>
-          </p:cNvSpPr>
-          <p:nvPr>
-            <p:ph type="ftr" sz="quarter" idx="11"/>
-          </p:nvPr>
-        </p:nvSpPr>
-        <p:spPr/>
-        <p:txBody>
-          <a:bodyPr/>
-          <a:lstStyle/>
-          <a:p>
-            <a:endParaRPr lang="en-US" dirty="0"/>
-          </a:p>
-        </p:txBody>
-      </p:sp>
-      <p:sp>
-        <p:nvSpPr>
-          <p:cNvPr id="6" name="Slide Number Placeholder 5"/>
-          <p:cNvSpPr>
-            <a:spLocks noGrp="1"/>
-          </p:cNvSpPr>
-          <p:nvPr>
-            <p:ph type="sldNum" sz="quarter" idx="12"/>
-          </p:nvPr>
-        </p:nvSpPr>
-        <p:spPr/>
-        <p:txBody>
-          <a:bodyPr/>
-          <a:lstStyle/>
-          <a:p>
-            <a:fld id="{4FAB73BC-B049-4115-A692-8D63A059BFB8}" type="slidenum">
-              <a:rPr lang="en-US" smtClean="0"/>
-              <a:pPr/>
-              <a:t>‹#›</a:t>
-            </a:fld>
-            <a:endParaRPr lang="en-US" dirty="0"/>
+            <a:endParaRPr lang="en-US"/>
           </a:p>
         </p:txBody>
       </p:sp>
     </p:spTree>
-    <p:extLst>
-      <p:ext uri="{BB962C8B-B14F-4D97-AF65-F5344CB8AC3E}">
-        <p14:creationId xmlns:p14="http://schemas.microsoft.com/office/powerpoint/2010/main" val="584302243"/>
-      </p:ext>
-    </p:extLst>
   </p:cSld>
   <p:clrMapOvr>
     <a:masterClrMapping/>
@@ -948,6 +4267,36 @@
           <a:chExt cx="0" cy="0"/>
         </a:xfrm>
       </p:grpSpPr>
+      <p:pic>
+        <p:nvPicPr>
+          <p:cNvPr id="9" name="Picture 8" descr="Droplets-HD-Content-R1d.png"/>
+          <p:cNvPicPr>
+            <a:picLocks noChangeAspect="1"/>
+          </p:cNvPicPr>
+          <p:nvPr/>
+        </p:nvPicPr>
+        <p:blipFill>
+          <a:blip r:embed="rId2">
+            <a:extLst>
+              <a:ext uri="{28A0092B-C50C-407E-A947-70E740481C1C}">
+                <a14:useLocalDpi xmlns:a14="http://schemas.microsoft.com/office/drawing/2010/main" val="0"/>
+              </a:ext>
+            </a:extLst>
+          </a:blip>
+          <a:stretch>
+            <a:fillRect/>
+          </a:stretch>
+        </p:blipFill>
+        <p:spPr>
+          <a:xfrm>
+            <a:off x="0" y="0"/>
+            <a:ext cx="18288000" cy="10287000"/>
+          </a:xfrm>
+          <a:prstGeom prst="rect">
+            <a:avLst/>
+          </a:prstGeom>
+        </p:spPr>
+      </p:pic>
       <p:sp>
         <p:nvSpPr>
           <p:cNvPr id="2" name="Title 1"/>
@@ -960,8 +4309,8 @@
         </p:nvSpPr>
         <p:spPr>
           <a:xfrm>
-            <a:off x="5801868" y="1947672"/>
-            <a:ext cx="10972800" cy="4882896"/>
+            <a:off x="1370661" y="1242845"/>
+            <a:ext cx="15527628" cy="4105229"/>
           </a:xfrm>
         </p:spPr>
         <p:txBody>
@@ -970,14 +4319,7 @@
           </a:bodyPr>
           <a:lstStyle>
             <a:lvl1pPr>
-              <a:defRPr sz="8850" b="0" spc="-150" baseline="0">
-                <a:solidFill>
-                  <a:schemeClr val="tx1">
-                    <a:lumMod val="65000"/>
-                    <a:lumOff val="35000"/>
-                  </a:schemeClr>
-                </a:solidFill>
-              </a:defRPr>
+              <a:defRPr sz="6000"/>
             </a:lvl1pPr>
           </a:lstStyle>
           <a:p>
@@ -1001,29 +4343,28 @@
         </p:nvSpPr>
         <p:spPr>
           <a:xfrm>
-            <a:off x="5829300" y="7008876"/>
-            <a:ext cx="10972800" cy="1371600"/>
-          </a:xfrm>
-        </p:spPr>
-        <p:txBody>
-          <a:bodyPr anchor="t">
+            <a:off x="1370661" y="5486186"/>
+            <a:ext cx="15527628" cy="2052275"/>
+          </a:xfrm>
+        </p:spPr>
+        <p:txBody>
+          <a:bodyPr>
             <a:normAutofit/>
           </a:bodyPr>
           <a:lstStyle>
-            <a:lvl1pPr marL="0" indent="0">
-              <a:buNone/>
-              <a:defRPr sz="3300" cap="none" spc="0" baseline="0">
+            <a:lvl1pPr marL="0" indent="0" algn="ctr">
+              <a:buNone/>
+              <a:defRPr sz="3000">
                 <a:solidFill>
-                  <a:schemeClr val="bg2">
-                    <a:lumMod val="40000"/>
-                    <a:lumOff val="60000"/>
+                  <a:schemeClr val="bg1">
+                    <a:lumMod val="50000"/>
                   </a:schemeClr>
                 </a:solidFill>
               </a:defRPr>
             </a:lvl1pPr>
             <a:lvl2pPr marL="685800" indent="0">
               <a:buNone/>
-              <a:defRPr sz="2700">
+              <a:defRPr sz="3000">
                 <a:solidFill>
                   <a:schemeClr val="tx1">
                     <a:tint val="75000"/>
@@ -1033,7 +4374,7 @@
             </a:lvl2pPr>
             <a:lvl3pPr marL="1371600" indent="0">
               <a:buNone/>
-              <a:defRPr sz="2400">
+              <a:defRPr sz="2700">
                 <a:solidFill>
                   <a:schemeClr val="tx1">
                     <a:tint val="75000"/>
@@ -1043,7 +4384,7 @@
             </a:lvl3pPr>
             <a:lvl4pPr marL="2057400" indent="0">
               <a:buNone/>
-              <a:defRPr sz="2100">
+              <a:defRPr sz="2400">
                 <a:solidFill>
                   <a:schemeClr val="tx1">
                     <a:tint val="75000"/>
@@ -1053,7 +4394,7 @@
             </a:lvl4pPr>
             <a:lvl5pPr marL="2743200" indent="0">
               <a:buNone/>
-              <a:defRPr sz="2100">
+              <a:defRPr sz="2400">
                 <a:solidFill>
                   <a:schemeClr val="tx1">
                     <a:tint val="75000"/>
@@ -1063,7 +4404,7 @@
             </a:lvl5pPr>
             <a:lvl6pPr marL="3429000" indent="0">
               <a:buNone/>
-              <a:defRPr sz="2100">
+              <a:defRPr sz="2400">
                 <a:solidFill>
                   <a:schemeClr val="tx1">
                     <a:tint val="75000"/>
@@ -1073,7 +4414,7 @@
             </a:lvl6pPr>
             <a:lvl7pPr marL="4114800" indent="0">
               <a:buNone/>
-              <a:defRPr sz="2100">
+              <a:defRPr sz="2400">
                 <a:solidFill>
                   <a:schemeClr val="tx1">
                     <a:tint val="75000"/>
@@ -1083,7 +4424,7 @@
             </a:lvl7pPr>
             <a:lvl8pPr marL="4800600" indent="0">
               <a:buNone/>
-              <a:defRPr sz="2100">
+              <a:defRPr sz="2400">
                 <a:solidFill>
                   <a:schemeClr val="tx1">
                     <a:tint val="75000"/>
@@ -1093,7 +4434,7 @@
             </a:lvl8pPr>
             <a:lvl9pPr marL="5486400" indent="0">
               <a:buNone/>
-              <a:defRPr sz="2100">
+              <a:defRPr sz="2400">
                 <a:solidFill>
                   <a:schemeClr val="tx1">
                     <a:tint val="75000"/>
@@ -1108,6 +4449,7 @@
               <a:rPr lang="en-US"/>
               <a:t>Click to edit Master text styles</a:t>
             </a:r>
+            <a:endParaRPr lang="en-US"/>
           </a:p>
         </p:txBody>
       </p:sp>
@@ -1126,12 +4468,10 @@
           <a:bodyPr/>
           <a:lstStyle/>
           <a:p>
-            <a:fld id="{5586B75A-687E-405C-8A0B-8D00578BA2C3}" type="datetimeFigureOut">
+            <a:fld id="{1D8BD707-D9CF-40AE-B4C6-C98DA3205C09}" type="datetimeFigureOut">
               <a:rPr lang="en-US" smtClean="0"/>
-              <a:pPr/>
-              <a:t>12/5/2023</a:t>
             </a:fld>
-            <a:endParaRPr lang="en-US" dirty="0"/>
+            <a:endParaRPr lang="en-US"/>
           </a:p>
         </p:txBody>
       </p:sp>
@@ -1150,7 +4490,7 @@
           <a:bodyPr/>
           <a:lstStyle/>
           <a:p>
-            <a:endParaRPr lang="en-US" dirty="0"/>
+            <a:endParaRPr lang="en-US"/>
           </a:p>
         </p:txBody>
       </p:sp>
@@ -1169,21 +4509,14 @@
           <a:bodyPr/>
           <a:lstStyle/>
           <a:p>
-            <a:fld id="{4FAB73BC-B049-4115-A692-8D63A059BFB8}" type="slidenum">
+            <a:fld id="{B6F15528-21DE-4FAA-801E-634DDDAF4B2B}" type="slidenum">
               <a:rPr lang="en-US" smtClean="0"/>
-              <a:pPr/>
-              <a:t>‹#›</a:t>
             </a:fld>
-            <a:endParaRPr lang="en-US" dirty="0"/>
+            <a:endParaRPr lang="en-US"/>
           </a:p>
         </p:txBody>
       </p:sp>
     </p:spTree>
-    <p:extLst>
-      <p:ext uri="{BB962C8B-B14F-4D97-AF65-F5344CB8AC3E}">
-        <p14:creationId xmlns:p14="http://schemas.microsoft.com/office/powerpoint/2010/main" val="3091562304"/>
-      </p:ext>
-    </p:extLst>
   </p:cSld>
   <p:clrMapOvr>
     <a:masterClrMapping/>
@@ -1208,9 +4541,39 @@
           <a:chExt cx="0" cy="0"/>
         </a:xfrm>
       </p:grpSpPr>
-      <p:sp>
-        <p:nvSpPr>
-          <p:cNvPr id="2" name="Title 1"/>
+      <p:pic>
+        <p:nvPicPr>
+          <p:cNvPr id="10" name="Picture 9" descr="Droplets-HD-Content-R1d.png"/>
+          <p:cNvPicPr>
+            <a:picLocks noChangeAspect="1"/>
+          </p:cNvPicPr>
+          <p:nvPr/>
+        </p:nvPicPr>
+        <p:blipFill>
+          <a:blip r:embed="rId2">
+            <a:extLst>
+              <a:ext uri="{28A0092B-C50C-407E-A947-70E740481C1C}">
+                <a14:useLocalDpi xmlns:a14="http://schemas.microsoft.com/office/drawing/2010/main" val="0"/>
+              </a:ext>
+            </a:extLst>
+          </a:blip>
+          <a:stretch>
+            <a:fillRect/>
+          </a:stretch>
+        </p:blipFill>
+        <p:spPr>
+          <a:xfrm>
+            <a:off x="0" y="0"/>
+            <a:ext cx="18288000" cy="10287000"/>
+          </a:xfrm>
+          <a:prstGeom prst="rect">
+            <a:avLst/>
+          </a:prstGeom>
+        </p:spPr>
+      </p:pic>
+      <p:sp>
+        <p:nvSpPr>
+          <p:cNvPr id="14" name="Title 1"/>
           <p:cNvSpPr>
             <a:spLocks noGrp="1"/>
           </p:cNvSpPr>
@@ -1218,262 +4581,210 @@
             <p:ph type="title"/>
           </p:nvPr>
         </p:nvSpPr>
+        <p:spPr>
+          <a:xfrm>
+            <a:off x="1370663" y="927776"/>
+            <a:ext cx="15546677" cy="2394266"/>
+          </a:xfrm>
+        </p:spPr>
+        <p:txBody>
+          <a:bodyPr/>
+          <a:lstStyle/>
+          <a:p>
+            <a:r>
+              <a:rPr lang="en-US"/>
+              <a:t>Click to edit Master title style</a:t>
+            </a:r>
+            <a:endParaRPr lang="en-US" dirty="0"/>
+          </a:p>
+        </p:txBody>
+      </p:sp>
+      <p:sp>
+        <p:nvSpPr>
+          <p:cNvPr id="12" name="Content Placeholder 2"/>
+          <p:cNvSpPr>
+            <a:spLocks noGrp="1"/>
+          </p:cNvSpPr>
+          <p:nvPr>
+            <p:ph sz="quarter" idx="13"/>
+          </p:nvPr>
+        </p:nvSpPr>
+        <p:spPr>
+          <a:xfrm>
+            <a:off x="1370661" y="3550639"/>
+            <a:ext cx="7659039" cy="5136161"/>
+          </a:xfrm>
+        </p:spPr>
+        <p:txBody>
+          <a:bodyPr/>
+          <a:lstStyle/>
+          <a:p>
+            <a:pPr lvl="0"/>
+            <a:r>
+              <a:rPr lang="en-US"/>
+              <a:t>Click to edit Master text styles</a:t>
+            </a:r>
+            <a:endParaRPr lang="en-US"/>
+          </a:p>
+          <a:p>
+            <a:pPr lvl="1"/>
+            <a:r>
+              <a:rPr lang="en-US"/>
+              <a:t>Second level</a:t>
+            </a:r>
+            <a:endParaRPr lang="en-US"/>
+          </a:p>
+          <a:p>
+            <a:pPr lvl="2"/>
+            <a:r>
+              <a:rPr lang="en-US"/>
+              <a:t>Third level</a:t>
+            </a:r>
+            <a:endParaRPr lang="en-US"/>
+          </a:p>
+          <a:p>
+            <a:pPr lvl="3"/>
+            <a:r>
+              <a:rPr lang="en-US"/>
+              <a:t>Fourth level</a:t>
+            </a:r>
+            <a:endParaRPr lang="en-US"/>
+          </a:p>
+          <a:p>
+            <a:pPr lvl="4"/>
+            <a:r>
+              <a:rPr lang="en-US"/>
+              <a:t>Fifth level</a:t>
+            </a:r>
+            <a:endParaRPr lang="en-US" dirty="0"/>
+          </a:p>
+        </p:txBody>
+      </p:sp>
+      <p:sp>
+        <p:nvSpPr>
+          <p:cNvPr id="13" name="Content Placeholder 3"/>
+          <p:cNvSpPr>
+            <a:spLocks noGrp="1"/>
+          </p:cNvSpPr>
+          <p:nvPr>
+            <p:ph sz="quarter" idx="14"/>
+          </p:nvPr>
+        </p:nvSpPr>
+        <p:spPr>
+          <a:xfrm>
+            <a:off x="9258300" y="3550639"/>
+            <a:ext cx="7658100" cy="5136161"/>
+          </a:xfrm>
+        </p:spPr>
+        <p:txBody>
+          <a:bodyPr/>
+          <a:lstStyle/>
+          <a:p>
+            <a:pPr lvl="0"/>
+            <a:r>
+              <a:rPr lang="en-US"/>
+              <a:t>Click to edit Master text styles</a:t>
+            </a:r>
+            <a:endParaRPr lang="en-US"/>
+          </a:p>
+          <a:p>
+            <a:pPr lvl="1"/>
+            <a:r>
+              <a:rPr lang="en-US"/>
+              <a:t>Second level</a:t>
+            </a:r>
+            <a:endParaRPr lang="en-US"/>
+          </a:p>
+          <a:p>
+            <a:pPr lvl="2"/>
+            <a:r>
+              <a:rPr lang="en-US"/>
+              <a:t>Third level</a:t>
+            </a:r>
+            <a:endParaRPr lang="en-US"/>
+          </a:p>
+          <a:p>
+            <a:pPr lvl="3"/>
+            <a:r>
+              <a:rPr lang="en-US"/>
+              <a:t>Fourth level</a:t>
+            </a:r>
+            <a:endParaRPr lang="en-US"/>
+          </a:p>
+          <a:p>
+            <a:pPr lvl="4"/>
+            <a:r>
+              <a:rPr lang="en-US"/>
+              <a:t>Fifth level</a:t>
+            </a:r>
+            <a:endParaRPr lang="en-US" dirty="0"/>
+          </a:p>
+        </p:txBody>
+      </p:sp>
+      <p:sp>
+        <p:nvSpPr>
+          <p:cNvPr id="5" name="Date Placeholder 4"/>
+          <p:cNvSpPr>
+            <a:spLocks noGrp="1"/>
+          </p:cNvSpPr>
+          <p:nvPr>
+            <p:ph type="dt" sz="half" idx="10"/>
+          </p:nvPr>
+        </p:nvSpPr>
         <p:spPr/>
         <p:txBody>
           <a:bodyPr/>
           <a:lstStyle/>
           <a:p>
-            <a:r>
-              <a:rPr lang="en-US"/>
-              <a:t>Click to edit Master title style</a:t>
-            </a:r>
-            <a:endParaRPr lang="en-US" dirty="0"/>
-          </a:p>
-        </p:txBody>
-      </p:sp>
-      <p:sp>
-        <p:nvSpPr>
-          <p:cNvPr id="3" name="Content Placeholder 2"/>
-          <p:cNvSpPr>
-            <a:spLocks noGrp="1"/>
-          </p:cNvSpPr>
-          <p:nvPr>
-            <p:ph sz="half" idx="1"/>
-          </p:nvPr>
-        </p:nvSpPr>
-        <p:spPr>
-          <a:xfrm>
-            <a:off x="5801868" y="1303020"/>
-            <a:ext cx="5212080" cy="7680960"/>
-          </a:xfrm>
-        </p:spPr>
+            <a:fld id="{1D8BD707-D9CF-40AE-B4C6-C98DA3205C09}" type="datetimeFigureOut">
+              <a:rPr lang="en-US" smtClean="0"/>
+            </a:fld>
+            <a:endParaRPr lang="en-US"/>
+          </a:p>
+        </p:txBody>
+      </p:sp>
+      <p:sp>
+        <p:nvSpPr>
+          <p:cNvPr id="6" name="Footer Placeholder 5"/>
+          <p:cNvSpPr>
+            <a:spLocks noGrp="1"/>
+          </p:cNvSpPr>
+          <p:nvPr>
+            <p:ph type="ftr" sz="quarter" idx="11"/>
+          </p:nvPr>
+        </p:nvSpPr>
+        <p:spPr/>
         <p:txBody>
           <a:bodyPr/>
-          <a:lstStyle>
-            <a:lvl1pPr>
-              <a:defRPr sz="3000"/>
-            </a:lvl1pPr>
-            <a:lvl2pPr>
-              <a:defRPr sz="2700"/>
-            </a:lvl2pPr>
-            <a:lvl3pPr>
-              <a:defRPr sz="2400"/>
-            </a:lvl3pPr>
-            <a:lvl4pPr>
-              <a:defRPr sz="2100"/>
-            </a:lvl4pPr>
-            <a:lvl5pPr>
-              <a:defRPr sz="2100"/>
-            </a:lvl5pPr>
-            <a:lvl6pPr>
-              <a:defRPr sz="2100"/>
-            </a:lvl6pPr>
-            <a:lvl7pPr>
-              <a:defRPr sz="2100"/>
-            </a:lvl7pPr>
-            <a:lvl8pPr>
-              <a:defRPr sz="2100"/>
-            </a:lvl8pPr>
-            <a:lvl9pPr>
-              <a:defRPr sz="2100"/>
-            </a:lvl9pPr>
-          </a:lstStyle>
-          <a:p>
-            <a:pPr lvl="0"/>
-            <a:r>
-              <a:rPr lang="en-US"/>
-              <a:t>Click to edit Master text styles</a:t>
-            </a:r>
-          </a:p>
-          <a:p>
-            <a:pPr lvl="1"/>
-            <a:r>
-              <a:rPr lang="en-US"/>
-              <a:t>Second level</a:t>
-            </a:r>
-          </a:p>
-          <a:p>
-            <a:pPr lvl="2"/>
-            <a:r>
-              <a:rPr lang="en-US"/>
-              <a:t>Third level</a:t>
-            </a:r>
-          </a:p>
-          <a:p>
-            <a:pPr lvl="3"/>
-            <a:r>
-              <a:rPr lang="en-US"/>
-              <a:t>Fourth level</a:t>
-            </a:r>
-          </a:p>
-          <a:p>
-            <a:pPr lvl="4"/>
-            <a:r>
-              <a:rPr lang="en-US"/>
-              <a:t>Fifth level</a:t>
-            </a:r>
-            <a:endParaRPr lang="en-US" dirty="0"/>
-          </a:p>
-        </p:txBody>
-      </p:sp>
-      <p:sp>
-        <p:nvSpPr>
-          <p:cNvPr id="4" name="Content Placeholder 3"/>
-          <p:cNvSpPr>
-            <a:spLocks noGrp="1"/>
-          </p:cNvSpPr>
-          <p:nvPr>
-            <p:ph sz="half" idx="2"/>
-          </p:nvPr>
-        </p:nvSpPr>
-        <p:spPr>
-          <a:xfrm>
-            <a:off x="11727180" y="1303020"/>
-            <a:ext cx="5212080" cy="7680960"/>
-          </a:xfrm>
-        </p:spPr>
+          <a:lstStyle/>
+          <a:p>
+            <a:endParaRPr lang="en-US"/>
+          </a:p>
+        </p:txBody>
+      </p:sp>
+      <p:sp>
+        <p:nvSpPr>
+          <p:cNvPr id="7" name="Slide Number Placeholder 6"/>
+          <p:cNvSpPr>
+            <a:spLocks noGrp="1"/>
+          </p:cNvSpPr>
+          <p:nvPr>
+            <p:ph type="sldNum" sz="quarter" idx="12"/>
+          </p:nvPr>
+        </p:nvSpPr>
+        <p:spPr/>
         <p:txBody>
           <a:bodyPr/>
-          <a:lstStyle>
-            <a:lvl1pPr>
-              <a:defRPr sz="3000"/>
-            </a:lvl1pPr>
-            <a:lvl2pPr>
-              <a:defRPr sz="2700"/>
-            </a:lvl2pPr>
-            <a:lvl3pPr>
-              <a:defRPr sz="2400"/>
-            </a:lvl3pPr>
-            <a:lvl4pPr>
-              <a:defRPr sz="2100"/>
-            </a:lvl4pPr>
-            <a:lvl5pPr>
-              <a:defRPr sz="2100"/>
-            </a:lvl5pPr>
-            <a:lvl6pPr>
-              <a:defRPr sz="2100"/>
-            </a:lvl6pPr>
-            <a:lvl7pPr>
-              <a:defRPr sz="2100"/>
-            </a:lvl7pPr>
-            <a:lvl8pPr>
-              <a:defRPr sz="2100"/>
-            </a:lvl8pPr>
-            <a:lvl9pPr>
-              <a:defRPr sz="2100"/>
-            </a:lvl9pPr>
-          </a:lstStyle>
-          <a:p>
-            <a:pPr lvl="0"/>
-            <a:r>
-              <a:rPr lang="en-US"/>
-              <a:t>Click to edit Master text styles</a:t>
-            </a:r>
-          </a:p>
-          <a:p>
-            <a:pPr lvl="1"/>
-            <a:r>
-              <a:rPr lang="en-US"/>
-              <a:t>Second level</a:t>
-            </a:r>
-          </a:p>
-          <a:p>
-            <a:pPr lvl="2"/>
-            <a:r>
-              <a:rPr lang="en-US"/>
-              <a:t>Third level</a:t>
-            </a:r>
-          </a:p>
-          <a:p>
-            <a:pPr lvl="3"/>
-            <a:r>
-              <a:rPr lang="en-US"/>
-              <a:t>Fourth level</a:t>
-            </a:r>
-          </a:p>
-          <a:p>
-            <a:pPr lvl="4"/>
-            <a:r>
-              <a:rPr lang="en-US"/>
-              <a:t>Fifth level</a:t>
-            </a:r>
-            <a:endParaRPr lang="en-US" dirty="0"/>
-          </a:p>
-        </p:txBody>
-      </p:sp>
-      <p:sp>
-        <p:nvSpPr>
-          <p:cNvPr id="8" name="Date Placeholder 7"/>
-          <p:cNvSpPr>
-            <a:spLocks noGrp="1"/>
-          </p:cNvSpPr>
-          <p:nvPr>
-            <p:ph type="dt" sz="half" idx="10"/>
-          </p:nvPr>
-        </p:nvSpPr>
-        <p:spPr/>
-        <p:txBody>
-          <a:bodyPr/>
-          <a:lstStyle/>
-          <a:p>
-            <a:fld id="{5586B75A-687E-405C-8A0B-8D00578BA2C3}" type="datetimeFigureOut">
+          <a:lstStyle/>
+          <a:p>
+            <a:fld id="{B6F15528-21DE-4FAA-801E-634DDDAF4B2B}" type="slidenum">
               <a:rPr lang="en-US" smtClean="0"/>
-              <a:pPr/>
-              <a:t>12/5/2023</a:t>
             </a:fld>
-            <a:endParaRPr lang="en-US" dirty="0"/>
-          </a:p>
-        </p:txBody>
-      </p:sp>
-      <p:sp>
-        <p:nvSpPr>
-          <p:cNvPr id="9" name="Footer Placeholder 8"/>
-          <p:cNvSpPr>
-            <a:spLocks noGrp="1"/>
-          </p:cNvSpPr>
-          <p:nvPr>
-            <p:ph type="ftr" sz="quarter" idx="11"/>
-          </p:nvPr>
-        </p:nvSpPr>
-        <p:spPr/>
-        <p:txBody>
-          <a:bodyPr/>
-          <a:lstStyle/>
-          <a:p>
-            <a:endParaRPr lang="en-US" dirty="0"/>
-          </a:p>
-        </p:txBody>
-      </p:sp>
-      <p:sp>
-        <p:nvSpPr>
-          <p:cNvPr id="10" name="Slide Number Placeholder 9"/>
-          <p:cNvSpPr>
-            <a:spLocks noGrp="1"/>
-          </p:cNvSpPr>
-          <p:nvPr>
-            <p:ph type="sldNum" sz="quarter" idx="12"/>
-          </p:nvPr>
-        </p:nvSpPr>
-        <p:spPr/>
-        <p:txBody>
-          <a:bodyPr/>
-          <a:lstStyle/>
-          <a:p>
-            <a:fld id="{4FAB73BC-B049-4115-A692-8D63A059BFB8}" type="slidenum">
-              <a:rPr lang="en-US" smtClean="0"/>
-              <a:pPr/>
-              <a:t>‹#›</a:t>
-            </a:fld>
-            <a:endParaRPr lang="en-US" dirty="0"/>
+            <a:endParaRPr lang="en-US"/>
           </a:p>
         </p:txBody>
       </p:sp>
     </p:spTree>
-    <p:extLst>
-      <p:ext uri="{BB962C8B-B14F-4D97-AF65-F5344CB8AC3E}">
-        <p14:creationId xmlns:p14="http://schemas.microsoft.com/office/powerpoint/2010/main" val="3037233424"/>
-      </p:ext>
-    </p:extLst>
   </p:cSld>
   <p:clrMapOvr>
     <a:masterClrMapping/>
@@ -1498,9 +4809,39 @@
           <a:chExt cx="0" cy="0"/>
         </a:xfrm>
       </p:grpSpPr>
-      <p:sp>
-        <p:nvSpPr>
-          <p:cNvPr id="10" name="Title 9"/>
+      <p:pic>
+        <p:nvPicPr>
+          <p:cNvPr id="15" name="Picture 14" descr="Droplets-HD-Content-R1d.png"/>
+          <p:cNvPicPr>
+            <a:picLocks noChangeAspect="1"/>
+          </p:cNvPicPr>
+          <p:nvPr/>
+        </p:nvPicPr>
+        <p:blipFill>
+          <a:blip r:embed="rId2">
+            <a:extLst>
+              <a:ext uri="{28A0092B-C50C-407E-A947-70E740481C1C}">
+                <a14:useLocalDpi xmlns:a14="http://schemas.microsoft.com/office/drawing/2010/main" val="0"/>
+              </a:ext>
+            </a:extLst>
+          </a:blip>
+          <a:stretch>
+            <a:fillRect/>
+          </a:stretch>
+        </p:blipFill>
+        <p:spPr>
+          <a:xfrm>
+            <a:off x="0" y="0"/>
+            <a:ext cx="18288000" cy="10287000"/>
+          </a:xfrm>
+          <a:prstGeom prst="rect">
+            <a:avLst/>
+          </a:prstGeom>
+        </p:spPr>
+      </p:pic>
+      <p:sp>
+        <p:nvSpPr>
+          <p:cNvPr id="14" name="Title 1"/>
           <p:cNvSpPr>
             <a:spLocks noGrp="1"/>
           </p:cNvSpPr>
@@ -1508,7 +4849,12 @@
             <p:ph type="title"/>
           </p:nvPr>
         </p:nvSpPr>
-        <p:spPr/>
+        <p:spPr>
+          <a:xfrm>
+            <a:off x="1370663" y="927776"/>
+            <a:ext cx="15546677" cy="2394266"/>
+          </a:xfrm>
+        </p:spPr>
         <p:txBody>
           <a:bodyPr/>
           <a:lstStyle/>
@@ -1533,26 +4879,23 @@
         </p:nvSpPr>
         <p:spPr>
           <a:xfrm>
-            <a:off x="5801868" y="1535379"/>
-            <a:ext cx="5212080" cy="1211580"/>
+            <a:off x="1719492" y="3556527"/>
+            <a:ext cx="7310211" cy="1019991"/>
           </a:xfrm>
         </p:spPr>
         <p:txBody>
           <a:bodyPr anchor="b">
-            <a:normAutofit/>
+            <a:noAutofit/>
           </a:bodyPr>
           <a:lstStyle>
             <a:lvl1pPr marL="0" indent="0">
-              <a:spcBef>
-                <a:spcPts val="0"/>
-              </a:spcBef>
-              <a:buNone/>
-              <a:defRPr sz="3000" b="1">
+              <a:lnSpc>
+                <a:spcPct val="85000"/>
+              </a:lnSpc>
+              <a:buNone/>
+              <a:defRPr sz="3900" b="0">
                 <a:solidFill>
-                  <a:schemeClr val="bg2">
-                    <a:lumMod val="40000"/>
-                    <a:lumOff val="60000"/>
-                  </a:schemeClr>
+                  <a:schemeClr val="tx1"/>
                 </a:solidFill>
               </a:defRPr>
             </a:lvl1pPr>
@@ -1595,62 +4938,36 @@
               <a:rPr lang="en-US"/>
               <a:t>Click to edit Master text styles</a:t>
             </a:r>
-          </a:p>
-        </p:txBody>
-      </p:sp>
-      <p:sp>
-        <p:nvSpPr>
-          <p:cNvPr id="4" name="Content Placeholder 3"/>
-          <p:cNvSpPr>
-            <a:spLocks noGrp="1"/>
-          </p:cNvSpPr>
-          <p:nvPr>
-            <p:ph sz="half" idx="2"/>
-          </p:nvPr>
-        </p:nvSpPr>
-        <p:spPr>
-          <a:xfrm>
-            <a:off x="5801868" y="2896404"/>
-            <a:ext cx="5212080" cy="6035040"/>
+            <a:endParaRPr lang="en-US"/>
+          </a:p>
+        </p:txBody>
+      </p:sp>
+      <p:sp>
+        <p:nvSpPr>
+          <p:cNvPr id="12" name="Content Placeholder 3"/>
+          <p:cNvSpPr>
+            <a:spLocks noGrp="1"/>
+          </p:cNvSpPr>
+          <p:nvPr>
+            <p:ph sz="quarter" idx="13"/>
+          </p:nvPr>
+        </p:nvSpPr>
+        <p:spPr>
+          <a:xfrm>
+            <a:off x="1370662" y="4576519"/>
+            <a:ext cx="7659041" cy="4110281"/>
           </a:xfrm>
         </p:spPr>
         <p:txBody>
           <a:bodyPr/>
-          <a:lstStyle>
-            <a:lvl1pPr>
-              <a:defRPr sz="3000"/>
-            </a:lvl1pPr>
-            <a:lvl2pPr>
-              <a:defRPr sz="2700"/>
-            </a:lvl2pPr>
-            <a:lvl3pPr>
-              <a:defRPr sz="2400"/>
-            </a:lvl3pPr>
-            <a:lvl4pPr>
-              <a:defRPr sz="2100"/>
-            </a:lvl4pPr>
-            <a:lvl5pPr>
-              <a:defRPr sz="2100"/>
-            </a:lvl5pPr>
-            <a:lvl6pPr>
-              <a:defRPr sz="2100"/>
-            </a:lvl6pPr>
-            <a:lvl7pPr>
-              <a:defRPr sz="2100"/>
-            </a:lvl7pPr>
-            <a:lvl8pPr>
-              <a:defRPr sz="2100"/>
-            </a:lvl8pPr>
-            <a:lvl9pPr>
-              <a:defRPr sz="2100"/>
-            </a:lvl9pPr>
-          </a:lstStyle>
+          <a:lstStyle/>
           <a:p>
             <a:pPr lvl="0"/>
             <a:r>
               <a:rPr lang="en-US"/>
               <a:t>Click to edit Master text styles</a:t>
             </a:r>
+            <a:endParaRPr lang="en-US"/>
           </a:p>
           <a:p>
             <a:pPr lvl="1"/>
@@ -1658,6 +4975,7 @@
               <a:rPr lang="en-US"/>
               <a:t>Second level</a:t>
             </a:r>
+            <a:endParaRPr lang="en-US"/>
           </a:p>
           <a:p>
             <a:pPr lvl="2"/>
@@ -1665,6 +4983,7 @@
               <a:rPr lang="en-US"/>
               <a:t>Third level</a:t>
             </a:r>
+            <a:endParaRPr lang="en-US"/>
           </a:p>
           <a:p>
             <a:pPr lvl="3"/>
@@ -1672,6 +4991,7 @@
               <a:rPr lang="en-US"/>
               <a:t>Fourth level</a:t>
             </a:r>
+            <a:endParaRPr lang="en-US"/>
           </a:p>
           <a:p>
             <a:pPr lvl="4"/>
@@ -1695,26 +5015,23 @@
         </p:nvSpPr>
         <p:spPr>
           <a:xfrm>
-            <a:off x="11727695" y="1535380"/>
-            <a:ext cx="5212080" cy="1219757"/>
+            <a:off x="9594635" y="3556527"/>
+            <a:ext cx="7322706" cy="1019991"/>
           </a:xfrm>
         </p:spPr>
         <p:txBody>
           <a:bodyPr anchor="b">
-            <a:normAutofit/>
+            <a:noAutofit/>
           </a:bodyPr>
           <a:lstStyle>
             <a:lvl1pPr marL="0" indent="0">
-              <a:spcBef>
-                <a:spcPts val="0"/>
-              </a:spcBef>
-              <a:buNone/>
-              <a:defRPr sz="3000" b="1">
+              <a:lnSpc>
+                <a:spcPct val="85000"/>
+              </a:lnSpc>
+              <a:buNone/>
+              <a:defRPr sz="3900" b="0">
                 <a:solidFill>
-                  <a:schemeClr val="bg2">
-                    <a:lumMod val="40000"/>
-                    <a:lumOff val="60000"/>
-                  </a:schemeClr>
+                  <a:schemeClr val="tx1"/>
                 </a:solidFill>
               </a:defRPr>
             </a:lvl1pPr>
@@ -1757,62 +5074,36 @@
               <a:rPr lang="en-US"/>
               <a:t>Click to edit Master text styles</a:t>
             </a:r>
-          </a:p>
-        </p:txBody>
-      </p:sp>
-      <p:sp>
-        <p:nvSpPr>
-          <p:cNvPr id="6" name="Content Placeholder 5"/>
-          <p:cNvSpPr>
-            <a:spLocks noGrp="1"/>
-          </p:cNvSpPr>
-          <p:nvPr>
-            <p:ph sz="quarter" idx="4"/>
-          </p:nvPr>
-        </p:nvSpPr>
-        <p:spPr>
-          <a:xfrm>
-            <a:off x="11727695" y="2896404"/>
-            <a:ext cx="5212080" cy="6035040"/>
+            <a:endParaRPr lang="en-US"/>
+          </a:p>
+        </p:txBody>
+      </p:sp>
+      <p:sp>
+        <p:nvSpPr>
+          <p:cNvPr id="13" name="Content Placeholder 5"/>
+          <p:cNvSpPr>
+            <a:spLocks noGrp="1"/>
+          </p:cNvSpPr>
+          <p:nvPr>
+            <p:ph sz="quarter" idx="14"/>
+          </p:nvPr>
+        </p:nvSpPr>
+        <p:spPr>
+          <a:xfrm>
+            <a:off x="9258301" y="4576519"/>
+            <a:ext cx="7658102" cy="4110281"/>
           </a:xfrm>
         </p:spPr>
         <p:txBody>
           <a:bodyPr/>
-          <a:lstStyle>
-            <a:lvl1pPr>
-              <a:defRPr sz="3000"/>
-            </a:lvl1pPr>
-            <a:lvl2pPr>
-              <a:defRPr sz="2700"/>
-            </a:lvl2pPr>
-            <a:lvl3pPr>
-              <a:defRPr sz="2400"/>
-            </a:lvl3pPr>
-            <a:lvl4pPr>
-              <a:defRPr sz="2100"/>
-            </a:lvl4pPr>
-            <a:lvl5pPr>
-              <a:defRPr sz="2100"/>
-            </a:lvl5pPr>
-            <a:lvl6pPr>
-              <a:defRPr sz="2100"/>
-            </a:lvl6pPr>
-            <a:lvl7pPr>
-              <a:defRPr sz="2100"/>
-            </a:lvl7pPr>
-            <a:lvl8pPr>
-              <a:defRPr sz="2100"/>
-            </a:lvl8pPr>
-            <a:lvl9pPr>
-              <a:defRPr sz="2100"/>
-            </a:lvl9pPr>
-          </a:lstStyle>
+          <a:lstStyle/>
           <a:p>
             <a:pPr lvl="0"/>
             <a:r>
               <a:rPr lang="en-US"/>
               <a:t>Click to edit Master text styles</a:t>
             </a:r>
+            <a:endParaRPr lang="en-US"/>
           </a:p>
           <a:p>
             <a:pPr lvl="1"/>
@@ -1820,6 +5111,7 @@
               <a:rPr lang="en-US"/>
               <a:t>Second level</a:t>
             </a:r>
+            <a:endParaRPr lang="en-US"/>
           </a:p>
           <a:p>
             <a:pPr lvl="2"/>
@@ -1827,6 +5119,7 @@
               <a:rPr lang="en-US"/>
               <a:t>Third level</a:t>
             </a:r>
+            <a:endParaRPr lang="en-US"/>
           </a:p>
           <a:p>
             <a:pPr lvl="3"/>
@@ -1834,6 +5127,7 @@
               <a:rPr lang="en-US"/>
               <a:t>Fourth level</a:t>
             </a:r>
+            <a:endParaRPr lang="en-US"/>
           </a:p>
           <a:p>
             <a:pPr lvl="4"/>
@@ -1847,7 +5141,7 @@
       </p:sp>
       <p:sp>
         <p:nvSpPr>
-          <p:cNvPr id="2" name="Date Placeholder 1"/>
+          <p:cNvPr id="7" name="Date Placeholder 6"/>
           <p:cNvSpPr>
             <a:spLocks noGrp="1"/>
           </p:cNvSpPr>
@@ -1860,18 +5154,16 @@
           <a:bodyPr/>
           <a:lstStyle/>
           <a:p>
-            <a:fld id="{5586B75A-687E-405C-8A0B-8D00578BA2C3}" type="datetimeFigureOut">
+            <a:fld id="{1D8BD707-D9CF-40AE-B4C6-C98DA3205C09}" type="datetimeFigureOut">
               <a:rPr lang="en-US" smtClean="0"/>
-              <a:pPr/>
-              <a:t>12/5/2023</a:t>
             </a:fld>
-            <a:endParaRPr lang="en-US" dirty="0"/>
-          </a:p>
-        </p:txBody>
-      </p:sp>
-      <p:sp>
-        <p:nvSpPr>
-          <p:cNvPr id="11" name="Footer Placeholder 10"/>
+            <a:endParaRPr lang="en-US"/>
+          </a:p>
+        </p:txBody>
+      </p:sp>
+      <p:sp>
+        <p:nvSpPr>
+          <p:cNvPr id="8" name="Footer Placeholder 7"/>
           <p:cNvSpPr>
             <a:spLocks noGrp="1"/>
           </p:cNvSpPr>
@@ -1884,13 +5176,13 @@
           <a:bodyPr/>
           <a:lstStyle/>
           <a:p>
-            <a:endParaRPr lang="en-US" dirty="0"/>
-          </a:p>
-        </p:txBody>
-      </p:sp>
-      <p:sp>
-        <p:nvSpPr>
-          <p:cNvPr id="12" name="Slide Number Placeholder 11"/>
+            <a:endParaRPr lang="en-US"/>
+          </a:p>
+        </p:txBody>
+      </p:sp>
+      <p:sp>
+        <p:nvSpPr>
+          <p:cNvPr id="9" name="Slide Number Placeholder 8"/>
           <p:cNvSpPr>
             <a:spLocks noGrp="1"/>
           </p:cNvSpPr>
@@ -1903,21 +5195,14 @@
           <a:bodyPr/>
           <a:lstStyle/>
           <a:p>
-            <a:fld id="{4FAB73BC-B049-4115-A692-8D63A059BFB8}" type="slidenum">
+            <a:fld id="{B6F15528-21DE-4FAA-801E-634DDDAF4B2B}" type="slidenum">
               <a:rPr lang="en-US" smtClean="0"/>
-              <a:pPr/>
-              <a:t>‹#›</a:t>
             </a:fld>
-            <a:endParaRPr lang="en-US" dirty="0"/>
+            <a:endParaRPr lang="en-US"/>
           </a:p>
         </p:txBody>
       </p:sp>
     </p:spTree>
-    <p:extLst>
-      <p:ext uri="{BB962C8B-B14F-4D97-AF65-F5344CB8AC3E}">
-        <p14:creationId xmlns:p14="http://schemas.microsoft.com/office/powerpoint/2010/main" val="958706550"/>
-      </p:ext>
-    </p:extLst>
   </p:cSld>
   <p:clrMapOvr>
     <a:masterClrMapping/>
@@ -1942,9 +5227,39 @@
           <a:chExt cx="0" cy="0"/>
         </a:xfrm>
       </p:grpSpPr>
-      <p:sp>
-        <p:nvSpPr>
-          <p:cNvPr id="6" name="Title 5"/>
+      <p:pic>
+        <p:nvPicPr>
+          <p:cNvPr id="8" name="Picture 7" descr="Droplets-HD-Content-R1d.png"/>
+          <p:cNvPicPr>
+            <a:picLocks noChangeAspect="1"/>
+          </p:cNvPicPr>
+          <p:nvPr/>
+        </p:nvPicPr>
+        <p:blipFill>
+          <a:blip r:embed="rId2">
+            <a:extLst>
+              <a:ext uri="{28A0092B-C50C-407E-A947-70E740481C1C}">
+                <a14:useLocalDpi xmlns:a14="http://schemas.microsoft.com/office/drawing/2010/main" val="0"/>
+              </a:ext>
+            </a:extLst>
+          </a:blip>
+          <a:stretch>
+            <a:fillRect/>
+          </a:stretch>
+        </p:blipFill>
+        <p:spPr>
+          <a:xfrm>
+            <a:off x="0" y="0"/>
+            <a:ext cx="18288000" cy="10287000"/>
+          </a:xfrm>
+          <a:prstGeom prst="rect">
+            <a:avLst/>
+          </a:prstGeom>
+        </p:spPr>
+      </p:pic>
+      <p:sp>
+        <p:nvSpPr>
+          <p:cNvPr id="2" name="Title 1"/>
           <p:cNvSpPr>
             <a:spLocks noGrp="1"/>
           </p:cNvSpPr>
@@ -1967,7 +5282,7 @@
       </p:sp>
       <p:sp>
         <p:nvSpPr>
-          <p:cNvPr id="2" name="Date Placeholder 1"/>
+          <p:cNvPr id="3" name="Date Placeholder 2"/>
           <p:cNvSpPr>
             <a:spLocks noGrp="1"/>
           </p:cNvSpPr>
@@ -1980,18 +5295,16 @@
           <a:bodyPr/>
           <a:lstStyle/>
           <a:p>
-            <a:fld id="{5586B75A-687E-405C-8A0B-8D00578BA2C3}" type="datetimeFigureOut">
+            <a:fld id="{1D8BD707-D9CF-40AE-B4C6-C98DA3205C09}" type="datetimeFigureOut">
               <a:rPr lang="en-US" smtClean="0"/>
-              <a:pPr/>
-              <a:t>12/5/2023</a:t>
             </a:fld>
-            <a:endParaRPr lang="en-US" dirty="0"/>
-          </a:p>
-        </p:txBody>
-      </p:sp>
-      <p:sp>
-        <p:nvSpPr>
-          <p:cNvPr id="7" name="Footer Placeholder 6"/>
+            <a:endParaRPr lang="en-US"/>
+          </a:p>
+        </p:txBody>
+      </p:sp>
+      <p:sp>
+        <p:nvSpPr>
+          <p:cNvPr id="4" name="Footer Placeholder 3"/>
           <p:cNvSpPr>
             <a:spLocks noGrp="1"/>
           </p:cNvSpPr>
@@ -2004,13 +5317,13 @@
           <a:bodyPr/>
           <a:lstStyle/>
           <a:p>
-            <a:endParaRPr lang="en-US" dirty="0"/>
-          </a:p>
-        </p:txBody>
-      </p:sp>
-      <p:sp>
-        <p:nvSpPr>
-          <p:cNvPr id="8" name="Slide Number Placeholder 7"/>
+            <a:endParaRPr lang="en-US"/>
+          </a:p>
+        </p:txBody>
+      </p:sp>
+      <p:sp>
+        <p:nvSpPr>
+          <p:cNvPr id="5" name="Slide Number Placeholder 4"/>
           <p:cNvSpPr>
             <a:spLocks noGrp="1"/>
           </p:cNvSpPr>
@@ -2023,21 +5336,14 @@
           <a:bodyPr/>
           <a:lstStyle/>
           <a:p>
-            <a:fld id="{4FAB73BC-B049-4115-A692-8D63A059BFB8}" type="slidenum">
+            <a:fld id="{B6F15528-21DE-4FAA-801E-634DDDAF4B2B}" type="slidenum">
               <a:rPr lang="en-US" smtClean="0"/>
-              <a:pPr/>
-              <a:t>‹#›</a:t>
             </a:fld>
-            <a:endParaRPr lang="en-US" dirty="0"/>
+            <a:endParaRPr lang="en-US"/>
           </a:p>
         </p:txBody>
       </p:sp>
     </p:spTree>
-    <p:extLst>
-      <p:ext uri="{BB962C8B-B14F-4D97-AF65-F5344CB8AC3E}">
-        <p14:creationId xmlns:p14="http://schemas.microsoft.com/office/powerpoint/2010/main" val="1264524055"/>
-      </p:ext>
-    </p:extLst>
   </p:cSld>
   <p:clrMapOvr>
     <a:masterClrMapping/>
@@ -2046,7 +5352,7 @@
 </file>
 
 <file path=ppt/slideLayouts/slideLayout7.xml><?xml version="1.0" encoding="utf-8"?>
-<p:sldLayout xmlns:a="http://schemas.openxmlformats.org/drawingml/2006/main" xmlns:r="http://schemas.openxmlformats.org/officeDocument/2006/relationships" xmlns:p="http://schemas.openxmlformats.org/presentationml/2006/main" showMasterSp="0" type="blank" preserve="1">
+<p:sldLayout xmlns:a="http://schemas.openxmlformats.org/drawingml/2006/main" xmlns:r="http://schemas.openxmlformats.org/officeDocument/2006/relationships" xmlns:p="http://schemas.openxmlformats.org/presentationml/2006/main" type="blank" preserve="1">
   <p:cSld name="Blank">
     <p:spTree>
       <p:nvGrpSpPr>
@@ -2062,9 +5368,39 @@
           <a:chExt cx="0" cy="0"/>
         </a:xfrm>
       </p:grpSpPr>
-      <p:sp>
-        <p:nvSpPr>
-          <p:cNvPr id="5" name="Date Placeholder 4"/>
+      <p:pic>
+        <p:nvPicPr>
+          <p:cNvPr id="7" name="Picture 6" descr="Droplets-HD-Content-R1d.png"/>
+          <p:cNvPicPr>
+            <a:picLocks noChangeAspect="1"/>
+          </p:cNvPicPr>
+          <p:nvPr/>
+        </p:nvPicPr>
+        <p:blipFill>
+          <a:blip r:embed="rId2">
+            <a:extLst>
+              <a:ext uri="{28A0092B-C50C-407E-A947-70E740481C1C}">
+                <a14:useLocalDpi xmlns:a14="http://schemas.microsoft.com/office/drawing/2010/main" val="0"/>
+              </a:ext>
+            </a:extLst>
+          </a:blip>
+          <a:stretch>
+            <a:fillRect/>
+          </a:stretch>
+        </p:blipFill>
+        <p:spPr>
+          <a:xfrm>
+            <a:off x="0" y="0"/>
+            <a:ext cx="18288000" cy="10287000"/>
+          </a:xfrm>
+          <a:prstGeom prst="rect">
+            <a:avLst/>
+          </a:prstGeom>
+        </p:spPr>
+      </p:pic>
+      <p:sp>
+        <p:nvSpPr>
+          <p:cNvPr id="2" name="Date Placeholder 1"/>
           <p:cNvSpPr>
             <a:spLocks noGrp="1"/>
           </p:cNvSpPr>
@@ -2077,18 +5413,16 @@
           <a:bodyPr/>
           <a:lstStyle/>
           <a:p>
-            <a:fld id="{5586B75A-687E-405C-8A0B-8D00578BA2C3}" type="datetimeFigureOut">
+            <a:fld id="{1D8BD707-D9CF-40AE-B4C6-C98DA3205C09}" type="datetimeFigureOut">
               <a:rPr lang="en-US" smtClean="0"/>
-              <a:pPr/>
-              <a:t>12/5/2023</a:t>
             </a:fld>
-            <a:endParaRPr lang="en-US" dirty="0"/>
-          </a:p>
-        </p:txBody>
-      </p:sp>
-      <p:sp>
-        <p:nvSpPr>
-          <p:cNvPr id="6" name="Footer Placeholder 5"/>
+            <a:endParaRPr lang="en-US"/>
+          </a:p>
+        </p:txBody>
+      </p:sp>
+      <p:sp>
+        <p:nvSpPr>
+          <p:cNvPr id="3" name="Footer Placeholder 2"/>
           <p:cNvSpPr>
             <a:spLocks noGrp="1"/>
           </p:cNvSpPr>
@@ -2101,13 +5435,13 @@
           <a:bodyPr/>
           <a:lstStyle/>
           <a:p>
-            <a:endParaRPr lang="en-US" dirty="0"/>
-          </a:p>
-        </p:txBody>
-      </p:sp>
-      <p:sp>
-        <p:nvSpPr>
-          <p:cNvPr id="7" name="Slide Number Placeholder 6"/>
+            <a:endParaRPr lang="en-US"/>
+          </a:p>
+        </p:txBody>
+      </p:sp>
+      <p:sp>
+        <p:nvSpPr>
+          <p:cNvPr id="4" name="Slide Number Placeholder 3"/>
           <p:cNvSpPr>
             <a:spLocks noGrp="1"/>
           </p:cNvSpPr>
@@ -2120,21 +5454,14 @@
           <a:bodyPr/>
           <a:lstStyle/>
           <a:p>
-            <a:fld id="{4FAB73BC-B049-4115-A692-8D63A059BFB8}" type="slidenum">
+            <a:fld id="{B6F15528-21DE-4FAA-801E-634DDDAF4B2B}" type="slidenum">
               <a:rPr lang="en-US" smtClean="0"/>
-              <a:pPr/>
-              <a:t>‹#›</a:t>
             </a:fld>
-            <a:endParaRPr lang="en-US" dirty="0"/>
+            <a:endParaRPr lang="en-US"/>
           </a:p>
         </p:txBody>
       </p:sp>
     </p:spTree>
-    <p:extLst>
-      <p:ext uri="{BB962C8B-B14F-4D97-AF65-F5344CB8AC3E}">
-        <p14:creationId xmlns:p14="http://schemas.microsoft.com/office/powerpoint/2010/main" val="2160265717"/>
-      </p:ext>
-    </p:extLst>
   </p:cSld>
   <p:clrMapOvr>
     <a:masterClrMapping/>
@@ -2159,6 +5486,36 @@
           <a:chExt cx="0" cy="0"/>
         </a:xfrm>
       </p:grpSpPr>
+      <p:pic>
+        <p:nvPicPr>
+          <p:cNvPr id="11" name="Picture 10" descr="Droplets-HD-Content-R1d.png"/>
+          <p:cNvPicPr>
+            <a:picLocks noChangeAspect="1"/>
+          </p:cNvPicPr>
+          <p:nvPr/>
+        </p:nvPicPr>
+        <p:blipFill>
+          <a:blip r:embed="rId2">
+            <a:extLst>
+              <a:ext uri="{28A0092B-C50C-407E-A947-70E740481C1C}">
+                <a14:useLocalDpi xmlns:a14="http://schemas.microsoft.com/office/drawing/2010/main" val="0"/>
+              </a:ext>
+            </a:extLst>
+          </a:blip>
+          <a:stretch>
+            <a:fillRect/>
+          </a:stretch>
+        </p:blipFill>
+        <p:spPr>
+          <a:xfrm>
+            <a:off x="0" y="0"/>
+            <a:ext cx="18288000" cy="10287000"/>
+          </a:xfrm>
+          <a:prstGeom prst="rect">
+            <a:avLst/>
+          </a:prstGeom>
+        </p:spPr>
+      </p:pic>
       <p:sp>
         <p:nvSpPr>
           <p:cNvPr id="2" name="Title 1"/>
@@ -2171,17 +5528,15 @@
         </p:nvSpPr>
         <p:spPr>
           <a:xfrm>
-            <a:off x="384048" y="1714500"/>
-            <a:ext cx="4251960" cy="3566160"/>
-          </a:xfrm>
-        </p:spPr>
-        <p:txBody>
-          <a:bodyPr anchor="b">
-            <a:normAutofit/>
-          </a:bodyPr>
+            <a:off x="1370663" y="914400"/>
+            <a:ext cx="5903532" cy="3034878"/>
+          </a:xfrm>
+        </p:spPr>
+        <p:txBody>
+          <a:bodyPr anchor="b"/>
           <a:lstStyle>
-            <a:lvl1pPr>
-              <a:defRPr sz="4800" b="0" baseline="0"/>
+            <a:lvl1pPr algn="ctr">
+              <a:defRPr sz="4800"/>
             </a:lvl1pPr>
           </a:lstStyle>
           <a:p>
@@ -2195,49 +5550,119 @@
       </p:sp>
       <p:sp>
         <p:nvSpPr>
-          <p:cNvPr id="3" name="Content Placeholder 2"/>
-          <p:cNvSpPr>
-            <a:spLocks noGrp="1"/>
-          </p:cNvSpPr>
-          <p:nvPr>
-            <p:ph idx="1"/>
-          </p:nvPr>
-        </p:nvSpPr>
-        <p:spPr>
-          <a:xfrm>
-            <a:off x="5801868" y="1303020"/>
-            <a:ext cx="10972800" cy="7680960"/>
+          <p:cNvPr id="10" name="Content Placeholder 2"/>
+          <p:cNvSpPr>
+            <a:spLocks noGrp="1"/>
+          </p:cNvSpPr>
+          <p:nvPr>
+            <p:ph sz="quarter" idx="13"/>
+          </p:nvPr>
+        </p:nvSpPr>
+        <p:spPr>
+          <a:xfrm>
+            <a:off x="7617094" y="914401"/>
+            <a:ext cx="9300245" cy="7772399"/>
+          </a:xfrm>
+        </p:spPr>
+        <p:txBody>
+          <a:bodyPr/>
+          <a:lstStyle/>
+          <a:p>
+            <a:pPr lvl="0"/>
+            <a:r>
+              <a:rPr lang="en-US"/>
+              <a:t>Click to edit Master text styles</a:t>
+            </a:r>
+            <a:endParaRPr lang="en-US"/>
+          </a:p>
+          <a:p>
+            <a:pPr lvl="1"/>
+            <a:r>
+              <a:rPr lang="en-US"/>
+              <a:t>Second level</a:t>
+            </a:r>
+            <a:endParaRPr lang="en-US"/>
+          </a:p>
+          <a:p>
+            <a:pPr lvl="2"/>
+            <a:r>
+              <a:rPr lang="en-US"/>
+              <a:t>Third level</a:t>
+            </a:r>
+            <a:endParaRPr lang="en-US"/>
+          </a:p>
+          <a:p>
+            <a:pPr lvl="3"/>
+            <a:r>
+              <a:rPr lang="en-US"/>
+              <a:t>Fourth level</a:t>
+            </a:r>
+            <a:endParaRPr lang="en-US"/>
+          </a:p>
+          <a:p>
+            <a:pPr lvl="4"/>
+            <a:r>
+              <a:rPr lang="en-US"/>
+              <a:t>Fifth level</a:t>
+            </a:r>
+            <a:endParaRPr lang="en-US" dirty="0"/>
+          </a:p>
+        </p:txBody>
+      </p:sp>
+      <p:sp>
+        <p:nvSpPr>
+          <p:cNvPr id="4" name="Text Placeholder 3"/>
+          <p:cNvSpPr>
+            <a:spLocks noGrp="1"/>
+          </p:cNvSpPr>
+          <p:nvPr>
+            <p:ph type="body" sz="half" idx="2"/>
+          </p:nvPr>
+        </p:nvSpPr>
+        <p:spPr>
+          <a:xfrm>
+            <a:off x="1370662" y="3949278"/>
+            <a:ext cx="5903534" cy="4737522"/>
           </a:xfrm>
         </p:spPr>
         <p:txBody>
           <a:bodyPr/>
           <a:lstStyle>
-            <a:lvl1pPr>
-              <a:defRPr sz="3000"/>
+            <a:lvl1pPr marL="0" indent="0" algn="ctr">
+              <a:buNone/>
+              <a:defRPr sz="2400"/>
             </a:lvl1pPr>
-            <a:lvl2pPr>
-              <a:defRPr sz="2700"/>
+            <a:lvl2pPr marL="685800" indent="0">
+              <a:buNone/>
+              <a:defRPr sz="2100"/>
             </a:lvl2pPr>
-            <a:lvl3pPr>
-              <a:defRPr sz="2400"/>
+            <a:lvl3pPr marL="1371600" indent="0">
+              <a:buNone/>
+              <a:defRPr sz="1800"/>
             </a:lvl3pPr>
-            <a:lvl4pPr>
-              <a:defRPr sz="2100"/>
+            <a:lvl4pPr marL="2057400" indent="0">
+              <a:buNone/>
+              <a:defRPr sz="1500"/>
             </a:lvl4pPr>
-            <a:lvl5pPr>
-              <a:defRPr sz="2100"/>
+            <a:lvl5pPr marL="2743200" indent="0">
+              <a:buNone/>
+              <a:defRPr sz="1500"/>
             </a:lvl5pPr>
-            <a:lvl6pPr>
-              <a:defRPr sz="2100"/>
+            <a:lvl6pPr marL="3429000" indent="0">
+              <a:buNone/>
+              <a:defRPr sz="1500"/>
             </a:lvl6pPr>
-            <a:lvl7pPr>
-              <a:defRPr sz="2100"/>
+            <a:lvl7pPr marL="4114800" indent="0">
+              <a:buNone/>
+              <a:defRPr sz="1500"/>
             </a:lvl7pPr>
-            <a:lvl8pPr>
-              <a:defRPr sz="2100"/>
+            <a:lvl8pPr marL="4800600" indent="0">
+              <a:buNone/>
+              <a:defRPr sz="1500"/>
             </a:lvl8pPr>
-            <a:lvl9pPr>
-              <a:defRPr sz="2100"/>
+            <a:lvl9pPr marL="5486400" indent="0">
+              <a:buNone/>
+              <a:defRPr sz="1500"/>
             </a:lvl9pPr>
           </a:lstStyle>
           <a:p>
@@ -2246,115 +5671,13 @@
               <a:rPr lang="en-US"/>
               <a:t>Click to edit Master text styles</a:t>
             </a:r>
-          </a:p>
-          <a:p>
-            <a:pPr lvl="1"/>
-            <a:r>
-              <a:rPr lang="en-US"/>
-              <a:t>Second level</a:t>
-            </a:r>
-          </a:p>
-          <a:p>
-            <a:pPr lvl="2"/>
-            <a:r>
-              <a:rPr lang="en-US"/>
-              <a:t>Third level</a:t>
-            </a:r>
-          </a:p>
-          <a:p>
-            <a:pPr lvl="3"/>
-            <a:r>
-              <a:rPr lang="en-US"/>
-              <a:t>Fourth level</a:t>
-            </a:r>
-          </a:p>
-          <a:p>
-            <a:pPr lvl="4"/>
-            <a:r>
-              <a:rPr lang="en-US"/>
-              <a:t>Fifth level</a:t>
-            </a:r>
-            <a:endParaRPr lang="en-US" dirty="0"/>
-          </a:p>
-        </p:txBody>
-      </p:sp>
-      <p:sp>
-        <p:nvSpPr>
-          <p:cNvPr id="4" name="Text Placeholder 3"/>
-          <p:cNvSpPr>
-            <a:spLocks noGrp="1"/>
-          </p:cNvSpPr>
-          <p:nvPr>
-            <p:ph type="body" sz="half" idx="2"/>
-          </p:nvPr>
-        </p:nvSpPr>
-        <p:spPr>
-          <a:xfrm>
-            <a:off x="384048" y="5241264"/>
-            <a:ext cx="4251960" cy="3482985"/>
-          </a:xfrm>
-        </p:spPr>
-        <p:txBody>
-          <a:bodyPr anchor="t">
-            <a:normAutofit/>
-          </a:bodyPr>
-          <a:lstStyle>
-            <a:lvl1pPr marL="0" indent="0">
-              <a:lnSpc>
-                <a:spcPct val="100000"/>
-              </a:lnSpc>
-              <a:buNone/>
-              <a:defRPr sz="2100">
-                <a:solidFill>
-                  <a:srgbClr val="FFFFFF"/>
-                </a:solidFill>
-              </a:defRPr>
-            </a:lvl1pPr>
-            <a:lvl2pPr marL="685800" indent="0">
-              <a:buNone/>
-              <a:defRPr sz="1800"/>
-            </a:lvl2pPr>
-            <a:lvl3pPr marL="1371600" indent="0">
-              <a:buNone/>
-              <a:defRPr sz="1500"/>
-            </a:lvl3pPr>
-            <a:lvl4pPr marL="2057400" indent="0">
-              <a:buNone/>
-              <a:defRPr sz="1350"/>
-            </a:lvl4pPr>
-            <a:lvl5pPr marL="2743200" indent="0">
-              <a:buNone/>
-              <a:defRPr sz="1350"/>
-            </a:lvl5pPr>
-            <a:lvl6pPr marL="3429000" indent="0">
-              <a:buNone/>
-              <a:defRPr sz="1350"/>
-            </a:lvl6pPr>
-            <a:lvl7pPr marL="4114800" indent="0">
-              <a:buNone/>
-              <a:defRPr sz="1350"/>
-            </a:lvl7pPr>
-            <a:lvl8pPr marL="4800600" indent="0">
-              <a:buNone/>
-              <a:defRPr sz="1350"/>
-            </a:lvl8pPr>
-            <a:lvl9pPr marL="5486400" indent="0">
-              <a:buNone/>
-              <a:defRPr sz="1350"/>
-            </a:lvl9pPr>
-          </a:lstStyle>
-          <a:p>
-            <a:pPr lvl="0"/>
-            <a:r>
-              <a:rPr lang="en-US"/>
-              <a:t>Click to edit Master text styles</a:t>
-            </a:r>
-          </a:p>
-        </p:txBody>
-      </p:sp>
-      <p:sp>
-        <p:nvSpPr>
-          <p:cNvPr id="8" name="Date Placeholder 7"/>
+            <a:endParaRPr lang="en-US"/>
+          </a:p>
+        </p:txBody>
+      </p:sp>
+      <p:sp>
+        <p:nvSpPr>
+          <p:cNvPr id="5" name="Date Placeholder 4"/>
           <p:cNvSpPr>
             <a:spLocks noGrp="1"/>
           </p:cNvSpPr>
@@ -2367,18 +5690,16 @@
           <a:bodyPr/>
           <a:lstStyle/>
           <a:p>
-            <a:fld id="{5586B75A-687E-405C-8A0B-8D00578BA2C3}" type="datetimeFigureOut">
+            <a:fld id="{1D8BD707-D9CF-40AE-B4C6-C98DA3205C09}" type="datetimeFigureOut">
               <a:rPr lang="en-US" smtClean="0"/>
-              <a:pPr/>
-              <a:t>12/5/2023</a:t>
             </a:fld>
-            <a:endParaRPr lang="en-US" dirty="0"/>
-          </a:p>
-        </p:txBody>
-      </p:sp>
-      <p:sp>
-        <p:nvSpPr>
-          <p:cNvPr id="9" name="Footer Placeholder 8"/>
+            <a:endParaRPr lang="en-US"/>
+          </a:p>
+        </p:txBody>
+      </p:sp>
+      <p:sp>
+        <p:nvSpPr>
+          <p:cNvPr id="6" name="Footer Placeholder 5"/>
           <p:cNvSpPr>
             <a:spLocks noGrp="1"/>
           </p:cNvSpPr>
@@ -2391,13 +5712,13 @@
           <a:bodyPr/>
           <a:lstStyle/>
           <a:p>
-            <a:endParaRPr lang="en-US" dirty="0"/>
-          </a:p>
-        </p:txBody>
-      </p:sp>
-      <p:sp>
-        <p:nvSpPr>
-          <p:cNvPr id="10" name="Slide Number Placeholder 9"/>
+            <a:endParaRPr lang="en-US"/>
+          </a:p>
+        </p:txBody>
+      </p:sp>
+      <p:sp>
+        <p:nvSpPr>
+          <p:cNvPr id="7" name="Slide Number Placeholder 6"/>
           <p:cNvSpPr>
             <a:spLocks noGrp="1"/>
           </p:cNvSpPr>
@@ -2410,21 +5731,14 @@
           <a:bodyPr/>
           <a:lstStyle/>
           <a:p>
-            <a:fld id="{4FAB73BC-B049-4115-A692-8D63A059BFB8}" type="slidenum">
+            <a:fld id="{B6F15528-21DE-4FAA-801E-634DDDAF4B2B}" type="slidenum">
               <a:rPr lang="en-US" smtClean="0"/>
-              <a:pPr/>
-              <a:t>‹#›</a:t>
             </a:fld>
-            <a:endParaRPr lang="en-US" dirty="0"/>
+            <a:endParaRPr lang="en-US"/>
           </a:p>
         </p:txBody>
       </p:sp>
     </p:spTree>
-    <p:extLst>
-      <p:ext uri="{BB962C8B-B14F-4D97-AF65-F5344CB8AC3E}">
-        <p14:creationId xmlns:p14="http://schemas.microsoft.com/office/powerpoint/2010/main" val="860261779"/>
-      </p:ext>
-    </p:extLst>
   </p:cSld>
   <p:clrMapOvr>
     <a:masterClrMapping/>
@@ -2449,6 +5763,36 @@
           <a:chExt cx="0" cy="0"/>
         </a:xfrm>
       </p:grpSpPr>
+      <p:pic>
+        <p:nvPicPr>
+          <p:cNvPr id="10" name="Picture 9" descr="Droplets-HD-Content-R1d.png"/>
+          <p:cNvPicPr>
+            <a:picLocks noChangeAspect="1"/>
+          </p:cNvPicPr>
+          <p:nvPr/>
+        </p:nvPicPr>
+        <p:blipFill>
+          <a:blip r:embed="rId2">
+            <a:extLst>
+              <a:ext uri="{28A0092B-C50C-407E-A947-70E740481C1C}">
+                <a14:useLocalDpi xmlns:a14="http://schemas.microsoft.com/office/drawing/2010/main" val="0"/>
+              </a:ext>
+            </a:extLst>
+          </a:blip>
+          <a:stretch>
+            <a:fillRect/>
+          </a:stretch>
+        </p:blipFill>
+        <p:spPr>
+          <a:xfrm>
+            <a:off x="0" y="0"/>
+            <a:ext cx="18288000" cy="10287000"/>
+          </a:xfrm>
+          <a:prstGeom prst="rect">
+            <a:avLst/>
+          </a:prstGeom>
+        </p:spPr>
+      </p:pic>
       <p:sp>
         <p:nvSpPr>
           <p:cNvPr id="2" name="Title 1"/>
@@ -2461,17 +5805,15 @@
         </p:nvSpPr>
         <p:spPr>
           <a:xfrm>
-            <a:off x="384048" y="1714500"/>
-            <a:ext cx="4251960" cy="3566160"/>
-          </a:xfrm>
-        </p:spPr>
-        <p:txBody>
-          <a:bodyPr anchor="b">
-            <a:normAutofit/>
-          </a:bodyPr>
+            <a:off x="1370662" y="914400"/>
+            <a:ext cx="8902454" cy="3034881"/>
+          </a:xfrm>
+        </p:spPr>
+        <p:txBody>
+          <a:bodyPr anchor="b"/>
           <a:lstStyle>
-            <a:lvl1pPr>
-              <a:defRPr sz="4800" b="0"/>
+            <a:lvl1pPr algn="ctr">
+              <a:defRPr sz="4800"/>
             </a:lvl1pPr>
           </a:lstStyle>
           <a:p>
@@ -2495,15 +5837,37 @@
         </p:nvSpPr>
         <p:spPr>
           <a:xfrm>
-            <a:off x="5355966" y="1151129"/>
-            <a:ext cx="12172845" cy="7996428"/>
-          </a:xfrm>
-          <a:solidFill>
-            <a:schemeClr val="bg1">
-              <a:lumMod val="50000"/>
-              <a:lumOff val="50000"/>
-            </a:schemeClr>
-          </a:solidFill>
+            <a:off x="11137205" y="914402"/>
+            <a:ext cx="4883037" cy="7772400"/>
+          </a:xfrm>
+          <a:prstGeom prst="roundRect">
+            <a:avLst>
+              <a:gd name="adj" fmla="val 4943"/>
+            </a:avLst>
+          </a:prstGeom>
+          <a:noFill/>
+          <a:ln w="82550" cap="sq">
+            <a:solidFill>
+              <a:schemeClr val="bg2">
+                <a:lumMod val="60000"/>
+                <a:lumOff val="40000"/>
+              </a:schemeClr>
+            </a:solidFill>
+            <a:miter lim="800000"/>
+          </a:ln>
+          <a:effectLst/>
+          <a:scene3d>
+            <a:camera prst="orthographicFront"/>
+            <a:lightRig rig="threePt" dir="t">
+              <a:rot lat="0" lon="0" rev="2700000"/>
+            </a:lightRig>
+          </a:scene3d>
+          <a:sp3d contourW="6350">
+            <a:bevelT h="38100"/>
+            <a:contourClr>
+              <a:srgbClr val="C0C0C0"/>
+            </a:contourClr>
+          </a:sp3d>
         </p:spPr>
         <p:txBody>
           <a:bodyPr anchor="t"/>
@@ -2566,57 +5930,48 @@
         </p:nvSpPr>
         <p:spPr>
           <a:xfrm>
-            <a:off x="384048" y="5239512"/>
-            <a:ext cx="4251960" cy="3483864"/>
-          </a:xfrm>
-        </p:spPr>
-        <p:txBody>
-          <a:bodyPr anchor="t">
-            <a:normAutofit/>
-          </a:bodyPr>
+            <a:off x="1370691" y="3949278"/>
+            <a:ext cx="8902424" cy="4737521"/>
+          </a:xfrm>
+        </p:spPr>
+        <p:txBody>
+          <a:bodyPr/>
           <a:lstStyle>
-            <a:lvl1pPr marL="0" indent="0">
-              <a:lnSpc>
-                <a:spcPct val="100000"/>
-              </a:lnSpc>
-              <a:buNone/>
-              <a:defRPr sz="2100">
-                <a:solidFill>
-                  <a:srgbClr val="FFFFFF"/>
-                </a:solidFill>
-              </a:defRPr>
+            <a:lvl1pPr marL="0" indent="0" algn="ctr">
+              <a:buNone/>
+              <a:defRPr sz="2400"/>
             </a:lvl1pPr>
             <a:lvl2pPr marL="685800" indent="0">
               <a:buNone/>
-              <a:defRPr sz="1800"/>
+              <a:defRPr sz="2100"/>
             </a:lvl2pPr>
             <a:lvl3pPr marL="1371600" indent="0">
               <a:buNone/>
-              <a:defRPr sz="1500"/>
+              <a:defRPr sz="1800"/>
             </a:lvl3pPr>
             <a:lvl4pPr marL="2057400" indent="0">
               <a:buNone/>
-              <a:defRPr sz="1350"/>
+              <a:defRPr sz="1500"/>
             </a:lvl4pPr>
             <a:lvl5pPr marL="2743200" indent="0">
               <a:buNone/>
-              <a:defRPr sz="1350"/>
+              <a:defRPr sz="1500"/>
             </a:lvl5pPr>
             <a:lvl6pPr marL="3429000" indent="0">
               <a:buNone/>
-              <a:defRPr sz="1350"/>
+              <a:defRPr sz="1500"/>
             </a:lvl6pPr>
             <a:lvl7pPr marL="4114800" indent="0">
               <a:buNone/>
-              <a:defRPr sz="1350"/>
+              <a:defRPr sz="1500"/>
             </a:lvl7pPr>
             <a:lvl8pPr marL="4800600" indent="0">
               <a:buNone/>
-              <a:defRPr sz="1350"/>
+              <a:defRPr sz="1500"/>
             </a:lvl8pPr>
             <a:lvl9pPr marL="5486400" indent="0">
               <a:buNone/>
-              <a:defRPr sz="1350"/>
+              <a:defRPr sz="1500"/>
             </a:lvl9pPr>
           </a:lstStyle>
           <a:p>
@@ -2625,12 +5980,13 @@
               <a:rPr lang="en-US"/>
               <a:t>Click to edit Master text styles</a:t>
             </a:r>
-          </a:p>
-        </p:txBody>
-      </p:sp>
-      <p:sp>
-        <p:nvSpPr>
-          <p:cNvPr id="8" name="Date Placeholder 7"/>
+            <a:endParaRPr lang="en-US"/>
+          </a:p>
+        </p:txBody>
+      </p:sp>
+      <p:sp>
+        <p:nvSpPr>
+          <p:cNvPr id="5" name="Date Placeholder 4"/>
           <p:cNvSpPr>
             <a:spLocks noGrp="1"/>
           </p:cNvSpPr>
@@ -2643,18 +5999,16 @@
           <a:bodyPr/>
           <a:lstStyle/>
           <a:p>
-            <a:fld id="{5586B75A-687E-405C-8A0B-8D00578BA2C3}" type="datetimeFigureOut">
+            <a:fld id="{1D8BD707-D9CF-40AE-B4C6-C98DA3205C09}" type="datetimeFigureOut">
               <a:rPr lang="en-US" smtClean="0"/>
-              <a:pPr/>
-              <a:t>12/5/2023</a:t>
             </a:fld>
-            <a:endParaRPr lang="en-US" dirty="0"/>
-          </a:p>
-        </p:txBody>
-      </p:sp>
-      <p:sp>
-        <p:nvSpPr>
-          <p:cNvPr id="9" name="Footer Placeholder 8"/>
+            <a:endParaRPr lang="en-US"/>
+          </a:p>
+        </p:txBody>
+      </p:sp>
+      <p:sp>
+        <p:nvSpPr>
+          <p:cNvPr id="6" name="Footer Placeholder 5"/>
           <p:cNvSpPr>
             <a:spLocks noGrp="1"/>
           </p:cNvSpPr>
@@ -2662,23 +6016,18 @@
             <p:ph type="ftr" sz="quarter" idx="11"/>
           </p:nvPr>
         </p:nvSpPr>
-        <p:spPr>
-          <a:xfrm>
-            <a:off x="5248652" y="9534526"/>
-            <a:ext cx="8867276" cy="547688"/>
-          </a:xfrm>
-        </p:spPr>
+        <p:spPr/>
         <p:txBody>
           <a:bodyPr/>
           <a:lstStyle/>
           <a:p>
-            <a:endParaRPr lang="en-US" dirty="0"/>
-          </a:p>
-        </p:txBody>
-      </p:sp>
-      <p:sp>
-        <p:nvSpPr>
-          <p:cNvPr id="10" name="Slide Number Placeholder 9"/>
+            <a:endParaRPr lang="en-US"/>
+          </a:p>
+        </p:txBody>
+      </p:sp>
+      <p:sp>
+        <p:nvSpPr>
+          <p:cNvPr id="7" name="Slide Number Placeholder 6"/>
           <p:cNvSpPr>
             <a:spLocks noGrp="1"/>
           </p:cNvSpPr>
@@ -2691,21 +6040,14 @@
           <a:bodyPr/>
           <a:lstStyle/>
           <a:p>
-            <a:fld id="{4FAB73BC-B049-4115-A692-8D63A059BFB8}" type="slidenum">
+            <a:fld id="{B6F15528-21DE-4FAA-801E-634DDDAF4B2B}" type="slidenum">
               <a:rPr lang="en-US" smtClean="0"/>
-              <a:pPr/>
-              <a:t>‹#›</a:t>
             </a:fld>
-            <a:endParaRPr lang="en-US" dirty="0"/>
+            <a:endParaRPr lang="en-US"/>
           </a:p>
         </p:txBody>
       </p:sp>
     </p:spTree>
-    <p:extLst>
-      <p:ext uri="{BB962C8B-B14F-4D97-AF65-F5344CB8AC3E}">
-        <p14:creationId xmlns:p14="http://schemas.microsoft.com/office/powerpoint/2010/main" val="1591098524"/>
-      </p:ext>
-    </p:extLst>
   </p:cSld>
   <p:clrMapOvr>
     <a:masterClrMapping/>
@@ -2717,7 +6059,7 @@
 <p:sldMaster xmlns:a="http://schemas.openxmlformats.org/drawingml/2006/main" xmlns:r="http://schemas.openxmlformats.org/officeDocument/2006/relationships" xmlns:p="http://schemas.openxmlformats.org/presentationml/2006/main">
   <p:cSld>
     <p:bg>
-      <p:bgRef idx="1001">
+      <p:bgRef idx="1003">
         <a:schemeClr val="bg2"/>
       </p:bgRef>
     </p:bg>
@@ -2735,46 +6077,48 @@
           <a:chExt cx="0" cy="0"/>
         </a:xfrm>
       </p:grpSpPr>
-      <p:sp>
-        <p:nvSpPr>
-          <p:cNvPr id="7" name="Rectangle 6"/>
-          <p:cNvSpPr/>
+      <p:pic>
+        <p:nvPicPr>
+          <p:cNvPr id="1026" name="Picture 2" descr="\\DROBO-FS\QuickDrops\JB\PPTX NG\Droplets\LightingOverlay.png"/>
+          <p:cNvPicPr>
+            <a:picLocks noChangeAspect="1" noChangeArrowheads="1"/>
+          </p:cNvPicPr>
           <p:nvPr/>
-        </p:nvSpPr>
-        <p:spPr>
-          <a:xfrm>
-            <a:off x="2" y="1138428"/>
-            <a:ext cx="5165385" cy="7996428"/>
+        </p:nvPicPr>
+        <p:blipFill>
+          <a:blip r:embed="rId19">
+            <a:alphaModFix amt="80000"/>
+            <a:extLst>
+              <a:ext uri="{28A0092B-C50C-407E-A947-70E740481C1C}">
+                <a14:useLocalDpi xmlns:a14="http://schemas.microsoft.com/office/drawing/2010/main" val="0"/>
+              </a:ext>
+            </a:extLst>
+          </a:blip>
+          <a:srcRect/>
+          <a:stretch>
+            <a:fillRect/>
+          </a:stretch>
+        </p:blipFill>
+        <p:spPr bwMode="auto">
+          <a:xfrm>
+            <a:off x="1" y="0"/>
+            <a:ext cx="18288005" cy="10287002"/>
           </a:xfrm>
           <a:prstGeom prst="rect">
             <a:avLst/>
           </a:prstGeom>
-          <a:solidFill>
-            <a:schemeClr val="accent1">
-              <a:alpha val="95000"/>
-            </a:schemeClr>
-          </a:solidFill>
-          <a:ln>
-            <a:noFill/>
-          </a:ln>
-        </p:spPr>
-        <p:style>
-          <a:lnRef idx="2">
-            <a:schemeClr val="accent1">
-              <a:shade val="50000"/>
-            </a:schemeClr>
-          </a:lnRef>
-          <a:fillRef idx="1">
-            <a:schemeClr val="accent1"/>
-          </a:fillRef>
-          <a:effectRef idx="0">
-            <a:schemeClr val="accent1"/>
-          </a:effectRef>
-          <a:fontRef idx="minor">
-            <a:schemeClr val="lt1"/>
-          </a:fontRef>
-        </p:style>
-      </p:sp>
+          <a:noFill/>
+          <a:extLst>
+            <a:ext uri="{909E8E84-426E-40DD-AFC4-6F175D3DCCD1}">
+              <a14:hiddenFill xmlns:a14="http://schemas.microsoft.com/office/drawing/2010/main">
+                <a:solidFill>
+                  <a:srgbClr val="FFFFFF"/>
+                </a:solidFill>
+              </a14:hiddenFill>
+            </a:ext>
+          </a:extLst>
+        </p:spPr>
+      </p:pic>
       <p:sp>
         <p:nvSpPr>
           <p:cNvPr id="2" name="Title Placeholder 1"/>
@@ -2787,8 +6131,8 @@
         </p:nvSpPr>
         <p:spPr>
           <a:xfrm>
-            <a:off x="379379" y="1685756"/>
-            <a:ext cx="4421223" cy="6901775"/>
+            <a:off x="1370663" y="927776"/>
+            <a:ext cx="15546677" cy="2394266"/>
           </a:xfrm>
           <a:prstGeom prst="rect">
             <a:avLst/>
@@ -2810,146 +6154,105 @@
       </p:sp>
       <p:sp>
         <p:nvSpPr>
-          <p:cNvPr id="38" name="Rectangle 37"/>
-          <p:cNvSpPr/>
-          <p:nvPr/>
-        </p:nvSpPr>
-        <p:spPr>
-          <a:xfrm>
-            <a:off x="17723796" y="1138428"/>
-            <a:ext cx="576072" cy="7996428"/>
+          <p:cNvPr id="3" name="Text Placeholder 2"/>
+          <p:cNvSpPr>
+            <a:spLocks noGrp="1"/>
+          </p:cNvSpPr>
+          <p:nvPr>
+            <p:ph type="body" idx="1"/>
+          </p:nvPr>
+        </p:nvSpPr>
+        <p:spPr>
+          <a:xfrm>
+            <a:off x="1370662" y="3550640"/>
+            <a:ext cx="15546678" cy="5136161"/>
           </a:xfrm>
           <a:prstGeom prst="rect">
             <a:avLst/>
           </a:prstGeom>
-          <a:solidFill>
-            <a:schemeClr val="accent1">
-              <a:alpha val="40000"/>
-            </a:schemeClr>
-          </a:solidFill>
-          <a:ln>
-            <a:noFill/>
-          </a:ln>
-        </p:spPr>
-        <p:style>
-          <a:lnRef idx="2">
-            <a:schemeClr val="accent1">
-              <a:shade val="50000"/>
-            </a:schemeClr>
-          </a:lnRef>
-          <a:fillRef idx="1">
-            <a:schemeClr val="accent1"/>
-          </a:fillRef>
-          <a:effectRef idx="0">
-            <a:schemeClr val="accent1"/>
-          </a:effectRef>
-          <a:fontRef idx="minor">
-            <a:schemeClr val="lt1"/>
-          </a:fontRef>
-        </p:style>
-      </p:sp>
-      <p:sp>
-        <p:nvSpPr>
-          <p:cNvPr id="3" name="Text Placeholder 2"/>
-          <p:cNvSpPr>
-            <a:spLocks noGrp="1"/>
-          </p:cNvSpPr>
-          <p:nvPr>
-            <p:ph type="body" idx="1"/>
-          </p:nvPr>
-        </p:nvSpPr>
-        <p:spPr>
-          <a:xfrm>
-            <a:off x="5803902" y="1296162"/>
-            <a:ext cx="10972800" cy="7680960"/>
+        </p:spPr>
+        <p:txBody>
+          <a:bodyPr vert="horz" lIns="91440" tIns="45720" rIns="91440" bIns="45720" rtlCol="0">
+            <a:normAutofit/>
+          </a:bodyPr>
+          <a:lstStyle/>
+          <a:p>
+            <a:pPr lvl="0"/>
+            <a:r>
+              <a:rPr lang="en-US"/>
+              <a:t>Click to edit Master text styles</a:t>
+            </a:r>
+            <a:endParaRPr lang="en-US"/>
+          </a:p>
+          <a:p>
+            <a:pPr lvl="1"/>
+            <a:r>
+              <a:rPr lang="en-US"/>
+              <a:t>Second level</a:t>
+            </a:r>
+            <a:endParaRPr lang="en-US"/>
+          </a:p>
+          <a:p>
+            <a:pPr lvl="2"/>
+            <a:r>
+              <a:rPr lang="en-US"/>
+              <a:t>Third level</a:t>
+            </a:r>
+            <a:endParaRPr lang="en-US"/>
+          </a:p>
+          <a:p>
+            <a:pPr lvl="3"/>
+            <a:r>
+              <a:rPr lang="en-US"/>
+              <a:t>Fourth level</a:t>
+            </a:r>
+            <a:endParaRPr lang="en-US"/>
+          </a:p>
+          <a:p>
+            <a:pPr lvl="4"/>
+            <a:r>
+              <a:rPr lang="en-US"/>
+              <a:t>Fifth level</a:t>
+            </a:r>
+            <a:endParaRPr lang="en-US" dirty="0"/>
+          </a:p>
+        </p:txBody>
+      </p:sp>
+      <p:sp>
+        <p:nvSpPr>
+          <p:cNvPr id="4" name="Date Placeholder 3"/>
+          <p:cNvSpPr>
+            <a:spLocks noGrp="1"/>
+          </p:cNvSpPr>
+          <p:nvPr>
+            <p:ph type="dt" sz="half" idx="2"/>
+          </p:nvPr>
+        </p:nvSpPr>
+        <p:spPr>
+          <a:xfrm>
+            <a:off x="11518106" y="8824913"/>
+            <a:ext cx="4114800" cy="547688"/>
           </a:xfrm>
           <a:prstGeom prst="rect">
             <a:avLst/>
           </a:prstGeom>
         </p:spPr>
         <p:txBody>
-          <a:bodyPr vert="horz" lIns="91440" tIns="45720" rIns="91440" bIns="45720" rtlCol="0" anchor="ctr">
-            <a:normAutofit/>
-          </a:bodyPr>
-          <a:lstStyle/>
-          <a:p>
-            <a:pPr lvl="0"/>
-            <a:r>
-              <a:rPr lang="en-US"/>
-              <a:t>Click to edit Master text styles</a:t>
-            </a:r>
-          </a:p>
-          <a:p>
-            <a:pPr lvl="1"/>
-            <a:r>
-              <a:rPr lang="en-US"/>
-              <a:t>Second level</a:t>
-            </a:r>
-          </a:p>
-          <a:p>
-            <a:pPr lvl="2"/>
-            <a:r>
-              <a:rPr lang="en-US"/>
-              <a:t>Third level</a:t>
-            </a:r>
-          </a:p>
-          <a:p>
-            <a:pPr lvl="3"/>
-            <a:r>
-              <a:rPr lang="en-US"/>
-              <a:t>Fourth level</a:t>
-            </a:r>
-          </a:p>
-          <a:p>
-            <a:pPr lvl="4"/>
-            <a:r>
-              <a:rPr lang="en-US"/>
-              <a:t>Fifth level</a:t>
-            </a:r>
-            <a:endParaRPr lang="en-US" dirty="0"/>
-          </a:p>
-        </p:txBody>
-      </p:sp>
-      <p:sp>
-        <p:nvSpPr>
-          <p:cNvPr id="4" name="Date Placeholder 3"/>
-          <p:cNvSpPr>
-            <a:spLocks noGrp="1"/>
-          </p:cNvSpPr>
-          <p:nvPr>
-            <p:ph type="dt" sz="half" idx="2"/>
-          </p:nvPr>
-        </p:nvSpPr>
-        <p:spPr>
-          <a:xfrm>
-            <a:off x="393698" y="9534526"/>
-            <a:ext cx="4114800" cy="547688"/>
-          </a:xfrm>
-          <a:prstGeom prst="rect">
-            <a:avLst/>
-          </a:prstGeom>
-        </p:spPr>
-        <p:txBody>
           <a:bodyPr vert="horz" lIns="91440" tIns="45720" rIns="91440" bIns="45720" rtlCol="0" anchor="ctr"/>
           <a:lstStyle>
-            <a:lvl1pPr algn="l">
-              <a:defRPr sz="1650">
+            <a:lvl1pPr algn="r">
+              <a:defRPr sz="1500">
                 <a:solidFill>
-                  <a:schemeClr val="bg2">
-                    <a:lumMod val="40000"/>
-                    <a:lumOff val="60000"/>
-                  </a:schemeClr>
+                  <a:schemeClr val="tx1"/>
                 </a:solidFill>
               </a:defRPr>
             </a:lvl1pPr>
           </a:lstStyle>
           <a:p>
-            <a:fld id="{5586B75A-687E-405C-8A0B-8D00578BA2C3}" type="datetimeFigureOut">
+            <a:fld id="{1D8BD707-D9CF-40AE-B4C6-C98DA3205C09}" type="datetimeFigureOut">
               <a:rPr lang="en-US" smtClean="0"/>
-              <a:pPr/>
-              <a:t>12/5/2023</a:t>
             </a:fld>
-            <a:endParaRPr lang="en-US" dirty="0"/>
+            <a:endParaRPr lang="en-US"/>
           </a:p>
         </p:txBody>
       </p:sp>
@@ -2965,8 +6268,8 @@
         </p:nvSpPr>
         <p:spPr>
           <a:xfrm>
-            <a:off x="5803903" y="9534526"/>
-            <a:ext cx="8867276" cy="547688"/>
+            <a:off x="1370661" y="8824913"/>
+            <a:ext cx="10009331" cy="547688"/>
           </a:xfrm>
           <a:prstGeom prst="rect">
             <a:avLst/>
@@ -2976,18 +6279,15 @@
           <a:bodyPr vert="horz" lIns="91440" tIns="45720" rIns="91440" bIns="45720" rtlCol="0" anchor="ctr"/>
           <a:lstStyle>
             <a:lvl1pPr algn="l">
-              <a:defRPr sz="1650">
+              <a:defRPr sz="1500">
                 <a:solidFill>
-                  <a:schemeClr val="bg2">
-                    <a:lumMod val="40000"/>
-                    <a:lumOff val="60000"/>
-                  </a:schemeClr>
+                  <a:schemeClr val="tx1"/>
                 </a:solidFill>
               </a:defRPr>
             </a:lvl1pPr>
           </a:lstStyle>
           <a:p>
-            <a:endParaRPr lang="en-US" dirty="0"/>
+            <a:endParaRPr lang="en-US"/>
           </a:p>
         </p:txBody>
       </p:sp>
@@ -3003,8 +6303,8 @@
         </p:nvSpPr>
         <p:spPr>
           <a:xfrm>
-            <a:off x="15951203" y="9534526"/>
-            <a:ext cx="2296391" cy="547688"/>
+            <a:off x="15771017" y="8824913"/>
+            <a:ext cx="1146323" cy="547688"/>
           </a:xfrm>
           <a:prstGeom prst="rect">
             <a:avLst/>
@@ -3014,48 +6314,47 @@
           <a:bodyPr vert="horz" lIns="91440" tIns="45720" rIns="91440" bIns="45720" rtlCol="0" anchor="ctr"/>
           <a:lstStyle>
             <a:lvl1pPr algn="r">
-              <a:defRPr sz="1800" b="1">
+              <a:defRPr sz="1500">
                 <a:solidFill>
-                  <a:schemeClr val="accent1"/>
+                  <a:schemeClr val="tx1"/>
                 </a:solidFill>
               </a:defRPr>
             </a:lvl1pPr>
           </a:lstStyle>
           <a:p>
-            <a:fld id="{4FAB73BC-B049-4115-A692-8D63A059BFB8}" type="slidenum">
+            <a:fld id="{B6F15528-21DE-4FAA-801E-634DDDAF4B2B}" type="slidenum">
               <a:rPr lang="en-US" smtClean="0"/>
-              <a:pPr/>
-              <a:t>‹#›</a:t>
             </a:fld>
-            <a:endParaRPr lang="en-US" dirty="0"/>
+            <a:endParaRPr lang="en-US"/>
           </a:p>
         </p:txBody>
       </p:sp>
     </p:spTree>
-    <p:extLst>
-      <p:ext uri="{BB962C8B-B14F-4D97-AF65-F5344CB8AC3E}">
-        <p14:creationId xmlns:p14="http://schemas.microsoft.com/office/powerpoint/2010/main" val="2300821102"/>
-      </p:ext>
-    </p:extLst>
   </p:cSld>
-  <p:clrMap bg1="dk1" tx1="lt1" bg2="dk2" tx2="lt2" accent1="accent1" accent2="accent2" accent3="accent3" accent4="accent4" accent5="accent5" accent6="accent6" hlink="hlink" folHlink="folHlink"/>
+  <p:clrMap bg1="lt1" tx1="dk1" bg2="lt2" tx2="dk2" accent1="accent1" accent2="accent2" accent3="accent3" accent4="accent4" accent5="accent5" accent6="accent6" hlink="hlink" folHlink="folHlink"/>
   <p:sldLayoutIdLst>
-    <p:sldLayoutId id="2147483853" r:id="rId1"/>
-    <p:sldLayoutId id="2147483854" r:id="rId2"/>
-    <p:sldLayoutId id="2147483855" r:id="rId3"/>
-    <p:sldLayoutId id="2147483856" r:id="rId4"/>
-    <p:sldLayoutId id="2147483857" r:id="rId5"/>
-    <p:sldLayoutId id="2147483858" r:id="rId6"/>
-    <p:sldLayoutId id="2147483859" r:id="rId7"/>
-    <p:sldLayoutId id="2147483860" r:id="rId8"/>
-    <p:sldLayoutId id="2147483861" r:id="rId9"/>
-    <p:sldLayoutId id="2147483862" r:id="rId10"/>
-    <p:sldLayoutId id="2147483863" r:id="rId11"/>
+    <p:sldLayoutId id="2147483649" r:id="rId1"/>
+    <p:sldLayoutId id="2147483650" r:id="rId2"/>
+    <p:sldLayoutId id="2147483651" r:id="rId3"/>
+    <p:sldLayoutId id="2147483652" r:id="rId4"/>
+    <p:sldLayoutId id="2147483653" r:id="rId5"/>
+    <p:sldLayoutId id="2147483654" r:id="rId6"/>
+    <p:sldLayoutId id="2147483655" r:id="rId7"/>
+    <p:sldLayoutId id="2147483656" r:id="rId8"/>
+    <p:sldLayoutId id="2147483657" r:id="rId9"/>
+    <p:sldLayoutId id="2147483658" r:id="rId10"/>
+    <p:sldLayoutId id="2147483659" r:id="rId11"/>
+    <p:sldLayoutId id="2147483660" r:id="rId12"/>
+    <p:sldLayoutId id="2147483661" r:id="rId13"/>
+    <p:sldLayoutId id="2147483662" r:id="rId14"/>
+    <p:sldLayoutId id="2147483663" r:id="rId15"/>
+    <p:sldLayoutId id="2147483664" r:id="rId16"/>
+    <p:sldLayoutId id="2147483665" r:id="rId17"/>
+    <p:sldLayoutId id="2147483666" r:id="rId18"/>
   </p:sldLayoutIdLst>
-  <p:hf sldNum="0" hdr="0" ftr="0" dt="0"/>
   <p:txStyles>
     <p:titleStyle>
-      <a:lvl1pPr algn="l" defTabSz="1371600" rtl="0" eaLnBrk="1" latinLnBrk="0" hangingPunct="1">
+      <a:lvl1pPr algn="ctr" defTabSz="1371600" rtl="0" eaLnBrk="1" latinLnBrk="0" hangingPunct="1">
         <a:lnSpc>
           <a:spcPct val="90000"/>
         </a:lnSpc>
@@ -3063,10 +6362,11 @@
           <a:spcPct val="0"/>
         </a:spcBef>
         <a:buNone/>
-        <a:defRPr sz="5400" kern="1200" spc="-90" baseline="0">
+        <a:defRPr sz="5400" kern="1200" cap="all" baseline="0">
           <a:solidFill>
-            <a:srgbClr val="FFFFFF"/>
+            <a:schemeClr val="tx1"/>
           </a:solidFill>
+          <a:effectLst/>
           <a:latin typeface="+mj-lt"/>
           <a:ea typeface="+mj-ea"/>
           <a:cs typeface="+mj-cs"/>
@@ -3074,148 +6374,111 @@
       </a:lvl1pPr>
     </p:titleStyle>
     <p:bodyStyle>
-      <a:lvl1pPr marL="274320" indent="-274320" algn="l" defTabSz="1371600" rtl="0" eaLnBrk="1" latinLnBrk="0" hangingPunct="1">
+      <a:lvl1pPr marL="342900" indent="-342900" algn="l" defTabSz="1371600" rtl="0" eaLnBrk="1" latinLnBrk="0" hangingPunct="1">
         <a:lnSpc>
-          <a:spcPct val="90000"/>
+          <a:spcPct val="120000"/>
         </a:lnSpc>
         <a:spcBef>
-          <a:spcPts val="1800"/>
+          <a:spcPts val="1500"/>
         </a:spcBef>
         <a:buClr>
-          <a:schemeClr val="accent1"/>
+          <a:schemeClr val="tx1"/>
         </a:buClr>
-        <a:buFont typeface="Wingdings 2" pitchFamily="18" charset="2"/>
-        <a:buChar char=""/>
-        <a:tabLst>
-          <a:tab pos="1714500" algn="l"/>
-        </a:tabLst>
-        <a:defRPr sz="3000" kern="1200">
+        <a:buFont typeface="Arial" panose="020B0604020202020204" pitchFamily="34" charset="0"/>
+        <a:buChar char="•"/>
+        <a:defRPr sz="3000" kern="1200" cap="all" baseline="0">
           <a:solidFill>
-            <a:schemeClr val="bg2">
-              <a:lumMod val="20000"/>
-              <a:lumOff val="80000"/>
-            </a:schemeClr>
+            <a:schemeClr val="tx1"/>
           </a:solidFill>
+          <a:effectLst/>
           <a:latin typeface="+mn-lt"/>
           <a:ea typeface="+mn-ea"/>
           <a:cs typeface="+mn-cs"/>
         </a:defRPr>
       </a:lvl1pPr>
-      <a:lvl2pPr marL="1028700" indent="-274320" algn="l" defTabSz="1371600" rtl="0" eaLnBrk="1" latinLnBrk="0" hangingPunct="1">
+      <a:lvl2pPr marL="1028700" indent="-342900" algn="l" defTabSz="1371600" rtl="0" eaLnBrk="1" latinLnBrk="0" hangingPunct="1">
         <a:lnSpc>
-          <a:spcPct val="90000"/>
+          <a:spcPct val="120000"/>
         </a:lnSpc>
         <a:spcBef>
-          <a:spcPts val="375"/>
+          <a:spcPts val="750"/>
         </a:spcBef>
-        <a:spcAft>
-          <a:spcPts val="375"/>
-        </a:spcAft>
         <a:buClr>
-          <a:schemeClr val="accent1"/>
+          <a:schemeClr val="tx1"/>
         </a:buClr>
-        <a:buFont typeface="Wingdings 2" pitchFamily="18" charset="2"/>
-        <a:buChar char=""/>
-        <a:tabLst>
-          <a:tab pos="1714500" algn="l"/>
-        </a:tabLst>
-        <a:defRPr sz="2700" kern="1200">
+        <a:buFont typeface="Arial" panose="020B0604020202020204" pitchFamily="34" charset="0"/>
+        <a:buChar char="•"/>
+        <a:defRPr sz="2700" kern="1200" cap="all" baseline="0">
           <a:solidFill>
-            <a:schemeClr val="bg2">
-              <a:lumMod val="20000"/>
-              <a:lumOff val="80000"/>
-            </a:schemeClr>
+            <a:schemeClr val="tx1"/>
           </a:solidFill>
+          <a:effectLst/>
           <a:latin typeface="+mn-lt"/>
           <a:ea typeface="+mn-ea"/>
           <a:cs typeface="+mn-cs"/>
         </a:defRPr>
       </a:lvl2pPr>
-      <a:lvl3pPr marL="1714500" indent="-274320" algn="l" defTabSz="1371600" rtl="0" eaLnBrk="1" latinLnBrk="0" hangingPunct="1">
+      <a:lvl3pPr marL="1714500" indent="-342900" algn="l" defTabSz="1371600" rtl="0" eaLnBrk="1" latinLnBrk="0" hangingPunct="1">
         <a:lnSpc>
-          <a:spcPct val="90000"/>
+          <a:spcPct val="120000"/>
         </a:lnSpc>
         <a:spcBef>
-          <a:spcPts val="375"/>
+          <a:spcPts val="750"/>
         </a:spcBef>
-        <a:spcAft>
-          <a:spcPts val="375"/>
-        </a:spcAft>
         <a:buClr>
-          <a:schemeClr val="accent1"/>
+          <a:schemeClr val="tx1"/>
         </a:buClr>
-        <a:buFont typeface="Wingdings 2" pitchFamily="18" charset="2"/>
-        <a:buChar char=""/>
-        <a:tabLst>
-          <a:tab pos="1714500" algn="l"/>
-        </a:tabLst>
-        <a:defRPr sz="2400" kern="1200">
+        <a:buFont typeface="Arial" panose="020B0604020202020204" pitchFamily="34" charset="0"/>
+        <a:buChar char="•"/>
+        <a:defRPr sz="2400" kern="1200" cap="all" baseline="0">
           <a:solidFill>
-            <a:schemeClr val="bg2">
-              <a:lumMod val="20000"/>
-              <a:lumOff val="80000"/>
-            </a:schemeClr>
+            <a:schemeClr val="tx1"/>
           </a:solidFill>
+          <a:effectLst/>
           <a:latin typeface="+mn-lt"/>
           <a:ea typeface="+mn-ea"/>
           <a:cs typeface="+mn-cs"/>
         </a:defRPr>
       </a:lvl3pPr>
-      <a:lvl4pPr marL="2400300" indent="-274320" algn="l" defTabSz="1371600" rtl="0" eaLnBrk="1" latinLnBrk="0" hangingPunct="1">
+      <a:lvl4pPr marL="2400300" indent="-342900" algn="l" defTabSz="1371600" rtl="0" eaLnBrk="1" latinLnBrk="0" hangingPunct="1">
         <a:lnSpc>
-          <a:spcPct val="90000"/>
+          <a:spcPct val="120000"/>
         </a:lnSpc>
         <a:spcBef>
-          <a:spcPts val="375"/>
+          <a:spcPts val="750"/>
         </a:spcBef>
-        <a:spcAft>
-          <a:spcPts val="375"/>
-        </a:spcAft>
         <a:buClr>
-          <a:schemeClr val="accent1"/>
+          <a:schemeClr val="tx1"/>
         </a:buClr>
-        <a:buFont typeface="Wingdings 2" pitchFamily="18" charset="2"/>
-        <a:buChar char=""/>
-        <a:tabLst>
-          <a:tab pos="1714500" algn="l"/>
-        </a:tabLst>
-        <a:defRPr sz="2100" kern="1200">
+        <a:buFont typeface="Arial" panose="020B0604020202020204" pitchFamily="34" charset="0"/>
+        <a:buChar char="•"/>
+        <a:defRPr sz="2100" kern="1200" cap="all" baseline="0">
           <a:solidFill>
-            <a:schemeClr val="bg2">
-              <a:lumMod val="20000"/>
-              <a:lumOff val="80000"/>
-            </a:schemeClr>
+            <a:schemeClr val="tx1"/>
           </a:solidFill>
+          <a:effectLst/>
           <a:latin typeface="+mn-lt"/>
           <a:ea typeface="+mn-ea"/>
           <a:cs typeface="+mn-cs"/>
         </a:defRPr>
       </a:lvl4pPr>
-      <a:lvl5pPr marL="3086100" indent="-274320" algn="l" defTabSz="1371600" rtl="0" eaLnBrk="1" latinLnBrk="0" hangingPunct="1">
+      <a:lvl5pPr marL="3086100" indent="-342900" algn="l" defTabSz="1371600" rtl="0" eaLnBrk="1" latinLnBrk="0" hangingPunct="1">
         <a:lnSpc>
-          <a:spcPct val="90000"/>
+          <a:spcPct val="120000"/>
         </a:lnSpc>
         <a:spcBef>
-          <a:spcPts val="375"/>
+          <a:spcPts val="750"/>
         </a:spcBef>
-        <a:spcAft>
-          <a:spcPts val="375"/>
-        </a:spcAft>
         <a:buClr>
-          <a:schemeClr val="accent1"/>
+          <a:schemeClr val="tx1"/>
         </a:buClr>
-        <a:buFont typeface="Wingdings 2" pitchFamily="18" charset="2"/>
-        <a:buChar char=""/>
-        <a:tabLst>
-          <a:tab pos="1714500" algn="l"/>
-        </a:tabLst>
-        <a:defRPr sz="2100" kern="1200">
+        <a:buFont typeface="Arial" panose="020B0604020202020204" pitchFamily="34" charset="0"/>
+        <a:buChar char="•"/>
+        <a:defRPr sz="2100" kern="1200" cap="all" baseline="0">
           <a:solidFill>
-            <a:schemeClr val="bg2">
-              <a:lumMod val="20000"/>
-              <a:lumOff val="80000"/>
-            </a:schemeClr>
+            <a:schemeClr val="tx1"/>
           </a:solidFill>
+          <a:effectLst/>
           <a:latin typeface="+mn-lt"/>
           <a:ea typeface="+mn-ea"/>
           <a:cs typeface="+mn-cs"/>
@@ -3223,29 +6486,21 @@
       </a:lvl5pPr>
       <a:lvl6pPr marL="3771900" indent="-342900" algn="l" defTabSz="1371600" rtl="0" eaLnBrk="1" latinLnBrk="0" hangingPunct="1">
         <a:lnSpc>
-          <a:spcPct val="90000"/>
+          <a:spcPct val="120000"/>
         </a:lnSpc>
         <a:spcBef>
-          <a:spcPts val="375"/>
+          <a:spcPts val="750"/>
         </a:spcBef>
-        <a:spcAft>
-          <a:spcPts val="375"/>
-        </a:spcAft>
         <a:buClr>
-          <a:schemeClr val="accent1"/>
+          <a:schemeClr val="tx1"/>
         </a:buClr>
-        <a:buFont typeface="Wingdings 2" pitchFamily="18" charset="2"/>
-        <a:buChar char=""/>
-        <a:tabLst>
-          <a:tab pos="1714500" algn="l"/>
-        </a:tabLst>
-        <a:defRPr sz="2100" kern="1200">
+        <a:buFont typeface="Arial" panose="020B0604020202020204" pitchFamily="34" charset="0"/>
+        <a:buChar char="•"/>
+        <a:defRPr sz="2100" kern="1200" cap="all" baseline="0">
           <a:solidFill>
-            <a:schemeClr val="bg2">
-              <a:lumMod val="20000"/>
-              <a:lumOff val="80000"/>
-            </a:schemeClr>
+            <a:schemeClr val="tx1"/>
           </a:solidFill>
+          <a:effectLst/>
           <a:latin typeface="+mn-lt"/>
           <a:ea typeface="+mn-ea"/>
           <a:cs typeface="+mn-cs"/>
@@ -3253,29 +6508,21 @@
       </a:lvl6pPr>
       <a:lvl7pPr marL="4457700" indent="-342900" algn="l" defTabSz="1371600" rtl="0" eaLnBrk="1" latinLnBrk="0" hangingPunct="1">
         <a:lnSpc>
-          <a:spcPct val="90000"/>
+          <a:spcPct val="120000"/>
         </a:lnSpc>
         <a:spcBef>
-          <a:spcPts val="375"/>
+          <a:spcPts val="750"/>
         </a:spcBef>
-        <a:spcAft>
-          <a:spcPts val="375"/>
-        </a:spcAft>
         <a:buClr>
-          <a:schemeClr val="accent1"/>
+          <a:schemeClr val="tx1"/>
         </a:buClr>
-        <a:buFont typeface="Wingdings 2" pitchFamily="18" charset="2"/>
-        <a:buChar char=""/>
-        <a:tabLst>
-          <a:tab pos="1714500" algn="l"/>
-        </a:tabLst>
-        <a:defRPr sz="2100" kern="1200">
+        <a:buFont typeface="Arial" panose="020B0604020202020204" pitchFamily="34" charset="0"/>
+        <a:buChar char="•"/>
+        <a:defRPr sz="2100" kern="1200" cap="all" baseline="0">
           <a:solidFill>
-            <a:schemeClr val="bg2">
-              <a:lumMod val="20000"/>
-              <a:lumOff val="80000"/>
-            </a:schemeClr>
+            <a:schemeClr val="tx1"/>
           </a:solidFill>
+          <a:effectLst/>
           <a:latin typeface="+mn-lt"/>
           <a:ea typeface="+mn-ea"/>
           <a:cs typeface="+mn-cs"/>
@@ -3283,29 +6530,21 @@
       </a:lvl7pPr>
       <a:lvl8pPr marL="5143500" indent="-342900" algn="l" defTabSz="1371600" rtl="0" eaLnBrk="1" latinLnBrk="0" hangingPunct="1">
         <a:lnSpc>
-          <a:spcPct val="90000"/>
+          <a:spcPct val="120000"/>
         </a:lnSpc>
         <a:spcBef>
-          <a:spcPts val="375"/>
+          <a:spcPts val="750"/>
         </a:spcBef>
-        <a:spcAft>
-          <a:spcPts val="375"/>
-        </a:spcAft>
         <a:buClr>
-          <a:schemeClr val="accent1"/>
+          <a:schemeClr val="tx1"/>
         </a:buClr>
-        <a:buFont typeface="Wingdings 2" pitchFamily="18" charset="2"/>
-        <a:buChar char=""/>
-        <a:tabLst>
-          <a:tab pos="1714500" algn="l"/>
-        </a:tabLst>
-        <a:defRPr sz="2100" kern="1200">
+        <a:buFont typeface="Arial" panose="020B0604020202020204" pitchFamily="34" charset="0"/>
+        <a:buChar char="•"/>
+        <a:defRPr sz="2100" kern="1200" cap="all" baseline="0">
           <a:solidFill>
-            <a:schemeClr val="bg2">
-              <a:lumMod val="20000"/>
-              <a:lumOff val="80000"/>
-            </a:schemeClr>
+            <a:schemeClr val="tx1"/>
           </a:solidFill>
+          <a:effectLst/>
           <a:latin typeface="+mn-lt"/>
           <a:ea typeface="+mn-ea"/>
           <a:cs typeface="+mn-cs"/>
@@ -3313,29 +6552,21 @@
       </a:lvl8pPr>
       <a:lvl9pPr marL="5829300" indent="-342900" algn="l" defTabSz="1371600" rtl="0" eaLnBrk="1" latinLnBrk="0" hangingPunct="1">
         <a:lnSpc>
-          <a:spcPct val="90000"/>
+          <a:spcPct val="120000"/>
         </a:lnSpc>
         <a:spcBef>
-          <a:spcPts val="375"/>
+          <a:spcPts val="750"/>
         </a:spcBef>
-        <a:spcAft>
-          <a:spcPts val="375"/>
-        </a:spcAft>
         <a:buClr>
-          <a:schemeClr val="accent1"/>
+          <a:schemeClr val="tx1"/>
         </a:buClr>
-        <a:buFont typeface="Wingdings 2" pitchFamily="18" charset="2"/>
-        <a:buChar char=""/>
-        <a:tabLst>
-          <a:tab pos="1714500" algn="l"/>
-        </a:tabLst>
-        <a:defRPr sz="2100" kern="1200">
+        <a:buFont typeface="Arial" panose="020B0604020202020204" pitchFamily="34" charset="0"/>
+        <a:buChar char="•"/>
+        <a:defRPr sz="2100" kern="1200" cap="all" baseline="0">
           <a:solidFill>
-            <a:schemeClr val="bg2">
-              <a:lumMod val="20000"/>
-              <a:lumOff val="80000"/>
-            </a:schemeClr>
+            <a:schemeClr val="tx1"/>
           </a:solidFill>
+          <a:effectLst/>
           <a:latin typeface="+mn-lt"/>
           <a:ea typeface="+mn-ea"/>
           <a:cs typeface="+mn-cs"/>
@@ -3442,116 +6673,6 @@
 </file>
 
 <file path=ppt/slides/slide1.xml><?xml version="1.0" encoding="utf-8"?>
-<p:sld xmlns:a="http://schemas.openxmlformats.org/drawingml/2006/main" xmlns:r="http://schemas.openxmlformats.org/officeDocument/2006/relationships" xmlns:p="http://schemas.openxmlformats.org/presentationml/2006/main">
-  <p:cSld>
-    <p:spTree>
-      <p:nvGrpSpPr>
-        <p:cNvPr id="1" name=""/>
-        <p:cNvGrpSpPr/>
-        <p:nvPr/>
-      </p:nvGrpSpPr>
-      <p:grpSpPr>
-        <a:xfrm>
-          <a:off x="0" y="0"/>
-          <a:ext cx="0" cy="0"/>
-          <a:chOff x="0" y="0"/>
-          <a:chExt cx="0" cy="0"/>
-        </a:xfrm>
-      </p:grpSpPr>
-      <p:sp>
-        <p:nvSpPr>
-          <p:cNvPr id="11" name="Title 10">
-            <a:extLst>
-              <a:ext uri="{FF2B5EF4-FFF2-40B4-BE49-F238E27FC236}">
-                <a16:creationId xmlns:a16="http://schemas.microsoft.com/office/drawing/2014/main" id="{5926AE7A-0456-EFA0-8099-2A9B2B841EFC}"/>
-              </a:ext>
-            </a:extLst>
-          </p:cNvPr>
-          <p:cNvSpPr>
-            <a:spLocks noGrp="1"/>
-          </p:cNvSpPr>
-          <p:nvPr>
-            <p:ph type="title"/>
-          </p:nvPr>
-        </p:nvSpPr>
-        <p:spPr/>
-        <p:txBody>
-          <a:bodyPr/>
-          <a:lstStyle/>
-          <a:p>
-            <a:endParaRPr lang="en-GB"/>
-          </a:p>
-        </p:txBody>
-      </p:sp>
-    </p:spTree>
-    <p:extLst>
-      <p:ext uri="{BB962C8B-B14F-4D97-AF65-F5344CB8AC3E}">
-        <p14:creationId xmlns:p14="http://schemas.microsoft.com/office/powerpoint/2010/main" val="3860509726"/>
-      </p:ext>
-    </p:extLst>
-  </p:cSld>
-  <p:clrMapOvr>
-    <a:masterClrMapping/>
-  </p:clrMapOvr>
-</p:sld>
-</file>
-
-<file path=ppt/slides/slide2.xml><?xml version="1.0" encoding="utf-8"?>
-<p:sld xmlns:a="http://schemas.openxmlformats.org/drawingml/2006/main" xmlns:r="http://schemas.openxmlformats.org/officeDocument/2006/relationships" xmlns:p="http://schemas.openxmlformats.org/presentationml/2006/main">
-  <p:cSld>
-    <p:spTree>
-      <p:nvGrpSpPr>
-        <p:cNvPr id="1" name=""/>
-        <p:cNvGrpSpPr/>
-        <p:nvPr/>
-      </p:nvGrpSpPr>
-      <p:grpSpPr>
-        <a:xfrm>
-          <a:off x="0" y="0"/>
-          <a:ext cx="0" cy="0"/>
-          <a:chOff x="0" y="0"/>
-          <a:chExt cx="0" cy="0"/>
-        </a:xfrm>
-      </p:grpSpPr>
-      <p:sp>
-        <p:nvSpPr>
-          <p:cNvPr id="2" name="Title 1">
-            <a:extLst>
-              <a:ext uri="{FF2B5EF4-FFF2-40B4-BE49-F238E27FC236}">
-                <a16:creationId xmlns:a16="http://schemas.microsoft.com/office/drawing/2014/main" id="{B0ADA14F-6E12-1144-BEF4-8DBEACE30C05}"/>
-              </a:ext>
-            </a:extLst>
-          </p:cNvPr>
-          <p:cNvSpPr>
-            <a:spLocks noGrp="1"/>
-          </p:cNvSpPr>
-          <p:nvPr>
-            <p:ph type="title"/>
-          </p:nvPr>
-        </p:nvSpPr>
-        <p:spPr/>
-        <p:txBody>
-          <a:bodyPr/>
-          <a:lstStyle/>
-          <a:p>
-            <a:endParaRPr lang="en-GB"/>
-          </a:p>
-        </p:txBody>
-      </p:sp>
-    </p:spTree>
-    <p:extLst>
-      <p:ext uri="{BB962C8B-B14F-4D97-AF65-F5344CB8AC3E}">
-        <p14:creationId xmlns:p14="http://schemas.microsoft.com/office/powerpoint/2010/main" val="3038631696"/>
-      </p:ext>
-    </p:extLst>
-  </p:cSld>
-  <p:clrMapOvr>
-    <a:masterClrMapping/>
-  </p:clrMapOvr>
-</p:sld>
-</file>
-
-<file path=ppt/slides/slide3.xml><?xml version="1.0" encoding="utf-8"?>
 <p:sld xmlns:a="http://schemas.openxmlformats.org/drawingml/2006/main" xmlns:p="http://schemas.openxmlformats.org/presentationml/2006/main" xmlns:r="http://schemas.openxmlformats.org/officeDocument/2006/relationships">
   <p:cSld>
     <p:spTree>
@@ -3579,9 +6700,9 @@
             <a:r>
               <a:rPr sz="11500">
                 <a:solidFill>
-                  <a:srgbClr val="FFFFFF"/>
+                  <a:srgbClr val="FF1493"/>
                 </a:solidFill>
-                <a:latin typeface="Corbel(Headings)"/>
+                <a:latin typeface="Arial"/>
               </a:rPr>
               <a:t>Japan</a:t>
             </a:r>
@@ -3604,7 +6725,7 @@
           <a:lstStyle/>
           <a:p>
             <a:r>
-              <a:t>Presented by Micro</a:t>
+              <a:t>Presented by micro</a:t>
             </a:r>
           </a:p>
         </p:txBody>
@@ -3617,7 +6738,73 @@
 </p:sld>
 </file>
 
-<file path=ppt/slides/slide4.xml><?xml version="1.0" encoding="utf-8"?>
+<file path=ppt/slides/slide1.xml><?xml version="1.0" encoding="utf-8"?>
+<p:sld xmlns:a="http://schemas.openxmlformats.org/drawingml/2006/main" xmlns:p="http://schemas.openxmlformats.org/presentationml/2006/main" xmlns:r="http://schemas.openxmlformats.org/officeDocument/2006/relationships">
+  <p:cSld>
+    <p:spTree>
+      <p:nvGrpSpPr>
+        <p:cNvPr id="1" name=""/>
+        <p:cNvGrpSpPr/>
+        <p:nvPr/>
+      </p:nvGrpSpPr>
+      <p:grpSpPr/>
+      <p:sp>
+        <p:nvSpPr>
+          <p:cNvPr id="2" name="Title 1"/>
+          <p:cNvSpPr>
+            <a:spLocks noGrp="1"/>
+          </p:cNvSpPr>
+          <p:nvPr>
+            <p:ph type="ctrTitle"/>
+          </p:nvPr>
+        </p:nvSpPr>
+        <p:spPr/>
+        <p:txBody>
+          <a:bodyPr/>
+          <a:lstStyle/>
+          <a:p>
+            <a:r>
+              <a:rPr sz="11500">
+                <a:solidFill>
+                  <a:srgbClr val="FF1493"/>
+                </a:solidFill>
+                <a:latin typeface="Arial"/>
+              </a:rPr>
+              <a:t>Japan</a:t>
+            </a:r>
+          </a:p>
+        </p:txBody>
+      </p:sp>
+      <p:sp>
+        <p:nvSpPr>
+          <p:cNvPr id="3" name="Subtitle 2"/>
+          <p:cNvSpPr>
+            <a:spLocks noGrp="1"/>
+          </p:cNvSpPr>
+          <p:nvPr>
+            <p:ph type="subTitle" idx="1"/>
+          </p:nvPr>
+        </p:nvSpPr>
+        <p:spPr/>
+        <p:txBody>
+          <a:bodyPr/>
+          <a:lstStyle/>
+          <a:p>
+            <a:r>
+              <a:t>Presented by micro</a:t>
+            </a:r>
+          </a:p>
+        </p:txBody>
+      </p:sp>
+    </p:spTree>
+  </p:cSld>
+  <p:clrMapOvr>
+    <a:masterClrMapping/>
+  </p:clrMapOvr>
+</p:sld>
+</file>
+
+<file path=ppt/slides/slide2.xml><?xml version="1.0" encoding="utf-8"?>
 <p:sld xmlns:a="http://schemas.openxmlformats.org/drawingml/2006/main" xmlns:p="http://schemas.openxmlformats.org/presentationml/2006/main" xmlns:r="http://schemas.openxmlformats.org/officeDocument/2006/relationships">
   <p:cSld>
     <p:spTree>
@@ -3643,8 +6830,8 @@
         </p:blipFill>
         <p:spPr>
           <a:xfrm>
-            <a:off x="1170432" y="1216152"/>
-            <a:ext cx="7223760" cy="4133087"/>
+            <a:off x="0" y="0"/>
+            <a:ext cx="18288000" cy="4532399"/>
           </a:xfrm>
           <a:prstGeom prst="rect">
             <a:avLst/>
@@ -3659,8 +6846,8 @@
         </p:nvSpPr>
         <p:spPr>
           <a:xfrm>
-            <a:off x="1170432" y="5440680"/>
-            <a:ext cx="7141464" cy="3749039"/>
+            <a:off x="381599" y="4895999"/>
+            <a:ext cx="5335200" cy="4895999"/>
           </a:xfrm>
           <a:prstGeom prst="rect">
             <a:avLst/>
@@ -3677,7 +6864,7 @@
               <a:spcAft>
                 <a:spcPts val="0"/>
               </a:spcAft>
-              <a:defRPr sz="8000">
+              <a:defRPr sz="7200">
                 <a:solidFill>
                   <a:srgbClr val="FF1493"/>
                 </a:solidFill>
@@ -3685,7 +6872,7 @@
               </a:defRPr>
             </a:pPr>
             <a:r>
-              <a:t>Slide 1:</a:t>
+              <a:t>Geography and Climate</a:t>
             </a:r>
           </a:p>
         </p:txBody>
@@ -3698,8 +6885,344 @@
         </p:nvSpPr>
         <p:spPr>
           <a:xfrm>
-            <a:off x="8924544" y="1216152"/>
-            <a:ext cx="8156448" cy="7955279"/>
+            <a:off x="5943600" y="4895999"/>
+            <a:ext cx="11960352" cy="4572000"/>
+          </a:xfrm>
+          <a:prstGeom prst="rect">
+            <a:avLst/>
+          </a:prstGeom>
+          <a:noFill/>
+        </p:spPr>
+        <p:txBody>
+          <a:bodyPr wrap="square">
+            <a:spAutoFit/>
+          </a:bodyPr>
+          <a:lstStyle/>
+          <a:p>
+            <a:pPr algn="l">
+              <a:spcAft>
+                <a:spcPts val="1600"/>
+              </a:spcAft>
+              <a:defRPr sz="3200">
+                <a:solidFill>
+                  <a:srgbClr val="000000"/>
+                </a:solidFill>
+                <a:latin typeface="Arial"/>
+              </a:defRPr>
+            </a:pPr>
+            <a:r>
+              <a:t>Japan is an archipelago consisting of four main islands: Honshu, Hokkaido, Kyushu, and Shikoku.</a:t>
+            </a:r>
+          </a:p>
+          <a:p>
+            <a:pPr algn="l">
+              <a:spcAft>
+                <a:spcPts val="1600"/>
+              </a:spcAft>
+              <a:defRPr sz="3200">
+                <a:solidFill>
+                  <a:srgbClr val="000000"/>
+                </a:solidFill>
+                <a:latin typeface="Arial"/>
+              </a:defRPr>
+            </a:pPr>
+            <a:r>
+              <a:t>The country is known for its diverse topography, including mountains, valleys, and plains.</a:t>
+            </a:r>
+          </a:p>
+          <a:p>
+            <a:pPr algn="l">
+              <a:spcAft>
+                <a:spcPts val="1600"/>
+              </a:spcAft>
+              <a:defRPr sz="3200">
+                <a:solidFill>
+                  <a:srgbClr val="000000"/>
+                </a:solidFill>
+                <a:latin typeface="Arial"/>
+              </a:defRPr>
+            </a:pPr>
+            <a:r>
+              <a:t>Japan experiences a variety of climates, ranging from humid subtropical in the south to humid continental in the north.</a:t>
+            </a:r>
+          </a:p>
+          <a:p>
+            <a:pPr algn="l">
+              <a:spcAft>
+                <a:spcPts val="1600"/>
+              </a:spcAft>
+              <a:defRPr sz="3200">
+                <a:solidFill>
+                  <a:srgbClr val="000000"/>
+                </a:solidFill>
+                <a:latin typeface="Arial"/>
+              </a:defRPr>
+            </a:pPr>
+            <a:r>
+              <a:t>The geographical location of Japan makes it prone to earthquakes, tsunamis, and typhoons.</a:t>
+            </a:r>
+          </a:p>
+        </p:txBody>
+      </p:sp>
+    </p:spTree>
+  </p:cSld>
+  <p:clrMapOvr>
+    <a:masterClrMapping/>
+  </p:clrMapOvr>
+</p:sld>
+</file>
+
+<file path=ppt/slides/slide2.xml><?xml version="1.0" encoding="utf-8"?>
+<p:sld xmlns:a="http://schemas.openxmlformats.org/drawingml/2006/main" xmlns:p="http://schemas.openxmlformats.org/presentationml/2006/main" xmlns:r="http://schemas.openxmlformats.org/officeDocument/2006/relationships">
+  <p:cSld>
+    <p:spTree>
+      <p:nvGrpSpPr>
+        <p:cNvPr id="1" name=""/>
+        <p:cNvGrpSpPr/>
+        <p:nvPr/>
+      </p:nvGrpSpPr>
+      <p:grpSpPr/>
+      <p:pic>
+        <p:nvPicPr>
+          <p:cNvPr id="2" name="Picture 1" descr="4.png"/>
+          <p:cNvPicPr>
+            <a:picLocks noChangeAspect="1"/>
+          </p:cNvPicPr>
+          <p:nvPr/>
+        </p:nvPicPr>
+        <p:blipFill>
+          <a:blip r:embed="rId2"/>
+          <a:stretch>
+            <a:fillRect/>
+          </a:stretch>
+        </p:blipFill>
+        <p:spPr>
+          <a:xfrm>
+            <a:off x="0" y="0"/>
+            <a:ext cx="18288000" cy="4532399"/>
+          </a:xfrm>
+          <a:prstGeom prst="rect">
+            <a:avLst/>
+          </a:prstGeom>
+        </p:spPr>
+      </p:pic>
+      <p:sp>
+        <p:nvSpPr>
+          <p:cNvPr id="3" name="TextBox 2"/>
+          <p:cNvSpPr txBox="1"/>
+          <p:nvPr/>
+        </p:nvSpPr>
+        <p:spPr>
+          <a:xfrm>
+            <a:off x="381599" y="4895999"/>
+            <a:ext cx="5335200" cy="4895999"/>
+          </a:xfrm>
+          <a:prstGeom prst="rect">
+            <a:avLst/>
+          </a:prstGeom>
+          <a:noFill/>
+        </p:spPr>
+        <p:txBody>
+          <a:bodyPr wrap="square">
+            <a:spAutoFit/>
+          </a:bodyPr>
+          <a:lstStyle/>
+          <a:p>
+            <a:pPr algn="r">
+              <a:spcAft>
+                <a:spcPts val="0"/>
+              </a:spcAft>
+              <a:defRPr sz="7200">
+                <a:solidFill>
+                  <a:srgbClr val="FF1493"/>
+                </a:solidFill>
+                <a:latin typeface="Arial"/>
+              </a:defRPr>
+            </a:pPr>
+            <a:r>
+              <a:t>Geography and Climate</a:t>
+            </a:r>
+          </a:p>
+        </p:txBody>
+      </p:sp>
+      <p:sp>
+        <p:nvSpPr>
+          <p:cNvPr id="4" name="TextBox 3"/>
+          <p:cNvSpPr txBox="1"/>
+          <p:nvPr/>
+        </p:nvSpPr>
+        <p:spPr>
+          <a:xfrm>
+            <a:off x="5943600" y="4895999"/>
+            <a:ext cx="11960352" cy="4572000"/>
+          </a:xfrm>
+          <a:prstGeom prst="rect">
+            <a:avLst/>
+          </a:prstGeom>
+          <a:noFill/>
+        </p:spPr>
+        <p:txBody>
+          <a:bodyPr wrap="square">
+            <a:spAutoFit/>
+          </a:bodyPr>
+          <a:lstStyle/>
+          <a:p>
+            <a:pPr algn="l">
+              <a:spcAft>
+                <a:spcPts val="1600"/>
+              </a:spcAft>
+              <a:defRPr sz="3200">
+                <a:solidFill>
+                  <a:srgbClr val="000000"/>
+                </a:solidFill>
+                <a:latin typeface="Arial"/>
+              </a:defRPr>
+            </a:pPr>
+            <a:r>
+              <a:t>Japan is an archipelago consisting of four main islands: Honshu, Hokkaido, Kyushu, and Shikoku.</a:t>
+            </a:r>
+          </a:p>
+          <a:p>
+            <a:pPr algn="l">
+              <a:spcAft>
+                <a:spcPts val="1600"/>
+              </a:spcAft>
+              <a:defRPr sz="3200">
+                <a:solidFill>
+                  <a:srgbClr val="000000"/>
+                </a:solidFill>
+                <a:latin typeface="Arial"/>
+              </a:defRPr>
+            </a:pPr>
+            <a:r>
+              <a:t>The country is known for its diverse topography, including mountains, valleys, and plains.</a:t>
+            </a:r>
+          </a:p>
+          <a:p>
+            <a:pPr algn="l">
+              <a:spcAft>
+                <a:spcPts val="1600"/>
+              </a:spcAft>
+              <a:defRPr sz="3200">
+                <a:solidFill>
+                  <a:srgbClr val="000000"/>
+                </a:solidFill>
+                <a:latin typeface="Arial"/>
+              </a:defRPr>
+            </a:pPr>
+            <a:r>
+              <a:t>Japan experiences a variety of climates, ranging from humid subtropical in the south to humid continental in the north.</a:t>
+            </a:r>
+          </a:p>
+          <a:p>
+            <a:pPr algn="l">
+              <a:spcAft>
+                <a:spcPts val="1600"/>
+              </a:spcAft>
+              <a:defRPr sz="3200">
+                <a:solidFill>
+                  <a:srgbClr val="000000"/>
+                </a:solidFill>
+                <a:latin typeface="Arial"/>
+              </a:defRPr>
+            </a:pPr>
+            <a:r>
+              <a:t>The geographical location of Japan makes it prone to earthquakes, tsunamis, and typhoons.</a:t>
+            </a:r>
+          </a:p>
+        </p:txBody>
+      </p:sp>
+    </p:spTree>
+  </p:cSld>
+  <p:clrMapOvr>
+    <a:masterClrMapping/>
+  </p:clrMapOvr>
+</p:sld>
+</file>
+
+<file path=ppt/slides/slide3.xml><?xml version="1.0" encoding="utf-8"?>
+<p:sld xmlns:a="http://schemas.openxmlformats.org/drawingml/2006/main" xmlns:p="http://schemas.openxmlformats.org/presentationml/2006/main" xmlns:r="http://schemas.openxmlformats.org/officeDocument/2006/relationships">
+  <p:cSld>
+    <p:spTree>
+      <p:nvGrpSpPr>
+        <p:cNvPr id="1" name=""/>
+        <p:cNvGrpSpPr/>
+        <p:nvPr/>
+      </p:nvGrpSpPr>
+      <p:grpSpPr/>
+      <p:pic>
+        <p:nvPicPr>
+          <p:cNvPr id="2" name="Picture 1" descr="4.png"/>
+          <p:cNvPicPr>
+            <a:picLocks noChangeAspect="1"/>
+          </p:cNvPicPr>
+          <p:nvPr/>
+        </p:nvPicPr>
+        <p:blipFill>
+          <a:blip r:embed="rId2"/>
+          <a:stretch>
+            <a:fillRect/>
+          </a:stretch>
+        </p:blipFill>
+        <p:spPr>
+          <a:xfrm>
+            <a:off x="868680" y="2743200"/>
+            <a:ext cx="6537960" cy="6537960"/>
+          </a:xfrm>
+          <a:prstGeom prst="rect">
+            <a:avLst/>
+          </a:prstGeom>
+        </p:spPr>
+      </p:pic>
+      <p:sp>
+        <p:nvSpPr>
+          <p:cNvPr id="3" name="TextBox 2"/>
+          <p:cNvSpPr txBox="1"/>
+          <p:nvPr/>
+        </p:nvSpPr>
+        <p:spPr>
+          <a:xfrm>
+            <a:off x="1261872" y="1051560"/>
+            <a:ext cx="15745967" cy="1197864"/>
+          </a:xfrm>
+          <a:prstGeom prst="rect">
+            <a:avLst/>
+          </a:prstGeom>
+          <a:noFill/>
+        </p:spPr>
+        <p:txBody>
+          <a:bodyPr wrap="square">
+            <a:spAutoFit/>
+          </a:bodyPr>
+          <a:lstStyle/>
+          <a:p>
+            <a:pPr algn="l">
+              <a:spcAft>
+                <a:spcPts val="0"/>
+              </a:spcAft>
+              <a:defRPr sz="6600">
+                <a:solidFill>
+                  <a:srgbClr val="FF1493"/>
+                </a:solidFill>
+                <a:latin typeface="Arial"/>
+              </a:defRPr>
+            </a:pPr>
+            <a:r>
+              <a:t>Culture and Traditions</a:t>
+            </a:r>
+          </a:p>
+        </p:txBody>
+      </p:sp>
+      <p:sp>
+        <p:nvSpPr>
+          <p:cNvPr id="4" name="TextBox 3"/>
+          <p:cNvSpPr txBox="1"/>
+          <p:nvPr/>
+        </p:nvSpPr>
+        <p:spPr>
+          <a:xfrm>
+            <a:off x="7927848" y="2743200"/>
+            <a:ext cx="9144000" cy="6492240"/>
           </a:xfrm>
           <a:prstGeom prst="rect">
             <a:avLst/>
@@ -3718,13 +7241,13 @@
               </a:spcAft>
               <a:defRPr sz="3200">
                 <a:solidFill>
-                  <a:srgbClr val="FFFFFF"/>
+                  <a:srgbClr val="000000"/>
                 </a:solidFill>
                 <a:latin typeface="Arial"/>
               </a:defRPr>
             </a:pPr>
             <a:r>
-              <a:t>1. Java is a popular object-oriented programming language used for developing a variety of applications.</a:t>
+              <a:t>Japan has a rich cultural heritage with a blend of ancient traditions and modern influences.</a:t>
             </a:r>
           </a:p>
           <a:p>
@@ -3734,13 +7257,13 @@
               </a:spcAft>
               <a:defRPr sz="3200">
                 <a:solidFill>
-                  <a:srgbClr val="FFFFFF"/>
+                  <a:srgbClr val="000000"/>
                 </a:solidFill>
                 <a:latin typeface="Arial"/>
               </a:defRPr>
             </a:pPr>
             <a:r>
-              <a:t>2. It was created by James Gosling and his team at Sun Microsystems in the mid-1990s.</a:t>
+              <a:t>Traditional arts and crafts, such as tea ceremonies, flower arrangement (ikebana), and calligraphy, are deeply valued.</a:t>
             </a:r>
           </a:p>
           <a:p>
@@ -3750,13 +7273,13 @@
               </a:spcAft>
               <a:defRPr sz="3200">
                 <a:solidFill>
-                  <a:srgbClr val="FFFFFF"/>
+                  <a:srgbClr val="000000"/>
                 </a:solidFill>
                 <a:latin typeface="Arial"/>
               </a:defRPr>
             </a:pPr>
             <a:r>
-              <a:t>3. Java's key principles include platform independence, portability, and strong memory management.</a:t>
+              <a:t>The Japanese language, literature, and theater (including kabuki and noh) hold important cultural significance.</a:t>
             </a:r>
           </a:p>
           <a:p>
@@ -3766,13 +7289,181 @@
               </a:spcAft>
               <a:defRPr sz="3200">
                 <a:solidFill>
-                  <a:srgbClr val="FFFFFF"/>
+                  <a:srgbClr val="000000"/>
                 </a:solidFill>
                 <a:latin typeface="Arial"/>
               </a:defRPr>
             </a:pPr>
             <a:r>
-              <a:t>4. It is widely used for developing web-based applications, Android apps, and enterprise systems.</a:t>
+              <a:t>Festivals, like the cherry blossom festival (hanami) and the lantern festival (Obon), are celebrated throughout the year.</a:t>
+            </a:r>
+          </a:p>
+        </p:txBody>
+      </p:sp>
+    </p:spTree>
+  </p:cSld>
+  <p:clrMapOvr>
+    <a:masterClrMapping/>
+  </p:clrMapOvr>
+</p:sld>
+</file>
+
+<file path=ppt/slides/slide4.xml><?xml version="1.0" encoding="utf-8"?>
+<p:sld xmlns:a="http://schemas.openxmlformats.org/drawingml/2006/main" xmlns:p="http://schemas.openxmlformats.org/presentationml/2006/main" xmlns:r="http://schemas.openxmlformats.org/officeDocument/2006/relationships">
+  <p:cSld>
+    <p:spTree>
+      <p:nvGrpSpPr>
+        <p:cNvPr id="1" name=""/>
+        <p:cNvGrpSpPr/>
+        <p:nvPr/>
+      </p:nvGrpSpPr>
+      <p:grpSpPr/>
+      <p:pic>
+        <p:nvPicPr>
+          <p:cNvPr id="2" name="Picture 1" descr="371491136_903515200719666_675384882050575283_n.jpg"/>
+          <p:cNvPicPr>
+            <a:picLocks noChangeAspect="1"/>
+          </p:cNvPicPr>
+          <p:nvPr/>
+        </p:nvPicPr>
+        <p:blipFill>
+          <a:blip r:embed="rId3"/>
+          <a:stretch>
+            <a:fillRect/>
+          </a:stretch>
+        </p:blipFill>
+        <p:spPr>
+          <a:xfrm>
+            <a:off x="868680" y="2743200"/>
+            <a:ext cx="6537960" cy="6537960"/>
+          </a:xfrm>
+          <a:prstGeom prst="rect">
+            <a:avLst/>
+          </a:prstGeom>
+        </p:spPr>
+      </p:pic>
+      <p:sp>
+        <p:nvSpPr>
+          <p:cNvPr id="3" name="TextBox 2"/>
+          <p:cNvSpPr txBox="1"/>
+          <p:nvPr/>
+        </p:nvSpPr>
+        <p:spPr>
+          <a:xfrm>
+            <a:off x="1261872" y="1051560"/>
+            <a:ext cx="15745967" cy="1197864"/>
+          </a:xfrm>
+          <a:prstGeom prst="rect">
+            <a:avLst/>
+          </a:prstGeom>
+          <a:noFill/>
+        </p:spPr>
+        <p:txBody>
+          <a:bodyPr wrap="square">
+            <a:spAutoFit/>
+          </a:bodyPr>
+          <a:lstStyle/>
+          <a:p>
+            <a:pPr algn="l">
+              <a:spcAft>
+                <a:spcPts val="0"/>
+              </a:spcAft>
+              <a:defRPr sz="6600">
+                <a:solidFill>
+                  <a:srgbClr val="FF1493"/>
+                </a:solidFill>
+                <a:latin typeface="Arial"/>
+              </a:defRPr>
+            </a:pPr>
+            <a:r>
+              <a:t>Technology and Innovation</a:t>
+            </a:r>
+          </a:p>
+        </p:txBody>
+      </p:sp>
+      <p:sp>
+        <p:nvSpPr>
+          <p:cNvPr id="4" name="TextBox 3"/>
+          <p:cNvSpPr txBox="1"/>
+          <p:nvPr/>
+        </p:nvSpPr>
+        <p:spPr>
+          <a:xfrm>
+            <a:off x="7927848" y="2743200"/>
+            <a:ext cx="9144000" cy="6492240"/>
+          </a:xfrm>
+          <a:prstGeom prst="rect">
+            <a:avLst/>
+          </a:prstGeom>
+          <a:noFill/>
+        </p:spPr>
+        <p:txBody>
+          <a:bodyPr wrap="square">
+            <a:spAutoFit/>
+          </a:bodyPr>
+          <a:lstStyle/>
+          <a:p>
+            <a:pPr algn="l">
+              <a:spcAft>
+                <a:spcPts val="2000"/>
+              </a:spcAft>
+              <a:defRPr sz="3200">
+                <a:solidFill>
+                  <a:srgbClr val="000000"/>
+                </a:solidFill>
+                <a:latin typeface="Arial"/>
+              </a:defRPr>
+            </a:pPr>
+            <a:r>
+              <a:t>Japan's technological advancements and innovative industries have made it a global leader.</a:t>
+            </a:r>
+          </a:p>
+          <a:p>
+            <a:pPr algn="l">
+              <a:spcAft>
+                <a:spcPts val="2000"/>
+              </a:spcAft>
+              <a:defRPr sz="3200">
+                <a:solidFill>
+                  <a:srgbClr val="000000"/>
+                </a:solidFill>
+                <a:latin typeface="Arial"/>
+              </a:defRPr>
+            </a:pPr>
+            <a:r>
+              <a:t>It is at the forefront of robotics, manufacturing, and electronics.</a:t>
+            </a:r>
+          </a:p>
+          <a:p>
+            <a:pPr algn="l">
+              <a:spcAft>
+                <a:spcPts val="2000"/>
+              </a:spcAft>
+              <a:defRPr sz="3200">
+                <a:solidFill>
+                  <a:srgbClr val="000000"/>
+                </a:solidFill>
+                <a:latin typeface="Arial"/>
+              </a:defRPr>
+            </a:pPr>
+            <a:r>
+              <a:t>Japanese companies have created influential inventions like the bullet train (Shinkansen) and high-quality automobiles.</a:t>
+            </a:r>
+          </a:p>
+          <a:p>
+            <a:pPr algn="l">
+              <a:spcAft>
+                <a:spcPts val="2000"/>
+              </a:spcAft>
+              <a:defRPr sz="3200">
+                <a:solidFill>
+                  <a:srgbClr val="000000"/>
+                </a:solidFill>
+                <a:latin typeface="Arial"/>
+              </a:defRPr>
+            </a:pPr>
+            <a:r>
+              <a:t>Japan continues to prioritize research and development in fields such as artificial intelligence and renewable energy.</a:t>
             </a:r>
           </a:p>
         </p:txBody>
@@ -3811,8 +7502,8 @@
         </p:blipFill>
         <p:spPr>
           <a:xfrm>
-            <a:off x="1280160" y="2743200"/>
-            <a:ext cx="7754112" cy="6537960"/>
+            <a:off x="10058400" y="731520"/>
+            <a:ext cx="7424927" cy="8823960"/>
           </a:xfrm>
           <a:prstGeom prst="rect">
             <a:avLst/>
@@ -3827,8 +7518,8 @@
         </p:nvSpPr>
         <p:spPr>
           <a:xfrm>
-            <a:off x="1261872" y="1051560"/>
-            <a:ext cx="15745967" cy="1197864"/>
+            <a:off x="822960" y="822960"/>
+            <a:ext cx="8878824" cy="1938528"/>
           </a:xfrm>
           <a:prstGeom prst="rect">
             <a:avLst/>
@@ -3845,7 +7536,7 @@
               <a:spcAft>
                 <a:spcPts val="0"/>
               </a:spcAft>
-              <a:defRPr sz="8000">
+              <a:defRPr sz="6600">
                 <a:solidFill>
                   <a:srgbClr val="FF1493"/>
                 </a:solidFill>
@@ -3853,7 +7544,7 @@
               </a:defRPr>
             </a:pPr>
             <a:r>
-              <a:t>Slide 2:</a:t>
+              <a:t>Cuisine and Tea Culture</a:t>
             </a:r>
           </a:p>
         </p:txBody>
@@ -3866,8 +7557,8 @@
         </p:nvSpPr>
         <p:spPr>
           <a:xfrm>
-            <a:off x="9262872" y="2743200"/>
-            <a:ext cx="7772400" cy="6492240"/>
+            <a:off x="822960" y="3090672"/>
+            <a:ext cx="8878824" cy="6400800"/>
           </a:xfrm>
           <a:prstGeom prst="rect">
             <a:avLst/>
@@ -3886,13 +7577,13 @@
               </a:spcAft>
               <a:defRPr sz="3200">
                 <a:solidFill>
-                  <a:srgbClr val="FFFFFF"/>
+                  <a:srgbClr val="000000"/>
                 </a:solidFill>
                 <a:latin typeface="Arial"/>
               </a:defRPr>
             </a:pPr>
             <a:r>
-              <a:t>1. Java applications run on the Java Virtual Machine (JVM), which allows them to be platform-independent.</a:t>
+              <a:t>Japanese cuisine is diverse, fresh, and beautifully presented.</a:t>
             </a:r>
           </a:p>
           <a:p>
@@ -3902,13 +7593,13 @@
               </a:spcAft>
               <a:defRPr sz="3200">
                 <a:solidFill>
-                  <a:srgbClr val="FFFFFF"/>
+                  <a:srgbClr val="000000"/>
                 </a:solidFill>
                 <a:latin typeface="Arial"/>
               </a:defRPr>
             </a:pPr>
             <a:r>
-              <a:t>2. Java's syntax is similar to C++, making it relatively easy for C++ developers to learn and use.</a:t>
+              <a:t>Traditional dishes like sushi, ramen, tempura, and teppanyaki are popular worldwide.</a:t>
             </a:r>
           </a:p>
           <a:p>
@@ -3918,13 +7609,13 @@
               </a:spcAft>
               <a:defRPr sz="3200">
                 <a:solidFill>
-                  <a:srgbClr val="FFFFFF"/>
+                  <a:srgbClr val="000000"/>
                 </a:solidFill>
                 <a:latin typeface="Arial"/>
               </a:defRPr>
             </a:pPr>
             <a:r>
-              <a:t>3. Java uses a strong type system, which helps catch errors at compile time and enhances code reliability.</a:t>
+              <a:t>The importance of tea in Japanese culture can be seen through the tea ceremony, which focuses on the preparation and presentation of matcha green tea.</a:t>
             </a:r>
           </a:p>
           <a:p>
@@ -3934,13 +7625,13 @@
               </a:spcAft>
               <a:defRPr sz="3200">
                 <a:solidFill>
-                  <a:srgbClr val="FFFFFF"/>
+                  <a:srgbClr val="000000"/>
                 </a:solidFill>
                 <a:latin typeface="Arial"/>
               </a:defRPr>
             </a:pPr>
             <a:r>
-              <a:t>4. Java follows the Write Once, Run Anywhere (WORA) approach, meaning code written in Java can run on various operating systems without any modifications.</a:t>
+              <a:t>Japanese food is known for its emphasis on seasonal ingredients and meticulous attention to detail.</a:t>
             </a:r>
           </a:p>
         </p:txBody>
@@ -3954,150 +7645,6 @@
 </file>
 
 <file path=ppt/slides/slide6.xml><?xml version="1.0" encoding="utf-8"?>
-<p:sld xmlns:a="http://schemas.openxmlformats.org/drawingml/2006/main" xmlns:p="http://schemas.openxmlformats.org/presentationml/2006/main" xmlns:r="http://schemas.openxmlformats.org/officeDocument/2006/relationships">
-  <p:cSld>
-    <p:spTree>
-      <p:nvGrpSpPr>
-        <p:cNvPr id="1" name=""/>
-        <p:cNvGrpSpPr/>
-        <p:nvPr/>
-      </p:nvGrpSpPr>
-      <p:grpSpPr/>
-      <p:sp>
-        <p:nvSpPr>
-          <p:cNvPr id="2" name="TextBox 1"/>
-          <p:cNvSpPr txBox="1"/>
-          <p:nvPr/>
-        </p:nvSpPr>
-        <p:spPr>
-          <a:xfrm>
-            <a:off x="1051560" y="914400"/>
-            <a:ext cx="16047720" cy="1645920"/>
-          </a:xfrm>
-          <a:prstGeom prst="rect">
-            <a:avLst/>
-          </a:prstGeom>
-          <a:noFill/>
-        </p:spPr>
-        <p:txBody>
-          <a:bodyPr wrap="square">
-            <a:spAutoFit/>
-          </a:bodyPr>
-          <a:lstStyle/>
-          <a:p>
-            <a:pPr algn="l">
-              <a:spcAft>
-                <a:spcPts val="0"/>
-              </a:spcAft>
-              <a:defRPr sz="8000">
-                <a:solidFill>
-                  <a:srgbClr val="FF1493"/>
-                </a:solidFill>
-                <a:latin typeface="Arial"/>
-              </a:defRPr>
-            </a:pPr>
-            <a:r>
-              <a:t>Slide 3:</a:t>
-            </a:r>
-          </a:p>
-        </p:txBody>
-      </p:sp>
-      <p:sp>
-        <p:nvSpPr>
-          <p:cNvPr id="3" name="TextBox 2"/>
-          <p:cNvSpPr txBox="1"/>
-          <p:nvPr/>
-        </p:nvSpPr>
-        <p:spPr>
-          <a:xfrm>
-            <a:off x="1051560" y="2743200"/>
-            <a:ext cx="16047720" cy="6492240"/>
-          </a:xfrm>
-          <a:prstGeom prst="rect">
-            <a:avLst/>
-          </a:prstGeom>
-          <a:noFill/>
-        </p:spPr>
-        <p:txBody>
-          <a:bodyPr wrap="square">
-            <a:spAutoFit/>
-          </a:bodyPr>
-          <a:lstStyle/>
-          <a:p>
-            <a:pPr algn="l">
-              <a:spcAft>
-                <a:spcPts val="2500"/>
-              </a:spcAft>
-              <a:defRPr sz="3200">
-                <a:solidFill>
-                  <a:srgbClr val="FFFFFF"/>
-                </a:solidFill>
-                <a:latin typeface="Arial"/>
-              </a:defRPr>
-            </a:pPr>
-            <a:r>
-              <a:t>1. Java provides extensive libraries and frameworks, such as Java Standard Edition (SE) and Java Enterprise Edition (EE), for building a wide range of applications.</a:t>
-            </a:r>
-          </a:p>
-          <a:p>
-            <a:pPr algn="l">
-              <a:spcAft>
-                <a:spcPts val="2500"/>
-              </a:spcAft>
-              <a:defRPr sz="3200">
-                <a:solidFill>
-                  <a:srgbClr val="FFFFFF"/>
-                </a:solidFill>
-                <a:latin typeface="Arial"/>
-              </a:defRPr>
-            </a:pPr>
-            <a:r>
-              <a:t>2. One of the most popular frameworks for Java development is Spring, which simplifies the development of enterprise applications.</a:t>
-            </a:r>
-          </a:p>
-          <a:p>
-            <a:pPr algn="l">
-              <a:spcAft>
-                <a:spcPts val="2500"/>
-              </a:spcAft>
-              <a:defRPr sz="3200">
-                <a:solidFill>
-                  <a:srgbClr val="FFFFFF"/>
-                </a:solidFill>
-                <a:latin typeface="Arial"/>
-              </a:defRPr>
-            </a:pPr>
-            <a:r>
-              <a:t>3. Java supports multithreading, allowing multiple threads to run concurrently and improving the efficiency of applications.</a:t>
-            </a:r>
-          </a:p>
-          <a:p>
-            <a:pPr algn="l">
-              <a:spcAft>
-                <a:spcPts val="2500"/>
-              </a:spcAft>
-              <a:defRPr sz="3200">
-                <a:solidFill>
-                  <a:srgbClr val="FFFFFF"/>
-                </a:solidFill>
-                <a:latin typeface="Arial"/>
-              </a:defRPr>
-            </a:pPr>
-            <a:r>
-              <a:t>4. Java's garbage collection feature automatically manages memory, freeing developers from manual memory management tasks.</a:t>
-            </a:r>
-          </a:p>
-        </p:txBody>
-      </p:sp>
-    </p:spTree>
-  </p:cSld>
-  <p:clrMapOvr>
-    <a:masterClrMapping/>
-  </p:clrMapOvr>
-</p:sld>
-</file>
-
-<file path=ppt/slides/slide7.xml><?xml version="1.0" encoding="utf-8"?>
 <p:sld xmlns:a="http://schemas.openxmlformats.org/drawingml/2006/main" xmlns:p="http://schemas.openxmlformats.org/presentationml/2006/main" xmlns:r="http://schemas.openxmlformats.org/officeDocument/2006/relationships">
   <p:cSld>
     <p:spTree>
@@ -4124,7 +7671,7 @@
         <p:spPr>
           <a:xfrm>
             <a:off x="10058400" y="731520"/>
-            <a:ext cx="7534656" cy="8823960"/>
+            <a:ext cx="7424927" cy="8823960"/>
           </a:xfrm>
           <a:prstGeom prst="rect">
             <a:avLst/>
@@ -4157,7 +7704,7 @@
               <a:spcAft>
                 <a:spcPts val="0"/>
               </a:spcAft>
-              <a:defRPr sz="8000">
+              <a:defRPr sz="6600">
                 <a:solidFill>
                   <a:srgbClr val="FF1493"/>
                 </a:solidFill>
@@ -4165,7 +7712,7 @@
               </a:defRPr>
             </a:pPr>
             <a:r>
-              <a:t>Slide 4:</a:t>
+              <a:t>Pop culture and Entertainment</a:t>
             </a:r>
           </a:p>
         </p:txBody>
@@ -4194,65 +7741,65 @@
           <a:p>
             <a:pPr algn="l">
               <a:spcAft>
-                <a:spcPts val="1600"/>
+                <a:spcPts val="2000"/>
               </a:spcAft>
               <a:defRPr sz="3200">
                 <a:solidFill>
-                  <a:srgbClr val="FFFFFF"/>
+                  <a:srgbClr val="000000"/>
                 </a:solidFill>
                 <a:latin typeface="Arial"/>
               </a:defRPr>
             </a:pPr>
             <a:r>
-              <a:t>1. Java's big advantage is its massive developer community, which provides support through forums, online communities, and numerous resources.</a:t>
+              <a:t>Japan has a vibrant pop culture scene that has gained international popularity.</a:t>
             </a:r>
           </a:p>
           <a:p>
             <a:pPr algn="l">
               <a:spcAft>
-                <a:spcPts val="1600"/>
+                <a:spcPts val="2000"/>
               </a:spcAft>
               <a:defRPr sz="3200">
                 <a:solidFill>
-                  <a:srgbClr val="FFFFFF"/>
+                  <a:srgbClr val="000000"/>
                 </a:solidFill>
                 <a:latin typeface="Arial"/>
               </a:defRPr>
             </a:pPr>
             <a:r>
-              <a:t>2. The Java Community Process (JCP) ensures that Java evolves through open collaboration and standardization.</a:t>
+              <a:t>Anime, manga, and video games are major exports, with a dedicated fanbase across the globe.</a:t>
             </a:r>
           </a:p>
           <a:p>
             <a:pPr algn="l">
               <a:spcAft>
-                <a:spcPts val="1600"/>
+                <a:spcPts val="2000"/>
               </a:spcAft>
               <a:defRPr sz="3200">
                 <a:solidFill>
-                  <a:srgbClr val="FFFFFF"/>
+                  <a:srgbClr val="000000"/>
                 </a:solidFill>
                 <a:latin typeface="Arial"/>
               </a:defRPr>
             </a:pPr>
             <a:r>
-              <a:t>3. Java has a strong emphasis on security with features like bytecode verification and a security manager to prevent unauthorized access.</a:t>
+              <a:t>J-pop, the Japanese music industry, is known for its catchy tunes and colorful performances.</a:t>
             </a:r>
           </a:p>
           <a:p>
             <a:pPr algn="l">
               <a:spcAft>
-                <a:spcPts val="1600"/>
+                <a:spcPts val="2000"/>
               </a:spcAft>
               <a:defRPr sz="3200">
                 <a:solidFill>
-                  <a:srgbClr val="FFFFFF"/>
+                  <a:srgbClr val="000000"/>
                 </a:solidFill>
                 <a:latin typeface="Arial"/>
               </a:defRPr>
             </a:pPr>
             <a:r>
-              <a:t>4. Java is versatile and can be used for various tasks including web development, mobile app development, data analysis, and more.</a:t>
+              <a:t>Cosplay (costume play) and themed cafes are integral parts of Japanese entertainment and subculture.</a:t>
             </a:r>
           </a:p>
         </p:txBody>
@@ -4266,9 +7813,9 @@
 </file>
 
 <file path=ppt/theme/theme1.xml><?xml version="1.0" encoding="utf-8"?>
-<a:theme xmlns:a="http://schemas.openxmlformats.org/drawingml/2006/main" name="Frame">
+<a:theme xmlns:a="http://schemas.openxmlformats.org/drawingml/2006/main" name="Droplet">
   <a:themeElements>
-    <a:clrScheme name="Frame">
+    <a:clrScheme name="Droplet">
       <a:dk1>
         <a:sysClr val="windowText" lastClr="000000"/>
       </a:dk1>
@@ -4276,48 +7823,83 @@
         <a:sysClr val="window" lastClr="FFFFFF"/>
       </a:lt1>
       <a:dk2>
-        <a:srgbClr val="4A3F38"/>
+        <a:srgbClr val="27537E"/>
       </a:dk2>
       <a:lt2>
-        <a:srgbClr val="EEEDCB"/>
+        <a:srgbClr val="AABED7"/>
       </a:lt2>
       <a:accent1>
-        <a:srgbClr val="818E9F"/>
+        <a:srgbClr val="E34B7A"/>
       </a:accent1>
       <a:accent2>
-        <a:srgbClr val="D26400"/>
+        <a:srgbClr val="AC339A"/>
       </a:accent2>
       <a:accent3>
-        <a:srgbClr val="C3BA45"/>
+        <a:srgbClr val="6953B7"/>
       </a:accent3>
       <a:accent4>
-        <a:srgbClr val="8A8552"/>
+        <a:srgbClr val="1D7EAB"/>
       </a:accent4>
       <a:accent5>
-        <a:srgbClr val="F3B843"/>
+        <a:srgbClr val="43AFD6"/>
       </a:accent5>
       <a:accent6>
-        <a:srgbClr val="786C71"/>
+        <a:srgbClr val="DE85E1"/>
       </a:accent6>
       <a:hlink>
-        <a:srgbClr val="46A7CA"/>
+        <a:srgbClr val="ED87A6"/>
       </a:hlink>
       <a:folHlink>
-        <a:srgbClr val="B2B2B2"/>
+        <a:srgbClr val="C99EAC"/>
       </a:folHlink>
     </a:clrScheme>
-    <a:fontScheme name="Frame">
+    <a:fontScheme name="Droplet">
       <a:majorFont>
-        <a:latin typeface="Corbel" panose="020B0503020204020204"/>
+        <a:latin typeface="Tw Cen MT"/>
         <a:ea typeface=""/>
         <a:cs typeface=""/>
-        <a:font script="Jpan" typeface="ＭＳ ゴシック"/>
-        <a:font script="Hang" typeface="HY중고딕"/>
-        <a:font script="Hans" typeface="幼圆"/>
-        <a:font script="Hant" typeface="微軟正黑體"/>
-        <a:font script="Arab" typeface="Tahoma"/>
-        <a:font script="Hebr" typeface="Gisha"/>
-        <a:font script="Thai" typeface="DilleniaUPC"/>
+        <a:font script="Jpan" typeface="ＭＳ Ｐゴシック"/>
+        <a:font script="Hang" typeface="맑은 고딕"/>
+        <a:font script="Hans" typeface="宋体"/>
+        <a:font script="Hant" typeface="新細明體"/>
+        <a:font script="Arab" typeface="Times New Roman"/>
+        <a:font script="Hebr" typeface="Times New Roman"/>
+        <a:font script="Thai" typeface="Angsana New"/>
+        <a:font script="Ethi" typeface="Nyala"/>
+        <a:font script="Beng" typeface="Vrinda"/>
+        <a:font script="Gujr" typeface="Shruti"/>
+        <a:font script="Khmr" typeface="MoolBoran"/>
+        <a:font script="Knda" typeface="Tunga"/>
+        <a:font script="Guru" typeface="Raavi"/>
+        <a:font script="Cans" typeface="Euphemia"/>
+        <a:font script="Cher" typeface="Plantagenet Cherokee"/>
+        <a:font script="Yiii" typeface="Microsoft Yi Baiti"/>
+        <a:font script="Tibt" typeface="Microsoft Himalaya"/>
+        <a:font script="Thaa" typeface="MV Boli"/>
+        <a:font script="Deva" typeface="Mangal"/>
+        <a:font script="Telu" typeface="Gautami"/>
+        <a:font script="Taml" typeface="Latha"/>
+        <a:font script="Syrc" typeface="Estrangelo Edessa"/>
+        <a:font script="Orya" typeface="Kalinga"/>
+        <a:font script="Mlym" typeface="Kartika"/>
+        <a:font script="Laoo" typeface="DokChampa"/>
+        <a:font script="Sinh" typeface="Iskoola Pota"/>
+        <a:font script="Mong" typeface="Mongolian Baiti"/>
+        <a:font script="Viet" typeface="Times New Roman"/>
+        <a:font script="Uigh" typeface="Microsoft Uighur"/>
+        <a:font script="Geor" typeface="Sylfaen"/>
+      </a:majorFont>
+      <a:minorFont>
+        <a:latin typeface="Tw Cen MT"/>
+        <a:ea typeface=""/>
+        <a:cs typeface=""/>
+        <a:font script="Jpan" typeface="ＭＳ Ｐゴシック"/>
+        <a:font script="Hang" typeface="맑은 고딕"/>
+        <a:font script="Hans" typeface="宋体"/>
+        <a:font script="Hant" typeface="新細明體"/>
+        <a:font script="Arab" typeface="Arial"/>
+        <a:font script="Hebr" typeface="Arial"/>
+        <a:font script="Thai" typeface="Cordia New"/>
         <a:font script="Ethi" typeface="Nyala"/>
         <a:font script="Beng" typeface="Vrinda"/>
         <a:font script="Gujr" typeface="Shruti"/>
@@ -4338,21 +7920,248 @@
         <a:font script="Laoo" typeface="DokChampa"/>
         <a:font script="Sinh" typeface="Iskoola Pota"/>
         <a:font script="Mong" typeface="Mongolian Baiti"/>
-        <a:font script="Viet" typeface="Tahoma"/>
+        <a:font script="Viet" typeface="Arial"/>
+        <a:font script="Uigh" typeface="Microsoft Uighur"/>
+        <a:font script="Geor" typeface="Sylfaen"/>
+      </a:minorFont>
+    </a:fontScheme>
+    <a:fmtScheme name="Droplet">
+      <a:fillStyleLst>
+        <a:solidFill>
+          <a:schemeClr val="phClr"/>
+        </a:solidFill>
+        <a:solidFill>
+          <a:schemeClr val="phClr">
+            <a:tint val="69000"/>
+            <a:satMod val="105000"/>
+            <a:lumMod val="110000"/>
+          </a:schemeClr>
+        </a:solidFill>
+        <a:gradFill rotWithShape="1">
+          <a:gsLst>
+            <a:gs pos="0">
+              <a:schemeClr val="phClr">
+                <a:tint val="94000"/>
+                <a:satMod val="100000"/>
+                <a:lumMod val="108000"/>
+              </a:schemeClr>
+            </a:gs>
+            <a:gs pos="50000">
+              <a:schemeClr val="phClr">
+                <a:tint val="98000"/>
+                <a:shade val="100000"/>
+                <a:satMod val="100000"/>
+                <a:lumMod val="100000"/>
+              </a:schemeClr>
+            </a:gs>
+            <a:gs pos="100000">
+              <a:schemeClr val="phClr">
+                <a:shade val="72000"/>
+                <a:satMod val="120000"/>
+                <a:lumMod val="100000"/>
+              </a:schemeClr>
+            </a:gs>
+          </a:gsLst>
+          <a:lin ang="5400000" scaled="0"/>
+        </a:gradFill>
+      </a:fillStyleLst>
+      <a:lnStyleLst>
+        <a:ln w="9525" cap="flat" cmpd="sng" algn="ctr">
+          <a:solidFill>
+            <a:schemeClr val="phClr">
+              <a:shade val="60000"/>
+            </a:schemeClr>
+          </a:solidFill>
+          <a:prstDash val="solid"/>
+        </a:ln>
+        <a:ln w="15875" cap="flat" cmpd="sng" algn="ctr">
+          <a:solidFill>
+            <a:schemeClr val="phClr"/>
+          </a:solidFill>
+          <a:prstDash val="solid"/>
+        </a:ln>
+        <a:ln w="22225" cap="flat" cmpd="sng" algn="ctr">
+          <a:solidFill>
+            <a:schemeClr val="phClr"/>
+          </a:solidFill>
+          <a:prstDash val="solid"/>
+        </a:ln>
+      </a:lnStyleLst>
+      <a:effectStyleLst>
+        <a:effectStyle>
+          <a:effectLst/>
+        </a:effectStyle>
+        <a:effectStyle>
+          <a:effectLst>
+            <a:outerShdw blurRad="50800" dist="25400" dir="5400000" rotWithShape="0">
+              <a:srgbClr val="000000">
+                <a:alpha val="28000"/>
+              </a:srgbClr>
+            </a:outerShdw>
+          </a:effectLst>
+        </a:effectStyle>
+        <a:effectStyle>
+          <a:effectLst>
+            <a:outerShdw blurRad="63500" dist="25400" dir="5400000" algn="ctr" rotWithShape="0">
+              <a:srgbClr val="000000">
+                <a:alpha val="69000"/>
+              </a:srgbClr>
+            </a:outerShdw>
+          </a:effectLst>
+          <a:scene3d>
+            <a:camera prst="orthographicFront">
+              <a:rot lat="0" lon="0" rev="0"/>
+            </a:camera>
+            <a:lightRig rig="balanced" dir="t">
+              <a:rot lat="0" lon="0" rev="1200000"/>
+            </a:lightRig>
+          </a:scene3d>
+          <a:sp3d prstMaterial="plastic">
+            <a:bevelT w="25400" h="25400"/>
+          </a:sp3d>
+        </a:effectStyle>
+      </a:effectStyleLst>
+      <a:bgFillStyleLst>
+        <a:solidFill>
+          <a:schemeClr val="phClr"/>
+        </a:solidFill>
+        <a:gradFill rotWithShape="1">
+          <a:gsLst>
+            <a:gs pos="0">
+              <a:schemeClr val="phClr">
+                <a:tint val="90000"/>
+                <a:lumMod val="110000"/>
+              </a:schemeClr>
+            </a:gs>
+            <a:gs pos="100000">
+              <a:schemeClr val="phClr">
+                <a:shade val="64000"/>
+                <a:lumMod val="88000"/>
+              </a:schemeClr>
+            </a:gs>
+          </a:gsLst>
+          <a:lin ang="5400000" scaled="0"/>
+        </a:gradFill>
+        <a:gradFill rotWithShape="1">
+          <a:gsLst>
+            <a:gs pos="0">
+              <a:schemeClr val="phClr">
+                <a:tint val="78000"/>
+                <a:shade val="100000"/>
+                <a:hueMod val="136000"/>
+                <a:satMod val="160000"/>
+                <a:lumMod val="105000"/>
+              </a:schemeClr>
+            </a:gs>
+            <a:gs pos="100000">
+              <a:schemeClr val="phClr">
+                <a:shade val="92000"/>
+                <a:satMod val="170000"/>
+                <a:lumMod val="96000"/>
+              </a:schemeClr>
+            </a:gs>
+          </a:gsLst>
+          <a:lin ang="5400000" scaled="0"/>
+        </a:gradFill>
+      </a:bgFillStyleLst>
+    </a:fmtScheme>
+  </a:themeElements>
+  <a:extLst>
+    <a:ext uri="{05A4C25C-085E-4340-85A3-A5531E510DB2}">
+      <thm15:themeFamily xmlns:thm15="http://schemas.microsoft.com/office/thememl/2012/main" name="Office Theme" id="{62F939B6-93AF-4DB8-9C6B-D6C7DFDC589F}" vid="{4A3C46E8-61CC-4603-A589-7422A47A8E4A}"/>
+    </a:ext>
+  </a:extLst>
+</a:theme>
+</file>
+
+<file path=ppt/theme/theme2.xml><?xml version="1.0" encoding="utf-8"?>
+<a:theme xmlns:a="http://schemas.openxmlformats.org/drawingml/2006/main" name="Office Theme">
+  <a:themeElements>
+    <a:clrScheme name="Office">
+      <a:dk1>
+        <a:sysClr val="windowText" lastClr="000000"/>
+      </a:dk1>
+      <a:lt1>
+        <a:sysClr val="window" lastClr="FFFFFF"/>
+      </a:lt1>
+      <a:dk2>
+        <a:srgbClr val="1F497D"/>
+      </a:dk2>
+      <a:lt2>
+        <a:srgbClr val="EEECE1"/>
+      </a:lt2>
+      <a:accent1>
+        <a:srgbClr val="4F81BD"/>
+      </a:accent1>
+      <a:accent2>
+        <a:srgbClr val="C0504D"/>
+      </a:accent2>
+      <a:accent3>
+        <a:srgbClr val="9BBB59"/>
+      </a:accent3>
+      <a:accent4>
+        <a:srgbClr val="8064A2"/>
+      </a:accent4>
+      <a:accent5>
+        <a:srgbClr val="4BACC6"/>
+      </a:accent5>
+      <a:accent6>
+        <a:srgbClr val="F79646"/>
+      </a:accent6>
+      <a:hlink>
+        <a:srgbClr val="0000FF"/>
+      </a:hlink>
+      <a:folHlink>
+        <a:srgbClr val="800080"/>
+      </a:folHlink>
+    </a:clrScheme>
+    <a:fontScheme name="Office">
+      <a:majorFont>
+        <a:latin typeface="Calibri"/>
+        <a:ea typeface=""/>
+        <a:cs typeface=""/>
+        <a:font script="Jpan" typeface="ＭＳ Ｐゴシック"/>
+        <a:font script="Hang" typeface="맑은 고딕"/>
+        <a:font script="Hans" typeface="宋体"/>
+        <a:font script="Hant" typeface="新細明體"/>
+        <a:font script="Arab" typeface="Times New Roman"/>
+        <a:font script="Hebr" typeface="Times New Roman"/>
+        <a:font script="Thai" typeface="Angsana New"/>
+        <a:font script="Ethi" typeface="Nyala"/>
+        <a:font script="Beng" typeface="Vrinda"/>
+        <a:font script="Gujr" typeface="Shruti"/>
+        <a:font script="Khmr" typeface="MoolBoran"/>
+        <a:font script="Knda" typeface="Tunga"/>
+        <a:font script="Guru" typeface="Raavi"/>
+        <a:font script="Cans" typeface="Euphemia"/>
+        <a:font script="Cher" typeface="Plantagenet Cherokee"/>
+        <a:font script="Yiii" typeface="Microsoft Yi Baiti"/>
+        <a:font script="Tibt" typeface="Microsoft Himalaya"/>
+        <a:font script="Thaa" typeface="MV Boli"/>
+        <a:font script="Deva" typeface="Mangal"/>
+        <a:font script="Telu" typeface="Gautami"/>
+        <a:font script="Taml" typeface="Latha"/>
+        <a:font script="Syrc" typeface="Estrangelo Edessa"/>
+        <a:font script="Orya" typeface="Kalinga"/>
+        <a:font script="Mlym" typeface="Kartika"/>
+        <a:font script="Laoo" typeface="DokChampa"/>
+        <a:font script="Sinh" typeface="Iskoola Pota"/>
+        <a:font script="Mong" typeface="Mongolian Baiti"/>
+        <a:font script="Viet" typeface="Times New Roman"/>
         <a:font script="Uigh" typeface="Microsoft Uighur"/>
         <a:font script="Geor" typeface="Sylfaen"/>
       </a:majorFont>
       <a:minorFont>
-        <a:latin typeface="Corbel" panose="020B0503020204020204"/>
+        <a:latin typeface="Calibri"/>
         <a:ea typeface=""/>
         <a:cs typeface=""/>
-        <a:font script="Jpan" typeface="ＭＳ ゴシック"/>
-        <a:font script="Hang" typeface="HY중고딕"/>
-        <a:font script="Hans" typeface="幼圆"/>
-        <a:font script="Hant" typeface="微軟正黑體"/>
-        <a:font script="Arab" typeface="Tahoma"/>
-        <a:font script="Hebr" typeface="Gisha"/>
-        <a:font script="Thai" typeface="DilleniaUPC"/>
+        <a:font script="Jpan" typeface="ＭＳ Ｐゴシック"/>
+        <a:font script="Hang" typeface="맑은 고딕"/>
+        <a:font script="Hans" typeface="宋体"/>
+        <a:font script="Hant" typeface="新細明體"/>
+        <a:font script="Arab" typeface="Arial"/>
+        <a:font script="Hebr" typeface="Arial"/>
+        <a:font script="Thai" typeface="Cordia New"/>
         <a:font script="Ethi" typeface="Nyala"/>
         <a:font script="Beng" typeface="Vrinda"/>
         <a:font script="Gujr" typeface="Shruti"/>
@@ -4373,64 +8182,106 @@
         <a:font script="Laoo" typeface="DokChampa"/>
         <a:font script="Sinh" typeface="Iskoola Pota"/>
         <a:font script="Mong" typeface="Mongolian Baiti"/>
-        <a:font script="Viet" typeface="Verdana"/>
+        <a:font script="Viet" typeface="Arial"/>
         <a:font script="Uigh" typeface="Microsoft Uighur"/>
         <a:font script="Geor" typeface="Sylfaen"/>
       </a:minorFont>
     </a:fontScheme>
-    <a:fmtScheme name="Frame">
+    <a:fmtScheme name="Office">
       <a:fillStyleLst>
         <a:solidFill>
           <a:schemeClr val="phClr"/>
         </a:solidFill>
-        <a:solidFill>
-          <a:schemeClr val="phClr">
-            <a:tint val="65000"/>
-          </a:schemeClr>
-        </a:solidFill>
-        <a:solidFill>
-          <a:schemeClr val="phClr">
-            <a:shade val="80000"/>
-            <a:satMod val="150000"/>
-          </a:schemeClr>
-        </a:solidFill>
+        <a:gradFill rotWithShape="1">
+          <a:gsLst>
+            <a:gs pos="0">
+              <a:schemeClr val="phClr">
+                <a:tint val="50000"/>
+                <a:satMod val="300000"/>
+              </a:schemeClr>
+            </a:gs>
+            <a:gs pos="35000">
+              <a:schemeClr val="phClr">
+                <a:tint val="37000"/>
+                <a:satMod val="300000"/>
+              </a:schemeClr>
+            </a:gs>
+            <a:gs pos="100000">
+              <a:schemeClr val="phClr">
+                <a:tint val="15000"/>
+                <a:satMod val="350000"/>
+              </a:schemeClr>
+            </a:gs>
+          </a:gsLst>
+          <a:lin ang="16200000" scaled="1"/>
+        </a:gradFill>
+        <a:gradFill rotWithShape="1">
+          <a:gsLst>
+            <a:gs pos="0">
+              <a:schemeClr val="phClr">
+                <a:tint val="100000"/>
+                <a:shade val="100000"/>
+                <a:satMod val="130000"/>
+              </a:schemeClr>
+            </a:gs>
+            <a:gs pos="100000">
+              <a:schemeClr val="phClr">
+                <a:tint val="50000"/>
+                <a:shade val="100000"/>
+                <a:satMod val="350000"/>
+              </a:schemeClr>
+            </a:gs>
+          </a:gsLst>
+          <a:lin ang="16200000" scaled="0"/>
+        </a:gradFill>
       </a:fillStyleLst>
       <a:lnStyleLst>
         <a:ln w="9525" cap="flat" cmpd="sng" algn="ctr">
+          <a:solidFill>
+            <a:schemeClr val="phClr">
+              <a:shade val="95000"/>
+              <a:satMod val="105000"/>
+            </a:schemeClr>
+          </a:solidFill>
+          <a:prstDash val="solid"/>
+        </a:ln>
+        <a:ln w="25400" cap="flat" cmpd="sng" algn="ctr">
           <a:solidFill>
             <a:schemeClr val="phClr"/>
           </a:solidFill>
           <a:prstDash val="solid"/>
         </a:ln>
-        <a:ln w="10795" cap="flat" cmpd="sng" algn="ctr">
+        <a:ln w="38100" cap="flat" cmpd="sng" algn="ctr">
           <a:solidFill>
             <a:schemeClr val="phClr"/>
-          </a:solidFill>
-          <a:prstDash val="solid"/>
-        </a:ln>
-        <a:ln w="17145" cap="flat" cmpd="sng" algn="ctr">
-          <a:solidFill>
-            <a:schemeClr val="phClr">
-              <a:shade val="95000"/>
-              <a:alpha val="50000"/>
-              <a:satMod val="150000"/>
-            </a:schemeClr>
           </a:solidFill>
           <a:prstDash val="solid"/>
         </a:ln>
       </a:lnStyleLst>
       <a:effectStyleLst>
         <a:effectStyle>
-          <a:effectLst/>
-        </a:effectStyle>
-        <a:effectStyle>
-          <a:effectLst/>
+          <a:effectLst>
+            <a:outerShdw blurRad="40000" dist="20000" dir="5400000" rotWithShape="0">
+              <a:srgbClr val="000000">
+                <a:alpha val="38000"/>
+              </a:srgbClr>
+            </a:outerShdw>
+          </a:effectLst>
         </a:effectStyle>
         <a:effectStyle>
           <a:effectLst>
-            <a:outerShdw blurRad="44450" dist="13970" dir="5400000" algn="ctr" rotWithShape="0">
+            <a:outerShdw blurRad="40000" dist="23000" dir="5400000" rotWithShape="0">
               <a:srgbClr val="000000">
-                <a:alpha val="45000"/>
+                <a:alpha val="35000"/>
+              </a:srgbClr>
+            </a:outerShdw>
+          </a:effectLst>
+        </a:effectStyle>
+        <a:effectStyle>
+          <a:effectLst>
+            <a:outerShdw blurRad="40000" dist="23000" dir="5400000" rotWithShape="0">
+              <a:srgbClr val="000000">
+                <a:alpha val="35000"/>
               </a:srgbClr>
             </a:outerShdw>
           </a:effectLst>
@@ -4438,10 +8289,12 @@
             <a:camera prst="orthographicFront">
               <a:rot lat="0" lon="0" rev="0"/>
             </a:camera>
-            <a:lightRig rig="twoPt" dir="tl"/>
+            <a:lightRig rig="threePt" dir="t">
+              <a:rot lat="0" lon="0" rev="1200000"/>
+            </a:lightRig>
           </a:scene3d>
-          <a:sp3d prstMaterial="flat">
-            <a:bevelT w="12700" h="25400" prst="coolSlant"/>
+          <a:sp3d>
+            <a:bevelT w="63500" h="25400"/>
           </a:sp3d>
         </a:effectStyle>
       </a:effectStyleLst>
@@ -4449,49 +8302,94 @@
         <a:solidFill>
           <a:schemeClr val="phClr"/>
         </a:solidFill>
-        <a:solidFill>
-          <a:schemeClr val="phClr">
-            <a:tint val="95000"/>
-            <a:satMod val="170000"/>
-          </a:schemeClr>
-        </a:solidFill>
         <a:gradFill rotWithShape="1">
           <a:gsLst>
             <a:gs pos="0">
               <a:schemeClr val="phClr">
-                <a:tint val="93000"/>
-                <a:shade val="98000"/>
-                <a:satMod val="120000"/>
-                <a:lumMod val="102000"/>
+                <a:tint val="40000"/>
+                <a:satMod val="350000"/>
               </a:schemeClr>
             </a:gs>
-            <a:gs pos="48000">
+            <a:gs pos="40000">
               <a:schemeClr val="phClr">
-                <a:tint val="98000"/>
-                <a:shade val="90000"/>
-                <a:satMod val="110000"/>
-                <a:lumMod val="103000"/>
+                <a:tint val="45000"/>
+                <a:shade val="99000"/>
+                <a:satMod val="350000"/>
               </a:schemeClr>
             </a:gs>
             <a:gs pos="100000">
               <a:schemeClr val="phClr">
-                <a:tint val="98000"/>
-                <a:shade val="80000"/>
-                <a:satMod val="100000"/>
+                <a:shade val="20000"/>
+                <a:satMod val="255000"/>
               </a:schemeClr>
             </a:gs>
           </a:gsLst>
-          <a:lin ang="5400000" scaled="0"/>
+          <a:path path="circle">
+            <a:fillToRect l="50000" t="-80000" r="50000" b="180000"/>
+          </a:path>
+        </a:gradFill>
+        <a:gradFill rotWithShape="1">
+          <a:gsLst>
+            <a:gs pos="0">
+              <a:schemeClr val="phClr">
+                <a:tint val="80000"/>
+                <a:satMod val="300000"/>
+              </a:schemeClr>
+            </a:gs>
+            <a:gs pos="100000">
+              <a:schemeClr val="phClr">
+                <a:shade val="30000"/>
+                <a:satMod val="200000"/>
+              </a:schemeClr>
+            </a:gs>
+          </a:gsLst>
+          <a:path path="circle">
+            <a:fillToRect l="50000" t="50000" r="50000" b="50000"/>
+          </a:path>
         </a:gradFill>
       </a:bgFillStyleLst>
     </a:fmtScheme>
   </a:themeElements>
-  <a:objectDefaults/>
+  <a:objectDefaults>
+    <a:spDef>
+      <a:spPr/>
+      <a:bodyPr/>
+      <a:lstStyle/>
+      <a:style>
+        <a:lnRef idx="1">
+          <a:schemeClr val="accent1"/>
+        </a:lnRef>
+        <a:fillRef idx="3">
+          <a:schemeClr val="accent1"/>
+        </a:fillRef>
+        <a:effectRef idx="2">
+          <a:schemeClr val="accent1"/>
+        </a:effectRef>
+        <a:fontRef idx="minor">
+          <a:schemeClr val="lt1"/>
+        </a:fontRef>
+      </a:style>
+    </a:spDef>
+    <a:lnDef>
+      <a:spPr/>
+      <a:bodyPr/>
+      <a:lstStyle/>
+      <a:style>
+        <a:lnRef idx="2">
+          <a:schemeClr val="accent1"/>
+        </a:lnRef>
+        <a:fillRef idx="0">
+          <a:schemeClr val="accent1"/>
+        </a:fillRef>
+        <a:effectRef idx="1">
+          <a:schemeClr val="accent1"/>
+        </a:effectRef>
+        <a:fontRef idx="minor">
+          <a:schemeClr val="tx1"/>
+        </a:fontRef>
+      </a:style>
+    </a:lnDef>
+  </a:objectDefaults>
   <a:extraClrSchemeLst/>
-  <a:extLst>
-    <a:ext uri="{05A4C25C-085E-4340-85A3-A5531E510DB2}">
-      <thm15:themeFamily xmlns:thm15="http://schemas.microsoft.com/office/thememl/2012/main" name="Frame" id="{F226E7A2-7162-461C-9490-D27D9DC04E43}" vid="{9935E573-C197-41A8-BCA1-5D5F62C560B7}"/>
-    </a:ext>
-  </a:extLst>
 </a:theme>
 </file>
--- a/generated/generated_presentation.pptx
+++ b/generated/generated_presentation.pptx
@@ -693,12 +693,12 @@
 </p:notesMaster>
 </file>
 
-<file path=ppt/notesSlides/notesSlide3.xml><?xml version="1.0" encoding="utf-8"?>
-<p:notes xmlns:a="http://schemas.openxmlformats.org/drawingml/2006/main" xmlns:p="http://schemas.openxmlformats.org/presentationml/2006/main" xmlns:r="http://schemas.openxmlformats.org/officeDocument/2006/relationships">
+<file path=ppt/notesSlides/notesSlide1.xml><?xml version="1.0" encoding="utf-8"?>
+<p:notes xmlns:a="http://schemas.openxmlformats.org/drawingml/2006/main" xmlns:r="http://schemas.openxmlformats.org/officeDocument/2006/relationships" xmlns:p="http://schemas.openxmlformats.org/presentationml/2006/main" showMasterPhAnim="0" showMasterSp="0">
   <p:cSld>
     <p:spTree>
       <p:nvGrpSpPr>
-        <p:cNvPr id="1" name=""/>
+        <p:cNvPr id="130" name="Shape 130"/>
         <p:cNvGrpSpPr/>
         <p:nvPr/>
       </p:nvGrpSpPr>
@@ -712,31 +712,175 @@
       </p:grpSpPr>
       <p:sp>
         <p:nvSpPr>
-          <p:cNvPr id="2" name="Slide Image Placeholder 1"/>
-          <p:cNvSpPr>
-            <a:spLocks noGrp="1"/>
-          </p:cNvSpPr>
+          <p:cNvPr id="131" name="Google Shape;131;p:notes"/>
+          <p:cNvSpPr/>
           <p:nvPr>
             <p:ph type="sldImg" idx="2"/>
           </p:nvPr>
         </p:nvSpPr>
-        <p:spPr/>
+        <p:spPr>
+          <a:xfrm>
+            <a:off x="381871" y="685800"/>
+            <a:ext cx="6094934" cy="3429000"/>
+          </a:xfrm>
+          <a:custGeom>
+            <a:avLst/>
+            <a:gdLst/>
+            <a:ahLst/>
+            <a:cxnLst/>
+            <a:rect l="l" t="t" r="r" b="b"/>
+            <a:pathLst>
+              <a:path w="120000" h="120000" extrusionOk="0">
+                <a:moveTo>
+                  <a:pt x="0" y="0"/>
+                </a:moveTo>
+                <a:lnTo>
+                  <a:pt x="120000" y="0"/>
+                </a:lnTo>
+                <a:lnTo>
+                  <a:pt x="120000" y="120000"/>
+                </a:lnTo>
+                <a:lnTo>
+                  <a:pt x="0" y="120000"/>
+                </a:lnTo>
+                <a:close/>
+              </a:path>
+            </a:pathLst>
+          </a:custGeom>
+        </p:spPr>
       </p:sp>
       <p:sp>
         <p:nvSpPr>
-          <p:cNvPr id="3" name="Notes Placeholder 2"/>
-          <p:cNvSpPr>
-            <a:spLocks noGrp="1"/>
-          </p:cNvSpPr>
+          <p:cNvPr id="132" name="Google Shape;132;p:notes"/>
+          <p:cNvSpPr txBox="1"/>
           <p:nvPr>
             <p:ph type="body" idx="1"/>
           </p:nvPr>
         </p:nvSpPr>
-        <p:spPr/>
+        <p:spPr>
+          <a:xfrm>
+            <a:off x="685800" y="4343400"/>
+            <a:ext cx="5486400" cy="4114800"/>
+          </a:xfrm>
+          <a:prstGeom prst="rect">
+            <a:avLst/>
+          </a:prstGeom>
+        </p:spPr>
         <p:txBody>
-          <a:bodyPr/>
+          <a:bodyPr spcFirstLastPara="1" wrap="square" lIns="91425" tIns="91425" rIns="91425" bIns="91425" anchor="t" anchorCtr="0">
+            <a:noAutofit/>
+          </a:bodyPr>
           <a:lstStyle/>
-          <a:p/>
+          <a:p>
+            <a:pPr marL="0" lvl="0" indent="0" algn="l" rtl="0">
+              <a:spcBef>
+                <a:spcPts val="0"/>
+              </a:spcBef>
+              <a:spcAft>
+                <a:spcPts val="0"/>
+              </a:spcAft>
+              <a:buNone/>
+            </a:pPr>
+          </a:p>
+        </p:txBody>
+      </p:sp>
+    </p:spTree>
+  </p:cSld>
+  <p:clrMapOvr>
+    <a:masterClrMapping/>
+  </p:clrMapOvr>
+</p:notes>
+</file>
+
+<file path=ppt/notesSlides/notesSlide2.xml><?xml version="1.0" encoding="utf-8"?>
+<p:notes xmlns:a="http://schemas.openxmlformats.org/drawingml/2006/main" xmlns:r="http://schemas.openxmlformats.org/officeDocument/2006/relationships" xmlns:p="http://schemas.openxmlformats.org/presentationml/2006/main" showMasterPhAnim="0" showMasterSp="0">
+  <p:cSld>
+    <p:spTree>
+      <p:nvGrpSpPr>
+        <p:cNvPr id="136" name="Shape 136"/>
+        <p:cNvGrpSpPr/>
+        <p:nvPr/>
+      </p:nvGrpSpPr>
+      <p:grpSpPr>
+        <a:xfrm>
+          <a:off x="0" y="0"/>
+          <a:ext cx="0" cy="0"/>
+          <a:chOff x="0" y="0"/>
+          <a:chExt cx="0" cy="0"/>
+        </a:xfrm>
+      </p:grpSpPr>
+      <p:sp>
+        <p:nvSpPr>
+          <p:cNvPr id="137" name="Google Shape;137;g263600e1dee_0_232:notes"/>
+          <p:cNvSpPr/>
+          <p:nvPr>
+            <p:ph type="sldImg" idx="2"/>
+          </p:nvPr>
+        </p:nvSpPr>
+        <p:spPr>
+          <a:xfrm>
+            <a:off x="381833" y="685800"/>
+            <a:ext cx="6094934" cy="3429000"/>
+          </a:xfrm>
+          <a:custGeom>
+            <a:avLst/>
+            <a:gdLst/>
+            <a:ahLst/>
+            <a:cxnLst/>
+            <a:rect l="l" t="t" r="r" b="b"/>
+            <a:pathLst>
+              <a:path w="120000" h="120000" extrusionOk="0">
+                <a:moveTo>
+                  <a:pt x="0" y="0"/>
+                </a:moveTo>
+                <a:lnTo>
+                  <a:pt x="120000" y="0"/>
+                </a:lnTo>
+                <a:lnTo>
+                  <a:pt x="120000" y="120000"/>
+                </a:lnTo>
+                <a:lnTo>
+                  <a:pt x="0" y="120000"/>
+                </a:lnTo>
+                <a:close/>
+              </a:path>
+            </a:pathLst>
+          </a:custGeom>
+        </p:spPr>
+      </p:sp>
+      <p:sp>
+        <p:nvSpPr>
+          <p:cNvPr id="138" name="Google Shape;138;g263600e1dee_0_232:notes"/>
+          <p:cNvSpPr txBox="1"/>
+          <p:nvPr>
+            <p:ph type="body" idx="1"/>
+          </p:nvPr>
+        </p:nvSpPr>
+        <p:spPr>
+          <a:xfrm>
+            <a:off x="685800" y="4343400"/>
+            <a:ext cx="5486400" cy="4114800"/>
+          </a:xfrm>
+          <a:prstGeom prst="rect">
+            <a:avLst/>
+          </a:prstGeom>
+        </p:spPr>
+        <p:txBody>
+          <a:bodyPr spcFirstLastPara="1" wrap="square" lIns="91425" tIns="91425" rIns="91425" bIns="91425" anchor="t" anchorCtr="0">
+            <a:noAutofit/>
+          </a:bodyPr>
+          <a:lstStyle/>
+          <a:p>
+            <a:pPr marL="0" lvl="0" indent="0" algn="l" rtl="0">
+              <a:spcBef>
+                <a:spcPts val="0"/>
+              </a:spcBef>
+              <a:spcAft>
+                <a:spcPts val="0"/>
+              </a:spcAft>
+              <a:buNone/>
+            </a:pPr>
+          </a:p>
         </p:txBody>
       </p:sp>
     </p:spTree>
@@ -8707,6 +8851,196 @@
 </file>
 
 <file path=ppt/slides/slide1.xml><?xml version="1.0" encoding="utf-8"?>
+<p:sld xmlns:a="http://schemas.openxmlformats.org/drawingml/2006/main" xmlns:r="http://schemas.openxmlformats.org/officeDocument/2006/relationships" xmlns:p="http://schemas.openxmlformats.org/presentationml/2006/main">
+  <p:cSld>
+    <p:spTree>
+      <p:nvGrpSpPr>
+        <p:cNvPr id="133" name="Shape 133"/>
+        <p:cNvGrpSpPr/>
+        <p:nvPr/>
+      </p:nvGrpSpPr>
+      <p:grpSpPr>
+        <a:xfrm>
+          <a:off x="0" y="0"/>
+          <a:ext cx="0" cy="0"/>
+          <a:chOff x="0" y="0"/>
+          <a:chExt cx="0" cy="0"/>
+        </a:xfrm>
+      </p:grpSpPr>
+      <p:sp>
+        <p:nvSpPr>
+          <p:cNvPr id="134" name="Google Shape;134;p13"/>
+          <p:cNvSpPr txBox="1"/>
+          <p:nvPr>
+            <p:ph type="ctrTitle"/>
+          </p:nvPr>
+        </p:nvSpPr>
+        <p:spPr>
+          <a:xfrm>
+            <a:off x="7074300" y="3157700"/>
+            <a:ext cx="10035000" cy="3157800"/>
+          </a:xfrm>
+          <a:prstGeom prst="rect">
+            <a:avLst/>
+          </a:prstGeom>
+        </p:spPr>
+        <p:txBody>
+          <a:bodyPr spcFirstLastPara="1" wrap="square" lIns="182850" tIns="182850" rIns="182850" bIns="182850" anchor="t" anchorCtr="0">
+            <a:normAutofit/>
+          </a:bodyPr>
+          <a:lstStyle/>
+          <a:p>
+            <a:pPr marL="0" lvl="0" indent="0" algn="l" rtl="0">
+              <a:spcBef>
+                <a:spcPts val="0"/>
+              </a:spcBef>
+              <a:spcAft>
+                <a:spcPts val="0"/>
+              </a:spcAft>
+              <a:buNone/>
+            </a:pPr>
+          </a:p>
+        </p:txBody>
+      </p:sp>
+      <p:sp>
+        <p:nvSpPr>
+          <p:cNvPr id="135" name="Google Shape;135;p13"/>
+          <p:cNvSpPr txBox="1"/>
+          <p:nvPr>
+            <p:ph type="subTitle" idx="1"/>
+          </p:nvPr>
+        </p:nvSpPr>
+        <p:spPr>
+          <a:xfrm>
+            <a:off x="10167900" y="7850750"/>
+            <a:ext cx="6941400" cy="1012200"/>
+          </a:xfrm>
+          <a:prstGeom prst="rect">
+            <a:avLst/>
+          </a:prstGeom>
+        </p:spPr>
+        <p:txBody>
+          <a:bodyPr spcFirstLastPara="1" wrap="square" lIns="182850" tIns="182850" rIns="182850" bIns="182850" anchor="t" anchorCtr="0">
+            <a:normAutofit/>
+          </a:bodyPr>
+          <a:lstStyle/>
+          <a:p>
+            <a:pPr marL="0" lvl="0" indent="0" algn="l" rtl="0">
+              <a:spcBef>
+                <a:spcPts val="0"/>
+              </a:spcBef>
+              <a:spcAft>
+                <a:spcPts val="0"/>
+              </a:spcAft>
+              <a:buNone/>
+            </a:pPr>
+          </a:p>
+        </p:txBody>
+      </p:sp>
+    </p:spTree>
+  </p:cSld>
+  <p:clrMapOvr>
+    <a:masterClrMapping/>
+  </p:clrMapOvr>
+</p:sld>
+</file>
+
+<file path=ppt/slides/slide2.xml><?xml version="1.0" encoding="utf-8"?>
+<p:sld xmlns:a="http://schemas.openxmlformats.org/drawingml/2006/main" xmlns:r="http://schemas.openxmlformats.org/officeDocument/2006/relationships" xmlns:p="http://schemas.openxmlformats.org/presentationml/2006/main">
+  <p:cSld>
+    <p:spTree>
+      <p:nvGrpSpPr>
+        <p:cNvPr id="139" name="Shape 139"/>
+        <p:cNvGrpSpPr/>
+        <p:nvPr/>
+      </p:nvGrpSpPr>
+      <p:grpSpPr>
+        <a:xfrm>
+          <a:off x="0" y="0"/>
+          <a:ext cx="0" cy="0"/>
+          <a:chOff x="0" y="0"/>
+          <a:chExt cx="0" cy="0"/>
+        </a:xfrm>
+      </p:grpSpPr>
+      <p:sp>
+        <p:nvSpPr>
+          <p:cNvPr id="140" name="Google Shape;140;p14"/>
+          <p:cNvSpPr txBox="1"/>
+          <p:nvPr>
+            <p:ph type="title"/>
+          </p:nvPr>
+        </p:nvSpPr>
+        <p:spPr>
+          <a:xfrm>
+            <a:off x="2595000" y="788400"/>
+            <a:ext cx="14077800" cy="1828200"/>
+          </a:xfrm>
+          <a:prstGeom prst="rect">
+            <a:avLst/>
+          </a:prstGeom>
+        </p:spPr>
+        <p:txBody>
+          <a:bodyPr spcFirstLastPara="1" wrap="square" lIns="182850" tIns="182850" rIns="182850" bIns="182850" anchor="t" anchorCtr="0">
+            <a:normAutofit/>
+          </a:bodyPr>
+          <a:lstStyle/>
+          <a:p>
+            <a:pPr marL="0" lvl="0" indent="0" algn="l" rtl="0">
+              <a:spcBef>
+                <a:spcPts val="0"/>
+              </a:spcBef>
+              <a:spcAft>
+                <a:spcPts val="0"/>
+              </a:spcAft>
+              <a:buNone/>
+            </a:pPr>
+          </a:p>
+        </p:txBody>
+      </p:sp>
+      <p:sp>
+        <p:nvSpPr>
+          <p:cNvPr id="141" name="Google Shape;141;p14"/>
+          <p:cNvSpPr txBox="1"/>
+          <p:nvPr>
+            <p:ph type="body" idx="1"/>
+          </p:nvPr>
+        </p:nvSpPr>
+        <p:spPr>
+          <a:xfrm>
+            <a:off x="2595000" y="3136000"/>
+            <a:ext cx="14077800" cy="5822400"/>
+          </a:xfrm>
+          <a:prstGeom prst="rect">
+            <a:avLst/>
+          </a:prstGeom>
+        </p:spPr>
+        <p:txBody>
+          <a:bodyPr spcFirstLastPara="1" wrap="square" lIns="182850" tIns="182850" rIns="182850" bIns="182850" anchor="t" anchorCtr="0">
+            <a:normAutofit/>
+          </a:bodyPr>
+          <a:lstStyle/>
+          <a:p>
+            <a:pPr marL="0" lvl="0" indent="0" algn="l" rtl="0">
+              <a:spcBef>
+                <a:spcPts val="0"/>
+              </a:spcBef>
+              <a:spcAft>
+                <a:spcPts val="1200"/>
+              </a:spcAft>
+              <a:buNone/>
+            </a:pPr>
+          </a:p>
+        </p:txBody>
+      </p:sp>
+    </p:spTree>
+  </p:cSld>
+  <p:clrMapOvr>
+    <a:masterClrMapping/>
+  </p:clrMapOvr>
+</p:sld>
+</file>
+
+<file path=ppt/slides/slide3.xml><?xml version="1.0" encoding="utf-8"?>
 <p:sld xmlns:a="http://schemas.openxmlformats.org/drawingml/2006/main" xmlns:p="http://schemas.openxmlformats.org/presentationml/2006/main" xmlns:r="http://schemas.openxmlformats.org/officeDocument/2006/relationships">
   <p:cSld>
     <p:spTree>
@@ -8738,7 +9072,7 @@
                 </a:solidFill>
                 <a:latin typeface="Montserrat"/>
               </a:rPr>
-              <a:t>USA</a:t>
+              <a:t>Java</a:t>
             </a:r>
           </a:p>
         </p:txBody>
@@ -8778,7 +9112,7 @@
 </p:sld>
 </file>
 
-<file path=ppt/slides/slide2.xml><?xml version="1.0" encoding="utf-8"?>
+<file path=ppt/slides/slide4.xml><?xml version="1.0" encoding="utf-8"?>
 <p:sld xmlns:a="http://schemas.openxmlformats.org/drawingml/2006/main" xmlns:p="http://schemas.openxmlformats.org/presentationml/2006/main" xmlns:r="http://schemas.openxmlformats.org/officeDocument/2006/relationships">
   <p:cSld>
     <p:spTree>
@@ -8797,7 +9131,7 @@
           <p:nvPr/>
         </p:nvPicPr>
         <p:blipFill>
-          <a:blip r:embed="rId4"/>
+          <a:blip r:embed="rId2"/>
           <a:stretch>
             <a:fillRect/>
           </a:stretch>
@@ -8846,7 +9180,7 @@
               </a:defRPr>
             </a:pPr>
             <a:r>
-              <a:t>Historical Background</a:t>
+              <a:t>Introduction to Java</a:t>
             </a:r>
           </a:p>
         </p:txBody>
@@ -8885,7 +9219,7 @@
               </a:defRPr>
             </a:pPr>
             <a:r>
-              <a:t>The United States declared independence from Great Britain on July 4, 1776.</a:t>
+              <a:t>Java is a high-level programming language known for its platform independence.</a:t>
             </a:r>
           </a:p>
           <a:p>
@@ -8901,7 +9235,7 @@
               </a:defRPr>
             </a:pPr>
             <a:r>
-              <a:t>The country experienced significant historical events such as westward expansion, the Civil War, and the civil rights movement.</a:t>
+              <a:t>Its key feature is the Java Virtual Machine (JVM) that allows code to run on any machine with a JVM installed.</a:t>
             </a:r>
           </a:p>
           <a:p>
@@ -8917,7 +9251,7 @@
               </a:defRPr>
             </a:pPr>
             <a:r>
-              <a:t>The US emerged as a global superpower in terms of economy, military strength, and cultural influence.</a:t>
+              <a:t>Java is widely used for developing desktop, web, and mobile applications.</a:t>
             </a:r>
           </a:p>
         </p:txBody>
@@ -8930,7 +9264,7 @@
 </p:sld>
 </file>
 
-<file path=ppt/slides/slide3.xml><?xml version="1.0" encoding="utf-8"?>
+<file path=ppt/slides/slide5.xml><?xml version="1.0" encoding="utf-8"?>
 <p:sld xmlns:a="http://schemas.openxmlformats.org/drawingml/2006/main" xmlns:p="http://schemas.openxmlformats.org/presentationml/2006/main" xmlns:r="http://schemas.openxmlformats.org/officeDocument/2006/relationships">
   <p:cSld>
     <p:spTree>
@@ -8942,7 +9276,7 @@
       <p:grpSpPr/>
       <p:pic>
         <p:nvPicPr>
-          <p:cNvPr id="2" name="Picture 1" descr="4.png"/>
+          <p:cNvPr id="2" name="Picture 1" descr="image.jpg"/>
           <p:cNvPicPr>
             <a:picLocks noChangeAspect="1"/>
           </p:cNvPicPr>
@@ -8998,7 +9332,7 @@
               </a:defRPr>
             </a:pPr>
             <a:r>
-              <a:t>Cultural Diversity</a:t>
+              <a:t>Object-Oriented Programming</a:t>
             </a:r>
           </a:p>
         </p:txBody>
@@ -9037,7 +9371,7 @@
               </a:defRPr>
             </a:pPr>
             <a:r>
-              <a:t>The US is known for its cultural diversity, with a rich blend of ethnicities, languages, and traditions.</a:t>
+              <a:t>Java follows the principles of Object-Oriented Programming (OOP).</a:t>
             </a:r>
           </a:p>
           <a:p>
@@ -9053,7 +9387,7 @@
               </a:defRPr>
             </a:pPr>
             <a:r>
-              <a:t>This diversity is a result of immigration from all around the world, adding to the nation's unique social fabric.</a:t>
+              <a:t>OOP is based on the concept of objects and classes.</a:t>
             </a:r>
           </a:p>
           <a:p>
@@ -9069,23 +9403,7 @@
               </a:defRPr>
             </a:pPr>
             <a:r>
-              <a:t>The US is often referred to as a "melting pot" or a "nation of immigrants."</a:t>
-            </a:r>
-          </a:p>
-          <a:p>
-            <a:pPr algn="l">
-              <a:spcAft>
-                <a:spcPts val="2000"/>
-              </a:spcAft>
-              <a:defRPr sz="3200">
-                <a:solidFill>
-                  <a:srgbClr val="FFFFFF"/>
-                </a:solidFill>
-                <a:latin typeface="Lato"/>
-              </a:defRPr>
-            </a:pPr>
-            <a:r>
-              <a:t>The cultural diversity has contributed to the country's dynamism and innovation.</a:t>
+              <a:t>Classes define the blueprint for objects, which encapsulate data and behavior.</a:t>
             </a:r>
           </a:p>
         </p:txBody>
@@ -9098,7 +9416,7 @@
 </p:sld>
 </file>
 
-<file path=ppt/slides/slide4.xml><?xml version="1.0" encoding="utf-8"?>
+<file path=ppt/slides/slide6.xml><?xml version="1.0" encoding="utf-8"?>
 <p:sld xmlns:a="http://schemas.openxmlformats.org/drawingml/2006/main" xmlns:p="http://schemas.openxmlformats.org/presentationml/2006/main" xmlns:r="http://schemas.openxmlformats.org/officeDocument/2006/relationships">
   <p:cSld>
     <p:spTree>
@@ -9142,7 +9460,7 @@
               </a:defRPr>
             </a:pPr>
             <a:r>
-              <a:t>Economic Powerhouse</a:t>
+              <a:t>Java Development Tools</a:t>
             </a:r>
           </a:p>
         </p:txBody>
@@ -9181,7 +9499,7 @@
               </a:defRPr>
             </a:pPr>
             <a:r>
-              <a:t>The US has the world's largest economy, with a strong emphasis on free-market capitalism and entrepreneurship.</a:t>
+              <a:t>Java has a rich set of development tools, including the Java Development Kit (JDK) and Integrated Development Environments (IDEs) like Eclipse and IntelliJ IDEA.</a:t>
             </a:r>
           </a:p>
           <a:p>
@@ -9197,7 +9515,7 @@
               </a:defRPr>
             </a:pPr>
             <a:r>
-              <a:t>It is a global hub for major industries such as technology, finance, entertainment, and manufacturing.</a:t>
+              <a:t>The JDK includes the Java compiler, debugger, and runtime environment.</a:t>
             </a:r>
           </a:p>
           <a:p>
@@ -9213,23 +9531,7 @@
               </a:defRPr>
             </a:pPr>
             <a:r>
-              <a:t>The US dollar is the world's reserve currency, driving international trade and finance.</a:t>
-            </a:r>
-          </a:p>
-          <a:p>
-            <a:pPr algn="l">
-              <a:spcAft>
-                <a:spcPts val="2500"/>
-              </a:spcAft>
-              <a:defRPr sz="3200">
-                <a:solidFill>
-                  <a:srgbClr val="FFFFFF"/>
-                </a:solidFill>
-                <a:latin typeface="Lato"/>
-              </a:defRPr>
-            </a:pPr>
-            <a:r>
-              <a:t>The country also attracts numerous foreign investments due to its stable business environment.</a:t>
+              <a:t>IDEs provide features like code completion, debugging, and automated build tools for efficient Java development.</a:t>
             </a:r>
           </a:p>
         </p:txBody>
@@ -9242,7 +9544,7 @@
 </p:sld>
 </file>
 
-<file path=ppt/slides/slide5.xml><?xml version="1.0" encoding="utf-8"?>
+<file path=ppt/slides/slide7.xml><?xml version="1.0" encoding="utf-8"?>
 <p:sld xmlns:a="http://schemas.openxmlformats.org/drawingml/2006/main" xmlns:p="http://schemas.openxmlformats.org/presentationml/2006/main" xmlns:r="http://schemas.openxmlformats.org/officeDocument/2006/relationships">
   <p:cSld>
     <p:spTree>
@@ -9254,7 +9556,7 @@
       <p:grpSpPr/>
       <p:pic>
         <p:nvPicPr>
-          <p:cNvPr id="2" name="Picture 1" descr="4.png"/>
+          <p:cNvPr id="2" name="Picture 1" descr="image.jpg"/>
           <p:cNvPicPr>
             <a:picLocks noChangeAspect="1"/>
           </p:cNvPicPr>
@@ -9310,7 +9612,7 @@
               </a:defRPr>
             </a:pPr>
             <a:r>
-              <a:t>Global Influence</a:t>
+              <a:t>Java Ecosystem</a:t>
             </a:r>
           </a:p>
         </p:txBody>
@@ -9349,7 +9651,7 @@
               </a:defRPr>
             </a:pPr>
             <a:r>
-              <a:t>The US wields significant influence on the global stage, both politically and culturally.</a:t>
+              <a:t>The Java ecosystem offers a vast array of libraries and frameworks that enhance productivity and simplify development tasks.</a:t>
             </a:r>
           </a:p>
           <a:p>
@@ -9365,7 +9667,7 @@
               </a:defRPr>
             </a:pPr>
             <a:r>
-              <a:t>It is a founding member of the United Nations and plays a crucial role in global diplomacy.</a:t>
+              <a:t>Some popular Java frameworks include Spring, Hibernate, and Apache Struts.</a:t>
             </a:r>
           </a:p>
           <a:p>
@@ -9381,23 +9683,7 @@
               </a:defRPr>
             </a:pPr>
             <a:r>
-              <a:t>American popular culture, including movies, music, and fashion, has a widespread impact worldwide.</a:t>
-            </a:r>
-          </a:p>
-          <a:p>
-            <a:pPr algn="l">
-              <a:spcAft>
-                <a:spcPts val="2000"/>
-              </a:spcAft>
-              <a:defRPr sz="3200">
-                <a:solidFill>
-                  <a:srgbClr val="FFFFFF"/>
-                </a:solidFill>
-                <a:latin typeface="Lato"/>
-              </a:defRPr>
-            </a:pPr>
-            <a:r>
-              <a:t>The US maintains a strong military presence and is often involved in international conflicts and peacekeeping efforts.</a:t>
+              <a:t>The Java community is constantly evolving and contributing to the development of new libraries and frameworks.</a:t>
             </a:r>
           </a:p>
         </p:txBody>

--- a/generated/generated_presentation.pptx
+++ b/generated/generated_presentation.pptx
@@ -8,25 +8,25 @@
     <p:notesMasterId r:id="rId4"/>
   </p:notesMasterIdLst>
   <p:sldIdLst>
-    <p:sldId id="258" r:id="rId14"/>
-    <p:sldId id="259" r:id="rId15"/>
-    <p:sldId id="260" r:id="rId16"/>
-    <p:sldId id="261" r:id="rId17"/>
-    <p:sldId id="262" r:id="rId18"/>
+    <p:sldId id="258" r:id="rId11"/>
+    <p:sldId id="259" r:id="rId12"/>
+    <p:sldId id="260" r:id="rId13"/>
+    <p:sldId id="261" r:id="rId14"/>
+    <p:sldId id="262" r:id="rId15"/>
+    <p:sldId id="263" r:id="rId16"/>
+    <p:sldId id="264" r:id="rId17"/>
+    <p:sldId id="265" r:id="rId18"/>
   </p:sldIdLst>
   <p:sldSz cx="18288000" cy="10288270"/>
   <p:notesSz cx="6858000" cy="9144000"/>
   <p:embeddedFontLst>
     <p:embeddedFont>
-      <p:font typeface="Roboto Slab"/>
+      <p:font typeface="Montserrat"/>
       <p:regular r:id="rId9"/>
     </p:embeddedFont>
     <p:embeddedFont>
-      <p:font typeface="Roboto" panose="02000000000000000000"/>
+      <p:font typeface="Lato" panose="020F0502020204030203"/>
       <p:regular r:id="rId10"/>
-      <p:bold r:id="rId11"/>
-      <p:italic r:id="rId12"/>
-      <p:boldItalic r:id="rId13"/>
     </p:embeddedFont>
   </p:embeddedFontLst>
   <p:defaultTextStyle>
@@ -697,11 +697,11 @@
 </file>
 
 <file path=ppt/notesSlides/notesSlide1.xml><?xml version="1.0" encoding="utf-8"?>
-<p:notes xmlns:a="http://schemas.openxmlformats.org/drawingml/2006/main" xmlns:r="http://schemas.openxmlformats.org/officeDocument/2006/relationships" xmlns:p="http://schemas.openxmlformats.org/presentationml/2006/main" showMasterPhAnim="0" showMasterSp="0">
+<p:notes xmlns:a="http://schemas.openxmlformats.org/drawingml/2006/main" xmlns:p="http://schemas.openxmlformats.org/presentationml/2006/main" xmlns:r="http://schemas.openxmlformats.org/officeDocument/2006/relationships">
   <p:cSld>
     <p:spTree>
       <p:nvGrpSpPr>
-        <p:cNvPr id="59" name="Shape 59"/>
+        <p:cNvPr id="1" name=""/>
         <p:cNvGrpSpPr/>
         <p:nvPr/>
       </p:nvGrpSpPr>
@@ -715,76 +715,31 @@
       </p:grpSpPr>
       <p:sp>
         <p:nvSpPr>
-          <p:cNvPr id="60" name="Google Shape;60;p:notes"/>
-          <p:cNvSpPr/>
+          <p:cNvPr id="2" name="Slide Image Placeholder 1"/>
+          <p:cNvSpPr>
+            <a:spLocks noGrp="1"/>
+          </p:cNvSpPr>
           <p:nvPr>
             <p:ph type="sldImg" idx="2"/>
           </p:nvPr>
         </p:nvSpPr>
-        <p:spPr>
-          <a:xfrm>
-            <a:off x="381871" y="685800"/>
-            <a:ext cx="6094934" cy="3429000"/>
-          </a:xfrm>
-          <a:custGeom>
-            <a:avLst/>
-            <a:gdLst/>
-            <a:ahLst/>
-            <a:cxnLst/>
-            <a:rect l="l" t="t" r="r" b="b"/>
-            <a:pathLst>
-              <a:path w="120000" h="120000" extrusionOk="0">
-                <a:moveTo>
-                  <a:pt x="0" y="0"/>
-                </a:moveTo>
-                <a:lnTo>
-                  <a:pt x="120000" y="0"/>
-                </a:lnTo>
-                <a:lnTo>
-                  <a:pt x="120000" y="120000"/>
-                </a:lnTo>
-                <a:lnTo>
-                  <a:pt x="0" y="120000"/>
-                </a:lnTo>
-                <a:close/>
-              </a:path>
-            </a:pathLst>
-          </a:custGeom>
-        </p:spPr>
+        <p:spPr/>
       </p:sp>
       <p:sp>
         <p:nvSpPr>
-          <p:cNvPr id="61" name="Google Shape;61;p:notes"/>
-          <p:cNvSpPr txBox="1"/>
+          <p:cNvPr id="3" name="Notes Placeholder 2"/>
+          <p:cNvSpPr>
+            <a:spLocks noGrp="1"/>
+          </p:cNvSpPr>
           <p:nvPr>
             <p:ph type="body" idx="1"/>
           </p:nvPr>
         </p:nvSpPr>
-        <p:spPr>
-          <a:xfrm>
-            <a:off x="685800" y="4343400"/>
-            <a:ext cx="5486400" cy="4114800"/>
-          </a:xfrm>
-          <a:prstGeom prst="rect">
-            <a:avLst/>
-          </a:prstGeom>
-        </p:spPr>
+        <p:spPr/>
         <p:txBody>
-          <a:bodyPr spcFirstLastPara="1" wrap="square" lIns="91425" tIns="91425" rIns="91425" bIns="91425" anchor="t" anchorCtr="0">
-            <a:noAutofit/>
-          </a:bodyPr>
+          <a:bodyPr/>
           <a:lstStyle/>
-          <a:p>
-            <a:pPr marL="0" lvl="0" indent="0" algn="l" rtl="0">
-              <a:spcBef>
-                <a:spcPts val="0"/>
-              </a:spcBef>
-              <a:spcAft>
-                <a:spcPts val="0"/>
-              </a:spcAft>
-              <a:buNone/>
-            </a:pPr>
-          </a:p>
+          <a:p/>
         </p:txBody>
       </p:sp>
     </p:spTree>
@@ -796,11 +751,11 @@
 </file>
 
 <file path=ppt/notesSlides/notesSlide2.xml><?xml version="1.0" encoding="utf-8"?>
-<p:notes xmlns:a="http://schemas.openxmlformats.org/drawingml/2006/main" xmlns:r="http://schemas.openxmlformats.org/officeDocument/2006/relationships" xmlns:p="http://schemas.openxmlformats.org/presentationml/2006/main" showMasterPhAnim="0" showMasterSp="0">
+<p:notes xmlns:a="http://schemas.openxmlformats.org/drawingml/2006/main" xmlns:p="http://schemas.openxmlformats.org/presentationml/2006/main" xmlns:r="http://schemas.openxmlformats.org/officeDocument/2006/relationships">
   <p:cSld>
     <p:spTree>
       <p:nvGrpSpPr>
-        <p:cNvPr id="65" name="Shape 65"/>
+        <p:cNvPr id="1" name=""/>
         <p:cNvGrpSpPr/>
         <p:nvPr/>
       </p:nvGrpSpPr>
@@ -814,76 +769,85 @@
       </p:grpSpPr>
       <p:sp>
         <p:nvSpPr>
-          <p:cNvPr id="66" name="Google Shape;66;g263600e1dee_0_232:notes"/>
-          <p:cNvSpPr/>
+          <p:cNvPr id="2" name="Slide Image Placeholder 1"/>
+          <p:cNvSpPr>
+            <a:spLocks noGrp="1"/>
+          </p:cNvSpPr>
           <p:nvPr>
             <p:ph type="sldImg" idx="2"/>
           </p:nvPr>
         </p:nvSpPr>
-        <p:spPr>
-          <a:xfrm>
-            <a:off x="381833" y="685800"/>
-            <a:ext cx="6094934" cy="3429000"/>
-          </a:xfrm>
-          <a:custGeom>
-            <a:avLst/>
-            <a:gdLst/>
-            <a:ahLst/>
-            <a:cxnLst/>
-            <a:rect l="l" t="t" r="r" b="b"/>
-            <a:pathLst>
-              <a:path w="120000" h="120000" extrusionOk="0">
-                <a:moveTo>
-                  <a:pt x="0" y="0"/>
-                </a:moveTo>
-                <a:lnTo>
-                  <a:pt x="120000" y="0"/>
-                </a:lnTo>
-                <a:lnTo>
-                  <a:pt x="120000" y="120000"/>
-                </a:lnTo>
-                <a:lnTo>
-                  <a:pt x="0" y="120000"/>
-                </a:lnTo>
-                <a:close/>
-              </a:path>
-            </a:pathLst>
-          </a:custGeom>
-        </p:spPr>
+        <p:spPr/>
       </p:sp>
       <p:sp>
         <p:nvSpPr>
-          <p:cNvPr id="67" name="Google Shape;67;g263600e1dee_0_232:notes"/>
-          <p:cNvSpPr txBox="1"/>
+          <p:cNvPr id="3" name="Notes Placeholder 2"/>
+          <p:cNvSpPr>
+            <a:spLocks noGrp="1"/>
+          </p:cNvSpPr>
           <p:nvPr>
             <p:ph type="body" idx="1"/>
           </p:nvPr>
         </p:nvSpPr>
-        <p:spPr>
-          <a:xfrm>
-            <a:off x="685800" y="4343400"/>
-            <a:ext cx="5486400" cy="4114800"/>
-          </a:xfrm>
-          <a:prstGeom prst="rect">
-            <a:avLst/>
-          </a:prstGeom>
-        </p:spPr>
+        <p:spPr/>
         <p:txBody>
-          <a:bodyPr spcFirstLastPara="1" wrap="square" lIns="91425" tIns="91425" rIns="91425" bIns="91425" anchor="t" anchorCtr="0">
-            <a:noAutofit/>
-          </a:bodyPr>
+          <a:bodyPr/>
           <a:lstStyle/>
-          <a:p>
-            <a:pPr marL="0" lvl="0" indent="0" algn="l" rtl="0">
-              <a:spcBef>
-                <a:spcPts val="0"/>
-              </a:spcBef>
-              <a:spcAft>
-                <a:spcPts val="0"/>
-              </a:spcAft>
-              <a:buNone/>
-            </a:pPr>
-          </a:p>
+          <a:p/>
+        </p:txBody>
+      </p:sp>
+    </p:spTree>
+  </p:cSld>
+  <p:clrMapOvr>
+    <a:masterClrMapping/>
+  </p:clrMapOvr>
+</p:notes>
+</file>
+
+<file path=ppt/notesSlides/notesSlide3.xml><?xml version="1.0" encoding="utf-8"?>
+<p:notes xmlns:a="http://schemas.openxmlformats.org/drawingml/2006/main" xmlns:p="http://schemas.openxmlformats.org/presentationml/2006/main" xmlns:r="http://schemas.openxmlformats.org/officeDocument/2006/relationships">
+  <p:cSld>
+    <p:spTree>
+      <p:nvGrpSpPr>
+        <p:cNvPr id="1" name=""/>
+        <p:cNvGrpSpPr/>
+        <p:nvPr/>
+      </p:nvGrpSpPr>
+      <p:grpSpPr>
+        <a:xfrm>
+          <a:off x="0" y="0"/>
+          <a:ext cx="0" cy="0"/>
+          <a:chOff x="0" y="0"/>
+          <a:chExt cx="0" cy="0"/>
+        </a:xfrm>
+      </p:grpSpPr>
+      <p:sp>
+        <p:nvSpPr>
+          <p:cNvPr id="2" name="Slide Image Placeholder 1"/>
+          <p:cNvSpPr>
+            <a:spLocks noGrp="1"/>
+          </p:cNvSpPr>
+          <p:nvPr>
+            <p:ph type="sldImg" idx="2"/>
+          </p:nvPr>
+        </p:nvSpPr>
+        <p:spPr/>
+      </p:sp>
+      <p:sp>
+        <p:nvSpPr>
+          <p:cNvPr id="3" name="Notes Placeholder 2"/>
+          <p:cNvSpPr>
+            <a:spLocks noGrp="1"/>
+          </p:cNvSpPr>
+          <p:nvPr>
+            <p:ph type="body" idx="1"/>
+          </p:nvPr>
+        </p:nvSpPr>
+        <p:spPr/>
+        <p:txBody>
+          <a:bodyPr/>
+          <a:lstStyle/>
+          <a:p/>
         </p:txBody>
       </p:sp>
     </p:spTree>
@@ -918,114 +882,233 @@
           <p:nvPr/>
         </p:nvSpPr>
         <p:spPr>
-          <a:xfrm>
-            <a:off x="3049600" y="1345447"/>
-            <a:ext cx="2163250" cy="2250294"/>
+          <a:xfrm rot="5400000">
+            <a:off x="15000600" y="1010"/>
+            <a:ext cx="3287400" cy="3287975"/>
           </a:xfrm>
-          <a:custGeom>
-            <a:avLst/>
-            <a:gdLst/>
-            <a:ahLst/>
-            <a:cxnLst/>
-            <a:rect l="l" t="t" r="r" b="b"/>
-            <a:pathLst>
-              <a:path w="43265" h="44998" extrusionOk="0">
-                <a:moveTo>
-                  <a:pt x="0" y="44998"/>
-                </a:moveTo>
-                <a:lnTo>
-                  <a:pt x="0" y="0"/>
-                </a:lnTo>
-                <a:lnTo>
-                  <a:pt x="43265" y="0"/>
-                </a:lnTo>
-              </a:path>
-            </a:pathLst>
-          </a:custGeom>
-          <a:noFill/>
-          <a:ln w="28575" cap="flat" cmpd="sng">
-            <a:solidFill>
-              <a:schemeClr val="accent5"/>
-            </a:solidFill>
-            <a:prstDash val="solid"/>
-            <a:miter lim="8000"/>
-            <a:headEnd type="none" w="sm" len="sm"/>
-            <a:tailEnd type="none" w="sm" len="sm"/>
+          <a:prstGeom prst="diagStripe">
+            <a:avLst>
+              <a:gd name="adj" fmla="val 0"/>
+            </a:avLst>
+          </a:prstGeom>
+          <a:solidFill>
+            <a:schemeClr val="lt1">
+              <a:alpha val="3030"/>
+            </a:schemeClr>
+          </a:solidFill>
+          <a:ln>
+            <a:noFill/>
           </a:ln>
         </p:spPr>
+        <p:txBody>
+          <a:bodyPr spcFirstLastPara="1" wrap="square" lIns="182850" tIns="182850" rIns="182850" bIns="182850" anchor="ctr" anchorCtr="0">
+            <a:noAutofit/>
+          </a:bodyPr>
+          <a:lstStyle/>
+          <a:p>
+            <a:pPr marL="0" lvl="0" indent="0" algn="l" rtl="0">
+              <a:spcBef>
+                <a:spcPts val="0"/>
+              </a:spcBef>
+              <a:spcAft>
+                <a:spcPts val="0"/>
+              </a:spcAft>
+              <a:buNone/>
+            </a:pPr>
+            <a:endParaRPr sz="2800"/>
+          </a:p>
+        </p:txBody>
       </p:sp>
+      <p:grpSp>
+        <p:nvGrpSpPr>
+          <p:cNvPr id="11" name="Google Shape;11;p2"/>
+          <p:cNvGrpSpPr/>
+          <p:nvPr/>
+        </p:nvGrpSpPr>
+        <p:grpSpPr>
+          <a:xfrm>
+            <a:off x="0" y="980"/>
+            <a:ext cx="10307410" cy="10270594"/>
+            <a:chOff x="0" y="75"/>
+            <a:chExt cx="5153705" cy="5152950"/>
+          </a:xfrm>
+        </p:grpSpPr>
+        <p:sp>
+          <p:nvSpPr>
+            <p:cNvPr id="12" name="Google Shape;12;p2"/>
+            <p:cNvSpPr/>
+            <p:nvPr/>
+          </p:nvSpPr>
+          <p:spPr>
+            <a:xfrm rot="-5400000">
+              <a:off x="455" y="-225"/>
+              <a:ext cx="5152800" cy="5153700"/>
+            </a:xfrm>
+            <a:prstGeom prst="diagStripe">
+              <a:avLst>
+                <a:gd name="adj" fmla="val 50000"/>
+              </a:avLst>
+            </a:prstGeom>
+            <a:solidFill>
+              <a:schemeClr val="lt1">
+                <a:alpha val="3030"/>
+              </a:schemeClr>
+            </a:solidFill>
+            <a:ln>
+              <a:noFill/>
+            </a:ln>
+          </p:spPr>
+          <p:txBody>
+            <a:bodyPr spcFirstLastPara="1" wrap="square" lIns="182850" tIns="182850" rIns="182850" bIns="182850" anchor="ctr" anchorCtr="0">
+              <a:noAutofit/>
+            </a:bodyPr>
+            <a:lstStyle/>
+            <a:p>
+              <a:pPr marL="0" lvl="0" indent="0" algn="l" rtl="0">
+                <a:spcBef>
+                  <a:spcPts val="0"/>
+                </a:spcBef>
+                <a:spcAft>
+                  <a:spcPts val="0"/>
+                </a:spcAft>
+                <a:buNone/>
+              </a:pPr>
+              <a:endParaRPr sz="2800"/>
+            </a:p>
+          </p:txBody>
+        </p:sp>
+        <p:sp>
+          <p:nvSpPr>
+            <p:cNvPr id="13" name="Google Shape;13;p2"/>
+            <p:cNvSpPr/>
+            <p:nvPr/>
+          </p:nvSpPr>
+          <p:spPr>
+            <a:xfrm rot="-5400000">
+              <a:off x="150" y="1145825"/>
+              <a:ext cx="3996600" cy="3996900"/>
+            </a:xfrm>
+            <a:prstGeom prst="diagStripe">
+              <a:avLst>
+                <a:gd name="adj" fmla="val 58774"/>
+              </a:avLst>
+            </a:prstGeom>
+            <a:solidFill>
+              <a:schemeClr val="lt1">
+                <a:alpha val="3030"/>
+              </a:schemeClr>
+            </a:solidFill>
+            <a:ln>
+              <a:noFill/>
+            </a:ln>
+          </p:spPr>
+          <p:txBody>
+            <a:bodyPr spcFirstLastPara="1" wrap="square" lIns="182850" tIns="182850" rIns="182850" bIns="182850" anchor="ctr" anchorCtr="0">
+              <a:noAutofit/>
+            </a:bodyPr>
+            <a:lstStyle/>
+            <a:p>
+              <a:pPr marL="0" lvl="0" indent="0" algn="l" rtl="0">
+                <a:spcBef>
+                  <a:spcPts val="0"/>
+                </a:spcBef>
+                <a:spcAft>
+                  <a:spcPts val="0"/>
+                </a:spcAft>
+                <a:buNone/>
+              </a:pPr>
+              <a:endParaRPr sz="2800"/>
+            </a:p>
+          </p:txBody>
+        </p:sp>
+        <p:sp>
+          <p:nvSpPr>
+            <p:cNvPr id="14" name="Google Shape;14;p2"/>
+            <p:cNvSpPr/>
+            <p:nvPr/>
+          </p:nvSpPr>
+          <p:spPr>
+            <a:xfrm rot="-5400000">
+              <a:off x="1646" y="-75"/>
+              <a:ext cx="2299800" cy="2300100"/>
+            </a:xfrm>
+            <a:prstGeom prst="diagStripe">
+              <a:avLst>
+                <a:gd name="adj" fmla="val 50000"/>
+              </a:avLst>
+            </a:prstGeom>
+            <a:solidFill>
+              <a:schemeClr val="accent1"/>
+            </a:solidFill>
+            <a:ln>
+              <a:noFill/>
+            </a:ln>
+          </p:spPr>
+          <p:txBody>
+            <a:bodyPr spcFirstLastPara="1" wrap="square" lIns="182850" tIns="182850" rIns="182850" bIns="182850" anchor="ctr" anchorCtr="0">
+              <a:noAutofit/>
+            </a:bodyPr>
+            <a:lstStyle/>
+            <a:p>
+              <a:pPr marL="0" lvl="0" indent="0" algn="l" rtl="0">
+                <a:spcBef>
+                  <a:spcPts val="0"/>
+                </a:spcBef>
+                <a:spcAft>
+                  <a:spcPts val="0"/>
+                </a:spcAft>
+                <a:buNone/>
+              </a:pPr>
+              <a:endParaRPr sz="2800"/>
+            </a:p>
+          </p:txBody>
+        </p:sp>
+        <p:sp>
+          <p:nvSpPr>
+            <p:cNvPr id="15" name="Google Shape;15;p2"/>
+            <p:cNvSpPr/>
+            <p:nvPr/>
+          </p:nvSpPr>
+          <p:spPr>
+            <a:xfrm flipH="1">
+              <a:off x="652821" y="590035"/>
+              <a:ext cx="2300100" cy="2299800"/>
+            </a:xfrm>
+            <a:prstGeom prst="diagStripe">
+              <a:avLst>
+                <a:gd name="adj" fmla="val 50000"/>
+              </a:avLst>
+            </a:prstGeom>
+            <a:solidFill>
+              <a:schemeClr val="lt2"/>
+            </a:solidFill>
+            <a:ln>
+              <a:noFill/>
+            </a:ln>
+          </p:spPr>
+          <p:txBody>
+            <a:bodyPr spcFirstLastPara="1" wrap="square" lIns="182850" tIns="182850" rIns="182850" bIns="182850" anchor="ctr" anchorCtr="0">
+              <a:noAutofit/>
+            </a:bodyPr>
+            <a:lstStyle/>
+            <a:p>
+              <a:pPr marL="0" lvl="0" indent="0" algn="l" rtl="0">
+                <a:spcBef>
+                  <a:spcPts val="0"/>
+                </a:spcBef>
+                <a:spcAft>
+                  <a:spcPts val="0"/>
+                </a:spcAft>
+                <a:buNone/>
+              </a:pPr>
+              <a:endParaRPr sz="2800"/>
+            </a:p>
+          </p:txBody>
+        </p:sp>
+      </p:grpSp>
       <p:sp>
         <p:nvSpPr>
-          <p:cNvPr id="11" name="Google Shape;11;p2"/>
-          <p:cNvSpPr/>
-          <p:nvPr/>
-        </p:nvSpPr>
-        <p:spPr>
-          <a:xfrm rot="10800000">
-            <a:off x="13075126" y="6687020"/>
-            <a:ext cx="2163250" cy="2250294"/>
-          </a:xfrm>
-          <a:custGeom>
-            <a:avLst/>
-            <a:gdLst/>
-            <a:ahLst/>
-            <a:cxnLst/>
-            <a:rect l="l" t="t" r="r" b="b"/>
-            <a:pathLst>
-              <a:path w="43265" h="44998" extrusionOk="0">
-                <a:moveTo>
-                  <a:pt x="0" y="44998"/>
-                </a:moveTo>
-                <a:lnTo>
-                  <a:pt x="0" y="0"/>
-                </a:lnTo>
-                <a:lnTo>
-                  <a:pt x="43265" y="0"/>
-                </a:lnTo>
-              </a:path>
-            </a:pathLst>
-          </a:custGeom>
-          <a:noFill/>
-          <a:ln w="28575" cap="flat" cmpd="sng">
-            <a:solidFill>
-              <a:schemeClr val="accent5"/>
-            </a:solidFill>
-            <a:prstDash val="solid"/>
-            <a:miter lim="8000"/>
-            <a:headEnd type="none" w="sm" len="sm"/>
-            <a:tailEnd type="none" w="sm" len="sm"/>
-          </a:ln>
-        </p:spPr>
-      </p:sp>
-      <p:cxnSp>
-        <p:nvCxnSpPr>
-          <p:cNvPr id="12" name="Google Shape;12;p2"/>
-          <p:cNvCxnSpPr/>
-          <p:nvPr/>
-        </p:nvCxnSpPr>
-        <p:spPr>
-          <a:xfrm>
-            <a:off x="8719204" y="5635914"/>
-            <a:ext cx="849600" cy="0"/>
-          </a:xfrm>
-          <a:prstGeom prst="straightConnector1">
-            <a:avLst/>
-          </a:prstGeom>
-          <a:noFill/>
-          <a:ln w="38100" cap="flat" cmpd="sng">
-            <a:solidFill>
-              <a:schemeClr val="accent4"/>
-            </a:solidFill>
-            <a:prstDash val="solid"/>
-            <a:round/>
-            <a:headEnd type="none" w="sm" len="sm"/>
-            <a:tailEnd type="none" w="sm" len="sm"/>
-          </a:ln>
-        </p:spPr>
-      </p:cxnSp>
-      <p:sp>
-        <p:nvSpPr>
-          <p:cNvPr id="13" name="Google Shape;13;p2"/>
+          <p:cNvPr id="16" name="Google Shape;16;p2"/>
           <p:cNvSpPr txBox="1"/>
           <p:nvPr>
             <p:ph type="ctrTitle"/>
@@ -1033,133 +1116,8 @@
         </p:nvSpPr>
         <p:spPr>
           <a:xfrm>
-            <a:off x="3360604" y="2378266"/>
-            <a:ext cx="11566800" cy="2915310"/>
-          </a:xfrm>
-          <a:prstGeom prst="rect">
-            <a:avLst/>
-          </a:prstGeom>
-        </p:spPr>
-        <p:txBody>
-          <a:bodyPr spcFirstLastPara="1" wrap="square" lIns="91425" tIns="91425" rIns="91425" bIns="91425" anchor="b" anchorCtr="0">
-            <a:normAutofit/>
-          </a:bodyPr>
-          <a:lstStyle>
-            <a:lvl1pPr lvl="0" algn="ctr">
-              <a:spcBef>
-                <a:spcPct val="1000"/>
-              </a:spcBef>
-              <a:spcAft>
-                <a:spcPts val="0"/>
-              </a:spcAft>
-              <a:buSzPts val="4000"/>
-              <a:buNone/>
-              <a:defRPr sz="8000"/>
-            </a:lvl1pPr>
-            <a:lvl2pPr lvl="1" algn="ctr">
-              <a:spcBef>
-                <a:spcPct val="1000"/>
-              </a:spcBef>
-              <a:spcAft>
-                <a:spcPts val="0"/>
-              </a:spcAft>
-              <a:buSzPts val="4000"/>
-              <a:buNone/>
-              <a:defRPr sz="8000"/>
-            </a:lvl2pPr>
-            <a:lvl3pPr lvl="2" algn="ctr">
-              <a:spcBef>
-                <a:spcPct val="1000"/>
-              </a:spcBef>
-              <a:spcAft>
-                <a:spcPts val="0"/>
-              </a:spcAft>
-              <a:buSzPts val="4000"/>
-              <a:buNone/>
-              <a:defRPr sz="8000"/>
-            </a:lvl3pPr>
-            <a:lvl4pPr lvl="3" algn="ctr">
-              <a:spcBef>
-                <a:spcPct val="1000"/>
-              </a:spcBef>
-              <a:spcAft>
-                <a:spcPts val="0"/>
-              </a:spcAft>
-              <a:buSzPts val="4000"/>
-              <a:buNone/>
-              <a:defRPr sz="8000"/>
-            </a:lvl4pPr>
-            <a:lvl5pPr lvl="4" algn="ctr">
-              <a:spcBef>
-                <a:spcPct val="1000"/>
-              </a:spcBef>
-              <a:spcAft>
-                <a:spcPts val="0"/>
-              </a:spcAft>
-              <a:buSzPts val="4000"/>
-              <a:buNone/>
-              <a:defRPr sz="8000"/>
-            </a:lvl5pPr>
-            <a:lvl6pPr lvl="5" algn="ctr">
-              <a:spcBef>
-                <a:spcPct val="1000"/>
-              </a:spcBef>
-              <a:spcAft>
-                <a:spcPts val="0"/>
-              </a:spcAft>
-              <a:buSzPts val="4000"/>
-              <a:buNone/>
-              <a:defRPr sz="8000"/>
-            </a:lvl6pPr>
-            <a:lvl7pPr lvl="6" algn="ctr">
-              <a:spcBef>
-                <a:spcPct val="1000"/>
-              </a:spcBef>
-              <a:spcAft>
-                <a:spcPts val="0"/>
-              </a:spcAft>
-              <a:buSzPts val="4000"/>
-              <a:buNone/>
-              <a:defRPr sz="8000"/>
-            </a:lvl7pPr>
-            <a:lvl8pPr lvl="7" algn="ctr">
-              <a:spcBef>
-                <a:spcPct val="1000"/>
-              </a:spcBef>
-              <a:spcAft>
-                <a:spcPts val="0"/>
-              </a:spcAft>
-              <a:buSzPts val="4000"/>
-              <a:buNone/>
-              <a:defRPr sz="8000"/>
-            </a:lvl8pPr>
-            <a:lvl9pPr lvl="8" algn="ctr">
-              <a:spcBef>
-                <a:spcPct val="1000"/>
-              </a:spcBef>
-              <a:spcAft>
-                <a:spcPts val="0"/>
-              </a:spcAft>
-              <a:buSzPts val="4000"/>
-              <a:buNone/>
-              <a:defRPr sz="8000"/>
-            </a:lvl9pPr>
-          </a:lstStyle>
-          <a:p/>
-        </p:txBody>
-      </p:sp>
-      <p:sp>
-        <p:nvSpPr>
-          <p:cNvPr id="14" name="Google Shape;14;p2"/>
-          <p:cNvSpPr txBox="1"/>
-          <p:nvPr>
-            <p:ph type="subTitle" idx="1"/>
-          </p:nvPr>
-        </p:nvSpPr>
-        <p:spPr>
-          <a:xfrm>
-            <a:off x="3360604" y="6099967"/>
-            <a:ext cx="11566800" cy="1818318"/>
+            <a:off x="7074300" y="3157352"/>
+            <a:ext cx="10035000" cy="3158352"/>
           </a:xfrm>
           <a:prstGeom prst="rect">
             <a:avLst/>
@@ -1170,239 +1128,104 @@
             <a:normAutofit/>
           </a:bodyPr>
           <a:lstStyle>
-            <a:lvl1pPr lvl="0" algn="ctr">
-              <a:lnSpc>
-                <a:spcPct val="100000"/>
-              </a:lnSpc>
-              <a:spcBef>
-                <a:spcPct val="1000"/>
-              </a:spcBef>
-              <a:spcAft>
-                <a:spcPts val="0"/>
-              </a:spcAft>
-              <a:buClr>
-                <a:schemeClr val="accent5"/>
-              </a:buClr>
-              <a:buSzPts val="2400"/>
-              <a:buFont typeface="Roboto Slab"/>
-              <a:buNone/>
-              <a:defRPr sz="4800">
-                <a:solidFill>
-                  <a:schemeClr val="accent5"/>
-                </a:solidFill>
-                <a:latin typeface="Roboto Slab"/>
-                <a:ea typeface="Roboto Slab"/>
-                <a:cs typeface="Roboto Slab"/>
-                <a:sym typeface="Roboto Slab"/>
-              </a:defRPr>
+            <a:lvl1pPr lvl="0">
+              <a:spcBef>
+                <a:spcPct val="1000"/>
+              </a:spcBef>
+              <a:spcAft>
+                <a:spcPts val="0"/>
+              </a:spcAft>
+              <a:buSzPts val="4000"/>
+              <a:buNone/>
+              <a:defRPr sz="8000"/>
             </a:lvl1pPr>
-            <a:lvl2pPr lvl="1" algn="ctr">
-              <a:lnSpc>
-                <a:spcPct val="100000"/>
-              </a:lnSpc>
-              <a:spcBef>
-                <a:spcPct val="1000"/>
-              </a:spcBef>
-              <a:spcAft>
-                <a:spcPts val="0"/>
-              </a:spcAft>
-              <a:buClr>
-                <a:schemeClr val="accent5"/>
-              </a:buClr>
-              <a:buSzPts val="2400"/>
-              <a:buFont typeface="Roboto Slab"/>
-              <a:buNone/>
-              <a:defRPr sz="4800">
-                <a:solidFill>
-                  <a:schemeClr val="accent5"/>
-                </a:solidFill>
-                <a:latin typeface="Roboto Slab"/>
-                <a:ea typeface="Roboto Slab"/>
-                <a:cs typeface="Roboto Slab"/>
-                <a:sym typeface="Roboto Slab"/>
-              </a:defRPr>
+            <a:lvl2pPr lvl="1">
+              <a:spcBef>
+                <a:spcPct val="1000"/>
+              </a:spcBef>
+              <a:spcAft>
+                <a:spcPts val="0"/>
+              </a:spcAft>
+              <a:buSzPts val="4000"/>
+              <a:buNone/>
+              <a:defRPr sz="8000"/>
             </a:lvl2pPr>
-            <a:lvl3pPr lvl="2" algn="ctr">
-              <a:lnSpc>
-                <a:spcPct val="100000"/>
-              </a:lnSpc>
-              <a:spcBef>
-                <a:spcPct val="1000"/>
-              </a:spcBef>
-              <a:spcAft>
-                <a:spcPts val="0"/>
-              </a:spcAft>
-              <a:buClr>
-                <a:schemeClr val="accent5"/>
-              </a:buClr>
-              <a:buSzPts val="2400"/>
-              <a:buFont typeface="Roboto Slab"/>
-              <a:buNone/>
-              <a:defRPr sz="4800">
-                <a:solidFill>
-                  <a:schemeClr val="accent5"/>
-                </a:solidFill>
-                <a:latin typeface="Roboto Slab"/>
-                <a:ea typeface="Roboto Slab"/>
-                <a:cs typeface="Roboto Slab"/>
-                <a:sym typeface="Roboto Slab"/>
-              </a:defRPr>
+            <a:lvl3pPr lvl="2">
+              <a:spcBef>
+                <a:spcPct val="1000"/>
+              </a:spcBef>
+              <a:spcAft>
+                <a:spcPts val="0"/>
+              </a:spcAft>
+              <a:buSzPts val="4000"/>
+              <a:buNone/>
+              <a:defRPr sz="8000"/>
             </a:lvl3pPr>
-            <a:lvl4pPr lvl="3" algn="ctr">
-              <a:lnSpc>
-                <a:spcPct val="100000"/>
-              </a:lnSpc>
-              <a:spcBef>
-                <a:spcPct val="1000"/>
-              </a:spcBef>
-              <a:spcAft>
-                <a:spcPts val="0"/>
-              </a:spcAft>
-              <a:buClr>
-                <a:schemeClr val="accent5"/>
-              </a:buClr>
-              <a:buSzPts val="2400"/>
-              <a:buFont typeface="Roboto Slab"/>
-              <a:buNone/>
-              <a:defRPr sz="4800">
-                <a:solidFill>
-                  <a:schemeClr val="accent5"/>
-                </a:solidFill>
-                <a:latin typeface="Roboto Slab"/>
-                <a:ea typeface="Roboto Slab"/>
-                <a:cs typeface="Roboto Slab"/>
-                <a:sym typeface="Roboto Slab"/>
-              </a:defRPr>
+            <a:lvl4pPr lvl="3">
+              <a:spcBef>
+                <a:spcPct val="1000"/>
+              </a:spcBef>
+              <a:spcAft>
+                <a:spcPts val="0"/>
+              </a:spcAft>
+              <a:buSzPts val="4000"/>
+              <a:buNone/>
+              <a:defRPr sz="8000"/>
             </a:lvl4pPr>
-            <a:lvl5pPr lvl="4" algn="ctr">
-              <a:lnSpc>
-                <a:spcPct val="100000"/>
-              </a:lnSpc>
-              <a:spcBef>
-                <a:spcPct val="1000"/>
-              </a:spcBef>
-              <a:spcAft>
-                <a:spcPts val="0"/>
-              </a:spcAft>
-              <a:buClr>
-                <a:schemeClr val="accent5"/>
-              </a:buClr>
-              <a:buSzPts val="2400"/>
-              <a:buFont typeface="Roboto Slab"/>
-              <a:buNone/>
-              <a:defRPr sz="4800">
-                <a:solidFill>
-                  <a:schemeClr val="accent5"/>
-                </a:solidFill>
-                <a:latin typeface="Roboto Slab"/>
-                <a:ea typeface="Roboto Slab"/>
-                <a:cs typeface="Roboto Slab"/>
-                <a:sym typeface="Roboto Slab"/>
-              </a:defRPr>
+            <a:lvl5pPr lvl="4">
+              <a:spcBef>
+                <a:spcPct val="1000"/>
+              </a:spcBef>
+              <a:spcAft>
+                <a:spcPts val="0"/>
+              </a:spcAft>
+              <a:buSzPts val="4000"/>
+              <a:buNone/>
+              <a:defRPr sz="8000"/>
             </a:lvl5pPr>
-            <a:lvl6pPr lvl="5" algn="ctr">
-              <a:lnSpc>
-                <a:spcPct val="100000"/>
-              </a:lnSpc>
-              <a:spcBef>
-                <a:spcPct val="1000"/>
-              </a:spcBef>
-              <a:spcAft>
-                <a:spcPts val="0"/>
-              </a:spcAft>
-              <a:buClr>
-                <a:schemeClr val="accent5"/>
-              </a:buClr>
-              <a:buSzPts val="2400"/>
-              <a:buFont typeface="Roboto Slab"/>
-              <a:buNone/>
-              <a:defRPr sz="4800">
-                <a:solidFill>
-                  <a:schemeClr val="accent5"/>
-                </a:solidFill>
-                <a:latin typeface="Roboto Slab"/>
-                <a:ea typeface="Roboto Slab"/>
-                <a:cs typeface="Roboto Slab"/>
-                <a:sym typeface="Roboto Slab"/>
-              </a:defRPr>
+            <a:lvl6pPr lvl="5">
+              <a:spcBef>
+                <a:spcPct val="1000"/>
+              </a:spcBef>
+              <a:spcAft>
+                <a:spcPts val="0"/>
+              </a:spcAft>
+              <a:buSzPts val="4000"/>
+              <a:buNone/>
+              <a:defRPr sz="8000"/>
             </a:lvl6pPr>
-            <a:lvl7pPr lvl="6" algn="ctr">
-              <a:lnSpc>
-                <a:spcPct val="100000"/>
-              </a:lnSpc>
-              <a:spcBef>
-                <a:spcPct val="1000"/>
-              </a:spcBef>
-              <a:spcAft>
-                <a:spcPts val="0"/>
-              </a:spcAft>
-              <a:buClr>
-                <a:schemeClr val="accent5"/>
-              </a:buClr>
-              <a:buSzPts val="2400"/>
-              <a:buFont typeface="Roboto Slab"/>
-              <a:buNone/>
-              <a:defRPr sz="4800">
-                <a:solidFill>
-                  <a:schemeClr val="accent5"/>
-                </a:solidFill>
-                <a:latin typeface="Roboto Slab"/>
-                <a:ea typeface="Roboto Slab"/>
-                <a:cs typeface="Roboto Slab"/>
-                <a:sym typeface="Roboto Slab"/>
-              </a:defRPr>
+            <a:lvl7pPr lvl="6">
+              <a:spcBef>
+                <a:spcPct val="1000"/>
+              </a:spcBef>
+              <a:spcAft>
+                <a:spcPts val="0"/>
+              </a:spcAft>
+              <a:buSzPts val="4000"/>
+              <a:buNone/>
+              <a:defRPr sz="8000"/>
             </a:lvl7pPr>
-            <a:lvl8pPr lvl="7" algn="ctr">
-              <a:lnSpc>
-                <a:spcPct val="100000"/>
-              </a:lnSpc>
-              <a:spcBef>
-                <a:spcPct val="1000"/>
-              </a:spcBef>
-              <a:spcAft>
-                <a:spcPts val="0"/>
-              </a:spcAft>
-              <a:buClr>
-                <a:schemeClr val="accent5"/>
-              </a:buClr>
-              <a:buSzPts val="2400"/>
-              <a:buFont typeface="Roboto Slab"/>
-              <a:buNone/>
-              <a:defRPr sz="4800">
-                <a:solidFill>
-                  <a:schemeClr val="accent5"/>
-                </a:solidFill>
-                <a:latin typeface="Roboto Slab"/>
-                <a:ea typeface="Roboto Slab"/>
-                <a:cs typeface="Roboto Slab"/>
-                <a:sym typeface="Roboto Slab"/>
-              </a:defRPr>
+            <a:lvl8pPr lvl="7">
+              <a:spcBef>
+                <a:spcPct val="1000"/>
+              </a:spcBef>
+              <a:spcAft>
+                <a:spcPts val="0"/>
+              </a:spcAft>
+              <a:buSzPts val="4000"/>
+              <a:buNone/>
+              <a:defRPr sz="8000"/>
             </a:lvl8pPr>
-            <a:lvl9pPr lvl="8" algn="ctr">
-              <a:lnSpc>
-                <a:spcPct val="100000"/>
-              </a:lnSpc>
-              <a:spcBef>
-                <a:spcPct val="1000"/>
-              </a:spcBef>
-              <a:spcAft>
-                <a:spcPts val="0"/>
-              </a:spcAft>
-              <a:buClr>
-                <a:schemeClr val="accent5"/>
-              </a:buClr>
-              <a:buSzPts val="2400"/>
-              <a:buFont typeface="Roboto Slab"/>
-              <a:buNone/>
-              <a:defRPr sz="4800">
-                <a:solidFill>
-                  <a:schemeClr val="accent5"/>
-                </a:solidFill>
-                <a:latin typeface="Roboto Slab"/>
-                <a:ea typeface="Roboto Slab"/>
-                <a:cs typeface="Roboto Slab"/>
-                <a:sym typeface="Roboto Slab"/>
-              </a:defRPr>
+            <a:lvl9pPr lvl="8">
+              <a:spcBef>
+                <a:spcPct val="1000"/>
+              </a:spcBef>
+              <a:spcAft>
+                <a:spcPts val="0"/>
+              </a:spcAft>
+              <a:buSzPts val="4000"/>
+              <a:buNone/>
+              <a:defRPr sz="8000"/>
             </a:lvl9pPr>
           </a:lstStyle>
           <a:p/>
@@ -1410,7 +1233,159 @@
       </p:sp>
       <p:sp>
         <p:nvSpPr>
-          <p:cNvPr id="15" name="Google Shape;15;p2"/>
+          <p:cNvPr id="17" name="Google Shape;17;p2"/>
+          <p:cNvSpPr txBox="1"/>
+          <p:nvPr>
+            <p:ph type="subTitle" idx="1"/>
+          </p:nvPr>
+        </p:nvSpPr>
+        <p:spPr>
+          <a:xfrm>
+            <a:off x="10167900" y="7851223"/>
+            <a:ext cx="6941400" cy="1012377"/>
+          </a:xfrm>
+          <a:prstGeom prst="rect">
+            <a:avLst/>
+          </a:prstGeom>
+        </p:spPr>
+        <p:txBody>
+          <a:bodyPr spcFirstLastPara="1" wrap="square" lIns="91425" tIns="91425" rIns="91425" bIns="91425" anchor="t" anchorCtr="0">
+            <a:normAutofit/>
+          </a:bodyPr>
+          <a:lstStyle>
+            <a:lvl1pPr lvl="0">
+              <a:lnSpc>
+                <a:spcPct val="100000"/>
+              </a:lnSpc>
+              <a:spcBef>
+                <a:spcPct val="1000"/>
+              </a:spcBef>
+              <a:spcAft>
+                <a:spcPts val="0"/>
+              </a:spcAft>
+              <a:buSzPts val="1300"/>
+              <a:buNone/>
+              <a:defRPr/>
+            </a:lvl1pPr>
+            <a:lvl2pPr lvl="1">
+              <a:lnSpc>
+                <a:spcPct val="100000"/>
+              </a:lnSpc>
+              <a:spcBef>
+                <a:spcPct val="1000"/>
+              </a:spcBef>
+              <a:spcAft>
+                <a:spcPts val="0"/>
+              </a:spcAft>
+              <a:buSzPts val="1300"/>
+              <a:buNone/>
+              <a:defRPr sz="2600"/>
+            </a:lvl2pPr>
+            <a:lvl3pPr lvl="2">
+              <a:lnSpc>
+                <a:spcPct val="100000"/>
+              </a:lnSpc>
+              <a:spcBef>
+                <a:spcPct val="1000"/>
+              </a:spcBef>
+              <a:spcAft>
+                <a:spcPts val="0"/>
+              </a:spcAft>
+              <a:buSzPts val="1300"/>
+              <a:buNone/>
+              <a:defRPr sz="2600"/>
+            </a:lvl3pPr>
+            <a:lvl4pPr lvl="3">
+              <a:lnSpc>
+                <a:spcPct val="100000"/>
+              </a:lnSpc>
+              <a:spcBef>
+                <a:spcPct val="1000"/>
+              </a:spcBef>
+              <a:spcAft>
+                <a:spcPts val="0"/>
+              </a:spcAft>
+              <a:buSzPts val="1300"/>
+              <a:buNone/>
+              <a:defRPr sz="2600"/>
+            </a:lvl4pPr>
+            <a:lvl5pPr lvl="4">
+              <a:lnSpc>
+                <a:spcPct val="100000"/>
+              </a:lnSpc>
+              <a:spcBef>
+                <a:spcPct val="1000"/>
+              </a:spcBef>
+              <a:spcAft>
+                <a:spcPts val="0"/>
+              </a:spcAft>
+              <a:buSzPts val="1300"/>
+              <a:buNone/>
+              <a:defRPr sz="2600"/>
+            </a:lvl5pPr>
+            <a:lvl6pPr lvl="5">
+              <a:lnSpc>
+                <a:spcPct val="100000"/>
+              </a:lnSpc>
+              <a:spcBef>
+                <a:spcPct val="1000"/>
+              </a:spcBef>
+              <a:spcAft>
+                <a:spcPts val="0"/>
+              </a:spcAft>
+              <a:buSzPts val="1300"/>
+              <a:buNone/>
+              <a:defRPr sz="2600"/>
+            </a:lvl6pPr>
+            <a:lvl7pPr lvl="6">
+              <a:lnSpc>
+                <a:spcPct val="100000"/>
+              </a:lnSpc>
+              <a:spcBef>
+                <a:spcPct val="1000"/>
+              </a:spcBef>
+              <a:spcAft>
+                <a:spcPts val="0"/>
+              </a:spcAft>
+              <a:buSzPts val="1300"/>
+              <a:buNone/>
+              <a:defRPr sz="2600"/>
+            </a:lvl7pPr>
+            <a:lvl8pPr lvl="7">
+              <a:lnSpc>
+                <a:spcPct val="100000"/>
+              </a:lnSpc>
+              <a:spcBef>
+                <a:spcPct val="1000"/>
+              </a:spcBef>
+              <a:spcAft>
+                <a:spcPts val="0"/>
+              </a:spcAft>
+              <a:buSzPts val="1300"/>
+              <a:buNone/>
+              <a:defRPr sz="2600"/>
+            </a:lvl8pPr>
+            <a:lvl9pPr lvl="8">
+              <a:lnSpc>
+                <a:spcPct val="100000"/>
+              </a:lnSpc>
+              <a:spcBef>
+                <a:spcPct val="1000"/>
+              </a:spcBef>
+              <a:spcAft>
+                <a:spcPts val="0"/>
+              </a:spcAft>
+              <a:buSzPts val="1300"/>
+              <a:buNone/>
+              <a:defRPr sz="2600"/>
+            </a:lvl9pPr>
+          </a:lstStyle>
+          <a:p/>
+        </p:txBody>
+      </p:sp>
+      <p:sp>
+        <p:nvSpPr>
+          <p:cNvPr id="18" name="Google Shape;18;p2"/>
           <p:cNvSpPr txBox="1"/>
           <p:nvPr>
             <p:ph type="sldNum" idx="12"/>
@@ -1497,7 +1472,7 @@
   <p:cSld name="BIG_NUMBER">
     <p:spTree>
       <p:nvGrpSpPr>
-        <p:cNvPr id="52" name="Shape 52"/>
+        <p:cNvPr id="105" name="Shape 105"/>
         <p:cNvGrpSpPr/>
         <p:nvPr/>
       </p:nvGrpSpPr>
@@ -1509,49 +1484,812 @@
           <a:chExt cx="0" cy="0"/>
         </a:xfrm>
       </p:grpSpPr>
+      <p:grpSp>
+        <p:nvGrpSpPr>
+          <p:cNvPr id="106" name="Google Shape;106;p11"/>
+          <p:cNvGrpSpPr/>
+          <p:nvPr/>
+        </p:nvGrpSpPr>
+        <p:grpSpPr>
+          <a:xfrm>
+            <a:off x="8812800" y="0"/>
+            <a:ext cx="9475200" cy="10287929"/>
+            <a:chOff x="4406400" y="0"/>
+            <a:chExt cx="4737600" cy="5143065"/>
+          </a:xfrm>
+        </p:grpSpPr>
+        <p:sp>
+          <p:nvSpPr>
+            <p:cNvPr id="107" name="Google Shape;107;p11"/>
+            <p:cNvSpPr/>
+            <p:nvPr/>
+          </p:nvSpPr>
+          <p:spPr>
+            <a:xfrm rot="5400000">
+              <a:off x="4408200" y="-1800"/>
+              <a:ext cx="4734000" cy="4737600"/>
+            </a:xfrm>
+            <a:prstGeom prst="diagStripe">
+              <a:avLst>
+                <a:gd name="adj" fmla="val 49469"/>
+              </a:avLst>
+            </a:prstGeom>
+            <a:solidFill>
+              <a:schemeClr val="lt1">
+                <a:alpha val="3460"/>
+              </a:schemeClr>
+            </a:solidFill>
+            <a:ln>
+              <a:noFill/>
+            </a:ln>
+          </p:spPr>
+          <p:txBody>
+            <a:bodyPr spcFirstLastPara="1" wrap="square" lIns="182850" tIns="182850" rIns="182850" bIns="182850" anchor="ctr" anchorCtr="0">
+              <a:noAutofit/>
+            </a:bodyPr>
+            <a:lstStyle/>
+            <a:p>
+              <a:pPr marL="0" lvl="0" indent="0" algn="l" rtl="0">
+                <a:spcBef>
+                  <a:spcPts val="0"/>
+                </a:spcBef>
+                <a:spcAft>
+                  <a:spcPts val="0"/>
+                </a:spcAft>
+                <a:buNone/>
+              </a:pPr>
+              <a:endParaRPr sz="2800"/>
+            </a:p>
+          </p:txBody>
+        </p:sp>
+        <p:sp>
+          <p:nvSpPr>
+            <p:cNvPr id="108" name="Google Shape;108;p11"/>
+            <p:cNvSpPr/>
+            <p:nvPr/>
+          </p:nvSpPr>
+          <p:spPr>
+            <a:xfrm rot="5400000">
+              <a:off x="4841125" y="5700"/>
+              <a:ext cx="4298100" cy="4286700"/>
+            </a:xfrm>
+            <a:prstGeom prst="diagStripe">
+              <a:avLst>
+                <a:gd name="adj" fmla="val 0"/>
+              </a:avLst>
+            </a:prstGeom>
+            <a:solidFill>
+              <a:schemeClr val="lt1">
+                <a:alpha val="3460"/>
+              </a:schemeClr>
+            </a:solidFill>
+            <a:ln>
+              <a:noFill/>
+            </a:ln>
+          </p:spPr>
+          <p:txBody>
+            <a:bodyPr spcFirstLastPara="1" wrap="square" lIns="182850" tIns="182850" rIns="182850" bIns="182850" anchor="ctr" anchorCtr="0">
+              <a:noAutofit/>
+            </a:bodyPr>
+            <a:lstStyle/>
+            <a:p>
+              <a:pPr marL="0" lvl="0" indent="0" algn="l" rtl="0">
+                <a:spcBef>
+                  <a:spcPts val="0"/>
+                </a:spcBef>
+                <a:spcAft>
+                  <a:spcPts val="0"/>
+                </a:spcAft>
+                <a:buNone/>
+              </a:pPr>
+              <a:endParaRPr sz="2800"/>
+            </a:p>
+          </p:txBody>
+        </p:sp>
+        <p:sp>
+          <p:nvSpPr>
+            <p:cNvPr id="109" name="Google Shape;109;p11"/>
+            <p:cNvSpPr/>
+            <p:nvPr/>
+          </p:nvSpPr>
+          <p:spPr>
+            <a:xfrm rot="-5400000">
+              <a:off x="5618399" y="1236468"/>
+              <a:ext cx="808800" cy="808800"/>
+            </a:xfrm>
+            <a:prstGeom prst="diagStripe">
+              <a:avLst>
+                <a:gd name="adj" fmla="val 50000"/>
+              </a:avLst>
+            </a:prstGeom>
+            <a:solidFill>
+              <a:schemeClr val="lt1">
+                <a:alpha val="7310"/>
+              </a:schemeClr>
+            </a:solidFill>
+            <a:ln>
+              <a:noFill/>
+            </a:ln>
+          </p:spPr>
+          <p:txBody>
+            <a:bodyPr spcFirstLastPara="1" wrap="square" lIns="182850" tIns="182850" rIns="182850" bIns="182850" anchor="ctr" anchorCtr="0">
+              <a:noAutofit/>
+            </a:bodyPr>
+            <a:lstStyle/>
+            <a:p>
+              <a:pPr marL="0" lvl="0" indent="0" algn="l" rtl="0">
+                <a:spcBef>
+                  <a:spcPts val="0"/>
+                </a:spcBef>
+                <a:spcAft>
+                  <a:spcPts val="0"/>
+                </a:spcAft>
+                <a:buNone/>
+              </a:pPr>
+              <a:endParaRPr sz="2800"/>
+            </a:p>
+          </p:txBody>
+        </p:sp>
+        <p:sp>
+          <p:nvSpPr>
+            <p:cNvPr id="110" name="Google Shape;110;p11"/>
+            <p:cNvSpPr/>
+            <p:nvPr/>
+          </p:nvSpPr>
+          <p:spPr>
+            <a:xfrm flipH="1">
+              <a:off x="5849857" y="1443956"/>
+              <a:ext cx="808800" cy="808800"/>
+            </a:xfrm>
+            <a:prstGeom prst="diagStripe">
+              <a:avLst>
+                <a:gd name="adj" fmla="val 50000"/>
+              </a:avLst>
+            </a:prstGeom>
+            <a:solidFill>
+              <a:schemeClr val="lt1">
+                <a:alpha val="7310"/>
+              </a:schemeClr>
+            </a:solidFill>
+            <a:ln>
+              <a:noFill/>
+            </a:ln>
+          </p:spPr>
+          <p:txBody>
+            <a:bodyPr spcFirstLastPara="1" wrap="square" lIns="182850" tIns="182850" rIns="182850" bIns="182850" anchor="ctr" anchorCtr="0">
+              <a:noAutofit/>
+            </a:bodyPr>
+            <a:lstStyle/>
+            <a:p>
+              <a:pPr marL="0" lvl="0" indent="0" algn="l" rtl="0">
+                <a:spcBef>
+                  <a:spcPts val="0"/>
+                </a:spcBef>
+                <a:spcAft>
+                  <a:spcPts val="0"/>
+                </a:spcAft>
+                <a:buNone/>
+              </a:pPr>
+              <a:endParaRPr sz="2800"/>
+            </a:p>
+          </p:txBody>
+        </p:sp>
+        <p:sp>
+          <p:nvSpPr>
+            <p:cNvPr id="111" name="Google Shape;111;p11"/>
+            <p:cNvSpPr/>
+            <p:nvPr/>
+          </p:nvSpPr>
+          <p:spPr>
+            <a:xfrm rot="-5400000">
+              <a:off x="5987081" y="2469465"/>
+              <a:ext cx="808800" cy="808800"/>
+            </a:xfrm>
+            <a:prstGeom prst="diagStripe">
+              <a:avLst>
+                <a:gd name="adj" fmla="val 50000"/>
+              </a:avLst>
+            </a:prstGeom>
+            <a:solidFill>
+              <a:schemeClr val="lt1">
+                <a:alpha val="7310"/>
+              </a:schemeClr>
+            </a:solidFill>
+            <a:ln>
+              <a:noFill/>
+            </a:ln>
+          </p:spPr>
+          <p:txBody>
+            <a:bodyPr spcFirstLastPara="1" wrap="square" lIns="182850" tIns="182850" rIns="182850" bIns="182850" anchor="ctr" anchorCtr="0">
+              <a:noAutofit/>
+            </a:bodyPr>
+            <a:lstStyle/>
+            <a:p>
+              <a:pPr marL="0" lvl="0" indent="0" algn="l" rtl="0">
+                <a:spcBef>
+                  <a:spcPts val="0"/>
+                </a:spcBef>
+                <a:spcAft>
+                  <a:spcPts val="0"/>
+                </a:spcAft>
+                <a:buNone/>
+              </a:pPr>
+              <a:endParaRPr sz="2800"/>
+            </a:p>
+          </p:txBody>
+        </p:sp>
+        <p:sp>
+          <p:nvSpPr>
+            <p:cNvPr id="112" name="Google Shape;112;p11"/>
+            <p:cNvSpPr/>
+            <p:nvPr/>
+          </p:nvSpPr>
+          <p:spPr>
+            <a:xfrm flipH="1">
+              <a:off x="6222115" y="2676953"/>
+              <a:ext cx="808800" cy="808800"/>
+            </a:xfrm>
+            <a:prstGeom prst="diagStripe">
+              <a:avLst>
+                <a:gd name="adj" fmla="val 50000"/>
+              </a:avLst>
+            </a:prstGeom>
+            <a:solidFill>
+              <a:schemeClr val="lt1">
+                <a:alpha val="7310"/>
+              </a:schemeClr>
+            </a:solidFill>
+            <a:ln>
+              <a:noFill/>
+            </a:ln>
+          </p:spPr>
+          <p:txBody>
+            <a:bodyPr spcFirstLastPara="1" wrap="square" lIns="182850" tIns="182850" rIns="182850" bIns="182850" anchor="ctr" anchorCtr="0">
+              <a:noAutofit/>
+            </a:bodyPr>
+            <a:lstStyle/>
+            <a:p>
+              <a:pPr marL="0" lvl="0" indent="0" algn="l" rtl="0">
+                <a:spcBef>
+                  <a:spcPts val="0"/>
+                </a:spcBef>
+                <a:spcAft>
+                  <a:spcPts val="0"/>
+                </a:spcAft>
+                <a:buNone/>
+              </a:pPr>
+              <a:endParaRPr sz="2800"/>
+            </a:p>
+          </p:txBody>
+        </p:sp>
+        <p:sp>
+          <p:nvSpPr>
+            <p:cNvPr id="113" name="Google Shape;113;p11"/>
+            <p:cNvSpPr/>
+            <p:nvPr/>
+          </p:nvSpPr>
+          <p:spPr>
+            <a:xfrm rot="-5400000">
+              <a:off x="6675341" y="1862018"/>
+              <a:ext cx="808800" cy="808800"/>
+            </a:xfrm>
+            <a:prstGeom prst="diagStripe">
+              <a:avLst>
+                <a:gd name="adj" fmla="val 50000"/>
+              </a:avLst>
+            </a:prstGeom>
+            <a:solidFill>
+              <a:schemeClr val="lt1">
+                <a:alpha val="7310"/>
+              </a:schemeClr>
+            </a:solidFill>
+            <a:ln>
+              <a:noFill/>
+            </a:ln>
+          </p:spPr>
+          <p:txBody>
+            <a:bodyPr spcFirstLastPara="1" wrap="square" lIns="182850" tIns="182850" rIns="182850" bIns="182850" anchor="ctr" anchorCtr="0">
+              <a:noAutofit/>
+            </a:bodyPr>
+            <a:lstStyle/>
+            <a:p>
+              <a:pPr marL="0" lvl="0" indent="0" algn="l" rtl="0">
+                <a:spcBef>
+                  <a:spcPts val="0"/>
+                </a:spcBef>
+                <a:spcAft>
+                  <a:spcPts val="0"/>
+                </a:spcAft>
+                <a:buNone/>
+              </a:pPr>
+              <a:endParaRPr sz="2800"/>
+            </a:p>
+          </p:txBody>
+        </p:sp>
+        <p:sp>
+          <p:nvSpPr>
+            <p:cNvPr id="114" name="Google Shape;114;p11"/>
+            <p:cNvSpPr/>
+            <p:nvPr/>
+          </p:nvSpPr>
+          <p:spPr>
+            <a:xfrm flipH="1">
+              <a:off x="6908099" y="2069505"/>
+              <a:ext cx="808800" cy="808800"/>
+            </a:xfrm>
+            <a:prstGeom prst="diagStripe">
+              <a:avLst>
+                <a:gd name="adj" fmla="val 50000"/>
+              </a:avLst>
+            </a:prstGeom>
+            <a:solidFill>
+              <a:schemeClr val="lt2"/>
+            </a:solidFill>
+            <a:ln>
+              <a:noFill/>
+            </a:ln>
+          </p:spPr>
+          <p:txBody>
+            <a:bodyPr spcFirstLastPara="1" wrap="square" lIns="182850" tIns="182850" rIns="182850" bIns="182850" anchor="ctr" anchorCtr="0">
+              <a:noAutofit/>
+            </a:bodyPr>
+            <a:lstStyle/>
+            <a:p>
+              <a:pPr marL="0" lvl="0" indent="0" algn="l" rtl="0">
+                <a:spcBef>
+                  <a:spcPts val="0"/>
+                </a:spcBef>
+                <a:spcAft>
+                  <a:spcPts val="0"/>
+                </a:spcAft>
+                <a:buNone/>
+              </a:pPr>
+              <a:endParaRPr sz="2800"/>
+            </a:p>
+          </p:txBody>
+        </p:sp>
+        <p:sp>
+          <p:nvSpPr>
+            <p:cNvPr id="115" name="Google Shape;115;p11"/>
+            <p:cNvSpPr/>
+            <p:nvPr/>
+          </p:nvSpPr>
+          <p:spPr>
+            <a:xfrm rot="-5400000">
+              <a:off x="6861141" y="2477810"/>
+              <a:ext cx="808800" cy="808800"/>
+            </a:xfrm>
+            <a:prstGeom prst="diagStripe">
+              <a:avLst>
+                <a:gd name="adj" fmla="val 50000"/>
+              </a:avLst>
+            </a:prstGeom>
+            <a:solidFill>
+              <a:schemeClr val="lt1">
+                <a:alpha val="7310"/>
+              </a:schemeClr>
+            </a:solidFill>
+            <a:ln>
+              <a:noFill/>
+            </a:ln>
+          </p:spPr>
+          <p:txBody>
+            <a:bodyPr spcFirstLastPara="1" wrap="square" lIns="182850" tIns="182850" rIns="182850" bIns="182850" anchor="ctr" anchorCtr="0">
+              <a:noAutofit/>
+            </a:bodyPr>
+            <a:lstStyle/>
+            <a:p>
+              <a:pPr marL="0" lvl="0" indent="0" algn="l" rtl="0">
+                <a:spcBef>
+                  <a:spcPts val="0"/>
+                </a:spcBef>
+                <a:spcAft>
+                  <a:spcPts val="0"/>
+                </a:spcAft>
+                <a:buNone/>
+              </a:pPr>
+              <a:endParaRPr sz="2800"/>
+            </a:p>
+          </p:txBody>
+        </p:sp>
+        <p:sp>
+          <p:nvSpPr>
+            <p:cNvPr id="116" name="Google Shape;116;p11"/>
+            <p:cNvSpPr/>
+            <p:nvPr/>
+          </p:nvSpPr>
+          <p:spPr>
+            <a:xfrm flipH="1">
+              <a:off x="7965266" y="2692963"/>
+              <a:ext cx="808800" cy="808800"/>
+            </a:xfrm>
+            <a:prstGeom prst="diagStripe">
+              <a:avLst>
+                <a:gd name="adj" fmla="val 50000"/>
+              </a:avLst>
+            </a:prstGeom>
+            <a:solidFill>
+              <a:schemeClr val="lt1">
+                <a:alpha val="7310"/>
+              </a:schemeClr>
+            </a:solidFill>
+            <a:ln>
+              <a:noFill/>
+            </a:ln>
+          </p:spPr>
+          <p:txBody>
+            <a:bodyPr spcFirstLastPara="1" wrap="square" lIns="182850" tIns="182850" rIns="182850" bIns="182850" anchor="ctr" anchorCtr="0">
+              <a:noAutofit/>
+            </a:bodyPr>
+            <a:lstStyle/>
+            <a:p>
+              <a:pPr marL="0" lvl="0" indent="0" algn="l" rtl="0">
+                <a:spcBef>
+                  <a:spcPts val="0"/>
+                </a:spcBef>
+                <a:spcAft>
+                  <a:spcPts val="0"/>
+                </a:spcAft>
+                <a:buNone/>
+              </a:pPr>
+              <a:endParaRPr sz="2800"/>
+            </a:p>
+          </p:txBody>
+        </p:sp>
+        <p:sp>
+          <p:nvSpPr>
+            <p:cNvPr id="117" name="Google Shape;117;p11"/>
+            <p:cNvSpPr/>
+            <p:nvPr/>
+          </p:nvSpPr>
+          <p:spPr>
+            <a:xfrm flipH="1">
+              <a:off x="8145082" y="3308755"/>
+              <a:ext cx="808800" cy="808800"/>
+            </a:xfrm>
+            <a:prstGeom prst="diagStripe">
+              <a:avLst>
+                <a:gd name="adj" fmla="val 50000"/>
+              </a:avLst>
+            </a:prstGeom>
+            <a:solidFill>
+              <a:schemeClr val="lt1">
+                <a:alpha val="7310"/>
+              </a:schemeClr>
+            </a:solidFill>
+            <a:ln>
+              <a:noFill/>
+            </a:ln>
+          </p:spPr>
+          <p:txBody>
+            <a:bodyPr spcFirstLastPara="1" wrap="square" lIns="182850" tIns="182850" rIns="182850" bIns="182850" anchor="ctr" anchorCtr="0">
+              <a:noAutofit/>
+            </a:bodyPr>
+            <a:lstStyle/>
+            <a:p>
+              <a:pPr marL="0" lvl="0" indent="0" algn="l" rtl="0">
+                <a:spcBef>
+                  <a:spcPts val="0"/>
+                </a:spcBef>
+                <a:spcAft>
+                  <a:spcPts val="0"/>
+                </a:spcAft>
+                <a:buNone/>
+              </a:pPr>
+              <a:endParaRPr sz="2800"/>
+            </a:p>
+          </p:txBody>
+        </p:sp>
+        <p:sp>
+          <p:nvSpPr>
+            <p:cNvPr id="118" name="Google Shape;118;p11"/>
+            <p:cNvSpPr/>
+            <p:nvPr/>
+          </p:nvSpPr>
+          <p:spPr>
+            <a:xfrm rot="-5400000">
+              <a:off x="7047599" y="3095015"/>
+              <a:ext cx="808800" cy="808800"/>
+            </a:xfrm>
+            <a:prstGeom prst="diagStripe">
+              <a:avLst>
+                <a:gd name="adj" fmla="val 50000"/>
+              </a:avLst>
+            </a:prstGeom>
+            <a:solidFill>
+              <a:schemeClr val="lt1">
+                <a:alpha val="7310"/>
+              </a:schemeClr>
+            </a:solidFill>
+            <a:ln>
+              <a:noFill/>
+            </a:ln>
+          </p:spPr>
+          <p:txBody>
+            <a:bodyPr spcFirstLastPara="1" wrap="square" lIns="182850" tIns="182850" rIns="182850" bIns="182850" anchor="ctr" anchorCtr="0">
+              <a:noAutofit/>
+            </a:bodyPr>
+            <a:lstStyle/>
+            <a:p>
+              <a:pPr marL="0" lvl="0" indent="0" algn="l" rtl="0">
+                <a:spcBef>
+                  <a:spcPts val="0"/>
+                </a:spcBef>
+                <a:spcAft>
+                  <a:spcPts val="0"/>
+                </a:spcAft>
+                <a:buNone/>
+              </a:pPr>
+              <a:endParaRPr sz="2800"/>
+            </a:p>
+          </p:txBody>
+        </p:sp>
+        <p:sp>
+          <p:nvSpPr>
+            <p:cNvPr id="119" name="Google Shape;119;p11"/>
+            <p:cNvSpPr/>
+            <p:nvPr/>
+          </p:nvSpPr>
+          <p:spPr>
+            <a:xfrm flipH="1">
+              <a:off x="7276649" y="3302502"/>
+              <a:ext cx="808800" cy="808800"/>
+            </a:xfrm>
+            <a:prstGeom prst="diagStripe">
+              <a:avLst>
+                <a:gd name="adj" fmla="val 50000"/>
+              </a:avLst>
+            </a:prstGeom>
+            <a:solidFill>
+              <a:schemeClr val="lt1">
+                <a:alpha val="7310"/>
+              </a:schemeClr>
+            </a:solidFill>
+            <a:ln>
+              <a:noFill/>
+            </a:ln>
+          </p:spPr>
+          <p:txBody>
+            <a:bodyPr spcFirstLastPara="1" wrap="square" lIns="182850" tIns="182850" rIns="182850" bIns="182850" anchor="ctr" anchorCtr="0">
+              <a:noAutofit/>
+            </a:bodyPr>
+            <a:lstStyle/>
+            <a:p>
+              <a:pPr marL="0" lvl="0" indent="0" algn="l" rtl="0">
+                <a:spcBef>
+                  <a:spcPts val="0"/>
+                </a:spcBef>
+                <a:spcAft>
+                  <a:spcPts val="0"/>
+                </a:spcAft>
+                <a:buNone/>
+              </a:pPr>
+              <a:endParaRPr sz="2800"/>
+            </a:p>
+          </p:txBody>
+        </p:sp>
+        <p:sp>
+          <p:nvSpPr>
+            <p:cNvPr id="120" name="Google Shape;120;p11"/>
+            <p:cNvSpPr/>
+            <p:nvPr/>
+          </p:nvSpPr>
+          <p:spPr>
+            <a:xfrm rot="-5400000">
+              <a:off x="7227414" y="3710807"/>
+              <a:ext cx="808800" cy="808800"/>
+            </a:xfrm>
+            <a:prstGeom prst="diagStripe">
+              <a:avLst>
+                <a:gd name="adj" fmla="val 50000"/>
+              </a:avLst>
+            </a:prstGeom>
+            <a:solidFill>
+              <a:schemeClr val="accent1"/>
+            </a:solidFill>
+            <a:ln>
+              <a:noFill/>
+            </a:ln>
+          </p:spPr>
+          <p:txBody>
+            <a:bodyPr spcFirstLastPara="1" wrap="square" lIns="182850" tIns="182850" rIns="182850" bIns="182850" anchor="ctr" anchorCtr="0">
+              <a:noAutofit/>
+            </a:bodyPr>
+            <a:lstStyle/>
+            <a:p>
+              <a:pPr marL="0" lvl="0" indent="0" algn="l" rtl="0">
+                <a:spcBef>
+                  <a:spcPts val="0"/>
+                </a:spcBef>
+                <a:spcAft>
+                  <a:spcPts val="0"/>
+                </a:spcAft>
+                <a:buNone/>
+              </a:pPr>
+              <a:endParaRPr sz="2800"/>
+            </a:p>
+          </p:txBody>
+        </p:sp>
+        <p:sp>
+          <p:nvSpPr>
+            <p:cNvPr id="121" name="Google Shape;121;p11"/>
+            <p:cNvSpPr/>
+            <p:nvPr/>
+          </p:nvSpPr>
+          <p:spPr>
+            <a:xfrm flipH="1">
+              <a:off x="7462448" y="3918294"/>
+              <a:ext cx="808800" cy="808800"/>
+            </a:xfrm>
+            <a:prstGeom prst="diagStripe">
+              <a:avLst>
+                <a:gd name="adj" fmla="val 50000"/>
+              </a:avLst>
+            </a:prstGeom>
+            <a:solidFill>
+              <a:schemeClr val="lt1">
+                <a:alpha val="7310"/>
+              </a:schemeClr>
+            </a:solidFill>
+            <a:ln>
+              <a:noFill/>
+            </a:ln>
+          </p:spPr>
+          <p:txBody>
+            <a:bodyPr spcFirstLastPara="1" wrap="square" lIns="182850" tIns="182850" rIns="182850" bIns="182850" anchor="ctr" anchorCtr="0">
+              <a:noAutofit/>
+            </a:bodyPr>
+            <a:lstStyle/>
+            <a:p>
+              <a:pPr marL="0" lvl="0" indent="0" algn="l" rtl="0">
+                <a:spcBef>
+                  <a:spcPts val="0"/>
+                </a:spcBef>
+                <a:spcAft>
+                  <a:spcPts val="0"/>
+                </a:spcAft>
+                <a:buNone/>
+              </a:pPr>
+              <a:endParaRPr sz="2800"/>
+            </a:p>
+          </p:txBody>
+        </p:sp>
+        <p:sp>
+          <p:nvSpPr>
+            <p:cNvPr id="122" name="Google Shape;122;p11"/>
+            <p:cNvSpPr/>
+            <p:nvPr/>
+          </p:nvSpPr>
+          <p:spPr>
+            <a:xfrm rot="-5400000">
+              <a:off x="8102491" y="3718473"/>
+              <a:ext cx="808800" cy="808800"/>
+            </a:xfrm>
+            <a:prstGeom prst="diagStripe">
+              <a:avLst>
+                <a:gd name="adj" fmla="val 50000"/>
+              </a:avLst>
+            </a:prstGeom>
+            <a:solidFill>
+              <a:schemeClr val="lt1">
+                <a:alpha val="7310"/>
+              </a:schemeClr>
+            </a:solidFill>
+            <a:ln>
+              <a:noFill/>
+            </a:ln>
+          </p:spPr>
+          <p:txBody>
+            <a:bodyPr spcFirstLastPara="1" wrap="square" lIns="182850" tIns="182850" rIns="182850" bIns="182850" anchor="ctr" anchorCtr="0">
+              <a:noAutofit/>
+            </a:bodyPr>
+            <a:lstStyle/>
+            <a:p>
+              <a:pPr marL="0" lvl="0" indent="0" algn="l" rtl="0">
+                <a:spcBef>
+                  <a:spcPts val="0"/>
+                </a:spcBef>
+                <a:spcAft>
+                  <a:spcPts val="0"/>
+                </a:spcAft>
+                <a:buNone/>
+              </a:pPr>
+              <a:endParaRPr sz="2800"/>
+            </a:p>
+          </p:txBody>
+        </p:sp>
+        <p:sp>
+          <p:nvSpPr>
+            <p:cNvPr id="123" name="Google Shape;123;p11"/>
+            <p:cNvSpPr/>
+            <p:nvPr/>
+          </p:nvSpPr>
+          <p:spPr>
+            <a:xfrm flipH="1">
+              <a:off x="8334533" y="3925960"/>
+              <a:ext cx="808800" cy="808800"/>
+            </a:xfrm>
+            <a:prstGeom prst="diagStripe">
+              <a:avLst>
+                <a:gd name="adj" fmla="val 50000"/>
+              </a:avLst>
+            </a:prstGeom>
+            <a:solidFill>
+              <a:schemeClr val="lt1">
+                <a:alpha val="7310"/>
+              </a:schemeClr>
+            </a:solidFill>
+            <a:ln>
+              <a:noFill/>
+            </a:ln>
+          </p:spPr>
+          <p:txBody>
+            <a:bodyPr spcFirstLastPara="1" wrap="square" lIns="182850" tIns="182850" rIns="182850" bIns="182850" anchor="ctr" anchorCtr="0">
+              <a:noAutofit/>
+            </a:bodyPr>
+            <a:lstStyle/>
+            <a:p>
+              <a:pPr marL="0" lvl="0" indent="0" algn="l" rtl="0">
+                <a:spcBef>
+                  <a:spcPts val="0"/>
+                </a:spcBef>
+                <a:spcAft>
+                  <a:spcPts val="0"/>
+                </a:spcAft>
+                <a:buNone/>
+              </a:pPr>
+              <a:endParaRPr sz="2800"/>
+            </a:p>
+          </p:txBody>
+        </p:sp>
+        <p:sp>
+          <p:nvSpPr>
+            <p:cNvPr id="124" name="Google Shape;124;p11"/>
+            <p:cNvSpPr/>
+            <p:nvPr/>
+          </p:nvSpPr>
+          <p:spPr>
+            <a:xfrm rot="-5400000">
+              <a:off x="8288290" y="4334265"/>
+              <a:ext cx="808800" cy="808800"/>
+            </a:xfrm>
+            <a:prstGeom prst="diagStripe">
+              <a:avLst>
+                <a:gd name="adj" fmla="val 50000"/>
+              </a:avLst>
+            </a:prstGeom>
+            <a:solidFill>
+              <a:schemeClr val="lt1">
+                <a:alpha val="7310"/>
+              </a:schemeClr>
+            </a:solidFill>
+            <a:ln>
+              <a:noFill/>
+            </a:ln>
+          </p:spPr>
+          <p:txBody>
+            <a:bodyPr spcFirstLastPara="1" wrap="square" lIns="182850" tIns="182850" rIns="182850" bIns="182850" anchor="ctr" anchorCtr="0">
+              <a:noAutofit/>
+            </a:bodyPr>
+            <a:lstStyle/>
+            <a:p>
+              <a:pPr marL="0" lvl="0" indent="0" algn="l" rtl="0">
+                <a:spcBef>
+                  <a:spcPts val="0"/>
+                </a:spcBef>
+                <a:spcAft>
+                  <a:spcPts val="0"/>
+                </a:spcAft>
+                <a:buNone/>
+              </a:pPr>
+              <a:endParaRPr sz="2800"/>
+            </a:p>
+          </p:txBody>
+        </p:sp>
+      </p:grpSp>
       <p:sp>
         <p:nvSpPr>
-          <p:cNvPr id="53" name="Google Shape;53;p11"/>
-          <p:cNvSpPr/>
-          <p:nvPr/>
-        </p:nvSpPr>
-        <p:spPr>
-          <a:xfrm>
-            <a:off x="300" y="10155426"/>
-            <a:ext cx="18287400" cy="133223"/>
-          </a:xfrm>
-          <a:prstGeom prst="rect">
-            <a:avLst/>
-          </a:prstGeom>
-          <a:solidFill>
-            <a:schemeClr val="accent4"/>
-          </a:solidFill>
-          <a:ln>
-            <a:noFill/>
-          </a:ln>
-        </p:spPr>
-        <p:txBody>
-          <a:bodyPr spcFirstLastPara="1" wrap="square" lIns="182850" tIns="182850" rIns="182850" bIns="182850" anchor="ctr" anchorCtr="0">
-            <a:noAutofit/>
-          </a:bodyPr>
-          <a:lstStyle/>
-          <a:p>
-            <a:pPr marL="0" lvl="0" indent="0" algn="l" rtl="0">
-              <a:spcBef>
-                <a:spcPts val="0"/>
-              </a:spcBef>
-              <a:spcAft>
-                <a:spcPts val="0"/>
-              </a:spcAft>
-              <a:buNone/>
-            </a:pPr>
-            <a:endParaRPr sz="2800"/>
-          </a:p>
-        </p:txBody>
-      </p:sp>
-      <p:sp>
-        <p:nvSpPr>
-          <p:cNvPr id="54" name="Google Shape;54;p11"/>
+          <p:cNvPr id="125" name="Google Shape;125;p11"/>
           <p:cNvSpPr txBox="1"/>
           <p:nvPr>
             <p:ph type="title" hasCustomPrompt="1"/>
@@ -1559,179 +2297,116 @@
         </p:nvSpPr>
         <p:spPr>
           <a:xfrm>
-            <a:off x="775800" y="2305303"/>
-            <a:ext cx="16736400" cy="3077338"/>
+            <a:off x="1647700" y="2569799"/>
+            <a:ext cx="9552000" cy="2602055"/>
           </a:xfrm>
           <a:prstGeom prst="rect">
             <a:avLst/>
           </a:prstGeom>
         </p:spPr>
         <p:txBody>
-          <a:bodyPr spcFirstLastPara="1" wrap="square" lIns="91425" tIns="91425" rIns="91425" bIns="91425" anchor="ctr" anchorCtr="0">
+          <a:bodyPr spcFirstLastPara="1" wrap="square" lIns="91425" tIns="91425" rIns="91425" bIns="91425" anchor="t" anchorCtr="0">
             <a:normAutofit/>
           </a:bodyPr>
           <a:lstStyle>
-            <a:lvl1pPr lvl="0" algn="ctr">
-              <a:spcBef>
-                <a:spcPct val="1000"/>
-              </a:spcBef>
-              <a:spcAft>
-                <a:spcPts val="0"/>
-              </a:spcAft>
-              <a:buClr>
-                <a:schemeClr val="accent5"/>
-              </a:buClr>
-              <a:buSzPts val="13000"/>
-              <a:buNone/>
-              <a:defRPr sz="26005">
-                <a:solidFill>
-                  <a:schemeClr val="accent5"/>
-                </a:solidFill>
-              </a:defRPr>
+            <a:lvl1pPr lvl="0">
+              <a:spcBef>
+                <a:spcPct val="1000"/>
+              </a:spcBef>
+              <a:spcAft>
+                <a:spcPts val="0"/>
+              </a:spcAft>
+              <a:buSzPts val="8000"/>
+              <a:buNone/>
+              <a:defRPr sz="16005"/>
             </a:lvl1pPr>
-            <a:lvl2pPr lvl="1" algn="ctr">
-              <a:spcBef>
-                <a:spcPct val="1000"/>
-              </a:spcBef>
-              <a:spcAft>
-                <a:spcPts val="0"/>
-              </a:spcAft>
-              <a:buClr>
-                <a:schemeClr val="accent5"/>
-              </a:buClr>
-              <a:buSzPts val="13000"/>
-              <a:buNone/>
-              <a:defRPr sz="26005">
-                <a:solidFill>
-                  <a:schemeClr val="accent5"/>
-                </a:solidFill>
-              </a:defRPr>
+            <a:lvl2pPr lvl="1">
+              <a:spcBef>
+                <a:spcPct val="1000"/>
+              </a:spcBef>
+              <a:spcAft>
+                <a:spcPts val="0"/>
+              </a:spcAft>
+              <a:buSzPts val="8000"/>
+              <a:buNone/>
+              <a:defRPr sz="16005"/>
             </a:lvl2pPr>
-            <a:lvl3pPr lvl="2" algn="ctr">
-              <a:spcBef>
-                <a:spcPct val="1000"/>
-              </a:spcBef>
-              <a:spcAft>
-                <a:spcPts val="0"/>
-              </a:spcAft>
-              <a:buClr>
-                <a:schemeClr val="accent5"/>
-              </a:buClr>
-              <a:buSzPts val="13000"/>
-              <a:buNone/>
-              <a:defRPr sz="26005">
-                <a:solidFill>
-                  <a:schemeClr val="accent5"/>
-                </a:solidFill>
-              </a:defRPr>
+            <a:lvl3pPr lvl="2">
+              <a:spcBef>
+                <a:spcPct val="1000"/>
+              </a:spcBef>
+              <a:spcAft>
+                <a:spcPts val="0"/>
+              </a:spcAft>
+              <a:buSzPts val="8000"/>
+              <a:buNone/>
+              <a:defRPr sz="16005"/>
             </a:lvl3pPr>
-            <a:lvl4pPr lvl="3" algn="ctr">
-              <a:spcBef>
-                <a:spcPct val="1000"/>
-              </a:spcBef>
-              <a:spcAft>
-                <a:spcPts val="0"/>
-              </a:spcAft>
-              <a:buClr>
-                <a:schemeClr val="accent5"/>
-              </a:buClr>
-              <a:buSzPts val="13000"/>
-              <a:buNone/>
-              <a:defRPr sz="26005">
-                <a:solidFill>
-                  <a:schemeClr val="accent5"/>
-                </a:solidFill>
-              </a:defRPr>
+            <a:lvl4pPr lvl="3">
+              <a:spcBef>
+                <a:spcPct val="1000"/>
+              </a:spcBef>
+              <a:spcAft>
+                <a:spcPts val="0"/>
+              </a:spcAft>
+              <a:buSzPts val="8000"/>
+              <a:buNone/>
+              <a:defRPr sz="16005"/>
             </a:lvl4pPr>
-            <a:lvl5pPr lvl="4" algn="ctr">
-              <a:spcBef>
-                <a:spcPct val="1000"/>
-              </a:spcBef>
-              <a:spcAft>
-                <a:spcPts val="0"/>
-              </a:spcAft>
-              <a:buClr>
-                <a:schemeClr val="accent5"/>
-              </a:buClr>
-              <a:buSzPts val="13000"/>
-              <a:buNone/>
-              <a:defRPr sz="26005">
-                <a:solidFill>
-                  <a:schemeClr val="accent5"/>
-                </a:solidFill>
-              </a:defRPr>
+            <a:lvl5pPr lvl="4">
+              <a:spcBef>
+                <a:spcPct val="1000"/>
+              </a:spcBef>
+              <a:spcAft>
+                <a:spcPts val="0"/>
+              </a:spcAft>
+              <a:buSzPts val="8000"/>
+              <a:buNone/>
+              <a:defRPr sz="16005"/>
             </a:lvl5pPr>
-            <a:lvl6pPr lvl="5" algn="ctr">
-              <a:spcBef>
-                <a:spcPct val="1000"/>
-              </a:spcBef>
-              <a:spcAft>
-                <a:spcPts val="0"/>
-              </a:spcAft>
-              <a:buClr>
-                <a:schemeClr val="accent5"/>
-              </a:buClr>
-              <a:buSzPts val="13000"/>
-              <a:buNone/>
-              <a:defRPr sz="26005">
-                <a:solidFill>
-                  <a:schemeClr val="accent5"/>
-                </a:solidFill>
-              </a:defRPr>
+            <a:lvl6pPr lvl="5">
+              <a:spcBef>
+                <a:spcPct val="1000"/>
+              </a:spcBef>
+              <a:spcAft>
+                <a:spcPts val="0"/>
+              </a:spcAft>
+              <a:buSzPts val="8000"/>
+              <a:buNone/>
+              <a:defRPr sz="16005"/>
             </a:lvl6pPr>
-            <a:lvl7pPr lvl="6" algn="ctr">
-              <a:spcBef>
-                <a:spcPct val="1000"/>
-              </a:spcBef>
-              <a:spcAft>
-                <a:spcPts val="0"/>
-              </a:spcAft>
-              <a:buClr>
-                <a:schemeClr val="accent5"/>
-              </a:buClr>
-              <a:buSzPts val="13000"/>
-              <a:buNone/>
-              <a:defRPr sz="26005">
-                <a:solidFill>
-                  <a:schemeClr val="accent5"/>
-                </a:solidFill>
-              </a:defRPr>
+            <a:lvl7pPr lvl="6">
+              <a:spcBef>
+                <a:spcPct val="1000"/>
+              </a:spcBef>
+              <a:spcAft>
+                <a:spcPts val="0"/>
+              </a:spcAft>
+              <a:buSzPts val="8000"/>
+              <a:buNone/>
+              <a:defRPr sz="16005"/>
             </a:lvl7pPr>
-            <a:lvl8pPr lvl="7" algn="ctr">
-              <a:spcBef>
-                <a:spcPct val="1000"/>
-              </a:spcBef>
-              <a:spcAft>
-                <a:spcPts val="0"/>
-              </a:spcAft>
-              <a:buClr>
-                <a:schemeClr val="accent5"/>
-              </a:buClr>
-              <a:buSzPts val="13000"/>
-              <a:buNone/>
-              <a:defRPr sz="26005">
-                <a:solidFill>
-                  <a:schemeClr val="accent5"/>
-                </a:solidFill>
-              </a:defRPr>
+            <a:lvl8pPr lvl="7">
+              <a:spcBef>
+                <a:spcPct val="1000"/>
+              </a:spcBef>
+              <a:spcAft>
+                <a:spcPts val="0"/>
+              </a:spcAft>
+              <a:buSzPts val="8000"/>
+              <a:buNone/>
+              <a:defRPr sz="16005"/>
             </a:lvl8pPr>
-            <a:lvl9pPr lvl="8" algn="ctr">
-              <a:spcBef>
-                <a:spcPct val="1000"/>
-              </a:spcBef>
-              <a:spcAft>
-                <a:spcPts val="0"/>
-              </a:spcAft>
-              <a:buClr>
-                <a:schemeClr val="accent5"/>
-              </a:buClr>
-              <a:buSzPts val="13000"/>
-              <a:buNone/>
-              <a:defRPr sz="26005">
-                <a:solidFill>
-                  <a:schemeClr val="accent5"/>
-                </a:solidFill>
-              </a:defRPr>
+            <a:lvl9pPr lvl="8">
+              <a:spcBef>
+                <a:spcPct val="1000"/>
+              </a:spcBef>
+              <a:spcAft>
+                <a:spcPts val="0"/>
+              </a:spcAft>
+              <a:buSzPts val="8000"/>
+              <a:buNone/>
+              <a:defRPr sz="16005"/>
             </a:lvl9pPr>
           </a:lstStyle>
           <a:p>
@@ -1743,7 +2418,7 @@
       </p:sp>
       <p:sp>
         <p:nvSpPr>
-          <p:cNvPr id="55" name="Google Shape;55;p11"/>
+          <p:cNvPr id="126" name="Google Shape;126;p11"/>
           <p:cNvSpPr txBox="1"/>
           <p:nvPr>
             <p:ph type="body" idx="1"/>
@@ -1751,8 +2426,8 @@
         </p:nvSpPr>
         <p:spPr>
           <a:xfrm>
-            <a:off x="775800" y="5839921"/>
-            <a:ext cx="16736400" cy="2143575"/>
+            <a:off x="1647700" y="5287173"/>
+            <a:ext cx="9552000" cy="2438226"/>
           </a:xfrm>
           <a:prstGeom prst="rect">
             <a:avLst/>
@@ -1763,102 +2438,102 @@
             <a:normAutofit/>
           </a:bodyPr>
           <a:lstStyle>
-            <a:lvl1pPr marL="914400" lvl="0" indent="-685800" algn="ctr">
-              <a:spcBef>
-                <a:spcPct val="1000"/>
-              </a:spcBef>
-              <a:spcAft>
-                <a:spcPts val="0"/>
-              </a:spcAft>
-              <a:buSzPts val="1800"/>
+            <a:lvl1pPr marL="914400" lvl="0" indent="-622300">
+              <a:spcBef>
+                <a:spcPct val="1000"/>
+              </a:spcBef>
+              <a:spcAft>
+                <a:spcPts val="0"/>
+              </a:spcAft>
+              <a:buSzPts val="1300"/>
               <a:buChar char="●"/>
               <a:defRPr/>
             </a:lvl1pPr>
-            <a:lvl2pPr marL="1829435" lvl="1" indent="-635000" algn="ctr">
-              <a:spcBef>
-                <a:spcPct val="1000"/>
-              </a:spcBef>
-              <a:spcAft>
-                <a:spcPts val="0"/>
-              </a:spcAft>
-              <a:buSzPts val="1400"/>
+            <a:lvl2pPr marL="1829435" lvl="1" indent="-596900">
+              <a:spcBef>
+                <a:spcPct val="1000"/>
+              </a:spcBef>
+              <a:spcAft>
+                <a:spcPts val="0"/>
+              </a:spcAft>
+              <a:buSzPts val="1100"/>
               <a:buChar char="○"/>
               <a:defRPr/>
             </a:lvl2pPr>
-            <a:lvl3pPr marL="2743835" lvl="2" indent="-635000" algn="ctr">
-              <a:spcBef>
-                <a:spcPct val="1000"/>
-              </a:spcBef>
-              <a:spcAft>
-                <a:spcPts val="0"/>
-              </a:spcAft>
-              <a:buSzPts val="1400"/>
+            <a:lvl3pPr marL="2743835" lvl="2" indent="-596900">
+              <a:spcBef>
+                <a:spcPct val="1000"/>
+              </a:spcBef>
+              <a:spcAft>
+                <a:spcPts val="0"/>
+              </a:spcAft>
+              <a:buSzPts val="1100"/>
               <a:buChar char="■"/>
               <a:defRPr/>
             </a:lvl3pPr>
-            <a:lvl4pPr marL="3658235" lvl="3" indent="-635000" algn="ctr">
-              <a:spcBef>
-                <a:spcPct val="1000"/>
-              </a:spcBef>
-              <a:spcAft>
-                <a:spcPts val="0"/>
-              </a:spcAft>
-              <a:buSzPts val="1400"/>
+            <a:lvl4pPr marL="3658235" lvl="3" indent="-596900">
+              <a:spcBef>
+                <a:spcPct val="1000"/>
+              </a:spcBef>
+              <a:spcAft>
+                <a:spcPts val="0"/>
+              </a:spcAft>
+              <a:buSzPts val="1100"/>
               <a:buChar char="●"/>
               <a:defRPr/>
             </a:lvl4pPr>
-            <a:lvl5pPr marL="4572635" lvl="4" indent="-635000" algn="ctr">
-              <a:spcBef>
-                <a:spcPct val="1000"/>
-              </a:spcBef>
-              <a:spcAft>
-                <a:spcPts val="0"/>
-              </a:spcAft>
-              <a:buSzPts val="1400"/>
+            <a:lvl5pPr marL="4572635" lvl="4" indent="-596900">
+              <a:spcBef>
+                <a:spcPct val="1000"/>
+              </a:spcBef>
+              <a:spcAft>
+                <a:spcPts val="0"/>
+              </a:spcAft>
+              <a:buSzPts val="1100"/>
               <a:buChar char="○"/>
               <a:defRPr/>
             </a:lvl5pPr>
-            <a:lvl6pPr marL="5487670" lvl="5" indent="-635000" algn="ctr">
-              <a:spcBef>
-                <a:spcPct val="1000"/>
-              </a:spcBef>
-              <a:spcAft>
-                <a:spcPts val="0"/>
-              </a:spcAft>
-              <a:buSzPts val="1400"/>
+            <a:lvl6pPr marL="5487670" lvl="5" indent="-596900">
+              <a:spcBef>
+                <a:spcPct val="1000"/>
+              </a:spcBef>
+              <a:spcAft>
+                <a:spcPts val="0"/>
+              </a:spcAft>
+              <a:buSzPts val="1100"/>
               <a:buChar char="■"/>
               <a:defRPr/>
             </a:lvl6pPr>
-            <a:lvl7pPr marL="6402070" lvl="6" indent="-635000" algn="ctr">
-              <a:spcBef>
-                <a:spcPct val="1000"/>
-              </a:spcBef>
-              <a:spcAft>
-                <a:spcPts val="0"/>
-              </a:spcAft>
-              <a:buSzPts val="1400"/>
+            <a:lvl7pPr marL="6402070" lvl="6" indent="-596900">
+              <a:spcBef>
+                <a:spcPct val="1000"/>
+              </a:spcBef>
+              <a:spcAft>
+                <a:spcPts val="0"/>
+              </a:spcAft>
+              <a:buSzPts val="1100"/>
               <a:buChar char="●"/>
               <a:defRPr/>
             </a:lvl7pPr>
-            <a:lvl8pPr marL="7316470" lvl="7" indent="-635000" algn="ctr">
-              <a:spcBef>
-                <a:spcPct val="1000"/>
-              </a:spcBef>
-              <a:spcAft>
-                <a:spcPts val="0"/>
-              </a:spcAft>
-              <a:buSzPts val="1400"/>
+            <a:lvl8pPr marL="7316470" lvl="7" indent="-596900">
+              <a:spcBef>
+                <a:spcPct val="1000"/>
+              </a:spcBef>
+              <a:spcAft>
+                <a:spcPts val="0"/>
+              </a:spcAft>
+              <a:buSzPts val="1100"/>
               <a:buChar char="○"/>
               <a:defRPr/>
             </a:lvl8pPr>
-            <a:lvl9pPr marL="8230870" lvl="8" indent="-635000" algn="ctr">
-              <a:spcBef>
-                <a:spcPct val="1000"/>
-              </a:spcBef>
-              <a:spcAft>
-                <a:spcPts val="0"/>
-              </a:spcAft>
-              <a:buSzPts val="1400"/>
+            <a:lvl9pPr marL="8230870" lvl="8" indent="-596900">
+              <a:spcBef>
+                <a:spcPct val="1000"/>
+              </a:spcBef>
+              <a:spcAft>
+                <a:spcPts val="0"/>
+              </a:spcAft>
+              <a:buSzPts val="1100"/>
               <a:buChar char="■"/>
               <a:defRPr/>
             </a:lvl9pPr>
@@ -1868,7 +2543,7 @@
       </p:sp>
       <p:sp>
         <p:nvSpPr>
-          <p:cNvPr id="56" name="Google Shape;56;p11"/>
+          <p:cNvPr id="127" name="Google Shape;127;p11"/>
           <p:cNvSpPr txBox="1"/>
           <p:nvPr>
             <p:ph type="sldNum" idx="12"/>
@@ -1955,7 +2630,7 @@
   <p:cSld name="BLANK">
     <p:spTree>
       <p:nvGrpSpPr>
-        <p:cNvPr id="57" name="Shape 57"/>
+        <p:cNvPr id="128" name="Shape 128"/>
         <p:cNvGrpSpPr/>
         <p:nvPr/>
       </p:nvGrpSpPr>
@@ -1969,7 +2644,7 @@
       </p:grpSpPr>
       <p:sp>
         <p:nvSpPr>
-          <p:cNvPr id="58" name="Google Shape;58;p12"/>
+          <p:cNvPr id="129" name="Google Shape;129;p12"/>
           <p:cNvSpPr txBox="1"/>
           <p:nvPr>
             <p:ph type="sldNum" idx="12"/>
@@ -2056,7 +2731,7 @@
   <p:cSld name="SECTION_HEADER">
     <p:spTree>
       <p:nvGrpSpPr>
-        <p:cNvPr id="16" name="Shape 16"/>
+        <p:cNvPr id="19" name="Shape 19"/>
         <p:cNvGrpSpPr/>
         <p:nvPr/>
       </p:nvGrpSpPr>
@@ -2068,35 +2743,812 @@
           <a:chExt cx="0" cy="0"/>
         </a:xfrm>
       </p:grpSpPr>
-      <p:cxnSp>
-        <p:nvCxnSpPr>
-          <p:cNvPr id="17" name="Google Shape;17;p3"/>
-          <p:cNvCxnSpPr/>
+      <p:grpSp>
+        <p:nvGrpSpPr>
+          <p:cNvPr id="20" name="Google Shape;20;p3"/>
+          <p:cNvGrpSpPr/>
           <p:nvPr/>
-        </p:nvCxnSpPr>
-        <p:spPr>
+        </p:nvGrpSpPr>
+        <p:grpSpPr>
           <a:xfrm>
-            <a:off x="8719204" y="5635914"/>
-            <a:ext cx="849600" cy="0"/>
+            <a:off x="8812800" y="0"/>
+            <a:ext cx="9475200" cy="10287929"/>
+            <a:chOff x="4406400" y="0"/>
+            <a:chExt cx="4737600" cy="5143065"/>
           </a:xfrm>
-          <a:prstGeom prst="straightConnector1">
-            <a:avLst/>
-          </a:prstGeom>
-          <a:noFill/>
-          <a:ln w="38100" cap="flat" cmpd="sng">
+        </p:grpSpPr>
+        <p:sp>
+          <p:nvSpPr>
+            <p:cNvPr id="21" name="Google Shape;21;p3"/>
+            <p:cNvSpPr/>
+            <p:nvPr/>
+          </p:nvSpPr>
+          <p:spPr>
+            <a:xfrm rot="5400000">
+              <a:off x="4408200" y="-1800"/>
+              <a:ext cx="4734000" cy="4737600"/>
+            </a:xfrm>
+            <a:prstGeom prst="diagStripe">
+              <a:avLst>
+                <a:gd name="adj" fmla="val 49469"/>
+              </a:avLst>
+            </a:prstGeom>
             <a:solidFill>
-              <a:schemeClr val="accent4"/>
+              <a:schemeClr val="lt1">
+                <a:alpha val="3460"/>
+              </a:schemeClr>
             </a:solidFill>
-            <a:prstDash val="solid"/>
-            <a:round/>
-            <a:headEnd type="none" w="sm" len="sm"/>
-            <a:tailEnd type="none" w="sm" len="sm"/>
-          </a:ln>
-        </p:spPr>
-      </p:cxnSp>
+            <a:ln>
+              <a:noFill/>
+            </a:ln>
+          </p:spPr>
+          <p:txBody>
+            <a:bodyPr spcFirstLastPara="1" wrap="square" lIns="182850" tIns="182850" rIns="182850" bIns="182850" anchor="ctr" anchorCtr="0">
+              <a:noAutofit/>
+            </a:bodyPr>
+            <a:lstStyle/>
+            <a:p>
+              <a:pPr marL="0" lvl="0" indent="0" algn="l" rtl="0">
+                <a:spcBef>
+                  <a:spcPts val="0"/>
+                </a:spcBef>
+                <a:spcAft>
+                  <a:spcPts val="0"/>
+                </a:spcAft>
+                <a:buNone/>
+              </a:pPr>
+              <a:endParaRPr sz="2800"/>
+            </a:p>
+          </p:txBody>
+        </p:sp>
+        <p:sp>
+          <p:nvSpPr>
+            <p:cNvPr id="22" name="Google Shape;22;p3"/>
+            <p:cNvSpPr/>
+            <p:nvPr/>
+          </p:nvSpPr>
+          <p:spPr>
+            <a:xfrm rot="5400000">
+              <a:off x="4841125" y="5700"/>
+              <a:ext cx="4298100" cy="4286700"/>
+            </a:xfrm>
+            <a:prstGeom prst="diagStripe">
+              <a:avLst>
+                <a:gd name="adj" fmla="val 0"/>
+              </a:avLst>
+            </a:prstGeom>
+            <a:solidFill>
+              <a:schemeClr val="lt1">
+                <a:alpha val="3460"/>
+              </a:schemeClr>
+            </a:solidFill>
+            <a:ln>
+              <a:noFill/>
+            </a:ln>
+          </p:spPr>
+          <p:txBody>
+            <a:bodyPr spcFirstLastPara="1" wrap="square" lIns="182850" tIns="182850" rIns="182850" bIns="182850" anchor="ctr" anchorCtr="0">
+              <a:noAutofit/>
+            </a:bodyPr>
+            <a:lstStyle/>
+            <a:p>
+              <a:pPr marL="0" lvl="0" indent="0" algn="l" rtl="0">
+                <a:spcBef>
+                  <a:spcPts val="0"/>
+                </a:spcBef>
+                <a:spcAft>
+                  <a:spcPts val="0"/>
+                </a:spcAft>
+                <a:buNone/>
+              </a:pPr>
+              <a:endParaRPr sz="2800"/>
+            </a:p>
+          </p:txBody>
+        </p:sp>
+        <p:sp>
+          <p:nvSpPr>
+            <p:cNvPr id="23" name="Google Shape;23;p3"/>
+            <p:cNvSpPr/>
+            <p:nvPr/>
+          </p:nvSpPr>
+          <p:spPr>
+            <a:xfrm rot="-5400000">
+              <a:off x="5618399" y="1236468"/>
+              <a:ext cx="808800" cy="808800"/>
+            </a:xfrm>
+            <a:prstGeom prst="diagStripe">
+              <a:avLst>
+                <a:gd name="adj" fmla="val 50000"/>
+              </a:avLst>
+            </a:prstGeom>
+            <a:solidFill>
+              <a:schemeClr val="lt1">
+                <a:alpha val="7310"/>
+              </a:schemeClr>
+            </a:solidFill>
+            <a:ln>
+              <a:noFill/>
+            </a:ln>
+          </p:spPr>
+          <p:txBody>
+            <a:bodyPr spcFirstLastPara="1" wrap="square" lIns="182850" tIns="182850" rIns="182850" bIns="182850" anchor="ctr" anchorCtr="0">
+              <a:noAutofit/>
+            </a:bodyPr>
+            <a:lstStyle/>
+            <a:p>
+              <a:pPr marL="0" lvl="0" indent="0" algn="l" rtl="0">
+                <a:spcBef>
+                  <a:spcPts val="0"/>
+                </a:spcBef>
+                <a:spcAft>
+                  <a:spcPts val="0"/>
+                </a:spcAft>
+                <a:buNone/>
+              </a:pPr>
+              <a:endParaRPr sz="2800"/>
+            </a:p>
+          </p:txBody>
+        </p:sp>
+        <p:sp>
+          <p:nvSpPr>
+            <p:cNvPr id="24" name="Google Shape;24;p3"/>
+            <p:cNvSpPr/>
+            <p:nvPr/>
+          </p:nvSpPr>
+          <p:spPr>
+            <a:xfrm flipH="1">
+              <a:off x="5849857" y="1443956"/>
+              <a:ext cx="808800" cy="808800"/>
+            </a:xfrm>
+            <a:prstGeom prst="diagStripe">
+              <a:avLst>
+                <a:gd name="adj" fmla="val 50000"/>
+              </a:avLst>
+            </a:prstGeom>
+            <a:solidFill>
+              <a:schemeClr val="lt1">
+                <a:alpha val="7310"/>
+              </a:schemeClr>
+            </a:solidFill>
+            <a:ln>
+              <a:noFill/>
+            </a:ln>
+          </p:spPr>
+          <p:txBody>
+            <a:bodyPr spcFirstLastPara="1" wrap="square" lIns="182850" tIns="182850" rIns="182850" bIns="182850" anchor="ctr" anchorCtr="0">
+              <a:noAutofit/>
+            </a:bodyPr>
+            <a:lstStyle/>
+            <a:p>
+              <a:pPr marL="0" lvl="0" indent="0" algn="l" rtl="0">
+                <a:spcBef>
+                  <a:spcPts val="0"/>
+                </a:spcBef>
+                <a:spcAft>
+                  <a:spcPts val="0"/>
+                </a:spcAft>
+                <a:buNone/>
+              </a:pPr>
+              <a:endParaRPr sz="2800"/>
+            </a:p>
+          </p:txBody>
+        </p:sp>
+        <p:sp>
+          <p:nvSpPr>
+            <p:cNvPr id="25" name="Google Shape;25;p3"/>
+            <p:cNvSpPr/>
+            <p:nvPr/>
+          </p:nvSpPr>
+          <p:spPr>
+            <a:xfrm rot="-5400000">
+              <a:off x="5987081" y="2469465"/>
+              <a:ext cx="808800" cy="808800"/>
+            </a:xfrm>
+            <a:prstGeom prst="diagStripe">
+              <a:avLst>
+                <a:gd name="adj" fmla="val 50000"/>
+              </a:avLst>
+            </a:prstGeom>
+            <a:solidFill>
+              <a:schemeClr val="lt1">
+                <a:alpha val="7310"/>
+              </a:schemeClr>
+            </a:solidFill>
+            <a:ln>
+              <a:noFill/>
+            </a:ln>
+          </p:spPr>
+          <p:txBody>
+            <a:bodyPr spcFirstLastPara="1" wrap="square" lIns="182850" tIns="182850" rIns="182850" bIns="182850" anchor="ctr" anchorCtr="0">
+              <a:noAutofit/>
+            </a:bodyPr>
+            <a:lstStyle/>
+            <a:p>
+              <a:pPr marL="0" lvl="0" indent="0" algn="l" rtl="0">
+                <a:spcBef>
+                  <a:spcPts val="0"/>
+                </a:spcBef>
+                <a:spcAft>
+                  <a:spcPts val="0"/>
+                </a:spcAft>
+                <a:buNone/>
+              </a:pPr>
+              <a:endParaRPr sz="2800"/>
+            </a:p>
+          </p:txBody>
+        </p:sp>
+        <p:sp>
+          <p:nvSpPr>
+            <p:cNvPr id="26" name="Google Shape;26;p3"/>
+            <p:cNvSpPr/>
+            <p:nvPr/>
+          </p:nvSpPr>
+          <p:spPr>
+            <a:xfrm flipH="1">
+              <a:off x="6222115" y="2676953"/>
+              <a:ext cx="808800" cy="808800"/>
+            </a:xfrm>
+            <a:prstGeom prst="diagStripe">
+              <a:avLst>
+                <a:gd name="adj" fmla="val 50000"/>
+              </a:avLst>
+            </a:prstGeom>
+            <a:solidFill>
+              <a:schemeClr val="lt1">
+                <a:alpha val="7310"/>
+              </a:schemeClr>
+            </a:solidFill>
+            <a:ln>
+              <a:noFill/>
+            </a:ln>
+          </p:spPr>
+          <p:txBody>
+            <a:bodyPr spcFirstLastPara="1" wrap="square" lIns="182850" tIns="182850" rIns="182850" bIns="182850" anchor="ctr" anchorCtr="0">
+              <a:noAutofit/>
+            </a:bodyPr>
+            <a:lstStyle/>
+            <a:p>
+              <a:pPr marL="0" lvl="0" indent="0" algn="l" rtl="0">
+                <a:spcBef>
+                  <a:spcPts val="0"/>
+                </a:spcBef>
+                <a:spcAft>
+                  <a:spcPts val="0"/>
+                </a:spcAft>
+                <a:buNone/>
+              </a:pPr>
+              <a:endParaRPr sz="2800"/>
+            </a:p>
+          </p:txBody>
+        </p:sp>
+        <p:sp>
+          <p:nvSpPr>
+            <p:cNvPr id="27" name="Google Shape;27;p3"/>
+            <p:cNvSpPr/>
+            <p:nvPr/>
+          </p:nvSpPr>
+          <p:spPr>
+            <a:xfrm rot="-5400000">
+              <a:off x="6675341" y="1862018"/>
+              <a:ext cx="808800" cy="808800"/>
+            </a:xfrm>
+            <a:prstGeom prst="diagStripe">
+              <a:avLst>
+                <a:gd name="adj" fmla="val 50000"/>
+              </a:avLst>
+            </a:prstGeom>
+            <a:solidFill>
+              <a:schemeClr val="lt1">
+                <a:alpha val="7310"/>
+              </a:schemeClr>
+            </a:solidFill>
+            <a:ln>
+              <a:noFill/>
+            </a:ln>
+          </p:spPr>
+          <p:txBody>
+            <a:bodyPr spcFirstLastPara="1" wrap="square" lIns="182850" tIns="182850" rIns="182850" bIns="182850" anchor="ctr" anchorCtr="0">
+              <a:noAutofit/>
+            </a:bodyPr>
+            <a:lstStyle/>
+            <a:p>
+              <a:pPr marL="0" lvl="0" indent="0" algn="l" rtl="0">
+                <a:spcBef>
+                  <a:spcPts val="0"/>
+                </a:spcBef>
+                <a:spcAft>
+                  <a:spcPts val="0"/>
+                </a:spcAft>
+                <a:buNone/>
+              </a:pPr>
+              <a:endParaRPr sz="2800"/>
+            </a:p>
+          </p:txBody>
+        </p:sp>
+        <p:sp>
+          <p:nvSpPr>
+            <p:cNvPr id="28" name="Google Shape;28;p3"/>
+            <p:cNvSpPr/>
+            <p:nvPr/>
+          </p:nvSpPr>
+          <p:spPr>
+            <a:xfrm flipH="1">
+              <a:off x="6908099" y="2069505"/>
+              <a:ext cx="808800" cy="808800"/>
+            </a:xfrm>
+            <a:prstGeom prst="diagStripe">
+              <a:avLst>
+                <a:gd name="adj" fmla="val 50000"/>
+              </a:avLst>
+            </a:prstGeom>
+            <a:solidFill>
+              <a:schemeClr val="lt2"/>
+            </a:solidFill>
+            <a:ln>
+              <a:noFill/>
+            </a:ln>
+          </p:spPr>
+          <p:txBody>
+            <a:bodyPr spcFirstLastPara="1" wrap="square" lIns="182850" tIns="182850" rIns="182850" bIns="182850" anchor="ctr" anchorCtr="0">
+              <a:noAutofit/>
+            </a:bodyPr>
+            <a:lstStyle/>
+            <a:p>
+              <a:pPr marL="0" lvl="0" indent="0" algn="l" rtl="0">
+                <a:spcBef>
+                  <a:spcPts val="0"/>
+                </a:spcBef>
+                <a:spcAft>
+                  <a:spcPts val="0"/>
+                </a:spcAft>
+                <a:buNone/>
+              </a:pPr>
+              <a:endParaRPr sz="2800"/>
+            </a:p>
+          </p:txBody>
+        </p:sp>
+        <p:sp>
+          <p:nvSpPr>
+            <p:cNvPr id="29" name="Google Shape;29;p3"/>
+            <p:cNvSpPr/>
+            <p:nvPr/>
+          </p:nvSpPr>
+          <p:spPr>
+            <a:xfrm rot="-5400000">
+              <a:off x="6861141" y="2477810"/>
+              <a:ext cx="808800" cy="808800"/>
+            </a:xfrm>
+            <a:prstGeom prst="diagStripe">
+              <a:avLst>
+                <a:gd name="adj" fmla="val 50000"/>
+              </a:avLst>
+            </a:prstGeom>
+            <a:solidFill>
+              <a:schemeClr val="lt1">
+                <a:alpha val="7310"/>
+              </a:schemeClr>
+            </a:solidFill>
+            <a:ln>
+              <a:noFill/>
+            </a:ln>
+          </p:spPr>
+          <p:txBody>
+            <a:bodyPr spcFirstLastPara="1" wrap="square" lIns="182850" tIns="182850" rIns="182850" bIns="182850" anchor="ctr" anchorCtr="0">
+              <a:noAutofit/>
+            </a:bodyPr>
+            <a:lstStyle/>
+            <a:p>
+              <a:pPr marL="0" lvl="0" indent="0" algn="l" rtl="0">
+                <a:spcBef>
+                  <a:spcPts val="0"/>
+                </a:spcBef>
+                <a:spcAft>
+                  <a:spcPts val="0"/>
+                </a:spcAft>
+                <a:buNone/>
+              </a:pPr>
+              <a:endParaRPr sz="2800"/>
+            </a:p>
+          </p:txBody>
+        </p:sp>
+        <p:sp>
+          <p:nvSpPr>
+            <p:cNvPr id="30" name="Google Shape;30;p3"/>
+            <p:cNvSpPr/>
+            <p:nvPr/>
+          </p:nvSpPr>
+          <p:spPr>
+            <a:xfrm flipH="1">
+              <a:off x="7965266" y="2692963"/>
+              <a:ext cx="808800" cy="808800"/>
+            </a:xfrm>
+            <a:prstGeom prst="diagStripe">
+              <a:avLst>
+                <a:gd name="adj" fmla="val 50000"/>
+              </a:avLst>
+            </a:prstGeom>
+            <a:solidFill>
+              <a:schemeClr val="lt1">
+                <a:alpha val="7310"/>
+              </a:schemeClr>
+            </a:solidFill>
+            <a:ln>
+              <a:noFill/>
+            </a:ln>
+          </p:spPr>
+          <p:txBody>
+            <a:bodyPr spcFirstLastPara="1" wrap="square" lIns="182850" tIns="182850" rIns="182850" bIns="182850" anchor="ctr" anchorCtr="0">
+              <a:noAutofit/>
+            </a:bodyPr>
+            <a:lstStyle/>
+            <a:p>
+              <a:pPr marL="0" lvl="0" indent="0" algn="l" rtl="0">
+                <a:spcBef>
+                  <a:spcPts val="0"/>
+                </a:spcBef>
+                <a:spcAft>
+                  <a:spcPts val="0"/>
+                </a:spcAft>
+                <a:buNone/>
+              </a:pPr>
+              <a:endParaRPr sz="2800"/>
+            </a:p>
+          </p:txBody>
+        </p:sp>
+        <p:sp>
+          <p:nvSpPr>
+            <p:cNvPr id="31" name="Google Shape;31;p3"/>
+            <p:cNvSpPr/>
+            <p:nvPr/>
+          </p:nvSpPr>
+          <p:spPr>
+            <a:xfrm flipH="1">
+              <a:off x="8145082" y="3308755"/>
+              <a:ext cx="808800" cy="808800"/>
+            </a:xfrm>
+            <a:prstGeom prst="diagStripe">
+              <a:avLst>
+                <a:gd name="adj" fmla="val 50000"/>
+              </a:avLst>
+            </a:prstGeom>
+            <a:solidFill>
+              <a:schemeClr val="lt1">
+                <a:alpha val="7310"/>
+              </a:schemeClr>
+            </a:solidFill>
+            <a:ln>
+              <a:noFill/>
+            </a:ln>
+          </p:spPr>
+          <p:txBody>
+            <a:bodyPr spcFirstLastPara="1" wrap="square" lIns="182850" tIns="182850" rIns="182850" bIns="182850" anchor="ctr" anchorCtr="0">
+              <a:noAutofit/>
+            </a:bodyPr>
+            <a:lstStyle/>
+            <a:p>
+              <a:pPr marL="0" lvl="0" indent="0" algn="l" rtl="0">
+                <a:spcBef>
+                  <a:spcPts val="0"/>
+                </a:spcBef>
+                <a:spcAft>
+                  <a:spcPts val="0"/>
+                </a:spcAft>
+                <a:buNone/>
+              </a:pPr>
+              <a:endParaRPr sz="2800"/>
+            </a:p>
+          </p:txBody>
+        </p:sp>
+        <p:sp>
+          <p:nvSpPr>
+            <p:cNvPr id="32" name="Google Shape;32;p3"/>
+            <p:cNvSpPr/>
+            <p:nvPr/>
+          </p:nvSpPr>
+          <p:spPr>
+            <a:xfrm rot="-5400000">
+              <a:off x="7047599" y="3095015"/>
+              <a:ext cx="808800" cy="808800"/>
+            </a:xfrm>
+            <a:prstGeom prst="diagStripe">
+              <a:avLst>
+                <a:gd name="adj" fmla="val 50000"/>
+              </a:avLst>
+            </a:prstGeom>
+            <a:solidFill>
+              <a:schemeClr val="lt1">
+                <a:alpha val="7310"/>
+              </a:schemeClr>
+            </a:solidFill>
+            <a:ln>
+              <a:noFill/>
+            </a:ln>
+          </p:spPr>
+          <p:txBody>
+            <a:bodyPr spcFirstLastPara="1" wrap="square" lIns="182850" tIns="182850" rIns="182850" bIns="182850" anchor="ctr" anchorCtr="0">
+              <a:noAutofit/>
+            </a:bodyPr>
+            <a:lstStyle/>
+            <a:p>
+              <a:pPr marL="0" lvl="0" indent="0" algn="l" rtl="0">
+                <a:spcBef>
+                  <a:spcPts val="0"/>
+                </a:spcBef>
+                <a:spcAft>
+                  <a:spcPts val="0"/>
+                </a:spcAft>
+                <a:buNone/>
+              </a:pPr>
+              <a:endParaRPr sz="2800"/>
+            </a:p>
+          </p:txBody>
+        </p:sp>
+        <p:sp>
+          <p:nvSpPr>
+            <p:cNvPr id="33" name="Google Shape;33;p3"/>
+            <p:cNvSpPr/>
+            <p:nvPr/>
+          </p:nvSpPr>
+          <p:spPr>
+            <a:xfrm flipH="1">
+              <a:off x="7276649" y="3302502"/>
+              <a:ext cx="808800" cy="808800"/>
+            </a:xfrm>
+            <a:prstGeom prst="diagStripe">
+              <a:avLst>
+                <a:gd name="adj" fmla="val 50000"/>
+              </a:avLst>
+            </a:prstGeom>
+            <a:solidFill>
+              <a:schemeClr val="lt1">
+                <a:alpha val="7310"/>
+              </a:schemeClr>
+            </a:solidFill>
+            <a:ln>
+              <a:noFill/>
+            </a:ln>
+          </p:spPr>
+          <p:txBody>
+            <a:bodyPr spcFirstLastPara="1" wrap="square" lIns="182850" tIns="182850" rIns="182850" bIns="182850" anchor="ctr" anchorCtr="0">
+              <a:noAutofit/>
+            </a:bodyPr>
+            <a:lstStyle/>
+            <a:p>
+              <a:pPr marL="0" lvl="0" indent="0" algn="l" rtl="0">
+                <a:spcBef>
+                  <a:spcPts val="0"/>
+                </a:spcBef>
+                <a:spcAft>
+                  <a:spcPts val="0"/>
+                </a:spcAft>
+                <a:buNone/>
+              </a:pPr>
+              <a:endParaRPr sz="2800"/>
+            </a:p>
+          </p:txBody>
+        </p:sp>
+        <p:sp>
+          <p:nvSpPr>
+            <p:cNvPr id="34" name="Google Shape;34;p3"/>
+            <p:cNvSpPr/>
+            <p:nvPr/>
+          </p:nvSpPr>
+          <p:spPr>
+            <a:xfrm rot="-5400000">
+              <a:off x="7227414" y="3710807"/>
+              <a:ext cx="808800" cy="808800"/>
+            </a:xfrm>
+            <a:prstGeom prst="diagStripe">
+              <a:avLst>
+                <a:gd name="adj" fmla="val 50000"/>
+              </a:avLst>
+            </a:prstGeom>
+            <a:solidFill>
+              <a:schemeClr val="accent1"/>
+            </a:solidFill>
+            <a:ln>
+              <a:noFill/>
+            </a:ln>
+          </p:spPr>
+          <p:txBody>
+            <a:bodyPr spcFirstLastPara="1" wrap="square" lIns="182850" tIns="182850" rIns="182850" bIns="182850" anchor="ctr" anchorCtr="0">
+              <a:noAutofit/>
+            </a:bodyPr>
+            <a:lstStyle/>
+            <a:p>
+              <a:pPr marL="0" lvl="0" indent="0" algn="l" rtl="0">
+                <a:spcBef>
+                  <a:spcPts val="0"/>
+                </a:spcBef>
+                <a:spcAft>
+                  <a:spcPts val="0"/>
+                </a:spcAft>
+                <a:buNone/>
+              </a:pPr>
+              <a:endParaRPr sz="2800"/>
+            </a:p>
+          </p:txBody>
+        </p:sp>
+        <p:sp>
+          <p:nvSpPr>
+            <p:cNvPr id="35" name="Google Shape;35;p3"/>
+            <p:cNvSpPr/>
+            <p:nvPr/>
+          </p:nvSpPr>
+          <p:spPr>
+            <a:xfrm flipH="1">
+              <a:off x="7462448" y="3918294"/>
+              <a:ext cx="808800" cy="808800"/>
+            </a:xfrm>
+            <a:prstGeom prst="diagStripe">
+              <a:avLst>
+                <a:gd name="adj" fmla="val 50000"/>
+              </a:avLst>
+            </a:prstGeom>
+            <a:solidFill>
+              <a:schemeClr val="lt1">
+                <a:alpha val="7310"/>
+              </a:schemeClr>
+            </a:solidFill>
+            <a:ln>
+              <a:noFill/>
+            </a:ln>
+          </p:spPr>
+          <p:txBody>
+            <a:bodyPr spcFirstLastPara="1" wrap="square" lIns="182850" tIns="182850" rIns="182850" bIns="182850" anchor="ctr" anchorCtr="0">
+              <a:noAutofit/>
+            </a:bodyPr>
+            <a:lstStyle/>
+            <a:p>
+              <a:pPr marL="0" lvl="0" indent="0" algn="l" rtl="0">
+                <a:spcBef>
+                  <a:spcPts val="0"/>
+                </a:spcBef>
+                <a:spcAft>
+                  <a:spcPts val="0"/>
+                </a:spcAft>
+                <a:buNone/>
+              </a:pPr>
+              <a:endParaRPr sz="2800"/>
+            </a:p>
+          </p:txBody>
+        </p:sp>
+        <p:sp>
+          <p:nvSpPr>
+            <p:cNvPr id="36" name="Google Shape;36;p3"/>
+            <p:cNvSpPr/>
+            <p:nvPr/>
+          </p:nvSpPr>
+          <p:spPr>
+            <a:xfrm rot="-5400000">
+              <a:off x="8102491" y="3718473"/>
+              <a:ext cx="808800" cy="808800"/>
+            </a:xfrm>
+            <a:prstGeom prst="diagStripe">
+              <a:avLst>
+                <a:gd name="adj" fmla="val 50000"/>
+              </a:avLst>
+            </a:prstGeom>
+            <a:solidFill>
+              <a:schemeClr val="lt1">
+                <a:alpha val="7310"/>
+              </a:schemeClr>
+            </a:solidFill>
+            <a:ln>
+              <a:noFill/>
+            </a:ln>
+          </p:spPr>
+          <p:txBody>
+            <a:bodyPr spcFirstLastPara="1" wrap="square" lIns="182850" tIns="182850" rIns="182850" bIns="182850" anchor="ctr" anchorCtr="0">
+              <a:noAutofit/>
+            </a:bodyPr>
+            <a:lstStyle/>
+            <a:p>
+              <a:pPr marL="0" lvl="0" indent="0" algn="l" rtl="0">
+                <a:spcBef>
+                  <a:spcPts val="0"/>
+                </a:spcBef>
+                <a:spcAft>
+                  <a:spcPts val="0"/>
+                </a:spcAft>
+                <a:buNone/>
+              </a:pPr>
+              <a:endParaRPr sz="2800"/>
+            </a:p>
+          </p:txBody>
+        </p:sp>
+        <p:sp>
+          <p:nvSpPr>
+            <p:cNvPr id="37" name="Google Shape;37;p3"/>
+            <p:cNvSpPr/>
+            <p:nvPr/>
+          </p:nvSpPr>
+          <p:spPr>
+            <a:xfrm flipH="1">
+              <a:off x="8334533" y="3925960"/>
+              <a:ext cx="808800" cy="808800"/>
+            </a:xfrm>
+            <a:prstGeom prst="diagStripe">
+              <a:avLst>
+                <a:gd name="adj" fmla="val 50000"/>
+              </a:avLst>
+            </a:prstGeom>
+            <a:solidFill>
+              <a:schemeClr val="lt1">
+                <a:alpha val="7310"/>
+              </a:schemeClr>
+            </a:solidFill>
+            <a:ln>
+              <a:noFill/>
+            </a:ln>
+          </p:spPr>
+          <p:txBody>
+            <a:bodyPr spcFirstLastPara="1" wrap="square" lIns="182850" tIns="182850" rIns="182850" bIns="182850" anchor="ctr" anchorCtr="0">
+              <a:noAutofit/>
+            </a:bodyPr>
+            <a:lstStyle/>
+            <a:p>
+              <a:pPr marL="0" lvl="0" indent="0" algn="l" rtl="0">
+                <a:spcBef>
+                  <a:spcPts val="0"/>
+                </a:spcBef>
+                <a:spcAft>
+                  <a:spcPts val="0"/>
+                </a:spcAft>
+                <a:buNone/>
+              </a:pPr>
+              <a:endParaRPr sz="2800"/>
+            </a:p>
+          </p:txBody>
+        </p:sp>
+        <p:sp>
+          <p:nvSpPr>
+            <p:cNvPr id="38" name="Google Shape;38;p3"/>
+            <p:cNvSpPr/>
+            <p:nvPr/>
+          </p:nvSpPr>
+          <p:spPr>
+            <a:xfrm rot="-5400000">
+              <a:off x="8288290" y="4334265"/>
+              <a:ext cx="808800" cy="808800"/>
+            </a:xfrm>
+            <a:prstGeom prst="diagStripe">
+              <a:avLst>
+                <a:gd name="adj" fmla="val 50000"/>
+              </a:avLst>
+            </a:prstGeom>
+            <a:solidFill>
+              <a:schemeClr val="lt1">
+                <a:alpha val="7310"/>
+              </a:schemeClr>
+            </a:solidFill>
+            <a:ln>
+              <a:noFill/>
+            </a:ln>
+          </p:spPr>
+          <p:txBody>
+            <a:bodyPr spcFirstLastPara="1" wrap="square" lIns="182850" tIns="182850" rIns="182850" bIns="182850" anchor="ctr" anchorCtr="0">
+              <a:noAutofit/>
+            </a:bodyPr>
+            <a:lstStyle/>
+            <a:p>
+              <a:pPr marL="0" lvl="0" indent="0" algn="l" rtl="0">
+                <a:spcBef>
+                  <a:spcPts val="0"/>
+                </a:spcBef>
+                <a:spcAft>
+                  <a:spcPts val="0"/>
+                </a:spcAft>
+                <a:buNone/>
+              </a:pPr>
+              <a:endParaRPr sz="2800"/>
+            </a:p>
+          </p:txBody>
+        </p:sp>
+      </p:grpSp>
       <p:sp>
         <p:nvSpPr>
-          <p:cNvPr id="18" name="Google Shape;18;p3"/>
+          <p:cNvPr id="39" name="Google Shape;39;p3"/>
           <p:cNvSpPr txBox="1"/>
           <p:nvPr>
             <p:ph type="title"/>
@@ -2104,116 +3556,116 @@
         </p:nvSpPr>
         <p:spPr>
           <a:xfrm>
-            <a:off x="961500" y="3530518"/>
-            <a:ext cx="16444200" cy="1815318"/>
+            <a:off x="1647700" y="4106718"/>
+            <a:ext cx="9174000" cy="2297802"/>
           </a:xfrm>
           <a:prstGeom prst="rect">
             <a:avLst/>
           </a:prstGeom>
         </p:spPr>
         <p:txBody>
-          <a:bodyPr spcFirstLastPara="1" wrap="square" lIns="91425" tIns="91425" rIns="91425" bIns="91425" anchor="b" anchorCtr="0">
+          <a:bodyPr spcFirstLastPara="1" wrap="square" lIns="91425" tIns="91425" rIns="91425" bIns="91425" anchor="ctr" anchorCtr="0">
             <a:normAutofit/>
           </a:bodyPr>
           <a:lstStyle>
-            <a:lvl1pPr lvl="0" algn="ctr">
-              <a:spcBef>
-                <a:spcPct val="1000"/>
-              </a:spcBef>
-              <a:spcAft>
-                <a:spcPts val="0"/>
-              </a:spcAft>
-              <a:buSzPts val="4800"/>
-              <a:buNone/>
-              <a:defRPr sz="9600"/>
+            <a:lvl1pPr lvl="0">
+              <a:spcBef>
+                <a:spcPct val="1000"/>
+              </a:spcBef>
+              <a:spcAft>
+                <a:spcPts val="0"/>
+              </a:spcAft>
+              <a:buSzPts val="2800"/>
+              <a:buNone/>
+              <a:defRPr/>
             </a:lvl1pPr>
-            <a:lvl2pPr lvl="1" algn="ctr">
-              <a:spcBef>
-                <a:spcPct val="1000"/>
-              </a:spcBef>
-              <a:spcAft>
-                <a:spcPts val="0"/>
-              </a:spcAft>
-              <a:buSzPts val="4800"/>
-              <a:buNone/>
-              <a:defRPr sz="9600"/>
+            <a:lvl2pPr lvl="1">
+              <a:spcBef>
+                <a:spcPct val="1000"/>
+              </a:spcBef>
+              <a:spcAft>
+                <a:spcPts val="0"/>
+              </a:spcAft>
+              <a:buSzPts val="2800"/>
+              <a:buNone/>
+              <a:defRPr/>
             </a:lvl2pPr>
-            <a:lvl3pPr lvl="2" algn="ctr">
-              <a:spcBef>
-                <a:spcPct val="1000"/>
-              </a:spcBef>
-              <a:spcAft>
-                <a:spcPts val="0"/>
-              </a:spcAft>
-              <a:buSzPts val="4800"/>
-              <a:buNone/>
-              <a:defRPr sz="9600"/>
+            <a:lvl3pPr lvl="2">
+              <a:spcBef>
+                <a:spcPct val="1000"/>
+              </a:spcBef>
+              <a:spcAft>
+                <a:spcPts val="0"/>
+              </a:spcAft>
+              <a:buSzPts val="2800"/>
+              <a:buNone/>
+              <a:defRPr/>
             </a:lvl3pPr>
-            <a:lvl4pPr lvl="3" algn="ctr">
-              <a:spcBef>
-                <a:spcPct val="1000"/>
-              </a:spcBef>
-              <a:spcAft>
-                <a:spcPts val="0"/>
-              </a:spcAft>
-              <a:buSzPts val="4800"/>
-              <a:buNone/>
-              <a:defRPr sz="9600"/>
+            <a:lvl4pPr lvl="3">
+              <a:spcBef>
+                <a:spcPct val="1000"/>
+              </a:spcBef>
+              <a:spcAft>
+                <a:spcPts val="0"/>
+              </a:spcAft>
+              <a:buSzPts val="2800"/>
+              <a:buNone/>
+              <a:defRPr/>
             </a:lvl4pPr>
-            <a:lvl5pPr lvl="4" algn="ctr">
-              <a:spcBef>
-                <a:spcPct val="1000"/>
-              </a:spcBef>
-              <a:spcAft>
-                <a:spcPts val="0"/>
-              </a:spcAft>
-              <a:buSzPts val="4800"/>
-              <a:buNone/>
-              <a:defRPr sz="9600"/>
+            <a:lvl5pPr lvl="4">
+              <a:spcBef>
+                <a:spcPct val="1000"/>
+              </a:spcBef>
+              <a:spcAft>
+                <a:spcPts val="0"/>
+              </a:spcAft>
+              <a:buSzPts val="2800"/>
+              <a:buNone/>
+              <a:defRPr/>
             </a:lvl5pPr>
-            <a:lvl6pPr lvl="5" algn="ctr">
-              <a:spcBef>
-                <a:spcPct val="1000"/>
-              </a:spcBef>
-              <a:spcAft>
-                <a:spcPts val="0"/>
-              </a:spcAft>
-              <a:buSzPts val="4800"/>
-              <a:buNone/>
-              <a:defRPr sz="9600"/>
+            <a:lvl6pPr lvl="5">
+              <a:spcBef>
+                <a:spcPct val="1000"/>
+              </a:spcBef>
+              <a:spcAft>
+                <a:spcPts val="0"/>
+              </a:spcAft>
+              <a:buSzPts val="2800"/>
+              <a:buNone/>
+              <a:defRPr/>
             </a:lvl6pPr>
-            <a:lvl7pPr lvl="6" algn="ctr">
-              <a:spcBef>
-                <a:spcPct val="1000"/>
-              </a:spcBef>
-              <a:spcAft>
-                <a:spcPts val="0"/>
-              </a:spcAft>
-              <a:buSzPts val="4800"/>
-              <a:buNone/>
-              <a:defRPr sz="9600"/>
+            <a:lvl7pPr lvl="6">
+              <a:spcBef>
+                <a:spcPct val="1000"/>
+              </a:spcBef>
+              <a:spcAft>
+                <a:spcPts val="0"/>
+              </a:spcAft>
+              <a:buSzPts val="2800"/>
+              <a:buNone/>
+              <a:defRPr/>
             </a:lvl7pPr>
-            <a:lvl8pPr lvl="7" algn="ctr">
-              <a:spcBef>
-                <a:spcPct val="1000"/>
-              </a:spcBef>
-              <a:spcAft>
-                <a:spcPts val="0"/>
-              </a:spcAft>
-              <a:buSzPts val="4800"/>
-              <a:buNone/>
-              <a:defRPr sz="9600"/>
+            <a:lvl8pPr lvl="7">
+              <a:spcBef>
+                <a:spcPct val="1000"/>
+              </a:spcBef>
+              <a:spcAft>
+                <a:spcPts val="0"/>
+              </a:spcAft>
+              <a:buSzPts val="2800"/>
+              <a:buNone/>
+              <a:defRPr/>
             </a:lvl8pPr>
-            <a:lvl9pPr lvl="8" algn="ctr">
-              <a:spcBef>
-                <a:spcPct val="1000"/>
-              </a:spcBef>
-              <a:spcAft>
-                <a:spcPts val="0"/>
-              </a:spcAft>
-              <a:buSzPts val="4800"/>
-              <a:buNone/>
-              <a:defRPr sz="9600"/>
+            <a:lvl9pPr lvl="8">
+              <a:spcBef>
+                <a:spcPct val="1000"/>
+              </a:spcBef>
+              <a:spcAft>
+                <a:spcPts val="0"/>
+              </a:spcAft>
+              <a:buSzPts val="2800"/>
+              <a:buNone/>
+              <a:defRPr/>
             </a:lvl9pPr>
           </a:lstStyle>
           <a:p/>
@@ -2221,7 +3673,7 @@
       </p:sp>
       <p:sp>
         <p:nvSpPr>
-          <p:cNvPr id="19" name="Google Shape;19;p3"/>
+          <p:cNvPr id="40" name="Google Shape;40;p3"/>
           <p:cNvSpPr txBox="1"/>
           <p:nvPr>
             <p:ph type="sldNum" idx="12"/>
@@ -2308,7 +3760,7 @@
   <p:cSld name="TITLE_AND_BODY">
     <p:spTree>
       <p:nvGrpSpPr>
-        <p:cNvPr id="20" name="Shape 20"/>
+        <p:cNvPr id="41" name="Shape 41"/>
         <p:cNvGrpSpPr/>
         <p:nvPr/>
       </p:nvGrpSpPr>
@@ -2320,35 +3772,108 @@
           <a:chExt cx="0" cy="0"/>
         </a:xfrm>
       </p:grpSpPr>
-      <p:cxnSp>
-        <p:nvCxnSpPr>
-          <p:cNvPr id="21" name="Google Shape;21;p4"/>
-          <p:cNvCxnSpPr/>
+      <p:grpSp>
+        <p:nvGrpSpPr>
+          <p:cNvPr id="42" name="Google Shape;42;p4"/>
+          <p:cNvGrpSpPr/>
           <p:nvPr/>
-        </p:nvCxnSpPr>
-        <p:spPr>
+        </p:nvGrpSpPr>
+        <p:grpSpPr>
           <a:xfrm>
-            <a:off x="985126" y="2521009"/>
-            <a:ext cx="849600" cy="0"/>
+            <a:off x="0" y="762135"/>
+            <a:ext cx="2075700" cy="2032930"/>
+            <a:chOff x="0" y="381001"/>
+            <a:chExt cx="1037850" cy="1016287"/>
           </a:xfrm>
-          <a:prstGeom prst="straightConnector1">
-            <a:avLst/>
-          </a:prstGeom>
-          <a:noFill/>
-          <a:ln w="38100" cap="flat" cmpd="sng">
+        </p:grpSpPr>
+        <p:sp>
+          <p:nvSpPr>
+            <p:cNvPr id="43" name="Google Shape;43;p4"/>
+            <p:cNvSpPr/>
+            <p:nvPr/>
+          </p:nvSpPr>
+          <p:spPr>
+            <a:xfrm rot="-5400000">
+              <a:off x="0" y="381001"/>
+              <a:ext cx="808800" cy="808800"/>
+            </a:xfrm>
+            <a:prstGeom prst="diagStripe">
+              <a:avLst>
+                <a:gd name="adj" fmla="val 50000"/>
+              </a:avLst>
+            </a:prstGeom>
             <a:solidFill>
-              <a:schemeClr val="accent4"/>
+              <a:schemeClr val="accent1"/>
             </a:solidFill>
-            <a:prstDash val="solid"/>
-            <a:round/>
-            <a:headEnd type="none" w="sm" len="sm"/>
-            <a:tailEnd type="none" w="sm" len="sm"/>
-          </a:ln>
-        </p:spPr>
-      </p:cxnSp>
+            <a:ln>
+              <a:noFill/>
+            </a:ln>
+          </p:spPr>
+          <p:txBody>
+            <a:bodyPr spcFirstLastPara="1" wrap="square" lIns="182850" tIns="182850" rIns="182850" bIns="182850" anchor="ctr" anchorCtr="0">
+              <a:noAutofit/>
+            </a:bodyPr>
+            <a:lstStyle/>
+            <a:p>
+              <a:pPr marL="0" lvl="0" indent="0" algn="l" rtl="0">
+                <a:spcBef>
+                  <a:spcPts val="0"/>
+                </a:spcBef>
+                <a:spcAft>
+                  <a:spcPts val="0"/>
+                </a:spcAft>
+                <a:buNone/>
+              </a:pPr>
+              <a:endParaRPr sz="2800"/>
+            </a:p>
+          </p:txBody>
+        </p:sp>
+        <p:sp>
+          <p:nvSpPr>
+            <p:cNvPr id="44" name="Google Shape;44;p4"/>
+            <p:cNvSpPr/>
+            <p:nvPr/>
+          </p:nvSpPr>
+          <p:spPr>
+            <a:xfrm flipH="1">
+              <a:off x="229050" y="588489"/>
+              <a:ext cx="808800" cy="808800"/>
+            </a:xfrm>
+            <a:prstGeom prst="diagStripe">
+              <a:avLst>
+                <a:gd name="adj" fmla="val 50000"/>
+              </a:avLst>
+            </a:prstGeom>
+            <a:solidFill>
+              <a:schemeClr val="lt2"/>
+            </a:solidFill>
+            <a:ln>
+              <a:noFill/>
+            </a:ln>
+          </p:spPr>
+          <p:txBody>
+            <a:bodyPr spcFirstLastPara="1" wrap="square" lIns="182850" tIns="182850" rIns="182850" bIns="182850" anchor="ctr" anchorCtr="0">
+              <a:noAutofit/>
+            </a:bodyPr>
+            <a:lstStyle/>
+            <a:p>
+              <a:pPr marL="0" lvl="0" indent="0" algn="l" rtl="0">
+                <a:spcBef>
+                  <a:spcPts val="0"/>
+                </a:spcBef>
+                <a:spcAft>
+                  <a:spcPts val="0"/>
+                </a:spcAft>
+                <a:buNone/>
+              </a:pPr>
+              <a:endParaRPr sz="2800"/>
+            </a:p>
+          </p:txBody>
+        </p:sp>
+      </p:grpSp>
       <p:sp>
         <p:nvSpPr>
-          <p:cNvPr id="22" name="Google Shape;22;p4"/>
+          <p:cNvPr id="45" name="Google Shape;45;p4"/>
           <p:cNvSpPr txBox="1"/>
           <p:nvPr>
             <p:ph type="title"/>
@@ -2356,133 +3881,8 @@
         </p:nvSpPr>
         <p:spPr>
           <a:xfrm>
-            <a:off x="775800" y="916210"/>
-            <a:ext cx="16736400" cy="1372440"/>
-          </a:xfrm>
-          <a:prstGeom prst="rect">
-            <a:avLst/>
-          </a:prstGeom>
-        </p:spPr>
-        <p:txBody>
-          <a:bodyPr spcFirstLastPara="1" wrap="square" lIns="91425" tIns="91425" rIns="91425" bIns="91425" anchor="b" anchorCtr="0">
-            <a:normAutofit/>
-          </a:bodyPr>
-          <a:lstStyle>
-            <a:lvl1pPr lvl="0">
-              <a:spcBef>
-                <a:spcPct val="1000"/>
-              </a:spcBef>
-              <a:spcAft>
-                <a:spcPts val="0"/>
-              </a:spcAft>
-              <a:buSzPts val="3000"/>
-              <a:buNone/>
-              <a:defRPr/>
-            </a:lvl1pPr>
-            <a:lvl2pPr lvl="1">
-              <a:spcBef>
-                <a:spcPct val="1000"/>
-              </a:spcBef>
-              <a:spcAft>
-                <a:spcPts val="0"/>
-              </a:spcAft>
-              <a:buSzPts val="3000"/>
-              <a:buNone/>
-              <a:defRPr/>
-            </a:lvl2pPr>
-            <a:lvl3pPr lvl="2">
-              <a:spcBef>
-                <a:spcPct val="1000"/>
-              </a:spcBef>
-              <a:spcAft>
-                <a:spcPts val="0"/>
-              </a:spcAft>
-              <a:buSzPts val="3000"/>
-              <a:buNone/>
-              <a:defRPr/>
-            </a:lvl3pPr>
-            <a:lvl4pPr lvl="3">
-              <a:spcBef>
-                <a:spcPct val="1000"/>
-              </a:spcBef>
-              <a:spcAft>
-                <a:spcPts val="0"/>
-              </a:spcAft>
-              <a:buSzPts val="3000"/>
-              <a:buNone/>
-              <a:defRPr/>
-            </a:lvl4pPr>
-            <a:lvl5pPr lvl="4">
-              <a:spcBef>
-                <a:spcPct val="1000"/>
-              </a:spcBef>
-              <a:spcAft>
-                <a:spcPts val="0"/>
-              </a:spcAft>
-              <a:buSzPts val="3000"/>
-              <a:buNone/>
-              <a:defRPr/>
-            </a:lvl5pPr>
-            <a:lvl6pPr lvl="5">
-              <a:spcBef>
-                <a:spcPct val="1000"/>
-              </a:spcBef>
-              <a:spcAft>
-                <a:spcPts val="0"/>
-              </a:spcAft>
-              <a:buSzPts val="3000"/>
-              <a:buNone/>
-              <a:defRPr/>
-            </a:lvl6pPr>
-            <a:lvl7pPr lvl="6">
-              <a:spcBef>
-                <a:spcPct val="1000"/>
-              </a:spcBef>
-              <a:spcAft>
-                <a:spcPts val="0"/>
-              </a:spcAft>
-              <a:buSzPts val="3000"/>
-              <a:buNone/>
-              <a:defRPr/>
-            </a:lvl7pPr>
-            <a:lvl8pPr lvl="7">
-              <a:spcBef>
-                <a:spcPct val="1000"/>
-              </a:spcBef>
-              <a:spcAft>
-                <a:spcPts val="0"/>
-              </a:spcAft>
-              <a:buSzPts val="3000"/>
-              <a:buNone/>
-              <a:defRPr/>
-            </a:lvl8pPr>
-            <a:lvl9pPr lvl="8">
-              <a:spcBef>
-                <a:spcPct val="1000"/>
-              </a:spcBef>
-              <a:spcAft>
-                <a:spcPts val="0"/>
-              </a:spcAft>
-              <a:buSzPts val="3000"/>
-              <a:buNone/>
-              <a:defRPr/>
-            </a:lvl9pPr>
-          </a:lstStyle>
-          <a:p/>
-        </p:txBody>
-      </p:sp>
-      <p:sp>
-        <p:nvSpPr>
-          <p:cNvPr id="23" name="Google Shape;23;p4"/>
-          <p:cNvSpPr txBox="1"/>
-          <p:nvPr>
-            <p:ph type="body" idx="1"/>
-          </p:nvPr>
-        </p:nvSpPr>
-        <p:spPr>
-          <a:xfrm>
-            <a:off x="775800" y="2980169"/>
-            <a:ext cx="16736400" cy="6158877"/>
+            <a:off x="2595000" y="787638"/>
+            <a:ext cx="14077800" cy="1828520"/>
           </a:xfrm>
           <a:prstGeom prst="rect">
             <a:avLst/>
@@ -2493,104 +3893,104 @@
             <a:normAutofit/>
           </a:bodyPr>
           <a:lstStyle>
-            <a:lvl1pPr marL="914400" lvl="0" indent="-685800">
-              <a:spcBef>
-                <a:spcPct val="1000"/>
-              </a:spcBef>
-              <a:spcAft>
-                <a:spcPts val="0"/>
-              </a:spcAft>
-              <a:buSzPts val="1800"/>
-              <a:buChar char="●"/>
-              <a:defRPr/>
+            <a:lvl1pPr lvl="0">
+              <a:spcBef>
+                <a:spcPct val="1000"/>
+              </a:spcBef>
+              <a:spcAft>
+                <a:spcPts val="0"/>
+              </a:spcAft>
+              <a:buSzPts val="2400"/>
+              <a:buNone/>
+              <a:defRPr sz="4800"/>
             </a:lvl1pPr>
-            <a:lvl2pPr marL="1829435" lvl="1" indent="-635000">
-              <a:spcBef>
-                <a:spcPct val="1000"/>
-              </a:spcBef>
-              <a:spcAft>
-                <a:spcPts val="0"/>
-              </a:spcAft>
-              <a:buSzPts val="1400"/>
-              <a:buChar char="○"/>
-              <a:defRPr/>
+            <a:lvl2pPr lvl="1">
+              <a:spcBef>
+                <a:spcPct val="1000"/>
+              </a:spcBef>
+              <a:spcAft>
+                <a:spcPts val="0"/>
+              </a:spcAft>
+              <a:buSzPts val="2400"/>
+              <a:buNone/>
+              <a:defRPr sz="4800"/>
             </a:lvl2pPr>
-            <a:lvl3pPr marL="2743835" lvl="2" indent="-635000">
-              <a:spcBef>
-                <a:spcPct val="1000"/>
-              </a:spcBef>
-              <a:spcAft>
-                <a:spcPts val="0"/>
-              </a:spcAft>
-              <a:buSzPts val="1400"/>
-              <a:buChar char="■"/>
-              <a:defRPr/>
+            <a:lvl3pPr lvl="2">
+              <a:spcBef>
+                <a:spcPct val="1000"/>
+              </a:spcBef>
+              <a:spcAft>
+                <a:spcPts val="0"/>
+              </a:spcAft>
+              <a:buSzPts val="2400"/>
+              <a:buNone/>
+              <a:defRPr sz="4800"/>
             </a:lvl3pPr>
-            <a:lvl4pPr marL="3658235" lvl="3" indent="-635000">
-              <a:spcBef>
-                <a:spcPct val="1000"/>
-              </a:spcBef>
-              <a:spcAft>
-                <a:spcPts val="0"/>
-              </a:spcAft>
-              <a:buSzPts val="1400"/>
-              <a:buChar char="●"/>
-              <a:defRPr/>
+            <a:lvl4pPr lvl="3">
+              <a:spcBef>
+                <a:spcPct val="1000"/>
+              </a:spcBef>
+              <a:spcAft>
+                <a:spcPts val="0"/>
+              </a:spcAft>
+              <a:buSzPts val="2400"/>
+              <a:buNone/>
+              <a:defRPr sz="4800"/>
             </a:lvl4pPr>
-            <a:lvl5pPr marL="4572635" lvl="4" indent="-635000">
-              <a:spcBef>
-                <a:spcPct val="1000"/>
-              </a:spcBef>
-              <a:spcAft>
-                <a:spcPts val="0"/>
-              </a:spcAft>
-              <a:buSzPts val="1400"/>
-              <a:buChar char="○"/>
-              <a:defRPr/>
+            <a:lvl5pPr lvl="4">
+              <a:spcBef>
+                <a:spcPct val="1000"/>
+              </a:spcBef>
+              <a:spcAft>
+                <a:spcPts val="0"/>
+              </a:spcAft>
+              <a:buSzPts val="2400"/>
+              <a:buNone/>
+              <a:defRPr sz="4800"/>
             </a:lvl5pPr>
-            <a:lvl6pPr marL="5487670" lvl="5" indent="-635000">
-              <a:spcBef>
-                <a:spcPct val="1000"/>
-              </a:spcBef>
-              <a:spcAft>
-                <a:spcPts val="0"/>
-              </a:spcAft>
-              <a:buSzPts val="1400"/>
-              <a:buChar char="■"/>
-              <a:defRPr/>
+            <a:lvl6pPr lvl="5">
+              <a:spcBef>
+                <a:spcPct val="1000"/>
+              </a:spcBef>
+              <a:spcAft>
+                <a:spcPts val="0"/>
+              </a:spcAft>
+              <a:buSzPts val="2400"/>
+              <a:buNone/>
+              <a:defRPr sz="4800"/>
             </a:lvl6pPr>
-            <a:lvl7pPr marL="6402070" lvl="6" indent="-635000">
-              <a:spcBef>
-                <a:spcPct val="1000"/>
-              </a:spcBef>
-              <a:spcAft>
-                <a:spcPts val="0"/>
-              </a:spcAft>
-              <a:buSzPts val="1400"/>
-              <a:buChar char="●"/>
-              <a:defRPr/>
+            <a:lvl7pPr lvl="6">
+              <a:spcBef>
+                <a:spcPct val="1000"/>
+              </a:spcBef>
+              <a:spcAft>
+                <a:spcPts val="0"/>
+              </a:spcAft>
+              <a:buSzPts val="2400"/>
+              <a:buNone/>
+              <a:defRPr sz="4800"/>
             </a:lvl7pPr>
-            <a:lvl8pPr marL="7316470" lvl="7" indent="-635000">
-              <a:spcBef>
-                <a:spcPct val="1000"/>
-              </a:spcBef>
-              <a:spcAft>
-                <a:spcPts val="0"/>
-              </a:spcAft>
-              <a:buSzPts val="1400"/>
-              <a:buChar char="○"/>
-              <a:defRPr/>
+            <a:lvl8pPr lvl="7">
+              <a:spcBef>
+                <a:spcPct val="1000"/>
+              </a:spcBef>
+              <a:spcAft>
+                <a:spcPts val="0"/>
+              </a:spcAft>
+              <a:buSzPts val="2400"/>
+              <a:buNone/>
+              <a:defRPr sz="4800"/>
             </a:lvl8pPr>
-            <a:lvl9pPr marL="8230870" lvl="8" indent="-635000">
-              <a:spcBef>
-                <a:spcPct val="1000"/>
-              </a:spcBef>
-              <a:spcAft>
-                <a:spcPts val="0"/>
-              </a:spcAft>
-              <a:buSzPts val="1400"/>
-              <a:buChar char="■"/>
-              <a:defRPr/>
+            <a:lvl9pPr lvl="8">
+              <a:spcBef>
+                <a:spcPct val="1000"/>
+              </a:spcBef>
+              <a:spcAft>
+                <a:spcPts val="0"/>
+              </a:spcAft>
+              <a:buSzPts val="2400"/>
+              <a:buNone/>
+              <a:defRPr sz="4800"/>
             </a:lvl9pPr>
           </a:lstStyle>
           <a:p/>
@@ -2598,7 +3998,132 @@
       </p:sp>
       <p:sp>
         <p:nvSpPr>
-          <p:cNvPr id="24" name="Google Shape;24;p4"/>
+          <p:cNvPr id="46" name="Google Shape;46;p4"/>
+          <p:cNvSpPr txBox="1"/>
+          <p:nvPr>
+            <p:ph type="body" idx="1"/>
+          </p:nvPr>
+        </p:nvSpPr>
+        <p:spPr>
+          <a:xfrm>
+            <a:off x="2595000" y="3135648"/>
+            <a:ext cx="14077800" cy="5823419"/>
+          </a:xfrm>
+          <a:prstGeom prst="rect">
+            <a:avLst/>
+          </a:prstGeom>
+        </p:spPr>
+        <p:txBody>
+          <a:bodyPr spcFirstLastPara="1" wrap="square" lIns="91425" tIns="91425" rIns="91425" bIns="91425" anchor="t" anchorCtr="0">
+            <a:normAutofit/>
+          </a:bodyPr>
+          <a:lstStyle>
+            <a:lvl1pPr marL="914400" lvl="0" indent="-622300">
+              <a:spcBef>
+                <a:spcPct val="1000"/>
+              </a:spcBef>
+              <a:spcAft>
+                <a:spcPts val="0"/>
+              </a:spcAft>
+              <a:buSzPts val="1300"/>
+              <a:buChar char="●"/>
+              <a:defRPr/>
+            </a:lvl1pPr>
+            <a:lvl2pPr marL="1829435" lvl="1" indent="-596900">
+              <a:spcBef>
+                <a:spcPct val="1000"/>
+              </a:spcBef>
+              <a:spcAft>
+                <a:spcPts val="0"/>
+              </a:spcAft>
+              <a:buSzPts val="1100"/>
+              <a:buChar char="○"/>
+              <a:defRPr/>
+            </a:lvl2pPr>
+            <a:lvl3pPr marL="2743835" lvl="2" indent="-596900">
+              <a:spcBef>
+                <a:spcPct val="1000"/>
+              </a:spcBef>
+              <a:spcAft>
+                <a:spcPts val="0"/>
+              </a:spcAft>
+              <a:buSzPts val="1100"/>
+              <a:buChar char="■"/>
+              <a:defRPr/>
+            </a:lvl3pPr>
+            <a:lvl4pPr marL="3658235" lvl="3" indent="-596900">
+              <a:spcBef>
+                <a:spcPct val="1000"/>
+              </a:spcBef>
+              <a:spcAft>
+                <a:spcPts val="0"/>
+              </a:spcAft>
+              <a:buSzPts val="1100"/>
+              <a:buChar char="●"/>
+              <a:defRPr/>
+            </a:lvl4pPr>
+            <a:lvl5pPr marL="4572635" lvl="4" indent="-596900">
+              <a:spcBef>
+                <a:spcPct val="1000"/>
+              </a:spcBef>
+              <a:spcAft>
+                <a:spcPts val="0"/>
+              </a:spcAft>
+              <a:buSzPts val="1100"/>
+              <a:buChar char="○"/>
+              <a:defRPr/>
+            </a:lvl5pPr>
+            <a:lvl6pPr marL="5487670" lvl="5" indent="-596900">
+              <a:spcBef>
+                <a:spcPct val="1000"/>
+              </a:spcBef>
+              <a:spcAft>
+                <a:spcPts val="0"/>
+              </a:spcAft>
+              <a:buSzPts val="1100"/>
+              <a:buChar char="■"/>
+              <a:defRPr/>
+            </a:lvl6pPr>
+            <a:lvl7pPr marL="6402070" lvl="6" indent="-596900">
+              <a:spcBef>
+                <a:spcPct val="1000"/>
+              </a:spcBef>
+              <a:spcAft>
+                <a:spcPts val="0"/>
+              </a:spcAft>
+              <a:buSzPts val="1100"/>
+              <a:buChar char="●"/>
+              <a:defRPr/>
+            </a:lvl7pPr>
+            <a:lvl8pPr marL="7316470" lvl="7" indent="-596900">
+              <a:spcBef>
+                <a:spcPct val="1000"/>
+              </a:spcBef>
+              <a:spcAft>
+                <a:spcPts val="0"/>
+              </a:spcAft>
+              <a:buSzPts val="1100"/>
+              <a:buChar char="○"/>
+              <a:defRPr/>
+            </a:lvl8pPr>
+            <a:lvl9pPr marL="8230870" lvl="8" indent="-596900">
+              <a:spcBef>
+                <a:spcPct val="1000"/>
+              </a:spcBef>
+              <a:spcAft>
+                <a:spcPts val="0"/>
+              </a:spcAft>
+              <a:buSzPts val="1100"/>
+              <a:buChar char="■"/>
+              <a:defRPr/>
+            </a:lvl9pPr>
+          </a:lstStyle>
+          <a:p/>
+        </p:txBody>
+      </p:sp>
+      <p:sp>
+        <p:nvSpPr>
+          <p:cNvPr id="47" name="Google Shape;47;p4"/>
           <p:cNvSpPr txBox="1"/>
           <p:nvPr>
             <p:ph type="sldNum" idx="12"/>
@@ -2685,7 +4210,7 @@
   <p:cSld name="TITLE_AND_TWO_COLUMNS">
     <p:spTree>
       <p:nvGrpSpPr>
-        <p:cNvPr id="25" name="Shape 25"/>
+        <p:cNvPr id="48" name="Shape 48"/>
         <p:cNvGrpSpPr/>
         <p:nvPr/>
       </p:nvGrpSpPr>
@@ -2697,35 +4222,108 @@
           <a:chExt cx="0" cy="0"/>
         </a:xfrm>
       </p:grpSpPr>
-      <p:cxnSp>
-        <p:nvCxnSpPr>
-          <p:cNvPr id="26" name="Google Shape;26;p5"/>
-          <p:cNvCxnSpPr/>
+      <p:grpSp>
+        <p:nvGrpSpPr>
+          <p:cNvPr id="49" name="Google Shape;49;p5"/>
+          <p:cNvGrpSpPr/>
           <p:nvPr/>
-        </p:nvCxnSpPr>
-        <p:spPr>
+        </p:nvGrpSpPr>
+        <p:grpSpPr>
           <a:xfrm>
-            <a:off x="985126" y="2521009"/>
-            <a:ext cx="849600" cy="0"/>
+            <a:off x="0" y="762135"/>
+            <a:ext cx="2075700" cy="2032930"/>
+            <a:chOff x="0" y="381001"/>
+            <a:chExt cx="1037850" cy="1016287"/>
           </a:xfrm>
-          <a:prstGeom prst="straightConnector1">
-            <a:avLst/>
-          </a:prstGeom>
-          <a:noFill/>
-          <a:ln w="38100" cap="flat" cmpd="sng">
+        </p:grpSpPr>
+        <p:sp>
+          <p:nvSpPr>
+            <p:cNvPr id="50" name="Google Shape;50;p5"/>
+            <p:cNvSpPr/>
+            <p:nvPr/>
+          </p:nvSpPr>
+          <p:spPr>
+            <a:xfrm rot="-5400000">
+              <a:off x="0" y="381001"/>
+              <a:ext cx="808800" cy="808800"/>
+            </a:xfrm>
+            <a:prstGeom prst="diagStripe">
+              <a:avLst>
+                <a:gd name="adj" fmla="val 50000"/>
+              </a:avLst>
+            </a:prstGeom>
             <a:solidFill>
-              <a:schemeClr val="accent4"/>
+              <a:schemeClr val="accent1"/>
             </a:solidFill>
-            <a:prstDash val="solid"/>
-            <a:round/>
-            <a:headEnd type="none" w="sm" len="sm"/>
-            <a:tailEnd type="none" w="sm" len="sm"/>
-          </a:ln>
-        </p:spPr>
-      </p:cxnSp>
+            <a:ln>
+              <a:noFill/>
+            </a:ln>
+          </p:spPr>
+          <p:txBody>
+            <a:bodyPr spcFirstLastPara="1" wrap="square" lIns="182850" tIns="182850" rIns="182850" bIns="182850" anchor="ctr" anchorCtr="0">
+              <a:noAutofit/>
+            </a:bodyPr>
+            <a:lstStyle/>
+            <a:p>
+              <a:pPr marL="0" lvl="0" indent="0" algn="l" rtl="0">
+                <a:spcBef>
+                  <a:spcPts val="0"/>
+                </a:spcBef>
+                <a:spcAft>
+                  <a:spcPts val="0"/>
+                </a:spcAft>
+                <a:buNone/>
+              </a:pPr>
+              <a:endParaRPr sz="2800"/>
+            </a:p>
+          </p:txBody>
+        </p:sp>
+        <p:sp>
+          <p:nvSpPr>
+            <p:cNvPr id="51" name="Google Shape;51;p5"/>
+            <p:cNvSpPr/>
+            <p:nvPr/>
+          </p:nvSpPr>
+          <p:spPr>
+            <a:xfrm flipH="1">
+              <a:off x="229050" y="588489"/>
+              <a:ext cx="808800" cy="808800"/>
+            </a:xfrm>
+            <a:prstGeom prst="diagStripe">
+              <a:avLst>
+                <a:gd name="adj" fmla="val 50000"/>
+              </a:avLst>
+            </a:prstGeom>
+            <a:solidFill>
+              <a:schemeClr val="lt2"/>
+            </a:solidFill>
+            <a:ln>
+              <a:noFill/>
+            </a:ln>
+          </p:spPr>
+          <p:txBody>
+            <a:bodyPr spcFirstLastPara="1" wrap="square" lIns="182850" tIns="182850" rIns="182850" bIns="182850" anchor="ctr" anchorCtr="0">
+              <a:noAutofit/>
+            </a:bodyPr>
+            <a:lstStyle/>
+            <a:p>
+              <a:pPr marL="0" lvl="0" indent="0" algn="l" rtl="0">
+                <a:spcBef>
+                  <a:spcPts val="0"/>
+                </a:spcBef>
+                <a:spcAft>
+                  <a:spcPts val="0"/>
+                </a:spcAft>
+                <a:buNone/>
+              </a:pPr>
+              <a:endParaRPr sz="2800"/>
+            </a:p>
+          </p:txBody>
+        </p:sp>
+      </p:grpSp>
       <p:sp>
         <p:nvSpPr>
-          <p:cNvPr id="27" name="Google Shape;27;p5"/>
+          <p:cNvPr id="52" name="Google Shape;52;p5"/>
           <p:cNvSpPr txBox="1"/>
           <p:nvPr>
             <p:ph type="title"/>
@@ -2733,133 +4331,8 @@
         </p:nvSpPr>
         <p:spPr>
           <a:xfrm>
-            <a:off x="775800" y="916210"/>
-            <a:ext cx="16736400" cy="1372440"/>
-          </a:xfrm>
-          <a:prstGeom prst="rect">
-            <a:avLst/>
-          </a:prstGeom>
-        </p:spPr>
-        <p:txBody>
-          <a:bodyPr spcFirstLastPara="1" wrap="square" lIns="91425" tIns="91425" rIns="91425" bIns="91425" anchor="b" anchorCtr="0">
-            <a:normAutofit/>
-          </a:bodyPr>
-          <a:lstStyle>
-            <a:lvl1pPr lvl="0">
-              <a:spcBef>
-                <a:spcPct val="1000"/>
-              </a:spcBef>
-              <a:spcAft>
-                <a:spcPts val="0"/>
-              </a:spcAft>
-              <a:buSzPts val="3000"/>
-              <a:buNone/>
-              <a:defRPr/>
-            </a:lvl1pPr>
-            <a:lvl2pPr lvl="1">
-              <a:spcBef>
-                <a:spcPct val="1000"/>
-              </a:spcBef>
-              <a:spcAft>
-                <a:spcPts val="0"/>
-              </a:spcAft>
-              <a:buSzPts val="3000"/>
-              <a:buNone/>
-              <a:defRPr/>
-            </a:lvl2pPr>
-            <a:lvl3pPr lvl="2">
-              <a:spcBef>
-                <a:spcPct val="1000"/>
-              </a:spcBef>
-              <a:spcAft>
-                <a:spcPts val="0"/>
-              </a:spcAft>
-              <a:buSzPts val="3000"/>
-              <a:buNone/>
-              <a:defRPr/>
-            </a:lvl3pPr>
-            <a:lvl4pPr lvl="3">
-              <a:spcBef>
-                <a:spcPct val="1000"/>
-              </a:spcBef>
-              <a:spcAft>
-                <a:spcPts val="0"/>
-              </a:spcAft>
-              <a:buSzPts val="3000"/>
-              <a:buNone/>
-              <a:defRPr/>
-            </a:lvl4pPr>
-            <a:lvl5pPr lvl="4">
-              <a:spcBef>
-                <a:spcPct val="1000"/>
-              </a:spcBef>
-              <a:spcAft>
-                <a:spcPts val="0"/>
-              </a:spcAft>
-              <a:buSzPts val="3000"/>
-              <a:buNone/>
-              <a:defRPr/>
-            </a:lvl5pPr>
-            <a:lvl6pPr lvl="5">
-              <a:spcBef>
-                <a:spcPct val="1000"/>
-              </a:spcBef>
-              <a:spcAft>
-                <a:spcPts val="0"/>
-              </a:spcAft>
-              <a:buSzPts val="3000"/>
-              <a:buNone/>
-              <a:defRPr/>
-            </a:lvl6pPr>
-            <a:lvl7pPr lvl="6">
-              <a:spcBef>
-                <a:spcPct val="1000"/>
-              </a:spcBef>
-              <a:spcAft>
-                <a:spcPts val="0"/>
-              </a:spcAft>
-              <a:buSzPts val="3000"/>
-              <a:buNone/>
-              <a:defRPr/>
-            </a:lvl7pPr>
-            <a:lvl8pPr lvl="7">
-              <a:spcBef>
-                <a:spcPct val="1000"/>
-              </a:spcBef>
-              <a:spcAft>
-                <a:spcPts val="0"/>
-              </a:spcAft>
-              <a:buSzPts val="3000"/>
-              <a:buNone/>
-              <a:defRPr/>
-            </a:lvl8pPr>
-            <a:lvl9pPr lvl="8">
-              <a:spcBef>
-                <a:spcPct val="1000"/>
-              </a:spcBef>
-              <a:spcAft>
-                <a:spcPts val="0"/>
-              </a:spcAft>
-              <a:buSzPts val="3000"/>
-              <a:buNone/>
-              <a:defRPr/>
-            </a:lvl9pPr>
-          </a:lstStyle>
-          <a:p/>
-        </p:txBody>
-      </p:sp>
-      <p:sp>
-        <p:nvSpPr>
-          <p:cNvPr id="28" name="Google Shape;28;p5"/>
-          <p:cNvSpPr txBox="1"/>
-          <p:nvPr>
-            <p:ph type="body" idx="1"/>
-          </p:nvPr>
-        </p:nvSpPr>
-        <p:spPr>
-          <a:xfrm>
-            <a:off x="775800" y="2980171"/>
-            <a:ext cx="7999800" cy="6158877"/>
+            <a:off x="2595000" y="787638"/>
+            <a:ext cx="14077800" cy="1828520"/>
           </a:xfrm>
           <a:prstGeom prst="rect">
             <a:avLst/>
@@ -2870,104 +4343,104 @@
             <a:normAutofit/>
           </a:bodyPr>
           <a:lstStyle>
-            <a:lvl1pPr marL="914400" lvl="0" indent="-635000">
-              <a:spcBef>
-                <a:spcPct val="1000"/>
-              </a:spcBef>
-              <a:spcAft>
-                <a:spcPts val="0"/>
-              </a:spcAft>
-              <a:buSzPts val="1400"/>
-              <a:buChar char="●"/>
-              <a:defRPr sz="2800"/>
+            <a:lvl1pPr lvl="0">
+              <a:spcBef>
+                <a:spcPct val="1000"/>
+              </a:spcBef>
+              <a:spcAft>
+                <a:spcPts val="0"/>
+              </a:spcAft>
+              <a:buSzPts val="2400"/>
+              <a:buNone/>
+              <a:defRPr sz="4800"/>
             </a:lvl1pPr>
-            <a:lvl2pPr marL="1829435" lvl="1" indent="-609600">
-              <a:spcBef>
-                <a:spcPct val="1000"/>
-              </a:spcBef>
-              <a:spcAft>
-                <a:spcPts val="0"/>
-              </a:spcAft>
-              <a:buSzPts val="1200"/>
-              <a:buChar char="○"/>
-              <a:defRPr sz="2400"/>
+            <a:lvl2pPr lvl="1">
+              <a:spcBef>
+                <a:spcPct val="1000"/>
+              </a:spcBef>
+              <a:spcAft>
+                <a:spcPts val="0"/>
+              </a:spcAft>
+              <a:buSzPts val="2400"/>
+              <a:buNone/>
+              <a:defRPr sz="4800"/>
             </a:lvl2pPr>
-            <a:lvl3pPr marL="2743835" lvl="2" indent="-609600">
-              <a:spcBef>
-                <a:spcPct val="1000"/>
-              </a:spcBef>
-              <a:spcAft>
-                <a:spcPts val="0"/>
-              </a:spcAft>
-              <a:buSzPts val="1200"/>
-              <a:buChar char="■"/>
-              <a:defRPr sz="2400"/>
+            <a:lvl3pPr lvl="2">
+              <a:spcBef>
+                <a:spcPct val="1000"/>
+              </a:spcBef>
+              <a:spcAft>
+                <a:spcPts val="0"/>
+              </a:spcAft>
+              <a:buSzPts val="2400"/>
+              <a:buNone/>
+              <a:defRPr sz="4800"/>
             </a:lvl3pPr>
-            <a:lvl4pPr marL="3658235" lvl="3" indent="-609600">
-              <a:spcBef>
-                <a:spcPct val="1000"/>
-              </a:spcBef>
-              <a:spcAft>
-                <a:spcPts val="0"/>
-              </a:spcAft>
-              <a:buSzPts val="1200"/>
-              <a:buChar char="●"/>
-              <a:defRPr sz="2400"/>
+            <a:lvl4pPr lvl="3">
+              <a:spcBef>
+                <a:spcPct val="1000"/>
+              </a:spcBef>
+              <a:spcAft>
+                <a:spcPts val="0"/>
+              </a:spcAft>
+              <a:buSzPts val="2400"/>
+              <a:buNone/>
+              <a:defRPr sz="4800"/>
             </a:lvl4pPr>
-            <a:lvl5pPr marL="4572635" lvl="4" indent="-609600">
-              <a:spcBef>
-                <a:spcPct val="1000"/>
-              </a:spcBef>
-              <a:spcAft>
-                <a:spcPts val="0"/>
-              </a:spcAft>
-              <a:buSzPts val="1200"/>
-              <a:buChar char="○"/>
-              <a:defRPr sz="2400"/>
+            <a:lvl5pPr lvl="4">
+              <a:spcBef>
+                <a:spcPct val="1000"/>
+              </a:spcBef>
+              <a:spcAft>
+                <a:spcPts val="0"/>
+              </a:spcAft>
+              <a:buSzPts val="2400"/>
+              <a:buNone/>
+              <a:defRPr sz="4800"/>
             </a:lvl5pPr>
-            <a:lvl6pPr marL="5487670" lvl="5" indent="-609600">
-              <a:spcBef>
-                <a:spcPct val="1000"/>
-              </a:spcBef>
-              <a:spcAft>
-                <a:spcPts val="0"/>
-              </a:spcAft>
-              <a:buSzPts val="1200"/>
-              <a:buChar char="■"/>
-              <a:defRPr sz="2400"/>
+            <a:lvl6pPr lvl="5">
+              <a:spcBef>
+                <a:spcPct val="1000"/>
+              </a:spcBef>
+              <a:spcAft>
+                <a:spcPts val="0"/>
+              </a:spcAft>
+              <a:buSzPts val="2400"/>
+              <a:buNone/>
+              <a:defRPr sz="4800"/>
             </a:lvl6pPr>
-            <a:lvl7pPr marL="6402070" lvl="6" indent="-609600">
-              <a:spcBef>
-                <a:spcPct val="1000"/>
-              </a:spcBef>
-              <a:spcAft>
-                <a:spcPts val="0"/>
-              </a:spcAft>
-              <a:buSzPts val="1200"/>
-              <a:buChar char="●"/>
-              <a:defRPr sz="2400"/>
+            <a:lvl7pPr lvl="6">
+              <a:spcBef>
+                <a:spcPct val="1000"/>
+              </a:spcBef>
+              <a:spcAft>
+                <a:spcPts val="0"/>
+              </a:spcAft>
+              <a:buSzPts val="2400"/>
+              <a:buNone/>
+              <a:defRPr sz="4800"/>
             </a:lvl7pPr>
-            <a:lvl8pPr marL="7316470" lvl="7" indent="-609600">
-              <a:spcBef>
-                <a:spcPct val="1000"/>
-              </a:spcBef>
-              <a:spcAft>
-                <a:spcPts val="0"/>
-              </a:spcAft>
-              <a:buSzPts val="1200"/>
-              <a:buChar char="○"/>
-              <a:defRPr sz="2400"/>
+            <a:lvl8pPr lvl="7">
+              <a:spcBef>
+                <a:spcPct val="1000"/>
+              </a:spcBef>
+              <a:spcAft>
+                <a:spcPts val="0"/>
+              </a:spcAft>
+              <a:buSzPts val="2400"/>
+              <a:buNone/>
+              <a:defRPr sz="4800"/>
             </a:lvl8pPr>
-            <a:lvl9pPr marL="8230870" lvl="8" indent="-609600">
-              <a:spcBef>
-                <a:spcPct val="1000"/>
-              </a:spcBef>
-              <a:spcAft>
-                <a:spcPts val="0"/>
-              </a:spcAft>
-              <a:buSzPts val="1200"/>
-              <a:buChar char="■"/>
-              <a:defRPr sz="2400"/>
+            <a:lvl9pPr lvl="8">
+              <a:spcBef>
+                <a:spcPct val="1000"/>
+              </a:spcBef>
+              <a:spcAft>
+                <a:spcPts val="0"/>
+              </a:spcAft>
+              <a:buSzPts val="2400"/>
+              <a:buNone/>
+              <a:defRPr sz="4800"/>
             </a:lvl9pPr>
           </a:lstStyle>
           <a:p/>
@@ -2975,16 +4448,16 @@
       </p:sp>
       <p:sp>
         <p:nvSpPr>
-          <p:cNvPr id="29" name="Google Shape;29;p5"/>
+          <p:cNvPr id="53" name="Google Shape;53;p5"/>
           <p:cNvSpPr txBox="1"/>
           <p:nvPr>
-            <p:ph type="body" idx="2"/>
+            <p:ph type="body" idx="1"/>
           </p:nvPr>
         </p:nvSpPr>
         <p:spPr>
           <a:xfrm>
-            <a:off x="9512400" y="2980171"/>
-            <a:ext cx="7999800" cy="6158877"/>
+            <a:off x="2595000" y="3135648"/>
+            <a:ext cx="6806400" cy="5823419"/>
           </a:xfrm>
           <a:prstGeom prst="rect">
             <a:avLst/>
@@ -2995,104 +4468,104 @@
             <a:normAutofit/>
           </a:bodyPr>
           <a:lstStyle>
-            <a:lvl1pPr marL="914400" lvl="0" indent="-635000">
-              <a:spcBef>
-                <a:spcPct val="1000"/>
-              </a:spcBef>
-              <a:spcAft>
-                <a:spcPts val="0"/>
-              </a:spcAft>
-              <a:buSzPts val="1400"/>
+            <a:lvl1pPr marL="914400" lvl="0" indent="-622300">
+              <a:spcBef>
+                <a:spcPct val="1000"/>
+              </a:spcBef>
+              <a:spcAft>
+                <a:spcPts val="0"/>
+              </a:spcAft>
+              <a:buSzPts val="1300"/>
               <a:buChar char="●"/>
-              <a:defRPr sz="2800"/>
+              <a:defRPr/>
             </a:lvl1pPr>
-            <a:lvl2pPr marL="1829435" lvl="1" indent="-609600">
-              <a:spcBef>
-                <a:spcPct val="1000"/>
-              </a:spcBef>
-              <a:spcAft>
-                <a:spcPts val="0"/>
-              </a:spcAft>
-              <a:buSzPts val="1200"/>
+            <a:lvl2pPr marL="1829435" lvl="1" indent="-596900">
+              <a:spcBef>
+                <a:spcPct val="1000"/>
+              </a:spcBef>
+              <a:spcAft>
+                <a:spcPts val="0"/>
+              </a:spcAft>
+              <a:buSzPts val="1100"/>
               <a:buChar char="○"/>
-              <a:defRPr sz="2400"/>
+              <a:defRPr/>
             </a:lvl2pPr>
-            <a:lvl3pPr marL="2743835" lvl="2" indent="-609600">
-              <a:spcBef>
-                <a:spcPct val="1000"/>
-              </a:spcBef>
-              <a:spcAft>
-                <a:spcPts val="0"/>
-              </a:spcAft>
-              <a:buSzPts val="1200"/>
+            <a:lvl3pPr marL="2743835" lvl="2" indent="-596900">
+              <a:spcBef>
+                <a:spcPct val="1000"/>
+              </a:spcBef>
+              <a:spcAft>
+                <a:spcPts val="0"/>
+              </a:spcAft>
+              <a:buSzPts val="1100"/>
               <a:buChar char="■"/>
-              <a:defRPr sz="2400"/>
+              <a:defRPr/>
             </a:lvl3pPr>
-            <a:lvl4pPr marL="3658235" lvl="3" indent="-609600">
-              <a:spcBef>
-                <a:spcPct val="1000"/>
-              </a:spcBef>
-              <a:spcAft>
-                <a:spcPts val="0"/>
-              </a:spcAft>
-              <a:buSzPts val="1200"/>
+            <a:lvl4pPr marL="3658235" lvl="3" indent="-596900">
+              <a:spcBef>
+                <a:spcPct val="1000"/>
+              </a:spcBef>
+              <a:spcAft>
+                <a:spcPts val="0"/>
+              </a:spcAft>
+              <a:buSzPts val="1100"/>
               <a:buChar char="●"/>
-              <a:defRPr sz="2400"/>
+              <a:defRPr/>
             </a:lvl4pPr>
-            <a:lvl5pPr marL="4572635" lvl="4" indent="-609600">
-              <a:spcBef>
-                <a:spcPct val="1000"/>
-              </a:spcBef>
-              <a:spcAft>
-                <a:spcPts val="0"/>
-              </a:spcAft>
-              <a:buSzPts val="1200"/>
+            <a:lvl5pPr marL="4572635" lvl="4" indent="-596900">
+              <a:spcBef>
+                <a:spcPct val="1000"/>
+              </a:spcBef>
+              <a:spcAft>
+                <a:spcPts val="0"/>
+              </a:spcAft>
+              <a:buSzPts val="1100"/>
               <a:buChar char="○"/>
-              <a:defRPr sz="2400"/>
+              <a:defRPr/>
             </a:lvl5pPr>
-            <a:lvl6pPr marL="5487670" lvl="5" indent="-609600">
-              <a:spcBef>
-                <a:spcPct val="1000"/>
-              </a:spcBef>
-              <a:spcAft>
-                <a:spcPts val="0"/>
-              </a:spcAft>
-              <a:buSzPts val="1200"/>
+            <a:lvl6pPr marL="5487670" lvl="5" indent="-596900">
+              <a:spcBef>
+                <a:spcPct val="1000"/>
+              </a:spcBef>
+              <a:spcAft>
+                <a:spcPts val="0"/>
+              </a:spcAft>
+              <a:buSzPts val="1100"/>
               <a:buChar char="■"/>
-              <a:defRPr sz="2400"/>
+              <a:defRPr/>
             </a:lvl6pPr>
-            <a:lvl7pPr marL="6402070" lvl="6" indent="-609600">
-              <a:spcBef>
-                <a:spcPct val="1000"/>
-              </a:spcBef>
-              <a:spcAft>
-                <a:spcPts val="0"/>
-              </a:spcAft>
-              <a:buSzPts val="1200"/>
+            <a:lvl7pPr marL="6402070" lvl="6" indent="-596900">
+              <a:spcBef>
+                <a:spcPct val="1000"/>
+              </a:spcBef>
+              <a:spcAft>
+                <a:spcPts val="0"/>
+              </a:spcAft>
+              <a:buSzPts val="1100"/>
               <a:buChar char="●"/>
-              <a:defRPr sz="2400"/>
+              <a:defRPr/>
             </a:lvl7pPr>
-            <a:lvl8pPr marL="7316470" lvl="7" indent="-609600">
-              <a:spcBef>
-                <a:spcPct val="1000"/>
-              </a:spcBef>
-              <a:spcAft>
-                <a:spcPts val="0"/>
-              </a:spcAft>
-              <a:buSzPts val="1200"/>
+            <a:lvl8pPr marL="7316470" lvl="7" indent="-596900">
+              <a:spcBef>
+                <a:spcPct val="1000"/>
+              </a:spcBef>
+              <a:spcAft>
+                <a:spcPts val="0"/>
+              </a:spcAft>
+              <a:buSzPts val="1100"/>
               <a:buChar char="○"/>
-              <a:defRPr sz="2400"/>
+              <a:defRPr/>
             </a:lvl8pPr>
-            <a:lvl9pPr marL="8230870" lvl="8" indent="-609600">
-              <a:spcBef>
-                <a:spcPct val="1000"/>
-              </a:spcBef>
-              <a:spcAft>
-                <a:spcPts val="0"/>
-              </a:spcAft>
-              <a:buSzPts val="1200"/>
+            <a:lvl9pPr marL="8230870" lvl="8" indent="-596900">
+              <a:spcBef>
+                <a:spcPct val="1000"/>
+              </a:spcBef>
+              <a:spcAft>
+                <a:spcPts val="0"/>
+              </a:spcAft>
+              <a:buSzPts val="1100"/>
               <a:buChar char="■"/>
-              <a:defRPr sz="2400"/>
+              <a:defRPr/>
             </a:lvl9pPr>
           </a:lstStyle>
           <a:p/>
@@ -3100,7 +4573,132 @@
       </p:sp>
       <p:sp>
         <p:nvSpPr>
-          <p:cNvPr id="30" name="Google Shape;30;p5"/>
+          <p:cNvPr id="54" name="Google Shape;54;p5"/>
+          <p:cNvSpPr txBox="1"/>
+          <p:nvPr>
+            <p:ph type="body" idx="2"/>
+          </p:nvPr>
+        </p:nvSpPr>
+        <p:spPr>
+          <a:xfrm>
+            <a:off x="9866442" y="3135648"/>
+            <a:ext cx="6806400" cy="5823419"/>
+          </a:xfrm>
+          <a:prstGeom prst="rect">
+            <a:avLst/>
+          </a:prstGeom>
+        </p:spPr>
+        <p:txBody>
+          <a:bodyPr spcFirstLastPara="1" wrap="square" lIns="91425" tIns="91425" rIns="91425" bIns="91425" anchor="t" anchorCtr="0">
+            <a:normAutofit/>
+          </a:bodyPr>
+          <a:lstStyle>
+            <a:lvl1pPr marL="914400" lvl="0" indent="-622300">
+              <a:spcBef>
+                <a:spcPct val="1000"/>
+              </a:spcBef>
+              <a:spcAft>
+                <a:spcPts val="0"/>
+              </a:spcAft>
+              <a:buSzPts val="1300"/>
+              <a:buChar char="●"/>
+              <a:defRPr/>
+            </a:lvl1pPr>
+            <a:lvl2pPr marL="1829435" lvl="1" indent="-596900">
+              <a:spcBef>
+                <a:spcPct val="1000"/>
+              </a:spcBef>
+              <a:spcAft>
+                <a:spcPts val="0"/>
+              </a:spcAft>
+              <a:buSzPts val="1100"/>
+              <a:buChar char="○"/>
+              <a:defRPr/>
+            </a:lvl2pPr>
+            <a:lvl3pPr marL="2743835" lvl="2" indent="-596900">
+              <a:spcBef>
+                <a:spcPct val="1000"/>
+              </a:spcBef>
+              <a:spcAft>
+                <a:spcPts val="0"/>
+              </a:spcAft>
+              <a:buSzPts val="1100"/>
+              <a:buChar char="■"/>
+              <a:defRPr/>
+            </a:lvl3pPr>
+            <a:lvl4pPr marL="3658235" lvl="3" indent="-596900">
+              <a:spcBef>
+                <a:spcPct val="1000"/>
+              </a:spcBef>
+              <a:spcAft>
+                <a:spcPts val="0"/>
+              </a:spcAft>
+              <a:buSzPts val="1100"/>
+              <a:buChar char="●"/>
+              <a:defRPr/>
+            </a:lvl4pPr>
+            <a:lvl5pPr marL="4572635" lvl="4" indent="-596900">
+              <a:spcBef>
+                <a:spcPct val="1000"/>
+              </a:spcBef>
+              <a:spcAft>
+                <a:spcPts val="0"/>
+              </a:spcAft>
+              <a:buSzPts val="1100"/>
+              <a:buChar char="○"/>
+              <a:defRPr/>
+            </a:lvl5pPr>
+            <a:lvl6pPr marL="5487670" lvl="5" indent="-596900">
+              <a:spcBef>
+                <a:spcPct val="1000"/>
+              </a:spcBef>
+              <a:spcAft>
+                <a:spcPts val="0"/>
+              </a:spcAft>
+              <a:buSzPts val="1100"/>
+              <a:buChar char="■"/>
+              <a:defRPr/>
+            </a:lvl6pPr>
+            <a:lvl7pPr marL="6402070" lvl="6" indent="-596900">
+              <a:spcBef>
+                <a:spcPct val="1000"/>
+              </a:spcBef>
+              <a:spcAft>
+                <a:spcPts val="0"/>
+              </a:spcAft>
+              <a:buSzPts val="1100"/>
+              <a:buChar char="●"/>
+              <a:defRPr/>
+            </a:lvl7pPr>
+            <a:lvl8pPr marL="7316470" lvl="7" indent="-596900">
+              <a:spcBef>
+                <a:spcPct val="1000"/>
+              </a:spcBef>
+              <a:spcAft>
+                <a:spcPts val="0"/>
+              </a:spcAft>
+              <a:buSzPts val="1100"/>
+              <a:buChar char="○"/>
+              <a:defRPr/>
+            </a:lvl8pPr>
+            <a:lvl9pPr marL="8230870" lvl="8" indent="-596900">
+              <a:spcBef>
+                <a:spcPct val="1000"/>
+              </a:spcBef>
+              <a:spcAft>
+                <a:spcPts val="0"/>
+              </a:spcAft>
+              <a:buSzPts val="1100"/>
+              <a:buChar char="■"/>
+              <a:defRPr/>
+            </a:lvl9pPr>
+          </a:lstStyle>
+          <a:p/>
+        </p:txBody>
+      </p:sp>
+      <p:sp>
+        <p:nvSpPr>
+          <p:cNvPr id="55" name="Google Shape;55;p5"/>
           <p:cNvSpPr txBox="1"/>
           <p:nvPr>
             <p:ph type="sldNum" idx="12"/>
@@ -3187,7 +4785,7 @@
   <p:cSld name="TITLE_ONLY">
     <p:spTree>
       <p:nvGrpSpPr>
-        <p:cNvPr id="31" name="Shape 31"/>
+        <p:cNvPr id="56" name="Shape 56"/>
         <p:cNvGrpSpPr/>
         <p:nvPr/>
       </p:nvGrpSpPr>
@@ -3199,9 +4797,108 @@
           <a:chExt cx="0" cy="0"/>
         </a:xfrm>
       </p:grpSpPr>
+      <p:grpSp>
+        <p:nvGrpSpPr>
+          <p:cNvPr id="57" name="Google Shape;57;p6"/>
+          <p:cNvGrpSpPr/>
+          <p:nvPr/>
+        </p:nvGrpSpPr>
+        <p:grpSpPr>
+          <a:xfrm>
+            <a:off x="0" y="762135"/>
+            <a:ext cx="2075700" cy="2032930"/>
+            <a:chOff x="0" y="381001"/>
+            <a:chExt cx="1037850" cy="1016287"/>
+          </a:xfrm>
+        </p:grpSpPr>
+        <p:sp>
+          <p:nvSpPr>
+            <p:cNvPr id="58" name="Google Shape;58;p6"/>
+            <p:cNvSpPr/>
+            <p:nvPr/>
+          </p:nvSpPr>
+          <p:spPr>
+            <a:xfrm rot="-5400000">
+              <a:off x="0" y="381001"/>
+              <a:ext cx="808800" cy="808800"/>
+            </a:xfrm>
+            <a:prstGeom prst="diagStripe">
+              <a:avLst>
+                <a:gd name="adj" fmla="val 50000"/>
+              </a:avLst>
+            </a:prstGeom>
+            <a:solidFill>
+              <a:schemeClr val="accent1"/>
+            </a:solidFill>
+            <a:ln>
+              <a:noFill/>
+            </a:ln>
+          </p:spPr>
+          <p:txBody>
+            <a:bodyPr spcFirstLastPara="1" wrap="square" lIns="182850" tIns="182850" rIns="182850" bIns="182850" anchor="ctr" anchorCtr="0">
+              <a:noAutofit/>
+            </a:bodyPr>
+            <a:lstStyle/>
+            <a:p>
+              <a:pPr marL="0" lvl="0" indent="0" algn="l" rtl="0">
+                <a:spcBef>
+                  <a:spcPts val="0"/>
+                </a:spcBef>
+                <a:spcAft>
+                  <a:spcPts val="0"/>
+                </a:spcAft>
+                <a:buNone/>
+              </a:pPr>
+              <a:endParaRPr sz="2800"/>
+            </a:p>
+          </p:txBody>
+        </p:sp>
+        <p:sp>
+          <p:nvSpPr>
+            <p:cNvPr id="59" name="Google Shape;59;p6"/>
+            <p:cNvSpPr/>
+            <p:nvPr/>
+          </p:nvSpPr>
+          <p:spPr>
+            <a:xfrm flipH="1">
+              <a:off x="229050" y="588489"/>
+              <a:ext cx="808800" cy="808800"/>
+            </a:xfrm>
+            <a:prstGeom prst="diagStripe">
+              <a:avLst>
+                <a:gd name="adj" fmla="val 50000"/>
+              </a:avLst>
+            </a:prstGeom>
+            <a:solidFill>
+              <a:schemeClr val="lt2"/>
+            </a:solidFill>
+            <a:ln>
+              <a:noFill/>
+            </a:ln>
+          </p:spPr>
+          <p:txBody>
+            <a:bodyPr spcFirstLastPara="1" wrap="square" lIns="182850" tIns="182850" rIns="182850" bIns="182850" anchor="ctr" anchorCtr="0">
+              <a:noAutofit/>
+            </a:bodyPr>
+            <a:lstStyle/>
+            <a:p>
+              <a:pPr marL="0" lvl="0" indent="0" algn="l" rtl="0">
+                <a:spcBef>
+                  <a:spcPts val="0"/>
+                </a:spcBef>
+                <a:spcAft>
+                  <a:spcPts val="0"/>
+                </a:spcAft>
+                <a:buNone/>
+              </a:pPr>
+              <a:endParaRPr sz="2800"/>
+            </a:p>
+          </p:txBody>
+        </p:sp>
+      </p:grpSp>
       <p:sp>
         <p:nvSpPr>
-          <p:cNvPr id="32" name="Google Shape;32;p6"/>
+          <p:cNvPr id="60" name="Google Shape;60;p6"/>
           <p:cNvSpPr txBox="1"/>
           <p:nvPr>
             <p:ph type="title"/>
@@ -3209,15 +4906,15 @@
         </p:nvSpPr>
         <p:spPr>
           <a:xfrm>
-            <a:off x="775800" y="916210"/>
-            <a:ext cx="16736400" cy="1372440"/>
+            <a:off x="2595000" y="787638"/>
+            <a:ext cx="14077800" cy="1828520"/>
           </a:xfrm>
           <a:prstGeom prst="rect">
             <a:avLst/>
           </a:prstGeom>
         </p:spPr>
         <p:txBody>
-          <a:bodyPr spcFirstLastPara="1" wrap="square" lIns="91425" tIns="91425" rIns="91425" bIns="91425" anchor="b" anchorCtr="0">
+          <a:bodyPr spcFirstLastPara="1" wrap="square" lIns="91425" tIns="91425" rIns="91425" bIns="91425" anchor="t" anchorCtr="0">
             <a:normAutofit/>
           </a:bodyPr>
           <a:lstStyle>
@@ -3228,9 +4925,9 @@
               <a:spcAft>
                 <a:spcPts val="0"/>
               </a:spcAft>
-              <a:buSzPts val="3000"/>
-              <a:buNone/>
-              <a:defRPr/>
+              <a:buSzPts val="2400"/>
+              <a:buNone/>
+              <a:defRPr sz="4800"/>
             </a:lvl1pPr>
             <a:lvl2pPr lvl="1">
               <a:spcBef>
@@ -3239,9 +4936,9 @@
               <a:spcAft>
                 <a:spcPts val="0"/>
               </a:spcAft>
-              <a:buSzPts val="3000"/>
-              <a:buNone/>
-              <a:defRPr/>
+              <a:buSzPts val="2400"/>
+              <a:buNone/>
+              <a:defRPr sz="4800"/>
             </a:lvl2pPr>
             <a:lvl3pPr lvl="2">
               <a:spcBef>
@@ -3250,9 +4947,9 @@
               <a:spcAft>
                 <a:spcPts val="0"/>
               </a:spcAft>
-              <a:buSzPts val="3000"/>
-              <a:buNone/>
-              <a:defRPr/>
+              <a:buSzPts val="2400"/>
+              <a:buNone/>
+              <a:defRPr sz="4800"/>
             </a:lvl3pPr>
             <a:lvl4pPr lvl="3">
               <a:spcBef>
@@ -3261,9 +4958,9 @@
               <a:spcAft>
                 <a:spcPts val="0"/>
               </a:spcAft>
-              <a:buSzPts val="3000"/>
-              <a:buNone/>
-              <a:defRPr/>
+              <a:buSzPts val="2400"/>
+              <a:buNone/>
+              <a:defRPr sz="4800"/>
             </a:lvl4pPr>
             <a:lvl5pPr lvl="4">
               <a:spcBef>
@@ -3272,9 +4969,9 @@
               <a:spcAft>
                 <a:spcPts val="0"/>
               </a:spcAft>
-              <a:buSzPts val="3000"/>
-              <a:buNone/>
-              <a:defRPr/>
+              <a:buSzPts val="2400"/>
+              <a:buNone/>
+              <a:defRPr sz="4800"/>
             </a:lvl5pPr>
             <a:lvl6pPr lvl="5">
               <a:spcBef>
@@ -3283,9 +4980,9 @@
               <a:spcAft>
                 <a:spcPts val="0"/>
               </a:spcAft>
-              <a:buSzPts val="3000"/>
-              <a:buNone/>
-              <a:defRPr/>
+              <a:buSzPts val="2400"/>
+              <a:buNone/>
+              <a:defRPr sz="4800"/>
             </a:lvl6pPr>
             <a:lvl7pPr lvl="6">
               <a:spcBef>
@@ -3294,9 +4991,9 @@
               <a:spcAft>
                 <a:spcPts val="0"/>
               </a:spcAft>
-              <a:buSzPts val="3000"/>
-              <a:buNone/>
-              <a:defRPr/>
+              <a:buSzPts val="2400"/>
+              <a:buNone/>
+              <a:defRPr sz="4800"/>
             </a:lvl7pPr>
             <a:lvl8pPr lvl="7">
               <a:spcBef>
@@ -3305,9 +5002,9 @@
               <a:spcAft>
                 <a:spcPts val="0"/>
               </a:spcAft>
-              <a:buSzPts val="3000"/>
-              <a:buNone/>
-              <a:defRPr/>
+              <a:buSzPts val="2400"/>
+              <a:buNone/>
+              <a:defRPr sz="4800"/>
             </a:lvl8pPr>
             <a:lvl9pPr lvl="8">
               <a:spcBef>
@@ -3316,9 +5013,9 @@
               <a:spcAft>
                 <a:spcPts val="0"/>
               </a:spcAft>
-              <a:buSzPts val="3000"/>
-              <a:buNone/>
-              <a:defRPr/>
+              <a:buSzPts val="2400"/>
+              <a:buNone/>
+              <a:defRPr sz="4800"/>
             </a:lvl9pPr>
           </a:lstStyle>
           <a:p/>
@@ -3326,7 +5023,7 @@
       </p:sp>
       <p:sp>
         <p:nvSpPr>
-          <p:cNvPr id="33" name="Google Shape;33;p6"/>
+          <p:cNvPr id="61" name="Google Shape;61;p6"/>
           <p:cNvSpPr txBox="1"/>
           <p:nvPr>
             <p:ph type="sldNum" idx="12"/>
@@ -3413,7 +5110,7 @@
   <p:cSld name="ONE_COLUMN_TEXT">
     <p:spTree>
       <p:nvGrpSpPr>
-        <p:cNvPr id="34" name="Shape 34"/>
+        <p:cNvPr id="62" name="Shape 62"/>
         <p:cNvGrpSpPr/>
         <p:nvPr/>
       </p:nvGrpSpPr>
@@ -3425,35 +5122,108 @@
           <a:chExt cx="0" cy="0"/>
         </a:xfrm>
       </p:grpSpPr>
-      <p:cxnSp>
-        <p:nvCxnSpPr>
-          <p:cNvPr id="35" name="Google Shape;35;p7"/>
-          <p:cNvCxnSpPr/>
+      <p:grpSp>
+        <p:nvGrpSpPr>
+          <p:cNvPr id="63" name="Google Shape;63;p7"/>
+          <p:cNvGrpSpPr/>
           <p:nvPr/>
-        </p:nvCxnSpPr>
-        <p:spPr>
+        </p:nvGrpSpPr>
+        <p:grpSpPr>
           <a:xfrm>
-            <a:off x="978436" y="2825048"/>
-            <a:ext cx="663000" cy="0"/>
+            <a:off x="0" y="762135"/>
+            <a:ext cx="2075700" cy="2032930"/>
+            <a:chOff x="0" y="381001"/>
+            <a:chExt cx="1037850" cy="1016287"/>
           </a:xfrm>
-          <a:prstGeom prst="straightConnector1">
-            <a:avLst/>
-          </a:prstGeom>
-          <a:noFill/>
-          <a:ln w="38100" cap="flat" cmpd="sng">
+        </p:grpSpPr>
+        <p:sp>
+          <p:nvSpPr>
+            <p:cNvPr id="64" name="Google Shape;64;p7"/>
+            <p:cNvSpPr/>
+            <p:nvPr/>
+          </p:nvSpPr>
+          <p:spPr>
+            <a:xfrm rot="-5400000">
+              <a:off x="0" y="381001"/>
+              <a:ext cx="808800" cy="808800"/>
+            </a:xfrm>
+            <a:prstGeom prst="diagStripe">
+              <a:avLst>
+                <a:gd name="adj" fmla="val 50000"/>
+              </a:avLst>
+            </a:prstGeom>
             <a:solidFill>
-              <a:schemeClr val="accent4"/>
+              <a:schemeClr val="accent1"/>
             </a:solidFill>
-            <a:prstDash val="solid"/>
-            <a:round/>
-            <a:headEnd type="none" w="sm" len="sm"/>
-            <a:tailEnd type="none" w="sm" len="sm"/>
-          </a:ln>
-        </p:spPr>
-      </p:cxnSp>
+            <a:ln>
+              <a:noFill/>
+            </a:ln>
+          </p:spPr>
+          <p:txBody>
+            <a:bodyPr spcFirstLastPara="1" wrap="square" lIns="182850" tIns="182850" rIns="182850" bIns="182850" anchor="ctr" anchorCtr="0">
+              <a:noAutofit/>
+            </a:bodyPr>
+            <a:lstStyle/>
+            <a:p>
+              <a:pPr marL="0" lvl="0" indent="0" algn="l" rtl="0">
+                <a:spcBef>
+                  <a:spcPts val="0"/>
+                </a:spcBef>
+                <a:spcAft>
+                  <a:spcPts val="0"/>
+                </a:spcAft>
+                <a:buNone/>
+              </a:pPr>
+              <a:endParaRPr sz="2800"/>
+            </a:p>
+          </p:txBody>
+        </p:sp>
+        <p:sp>
+          <p:nvSpPr>
+            <p:cNvPr id="65" name="Google Shape;65;p7"/>
+            <p:cNvSpPr/>
+            <p:nvPr/>
+          </p:nvSpPr>
+          <p:spPr>
+            <a:xfrm flipH="1">
+              <a:off x="229050" y="588489"/>
+              <a:ext cx="808800" cy="808800"/>
+            </a:xfrm>
+            <a:prstGeom prst="diagStripe">
+              <a:avLst>
+                <a:gd name="adj" fmla="val 50000"/>
+              </a:avLst>
+            </a:prstGeom>
+            <a:solidFill>
+              <a:schemeClr val="lt2"/>
+            </a:solidFill>
+            <a:ln>
+              <a:noFill/>
+            </a:ln>
+          </p:spPr>
+          <p:txBody>
+            <a:bodyPr spcFirstLastPara="1" wrap="square" lIns="182850" tIns="182850" rIns="182850" bIns="182850" anchor="ctr" anchorCtr="0">
+              <a:noAutofit/>
+            </a:bodyPr>
+            <a:lstStyle/>
+            <a:p>
+              <a:pPr marL="0" lvl="0" indent="0" algn="l" rtl="0">
+                <a:spcBef>
+                  <a:spcPts val="0"/>
+                </a:spcBef>
+                <a:spcAft>
+                  <a:spcPts val="0"/>
+                </a:spcAft>
+                <a:buNone/>
+              </a:pPr>
+              <a:endParaRPr sz="2800"/>
+            </a:p>
+          </p:txBody>
+        </p:sp>
+      </p:grpSp>
       <p:sp>
         <p:nvSpPr>
-          <p:cNvPr id="36" name="Google Shape;36;p7"/>
+          <p:cNvPr id="66" name="Google Shape;66;p7"/>
           <p:cNvSpPr txBox="1"/>
           <p:nvPr>
             <p:ph type="title"/>
@@ -3461,133 +5231,8 @@
         </p:nvSpPr>
         <p:spPr>
           <a:xfrm>
-            <a:off x="775800" y="1111394"/>
-            <a:ext cx="5616000" cy="1511664"/>
-          </a:xfrm>
-          <a:prstGeom prst="rect">
-            <a:avLst/>
-          </a:prstGeom>
-        </p:spPr>
-        <p:txBody>
-          <a:bodyPr spcFirstLastPara="1" wrap="square" lIns="91425" tIns="91425" rIns="91425" bIns="91425" anchor="b" anchorCtr="0">
-            <a:normAutofit/>
-          </a:bodyPr>
-          <a:lstStyle>
-            <a:lvl1pPr lvl="0">
-              <a:spcBef>
-                <a:spcPct val="1000"/>
-              </a:spcBef>
-              <a:spcAft>
-                <a:spcPts val="0"/>
-              </a:spcAft>
-              <a:buSzPts val="2400"/>
-              <a:buNone/>
-              <a:defRPr sz="4800"/>
-            </a:lvl1pPr>
-            <a:lvl2pPr lvl="1">
-              <a:spcBef>
-                <a:spcPct val="1000"/>
-              </a:spcBef>
-              <a:spcAft>
-                <a:spcPts val="0"/>
-              </a:spcAft>
-              <a:buSzPts val="2400"/>
-              <a:buNone/>
-              <a:defRPr sz="4800"/>
-            </a:lvl2pPr>
-            <a:lvl3pPr lvl="2">
-              <a:spcBef>
-                <a:spcPct val="1000"/>
-              </a:spcBef>
-              <a:spcAft>
-                <a:spcPts val="0"/>
-              </a:spcAft>
-              <a:buSzPts val="2400"/>
-              <a:buNone/>
-              <a:defRPr sz="4800"/>
-            </a:lvl3pPr>
-            <a:lvl4pPr lvl="3">
-              <a:spcBef>
-                <a:spcPct val="1000"/>
-              </a:spcBef>
-              <a:spcAft>
-                <a:spcPts val="0"/>
-              </a:spcAft>
-              <a:buSzPts val="2400"/>
-              <a:buNone/>
-              <a:defRPr sz="4800"/>
-            </a:lvl4pPr>
-            <a:lvl5pPr lvl="4">
-              <a:spcBef>
-                <a:spcPct val="1000"/>
-              </a:spcBef>
-              <a:spcAft>
-                <a:spcPts val="0"/>
-              </a:spcAft>
-              <a:buSzPts val="2400"/>
-              <a:buNone/>
-              <a:defRPr sz="4800"/>
-            </a:lvl5pPr>
-            <a:lvl6pPr lvl="5">
-              <a:spcBef>
-                <a:spcPct val="1000"/>
-              </a:spcBef>
-              <a:spcAft>
-                <a:spcPts val="0"/>
-              </a:spcAft>
-              <a:buSzPts val="2400"/>
-              <a:buNone/>
-              <a:defRPr sz="4800"/>
-            </a:lvl6pPr>
-            <a:lvl7pPr lvl="6">
-              <a:spcBef>
-                <a:spcPct val="1000"/>
-              </a:spcBef>
-              <a:spcAft>
-                <a:spcPts val="0"/>
-              </a:spcAft>
-              <a:buSzPts val="2400"/>
-              <a:buNone/>
-              <a:defRPr sz="4800"/>
-            </a:lvl7pPr>
-            <a:lvl8pPr lvl="7">
-              <a:spcBef>
-                <a:spcPct val="1000"/>
-              </a:spcBef>
-              <a:spcAft>
-                <a:spcPts val="0"/>
-              </a:spcAft>
-              <a:buSzPts val="2400"/>
-              <a:buNone/>
-              <a:defRPr sz="4800"/>
-            </a:lvl8pPr>
-            <a:lvl9pPr lvl="8">
-              <a:spcBef>
-                <a:spcPct val="1000"/>
-              </a:spcBef>
-              <a:spcAft>
-                <a:spcPts val="0"/>
-              </a:spcAft>
-              <a:buSzPts val="2400"/>
-              <a:buNone/>
-              <a:defRPr sz="4800"/>
-            </a:lvl9pPr>
-          </a:lstStyle>
-          <a:p/>
-        </p:txBody>
-      </p:sp>
-      <p:sp>
-        <p:nvSpPr>
-          <p:cNvPr id="37" name="Google Shape;37;p7"/>
-          <p:cNvSpPr txBox="1"/>
-          <p:nvPr>
-            <p:ph type="body" idx="1"/>
-          </p:nvPr>
-        </p:nvSpPr>
-        <p:spPr>
-          <a:xfrm>
-            <a:off x="775800" y="3188608"/>
-            <a:ext cx="5616000" cy="5363138"/>
+            <a:off x="2595000" y="787638"/>
+            <a:ext cx="7597800" cy="2986722"/>
           </a:xfrm>
           <a:prstGeom prst="rect">
             <a:avLst/>
@@ -3598,104 +5243,104 @@
             <a:normAutofit/>
           </a:bodyPr>
           <a:lstStyle>
-            <a:lvl1pPr marL="914400" lvl="0" indent="-609600">
-              <a:spcBef>
-                <a:spcPct val="1000"/>
-              </a:spcBef>
-              <a:spcAft>
-                <a:spcPts val="0"/>
-              </a:spcAft>
-              <a:buSzPts val="1200"/>
-              <a:buChar char="●"/>
-              <a:defRPr sz="2400"/>
+            <a:lvl1pPr lvl="0">
+              <a:spcBef>
+                <a:spcPct val="1000"/>
+              </a:spcBef>
+              <a:spcAft>
+                <a:spcPts val="0"/>
+              </a:spcAft>
+              <a:buSzPts val="2400"/>
+              <a:buNone/>
+              <a:defRPr sz="4800"/>
             </a:lvl1pPr>
-            <a:lvl2pPr marL="1829435" lvl="1" indent="-609600">
-              <a:spcBef>
-                <a:spcPct val="1000"/>
-              </a:spcBef>
-              <a:spcAft>
-                <a:spcPts val="0"/>
-              </a:spcAft>
-              <a:buSzPts val="1200"/>
-              <a:buChar char="○"/>
-              <a:defRPr sz="2400"/>
+            <a:lvl2pPr lvl="1">
+              <a:spcBef>
+                <a:spcPct val="1000"/>
+              </a:spcBef>
+              <a:spcAft>
+                <a:spcPts val="0"/>
+              </a:spcAft>
+              <a:buSzPts val="2400"/>
+              <a:buNone/>
+              <a:defRPr sz="4800"/>
             </a:lvl2pPr>
-            <a:lvl3pPr marL="2743835" lvl="2" indent="-609600">
-              <a:spcBef>
-                <a:spcPct val="1000"/>
-              </a:spcBef>
-              <a:spcAft>
-                <a:spcPts val="0"/>
-              </a:spcAft>
-              <a:buSzPts val="1200"/>
-              <a:buChar char="■"/>
-              <a:defRPr sz="2400"/>
+            <a:lvl3pPr lvl="2">
+              <a:spcBef>
+                <a:spcPct val="1000"/>
+              </a:spcBef>
+              <a:spcAft>
+                <a:spcPts val="0"/>
+              </a:spcAft>
+              <a:buSzPts val="2400"/>
+              <a:buNone/>
+              <a:defRPr sz="4800"/>
             </a:lvl3pPr>
-            <a:lvl4pPr marL="3658235" lvl="3" indent="-609600">
-              <a:spcBef>
-                <a:spcPct val="1000"/>
-              </a:spcBef>
-              <a:spcAft>
-                <a:spcPts val="0"/>
-              </a:spcAft>
-              <a:buSzPts val="1200"/>
-              <a:buChar char="●"/>
-              <a:defRPr sz="2400"/>
+            <a:lvl4pPr lvl="3">
+              <a:spcBef>
+                <a:spcPct val="1000"/>
+              </a:spcBef>
+              <a:spcAft>
+                <a:spcPts val="0"/>
+              </a:spcAft>
+              <a:buSzPts val="2400"/>
+              <a:buNone/>
+              <a:defRPr sz="4800"/>
             </a:lvl4pPr>
-            <a:lvl5pPr marL="4572635" lvl="4" indent="-609600">
-              <a:spcBef>
-                <a:spcPct val="1000"/>
-              </a:spcBef>
-              <a:spcAft>
-                <a:spcPts val="0"/>
-              </a:spcAft>
-              <a:buSzPts val="1200"/>
-              <a:buChar char="○"/>
-              <a:defRPr sz="2400"/>
+            <a:lvl5pPr lvl="4">
+              <a:spcBef>
+                <a:spcPct val="1000"/>
+              </a:spcBef>
+              <a:spcAft>
+                <a:spcPts val="0"/>
+              </a:spcAft>
+              <a:buSzPts val="2400"/>
+              <a:buNone/>
+              <a:defRPr sz="4800"/>
             </a:lvl5pPr>
-            <a:lvl6pPr marL="5487670" lvl="5" indent="-609600">
-              <a:spcBef>
-                <a:spcPct val="1000"/>
-              </a:spcBef>
-              <a:spcAft>
-                <a:spcPts val="0"/>
-              </a:spcAft>
-              <a:buSzPts val="1200"/>
-              <a:buChar char="■"/>
-              <a:defRPr sz="2400"/>
+            <a:lvl6pPr lvl="5">
+              <a:spcBef>
+                <a:spcPct val="1000"/>
+              </a:spcBef>
+              <a:spcAft>
+                <a:spcPts val="0"/>
+              </a:spcAft>
+              <a:buSzPts val="2400"/>
+              <a:buNone/>
+              <a:defRPr sz="4800"/>
             </a:lvl6pPr>
-            <a:lvl7pPr marL="6402070" lvl="6" indent="-609600">
-              <a:spcBef>
-                <a:spcPct val="1000"/>
-              </a:spcBef>
-              <a:spcAft>
-                <a:spcPts val="0"/>
-              </a:spcAft>
-              <a:buSzPts val="1200"/>
-              <a:buChar char="●"/>
-              <a:defRPr sz="2400"/>
+            <a:lvl7pPr lvl="6">
+              <a:spcBef>
+                <a:spcPct val="1000"/>
+              </a:spcBef>
+              <a:spcAft>
+                <a:spcPts val="0"/>
+              </a:spcAft>
+              <a:buSzPts val="2400"/>
+              <a:buNone/>
+              <a:defRPr sz="4800"/>
             </a:lvl7pPr>
-            <a:lvl8pPr marL="7316470" lvl="7" indent="-609600">
-              <a:spcBef>
-                <a:spcPct val="1000"/>
-              </a:spcBef>
-              <a:spcAft>
-                <a:spcPts val="0"/>
-              </a:spcAft>
-              <a:buSzPts val="1200"/>
-              <a:buChar char="○"/>
-              <a:defRPr sz="2400"/>
+            <a:lvl8pPr lvl="7">
+              <a:spcBef>
+                <a:spcPct val="1000"/>
+              </a:spcBef>
+              <a:spcAft>
+                <a:spcPts val="0"/>
+              </a:spcAft>
+              <a:buSzPts val="2400"/>
+              <a:buNone/>
+              <a:defRPr sz="4800"/>
             </a:lvl8pPr>
-            <a:lvl9pPr marL="8230870" lvl="8" indent="-609600">
-              <a:spcBef>
-                <a:spcPct val="1000"/>
-              </a:spcBef>
-              <a:spcAft>
-                <a:spcPts val="0"/>
-              </a:spcAft>
-              <a:buSzPts val="1200"/>
-              <a:buChar char="■"/>
-              <a:defRPr sz="2400"/>
+            <a:lvl9pPr lvl="8">
+              <a:spcBef>
+                <a:spcPct val="1000"/>
+              </a:spcBef>
+              <a:spcAft>
+                <a:spcPts val="0"/>
+              </a:spcAft>
+              <a:buSzPts val="2400"/>
+              <a:buNone/>
+              <a:defRPr sz="4800"/>
             </a:lvl9pPr>
           </a:lstStyle>
           <a:p/>
@@ -3703,7 +5348,132 @@
       </p:sp>
       <p:sp>
         <p:nvSpPr>
-          <p:cNvPr id="38" name="Google Shape;38;p7"/>
+          <p:cNvPr id="67" name="Google Shape;67;p7"/>
+          <p:cNvSpPr txBox="1"/>
+          <p:nvPr>
+            <p:ph type="body" idx="1"/>
+          </p:nvPr>
+        </p:nvSpPr>
+        <p:spPr>
+          <a:xfrm>
+            <a:off x="2595000" y="3945790"/>
+            <a:ext cx="7597800" cy="4832645"/>
+          </a:xfrm>
+          <a:prstGeom prst="rect">
+            <a:avLst/>
+          </a:prstGeom>
+        </p:spPr>
+        <p:txBody>
+          <a:bodyPr spcFirstLastPara="1" wrap="square" lIns="91425" tIns="91425" rIns="91425" bIns="91425" anchor="t" anchorCtr="0">
+            <a:normAutofit/>
+          </a:bodyPr>
+          <a:lstStyle>
+            <a:lvl1pPr marL="914400" lvl="0" indent="-622300">
+              <a:spcBef>
+                <a:spcPct val="1000"/>
+              </a:spcBef>
+              <a:spcAft>
+                <a:spcPts val="0"/>
+              </a:spcAft>
+              <a:buSzPts val="1300"/>
+              <a:buChar char="●"/>
+              <a:defRPr/>
+            </a:lvl1pPr>
+            <a:lvl2pPr marL="1829435" lvl="1" indent="-596900">
+              <a:spcBef>
+                <a:spcPct val="1000"/>
+              </a:spcBef>
+              <a:spcAft>
+                <a:spcPts val="0"/>
+              </a:spcAft>
+              <a:buSzPts val="1100"/>
+              <a:buChar char="○"/>
+              <a:defRPr/>
+            </a:lvl2pPr>
+            <a:lvl3pPr marL="2743835" lvl="2" indent="-596900">
+              <a:spcBef>
+                <a:spcPct val="1000"/>
+              </a:spcBef>
+              <a:spcAft>
+                <a:spcPts val="0"/>
+              </a:spcAft>
+              <a:buSzPts val="1100"/>
+              <a:buChar char="■"/>
+              <a:defRPr/>
+            </a:lvl3pPr>
+            <a:lvl4pPr marL="3658235" lvl="3" indent="-596900">
+              <a:spcBef>
+                <a:spcPct val="1000"/>
+              </a:spcBef>
+              <a:spcAft>
+                <a:spcPts val="0"/>
+              </a:spcAft>
+              <a:buSzPts val="1100"/>
+              <a:buChar char="●"/>
+              <a:defRPr/>
+            </a:lvl4pPr>
+            <a:lvl5pPr marL="4572635" lvl="4" indent="-596900">
+              <a:spcBef>
+                <a:spcPct val="1000"/>
+              </a:spcBef>
+              <a:spcAft>
+                <a:spcPts val="0"/>
+              </a:spcAft>
+              <a:buSzPts val="1100"/>
+              <a:buChar char="○"/>
+              <a:defRPr/>
+            </a:lvl5pPr>
+            <a:lvl6pPr marL="5487670" lvl="5" indent="-596900">
+              <a:spcBef>
+                <a:spcPct val="1000"/>
+              </a:spcBef>
+              <a:spcAft>
+                <a:spcPts val="0"/>
+              </a:spcAft>
+              <a:buSzPts val="1100"/>
+              <a:buChar char="■"/>
+              <a:defRPr/>
+            </a:lvl6pPr>
+            <a:lvl7pPr marL="6402070" lvl="6" indent="-596900">
+              <a:spcBef>
+                <a:spcPct val="1000"/>
+              </a:spcBef>
+              <a:spcAft>
+                <a:spcPts val="0"/>
+              </a:spcAft>
+              <a:buSzPts val="1100"/>
+              <a:buChar char="●"/>
+              <a:defRPr/>
+            </a:lvl7pPr>
+            <a:lvl8pPr marL="7316470" lvl="7" indent="-596900">
+              <a:spcBef>
+                <a:spcPct val="1000"/>
+              </a:spcBef>
+              <a:spcAft>
+                <a:spcPts val="0"/>
+              </a:spcAft>
+              <a:buSzPts val="1100"/>
+              <a:buChar char="○"/>
+              <a:defRPr/>
+            </a:lvl8pPr>
+            <a:lvl9pPr marL="8230870" lvl="8" indent="-596900">
+              <a:spcBef>
+                <a:spcPct val="1000"/>
+              </a:spcBef>
+              <a:spcAft>
+                <a:spcPts val="0"/>
+              </a:spcAft>
+              <a:buSzPts val="1100"/>
+              <a:buChar char="■"/>
+              <a:defRPr/>
+            </a:lvl9pPr>
+          </a:lstStyle>
+          <a:p/>
+        </p:txBody>
+      </p:sp>
+      <p:sp>
+        <p:nvSpPr>
+          <p:cNvPr id="68" name="Google Shape;68;p7"/>
           <p:cNvSpPr txBox="1"/>
           <p:nvPr>
             <p:ph type="sldNum" idx="12"/>
@@ -3790,7 +5560,7 @@
   <p:cSld name="MAIN_POINT">
     <p:spTree>
       <p:nvGrpSpPr>
-        <p:cNvPr id="39" name="Shape 39"/>
+        <p:cNvPr id="69" name="Shape 69"/>
         <p:cNvGrpSpPr/>
         <p:nvPr/>
       </p:nvGrpSpPr>
@@ -3802,9 +5572,812 @@
           <a:chExt cx="0" cy="0"/>
         </a:xfrm>
       </p:grpSpPr>
+      <p:grpSp>
+        <p:nvGrpSpPr>
+          <p:cNvPr id="70" name="Google Shape;70;p8"/>
+          <p:cNvGrpSpPr/>
+          <p:nvPr/>
+        </p:nvGrpSpPr>
+        <p:grpSpPr>
+          <a:xfrm>
+            <a:off x="8812800" y="0"/>
+            <a:ext cx="9475200" cy="10288800"/>
+            <a:chOff x="4406400" y="0"/>
+            <a:chExt cx="4737600" cy="5143500"/>
+          </a:xfrm>
+        </p:grpSpPr>
+        <p:sp>
+          <p:nvSpPr>
+            <p:cNvPr id="71" name="Google Shape;71;p8"/>
+            <p:cNvSpPr/>
+            <p:nvPr/>
+          </p:nvSpPr>
+          <p:spPr>
+            <a:xfrm rot="5400000">
+              <a:off x="4407900" y="-1500"/>
+              <a:ext cx="4734600" cy="4737600"/>
+            </a:xfrm>
+            <a:prstGeom prst="diagStripe">
+              <a:avLst>
+                <a:gd name="adj" fmla="val 49469"/>
+              </a:avLst>
+            </a:prstGeom>
+            <a:solidFill>
+              <a:schemeClr val="lt1">
+                <a:alpha val="3460"/>
+              </a:schemeClr>
+            </a:solidFill>
+            <a:ln>
+              <a:noFill/>
+            </a:ln>
+          </p:spPr>
+          <p:txBody>
+            <a:bodyPr spcFirstLastPara="1" wrap="square" lIns="182850" tIns="182850" rIns="182850" bIns="182850" anchor="ctr" anchorCtr="0">
+              <a:noAutofit/>
+            </a:bodyPr>
+            <a:lstStyle/>
+            <a:p>
+              <a:pPr marL="0" lvl="0" indent="0" algn="l" rtl="0">
+                <a:spcBef>
+                  <a:spcPts val="0"/>
+                </a:spcBef>
+                <a:spcAft>
+                  <a:spcPts val="0"/>
+                </a:spcAft>
+                <a:buNone/>
+              </a:pPr>
+              <a:endParaRPr sz="2800"/>
+            </a:p>
+          </p:txBody>
+        </p:sp>
+        <p:sp>
+          <p:nvSpPr>
+            <p:cNvPr id="72" name="Google Shape;72;p8"/>
+            <p:cNvSpPr/>
+            <p:nvPr/>
+          </p:nvSpPr>
+          <p:spPr>
+            <a:xfrm rot="5400000">
+              <a:off x="4840825" y="6000"/>
+              <a:ext cx="4298700" cy="4286700"/>
+            </a:xfrm>
+            <a:prstGeom prst="diagStripe">
+              <a:avLst>
+                <a:gd name="adj" fmla="val 0"/>
+              </a:avLst>
+            </a:prstGeom>
+            <a:solidFill>
+              <a:schemeClr val="lt1">
+                <a:alpha val="3460"/>
+              </a:schemeClr>
+            </a:solidFill>
+            <a:ln>
+              <a:noFill/>
+            </a:ln>
+          </p:spPr>
+          <p:txBody>
+            <a:bodyPr spcFirstLastPara="1" wrap="square" lIns="182850" tIns="182850" rIns="182850" bIns="182850" anchor="ctr" anchorCtr="0">
+              <a:noAutofit/>
+            </a:bodyPr>
+            <a:lstStyle/>
+            <a:p>
+              <a:pPr marL="0" lvl="0" indent="0" algn="l" rtl="0">
+                <a:spcBef>
+                  <a:spcPts val="0"/>
+                </a:spcBef>
+                <a:spcAft>
+                  <a:spcPts val="0"/>
+                </a:spcAft>
+                <a:buNone/>
+              </a:pPr>
+              <a:endParaRPr sz="2800"/>
+            </a:p>
+          </p:txBody>
+        </p:sp>
+        <p:sp>
+          <p:nvSpPr>
+            <p:cNvPr id="73" name="Google Shape;73;p8"/>
+            <p:cNvSpPr/>
+            <p:nvPr/>
+          </p:nvSpPr>
+          <p:spPr>
+            <a:xfrm rot="-5400000">
+              <a:off x="5618399" y="1236641"/>
+              <a:ext cx="808800" cy="808800"/>
+            </a:xfrm>
+            <a:prstGeom prst="diagStripe">
+              <a:avLst>
+                <a:gd name="adj" fmla="val 50000"/>
+              </a:avLst>
+            </a:prstGeom>
+            <a:solidFill>
+              <a:schemeClr val="lt1">
+                <a:alpha val="7310"/>
+              </a:schemeClr>
+            </a:solidFill>
+            <a:ln>
+              <a:noFill/>
+            </a:ln>
+          </p:spPr>
+          <p:txBody>
+            <a:bodyPr spcFirstLastPara="1" wrap="square" lIns="182850" tIns="182850" rIns="182850" bIns="182850" anchor="ctr" anchorCtr="0">
+              <a:noAutofit/>
+            </a:bodyPr>
+            <a:lstStyle/>
+            <a:p>
+              <a:pPr marL="0" lvl="0" indent="0" algn="l" rtl="0">
+                <a:spcBef>
+                  <a:spcPts val="0"/>
+                </a:spcBef>
+                <a:spcAft>
+                  <a:spcPts val="0"/>
+                </a:spcAft>
+                <a:buNone/>
+              </a:pPr>
+              <a:endParaRPr sz="2800"/>
+            </a:p>
+          </p:txBody>
+        </p:sp>
+        <p:sp>
+          <p:nvSpPr>
+            <p:cNvPr id="74" name="Google Shape;74;p8"/>
+            <p:cNvSpPr/>
+            <p:nvPr/>
+          </p:nvSpPr>
+          <p:spPr>
+            <a:xfrm flipH="1">
+              <a:off x="5849857" y="1444078"/>
+              <a:ext cx="808800" cy="808800"/>
+            </a:xfrm>
+            <a:prstGeom prst="diagStripe">
+              <a:avLst>
+                <a:gd name="adj" fmla="val 50000"/>
+              </a:avLst>
+            </a:prstGeom>
+            <a:solidFill>
+              <a:schemeClr val="lt1">
+                <a:alpha val="7310"/>
+              </a:schemeClr>
+            </a:solidFill>
+            <a:ln>
+              <a:noFill/>
+            </a:ln>
+          </p:spPr>
+          <p:txBody>
+            <a:bodyPr spcFirstLastPara="1" wrap="square" lIns="182850" tIns="182850" rIns="182850" bIns="182850" anchor="ctr" anchorCtr="0">
+              <a:noAutofit/>
+            </a:bodyPr>
+            <a:lstStyle/>
+            <a:p>
+              <a:pPr marL="0" lvl="0" indent="0" algn="l" rtl="0">
+                <a:spcBef>
+                  <a:spcPts val="0"/>
+                </a:spcBef>
+                <a:spcAft>
+                  <a:spcPts val="0"/>
+                </a:spcAft>
+                <a:buNone/>
+              </a:pPr>
+              <a:endParaRPr sz="2800"/>
+            </a:p>
+          </p:txBody>
+        </p:sp>
+        <p:sp>
+          <p:nvSpPr>
+            <p:cNvPr id="75" name="Google Shape;75;p8"/>
+            <p:cNvSpPr/>
+            <p:nvPr/>
+          </p:nvSpPr>
+          <p:spPr>
+            <a:xfrm rot="-5400000">
+              <a:off x="5987081" y="2469743"/>
+              <a:ext cx="808800" cy="808800"/>
+            </a:xfrm>
+            <a:prstGeom prst="diagStripe">
+              <a:avLst>
+                <a:gd name="adj" fmla="val 50000"/>
+              </a:avLst>
+            </a:prstGeom>
+            <a:solidFill>
+              <a:schemeClr val="lt1">
+                <a:alpha val="7310"/>
+              </a:schemeClr>
+            </a:solidFill>
+            <a:ln>
+              <a:noFill/>
+            </a:ln>
+          </p:spPr>
+          <p:txBody>
+            <a:bodyPr spcFirstLastPara="1" wrap="square" lIns="182850" tIns="182850" rIns="182850" bIns="182850" anchor="ctr" anchorCtr="0">
+              <a:noAutofit/>
+            </a:bodyPr>
+            <a:lstStyle/>
+            <a:p>
+              <a:pPr marL="0" lvl="0" indent="0" algn="l" rtl="0">
+                <a:spcBef>
+                  <a:spcPts val="0"/>
+                </a:spcBef>
+                <a:spcAft>
+                  <a:spcPts val="0"/>
+                </a:spcAft>
+                <a:buNone/>
+              </a:pPr>
+              <a:endParaRPr sz="2800"/>
+            </a:p>
+          </p:txBody>
+        </p:sp>
+        <p:sp>
+          <p:nvSpPr>
+            <p:cNvPr id="76" name="Google Shape;76;p8"/>
+            <p:cNvSpPr/>
+            <p:nvPr/>
+          </p:nvSpPr>
+          <p:spPr>
+            <a:xfrm flipH="1">
+              <a:off x="6222115" y="2677179"/>
+              <a:ext cx="808800" cy="808800"/>
+            </a:xfrm>
+            <a:prstGeom prst="diagStripe">
+              <a:avLst>
+                <a:gd name="adj" fmla="val 50000"/>
+              </a:avLst>
+            </a:prstGeom>
+            <a:solidFill>
+              <a:schemeClr val="lt1">
+                <a:alpha val="7310"/>
+              </a:schemeClr>
+            </a:solidFill>
+            <a:ln>
+              <a:noFill/>
+            </a:ln>
+          </p:spPr>
+          <p:txBody>
+            <a:bodyPr spcFirstLastPara="1" wrap="square" lIns="182850" tIns="182850" rIns="182850" bIns="182850" anchor="ctr" anchorCtr="0">
+              <a:noAutofit/>
+            </a:bodyPr>
+            <a:lstStyle/>
+            <a:p>
+              <a:pPr marL="0" lvl="0" indent="0" algn="l" rtl="0">
+                <a:spcBef>
+                  <a:spcPts val="0"/>
+                </a:spcBef>
+                <a:spcAft>
+                  <a:spcPts val="0"/>
+                </a:spcAft>
+                <a:buNone/>
+              </a:pPr>
+              <a:endParaRPr sz="2800"/>
+            </a:p>
+          </p:txBody>
+        </p:sp>
+        <p:sp>
+          <p:nvSpPr>
+            <p:cNvPr id="77" name="Google Shape;77;p8"/>
+            <p:cNvSpPr/>
+            <p:nvPr/>
+          </p:nvSpPr>
+          <p:spPr>
+            <a:xfrm rot="-5400000">
+              <a:off x="6675341" y="1862244"/>
+              <a:ext cx="808800" cy="808800"/>
+            </a:xfrm>
+            <a:prstGeom prst="diagStripe">
+              <a:avLst>
+                <a:gd name="adj" fmla="val 50000"/>
+              </a:avLst>
+            </a:prstGeom>
+            <a:solidFill>
+              <a:schemeClr val="lt1">
+                <a:alpha val="7310"/>
+              </a:schemeClr>
+            </a:solidFill>
+            <a:ln>
+              <a:noFill/>
+            </a:ln>
+          </p:spPr>
+          <p:txBody>
+            <a:bodyPr spcFirstLastPara="1" wrap="square" lIns="182850" tIns="182850" rIns="182850" bIns="182850" anchor="ctr" anchorCtr="0">
+              <a:noAutofit/>
+            </a:bodyPr>
+            <a:lstStyle/>
+            <a:p>
+              <a:pPr marL="0" lvl="0" indent="0" algn="l" rtl="0">
+                <a:spcBef>
+                  <a:spcPts val="0"/>
+                </a:spcBef>
+                <a:spcAft>
+                  <a:spcPts val="0"/>
+                </a:spcAft>
+                <a:buNone/>
+              </a:pPr>
+              <a:endParaRPr sz="2800"/>
+            </a:p>
+          </p:txBody>
+        </p:sp>
+        <p:sp>
+          <p:nvSpPr>
+            <p:cNvPr id="78" name="Google Shape;78;p8"/>
+            <p:cNvSpPr/>
+            <p:nvPr/>
+          </p:nvSpPr>
+          <p:spPr>
+            <a:xfrm flipH="1">
+              <a:off x="6908099" y="2069680"/>
+              <a:ext cx="808800" cy="808800"/>
+            </a:xfrm>
+            <a:prstGeom prst="diagStripe">
+              <a:avLst>
+                <a:gd name="adj" fmla="val 50000"/>
+              </a:avLst>
+            </a:prstGeom>
+            <a:solidFill>
+              <a:schemeClr val="lt2"/>
+            </a:solidFill>
+            <a:ln>
+              <a:noFill/>
+            </a:ln>
+          </p:spPr>
+          <p:txBody>
+            <a:bodyPr spcFirstLastPara="1" wrap="square" lIns="182850" tIns="182850" rIns="182850" bIns="182850" anchor="ctr" anchorCtr="0">
+              <a:noAutofit/>
+            </a:bodyPr>
+            <a:lstStyle/>
+            <a:p>
+              <a:pPr marL="0" lvl="0" indent="0" algn="l" rtl="0">
+                <a:spcBef>
+                  <a:spcPts val="0"/>
+                </a:spcBef>
+                <a:spcAft>
+                  <a:spcPts val="0"/>
+                </a:spcAft>
+                <a:buNone/>
+              </a:pPr>
+              <a:endParaRPr sz="2800"/>
+            </a:p>
+          </p:txBody>
+        </p:sp>
+        <p:sp>
+          <p:nvSpPr>
+            <p:cNvPr id="79" name="Google Shape;79;p8"/>
+            <p:cNvSpPr/>
+            <p:nvPr/>
+          </p:nvSpPr>
+          <p:spPr>
+            <a:xfrm rot="-5400000">
+              <a:off x="6861141" y="2478088"/>
+              <a:ext cx="808800" cy="808800"/>
+            </a:xfrm>
+            <a:prstGeom prst="diagStripe">
+              <a:avLst>
+                <a:gd name="adj" fmla="val 50000"/>
+              </a:avLst>
+            </a:prstGeom>
+            <a:solidFill>
+              <a:schemeClr val="lt1">
+                <a:alpha val="7310"/>
+              </a:schemeClr>
+            </a:solidFill>
+            <a:ln>
+              <a:noFill/>
+            </a:ln>
+          </p:spPr>
+          <p:txBody>
+            <a:bodyPr spcFirstLastPara="1" wrap="square" lIns="182850" tIns="182850" rIns="182850" bIns="182850" anchor="ctr" anchorCtr="0">
+              <a:noAutofit/>
+            </a:bodyPr>
+            <a:lstStyle/>
+            <a:p>
+              <a:pPr marL="0" lvl="0" indent="0" algn="l" rtl="0">
+                <a:spcBef>
+                  <a:spcPts val="0"/>
+                </a:spcBef>
+                <a:spcAft>
+                  <a:spcPts val="0"/>
+                </a:spcAft>
+                <a:buNone/>
+              </a:pPr>
+              <a:endParaRPr sz="2800"/>
+            </a:p>
+          </p:txBody>
+        </p:sp>
+        <p:sp>
+          <p:nvSpPr>
+            <p:cNvPr id="80" name="Google Shape;80;p8"/>
+            <p:cNvSpPr/>
+            <p:nvPr/>
+          </p:nvSpPr>
+          <p:spPr>
+            <a:xfrm flipH="1">
+              <a:off x="7965266" y="2693191"/>
+              <a:ext cx="808800" cy="808800"/>
+            </a:xfrm>
+            <a:prstGeom prst="diagStripe">
+              <a:avLst>
+                <a:gd name="adj" fmla="val 50000"/>
+              </a:avLst>
+            </a:prstGeom>
+            <a:solidFill>
+              <a:schemeClr val="lt1">
+                <a:alpha val="7310"/>
+              </a:schemeClr>
+            </a:solidFill>
+            <a:ln>
+              <a:noFill/>
+            </a:ln>
+          </p:spPr>
+          <p:txBody>
+            <a:bodyPr spcFirstLastPara="1" wrap="square" lIns="182850" tIns="182850" rIns="182850" bIns="182850" anchor="ctr" anchorCtr="0">
+              <a:noAutofit/>
+            </a:bodyPr>
+            <a:lstStyle/>
+            <a:p>
+              <a:pPr marL="0" lvl="0" indent="0" algn="l" rtl="0">
+                <a:spcBef>
+                  <a:spcPts val="0"/>
+                </a:spcBef>
+                <a:spcAft>
+                  <a:spcPts val="0"/>
+                </a:spcAft>
+                <a:buNone/>
+              </a:pPr>
+              <a:endParaRPr sz="2800"/>
+            </a:p>
+          </p:txBody>
+        </p:sp>
+        <p:sp>
+          <p:nvSpPr>
+            <p:cNvPr id="81" name="Google Shape;81;p8"/>
+            <p:cNvSpPr/>
+            <p:nvPr/>
+          </p:nvSpPr>
+          <p:spPr>
+            <a:xfrm flipH="1">
+              <a:off x="8145082" y="3309036"/>
+              <a:ext cx="808800" cy="808800"/>
+            </a:xfrm>
+            <a:prstGeom prst="diagStripe">
+              <a:avLst>
+                <a:gd name="adj" fmla="val 50000"/>
+              </a:avLst>
+            </a:prstGeom>
+            <a:solidFill>
+              <a:schemeClr val="lt1">
+                <a:alpha val="7310"/>
+              </a:schemeClr>
+            </a:solidFill>
+            <a:ln>
+              <a:noFill/>
+            </a:ln>
+          </p:spPr>
+          <p:txBody>
+            <a:bodyPr spcFirstLastPara="1" wrap="square" lIns="182850" tIns="182850" rIns="182850" bIns="182850" anchor="ctr" anchorCtr="0">
+              <a:noAutofit/>
+            </a:bodyPr>
+            <a:lstStyle/>
+            <a:p>
+              <a:pPr marL="0" lvl="0" indent="0" algn="l" rtl="0">
+                <a:spcBef>
+                  <a:spcPts val="0"/>
+                </a:spcBef>
+                <a:spcAft>
+                  <a:spcPts val="0"/>
+                </a:spcAft>
+                <a:buNone/>
+              </a:pPr>
+              <a:endParaRPr sz="2800"/>
+            </a:p>
+          </p:txBody>
+        </p:sp>
+        <p:sp>
+          <p:nvSpPr>
+            <p:cNvPr id="82" name="Google Shape;82;p8"/>
+            <p:cNvSpPr/>
+            <p:nvPr/>
+          </p:nvSpPr>
+          <p:spPr>
+            <a:xfrm rot="-5400000">
+              <a:off x="7047599" y="3095345"/>
+              <a:ext cx="808800" cy="808800"/>
+            </a:xfrm>
+            <a:prstGeom prst="diagStripe">
+              <a:avLst>
+                <a:gd name="adj" fmla="val 50000"/>
+              </a:avLst>
+            </a:prstGeom>
+            <a:solidFill>
+              <a:schemeClr val="lt1">
+                <a:alpha val="7310"/>
+              </a:schemeClr>
+            </a:solidFill>
+            <a:ln>
+              <a:noFill/>
+            </a:ln>
+          </p:spPr>
+          <p:txBody>
+            <a:bodyPr spcFirstLastPara="1" wrap="square" lIns="182850" tIns="182850" rIns="182850" bIns="182850" anchor="ctr" anchorCtr="0">
+              <a:noAutofit/>
+            </a:bodyPr>
+            <a:lstStyle/>
+            <a:p>
+              <a:pPr marL="0" lvl="0" indent="0" algn="l" rtl="0">
+                <a:spcBef>
+                  <a:spcPts val="0"/>
+                </a:spcBef>
+                <a:spcAft>
+                  <a:spcPts val="0"/>
+                </a:spcAft>
+                <a:buNone/>
+              </a:pPr>
+              <a:endParaRPr sz="2800"/>
+            </a:p>
+          </p:txBody>
+        </p:sp>
+        <p:sp>
+          <p:nvSpPr>
+            <p:cNvPr id="83" name="Google Shape;83;p8"/>
+            <p:cNvSpPr/>
+            <p:nvPr/>
+          </p:nvSpPr>
+          <p:spPr>
+            <a:xfrm flipH="1">
+              <a:off x="7276649" y="3302781"/>
+              <a:ext cx="808800" cy="808800"/>
+            </a:xfrm>
+            <a:prstGeom prst="diagStripe">
+              <a:avLst>
+                <a:gd name="adj" fmla="val 50000"/>
+              </a:avLst>
+            </a:prstGeom>
+            <a:solidFill>
+              <a:schemeClr val="lt1">
+                <a:alpha val="7310"/>
+              </a:schemeClr>
+            </a:solidFill>
+            <a:ln>
+              <a:noFill/>
+            </a:ln>
+          </p:spPr>
+          <p:txBody>
+            <a:bodyPr spcFirstLastPara="1" wrap="square" lIns="182850" tIns="182850" rIns="182850" bIns="182850" anchor="ctr" anchorCtr="0">
+              <a:noAutofit/>
+            </a:bodyPr>
+            <a:lstStyle/>
+            <a:p>
+              <a:pPr marL="0" lvl="0" indent="0" algn="l" rtl="0">
+                <a:spcBef>
+                  <a:spcPts val="0"/>
+                </a:spcBef>
+                <a:spcAft>
+                  <a:spcPts val="0"/>
+                </a:spcAft>
+                <a:buNone/>
+              </a:pPr>
+              <a:endParaRPr sz="2800"/>
+            </a:p>
+          </p:txBody>
+        </p:sp>
+        <p:sp>
+          <p:nvSpPr>
+            <p:cNvPr id="84" name="Google Shape;84;p8"/>
+            <p:cNvSpPr/>
+            <p:nvPr/>
+          </p:nvSpPr>
+          <p:spPr>
+            <a:xfrm rot="-5400000">
+              <a:off x="7227414" y="3711189"/>
+              <a:ext cx="808800" cy="808800"/>
+            </a:xfrm>
+            <a:prstGeom prst="diagStripe">
+              <a:avLst>
+                <a:gd name="adj" fmla="val 50000"/>
+              </a:avLst>
+            </a:prstGeom>
+            <a:solidFill>
+              <a:schemeClr val="accent1"/>
+            </a:solidFill>
+            <a:ln>
+              <a:noFill/>
+            </a:ln>
+          </p:spPr>
+          <p:txBody>
+            <a:bodyPr spcFirstLastPara="1" wrap="square" lIns="182850" tIns="182850" rIns="182850" bIns="182850" anchor="ctr" anchorCtr="0">
+              <a:noAutofit/>
+            </a:bodyPr>
+            <a:lstStyle/>
+            <a:p>
+              <a:pPr marL="0" lvl="0" indent="0" algn="l" rtl="0">
+                <a:spcBef>
+                  <a:spcPts val="0"/>
+                </a:spcBef>
+                <a:spcAft>
+                  <a:spcPts val="0"/>
+                </a:spcAft>
+                <a:buNone/>
+              </a:pPr>
+              <a:endParaRPr sz="2800"/>
+            </a:p>
+          </p:txBody>
+        </p:sp>
+        <p:sp>
+          <p:nvSpPr>
+            <p:cNvPr id="85" name="Google Shape;85;p8"/>
+            <p:cNvSpPr/>
+            <p:nvPr/>
+          </p:nvSpPr>
+          <p:spPr>
+            <a:xfrm flipH="1">
+              <a:off x="7462448" y="3918625"/>
+              <a:ext cx="808800" cy="808800"/>
+            </a:xfrm>
+            <a:prstGeom prst="diagStripe">
+              <a:avLst>
+                <a:gd name="adj" fmla="val 50000"/>
+              </a:avLst>
+            </a:prstGeom>
+            <a:solidFill>
+              <a:schemeClr val="lt1">
+                <a:alpha val="7310"/>
+              </a:schemeClr>
+            </a:solidFill>
+            <a:ln>
+              <a:noFill/>
+            </a:ln>
+          </p:spPr>
+          <p:txBody>
+            <a:bodyPr spcFirstLastPara="1" wrap="square" lIns="182850" tIns="182850" rIns="182850" bIns="182850" anchor="ctr" anchorCtr="0">
+              <a:noAutofit/>
+            </a:bodyPr>
+            <a:lstStyle/>
+            <a:p>
+              <a:pPr marL="0" lvl="0" indent="0" algn="l" rtl="0">
+                <a:spcBef>
+                  <a:spcPts val="0"/>
+                </a:spcBef>
+                <a:spcAft>
+                  <a:spcPts val="0"/>
+                </a:spcAft>
+                <a:buNone/>
+              </a:pPr>
+              <a:endParaRPr sz="2800"/>
+            </a:p>
+          </p:txBody>
+        </p:sp>
+        <p:sp>
+          <p:nvSpPr>
+            <p:cNvPr id="86" name="Google Shape;86;p8"/>
+            <p:cNvSpPr/>
+            <p:nvPr/>
+          </p:nvSpPr>
+          <p:spPr>
+            <a:xfrm rot="-5400000">
+              <a:off x="8102491" y="3718856"/>
+              <a:ext cx="808800" cy="808800"/>
+            </a:xfrm>
+            <a:prstGeom prst="diagStripe">
+              <a:avLst>
+                <a:gd name="adj" fmla="val 50000"/>
+              </a:avLst>
+            </a:prstGeom>
+            <a:solidFill>
+              <a:schemeClr val="lt1">
+                <a:alpha val="7310"/>
+              </a:schemeClr>
+            </a:solidFill>
+            <a:ln>
+              <a:noFill/>
+            </a:ln>
+          </p:spPr>
+          <p:txBody>
+            <a:bodyPr spcFirstLastPara="1" wrap="square" lIns="182850" tIns="182850" rIns="182850" bIns="182850" anchor="ctr" anchorCtr="0">
+              <a:noAutofit/>
+            </a:bodyPr>
+            <a:lstStyle/>
+            <a:p>
+              <a:pPr marL="0" lvl="0" indent="0" algn="l" rtl="0">
+                <a:spcBef>
+                  <a:spcPts val="0"/>
+                </a:spcBef>
+                <a:spcAft>
+                  <a:spcPts val="0"/>
+                </a:spcAft>
+                <a:buNone/>
+              </a:pPr>
+              <a:endParaRPr sz="2800"/>
+            </a:p>
+          </p:txBody>
+        </p:sp>
+        <p:sp>
+          <p:nvSpPr>
+            <p:cNvPr id="87" name="Google Shape;87;p8"/>
+            <p:cNvSpPr/>
+            <p:nvPr/>
+          </p:nvSpPr>
+          <p:spPr>
+            <a:xfrm flipH="1">
+              <a:off x="8334533" y="3926292"/>
+              <a:ext cx="808800" cy="808800"/>
+            </a:xfrm>
+            <a:prstGeom prst="diagStripe">
+              <a:avLst>
+                <a:gd name="adj" fmla="val 50000"/>
+              </a:avLst>
+            </a:prstGeom>
+            <a:solidFill>
+              <a:schemeClr val="lt1">
+                <a:alpha val="7310"/>
+              </a:schemeClr>
+            </a:solidFill>
+            <a:ln>
+              <a:noFill/>
+            </a:ln>
+          </p:spPr>
+          <p:txBody>
+            <a:bodyPr spcFirstLastPara="1" wrap="square" lIns="182850" tIns="182850" rIns="182850" bIns="182850" anchor="ctr" anchorCtr="0">
+              <a:noAutofit/>
+            </a:bodyPr>
+            <a:lstStyle/>
+            <a:p>
+              <a:pPr marL="0" lvl="0" indent="0" algn="l" rtl="0">
+                <a:spcBef>
+                  <a:spcPts val="0"/>
+                </a:spcBef>
+                <a:spcAft>
+                  <a:spcPts val="0"/>
+                </a:spcAft>
+                <a:buNone/>
+              </a:pPr>
+              <a:endParaRPr sz="2800"/>
+            </a:p>
+          </p:txBody>
+        </p:sp>
+        <p:sp>
+          <p:nvSpPr>
+            <p:cNvPr id="88" name="Google Shape;88;p8"/>
+            <p:cNvSpPr/>
+            <p:nvPr/>
+          </p:nvSpPr>
+          <p:spPr>
+            <a:xfrm rot="-5400000">
+              <a:off x="8288290" y="4334700"/>
+              <a:ext cx="808800" cy="808800"/>
+            </a:xfrm>
+            <a:prstGeom prst="diagStripe">
+              <a:avLst>
+                <a:gd name="adj" fmla="val 50000"/>
+              </a:avLst>
+            </a:prstGeom>
+            <a:solidFill>
+              <a:schemeClr val="lt1">
+                <a:alpha val="7310"/>
+              </a:schemeClr>
+            </a:solidFill>
+            <a:ln>
+              <a:noFill/>
+            </a:ln>
+          </p:spPr>
+          <p:txBody>
+            <a:bodyPr spcFirstLastPara="1" wrap="square" lIns="182850" tIns="182850" rIns="182850" bIns="182850" anchor="ctr" anchorCtr="0">
+              <a:noAutofit/>
+            </a:bodyPr>
+            <a:lstStyle/>
+            <a:p>
+              <a:pPr marL="0" lvl="0" indent="0" algn="l" rtl="0">
+                <a:spcBef>
+                  <a:spcPts val="0"/>
+                </a:spcBef>
+                <a:spcAft>
+                  <a:spcPts val="0"/>
+                </a:spcAft>
+                <a:buNone/>
+              </a:pPr>
+              <a:endParaRPr sz="2800"/>
+            </a:p>
+          </p:txBody>
+        </p:sp>
+      </p:grpSp>
       <p:sp>
         <p:nvSpPr>
-          <p:cNvPr id="40" name="Google Shape;40;p8"/>
+          <p:cNvPr id="89" name="Google Shape;89;p8"/>
           <p:cNvSpPr txBox="1"/>
           <p:nvPr>
             <p:ph type="title"/>
@@ -3812,8 +6385,8 @@
         </p:nvSpPr>
         <p:spPr>
           <a:xfrm>
-            <a:off x="980500" y="1052884"/>
-            <a:ext cx="11237400" cy="8183031"/>
+            <a:off x="1647700" y="1733853"/>
+            <a:ext cx="9174000" cy="7043432"/>
           </a:xfrm>
           <a:prstGeom prst="rect">
             <a:avLst/>
@@ -3831,9 +6404,9 @@
               <a:spcAft>
                 <a:spcPts val="0"/>
               </a:spcAft>
-              <a:buSzPts val="4800"/>
-              <a:buNone/>
-              <a:defRPr sz="9600"/>
+              <a:buSzPts val="2800"/>
+              <a:buNone/>
+              <a:defRPr/>
             </a:lvl1pPr>
             <a:lvl2pPr lvl="1">
               <a:spcBef>
@@ -3842,9 +6415,9 @@
               <a:spcAft>
                 <a:spcPts val="0"/>
               </a:spcAft>
-              <a:buSzPts val="4800"/>
-              <a:buNone/>
-              <a:defRPr sz="9600"/>
+              <a:buSzPts val="2800"/>
+              <a:buNone/>
+              <a:defRPr/>
             </a:lvl2pPr>
             <a:lvl3pPr lvl="2">
               <a:spcBef>
@@ -3853,9 +6426,9 @@
               <a:spcAft>
                 <a:spcPts val="0"/>
               </a:spcAft>
-              <a:buSzPts val="4800"/>
-              <a:buNone/>
-              <a:defRPr sz="9600"/>
+              <a:buSzPts val="2800"/>
+              <a:buNone/>
+              <a:defRPr/>
             </a:lvl3pPr>
             <a:lvl4pPr lvl="3">
               <a:spcBef>
@@ -3864,9 +6437,9 @@
               <a:spcAft>
                 <a:spcPts val="0"/>
               </a:spcAft>
-              <a:buSzPts val="4800"/>
-              <a:buNone/>
-              <a:defRPr sz="9600"/>
+              <a:buSzPts val="2800"/>
+              <a:buNone/>
+              <a:defRPr/>
             </a:lvl4pPr>
             <a:lvl5pPr lvl="4">
               <a:spcBef>
@@ -3875,9 +6448,9 @@
               <a:spcAft>
                 <a:spcPts val="0"/>
               </a:spcAft>
-              <a:buSzPts val="4800"/>
-              <a:buNone/>
-              <a:defRPr sz="9600"/>
+              <a:buSzPts val="2800"/>
+              <a:buNone/>
+              <a:defRPr/>
             </a:lvl5pPr>
             <a:lvl6pPr lvl="5">
               <a:spcBef>
@@ -3886,9 +6459,9 @@
               <a:spcAft>
                 <a:spcPts val="0"/>
               </a:spcAft>
-              <a:buSzPts val="4800"/>
-              <a:buNone/>
-              <a:defRPr sz="9600"/>
+              <a:buSzPts val="2800"/>
+              <a:buNone/>
+              <a:defRPr/>
             </a:lvl6pPr>
             <a:lvl7pPr lvl="6">
               <a:spcBef>
@@ -3897,9 +6470,9 @@
               <a:spcAft>
                 <a:spcPts val="0"/>
               </a:spcAft>
-              <a:buSzPts val="4800"/>
-              <a:buNone/>
-              <a:defRPr sz="9600"/>
+              <a:buSzPts val="2800"/>
+              <a:buNone/>
+              <a:defRPr/>
             </a:lvl7pPr>
             <a:lvl8pPr lvl="7">
               <a:spcBef>
@@ -3908,9 +6481,9 @@
               <a:spcAft>
                 <a:spcPts val="0"/>
               </a:spcAft>
-              <a:buSzPts val="4800"/>
-              <a:buNone/>
-              <a:defRPr sz="9600"/>
+              <a:buSzPts val="2800"/>
+              <a:buNone/>
+              <a:defRPr/>
             </a:lvl8pPr>
             <a:lvl9pPr lvl="8">
               <a:spcBef>
@@ -3919,9 +6492,9 @@
               <a:spcAft>
                 <a:spcPts val="0"/>
               </a:spcAft>
-              <a:buSzPts val="4800"/>
-              <a:buNone/>
-              <a:defRPr sz="9600"/>
+              <a:buSzPts val="2800"/>
+              <a:buNone/>
+              <a:defRPr/>
             </a:lvl9pPr>
           </a:lstStyle>
           <a:p/>
@@ -3929,7 +6502,7 @@
       </p:sp>
       <p:sp>
         <p:nvSpPr>
-          <p:cNvPr id="41" name="Google Shape;41;p8"/>
+          <p:cNvPr id="90" name="Google Shape;90;p8"/>
           <p:cNvSpPr txBox="1"/>
           <p:nvPr>
             <p:ph type="sldNum" idx="12"/>
@@ -4016,7 +6589,7 @@
   <p:cSld name="SECTION_TITLE_AND_DESCRIPTION">
     <p:spTree>
       <p:nvGrpSpPr>
-        <p:cNvPr id="42" name="Shape 42"/>
+        <p:cNvPr id="91" name="Shape 91"/>
         <p:cNvGrpSpPr/>
         <p:nvPr/>
       </p:nvGrpSpPr>
@@ -4028,75 +6601,108 @@
           <a:chExt cx="0" cy="0"/>
         </a:xfrm>
       </p:grpSpPr>
+      <p:grpSp>
+        <p:nvGrpSpPr>
+          <p:cNvPr id="92" name="Google Shape;92;p9"/>
+          <p:cNvGrpSpPr/>
+          <p:nvPr/>
+        </p:nvGrpSpPr>
+        <p:grpSpPr>
+          <a:xfrm>
+            <a:off x="0" y="762135"/>
+            <a:ext cx="2075700" cy="2032930"/>
+            <a:chOff x="0" y="381001"/>
+            <a:chExt cx="1037850" cy="1016287"/>
+          </a:xfrm>
+        </p:grpSpPr>
+        <p:sp>
+          <p:nvSpPr>
+            <p:cNvPr id="93" name="Google Shape;93;p9"/>
+            <p:cNvSpPr/>
+            <p:nvPr/>
+          </p:nvSpPr>
+          <p:spPr>
+            <a:xfrm rot="-5400000">
+              <a:off x="0" y="381001"/>
+              <a:ext cx="808800" cy="808800"/>
+            </a:xfrm>
+            <a:prstGeom prst="diagStripe">
+              <a:avLst>
+                <a:gd name="adj" fmla="val 50000"/>
+              </a:avLst>
+            </a:prstGeom>
+            <a:solidFill>
+              <a:schemeClr val="accent1"/>
+            </a:solidFill>
+            <a:ln>
+              <a:noFill/>
+            </a:ln>
+          </p:spPr>
+          <p:txBody>
+            <a:bodyPr spcFirstLastPara="1" wrap="square" lIns="182850" tIns="182850" rIns="182850" bIns="182850" anchor="ctr" anchorCtr="0">
+              <a:noAutofit/>
+            </a:bodyPr>
+            <a:lstStyle/>
+            <a:p>
+              <a:pPr marL="0" lvl="0" indent="0" algn="l" rtl="0">
+                <a:spcBef>
+                  <a:spcPts val="0"/>
+                </a:spcBef>
+                <a:spcAft>
+                  <a:spcPts val="0"/>
+                </a:spcAft>
+                <a:buNone/>
+              </a:pPr>
+              <a:endParaRPr sz="2800"/>
+            </a:p>
+          </p:txBody>
+        </p:sp>
+        <p:sp>
+          <p:nvSpPr>
+            <p:cNvPr id="94" name="Google Shape;94;p9"/>
+            <p:cNvSpPr/>
+            <p:nvPr/>
+          </p:nvSpPr>
+          <p:spPr>
+            <a:xfrm flipH="1">
+              <a:off x="229050" y="588489"/>
+              <a:ext cx="808800" cy="808800"/>
+            </a:xfrm>
+            <a:prstGeom prst="diagStripe">
+              <a:avLst>
+                <a:gd name="adj" fmla="val 50000"/>
+              </a:avLst>
+            </a:prstGeom>
+            <a:solidFill>
+              <a:schemeClr val="lt2"/>
+            </a:solidFill>
+            <a:ln>
+              <a:noFill/>
+            </a:ln>
+          </p:spPr>
+          <p:txBody>
+            <a:bodyPr spcFirstLastPara="1" wrap="square" lIns="182850" tIns="182850" rIns="182850" bIns="182850" anchor="ctr" anchorCtr="0">
+              <a:noAutofit/>
+            </a:bodyPr>
+            <a:lstStyle/>
+            <a:p>
+              <a:pPr marL="0" lvl="0" indent="0" algn="l" rtl="0">
+                <a:spcBef>
+                  <a:spcPts val="0"/>
+                </a:spcBef>
+                <a:spcAft>
+                  <a:spcPts val="0"/>
+                </a:spcAft>
+                <a:buNone/>
+              </a:pPr>
+              <a:endParaRPr sz="2800"/>
+            </a:p>
+          </p:txBody>
+        </p:sp>
+      </p:grpSp>
       <p:sp>
         <p:nvSpPr>
-          <p:cNvPr id="43" name="Google Shape;43;p9"/>
-          <p:cNvSpPr/>
-          <p:nvPr/>
-        </p:nvSpPr>
-        <p:spPr>
-          <a:xfrm>
-            <a:off x="9144000" y="-150"/>
-            <a:ext cx="9144000" cy="10288800"/>
-          </a:xfrm>
-          <a:prstGeom prst="rect">
-            <a:avLst/>
-          </a:prstGeom>
-          <a:solidFill>
-            <a:schemeClr val="dk2"/>
-          </a:solidFill>
-          <a:ln>
-            <a:noFill/>
-          </a:ln>
-        </p:spPr>
-        <p:txBody>
-          <a:bodyPr spcFirstLastPara="1" wrap="square" lIns="182850" tIns="182850" rIns="182850" bIns="182850" anchor="ctr" anchorCtr="0">
-            <a:noAutofit/>
-          </a:bodyPr>
-          <a:lstStyle/>
-          <a:p>
-            <a:pPr marL="0" lvl="0" indent="0" algn="l" rtl="0">
-              <a:spcBef>
-                <a:spcPts val="0"/>
-              </a:spcBef>
-              <a:spcAft>
-                <a:spcPts val="0"/>
-              </a:spcAft>
-              <a:buNone/>
-            </a:pPr>
-            <a:endParaRPr sz="2800"/>
-          </a:p>
-        </p:txBody>
-      </p:sp>
-      <p:cxnSp>
-        <p:nvCxnSpPr>
-          <p:cNvPr id="44" name="Google Shape;44;p9"/>
-          <p:cNvCxnSpPr/>
-          <p:nvPr/>
-        </p:nvCxnSpPr>
-        <p:spPr>
-          <a:xfrm>
-            <a:off x="10059350" y="8992579"/>
-            <a:ext cx="1081800" cy="0"/>
-          </a:xfrm>
-          <a:prstGeom prst="straightConnector1">
-            <a:avLst/>
-          </a:prstGeom>
-          <a:noFill/>
-          <a:ln w="38100" cap="flat" cmpd="sng">
-            <a:solidFill>
-              <a:schemeClr val="accent5"/>
-            </a:solidFill>
-            <a:prstDash val="solid"/>
-            <a:round/>
-            <a:headEnd type="none" w="sm" len="sm"/>
-            <a:tailEnd type="none" w="sm" len="sm"/>
-          </a:ln>
-        </p:spPr>
-      </p:cxnSp>
-      <p:sp>
-        <p:nvSpPr>
-          <p:cNvPr id="45" name="Google Shape;45;p9"/>
+          <p:cNvPr id="95" name="Google Shape;95;p9"/>
           <p:cNvSpPr txBox="1"/>
           <p:nvPr>
             <p:ph type="title"/>
@@ -4104,133 +6710,8 @@
         </p:nvSpPr>
         <p:spPr>
           <a:xfrm>
-            <a:off x="531000" y="2418573"/>
-            <a:ext cx="8090400" cy="3013127"/>
-          </a:xfrm>
-          <a:prstGeom prst="rect">
-            <a:avLst/>
-          </a:prstGeom>
-        </p:spPr>
-        <p:txBody>
-          <a:bodyPr spcFirstLastPara="1" wrap="square" lIns="91425" tIns="91425" rIns="91425" bIns="91425" anchor="b" anchorCtr="0">
-            <a:normAutofit/>
-          </a:bodyPr>
-          <a:lstStyle>
-            <a:lvl1pPr lvl="0" algn="ctr">
-              <a:spcBef>
-                <a:spcPct val="1000"/>
-              </a:spcBef>
-              <a:spcAft>
-                <a:spcPts val="0"/>
-              </a:spcAft>
-              <a:buSzPts val="3800"/>
-              <a:buNone/>
-              <a:defRPr sz="7600"/>
-            </a:lvl1pPr>
-            <a:lvl2pPr lvl="1" algn="ctr">
-              <a:spcBef>
-                <a:spcPct val="1000"/>
-              </a:spcBef>
-              <a:spcAft>
-                <a:spcPts val="0"/>
-              </a:spcAft>
-              <a:buSzPts val="3800"/>
-              <a:buNone/>
-              <a:defRPr sz="7600"/>
-            </a:lvl2pPr>
-            <a:lvl3pPr lvl="2" algn="ctr">
-              <a:spcBef>
-                <a:spcPct val="1000"/>
-              </a:spcBef>
-              <a:spcAft>
-                <a:spcPts val="0"/>
-              </a:spcAft>
-              <a:buSzPts val="3800"/>
-              <a:buNone/>
-              <a:defRPr sz="7600"/>
-            </a:lvl3pPr>
-            <a:lvl4pPr lvl="3" algn="ctr">
-              <a:spcBef>
-                <a:spcPct val="1000"/>
-              </a:spcBef>
-              <a:spcAft>
-                <a:spcPts val="0"/>
-              </a:spcAft>
-              <a:buSzPts val="3800"/>
-              <a:buNone/>
-              <a:defRPr sz="7600"/>
-            </a:lvl4pPr>
-            <a:lvl5pPr lvl="4" algn="ctr">
-              <a:spcBef>
-                <a:spcPct val="1000"/>
-              </a:spcBef>
-              <a:spcAft>
-                <a:spcPts val="0"/>
-              </a:spcAft>
-              <a:buSzPts val="3800"/>
-              <a:buNone/>
-              <a:defRPr sz="7600"/>
-            </a:lvl5pPr>
-            <a:lvl6pPr lvl="5" algn="ctr">
-              <a:spcBef>
-                <a:spcPct val="1000"/>
-              </a:spcBef>
-              <a:spcAft>
-                <a:spcPts val="0"/>
-              </a:spcAft>
-              <a:buSzPts val="3800"/>
-              <a:buNone/>
-              <a:defRPr sz="7600"/>
-            </a:lvl6pPr>
-            <a:lvl7pPr lvl="6" algn="ctr">
-              <a:spcBef>
-                <a:spcPct val="1000"/>
-              </a:spcBef>
-              <a:spcAft>
-                <a:spcPts val="0"/>
-              </a:spcAft>
-              <a:buSzPts val="3800"/>
-              <a:buNone/>
-              <a:defRPr sz="7600"/>
-            </a:lvl7pPr>
-            <a:lvl8pPr lvl="7" algn="ctr">
-              <a:spcBef>
-                <a:spcPct val="1000"/>
-              </a:spcBef>
-              <a:spcAft>
-                <a:spcPts val="0"/>
-              </a:spcAft>
-              <a:buSzPts val="3800"/>
-              <a:buNone/>
-              <a:defRPr sz="7600"/>
-            </a:lvl8pPr>
-            <a:lvl9pPr lvl="8" algn="ctr">
-              <a:spcBef>
-                <a:spcPct val="1000"/>
-              </a:spcBef>
-              <a:spcAft>
-                <a:spcPts val="0"/>
-              </a:spcAft>
-              <a:buSzPts val="3800"/>
-              <a:buNone/>
-              <a:defRPr sz="7600"/>
-            </a:lvl9pPr>
-          </a:lstStyle>
-          <a:p/>
-        </p:txBody>
-      </p:sp>
-      <p:sp>
-        <p:nvSpPr>
-          <p:cNvPr id="46" name="Google Shape;46;p9"/>
-          <p:cNvSpPr txBox="1"/>
-          <p:nvPr>
-            <p:ph type="subTitle" idx="1"/>
-          </p:nvPr>
-        </p:nvSpPr>
-        <p:spPr>
-          <a:xfrm>
-            <a:off x="531000" y="5538971"/>
-            <a:ext cx="8090400" cy="2691471"/>
+            <a:off x="2595000" y="3317230"/>
+            <a:ext cx="6072600" cy="3504013"/>
           </a:xfrm>
           <a:prstGeom prst="rect">
             <a:avLst/>
@@ -4241,194 +6722,104 @@
             <a:normAutofit/>
           </a:bodyPr>
           <a:lstStyle>
-            <a:lvl1pPr lvl="0" algn="ctr">
-              <a:lnSpc>
-                <a:spcPct val="100000"/>
-              </a:lnSpc>
-              <a:spcBef>
-                <a:spcPct val="1000"/>
-              </a:spcBef>
-              <a:spcAft>
-                <a:spcPts val="0"/>
-              </a:spcAft>
-              <a:buClr>
-                <a:schemeClr val="accent5"/>
-              </a:buClr>
-              <a:buSzPts val="2100"/>
-              <a:buNone/>
-              <a:defRPr sz="4200">
-                <a:solidFill>
-                  <a:schemeClr val="accent5"/>
-                </a:solidFill>
-              </a:defRPr>
+            <a:lvl1pPr lvl="0">
+              <a:spcBef>
+                <a:spcPct val="1000"/>
+              </a:spcBef>
+              <a:spcAft>
+                <a:spcPts val="0"/>
+              </a:spcAft>
+              <a:buSzPts val="2400"/>
+              <a:buNone/>
+              <a:defRPr sz="4800"/>
             </a:lvl1pPr>
-            <a:lvl2pPr lvl="1" algn="ctr">
-              <a:lnSpc>
-                <a:spcPct val="100000"/>
-              </a:lnSpc>
-              <a:spcBef>
-                <a:spcPct val="1000"/>
-              </a:spcBef>
-              <a:spcAft>
-                <a:spcPts val="0"/>
-              </a:spcAft>
-              <a:buClr>
-                <a:schemeClr val="accent5"/>
-              </a:buClr>
-              <a:buSzPts val="2100"/>
-              <a:buNone/>
-              <a:defRPr sz="4200">
-                <a:solidFill>
-                  <a:schemeClr val="accent5"/>
-                </a:solidFill>
-              </a:defRPr>
+            <a:lvl2pPr lvl="1">
+              <a:spcBef>
+                <a:spcPct val="1000"/>
+              </a:spcBef>
+              <a:spcAft>
+                <a:spcPts val="0"/>
+              </a:spcAft>
+              <a:buSzPts val="2400"/>
+              <a:buNone/>
+              <a:defRPr sz="4800"/>
             </a:lvl2pPr>
-            <a:lvl3pPr lvl="2" algn="ctr">
-              <a:lnSpc>
-                <a:spcPct val="100000"/>
-              </a:lnSpc>
-              <a:spcBef>
-                <a:spcPct val="1000"/>
-              </a:spcBef>
-              <a:spcAft>
-                <a:spcPts val="0"/>
-              </a:spcAft>
-              <a:buClr>
-                <a:schemeClr val="accent5"/>
-              </a:buClr>
-              <a:buSzPts val="2100"/>
-              <a:buNone/>
-              <a:defRPr sz="4200">
-                <a:solidFill>
-                  <a:schemeClr val="accent5"/>
-                </a:solidFill>
-              </a:defRPr>
+            <a:lvl3pPr lvl="2">
+              <a:spcBef>
+                <a:spcPct val="1000"/>
+              </a:spcBef>
+              <a:spcAft>
+                <a:spcPts val="0"/>
+              </a:spcAft>
+              <a:buSzPts val="2400"/>
+              <a:buNone/>
+              <a:defRPr sz="4800"/>
             </a:lvl3pPr>
-            <a:lvl4pPr lvl="3" algn="ctr">
-              <a:lnSpc>
-                <a:spcPct val="100000"/>
-              </a:lnSpc>
-              <a:spcBef>
-                <a:spcPct val="1000"/>
-              </a:spcBef>
-              <a:spcAft>
-                <a:spcPts val="0"/>
-              </a:spcAft>
-              <a:buClr>
-                <a:schemeClr val="accent5"/>
-              </a:buClr>
-              <a:buSzPts val="2100"/>
-              <a:buNone/>
-              <a:defRPr sz="4200">
-                <a:solidFill>
-                  <a:schemeClr val="accent5"/>
-                </a:solidFill>
-              </a:defRPr>
+            <a:lvl4pPr lvl="3">
+              <a:spcBef>
+                <a:spcPct val="1000"/>
+              </a:spcBef>
+              <a:spcAft>
+                <a:spcPts val="0"/>
+              </a:spcAft>
+              <a:buSzPts val="2400"/>
+              <a:buNone/>
+              <a:defRPr sz="4800"/>
             </a:lvl4pPr>
-            <a:lvl5pPr lvl="4" algn="ctr">
-              <a:lnSpc>
-                <a:spcPct val="100000"/>
-              </a:lnSpc>
-              <a:spcBef>
-                <a:spcPct val="1000"/>
-              </a:spcBef>
-              <a:spcAft>
-                <a:spcPts val="0"/>
-              </a:spcAft>
-              <a:buClr>
-                <a:schemeClr val="accent5"/>
-              </a:buClr>
-              <a:buSzPts val="2100"/>
-              <a:buNone/>
-              <a:defRPr sz="4200">
-                <a:solidFill>
-                  <a:schemeClr val="accent5"/>
-                </a:solidFill>
-              </a:defRPr>
+            <a:lvl5pPr lvl="4">
+              <a:spcBef>
+                <a:spcPct val="1000"/>
+              </a:spcBef>
+              <a:spcAft>
+                <a:spcPts val="0"/>
+              </a:spcAft>
+              <a:buSzPts val="2400"/>
+              <a:buNone/>
+              <a:defRPr sz="4800"/>
             </a:lvl5pPr>
-            <a:lvl6pPr lvl="5" algn="ctr">
-              <a:lnSpc>
-                <a:spcPct val="100000"/>
-              </a:lnSpc>
-              <a:spcBef>
-                <a:spcPct val="1000"/>
-              </a:spcBef>
-              <a:spcAft>
-                <a:spcPts val="0"/>
-              </a:spcAft>
-              <a:buClr>
-                <a:schemeClr val="accent5"/>
-              </a:buClr>
-              <a:buSzPts val="2100"/>
-              <a:buNone/>
-              <a:defRPr sz="4200">
-                <a:solidFill>
-                  <a:schemeClr val="accent5"/>
-                </a:solidFill>
-              </a:defRPr>
+            <a:lvl6pPr lvl="5">
+              <a:spcBef>
+                <a:spcPct val="1000"/>
+              </a:spcBef>
+              <a:spcAft>
+                <a:spcPts val="0"/>
+              </a:spcAft>
+              <a:buSzPts val="2400"/>
+              <a:buNone/>
+              <a:defRPr sz="4800"/>
             </a:lvl6pPr>
-            <a:lvl7pPr lvl="6" algn="ctr">
-              <a:lnSpc>
-                <a:spcPct val="100000"/>
-              </a:lnSpc>
-              <a:spcBef>
-                <a:spcPct val="1000"/>
-              </a:spcBef>
-              <a:spcAft>
-                <a:spcPts val="0"/>
-              </a:spcAft>
-              <a:buClr>
-                <a:schemeClr val="accent5"/>
-              </a:buClr>
-              <a:buSzPts val="2100"/>
-              <a:buNone/>
-              <a:defRPr sz="4200">
-                <a:solidFill>
-                  <a:schemeClr val="accent5"/>
-                </a:solidFill>
-              </a:defRPr>
+            <a:lvl7pPr lvl="6">
+              <a:spcBef>
+                <a:spcPct val="1000"/>
+              </a:spcBef>
+              <a:spcAft>
+                <a:spcPts val="0"/>
+              </a:spcAft>
+              <a:buSzPts val="2400"/>
+              <a:buNone/>
+              <a:defRPr sz="4800"/>
             </a:lvl7pPr>
-            <a:lvl8pPr lvl="7" algn="ctr">
-              <a:lnSpc>
-                <a:spcPct val="100000"/>
-              </a:lnSpc>
-              <a:spcBef>
-                <a:spcPct val="1000"/>
-              </a:spcBef>
-              <a:spcAft>
-                <a:spcPts val="0"/>
-              </a:spcAft>
-              <a:buClr>
-                <a:schemeClr val="accent5"/>
-              </a:buClr>
-              <a:buSzPts val="2100"/>
-              <a:buNone/>
-              <a:defRPr sz="4200">
-                <a:solidFill>
-                  <a:schemeClr val="accent5"/>
-                </a:solidFill>
-              </a:defRPr>
+            <a:lvl8pPr lvl="7">
+              <a:spcBef>
+                <a:spcPct val="1000"/>
+              </a:spcBef>
+              <a:spcAft>
+                <a:spcPts val="0"/>
+              </a:spcAft>
+              <a:buSzPts val="2400"/>
+              <a:buNone/>
+              <a:defRPr sz="4800"/>
             </a:lvl8pPr>
-            <a:lvl9pPr lvl="8" algn="ctr">
-              <a:lnSpc>
-                <a:spcPct val="100000"/>
-              </a:lnSpc>
-              <a:spcBef>
-                <a:spcPct val="1000"/>
-              </a:spcBef>
-              <a:spcAft>
-                <a:spcPts val="0"/>
-              </a:spcAft>
-              <a:buClr>
-                <a:schemeClr val="accent5"/>
-              </a:buClr>
-              <a:buSzPts val="2100"/>
-              <a:buNone/>
-              <a:defRPr sz="4200">
-                <a:solidFill>
-                  <a:schemeClr val="accent5"/>
-                </a:solidFill>
-              </a:defRPr>
+            <a:lvl9pPr lvl="8">
+              <a:spcBef>
+                <a:spcPct val="1000"/>
+              </a:spcBef>
+              <a:spcAft>
+                <a:spcPts val="0"/>
+              </a:spcAft>
+              <a:buSzPts val="2400"/>
+              <a:buNone/>
+              <a:defRPr sz="4800"/>
             </a:lvl9pPr>
           </a:lstStyle>
           <a:p/>
@@ -4436,7 +6827,159 @@
       </p:sp>
       <p:sp>
         <p:nvSpPr>
-          <p:cNvPr id="47" name="Google Shape;47;p9"/>
+          <p:cNvPr id="96" name="Google Shape;96;p9"/>
+          <p:cNvSpPr txBox="1"/>
+          <p:nvPr>
+            <p:ph type="subTitle" idx="1"/>
+          </p:nvPr>
+        </p:nvSpPr>
+        <p:spPr>
+          <a:xfrm>
+            <a:off x="2595000" y="7077238"/>
+            <a:ext cx="6072600" cy="1012377"/>
+          </a:xfrm>
+          <a:prstGeom prst="rect">
+            <a:avLst/>
+          </a:prstGeom>
+        </p:spPr>
+        <p:txBody>
+          <a:bodyPr spcFirstLastPara="1" wrap="square" lIns="91425" tIns="91425" rIns="91425" bIns="91425" anchor="t" anchorCtr="0">
+            <a:normAutofit/>
+          </a:bodyPr>
+          <a:lstStyle>
+            <a:lvl1pPr lvl="0">
+              <a:lnSpc>
+                <a:spcPct val="100000"/>
+              </a:lnSpc>
+              <a:spcBef>
+                <a:spcPct val="1000"/>
+              </a:spcBef>
+              <a:spcAft>
+                <a:spcPts val="0"/>
+              </a:spcAft>
+              <a:buSzPts val="1300"/>
+              <a:buNone/>
+              <a:defRPr/>
+            </a:lvl1pPr>
+            <a:lvl2pPr lvl="1">
+              <a:lnSpc>
+                <a:spcPct val="100000"/>
+              </a:lnSpc>
+              <a:spcBef>
+                <a:spcPct val="1000"/>
+              </a:spcBef>
+              <a:spcAft>
+                <a:spcPts val="0"/>
+              </a:spcAft>
+              <a:buSzPts val="1300"/>
+              <a:buNone/>
+              <a:defRPr sz="2600"/>
+            </a:lvl2pPr>
+            <a:lvl3pPr lvl="2">
+              <a:lnSpc>
+                <a:spcPct val="100000"/>
+              </a:lnSpc>
+              <a:spcBef>
+                <a:spcPct val="1000"/>
+              </a:spcBef>
+              <a:spcAft>
+                <a:spcPts val="0"/>
+              </a:spcAft>
+              <a:buSzPts val="1300"/>
+              <a:buNone/>
+              <a:defRPr sz="2600"/>
+            </a:lvl3pPr>
+            <a:lvl4pPr lvl="3">
+              <a:lnSpc>
+                <a:spcPct val="100000"/>
+              </a:lnSpc>
+              <a:spcBef>
+                <a:spcPct val="1000"/>
+              </a:spcBef>
+              <a:spcAft>
+                <a:spcPts val="0"/>
+              </a:spcAft>
+              <a:buSzPts val="1300"/>
+              <a:buNone/>
+              <a:defRPr sz="2600"/>
+            </a:lvl4pPr>
+            <a:lvl5pPr lvl="4">
+              <a:lnSpc>
+                <a:spcPct val="100000"/>
+              </a:lnSpc>
+              <a:spcBef>
+                <a:spcPct val="1000"/>
+              </a:spcBef>
+              <a:spcAft>
+                <a:spcPts val="0"/>
+              </a:spcAft>
+              <a:buSzPts val="1300"/>
+              <a:buNone/>
+              <a:defRPr sz="2600"/>
+            </a:lvl5pPr>
+            <a:lvl6pPr lvl="5">
+              <a:lnSpc>
+                <a:spcPct val="100000"/>
+              </a:lnSpc>
+              <a:spcBef>
+                <a:spcPct val="1000"/>
+              </a:spcBef>
+              <a:spcAft>
+                <a:spcPts val="0"/>
+              </a:spcAft>
+              <a:buSzPts val="1300"/>
+              <a:buNone/>
+              <a:defRPr sz="2600"/>
+            </a:lvl6pPr>
+            <a:lvl7pPr lvl="6">
+              <a:lnSpc>
+                <a:spcPct val="100000"/>
+              </a:lnSpc>
+              <a:spcBef>
+                <a:spcPct val="1000"/>
+              </a:spcBef>
+              <a:spcAft>
+                <a:spcPts val="0"/>
+              </a:spcAft>
+              <a:buSzPts val="1300"/>
+              <a:buNone/>
+              <a:defRPr sz="2600"/>
+            </a:lvl7pPr>
+            <a:lvl8pPr lvl="7">
+              <a:lnSpc>
+                <a:spcPct val="100000"/>
+              </a:lnSpc>
+              <a:spcBef>
+                <a:spcPct val="1000"/>
+              </a:spcBef>
+              <a:spcAft>
+                <a:spcPts val="0"/>
+              </a:spcAft>
+              <a:buSzPts val="1300"/>
+              <a:buNone/>
+              <a:defRPr sz="2600"/>
+            </a:lvl8pPr>
+            <a:lvl9pPr lvl="8">
+              <a:lnSpc>
+                <a:spcPct val="100000"/>
+              </a:lnSpc>
+              <a:spcBef>
+                <a:spcPct val="1000"/>
+              </a:spcBef>
+              <a:spcAft>
+                <a:spcPts val="0"/>
+              </a:spcAft>
+              <a:buSzPts val="1300"/>
+              <a:buNone/>
+              <a:defRPr sz="2600"/>
+            </a:lvl9pPr>
+          </a:lstStyle>
+          <a:p/>
+        </p:txBody>
+      </p:sp>
+      <p:sp>
+        <p:nvSpPr>
+          <p:cNvPr id="97" name="Google Shape;97;p9"/>
           <p:cNvSpPr txBox="1"/>
           <p:nvPr>
             <p:ph type="body" idx="2"/>
@@ -4444,114 +6987,114 @@
         </p:nvSpPr>
         <p:spPr>
           <a:xfrm>
-            <a:off x="9879000" y="1448653"/>
-            <a:ext cx="7674000" cy="7391493"/>
+            <a:off x="9296400" y="3393794"/>
+            <a:ext cx="7353600" cy="4695821"/>
           </a:xfrm>
           <a:prstGeom prst="rect">
             <a:avLst/>
           </a:prstGeom>
         </p:spPr>
         <p:txBody>
-          <a:bodyPr spcFirstLastPara="1" wrap="square" lIns="91425" tIns="91425" rIns="91425" bIns="91425" anchor="ctr" anchorCtr="0">
+          <a:bodyPr spcFirstLastPara="1" wrap="square" lIns="91425" tIns="91425" rIns="91425" bIns="91425" anchor="t" anchorCtr="0">
             <a:normAutofit/>
           </a:bodyPr>
           <a:lstStyle>
-            <a:lvl1pPr marL="914400" lvl="0" indent="-685800">
-              <a:spcBef>
-                <a:spcPct val="1000"/>
-              </a:spcBef>
-              <a:spcAft>
-                <a:spcPts val="0"/>
-              </a:spcAft>
-              <a:buSzPts val="1800"/>
+            <a:lvl1pPr marL="914400" lvl="0" indent="-622300">
+              <a:spcBef>
+                <a:spcPct val="1000"/>
+              </a:spcBef>
+              <a:spcAft>
+                <a:spcPts val="0"/>
+              </a:spcAft>
+              <a:buSzPts val="1300"/>
               <a:buChar char="●"/>
               <a:defRPr/>
             </a:lvl1pPr>
-            <a:lvl2pPr marL="1829435" lvl="1" indent="-635000">
-              <a:spcBef>
-                <a:spcPct val="1000"/>
-              </a:spcBef>
-              <a:spcAft>
-                <a:spcPts val="0"/>
-              </a:spcAft>
-              <a:buSzPts val="1400"/>
+            <a:lvl2pPr marL="1829435" lvl="1" indent="-596900">
+              <a:spcBef>
+                <a:spcPct val="1000"/>
+              </a:spcBef>
+              <a:spcAft>
+                <a:spcPts val="0"/>
+              </a:spcAft>
+              <a:buSzPts val="1100"/>
               <a:buChar char="○"/>
               <a:defRPr/>
             </a:lvl2pPr>
-            <a:lvl3pPr marL="2743835" lvl="2" indent="-635000">
-              <a:spcBef>
-                <a:spcPct val="1000"/>
-              </a:spcBef>
-              <a:spcAft>
-                <a:spcPts val="0"/>
-              </a:spcAft>
-              <a:buSzPts val="1400"/>
+            <a:lvl3pPr marL="2743835" lvl="2" indent="-596900">
+              <a:spcBef>
+                <a:spcPct val="1000"/>
+              </a:spcBef>
+              <a:spcAft>
+                <a:spcPts val="0"/>
+              </a:spcAft>
+              <a:buSzPts val="1100"/>
               <a:buChar char="■"/>
               <a:defRPr/>
             </a:lvl3pPr>
-            <a:lvl4pPr marL="3658235" lvl="3" indent="-635000">
-              <a:spcBef>
-                <a:spcPct val="1000"/>
-              </a:spcBef>
-              <a:spcAft>
-                <a:spcPts val="0"/>
-              </a:spcAft>
-              <a:buSzPts val="1400"/>
+            <a:lvl4pPr marL="3658235" lvl="3" indent="-596900">
+              <a:spcBef>
+                <a:spcPct val="1000"/>
+              </a:spcBef>
+              <a:spcAft>
+                <a:spcPts val="0"/>
+              </a:spcAft>
+              <a:buSzPts val="1100"/>
               <a:buChar char="●"/>
               <a:defRPr/>
             </a:lvl4pPr>
-            <a:lvl5pPr marL="4572635" lvl="4" indent="-635000">
-              <a:spcBef>
-                <a:spcPct val="1000"/>
-              </a:spcBef>
-              <a:spcAft>
-                <a:spcPts val="0"/>
-              </a:spcAft>
-              <a:buSzPts val="1400"/>
+            <a:lvl5pPr marL="4572635" lvl="4" indent="-596900">
+              <a:spcBef>
+                <a:spcPct val="1000"/>
+              </a:spcBef>
+              <a:spcAft>
+                <a:spcPts val="0"/>
+              </a:spcAft>
+              <a:buSzPts val="1100"/>
               <a:buChar char="○"/>
               <a:defRPr/>
             </a:lvl5pPr>
-            <a:lvl6pPr marL="5487670" lvl="5" indent="-635000">
-              <a:spcBef>
-                <a:spcPct val="1000"/>
-              </a:spcBef>
-              <a:spcAft>
-                <a:spcPts val="0"/>
-              </a:spcAft>
-              <a:buSzPts val="1400"/>
+            <a:lvl6pPr marL="5487670" lvl="5" indent="-596900">
+              <a:spcBef>
+                <a:spcPct val="1000"/>
+              </a:spcBef>
+              <a:spcAft>
+                <a:spcPts val="0"/>
+              </a:spcAft>
+              <a:buSzPts val="1100"/>
               <a:buChar char="■"/>
               <a:defRPr/>
             </a:lvl6pPr>
-            <a:lvl7pPr marL="6402070" lvl="6" indent="-635000">
-              <a:spcBef>
-                <a:spcPct val="1000"/>
-              </a:spcBef>
-              <a:spcAft>
-                <a:spcPts val="0"/>
-              </a:spcAft>
-              <a:buSzPts val="1400"/>
+            <a:lvl7pPr marL="6402070" lvl="6" indent="-596900">
+              <a:spcBef>
+                <a:spcPct val="1000"/>
+              </a:spcBef>
+              <a:spcAft>
+                <a:spcPts val="0"/>
+              </a:spcAft>
+              <a:buSzPts val="1100"/>
               <a:buChar char="●"/>
               <a:defRPr/>
             </a:lvl7pPr>
-            <a:lvl8pPr marL="7316470" lvl="7" indent="-635000">
-              <a:spcBef>
-                <a:spcPct val="1000"/>
-              </a:spcBef>
-              <a:spcAft>
-                <a:spcPts val="0"/>
-              </a:spcAft>
-              <a:buSzPts val="1400"/>
+            <a:lvl8pPr marL="7316470" lvl="7" indent="-596900">
+              <a:spcBef>
+                <a:spcPct val="1000"/>
+              </a:spcBef>
+              <a:spcAft>
+                <a:spcPts val="0"/>
+              </a:spcAft>
+              <a:buSzPts val="1100"/>
               <a:buChar char="○"/>
               <a:defRPr/>
             </a:lvl8pPr>
-            <a:lvl9pPr marL="8230870" lvl="8" indent="-635000">
-              <a:spcBef>
-                <a:spcPct val="1000"/>
-              </a:spcBef>
-              <a:spcAft>
-                <a:spcPts val="0"/>
-              </a:spcAft>
-              <a:buSzPts val="1400"/>
+            <a:lvl9pPr marL="8230870" lvl="8" indent="-596900">
+              <a:spcBef>
+                <a:spcPct val="1000"/>
+              </a:spcBef>
+              <a:spcAft>
+                <a:spcPts val="0"/>
+              </a:spcAft>
+              <a:buSzPts val="1100"/>
               <a:buChar char="■"/>
               <a:defRPr/>
             </a:lvl9pPr>
@@ -4561,7 +7104,7 @@
       </p:sp>
       <p:sp>
         <p:nvSpPr>
-          <p:cNvPr id="48" name="Google Shape;48;p9"/>
+          <p:cNvPr id="98" name="Google Shape;98;p9"/>
           <p:cNvSpPr txBox="1"/>
           <p:nvPr>
             <p:ph type="sldNum" idx="12"/>
@@ -4648,7 +7191,7 @@
   <p:cSld name="CAPTION_ONLY">
     <p:spTree>
       <p:nvGrpSpPr>
-        <p:cNvPr id="49" name="Shape 49"/>
+        <p:cNvPr id="99" name="Shape 99"/>
         <p:cNvGrpSpPr/>
         <p:nvPr/>
       </p:nvGrpSpPr>
@@ -4660,9 +7203,112 @@
           <a:chExt cx="0" cy="0"/>
         </a:xfrm>
       </p:grpSpPr>
+      <p:grpSp>
+        <p:nvGrpSpPr>
+          <p:cNvPr id="100" name="Google Shape;100;p10"/>
+          <p:cNvGrpSpPr/>
+          <p:nvPr/>
+        </p:nvGrpSpPr>
+        <p:grpSpPr>
+          <a:xfrm>
+            <a:off x="0" y="8258588"/>
+            <a:ext cx="1397850" cy="1369554"/>
+            <a:chOff x="0" y="3785672"/>
+            <a:chExt cx="698925" cy="684657"/>
+          </a:xfrm>
+        </p:grpSpPr>
+        <p:sp>
+          <p:nvSpPr>
+            <p:cNvPr id="101" name="Google Shape;101;p10"/>
+            <p:cNvSpPr/>
+            <p:nvPr/>
+          </p:nvSpPr>
+          <p:spPr>
+            <a:xfrm rot="-5400000">
+              <a:off x="0" y="3785672"/>
+              <a:ext cx="544800" cy="544800"/>
+            </a:xfrm>
+            <a:prstGeom prst="diagStripe">
+              <a:avLst>
+                <a:gd name="adj" fmla="val 50000"/>
+              </a:avLst>
+            </a:prstGeom>
+            <a:solidFill>
+              <a:schemeClr val="lt1">
+                <a:alpha val="9620"/>
+              </a:schemeClr>
+            </a:solidFill>
+            <a:ln>
+              <a:noFill/>
+            </a:ln>
+          </p:spPr>
+          <p:txBody>
+            <a:bodyPr spcFirstLastPara="1" wrap="square" lIns="182850" tIns="182850" rIns="182850" bIns="182850" anchor="ctr" anchorCtr="0">
+              <a:noAutofit/>
+            </a:bodyPr>
+            <a:lstStyle/>
+            <a:p>
+              <a:pPr marL="0" lvl="0" indent="0" algn="l" rtl="0">
+                <a:spcBef>
+                  <a:spcPts val="0"/>
+                </a:spcBef>
+                <a:spcAft>
+                  <a:spcPts val="0"/>
+                </a:spcAft>
+                <a:buNone/>
+              </a:pPr>
+              <a:endParaRPr sz="2800"/>
+            </a:p>
+          </p:txBody>
+        </p:sp>
+        <p:sp>
+          <p:nvSpPr>
+            <p:cNvPr id="102" name="Google Shape;102;p10"/>
+            <p:cNvSpPr/>
+            <p:nvPr/>
+          </p:nvSpPr>
+          <p:spPr>
+            <a:xfrm flipH="1">
+              <a:off x="154125" y="3925529"/>
+              <a:ext cx="544800" cy="544800"/>
+            </a:xfrm>
+            <a:prstGeom prst="diagStripe">
+              <a:avLst>
+                <a:gd name="adj" fmla="val 50000"/>
+              </a:avLst>
+            </a:prstGeom>
+            <a:solidFill>
+              <a:schemeClr val="lt1">
+                <a:alpha val="9620"/>
+              </a:schemeClr>
+            </a:solidFill>
+            <a:ln>
+              <a:noFill/>
+            </a:ln>
+          </p:spPr>
+          <p:txBody>
+            <a:bodyPr spcFirstLastPara="1" wrap="square" lIns="182850" tIns="182850" rIns="182850" bIns="182850" anchor="ctr" anchorCtr="0">
+              <a:noAutofit/>
+            </a:bodyPr>
+            <a:lstStyle/>
+            <a:p>
+              <a:pPr marL="0" lvl="0" indent="0" algn="l" rtl="0">
+                <a:spcBef>
+                  <a:spcPts val="0"/>
+                </a:spcBef>
+                <a:spcAft>
+                  <a:spcPts val="0"/>
+                </a:spcAft>
+                <a:buNone/>
+              </a:pPr>
+              <a:endParaRPr sz="2800"/>
+            </a:p>
+          </p:txBody>
+        </p:sp>
+      </p:grpSp>
       <p:sp>
         <p:nvSpPr>
-          <p:cNvPr id="50" name="Google Shape;50;p10"/>
+          <p:cNvPr id="103" name="Google Shape;103;p10"/>
           <p:cNvSpPr txBox="1"/>
           <p:nvPr>
             <p:ph type="body" idx="1"/>
@@ -4670,8 +7316,8 @@
         </p:nvSpPr>
         <p:spPr>
           <a:xfrm>
-            <a:off x="639000" y="8468931"/>
-            <a:ext cx="11997600" cy="1197810"/>
+            <a:off x="1625450" y="8612256"/>
+            <a:ext cx="13872000" cy="1047783"/>
           </a:xfrm>
           <a:prstGeom prst="rect">
             <a:avLst/>
@@ -4692,15 +7338,9 @@
               <a:spcAft>
                 <a:spcPts val="0"/>
               </a:spcAft>
-              <a:buSzPts val="1800"/>
-              <a:buFont typeface="Roboto Slab"/>
-              <a:buNone/>
-              <a:defRPr>
-                <a:latin typeface="Roboto Slab"/>
-                <a:ea typeface="Roboto Slab"/>
-                <a:cs typeface="Roboto Slab"/>
-                <a:sym typeface="Roboto Slab"/>
-              </a:defRPr>
+              <a:buSzPts val="1300"/>
+              <a:buNone/>
+              <a:defRPr/>
             </a:lvl1pPr>
           </a:lstStyle>
           <a:p/>
@@ -4708,7 +7348,7 @@
       </p:sp>
       <p:sp>
         <p:nvSpPr>
-          <p:cNvPr id="51" name="Google Shape;51;p10"/>
+          <p:cNvPr id="104" name="Google Shape;104;p10"/>
           <p:cNvSpPr txBox="1"/>
           <p:nvPr>
             <p:ph type="sldNum" idx="12"/>
@@ -4796,7 +7436,7 @@
     <p:bg>
       <p:bgPr>
         <a:solidFill>
-          <a:schemeClr val="lt1"/>
+          <a:schemeClr val="dk1"/>
         </a:solidFill>
         <a:effectLst/>
       </p:bgPr>
@@ -4825,8 +7465,8 @@
         </p:nvSpPr>
         <p:spPr>
           <a:xfrm>
-            <a:off x="775800" y="916210"/>
-            <a:ext cx="16736400" cy="1372440"/>
+            <a:off x="623400" y="890206"/>
+            <a:ext cx="17041200" cy="1145600"/>
           </a:xfrm>
           <a:prstGeom prst="rect">
             <a:avLst/>
@@ -4837,7 +7477,7 @@
           </a:ln>
         </p:spPr>
         <p:txBody>
-          <a:bodyPr spcFirstLastPara="1" wrap="square" lIns="91425" tIns="91425" rIns="91425" bIns="91425" anchor="b" anchorCtr="0">
+          <a:bodyPr spcFirstLastPara="1" wrap="square" lIns="91425" tIns="91425" rIns="91425" bIns="91425" anchor="t" anchorCtr="0">
             <a:normAutofit/>
           </a:bodyPr>
           <a:lstStyle>
@@ -4849,19 +7489,19 @@
                 <a:spcPts val="0"/>
               </a:spcAft>
               <a:buClr>
-                <a:schemeClr val="dk1"/>
+                <a:schemeClr val="lt1"/>
               </a:buClr>
-              <a:buSzPts val="3000"/>
-              <a:buFont typeface="Roboto Slab"/>
-              <a:buNone/>
-              <a:defRPr sz="6000">
+              <a:buSzPts val="2800"/>
+              <a:buFont typeface="Montserrat"/>
+              <a:buNone/>
+              <a:defRPr sz="5600">
                 <a:solidFill>
-                  <a:schemeClr val="dk1"/>
+                  <a:schemeClr val="lt1"/>
                 </a:solidFill>
-                <a:latin typeface="Roboto Slab"/>
-                <a:ea typeface="Roboto Slab"/>
-                <a:cs typeface="Roboto Slab"/>
-                <a:sym typeface="Roboto Slab"/>
+                <a:latin typeface="Montserrat"/>
+                <a:ea typeface="Montserrat"/>
+                <a:cs typeface="Montserrat"/>
+                <a:sym typeface="Montserrat"/>
               </a:defRPr>
             </a:lvl1pPr>
             <a:lvl2pPr lvl="1">
@@ -4872,19 +7512,19 @@
                 <a:spcPts val="0"/>
               </a:spcAft>
               <a:buClr>
-                <a:schemeClr val="dk1"/>
+                <a:schemeClr val="lt1"/>
               </a:buClr>
-              <a:buSzPts val="3000"/>
-              <a:buFont typeface="Roboto Slab"/>
-              <a:buNone/>
-              <a:defRPr sz="6000">
+              <a:buSzPts val="2800"/>
+              <a:buFont typeface="Montserrat"/>
+              <a:buNone/>
+              <a:defRPr sz="5600">
                 <a:solidFill>
-                  <a:schemeClr val="dk1"/>
+                  <a:schemeClr val="lt1"/>
                 </a:solidFill>
-                <a:latin typeface="Roboto Slab"/>
-                <a:ea typeface="Roboto Slab"/>
-                <a:cs typeface="Roboto Slab"/>
-                <a:sym typeface="Roboto Slab"/>
+                <a:latin typeface="Montserrat"/>
+                <a:ea typeface="Montserrat"/>
+                <a:cs typeface="Montserrat"/>
+                <a:sym typeface="Montserrat"/>
               </a:defRPr>
             </a:lvl2pPr>
             <a:lvl3pPr lvl="2">
@@ -4895,19 +7535,19 @@
                 <a:spcPts val="0"/>
               </a:spcAft>
               <a:buClr>
-                <a:schemeClr val="dk1"/>
+                <a:schemeClr val="lt1"/>
               </a:buClr>
-              <a:buSzPts val="3000"/>
-              <a:buFont typeface="Roboto Slab"/>
-              <a:buNone/>
-              <a:defRPr sz="6000">
+              <a:buSzPts val="2800"/>
+              <a:buFont typeface="Montserrat"/>
+              <a:buNone/>
+              <a:defRPr sz="5600">
                 <a:solidFill>
-                  <a:schemeClr val="dk1"/>
+                  <a:schemeClr val="lt1"/>
                 </a:solidFill>
-                <a:latin typeface="Roboto Slab"/>
-                <a:ea typeface="Roboto Slab"/>
-                <a:cs typeface="Roboto Slab"/>
-                <a:sym typeface="Roboto Slab"/>
+                <a:latin typeface="Montserrat"/>
+                <a:ea typeface="Montserrat"/>
+                <a:cs typeface="Montserrat"/>
+                <a:sym typeface="Montserrat"/>
               </a:defRPr>
             </a:lvl3pPr>
             <a:lvl4pPr lvl="3">
@@ -4918,19 +7558,19 @@
                 <a:spcPts val="0"/>
               </a:spcAft>
               <a:buClr>
-                <a:schemeClr val="dk1"/>
+                <a:schemeClr val="lt1"/>
               </a:buClr>
-              <a:buSzPts val="3000"/>
-              <a:buFont typeface="Roboto Slab"/>
-              <a:buNone/>
-              <a:defRPr sz="6000">
+              <a:buSzPts val="2800"/>
+              <a:buFont typeface="Montserrat"/>
+              <a:buNone/>
+              <a:defRPr sz="5600">
                 <a:solidFill>
-                  <a:schemeClr val="dk1"/>
+                  <a:schemeClr val="lt1"/>
                 </a:solidFill>
-                <a:latin typeface="Roboto Slab"/>
-                <a:ea typeface="Roboto Slab"/>
-                <a:cs typeface="Roboto Slab"/>
-                <a:sym typeface="Roboto Slab"/>
+                <a:latin typeface="Montserrat"/>
+                <a:ea typeface="Montserrat"/>
+                <a:cs typeface="Montserrat"/>
+                <a:sym typeface="Montserrat"/>
               </a:defRPr>
             </a:lvl4pPr>
             <a:lvl5pPr lvl="4">
@@ -4941,19 +7581,19 @@
                 <a:spcPts val="0"/>
               </a:spcAft>
               <a:buClr>
-                <a:schemeClr val="dk1"/>
+                <a:schemeClr val="lt1"/>
               </a:buClr>
-              <a:buSzPts val="3000"/>
-              <a:buFont typeface="Roboto Slab"/>
-              <a:buNone/>
-              <a:defRPr sz="6000">
+              <a:buSzPts val="2800"/>
+              <a:buFont typeface="Montserrat"/>
+              <a:buNone/>
+              <a:defRPr sz="5600">
                 <a:solidFill>
-                  <a:schemeClr val="dk1"/>
+                  <a:schemeClr val="lt1"/>
                 </a:solidFill>
-                <a:latin typeface="Roboto Slab"/>
-                <a:ea typeface="Roboto Slab"/>
-                <a:cs typeface="Roboto Slab"/>
-                <a:sym typeface="Roboto Slab"/>
+                <a:latin typeface="Montserrat"/>
+                <a:ea typeface="Montserrat"/>
+                <a:cs typeface="Montserrat"/>
+                <a:sym typeface="Montserrat"/>
               </a:defRPr>
             </a:lvl5pPr>
             <a:lvl6pPr lvl="5">
@@ -4964,19 +7604,19 @@
                 <a:spcPts val="0"/>
               </a:spcAft>
               <a:buClr>
-                <a:schemeClr val="dk1"/>
+                <a:schemeClr val="lt1"/>
               </a:buClr>
-              <a:buSzPts val="3000"/>
-              <a:buFont typeface="Roboto Slab"/>
-              <a:buNone/>
-              <a:defRPr sz="6000">
+              <a:buSzPts val="2800"/>
+              <a:buFont typeface="Montserrat"/>
+              <a:buNone/>
+              <a:defRPr sz="5600">
                 <a:solidFill>
-                  <a:schemeClr val="dk1"/>
+                  <a:schemeClr val="lt1"/>
                 </a:solidFill>
-                <a:latin typeface="Roboto Slab"/>
-                <a:ea typeface="Roboto Slab"/>
-                <a:cs typeface="Roboto Slab"/>
-                <a:sym typeface="Roboto Slab"/>
+                <a:latin typeface="Montserrat"/>
+                <a:ea typeface="Montserrat"/>
+                <a:cs typeface="Montserrat"/>
+                <a:sym typeface="Montserrat"/>
               </a:defRPr>
             </a:lvl6pPr>
             <a:lvl7pPr lvl="6">
@@ -4987,19 +7627,19 @@
                 <a:spcPts val="0"/>
               </a:spcAft>
               <a:buClr>
-                <a:schemeClr val="dk1"/>
+                <a:schemeClr val="lt1"/>
               </a:buClr>
-              <a:buSzPts val="3000"/>
-              <a:buFont typeface="Roboto Slab"/>
-              <a:buNone/>
-              <a:defRPr sz="6000">
+              <a:buSzPts val="2800"/>
+              <a:buFont typeface="Montserrat"/>
+              <a:buNone/>
+              <a:defRPr sz="5600">
                 <a:solidFill>
-                  <a:schemeClr val="dk1"/>
+                  <a:schemeClr val="lt1"/>
                 </a:solidFill>
-                <a:latin typeface="Roboto Slab"/>
-                <a:ea typeface="Roboto Slab"/>
-                <a:cs typeface="Roboto Slab"/>
-                <a:sym typeface="Roboto Slab"/>
+                <a:latin typeface="Montserrat"/>
+                <a:ea typeface="Montserrat"/>
+                <a:cs typeface="Montserrat"/>
+                <a:sym typeface="Montserrat"/>
               </a:defRPr>
             </a:lvl7pPr>
             <a:lvl8pPr lvl="7">
@@ -5010,19 +7650,19 @@
                 <a:spcPts val="0"/>
               </a:spcAft>
               <a:buClr>
-                <a:schemeClr val="dk1"/>
+                <a:schemeClr val="lt1"/>
               </a:buClr>
-              <a:buSzPts val="3000"/>
-              <a:buFont typeface="Roboto Slab"/>
-              <a:buNone/>
-              <a:defRPr sz="6000">
+              <a:buSzPts val="2800"/>
+              <a:buFont typeface="Montserrat"/>
+              <a:buNone/>
+              <a:defRPr sz="5600">
                 <a:solidFill>
-                  <a:schemeClr val="dk1"/>
+                  <a:schemeClr val="lt1"/>
                 </a:solidFill>
-                <a:latin typeface="Roboto Slab"/>
-                <a:ea typeface="Roboto Slab"/>
-                <a:cs typeface="Roboto Slab"/>
-                <a:sym typeface="Roboto Slab"/>
+                <a:latin typeface="Montserrat"/>
+                <a:ea typeface="Montserrat"/>
+                <a:cs typeface="Montserrat"/>
+                <a:sym typeface="Montserrat"/>
               </a:defRPr>
             </a:lvl8pPr>
             <a:lvl9pPr lvl="8">
@@ -5033,19 +7673,19 @@
                 <a:spcPts val="0"/>
               </a:spcAft>
               <a:buClr>
-                <a:schemeClr val="dk1"/>
+                <a:schemeClr val="lt1"/>
               </a:buClr>
-              <a:buSzPts val="3000"/>
-              <a:buFont typeface="Roboto Slab"/>
-              <a:buNone/>
-              <a:defRPr sz="6000">
+              <a:buSzPts val="2800"/>
+              <a:buFont typeface="Montserrat"/>
+              <a:buNone/>
+              <a:defRPr sz="5600">
                 <a:solidFill>
-                  <a:schemeClr val="dk1"/>
+                  <a:schemeClr val="lt1"/>
                 </a:solidFill>
-                <a:latin typeface="Roboto Slab"/>
-                <a:ea typeface="Roboto Slab"/>
-                <a:cs typeface="Roboto Slab"/>
-                <a:sym typeface="Roboto Slab"/>
+                <a:latin typeface="Montserrat"/>
+                <a:ea typeface="Montserrat"/>
+                <a:cs typeface="Montserrat"/>
+                <a:sym typeface="Montserrat"/>
               </a:defRPr>
             </a:lvl9pPr>
           </a:lstStyle>
@@ -5062,8 +7702,8 @@
         </p:nvSpPr>
         <p:spPr>
           <a:xfrm>
-            <a:off x="775800" y="2980169"/>
-            <a:ext cx="16736400" cy="6158877"/>
+            <a:off x="623400" y="2305353"/>
+            <a:ext cx="17041200" cy="6833995"/>
           </a:xfrm>
           <a:prstGeom prst="rect">
             <a:avLst/>
@@ -5078,7 +7718,7 @@
             <a:normAutofit/>
           </a:bodyPr>
           <a:lstStyle>
-            <a:lvl1pPr marL="914400" lvl="0" indent="-685800">
+            <a:lvl1pPr marL="914400" lvl="0" indent="-622300">
               <a:lnSpc>
                 <a:spcPct val="115000"/>
               </a:lnSpc>
@@ -5089,22 +7729,22 @@
                 <a:spcPts val="0"/>
               </a:spcAft>
               <a:buClr>
-                <a:schemeClr val="dk1"/>
+                <a:schemeClr val="lt1"/>
               </a:buClr>
-              <a:buSzPts val="1800"/>
-              <a:buFont typeface="Roboto" panose="02000000000000000000"/>
+              <a:buSzPts val="1300"/>
+              <a:buFont typeface="Lato" panose="020F0502020204030203"/>
               <a:buChar char="●"/>
-              <a:defRPr sz="3600">
+              <a:defRPr sz="2600">
                 <a:solidFill>
-                  <a:schemeClr val="dk1"/>
+                  <a:schemeClr val="lt1"/>
                 </a:solidFill>
-                <a:latin typeface="Roboto" panose="02000000000000000000"/>
-                <a:ea typeface="Roboto" panose="02000000000000000000"/>
-                <a:cs typeface="Roboto" panose="02000000000000000000"/>
-                <a:sym typeface="Roboto" panose="02000000000000000000"/>
+                <a:latin typeface="Lato" panose="020F0502020204030203"/>
+                <a:ea typeface="Lato" panose="020F0502020204030203"/>
+                <a:cs typeface="Lato" panose="020F0502020204030203"/>
+                <a:sym typeface="Lato" panose="020F0502020204030203"/>
               </a:defRPr>
             </a:lvl1pPr>
-            <a:lvl2pPr marL="1829435" lvl="1" indent="-635000">
+            <a:lvl2pPr marL="1829435" lvl="1" indent="-596900">
               <a:lnSpc>
                 <a:spcPct val="115000"/>
               </a:lnSpc>
@@ -5115,22 +7755,22 @@
                 <a:spcPts val="0"/>
               </a:spcAft>
               <a:buClr>
-                <a:schemeClr val="dk1"/>
+                <a:schemeClr val="lt1"/>
               </a:buClr>
-              <a:buSzPts val="1400"/>
-              <a:buFont typeface="Roboto" panose="02000000000000000000"/>
+              <a:buSzPts val="1100"/>
+              <a:buFont typeface="Lato" panose="020F0502020204030203"/>
               <a:buChar char="○"/>
-              <a:defRPr>
+              <a:defRPr sz="2200">
                 <a:solidFill>
-                  <a:schemeClr val="dk1"/>
+                  <a:schemeClr val="lt1"/>
                 </a:solidFill>
-                <a:latin typeface="Roboto" panose="02000000000000000000"/>
-                <a:ea typeface="Roboto" panose="02000000000000000000"/>
-                <a:cs typeface="Roboto" panose="02000000000000000000"/>
-                <a:sym typeface="Roboto" panose="02000000000000000000"/>
+                <a:latin typeface="Lato" panose="020F0502020204030203"/>
+                <a:ea typeface="Lato" panose="020F0502020204030203"/>
+                <a:cs typeface="Lato" panose="020F0502020204030203"/>
+                <a:sym typeface="Lato" panose="020F0502020204030203"/>
               </a:defRPr>
             </a:lvl2pPr>
-            <a:lvl3pPr marL="2743835" lvl="2" indent="-635000">
+            <a:lvl3pPr marL="2743835" lvl="2" indent="-596900">
               <a:lnSpc>
                 <a:spcPct val="115000"/>
               </a:lnSpc>
@@ -5141,22 +7781,22 @@
                 <a:spcPts val="0"/>
               </a:spcAft>
               <a:buClr>
-                <a:schemeClr val="dk1"/>
+                <a:schemeClr val="lt1"/>
               </a:buClr>
-              <a:buSzPts val="1400"/>
-              <a:buFont typeface="Roboto" panose="02000000000000000000"/>
+              <a:buSzPts val="1100"/>
+              <a:buFont typeface="Lato" panose="020F0502020204030203"/>
               <a:buChar char="■"/>
-              <a:defRPr>
+              <a:defRPr sz="2200">
                 <a:solidFill>
-                  <a:schemeClr val="dk1"/>
+                  <a:schemeClr val="lt1"/>
                 </a:solidFill>
-                <a:latin typeface="Roboto" panose="02000000000000000000"/>
-                <a:ea typeface="Roboto" panose="02000000000000000000"/>
-                <a:cs typeface="Roboto" panose="02000000000000000000"/>
-                <a:sym typeface="Roboto" panose="02000000000000000000"/>
+                <a:latin typeface="Lato" panose="020F0502020204030203"/>
+                <a:ea typeface="Lato" panose="020F0502020204030203"/>
+                <a:cs typeface="Lato" panose="020F0502020204030203"/>
+                <a:sym typeface="Lato" panose="020F0502020204030203"/>
               </a:defRPr>
             </a:lvl3pPr>
-            <a:lvl4pPr marL="3658235" lvl="3" indent="-635000">
+            <a:lvl4pPr marL="3658235" lvl="3" indent="-596900">
               <a:lnSpc>
                 <a:spcPct val="115000"/>
               </a:lnSpc>
@@ -5167,22 +7807,22 @@
                 <a:spcPts val="0"/>
               </a:spcAft>
               <a:buClr>
-                <a:schemeClr val="dk1"/>
+                <a:schemeClr val="lt1"/>
               </a:buClr>
-              <a:buSzPts val="1400"/>
-              <a:buFont typeface="Roboto" panose="02000000000000000000"/>
+              <a:buSzPts val="1100"/>
+              <a:buFont typeface="Lato" panose="020F0502020204030203"/>
               <a:buChar char="●"/>
-              <a:defRPr>
+              <a:defRPr sz="2200">
                 <a:solidFill>
-                  <a:schemeClr val="dk1"/>
+                  <a:schemeClr val="lt1"/>
                 </a:solidFill>
-                <a:latin typeface="Roboto" panose="02000000000000000000"/>
-                <a:ea typeface="Roboto" panose="02000000000000000000"/>
-                <a:cs typeface="Roboto" panose="02000000000000000000"/>
-                <a:sym typeface="Roboto" panose="02000000000000000000"/>
+                <a:latin typeface="Lato" panose="020F0502020204030203"/>
+                <a:ea typeface="Lato" panose="020F0502020204030203"/>
+                <a:cs typeface="Lato" panose="020F0502020204030203"/>
+                <a:sym typeface="Lato" panose="020F0502020204030203"/>
               </a:defRPr>
             </a:lvl4pPr>
-            <a:lvl5pPr marL="4572635" lvl="4" indent="-635000">
+            <a:lvl5pPr marL="4572635" lvl="4" indent="-596900">
               <a:lnSpc>
                 <a:spcPct val="115000"/>
               </a:lnSpc>
@@ -5193,22 +7833,22 @@
                 <a:spcPts val="0"/>
               </a:spcAft>
               <a:buClr>
-                <a:schemeClr val="dk1"/>
+                <a:schemeClr val="lt1"/>
               </a:buClr>
-              <a:buSzPts val="1400"/>
-              <a:buFont typeface="Roboto" panose="02000000000000000000"/>
+              <a:buSzPts val="1100"/>
+              <a:buFont typeface="Lato" panose="020F0502020204030203"/>
               <a:buChar char="○"/>
-              <a:defRPr>
+              <a:defRPr sz="2200">
                 <a:solidFill>
-                  <a:schemeClr val="dk1"/>
+                  <a:schemeClr val="lt1"/>
                 </a:solidFill>
-                <a:latin typeface="Roboto" panose="02000000000000000000"/>
-                <a:ea typeface="Roboto" panose="02000000000000000000"/>
-                <a:cs typeface="Roboto" panose="02000000000000000000"/>
-                <a:sym typeface="Roboto" panose="02000000000000000000"/>
+                <a:latin typeface="Lato" panose="020F0502020204030203"/>
+                <a:ea typeface="Lato" panose="020F0502020204030203"/>
+                <a:cs typeface="Lato" panose="020F0502020204030203"/>
+                <a:sym typeface="Lato" panose="020F0502020204030203"/>
               </a:defRPr>
             </a:lvl5pPr>
-            <a:lvl6pPr marL="5487670" lvl="5" indent="-635000">
+            <a:lvl6pPr marL="5487670" lvl="5" indent="-596900">
               <a:lnSpc>
                 <a:spcPct val="115000"/>
               </a:lnSpc>
@@ -5219,22 +7859,22 @@
                 <a:spcPts val="0"/>
               </a:spcAft>
               <a:buClr>
-                <a:schemeClr val="dk1"/>
+                <a:schemeClr val="lt1"/>
               </a:buClr>
-              <a:buSzPts val="1400"/>
-              <a:buFont typeface="Roboto" panose="02000000000000000000"/>
+              <a:buSzPts val="1100"/>
+              <a:buFont typeface="Lato" panose="020F0502020204030203"/>
               <a:buChar char="■"/>
-              <a:defRPr>
+              <a:defRPr sz="2200">
                 <a:solidFill>
-                  <a:schemeClr val="dk1"/>
+                  <a:schemeClr val="lt1"/>
                 </a:solidFill>
-                <a:latin typeface="Roboto" panose="02000000000000000000"/>
-                <a:ea typeface="Roboto" panose="02000000000000000000"/>
-                <a:cs typeface="Roboto" panose="02000000000000000000"/>
-                <a:sym typeface="Roboto" panose="02000000000000000000"/>
+                <a:latin typeface="Lato" panose="020F0502020204030203"/>
+                <a:ea typeface="Lato" panose="020F0502020204030203"/>
+                <a:cs typeface="Lato" panose="020F0502020204030203"/>
+                <a:sym typeface="Lato" panose="020F0502020204030203"/>
               </a:defRPr>
             </a:lvl6pPr>
-            <a:lvl7pPr marL="6402070" lvl="6" indent="-635000">
+            <a:lvl7pPr marL="6402070" lvl="6" indent="-596900">
               <a:lnSpc>
                 <a:spcPct val="115000"/>
               </a:lnSpc>
@@ -5245,22 +7885,22 @@
                 <a:spcPts val="0"/>
               </a:spcAft>
               <a:buClr>
-                <a:schemeClr val="dk1"/>
+                <a:schemeClr val="lt1"/>
               </a:buClr>
-              <a:buSzPts val="1400"/>
-              <a:buFont typeface="Roboto" panose="02000000000000000000"/>
+              <a:buSzPts val="1100"/>
+              <a:buFont typeface="Lato" panose="020F0502020204030203"/>
               <a:buChar char="●"/>
-              <a:defRPr>
+              <a:defRPr sz="2200">
                 <a:solidFill>
-                  <a:schemeClr val="dk1"/>
+                  <a:schemeClr val="lt1"/>
                 </a:solidFill>
-                <a:latin typeface="Roboto" panose="02000000000000000000"/>
-                <a:ea typeface="Roboto" panose="02000000000000000000"/>
-                <a:cs typeface="Roboto" panose="02000000000000000000"/>
-                <a:sym typeface="Roboto" panose="02000000000000000000"/>
+                <a:latin typeface="Lato" panose="020F0502020204030203"/>
+                <a:ea typeface="Lato" panose="020F0502020204030203"/>
+                <a:cs typeface="Lato" panose="020F0502020204030203"/>
+                <a:sym typeface="Lato" panose="020F0502020204030203"/>
               </a:defRPr>
             </a:lvl7pPr>
-            <a:lvl8pPr marL="7316470" lvl="7" indent="-635000">
+            <a:lvl8pPr marL="7316470" lvl="7" indent="-596900">
               <a:lnSpc>
                 <a:spcPct val="115000"/>
               </a:lnSpc>
@@ -5271,22 +7911,22 @@
                 <a:spcPts val="0"/>
               </a:spcAft>
               <a:buClr>
-                <a:schemeClr val="dk1"/>
+                <a:schemeClr val="lt1"/>
               </a:buClr>
-              <a:buSzPts val="1400"/>
-              <a:buFont typeface="Roboto" panose="02000000000000000000"/>
+              <a:buSzPts val="1100"/>
+              <a:buFont typeface="Lato" panose="020F0502020204030203"/>
               <a:buChar char="○"/>
-              <a:defRPr>
+              <a:defRPr sz="2200">
                 <a:solidFill>
-                  <a:schemeClr val="dk1"/>
+                  <a:schemeClr val="lt1"/>
                 </a:solidFill>
-                <a:latin typeface="Roboto" panose="02000000000000000000"/>
-                <a:ea typeface="Roboto" panose="02000000000000000000"/>
-                <a:cs typeface="Roboto" panose="02000000000000000000"/>
-                <a:sym typeface="Roboto" panose="02000000000000000000"/>
+                <a:latin typeface="Lato" panose="020F0502020204030203"/>
+                <a:ea typeface="Lato" panose="020F0502020204030203"/>
+                <a:cs typeface="Lato" panose="020F0502020204030203"/>
+                <a:sym typeface="Lato" panose="020F0502020204030203"/>
               </a:defRPr>
             </a:lvl8pPr>
-            <a:lvl9pPr marL="8230870" lvl="8" indent="-635000">
+            <a:lvl9pPr marL="8230870" lvl="8" indent="-596900">
               <a:lnSpc>
                 <a:spcPct val="115000"/>
               </a:lnSpc>
@@ -5297,19 +7937,19 @@
                 <a:spcPts val="0"/>
               </a:spcAft>
               <a:buClr>
-                <a:schemeClr val="dk1"/>
+                <a:schemeClr val="lt1"/>
               </a:buClr>
-              <a:buSzPts val="1400"/>
-              <a:buFont typeface="Roboto" panose="02000000000000000000"/>
+              <a:buSzPts val="1100"/>
+              <a:buFont typeface="Lato" panose="020F0502020204030203"/>
               <a:buChar char="■"/>
-              <a:defRPr>
+              <a:defRPr sz="2200">
                 <a:solidFill>
-                  <a:schemeClr val="dk1"/>
+                  <a:schemeClr val="lt1"/>
                 </a:solidFill>
-                <a:latin typeface="Roboto" panose="02000000000000000000"/>
-                <a:ea typeface="Roboto" panose="02000000000000000000"/>
-                <a:cs typeface="Roboto" panose="02000000000000000000"/>
-                <a:sym typeface="Roboto" panose="02000000000000000000"/>
+                <a:latin typeface="Lato" panose="020F0502020204030203"/>
+                <a:ea typeface="Lato" panose="020F0502020204030203"/>
+                <a:cs typeface="Lato" panose="020F0502020204030203"/>
+                <a:sym typeface="Lato" panose="020F0502020204030203"/>
               </a:defRPr>
             </a:lvl9pPr>
           </a:lstStyle>
@@ -5346,108 +7986,108 @@
               <a:buNone/>
               <a:defRPr sz="2000">
                 <a:solidFill>
-                  <a:schemeClr val="dk1"/>
+                  <a:schemeClr val="lt1"/>
                 </a:solidFill>
-                <a:latin typeface="Roboto" panose="02000000000000000000"/>
-                <a:ea typeface="Roboto" panose="02000000000000000000"/>
-                <a:cs typeface="Roboto" panose="02000000000000000000"/>
-                <a:sym typeface="Roboto" panose="02000000000000000000"/>
+                <a:latin typeface="Lato" panose="020F0502020204030203"/>
+                <a:ea typeface="Lato" panose="020F0502020204030203"/>
+                <a:cs typeface="Lato" panose="020F0502020204030203"/>
+                <a:sym typeface="Lato" panose="020F0502020204030203"/>
               </a:defRPr>
             </a:lvl1pPr>
             <a:lvl2pPr lvl="1" algn="r">
               <a:buNone/>
               <a:defRPr sz="2000">
                 <a:solidFill>
-                  <a:schemeClr val="dk1"/>
+                  <a:schemeClr val="lt1"/>
                 </a:solidFill>
-                <a:latin typeface="Roboto" panose="02000000000000000000"/>
-                <a:ea typeface="Roboto" panose="02000000000000000000"/>
-                <a:cs typeface="Roboto" panose="02000000000000000000"/>
-                <a:sym typeface="Roboto" panose="02000000000000000000"/>
+                <a:latin typeface="Lato" panose="020F0502020204030203"/>
+                <a:ea typeface="Lato" panose="020F0502020204030203"/>
+                <a:cs typeface="Lato" panose="020F0502020204030203"/>
+                <a:sym typeface="Lato" panose="020F0502020204030203"/>
               </a:defRPr>
             </a:lvl2pPr>
             <a:lvl3pPr lvl="2" algn="r">
               <a:buNone/>
               <a:defRPr sz="2000">
                 <a:solidFill>
-                  <a:schemeClr val="dk1"/>
+                  <a:schemeClr val="lt1"/>
                 </a:solidFill>
-                <a:latin typeface="Roboto" panose="02000000000000000000"/>
-                <a:ea typeface="Roboto" panose="02000000000000000000"/>
-                <a:cs typeface="Roboto" panose="02000000000000000000"/>
-                <a:sym typeface="Roboto" panose="02000000000000000000"/>
+                <a:latin typeface="Lato" panose="020F0502020204030203"/>
+                <a:ea typeface="Lato" panose="020F0502020204030203"/>
+                <a:cs typeface="Lato" panose="020F0502020204030203"/>
+                <a:sym typeface="Lato" panose="020F0502020204030203"/>
               </a:defRPr>
             </a:lvl3pPr>
             <a:lvl4pPr lvl="3" algn="r">
               <a:buNone/>
               <a:defRPr sz="2000">
                 <a:solidFill>
-                  <a:schemeClr val="dk1"/>
+                  <a:schemeClr val="lt1"/>
                 </a:solidFill>
-                <a:latin typeface="Roboto" panose="02000000000000000000"/>
-                <a:ea typeface="Roboto" panose="02000000000000000000"/>
-                <a:cs typeface="Roboto" panose="02000000000000000000"/>
-                <a:sym typeface="Roboto" panose="02000000000000000000"/>
+                <a:latin typeface="Lato" panose="020F0502020204030203"/>
+                <a:ea typeface="Lato" panose="020F0502020204030203"/>
+                <a:cs typeface="Lato" panose="020F0502020204030203"/>
+                <a:sym typeface="Lato" panose="020F0502020204030203"/>
               </a:defRPr>
             </a:lvl4pPr>
             <a:lvl5pPr lvl="4" algn="r">
               <a:buNone/>
               <a:defRPr sz="2000">
                 <a:solidFill>
-                  <a:schemeClr val="dk1"/>
+                  <a:schemeClr val="lt1"/>
                 </a:solidFill>
-                <a:latin typeface="Roboto" panose="02000000000000000000"/>
-                <a:ea typeface="Roboto" panose="02000000000000000000"/>
-                <a:cs typeface="Roboto" panose="02000000000000000000"/>
-                <a:sym typeface="Roboto" panose="02000000000000000000"/>
+                <a:latin typeface="Lato" panose="020F0502020204030203"/>
+                <a:ea typeface="Lato" panose="020F0502020204030203"/>
+                <a:cs typeface="Lato" panose="020F0502020204030203"/>
+                <a:sym typeface="Lato" panose="020F0502020204030203"/>
               </a:defRPr>
             </a:lvl5pPr>
             <a:lvl6pPr lvl="5" algn="r">
               <a:buNone/>
               <a:defRPr sz="2000">
                 <a:solidFill>
-                  <a:schemeClr val="dk1"/>
+                  <a:schemeClr val="lt1"/>
                 </a:solidFill>
-                <a:latin typeface="Roboto" panose="02000000000000000000"/>
-                <a:ea typeface="Roboto" panose="02000000000000000000"/>
-                <a:cs typeface="Roboto" panose="02000000000000000000"/>
-                <a:sym typeface="Roboto" panose="02000000000000000000"/>
+                <a:latin typeface="Lato" panose="020F0502020204030203"/>
+                <a:ea typeface="Lato" panose="020F0502020204030203"/>
+                <a:cs typeface="Lato" panose="020F0502020204030203"/>
+                <a:sym typeface="Lato" panose="020F0502020204030203"/>
               </a:defRPr>
             </a:lvl6pPr>
             <a:lvl7pPr lvl="6" algn="r">
               <a:buNone/>
               <a:defRPr sz="2000">
                 <a:solidFill>
-                  <a:schemeClr val="dk1"/>
+                  <a:schemeClr val="lt1"/>
                 </a:solidFill>
-                <a:latin typeface="Roboto" panose="02000000000000000000"/>
-                <a:ea typeface="Roboto" panose="02000000000000000000"/>
-                <a:cs typeface="Roboto" panose="02000000000000000000"/>
-                <a:sym typeface="Roboto" panose="02000000000000000000"/>
+                <a:latin typeface="Lato" panose="020F0502020204030203"/>
+                <a:ea typeface="Lato" panose="020F0502020204030203"/>
+                <a:cs typeface="Lato" panose="020F0502020204030203"/>
+                <a:sym typeface="Lato" panose="020F0502020204030203"/>
               </a:defRPr>
             </a:lvl7pPr>
             <a:lvl8pPr lvl="7" algn="r">
               <a:buNone/>
               <a:defRPr sz="2000">
                 <a:solidFill>
-                  <a:schemeClr val="dk1"/>
+                  <a:schemeClr val="lt1"/>
                 </a:solidFill>
-                <a:latin typeface="Roboto" panose="02000000000000000000"/>
-                <a:ea typeface="Roboto" panose="02000000000000000000"/>
-                <a:cs typeface="Roboto" panose="02000000000000000000"/>
-                <a:sym typeface="Roboto" panose="02000000000000000000"/>
+                <a:latin typeface="Lato" panose="020F0502020204030203"/>
+                <a:ea typeface="Lato" panose="020F0502020204030203"/>
+                <a:cs typeface="Lato" panose="020F0502020204030203"/>
+                <a:sym typeface="Lato" panose="020F0502020204030203"/>
               </a:defRPr>
             </a:lvl8pPr>
             <a:lvl9pPr lvl="8" algn="r">
               <a:buNone/>
               <a:defRPr sz="2000">
                 <a:solidFill>
-                  <a:schemeClr val="dk1"/>
+                  <a:schemeClr val="lt1"/>
                 </a:solidFill>
-                <a:latin typeface="Roboto" panose="02000000000000000000"/>
-                <a:ea typeface="Roboto" panose="02000000000000000000"/>
-                <a:cs typeface="Roboto" panose="02000000000000000000"/>
-                <a:sym typeface="Roboto" panose="02000000000000000000"/>
+                <a:latin typeface="Lato" panose="020F0502020204030203"/>
+                <a:ea typeface="Lato" panose="020F0502020204030203"/>
+                <a:cs typeface="Lato" panose="020F0502020204030203"/>
+                <a:sym typeface="Lato" panose="020F0502020204030203"/>
               </a:defRPr>
             </a:lvl9pPr>
           </a:lstStyle>
@@ -6178,196 +8818,6 @@
 </file>
 
 <file path=ppt/slides/slide1.xml><?xml version="1.0" encoding="utf-8"?>
-<p:sld xmlns:a="http://schemas.openxmlformats.org/drawingml/2006/main" xmlns:r="http://schemas.openxmlformats.org/officeDocument/2006/relationships" xmlns:p="http://schemas.openxmlformats.org/presentationml/2006/main">
-  <p:cSld>
-    <p:spTree>
-      <p:nvGrpSpPr>
-        <p:cNvPr id="62" name="Shape 62"/>
-        <p:cNvGrpSpPr/>
-        <p:nvPr/>
-      </p:nvGrpSpPr>
-      <p:grpSpPr>
-        <a:xfrm>
-          <a:off x="0" y="0"/>
-          <a:ext cx="0" cy="0"/>
-          <a:chOff x="0" y="0"/>
-          <a:chExt cx="0" cy="0"/>
-        </a:xfrm>
-      </p:grpSpPr>
-      <p:sp>
-        <p:nvSpPr>
-          <p:cNvPr id="63" name="Google Shape;63;p13"/>
-          <p:cNvSpPr txBox="1"/>
-          <p:nvPr>
-            <p:ph type="ctrTitle"/>
-          </p:nvPr>
-        </p:nvSpPr>
-        <p:spPr>
-          <a:xfrm>
-            <a:off x="3360604" y="2378750"/>
-            <a:ext cx="11566800" cy="2914800"/>
-          </a:xfrm>
-          <a:prstGeom prst="rect">
-            <a:avLst/>
-          </a:prstGeom>
-        </p:spPr>
-        <p:txBody>
-          <a:bodyPr spcFirstLastPara="1" wrap="square" lIns="182850" tIns="182850" rIns="182850" bIns="182850" anchor="b" anchorCtr="0">
-            <a:normAutofit/>
-          </a:bodyPr>
-          <a:lstStyle/>
-          <a:p>
-            <a:pPr marL="0" lvl="0" indent="0" algn="ctr" rtl="0">
-              <a:spcBef>
-                <a:spcPts val="0"/>
-              </a:spcBef>
-              <a:spcAft>
-                <a:spcPts val="0"/>
-              </a:spcAft>
-              <a:buNone/>
-            </a:pPr>
-          </a:p>
-        </p:txBody>
-      </p:sp>
-      <p:sp>
-        <p:nvSpPr>
-          <p:cNvPr id="64" name="Google Shape;64;p13"/>
-          <p:cNvSpPr txBox="1"/>
-          <p:nvPr>
-            <p:ph type="subTitle" idx="1"/>
-          </p:nvPr>
-        </p:nvSpPr>
-        <p:spPr>
-          <a:xfrm>
-            <a:off x="3360604" y="6099800"/>
-            <a:ext cx="11566800" cy="1818000"/>
-          </a:xfrm>
-          <a:prstGeom prst="rect">
-            <a:avLst/>
-          </a:prstGeom>
-        </p:spPr>
-        <p:txBody>
-          <a:bodyPr spcFirstLastPara="1" wrap="square" lIns="182850" tIns="182850" rIns="182850" bIns="182850" anchor="t" anchorCtr="0">
-            <a:normAutofit/>
-          </a:bodyPr>
-          <a:lstStyle/>
-          <a:p>
-            <a:pPr marL="0" lvl="0" indent="0" algn="ctr" rtl="0">
-              <a:spcBef>
-                <a:spcPts val="0"/>
-              </a:spcBef>
-              <a:spcAft>
-                <a:spcPts val="0"/>
-              </a:spcAft>
-              <a:buNone/>
-            </a:pPr>
-          </a:p>
-        </p:txBody>
-      </p:sp>
-    </p:spTree>
-  </p:cSld>
-  <p:clrMapOvr>
-    <a:masterClrMapping/>
-  </p:clrMapOvr>
-</p:sld>
-</file>
-
-<file path=ppt/slides/slide2.xml><?xml version="1.0" encoding="utf-8"?>
-<p:sld xmlns:a="http://schemas.openxmlformats.org/drawingml/2006/main" xmlns:r="http://schemas.openxmlformats.org/officeDocument/2006/relationships" xmlns:p="http://schemas.openxmlformats.org/presentationml/2006/main">
-  <p:cSld>
-    <p:spTree>
-      <p:nvGrpSpPr>
-        <p:cNvPr id="68" name="Shape 68"/>
-        <p:cNvGrpSpPr/>
-        <p:nvPr/>
-      </p:nvGrpSpPr>
-      <p:grpSpPr>
-        <a:xfrm>
-          <a:off x="0" y="0"/>
-          <a:ext cx="0" cy="0"/>
-          <a:chOff x="0" y="0"/>
-          <a:chExt cx="0" cy="0"/>
-        </a:xfrm>
-      </p:grpSpPr>
-      <p:sp>
-        <p:nvSpPr>
-          <p:cNvPr id="69" name="Google Shape;69;p14"/>
-          <p:cNvSpPr txBox="1"/>
-          <p:nvPr>
-            <p:ph type="title"/>
-          </p:nvPr>
-        </p:nvSpPr>
-        <p:spPr>
-          <a:xfrm>
-            <a:off x="775800" y="916950"/>
-            <a:ext cx="16736400" cy="1372200"/>
-          </a:xfrm>
-          <a:prstGeom prst="rect">
-            <a:avLst/>
-          </a:prstGeom>
-        </p:spPr>
-        <p:txBody>
-          <a:bodyPr spcFirstLastPara="1" wrap="square" lIns="182850" tIns="182850" rIns="182850" bIns="182850" anchor="b" anchorCtr="0">
-            <a:normAutofit/>
-          </a:bodyPr>
-          <a:lstStyle/>
-          <a:p>
-            <a:pPr marL="0" lvl="0" indent="0" algn="l" rtl="0">
-              <a:spcBef>
-                <a:spcPts val="0"/>
-              </a:spcBef>
-              <a:spcAft>
-                <a:spcPts val="0"/>
-              </a:spcAft>
-              <a:buNone/>
-            </a:pPr>
-          </a:p>
-        </p:txBody>
-      </p:sp>
-      <p:sp>
-        <p:nvSpPr>
-          <p:cNvPr id="70" name="Google Shape;70;p14"/>
-          <p:cNvSpPr txBox="1"/>
-          <p:nvPr>
-            <p:ph type="body" idx="1"/>
-          </p:nvPr>
-        </p:nvSpPr>
-        <p:spPr>
-          <a:xfrm>
-            <a:off x="775800" y="2980548"/>
-            <a:ext cx="16736400" cy="6157800"/>
-          </a:xfrm>
-          <a:prstGeom prst="rect">
-            <a:avLst/>
-          </a:prstGeom>
-        </p:spPr>
-        <p:txBody>
-          <a:bodyPr spcFirstLastPara="1" wrap="square" lIns="182850" tIns="182850" rIns="182850" bIns="182850" anchor="t" anchorCtr="0">
-            <a:normAutofit/>
-          </a:bodyPr>
-          <a:lstStyle/>
-          <a:p>
-            <a:pPr marL="0" lvl="0" indent="0" algn="l" rtl="0">
-              <a:spcBef>
-                <a:spcPts val="0"/>
-              </a:spcBef>
-              <a:spcAft>
-                <a:spcPts val="1200"/>
-              </a:spcAft>
-              <a:buNone/>
-            </a:pPr>
-          </a:p>
-        </p:txBody>
-      </p:sp>
-    </p:spTree>
-  </p:cSld>
-  <p:clrMapOvr>
-    <a:masterClrMapping/>
-  </p:clrMapOvr>
-</p:sld>
-</file>
-
-<file path=ppt/slides/slide3.xml><?xml version="1.0" encoding="utf-8"?>
 <p:sld xmlns:a="http://schemas.openxmlformats.org/drawingml/2006/main" xmlns:p="http://schemas.openxmlformats.org/presentationml/2006/main" xmlns:r="http://schemas.openxmlformats.org/officeDocument/2006/relationships">
   <p:cSld>
     <p:spTree>
@@ -6393,11 +8843,11 @@
           <a:lstStyle/>
           <a:p>
             <a:r>
-              <a:rPr sz="9000">
+              <a:rPr sz="11500">
                 <a:solidFill>
-                  <a:srgbClr val="FFFFFF"/>
+                  <a:srgbClr val="72DEAD"/>
                 </a:solidFill>
-                <a:latin typeface="Roboto Slab"/>
+                <a:latin typeface="Montserrat"/>
               </a:rPr>
               <a:t>Java</a:t>
             </a:r>
@@ -6422,9 +8872,9 @@
             <a:r>
               <a:rPr sz="4000">
                 <a:solidFill>
-                  <a:srgbClr val="8BC34A"/>
+                  <a:srgbClr val="FFFFFF"/>
                 </a:solidFill>
-                <a:latin typeface="Roboto Slab"/>
+                <a:latin typeface="Montserrat"/>
               </a:rPr>
               <a:t>Presented by Micro</a:t>
             </a:r>
@@ -6439,7 +8889,7 @@
 </p:sld>
 </file>
 
-<file path=ppt/slides/slide4.xml><?xml version="1.0" encoding="utf-8"?>
+<file path=ppt/slides/slide2.xml><?xml version="1.0" encoding="utf-8"?>
 <p:sld xmlns:a="http://schemas.openxmlformats.org/drawingml/2006/main" xmlns:p="http://schemas.openxmlformats.org/presentationml/2006/main" xmlns:r="http://schemas.openxmlformats.org/officeDocument/2006/relationships">
   <p:cSld>
     <p:spTree>
@@ -6501,9 +8951,9 @@
               </a:spcAft>
               <a:defRPr sz="5000">
                 <a:solidFill>
-                  <a:srgbClr val="FFFFFF"/>
+                  <a:srgbClr val="72DEAD"/>
                 </a:solidFill>
-                <a:latin typeface="Roboto Slab"/>
+                <a:latin typeface="Montserrat"/>
               </a:defRPr>
             </a:pPr>
             <a:r>
@@ -6542,11 +8992,11 @@
                 <a:solidFill>
                   <a:srgbClr val="FFFFFF"/>
                 </a:solidFill>
-                <a:latin typeface="Georgia"/>
+                <a:latin typeface="Lato"/>
               </a:defRPr>
             </a:pPr>
             <a:r>
-              <a:t>Key features of Java: object-oriented, platform-independent, and robust</a:t>
+              <a:t>Java is a popular programming language known for its versatility and portability.</a:t>
             </a:r>
           </a:p>
           <a:p>
@@ -6558,11 +9008,11 @@
                 <a:solidFill>
                   <a:srgbClr val="FFFFFF"/>
                 </a:solidFill>
-                <a:latin typeface="Georgia"/>
+                <a:latin typeface="Lato"/>
               </a:defRPr>
             </a:pPr>
             <a:r>
-              <a:t>Examples of Java-based applications: Android apps, web applications, and enterprise software</a:t>
+              <a:t>It was developed by Sun Microsystems in 1995 and is now maintained by Oracle.</a:t>
             </a:r>
           </a:p>
           <a:p>
@@ -6574,11 +9024,363 @@
                 <a:solidFill>
                   <a:srgbClr val="FFFFFF"/>
                 </a:solidFill>
-                <a:latin typeface="Georgia"/>
+                <a:latin typeface="Lato"/>
               </a:defRPr>
             </a:pPr>
             <a:r>
-              <a:t>Java's role in the software development industry: widely used and in high demand</a:t>
+              <a:t>Java is widely used for developing a wide range of applications, including web and mobile applications, enterprise software, and embedded systems.</a:t>
+            </a:r>
+          </a:p>
+          <a:p>
+            <a:pPr algn="l">
+              <a:spcAft>
+                <a:spcPts val="3000"/>
+              </a:spcAft>
+              <a:defRPr sz="3600">
+                <a:solidFill>
+                  <a:srgbClr val="FFFFFF"/>
+                </a:solidFill>
+                <a:latin typeface="Lato"/>
+              </a:defRPr>
+            </a:pPr>
+            <a:r>
+              <a:t>The language is designed to be simple, object-oriented, and platform-independent.</a:t>
+            </a:r>
+          </a:p>
+        </p:txBody>
+      </p:sp>
+    </p:spTree>
+  </p:cSld>
+  <p:clrMapOvr>
+    <a:masterClrMapping/>
+  </p:clrMapOvr>
+</p:sld>
+</file>
+
+<file path=ppt/slides/slide3.xml><?xml version="1.0" encoding="utf-8"?>
+<p:sld xmlns:a="http://schemas.openxmlformats.org/drawingml/2006/main" xmlns:p="http://schemas.openxmlformats.org/presentationml/2006/main" xmlns:r="http://schemas.openxmlformats.org/officeDocument/2006/relationships">
+  <p:cSld>
+    <p:spTree>
+      <p:nvGrpSpPr>
+        <p:cNvPr id="1" name=""/>
+        <p:cNvGrpSpPr/>
+        <p:nvPr/>
+      </p:nvGrpSpPr>
+      <p:grpSpPr/>
+      <p:pic>
+        <p:nvPicPr>
+          <p:cNvPr id="2" name="Picture 1" descr="4.png"/>
+          <p:cNvPicPr>
+            <a:picLocks noChangeAspect="1"/>
+          </p:cNvPicPr>
+          <p:nvPr/>
+        </p:nvPicPr>
+        <p:blipFill>
+          <a:blip r:embed="rId2"/>
+          <a:stretch>
+            <a:fillRect/>
+          </a:stretch>
+        </p:blipFill>
+        <p:spPr>
+          <a:xfrm>
+            <a:off x="1170432" y="1216152"/>
+            <a:ext cx="7223760" cy="5248656"/>
+          </a:xfrm>
+          <a:prstGeom prst="rect">
+            <a:avLst/>
+          </a:prstGeom>
+        </p:spPr>
+      </p:pic>
+      <p:sp>
+        <p:nvSpPr>
+          <p:cNvPr id="3" name="TextBox 2"/>
+          <p:cNvSpPr txBox="1"/>
+          <p:nvPr/>
+        </p:nvSpPr>
+        <p:spPr>
+          <a:xfrm>
+            <a:off x="1170432" y="6537960"/>
+            <a:ext cx="7141464" cy="2834640"/>
+          </a:xfrm>
+          <a:prstGeom prst="rect">
+            <a:avLst/>
+          </a:prstGeom>
+          <a:noFill/>
+        </p:spPr>
+        <p:txBody>
+          <a:bodyPr wrap="square">
+            <a:spAutoFit/>
+          </a:bodyPr>
+          <a:lstStyle/>
+          <a:p>
+            <a:pPr algn="l">
+              <a:spcAft>
+                <a:spcPts val="0"/>
+              </a:spcAft>
+              <a:defRPr sz="5000">
+                <a:solidFill>
+                  <a:srgbClr val="72DEAD"/>
+                </a:solidFill>
+                <a:latin typeface="Montserrat"/>
+              </a:defRPr>
+            </a:pPr>
+            <a:r>
+              <a:t>Understanding Java's Object-Oriented Approach</a:t>
+            </a:r>
+          </a:p>
+        </p:txBody>
+      </p:sp>
+      <p:sp>
+        <p:nvSpPr>
+          <p:cNvPr id="4" name="TextBox 3"/>
+          <p:cNvSpPr txBox="1"/>
+          <p:nvPr/>
+        </p:nvSpPr>
+        <p:spPr>
+          <a:xfrm>
+            <a:off x="8924544" y="1216152"/>
+            <a:ext cx="8156448" cy="7955279"/>
+          </a:xfrm>
+          <a:prstGeom prst="rect">
+            <a:avLst/>
+          </a:prstGeom>
+          <a:noFill/>
+        </p:spPr>
+        <p:txBody>
+          <a:bodyPr wrap="square">
+            <a:spAutoFit/>
+          </a:bodyPr>
+          <a:lstStyle/>
+          <a:p>
+            <a:pPr algn="l">
+              <a:spcAft>
+                <a:spcPts val="3000"/>
+              </a:spcAft>
+              <a:defRPr sz="3600">
+                <a:solidFill>
+                  <a:srgbClr val="FFFFFF"/>
+                </a:solidFill>
+                <a:latin typeface="Lato"/>
+              </a:defRPr>
+            </a:pPr>
+            <a:r>
+              <a:t>Java is built around the object-oriented programming (OOP) paradigm.</a:t>
+            </a:r>
+          </a:p>
+          <a:p>
+            <a:pPr algn="l">
+              <a:spcAft>
+                <a:spcPts val="3000"/>
+              </a:spcAft>
+              <a:defRPr sz="3600">
+                <a:solidFill>
+                  <a:srgbClr val="FFFFFF"/>
+                </a:solidFill>
+                <a:latin typeface="Lato"/>
+              </a:defRPr>
+            </a:pPr>
+            <a:r>
+              <a:t>OOP allows for modular, reusable, and easily maintainable code structures.</a:t>
+            </a:r>
+          </a:p>
+          <a:p>
+            <a:pPr algn="l">
+              <a:spcAft>
+                <a:spcPts val="3000"/>
+              </a:spcAft>
+              <a:defRPr sz="3600">
+                <a:solidFill>
+                  <a:srgbClr val="FFFFFF"/>
+                </a:solidFill>
+                <a:latin typeface="Lato"/>
+              </a:defRPr>
+            </a:pPr>
+            <a:r>
+              <a:t>Key OOP concepts in Java include classes, objects, inheritance, polymorphism, and encapsulation.</a:t>
+            </a:r>
+          </a:p>
+          <a:p>
+            <a:pPr algn="l">
+              <a:spcAft>
+                <a:spcPts val="3000"/>
+              </a:spcAft>
+              <a:defRPr sz="3600">
+                <a:solidFill>
+                  <a:srgbClr val="FFFFFF"/>
+                </a:solidFill>
+                <a:latin typeface="Lato"/>
+              </a:defRPr>
+            </a:pPr>
+            <a:r>
+              <a:t>By leveraging these OOP features, developers can model real-world entities and build robust software systems.</a:t>
+            </a:r>
+          </a:p>
+        </p:txBody>
+      </p:sp>
+    </p:spTree>
+  </p:cSld>
+  <p:clrMapOvr>
+    <a:masterClrMapping/>
+  </p:clrMapOvr>
+</p:sld>
+</file>
+
+<file path=ppt/slides/slide4.xml><?xml version="1.0" encoding="utf-8"?>
+<p:sld xmlns:a="http://schemas.openxmlformats.org/drawingml/2006/main" xmlns:p="http://schemas.openxmlformats.org/presentationml/2006/main" xmlns:r="http://schemas.openxmlformats.org/officeDocument/2006/relationships">
+  <p:cSld>
+    <p:spTree>
+      <p:nvGrpSpPr>
+        <p:cNvPr id="1" name=""/>
+        <p:cNvGrpSpPr/>
+        <p:nvPr/>
+      </p:nvGrpSpPr>
+      <p:grpSpPr/>
+      <p:pic>
+        <p:nvPicPr>
+          <p:cNvPr id="2" name="Picture 1" descr="4.png"/>
+          <p:cNvPicPr>
+            <a:picLocks noChangeAspect="1"/>
+          </p:cNvPicPr>
+          <p:nvPr/>
+        </p:nvPicPr>
+        <p:blipFill>
+          <a:blip r:embed="rId2"/>
+          <a:stretch>
+            <a:fillRect/>
+          </a:stretch>
+        </p:blipFill>
+        <p:spPr>
+          <a:xfrm>
+            <a:off x="1280160" y="2386584"/>
+            <a:ext cx="7754112" cy="6675120"/>
+          </a:xfrm>
+          <a:prstGeom prst="rect">
+            <a:avLst/>
+          </a:prstGeom>
+        </p:spPr>
+      </p:pic>
+      <p:sp>
+        <p:nvSpPr>
+          <p:cNvPr id="3" name="TextBox 2"/>
+          <p:cNvSpPr txBox="1"/>
+          <p:nvPr/>
+        </p:nvSpPr>
+        <p:spPr>
+          <a:xfrm>
+            <a:off x="1261872" y="1051560"/>
+            <a:ext cx="15745967" cy="1197864"/>
+          </a:xfrm>
+          <a:prstGeom prst="rect">
+            <a:avLst/>
+          </a:prstGeom>
+          <a:noFill/>
+        </p:spPr>
+        <p:txBody>
+          <a:bodyPr wrap="square">
+            <a:spAutoFit/>
+          </a:bodyPr>
+          <a:lstStyle/>
+          <a:p>
+            <a:pPr algn="l">
+              <a:spcAft>
+                <a:spcPts val="0"/>
+              </a:spcAft>
+              <a:defRPr sz="5000">
+                <a:solidFill>
+                  <a:srgbClr val="72DEAD"/>
+                </a:solidFill>
+                <a:latin typeface="Montserrat"/>
+              </a:defRPr>
+            </a:pPr>
+            <a:r>
+              <a:t>Java's Platform-Independence</a:t>
+            </a:r>
+          </a:p>
+        </p:txBody>
+      </p:sp>
+      <p:sp>
+        <p:nvSpPr>
+          <p:cNvPr id="4" name="TextBox 3"/>
+          <p:cNvSpPr txBox="1"/>
+          <p:nvPr/>
+        </p:nvSpPr>
+        <p:spPr>
+          <a:xfrm>
+            <a:off x="9262872" y="2386584"/>
+            <a:ext cx="7772400" cy="6492240"/>
+          </a:xfrm>
+          <a:prstGeom prst="rect">
+            <a:avLst/>
+          </a:prstGeom>
+          <a:noFill/>
+        </p:spPr>
+        <p:txBody>
+          <a:bodyPr wrap="square">
+            <a:spAutoFit/>
+          </a:bodyPr>
+          <a:lstStyle/>
+          <a:p>
+            <a:pPr algn="l">
+              <a:spcAft>
+                <a:spcPts val="2500"/>
+              </a:spcAft>
+              <a:defRPr sz="3200">
+                <a:solidFill>
+                  <a:srgbClr val="FFFFFF"/>
+                </a:solidFill>
+                <a:latin typeface="Lato"/>
+              </a:defRPr>
+            </a:pPr>
+            <a:r>
+              <a:t>One of the main advantages of Java is its platform independence.</a:t>
+            </a:r>
+          </a:p>
+          <a:p>
+            <a:pPr algn="l">
+              <a:spcAft>
+                <a:spcPts val="2500"/>
+              </a:spcAft>
+              <a:defRPr sz="3200">
+                <a:solidFill>
+                  <a:srgbClr val="FFFFFF"/>
+                </a:solidFill>
+                <a:latin typeface="Lato"/>
+              </a:defRPr>
+            </a:pPr>
+            <a:r>
+              <a:t>Java programs can run on any operating system or platform that has a Java Virtual Machine (JVM) installed.</a:t>
+            </a:r>
+          </a:p>
+          <a:p>
+            <a:pPr algn="l">
+              <a:spcAft>
+                <a:spcPts val="2500"/>
+              </a:spcAft>
+              <a:defRPr sz="3200">
+                <a:solidFill>
+                  <a:srgbClr val="FFFFFF"/>
+                </a:solidFill>
+                <a:latin typeface="Lato"/>
+              </a:defRPr>
+            </a:pPr>
+            <a:r>
+              <a:t>This "write once, run anywhere" capability is achieved through Java bytecode, which is executed by the JVM.</a:t>
+            </a:r>
+          </a:p>
+          <a:p>
+            <a:pPr algn="l">
+              <a:spcAft>
+                <a:spcPts val="2500"/>
+              </a:spcAft>
+              <a:defRPr sz="3200">
+                <a:solidFill>
+                  <a:srgbClr val="FFFFFF"/>
+                </a:solidFill>
+                <a:latin typeface="Lato"/>
+              </a:defRPr>
+            </a:pPr>
+            <a:r>
+              <a:t>This allows developers to develop applications on one platform and deploy them on multiple platforms without any modifications.</a:t>
             </a:r>
           </a:p>
         </p:txBody>
@@ -6653,13 +9455,13 @@
               </a:spcAft>
               <a:defRPr sz="5000">
                 <a:solidFill>
-                  <a:srgbClr val="FFFFFF"/>
+                  <a:srgbClr val="72DEAD"/>
                 </a:solidFill>
-                <a:latin typeface="Roboto Slab"/>
+                <a:latin typeface="Montserrat"/>
               </a:defRPr>
             </a:pPr>
             <a:r>
-              <a:t>Java Syntax and Structure</a:t>
+              <a:t>Java Development Tools</a:t>
             </a:r>
           </a:p>
         </p:txBody>
@@ -6694,11 +9496,11 @@
                 <a:solidFill>
                   <a:srgbClr val="FFFFFF"/>
                 </a:solidFill>
-                <a:latin typeface="Georgia"/>
+                <a:latin typeface="Lato"/>
               </a:defRPr>
             </a:pPr>
             <a:r>
-              <a:t>Basics of Java syntax: variables, data types, and operators</a:t>
+              <a:t>There are numerous tools available for Java development, including Integrated Development Environments (IDEs) like Eclipse and IntelliJ IDEA.</a:t>
             </a:r>
           </a:p>
           <a:p>
@@ -6710,11 +9512,11 @@
                 <a:solidFill>
                   <a:srgbClr val="FFFFFF"/>
                 </a:solidFill>
-                <a:latin typeface="Georgia"/>
+                <a:latin typeface="Lato"/>
               </a:defRPr>
             </a:pPr>
             <a:r>
-              <a:t>Control structures: if-else statements, loops, and switch cases</a:t>
+              <a:t>These IDEs provide features such as code completion, debugging, and refactoring to enhance the developer's productivity.</a:t>
             </a:r>
           </a:p>
           <a:p>
@@ -6726,11 +9528,11 @@
                 <a:solidFill>
                   <a:srgbClr val="FFFFFF"/>
                 </a:solidFill>
-                <a:latin typeface="Georgia"/>
+                <a:latin typeface="Lato"/>
               </a:defRPr>
             </a:pPr>
             <a:r>
-              <a:t>Object-oriented programming concepts: classes, objects, and inheritance</a:t>
+              <a:t>Other tools, such as Maven and Gradle, help manage dependencies and build Java projects.</a:t>
             </a:r>
           </a:p>
           <a:p>
@@ -6742,11 +9544,11 @@
                 <a:solidFill>
                   <a:srgbClr val="FFFFFF"/>
                 </a:solidFill>
-                <a:latin typeface="Georgia"/>
+                <a:latin typeface="Lato"/>
               </a:defRPr>
             </a:pPr>
             <a:r>
-              <a:t>Exception handling: try-catch blocks for handling errors</a:t>
+              <a:t>The Java Development Kit (JDK) provides the necessary tools and libraries to compile, debug, and run Java programs.</a:t>
             </a:r>
           </a:p>
         </p:txBody>
@@ -6797,13 +9599,196 @@
               </a:spcAft>
               <a:defRPr sz="5000">
                 <a:solidFill>
-                  <a:srgbClr val="FFFFFF"/>
+                  <a:srgbClr val="72DEAD"/>
                 </a:solidFill>
-                <a:latin typeface="Roboto Slab"/>
+                <a:latin typeface="Montserrat"/>
               </a:defRPr>
             </a:pPr>
             <a:r>
-              <a:t>Java APIs and Libraries</a:t>
+              <a:t>Java's Standard Library</a:t>
+            </a:r>
+          </a:p>
+        </p:txBody>
+      </p:sp>
+      <p:sp>
+        <p:nvSpPr>
+          <p:cNvPr id="3" name="TextBox 2"/>
+          <p:cNvSpPr txBox="1"/>
+          <p:nvPr/>
+        </p:nvSpPr>
+        <p:spPr>
+          <a:xfrm>
+            <a:off x="1051560" y="914400"/>
+            <a:ext cx="16047720" cy="1645920"/>
+          </a:xfrm>
+          <a:prstGeom prst="rect">
+            <a:avLst/>
+          </a:prstGeom>
+          <a:noFill/>
+        </p:spPr>
+        <p:txBody>
+          <a:bodyPr wrap="square">
+            <a:spAutoFit/>
+          </a:bodyPr>
+          <a:lstStyle/>
+          <a:p>
+            <a:pPr algn="l">
+              <a:spcAft>
+                <a:spcPts val="0"/>
+              </a:spcAft>
+              <a:defRPr sz="5000">
+                <a:solidFill>
+                  <a:srgbClr val="72DEAD"/>
+                </a:solidFill>
+                <a:latin typeface="Montserrat"/>
+              </a:defRPr>
+            </a:pPr>
+            <a:r>
+              <a:t>Java's Standard Library</a:t>
+            </a:r>
+          </a:p>
+        </p:txBody>
+      </p:sp>
+      <p:sp>
+        <p:nvSpPr>
+          <p:cNvPr id="4" name="TextBox 3"/>
+          <p:cNvSpPr txBox="1"/>
+          <p:nvPr/>
+        </p:nvSpPr>
+        <p:spPr>
+          <a:xfrm>
+            <a:off x="1051560" y="2743200"/>
+            <a:ext cx="16047720" cy="6949440"/>
+          </a:xfrm>
+          <a:prstGeom prst="rect">
+            <a:avLst/>
+          </a:prstGeom>
+          <a:noFill/>
+        </p:spPr>
+        <p:txBody>
+          <a:bodyPr wrap="square">
+            <a:spAutoFit/>
+          </a:bodyPr>
+          <a:lstStyle/>
+          <a:p>
+            <a:pPr algn="l">
+              <a:spcAft>
+                <a:spcPts val="3500"/>
+              </a:spcAft>
+              <a:defRPr sz="3600">
+                <a:solidFill>
+                  <a:srgbClr val="FFFFFF"/>
+                </a:solidFill>
+                <a:latin typeface="Lato"/>
+              </a:defRPr>
+            </a:pPr>
+            <a:r>
+              <a:t>Java's Standard Library offers a wide range of built-in classes and methods.</a:t>
+            </a:r>
+          </a:p>
+          <a:p>
+            <a:pPr algn="l">
+              <a:spcAft>
+                <a:spcPts val="3500"/>
+              </a:spcAft>
+              <a:defRPr sz="3600">
+                <a:solidFill>
+                  <a:srgbClr val="FFFFFF"/>
+                </a:solidFill>
+                <a:latin typeface="Lato"/>
+              </a:defRPr>
+            </a:pPr>
+            <a:r>
+              <a:t>It includes classes for handling input/output, networking, database access, and GUI development.</a:t>
+            </a:r>
+          </a:p>
+          <a:p>
+            <a:pPr algn="l">
+              <a:spcAft>
+                <a:spcPts val="3500"/>
+              </a:spcAft>
+              <a:defRPr sz="3600">
+                <a:solidFill>
+                  <a:srgbClr val="FFFFFF"/>
+                </a:solidFill>
+                <a:latin typeface="Lato"/>
+              </a:defRPr>
+            </a:pPr>
+            <a:r>
+              <a:t>The library saves time by providing ready-made solutions for common programming tasks.</a:t>
+            </a:r>
+          </a:p>
+          <a:p>
+            <a:pPr algn="l">
+              <a:spcAft>
+                <a:spcPts val="3500"/>
+              </a:spcAft>
+              <a:defRPr sz="3600">
+                <a:solidFill>
+                  <a:srgbClr val="FFFFFF"/>
+                </a:solidFill>
+                <a:latin typeface="Lato"/>
+              </a:defRPr>
+            </a:pPr>
+            <a:r>
+              <a:t>Its documentation makes it easy to understand and use the provided functionalities.</a:t>
+            </a:r>
+          </a:p>
+        </p:txBody>
+      </p:sp>
+    </p:spTree>
+  </p:cSld>
+  <p:clrMapOvr>
+    <a:masterClrMapping/>
+  </p:clrMapOvr>
+</p:sld>
+</file>
+
+<file path=ppt/slides/slide7.xml><?xml version="1.0" encoding="utf-8"?>
+<p:sld xmlns:a="http://schemas.openxmlformats.org/drawingml/2006/main" xmlns:p="http://schemas.openxmlformats.org/presentationml/2006/main" xmlns:r="http://schemas.openxmlformats.org/officeDocument/2006/relationships">
+  <p:cSld>
+    <p:spTree>
+      <p:nvGrpSpPr>
+        <p:cNvPr id="1" name=""/>
+        <p:cNvGrpSpPr/>
+        <p:nvPr/>
+      </p:nvGrpSpPr>
+      <p:grpSpPr/>
+      <p:sp>
+        <p:nvSpPr>
+          <p:cNvPr id="2" name="TextBox 1"/>
+          <p:cNvSpPr txBox="1"/>
+          <p:nvPr/>
+        </p:nvSpPr>
+        <p:spPr>
+          <a:xfrm>
+            <a:off x="1051560" y="914400"/>
+            <a:ext cx="16047720" cy="1645920"/>
+          </a:xfrm>
+          <a:prstGeom prst="rect">
+            <a:avLst/>
+          </a:prstGeom>
+          <a:noFill/>
+        </p:spPr>
+        <p:txBody>
+          <a:bodyPr wrap="square">
+            <a:spAutoFit/>
+          </a:bodyPr>
+          <a:lstStyle/>
+          <a:p>
+            <a:pPr algn="l">
+              <a:spcAft>
+                <a:spcPts val="0"/>
+              </a:spcAft>
+              <a:defRPr sz="5000">
+                <a:solidFill>
+                  <a:srgbClr val="72DEAD"/>
+                </a:solidFill>
+                <a:latin typeface="Montserrat"/>
+              </a:defRPr>
+            </a:pPr>
+            <a:r>
+              <a:t>Java's Memory Management</a:t>
             </a:r>
           </a:p>
         </p:txBody>
@@ -6838,11 +9823,11 @@
                 <a:solidFill>
                   <a:srgbClr val="FFFFFF"/>
                 </a:solidFill>
-                <a:latin typeface="Georgia"/>
+                <a:latin typeface="Lato"/>
               </a:defRPr>
             </a:pPr>
             <a:r>
-              <a:t>Java API overview: classes, interfaces, and packages provided by Java platform</a:t>
+              <a:t>Java features automatic memory management, also known as garbage collection.</a:t>
             </a:r>
           </a:p>
           <a:p>
@@ -6854,11 +9839,11 @@
                 <a:solidFill>
                   <a:srgbClr val="FFFFFF"/>
                 </a:solidFill>
-                <a:latin typeface="Georgia"/>
+                <a:latin typeface="Lato"/>
               </a:defRPr>
             </a:pPr>
             <a:r>
-              <a:t>Commonly used Java libraries: Swing for GUI, JDBC for database connectivity, and JUnit for testing</a:t>
+              <a:t>The JVM automatically handles memory allocation and deallocation, relieving the developer from manual memory management.</a:t>
             </a:r>
           </a:p>
           <a:p>
@@ -6870,11 +9855,11 @@
                 <a:solidFill>
                   <a:srgbClr val="FFFFFF"/>
                 </a:solidFill>
-                <a:latin typeface="Georgia"/>
+                <a:latin typeface="Lato"/>
               </a:defRPr>
             </a:pPr>
             <a:r>
-              <a:t>Popular frameworks built on Java: Spring, Hibernate, and Apache Struts</a:t>
+              <a:t>Java's garbage collector identifies and frees up memory that is no longer in use, preventing memory leaks and improving performance.</a:t>
             </a:r>
           </a:p>
           <a:p>
@@ -6886,11 +9871,11 @@
                 <a:solidFill>
                   <a:srgbClr val="FFFFFF"/>
                 </a:solidFill>
-                <a:latin typeface="Georgia"/>
+                <a:latin typeface="Lato"/>
               </a:defRPr>
             </a:pPr>
             <a:r>
-              <a:t>Benefits of using Java libraries and APIs: faster development, code reuse, and improved efficiency</a:t>
+              <a:t>This memory management system allows developers to focus on writing application logic without worrying about memory allocation and deallocation.</a:t>
             </a:r>
           </a:p>
         </p:txBody>
@@ -6903,7 +9888,7 @@
 </p:sld>
 </file>
 
-<file path=ppt/slides/slide7.xml><?xml version="1.0" encoding="utf-8"?>
+<file path=ppt/slides/slide8.xml><?xml version="1.0" encoding="utf-8"?>
 <p:sld xmlns:a="http://schemas.openxmlformats.org/drawingml/2006/main" xmlns:p="http://schemas.openxmlformats.org/presentationml/2006/main" xmlns:r="http://schemas.openxmlformats.org/officeDocument/2006/relationships">
   <p:cSld>
     <p:spTree>
@@ -6963,15 +9948,15 @@
               <a:spcAft>
                 <a:spcPts val="0"/>
               </a:spcAft>
-              <a:defRPr sz="5000">
+              <a:defRPr sz="6600">
                 <a:solidFill>
-                  <a:srgbClr val="FFFFFF"/>
+                  <a:srgbClr val="72DEAD"/>
                 </a:solidFill>
-                <a:latin typeface="Roboto Slab"/>
+                <a:latin typeface="Montserrat"/>
               </a:defRPr>
             </a:pPr>
             <a:r>
-              <a:t>Java Development Tools</a:t>
+              <a:t>Java's vast Community and Libraries</a:t>
             </a:r>
           </a:p>
         </p:txBody>
@@ -6984,7 +9969,7 @@
         </p:nvSpPr>
         <p:spPr>
           <a:xfrm>
-            <a:off x="822960" y="2468880"/>
+            <a:off x="822960" y="2862072"/>
             <a:ext cx="8878824" cy="6400800"/>
           </a:xfrm>
           <a:prstGeom prst="rect">
@@ -7006,11 +9991,11 @@
                 <a:solidFill>
                   <a:srgbClr val="FFFFFF"/>
                 </a:solidFill>
-                <a:latin typeface="Georgia"/>
+                <a:latin typeface="Lato"/>
               </a:defRPr>
             </a:pPr>
             <a:r>
-              <a:t>Integrated Development Environments (IDEs) for Java: Eclipse, IntelliJ IDEA, and NetBeans</a:t>
+              <a:t>Java has a large and active community of developers worldwide.</a:t>
             </a:r>
           </a:p>
           <a:p>
@@ -7022,11 +10007,11 @@
                 <a:solidFill>
                   <a:srgbClr val="FFFFFF"/>
                 </a:solidFill>
-                <a:latin typeface="Georgia"/>
+                <a:latin typeface="Lato"/>
               </a:defRPr>
             </a:pPr>
             <a:r>
-              <a:t>Java Development Kit (JDK): includes Java compiler, runtime environment, and other tools</a:t>
+              <a:t>This community provides support, resources, and vibrant discussion forums for Java developers.</a:t>
             </a:r>
           </a:p>
           <a:p>
@@ -7038,11 +10023,11 @@
                 <a:solidFill>
                   <a:srgbClr val="FFFFFF"/>
                 </a:solidFill>
-                <a:latin typeface="Georgia"/>
+                <a:latin typeface="Lato"/>
               </a:defRPr>
             </a:pPr>
             <a:r>
-              <a:t>Build tools: Apache Maven and Gradle for managing dependencies and building Java projects</a:t>
+              <a:t>In addition to the Standard Library, there are countless open-source libraries and frameworks available for various purposes, such as Spring, Hibernate, and Apache Commons.</a:t>
             </a:r>
           </a:p>
           <a:p>
@@ -7054,11 +10039,11 @@
                 <a:solidFill>
                   <a:srgbClr val="FFFFFF"/>
                 </a:solidFill>
-                <a:latin typeface="Georgia"/>
+                <a:latin typeface="Lato"/>
               </a:defRPr>
             </a:pPr>
             <a:r>
-              <a:t>Debugging and testing tools: JUnit for unit testing and debugging capabilities in IDEs.</a:t>
+              <a:t>These libraries extend Java's functionality and make it easier to develop complex applications.</a:t>
             </a:r>
           </a:p>
         </p:txBody>
@@ -7072,44 +10057,44 @@
 </file>
 
 <file path=ppt/theme/theme1.xml><?xml version="1.0" encoding="utf-8"?>
-<a:theme xmlns:a="http://schemas.openxmlformats.org/drawingml/2006/main" name="Marina">
+<a:theme xmlns:a="http://schemas.openxmlformats.org/drawingml/2006/main" name="Focus">
   <a:themeElements>
-    <a:clrScheme name="Marina">
+    <a:clrScheme name="Focus">
       <a:dk1>
-        <a:srgbClr val="FFFFFF"/>
+        <a:srgbClr val="1B212C"/>
       </a:dk1>
       <a:lt1>
-        <a:srgbClr val="00517C"/>
+        <a:srgbClr val="FFFFFF"/>
       </a:lt1>
       <a:dk2>
-        <a:srgbClr val="004065"/>
+        <a:srgbClr val="D9D9D9"/>
       </a:dk2>
       <a:lt2>
-        <a:srgbClr val="CFD8DC"/>
+        <a:srgbClr val="82C7A5"/>
       </a:lt2>
       <a:accent1>
-        <a:srgbClr val="0277BD"/>
+        <a:srgbClr val="0145AC"/>
       </a:accent1>
       <a:accent2>
-        <a:srgbClr val="558B2F"/>
+        <a:srgbClr val="EECE1A"/>
       </a:accent2>
       <a:accent3>
-        <a:srgbClr val="009688"/>
+        <a:srgbClr val="4E5567"/>
       </a:accent3>
       <a:accent4>
-        <a:srgbClr val="039BE5"/>
+        <a:srgbClr val="F4D6AD"/>
       </a:accent4>
       <a:accent5>
-        <a:srgbClr val="8BC34A"/>
+        <a:srgbClr val="7890CD"/>
       </a:accent5>
       <a:accent6>
-        <a:srgbClr val="FFEB38"/>
+        <a:srgbClr val="F15E22"/>
       </a:accent6>
       <a:hlink>
-        <a:srgbClr val="8BC34A"/>
+        <a:srgbClr val="7890CD"/>
       </a:hlink>
       <a:folHlink>
-        <a:srgbClr val="8BC34A"/>
+        <a:srgbClr val="7890CD"/>
       </a:folHlink>
     </a:clrScheme>
     <a:fontScheme name="Office">
